--- a/Documents/20-020_W601.pptx
+++ b/Documents/20-020_W601.pptx
@@ -5,10 +5,10 @@
     <p:sldMasterId id="2147483672" r:id="rId4"/>
   </p:sldMasterIdLst>
   <p:notesMasterIdLst>
-    <p:notesMasterId r:id="rId35"/>
+    <p:notesMasterId r:id="rId38"/>
   </p:notesMasterIdLst>
   <p:handoutMasterIdLst>
-    <p:handoutMasterId r:id="rId36"/>
+    <p:handoutMasterId r:id="rId39"/>
   </p:handoutMasterIdLst>
   <p:sldIdLst>
     <p:sldId id="274" r:id="rId5"/>
@@ -27,20 +27,23 @@
     <p:sldId id="1026" r:id="rId18"/>
     <p:sldId id="1027" r:id="rId19"/>
     <p:sldId id="1028" r:id="rId20"/>
-    <p:sldId id="1029" r:id="rId21"/>
-    <p:sldId id="1030" r:id="rId22"/>
-    <p:sldId id="1031" r:id="rId23"/>
-    <p:sldId id="1032" r:id="rId24"/>
-    <p:sldId id="1033" r:id="rId25"/>
-    <p:sldId id="1034" r:id="rId26"/>
-    <p:sldId id="409" r:id="rId27"/>
-    <p:sldId id="410" r:id="rId28"/>
-    <p:sldId id="1014" r:id="rId29"/>
-    <p:sldId id="1015" r:id="rId30"/>
-    <p:sldId id="1016" r:id="rId31"/>
-    <p:sldId id="1008" r:id="rId32"/>
-    <p:sldId id="1010" r:id="rId33"/>
-    <p:sldId id="1009" r:id="rId34"/>
+    <p:sldId id="1039" r:id="rId21"/>
+    <p:sldId id="1040" r:id="rId22"/>
+    <p:sldId id="1041" r:id="rId23"/>
+    <p:sldId id="1029" r:id="rId24"/>
+    <p:sldId id="1030" r:id="rId25"/>
+    <p:sldId id="1031" r:id="rId26"/>
+    <p:sldId id="1032" r:id="rId27"/>
+    <p:sldId id="1033" r:id="rId28"/>
+    <p:sldId id="1034" r:id="rId29"/>
+    <p:sldId id="409" r:id="rId30"/>
+    <p:sldId id="410" r:id="rId31"/>
+    <p:sldId id="1014" r:id="rId32"/>
+    <p:sldId id="1015" r:id="rId33"/>
+    <p:sldId id="1016" r:id="rId34"/>
+    <p:sldId id="1008" r:id="rId35"/>
+    <p:sldId id="1010" r:id="rId36"/>
+    <p:sldId id="1009" r:id="rId37"/>
   </p:sldIdLst>
   <p:sldSz cx="12192000" cy="6858000"/>
   <p:notesSz cx="6858000" cy="9144000"/>
@@ -171,7 +174,7 @@
   </p:defaultTextStyle>
   <p:extLst>
     <p:ext uri="{EFAFB233-063F-42B5-8137-9DF3F51BA10A}">
-      <p15:sldGuideLst xmlns="" xmlns:p15="http://schemas.microsoft.com/office/powerpoint/2012/main">
+      <p15:sldGuideLst xmlns:p15="http://schemas.microsoft.com/office/powerpoint/2012/main" xmlns="">
         <p15:guide id="1" orient="horz" pos="618" userDrawn="1">
           <p15:clr>
             <a:srgbClr val="A4A3A4"/>
@@ -185,7 +188,7 @@
       </p15:sldGuideLst>
     </p:ext>
     <p:ext uri="{2D200454-40CA-4A62-9FC3-DE9A4176ACB9}">
-      <p15:notesGuideLst xmlns="" xmlns:p15="http://schemas.microsoft.com/office/powerpoint/2012/main"/>
+      <p15:notesGuideLst xmlns:p15="http://schemas.microsoft.com/office/powerpoint/2012/main" xmlns=""/>
     </p:ext>
   </p:extLst>
 </p:presentation>
@@ -273,7 +276,7 @@
           <a:p>
             <a:fld id="{9DFF5471-3790-423B-9092-670F2B6ED9D0}" type="datetimeFigureOut">
               <a:rPr lang="en-IN" smtClean="0"/>
-              <a:t>21-12-2020</a:t>
+              <a:t>23-12-2020</a:t>
             </a:fld>
             <a:endParaRPr lang="en-IN"/>
           </a:p>
@@ -438,7 +441,7 @@
           <a:p>
             <a:fld id="{F1DD53B3-B155-4E53-B325-36994AC02032}" type="datetimeFigureOut">
               <a:rPr lang="en-IN" smtClean="0"/>
-              <a:t>21-12-2020</a:t>
+              <a:t>23-12-2020</a:t>
             </a:fld>
             <a:endParaRPr lang="en-IN"/>
           </a:p>
@@ -1055,7 +1058,7 @@
           <p:cNvPr id="5" name="Footer Placeholder 4">
             <a:extLst>
               <a:ext uri="{FF2B5EF4-FFF2-40B4-BE49-F238E27FC236}">
-                <a16:creationId xmlns="" xmlns:a16="http://schemas.microsoft.com/office/drawing/2014/main" id="{F3F9B211-64F4-41B9-B1D9-AEF45E051DA7}"/>
+                <a16:creationId xmlns:a16="http://schemas.microsoft.com/office/drawing/2014/main" xmlns="" id="{F3F9B211-64F4-41B9-B1D9-AEF45E051DA7}"/>
               </a:ext>
             </a:extLst>
           </p:cNvPr>
@@ -1658,7 +1661,7 @@
           <p:cNvPr id="9" name="Straight Connector 8">
             <a:extLst>
               <a:ext uri="{FF2B5EF4-FFF2-40B4-BE49-F238E27FC236}">
-                <a16:creationId xmlns="" xmlns:a16="http://schemas.microsoft.com/office/drawing/2014/main" id="{47177511-DDB5-4101-ADD8-9047BEF9646C}"/>
+                <a16:creationId xmlns:a16="http://schemas.microsoft.com/office/drawing/2014/main" xmlns="" id="{47177511-DDB5-4101-ADD8-9047BEF9646C}"/>
               </a:ext>
             </a:extLst>
           </p:cNvPr>
@@ -1699,7 +1702,7 @@
           <p:cNvPr id="3" name="Text Placeholder 2">
             <a:extLst>
               <a:ext uri="{FF2B5EF4-FFF2-40B4-BE49-F238E27FC236}">
-                <a16:creationId xmlns="" xmlns:a16="http://schemas.microsoft.com/office/drawing/2014/main" id="{F2B1D3A1-8FA8-4972-897A-3DB106C46375}"/>
+                <a16:creationId xmlns:a16="http://schemas.microsoft.com/office/drawing/2014/main" xmlns="" id="{F2B1D3A1-8FA8-4972-897A-3DB106C46375}"/>
               </a:ext>
             </a:extLst>
           </p:cNvPr>
@@ -1798,7 +1801,7 @@
           <p:cNvPr id="11" name="Title 10">
             <a:extLst>
               <a:ext uri="{FF2B5EF4-FFF2-40B4-BE49-F238E27FC236}">
-                <a16:creationId xmlns="" xmlns:a16="http://schemas.microsoft.com/office/drawing/2014/main" id="{F9827A94-5B65-4648-9B36-B9F495D65AF8}"/>
+                <a16:creationId xmlns:a16="http://schemas.microsoft.com/office/drawing/2014/main" xmlns="" id="{F9827A94-5B65-4648-9B36-B9F495D65AF8}"/>
               </a:ext>
             </a:extLst>
           </p:cNvPr>
@@ -2654,7 +2657,7 @@
           <p:cNvPr id="10" name="Picture 9">
             <a:extLst>
               <a:ext uri="{FF2B5EF4-FFF2-40B4-BE49-F238E27FC236}">
-                <a16:creationId xmlns="" xmlns:a16="http://schemas.microsoft.com/office/drawing/2014/main" id="{485E98F7-B132-4F41-8CB2-131D7E9F21ED}"/>
+                <a16:creationId xmlns:a16="http://schemas.microsoft.com/office/drawing/2014/main" xmlns="" id="{485E98F7-B132-4F41-8CB2-131D7E9F21ED}"/>
               </a:ext>
             </a:extLst>
           </p:cNvPr>
@@ -2684,7 +2687,7 @@
           <p:cNvPr id="11" name="Rectangle 10">
             <a:extLst>
               <a:ext uri="{FF2B5EF4-FFF2-40B4-BE49-F238E27FC236}">
-                <a16:creationId xmlns="" xmlns:a16="http://schemas.microsoft.com/office/drawing/2014/main" id="{5744AB58-4D65-4844-81B7-01DBAF32DDB5}"/>
+                <a16:creationId xmlns:a16="http://schemas.microsoft.com/office/drawing/2014/main" xmlns="" id="{5744AB58-4D65-4844-81B7-01DBAF32DDB5}"/>
               </a:ext>
             </a:extLst>
           </p:cNvPr>
@@ -2727,7 +2730,7 @@
           <p:cNvPr id="12" name="Picture 11">
             <a:extLst>
               <a:ext uri="{FF2B5EF4-FFF2-40B4-BE49-F238E27FC236}">
-                <a16:creationId xmlns="" xmlns:a16="http://schemas.microsoft.com/office/drawing/2014/main" id="{5BEAC650-AACF-4429-9266-94C872E45900}"/>
+                <a16:creationId xmlns:a16="http://schemas.microsoft.com/office/drawing/2014/main" xmlns="" id="{5BEAC650-AACF-4429-9266-94C872E45900}"/>
               </a:ext>
             </a:extLst>
           </p:cNvPr>
@@ -3613,7 +3616,7 @@
           <p:cNvPr id="2" name="Slide Number Placeholder 1">
             <a:extLst>
               <a:ext uri="{FF2B5EF4-FFF2-40B4-BE49-F238E27FC236}">
-                <a16:creationId xmlns="" xmlns:a16="http://schemas.microsoft.com/office/drawing/2014/main" id="{E2A346D2-342E-4D26-9516-C88A6E8CC150}"/>
+                <a16:creationId xmlns:a16="http://schemas.microsoft.com/office/drawing/2014/main" xmlns="" id="{E2A346D2-342E-4D26-9516-C88A6E8CC150}"/>
               </a:ext>
             </a:extLst>
           </p:cNvPr>
@@ -3642,7 +3645,7 @@
           <p:cNvPr id="4" name="Title 3">
             <a:extLst>
               <a:ext uri="{FF2B5EF4-FFF2-40B4-BE49-F238E27FC236}">
-                <a16:creationId xmlns="" xmlns:a16="http://schemas.microsoft.com/office/drawing/2014/main" id="{6C1750A8-0A53-40DB-B646-EE267E14322F}"/>
+                <a16:creationId xmlns:a16="http://schemas.microsoft.com/office/drawing/2014/main" xmlns="" id="{6C1750A8-0A53-40DB-B646-EE267E14322F}"/>
               </a:ext>
             </a:extLst>
           </p:cNvPr>
@@ -3676,7 +3679,7 @@
           <p:cNvPr id="3" name="Rectangle 2">
             <a:extLst>
               <a:ext uri="{FF2B5EF4-FFF2-40B4-BE49-F238E27FC236}">
-                <a16:creationId xmlns="" xmlns:a16="http://schemas.microsoft.com/office/drawing/2014/main" id="{DC56F6AA-CC91-42A5-B529-91407EE8CA0B}"/>
+                <a16:creationId xmlns:a16="http://schemas.microsoft.com/office/drawing/2014/main" xmlns="" id="{DC56F6AA-CC91-42A5-B529-91407EE8CA0B}"/>
               </a:ext>
             </a:extLst>
           </p:cNvPr>
@@ -3722,7 +3725,7 @@
           <p:cNvPr id="5" name="Rectangle 4">
             <a:extLst>
               <a:ext uri="{FF2B5EF4-FFF2-40B4-BE49-F238E27FC236}">
-                <a16:creationId xmlns="" xmlns:a16="http://schemas.microsoft.com/office/drawing/2014/main" id="{1AFD8020-F819-48DB-A628-4F914740C5B5}"/>
+                <a16:creationId xmlns:a16="http://schemas.microsoft.com/office/drawing/2014/main" xmlns="" id="{1AFD8020-F819-48DB-A628-4F914740C5B5}"/>
               </a:ext>
             </a:extLst>
           </p:cNvPr>
@@ -3776,7 +3779,7 @@
           <p:cNvPr id="6" name="Rectangle 5">
             <a:extLst>
               <a:ext uri="{FF2B5EF4-FFF2-40B4-BE49-F238E27FC236}">
-                <a16:creationId xmlns="" xmlns:a16="http://schemas.microsoft.com/office/drawing/2014/main" id="{519572F2-77B7-451D-B7B9-E8C4DF760CFE}"/>
+                <a16:creationId xmlns:a16="http://schemas.microsoft.com/office/drawing/2014/main" xmlns="" id="{519572F2-77B7-451D-B7B9-E8C4DF760CFE}"/>
               </a:ext>
             </a:extLst>
           </p:cNvPr>
@@ -3822,7 +3825,7 @@
           <p:cNvPr id="9" name="Straight Connector 8">
             <a:extLst>
               <a:ext uri="{FF2B5EF4-FFF2-40B4-BE49-F238E27FC236}">
-                <a16:creationId xmlns="" xmlns:a16="http://schemas.microsoft.com/office/drawing/2014/main" id="{4C9C328E-BF96-4182-9F0B-C5C11B72F8DE}"/>
+                <a16:creationId xmlns:a16="http://schemas.microsoft.com/office/drawing/2014/main" xmlns="" id="{4C9C328E-BF96-4182-9F0B-C5C11B72F8DE}"/>
               </a:ext>
             </a:extLst>
           </p:cNvPr>
@@ -3863,7 +3866,7 @@
           <p:cNvPr id="13" name="Rectangle 12">
             <a:extLst>
               <a:ext uri="{FF2B5EF4-FFF2-40B4-BE49-F238E27FC236}">
-                <a16:creationId xmlns="" xmlns:a16="http://schemas.microsoft.com/office/drawing/2014/main" id="{323427DF-834D-402D-8EB2-A67EBD08C9DE}"/>
+                <a16:creationId xmlns:a16="http://schemas.microsoft.com/office/drawing/2014/main" xmlns="" id="{323427DF-834D-402D-8EB2-A67EBD08C9DE}"/>
               </a:ext>
             </a:extLst>
           </p:cNvPr>
@@ -3909,7 +3912,7 @@
           <p:cNvPr id="14" name="Rectangle 13">
             <a:extLst>
               <a:ext uri="{FF2B5EF4-FFF2-40B4-BE49-F238E27FC236}">
-                <a16:creationId xmlns="" xmlns:a16="http://schemas.microsoft.com/office/drawing/2014/main" id="{0A6F78A6-5E7B-44BE-8033-86E3CC020CF3}"/>
+                <a16:creationId xmlns:a16="http://schemas.microsoft.com/office/drawing/2014/main" xmlns="" id="{0A6F78A6-5E7B-44BE-8033-86E3CC020CF3}"/>
               </a:ext>
             </a:extLst>
           </p:cNvPr>
@@ -3955,7 +3958,7 @@
           <p:cNvPr id="15" name="Rectangle 14">
             <a:extLst>
               <a:ext uri="{FF2B5EF4-FFF2-40B4-BE49-F238E27FC236}">
-                <a16:creationId xmlns="" xmlns:a16="http://schemas.microsoft.com/office/drawing/2014/main" id="{9F279704-B8F0-4876-B501-EE21DB738F59}"/>
+                <a16:creationId xmlns:a16="http://schemas.microsoft.com/office/drawing/2014/main" xmlns="" id="{9F279704-B8F0-4876-B501-EE21DB738F59}"/>
               </a:ext>
             </a:extLst>
           </p:cNvPr>
@@ -4001,7 +4004,7 @@
           <p:cNvPr id="16" name="Rectangle 15">
             <a:extLst>
               <a:ext uri="{FF2B5EF4-FFF2-40B4-BE49-F238E27FC236}">
-                <a16:creationId xmlns="" xmlns:a16="http://schemas.microsoft.com/office/drawing/2014/main" id="{6ECC4020-0E4E-472A-9357-69CC12C1F305}"/>
+                <a16:creationId xmlns:a16="http://schemas.microsoft.com/office/drawing/2014/main" xmlns="" id="{6ECC4020-0E4E-472A-9357-69CC12C1F305}"/>
               </a:ext>
             </a:extLst>
           </p:cNvPr>
@@ -4047,7 +4050,7 @@
           <p:cNvPr id="17" name="Rectangle 16">
             <a:extLst>
               <a:ext uri="{FF2B5EF4-FFF2-40B4-BE49-F238E27FC236}">
-                <a16:creationId xmlns="" xmlns:a16="http://schemas.microsoft.com/office/drawing/2014/main" id="{34453880-B568-412E-B217-7017AA047B84}"/>
+                <a16:creationId xmlns:a16="http://schemas.microsoft.com/office/drawing/2014/main" xmlns="" id="{34453880-B568-412E-B217-7017AA047B84}"/>
               </a:ext>
             </a:extLst>
           </p:cNvPr>
@@ -4093,7 +4096,7 @@
           <p:cNvPr id="19" name="Oval 18">
             <a:extLst>
               <a:ext uri="{FF2B5EF4-FFF2-40B4-BE49-F238E27FC236}">
-                <a16:creationId xmlns="" xmlns:a16="http://schemas.microsoft.com/office/drawing/2014/main" id="{C865F1AC-443D-44E9-B205-5FD839712B3D}"/>
+                <a16:creationId xmlns:a16="http://schemas.microsoft.com/office/drawing/2014/main" xmlns="" id="{C865F1AC-443D-44E9-B205-5FD839712B3D}"/>
               </a:ext>
             </a:extLst>
           </p:cNvPr>
@@ -4139,7 +4142,7 @@
           <p:cNvPr id="20" name="Straight Connector 19">
             <a:extLst>
               <a:ext uri="{FF2B5EF4-FFF2-40B4-BE49-F238E27FC236}">
-                <a16:creationId xmlns="" xmlns:a16="http://schemas.microsoft.com/office/drawing/2014/main" id="{B1B94C00-5D79-4EF7-B864-00C0FB05A426}"/>
+                <a16:creationId xmlns:a16="http://schemas.microsoft.com/office/drawing/2014/main" xmlns="" id="{B1B94C00-5D79-4EF7-B864-00C0FB05A426}"/>
               </a:ext>
             </a:extLst>
           </p:cNvPr>
@@ -4180,7 +4183,7 @@
           <p:cNvPr id="25" name="Rectangle 24">
             <a:extLst>
               <a:ext uri="{FF2B5EF4-FFF2-40B4-BE49-F238E27FC236}">
-                <a16:creationId xmlns="" xmlns:a16="http://schemas.microsoft.com/office/drawing/2014/main" id="{1962C116-4BFC-4CE5-92AA-283C9D45A684}"/>
+                <a16:creationId xmlns:a16="http://schemas.microsoft.com/office/drawing/2014/main" xmlns="" id="{1962C116-4BFC-4CE5-92AA-283C9D45A684}"/>
               </a:ext>
             </a:extLst>
           </p:cNvPr>
@@ -4226,7 +4229,7 @@
           <p:cNvPr id="26" name="Rectangle 25">
             <a:extLst>
               <a:ext uri="{FF2B5EF4-FFF2-40B4-BE49-F238E27FC236}">
-                <a16:creationId xmlns="" xmlns:a16="http://schemas.microsoft.com/office/drawing/2014/main" id="{7346B316-6233-4443-9A36-040D034A6FBF}"/>
+                <a16:creationId xmlns:a16="http://schemas.microsoft.com/office/drawing/2014/main" xmlns="" id="{7346B316-6233-4443-9A36-040D034A6FBF}"/>
               </a:ext>
             </a:extLst>
           </p:cNvPr>
@@ -4280,7 +4283,7 @@
           <p:cNvPr id="27" name="Rectangle 26">
             <a:extLst>
               <a:ext uri="{FF2B5EF4-FFF2-40B4-BE49-F238E27FC236}">
-                <a16:creationId xmlns="" xmlns:a16="http://schemas.microsoft.com/office/drawing/2014/main" id="{A0A6BEE0-8DF4-4797-80DB-7DD4E6A99383}"/>
+                <a16:creationId xmlns:a16="http://schemas.microsoft.com/office/drawing/2014/main" xmlns="" id="{A0A6BEE0-8DF4-4797-80DB-7DD4E6A99383}"/>
               </a:ext>
             </a:extLst>
           </p:cNvPr>
@@ -4326,7 +4329,7 @@
           <p:cNvPr id="28" name="Rectangle 27">
             <a:extLst>
               <a:ext uri="{FF2B5EF4-FFF2-40B4-BE49-F238E27FC236}">
-                <a16:creationId xmlns="" xmlns:a16="http://schemas.microsoft.com/office/drawing/2014/main" id="{14D24A18-E91F-4A40-9FD4-04301BE5E2B4}"/>
+                <a16:creationId xmlns:a16="http://schemas.microsoft.com/office/drawing/2014/main" xmlns="" id="{14D24A18-E91F-4A40-9FD4-04301BE5E2B4}"/>
               </a:ext>
             </a:extLst>
           </p:cNvPr>
@@ -4372,7 +4375,7 @@
           <p:cNvPr id="29" name="Rectangle 28">
             <a:extLst>
               <a:ext uri="{FF2B5EF4-FFF2-40B4-BE49-F238E27FC236}">
-                <a16:creationId xmlns="" xmlns:a16="http://schemas.microsoft.com/office/drawing/2014/main" id="{02D3BDEB-199B-42D8-AFC9-6B8F446EE7F0}"/>
+                <a16:creationId xmlns:a16="http://schemas.microsoft.com/office/drawing/2014/main" xmlns="" id="{02D3BDEB-199B-42D8-AFC9-6B8F446EE7F0}"/>
               </a:ext>
             </a:extLst>
           </p:cNvPr>
@@ -4418,7 +4421,7 @@
           <p:cNvPr id="31" name="Straight Connector 30">
             <a:extLst>
               <a:ext uri="{FF2B5EF4-FFF2-40B4-BE49-F238E27FC236}">
-                <a16:creationId xmlns="" xmlns:a16="http://schemas.microsoft.com/office/drawing/2014/main" id="{7A19C16E-38B9-498A-9C33-6AB77B29E105}"/>
+                <a16:creationId xmlns:a16="http://schemas.microsoft.com/office/drawing/2014/main" xmlns="" id="{7A19C16E-38B9-498A-9C33-6AB77B29E105}"/>
               </a:ext>
             </a:extLst>
           </p:cNvPr>
@@ -4489,7 +4492,7 @@
           <p:cNvPr id="2" name="Slide Number Placeholder 1">
             <a:extLst>
               <a:ext uri="{FF2B5EF4-FFF2-40B4-BE49-F238E27FC236}">
-                <a16:creationId xmlns="" xmlns:a16="http://schemas.microsoft.com/office/drawing/2014/main" id="{E2A346D2-342E-4D26-9516-C88A6E8CC150}"/>
+                <a16:creationId xmlns:a16="http://schemas.microsoft.com/office/drawing/2014/main" xmlns="" id="{E2A346D2-342E-4D26-9516-C88A6E8CC150}"/>
               </a:ext>
             </a:extLst>
           </p:cNvPr>
@@ -4518,7 +4521,7 @@
           <p:cNvPr id="4" name="Title 3">
             <a:extLst>
               <a:ext uri="{FF2B5EF4-FFF2-40B4-BE49-F238E27FC236}">
-                <a16:creationId xmlns="" xmlns:a16="http://schemas.microsoft.com/office/drawing/2014/main" id="{6C1750A8-0A53-40DB-B646-EE267E14322F}"/>
+                <a16:creationId xmlns:a16="http://schemas.microsoft.com/office/drawing/2014/main" xmlns="" id="{6C1750A8-0A53-40DB-B646-EE267E14322F}"/>
               </a:ext>
             </a:extLst>
           </p:cNvPr>
@@ -4552,7 +4555,7 @@
           <p:cNvPr id="3" name="Rectangle 2">
             <a:extLst>
               <a:ext uri="{FF2B5EF4-FFF2-40B4-BE49-F238E27FC236}">
-                <a16:creationId xmlns="" xmlns:a16="http://schemas.microsoft.com/office/drawing/2014/main" id="{DC56F6AA-CC91-42A5-B529-91407EE8CA0B}"/>
+                <a16:creationId xmlns:a16="http://schemas.microsoft.com/office/drawing/2014/main" xmlns="" id="{DC56F6AA-CC91-42A5-B529-91407EE8CA0B}"/>
               </a:ext>
             </a:extLst>
           </p:cNvPr>
@@ -4598,7 +4601,7 @@
           <p:cNvPr id="5" name="Rectangle 4">
             <a:extLst>
               <a:ext uri="{FF2B5EF4-FFF2-40B4-BE49-F238E27FC236}">
-                <a16:creationId xmlns="" xmlns:a16="http://schemas.microsoft.com/office/drawing/2014/main" id="{1AFD8020-F819-48DB-A628-4F914740C5B5}"/>
+                <a16:creationId xmlns:a16="http://schemas.microsoft.com/office/drawing/2014/main" xmlns="" id="{1AFD8020-F819-48DB-A628-4F914740C5B5}"/>
               </a:ext>
             </a:extLst>
           </p:cNvPr>
@@ -4652,7 +4655,7 @@
           <p:cNvPr id="6" name="Rectangle 5">
             <a:extLst>
               <a:ext uri="{FF2B5EF4-FFF2-40B4-BE49-F238E27FC236}">
-                <a16:creationId xmlns="" xmlns:a16="http://schemas.microsoft.com/office/drawing/2014/main" id="{519572F2-77B7-451D-B7B9-E8C4DF760CFE}"/>
+                <a16:creationId xmlns:a16="http://schemas.microsoft.com/office/drawing/2014/main" xmlns="" id="{519572F2-77B7-451D-B7B9-E8C4DF760CFE}"/>
               </a:ext>
             </a:extLst>
           </p:cNvPr>
@@ -4698,7 +4701,7 @@
           <p:cNvPr id="9" name="Straight Connector 8">
             <a:extLst>
               <a:ext uri="{FF2B5EF4-FFF2-40B4-BE49-F238E27FC236}">
-                <a16:creationId xmlns="" xmlns:a16="http://schemas.microsoft.com/office/drawing/2014/main" id="{4C9C328E-BF96-4182-9F0B-C5C11B72F8DE}"/>
+                <a16:creationId xmlns:a16="http://schemas.microsoft.com/office/drawing/2014/main" xmlns="" id="{4C9C328E-BF96-4182-9F0B-C5C11B72F8DE}"/>
               </a:ext>
             </a:extLst>
           </p:cNvPr>
@@ -4739,7 +4742,7 @@
           <p:cNvPr id="13" name="Rectangle 12">
             <a:extLst>
               <a:ext uri="{FF2B5EF4-FFF2-40B4-BE49-F238E27FC236}">
-                <a16:creationId xmlns="" xmlns:a16="http://schemas.microsoft.com/office/drawing/2014/main" id="{323427DF-834D-402D-8EB2-A67EBD08C9DE}"/>
+                <a16:creationId xmlns:a16="http://schemas.microsoft.com/office/drawing/2014/main" xmlns="" id="{323427DF-834D-402D-8EB2-A67EBD08C9DE}"/>
               </a:ext>
             </a:extLst>
           </p:cNvPr>
@@ -4785,7 +4788,7 @@
           <p:cNvPr id="14" name="Rectangle 13">
             <a:extLst>
               <a:ext uri="{FF2B5EF4-FFF2-40B4-BE49-F238E27FC236}">
-                <a16:creationId xmlns="" xmlns:a16="http://schemas.microsoft.com/office/drawing/2014/main" id="{0A6F78A6-5E7B-44BE-8033-86E3CC020CF3}"/>
+                <a16:creationId xmlns:a16="http://schemas.microsoft.com/office/drawing/2014/main" xmlns="" id="{0A6F78A6-5E7B-44BE-8033-86E3CC020CF3}"/>
               </a:ext>
             </a:extLst>
           </p:cNvPr>
@@ -4831,7 +4834,7 @@
           <p:cNvPr id="15" name="Rectangle 14">
             <a:extLst>
               <a:ext uri="{FF2B5EF4-FFF2-40B4-BE49-F238E27FC236}">
-                <a16:creationId xmlns="" xmlns:a16="http://schemas.microsoft.com/office/drawing/2014/main" id="{9F279704-B8F0-4876-B501-EE21DB738F59}"/>
+                <a16:creationId xmlns:a16="http://schemas.microsoft.com/office/drawing/2014/main" xmlns="" id="{9F279704-B8F0-4876-B501-EE21DB738F59}"/>
               </a:ext>
             </a:extLst>
           </p:cNvPr>
@@ -4877,7 +4880,7 @@
           <p:cNvPr id="16" name="Rectangle 15">
             <a:extLst>
               <a:ext uri="{FF2B5EF4-FFF2-40B4-BE49-F238E27FC236}">
-                <a16:creationId xmlns="" xmlns:a16="http://schemas.microsoft.com/office/drawing/2014/main" id="{6ECC4020-0E4E-472A-9357-69CC12C1F305}"/>
+                <a16:creationId xmlns:a16="http://schemas.microsoft.com/office/drawing/2014/main" xmlns="" id="{6ECC4020-0E4E-472A-9357-69CC12C1F305}"/>
               </a:ext>
             </a:extLst>
           </p:cNvPr>
@@ -4923,7 +4926,7 @@
           <p:cNvPr id="17" name="Rectangle 16">
             <a:extLst>
               <a:ext uri="{FF2B5EF4-FFF2-40B4-BE49-F238E27FC236}">
-                <a16:creationId xmlns="" xmlns:a16="http://schemas.microsoft.com/office/drawing/2014/main" id="{34453880-B568-412E-B217-7017AA047B84}"/>
+                <a16:creationId xmlns:a16="http://schemas.microsoft.com/office/drawing/2014/main" xmlns="" id="{34453880-B568-412E-B217-7017AA047B84}"/>
               </a:ext>
             </a:extLst>
           </p:cNvPr>
@@ -4969,7 +4972,7 @@
           <p:cNvPr id="19" name="Oval 18">
             <a:extLst>
               <a:ext uri="{FF2B5EF4-FFF2-40B4-BE49-F238E27FC236}">
-                <a16:creationId xmlns="" xmlns:a16="http://schemas.microsoft.com/office/drawing/2014/main" id="{C865F1AC-443D-44E9-B205-5FD839712B3D}"/>
+                <a16:creationId xmlns:a16="http://schemas.microsoft.com/office/drawing/2014/main" xmlns="" id="{C865F1AC-443D-44E9-B205-5FD839712B3D}"/>
               </a:ext>
             </a:extLst>
           </p:cNvPr>
@@ -5015,7 +5018,7 @@
           <p:cNvPr id="20" name="Straight Connector 19">
             <a:extLst>
               <a:ext uri="{FF2B5EF4-FFF2-40B4-BE49-F238E27FC236}">
-                <a16:creationId xmlns="" xmlns:a16="http://schemas.microsoft.com/office/drawing/2014/main" id="{B1B94C00-5D79-4EF7-B864-00C0FB05A426}"/>
+                <a16:creationId xmlns:a16="http://schemas.microsoft.com/office/drawing/2014/main" xmlns="" id="{B1B94C00-5D79-4EF7-B864-00C0FB05A426}"/>
               </a:ext>
             </a:extLst>
           </p:cNvPr>
@@ -5056,7 +5059,7 @@
           <p:cNvPr id="25" name="Rectangle 24">
             <a:extLst>
               <a:ext uri="{FF2B5EF4-FFF2-40B4-BE49-F238E27FC236}">
-                <a16:creationId xmlns="" xmlns:a16="http://schemas.microsoft.com/office/drawing/2014/main" id="{1962C116-4BFC-4CE5-92AA-283C9D45A684}"/>
+                <a16:creationId xmlns:a16="http://schemas.microsoft.com/office/drawing/2014/main" xmlns="" id="{1962C116-4BFC-4CE5-92AA-283C9D45A684}"/>
               </a:ext>
             </a:extLst>
           </p:cNvPr>
@@ -5102,7 +5105,7 @@
           <p:cNvPr id="26" name="Rectangle 25">
             <a:extLst>
               <a:ext uri="{FF2B5EF4-FFF2-40B4-BE49-F238E27FC236}">
-                <a16:creationId xmlns="" xmlns:a16="http://schemas.microsoft.com/office/drawing/2014/main" id="{7346B316-6233-4443-9A36-040D034A6FBF}"/>
+                <a16:creationId xmlns:a16="http://schemas.microsoft.com/office/drawing/2014/main" xmlns="" id="{7346B316-6233-4443-9A36-040D034A6FBF}"/>
               </a:ext>
             </a:extLst>
           </p:cNvPr>
@@ -5156,7 +5159,7 @@
           <p:cNvPr id="27" name="Rectangle 26">
             <a:extLst>
               <a:ext uri="{FF2B5EF4-FFF2-40B4-BE49-F238E27FC236}">
-                <a16:creationId xmlns="" xmlns:a16="http://schemas.microsoft.com/office/drawing/2014/main" id="{A0A6BEE0-8DF4-4797-80DB-7DD4E6A99383}"/>
+                <a16:creationId xmlns:a16="http://schemas.microsoft.com/office/drawing/2014/main" xmlns="" id="{A0A6BEE0-8DF4-4797-80DB-7DD4E6A99383}"/>
               </a:ext>
             </a:extLst>
           </p:cNvPr>
@@ -5202,7 +5205,7 @@
           <p:cNvPr id="28" name="Rectangle 27">
             <a:extLst>
               <a:ext uri="{FF2B5EF4-FFF2-40B4-BE49-F238E27FC236}">
-                <a16:creationId xmlns="" xmlns:a16="http://schemas.microsoft.com/office/drawing/2014/main" id="{14D24A18-E91F-4A40-9FD4-04301BE5E2B4}"/>
+                <a16:creationId xmlns:a16="http://schemas.microsoft.com/office/drawing/2014/main" xmlns="" id="{14D24A18-E91F-4A40-9FD4-04301BE5E2B4}"/>
               </a:ext>
             </a:extLst>
           </p:cNvPr>
@@ -5248,7 +5251,7 @@
           <p:cNvPr id="29" name="Rectangle 28">
             <a:extLst>
               <a:ext uri="{FF2B5EF4-FFF2-40B4-BE49-F238E27FC236}">
-                <a16:creationId xmlns="" xmlns:a16="http://schemas.microsoft.com/office/drawing/2014/main" id="{02D3BDEB-199B-42D8-AFC9-6B8F446EE7F0}"/>
+                <a16:creationId xmlns:a16="http://schemas.microsoft.com/office/drawing/2014/main" xmlns="" id="{02D3BDEB-199B-42D8-AFC9-6B8F446EE7F0}"/>
               </a:ext>
             </a:extLst>
           </p:cNvPr>
@@ -5294,7 +5297,7 @@
           <p:cNvPr id="31" name="Straight Connector 30">
             <a:extLst>
               <a:ext uri="{FF2B5EF4-FFF2-40B4-BE49-F238E27FC236}">
-                <a16:creationId xmlns="" xmlns:a16="http://schemas.microsoft.com/office/drawing/2014/main" id="{7A19C16E-38B9-498A-9C33-6AB77B29E105}"/>
+                <a16:creationId xmlns:a16="http://schemas.microsoft.com/office/drawing/2014/main" xmlns="" id="{7A19C16E-38B9-498A-9C33-6AB77B29E105}"/>
               </a:ext>
             </a:extLst>
           </p:cNvPr>
@@ -5365,7 +5368,7 @@
           <p:cNvPr id="2" name="Slide Number Placeholder 1">
             <a:extLst>
               <a:ext uri="{FF2B5EF4-FFF2-40B4-BE49-F238E27FC236}">
-                <a16:creationId xmlns="" xmlns:a16="http://schemas.microsoft.com/office/drawing/2014/main" id="{E2A346D2-342E-4D26-9516-C88A6E8CC150}"/>
+                <a16:creationId xmlns:a16="http://schemas.microsoft.com/office/drawing/2014/main" xmlns="" id="{E2A346D2-342E-4D26-9516-C88A6E8CC150}"/>
               </a:ext>
             </a:extLst>
           </p:cNvPr>
@@ -5394,7 +5397,7 @@
           <p:cNvPr id="4" name="Title 3">
             <a:extLst>
               <a:ext uri="{FF2B5EF4-FFF2-40B4-BE49-F238E27FC236}">
-                <a16:creationId xmlns="" xmlns:a16="http://schemas.microsoft.com/office/drawing/2014/main" id="{6C1750A8-0A53-40DB-B646-EE267E14322F}"/>
+                <a16:creationId xmlns:a16="http://schemas.microsoft.com/office/drawing/2014/main" xmlns="" id="{6C1750A8-0A53-40DB-B646-EE267E14322F}"/>
               </a:ext>
             </a:extLst>
           </p:cNvPr>
@@ -5428,7 +5431,7 @@
           <p:cNvPr id="3" name="Rectangle 2">
             <a:extLst>
               <a:ext uri="{FF2B5EF4-FFF2-40B4-BE49-F238E27FC236}">
-                <a16:creationId xmlns="" xmlns:a16="http://schemas.microsoft.com/office/drawing/2014/main" id="{DC56F6AA-CC91-42A5-B529-91407EE8CA0B}"/>
+                <a16:creationId xmlns:a16="http://schemas.microsoft.com/office/drawing/2014/main" xmlns="" id="{DC56F6AA-CC91-42A5-B529-91407EE8CA0B}"/>
               </a:ext>
             </a:extLst>
           </p:cNvPr>
@@ -5474,7 +5477,7 @@
           <p:cNvPr id="5" name="Rectangle 4">
             <a:extLst>
               <a:ext uri="{FF2B5EF4-FFF2-40B4-BE49-F238E27FC236}">
-                <a16:creationId xmlns="" xmlns:a16="http://schemas.microsoft.com/office/drawing/2014/main" id="{1AFD8020-F819-48DB-A628-4F914740C5B5}"/>
+                <a16:creationId xmlns:a16="http://schemas.microsoft.com/office/drawing/2014/main" xmlns="" id="{1AFD8020-F819-48DB-A628-4F914740C5B5}"/>
               </a:ext>
             </a:extLst>
           </p:cNvPr>
@@ -5528,7 +5531,7 @@
           <p:cNvPr id="6" name="Rectangle 5">
             <a:extLst>
               <a:ext uri="{FF2B5EF4-FFF2-40B4-BE49-F238E27FC236}">
-                <a16:creationId xmlns="" xmlns:a16="http://schemas.microsoft.com/office/drawing/2014/main" id="{519572F2-77B7-451D-B7B9-E8C4DF760CFE}"/>
+                <a16:creationId xmlns:a16="http://schemas.microsoft.com/office/drawing/2014/main" xmlns="" id="{519572F2-77B7-451D-B7B9-E8C4DF760CFE}"/>
               </a:ext>
             </a:extLst>
           </p:cNvPr>
@@ -5574,7 +5577,7 @@
           <p:cNvPr id="9" name="Straight Connector 8">
             <a:extLst>
               <a:ext uri="{FF2B5EF4-FFF2-40B4-BE49-F238E27FC236}">
-                <a16:creationId xmlns="" xmlns:a16="http://schemas.microsoft.com/office/drawing/2014/main" id="{4C9C328E-BF96-4182-9F0B-C5C11B72F8DE}"/>
+                <a16:creationId xmlns:a16="http://schemas.microsoft.com/office/drawing/2014/main" xmlns="" id="{4C9C328E-BF96-4182-9F0B-C5C11B72F8DE}"/>
               </a:ext>
             </a:extLst>
           </p:cNvPr>
@@ -5615,7 +5618,7 @@
           <p:cNvPr id="13" name="Rectangle 12">
             <a:extLst>
               <a:ext uri="{FF2B5EF4-FFF2-40B4-BE49-F238E27FC236}">
-                <a16:creationId xmlns="" xmlns:a16="http://schemas.microsoft.com/office/drawing/2014/main" id="{323427DF-834D-402D-8EB2-A67EBD08C9DE}"/>
+                <a16:creationId xmlns:a16="http://schemas.microsoft.com/office/drawing/2014/main" xmlns="" id="{323427DF-834D-402D-8EB2-A67EBD08C9DE}"/>
               </a:ext>
             </a:extLst>
           </p:cNvPr>
@@ -5661,7 +5664,7 @@
           <p:cNvPr id="14" name="Rectangle 13">
             <a:extLst>
               <a:ext uri="{FF2B5EF4-FFF2-40B4-BE49-F238E27FC236}">
-                <a16:creationId xmlns="" xmlns:a16="http://schemas.microsoft.com/office/drawing/2014/main" id="{0A6F78A6-5E7B-44BE-8033-86E3CC020CF3}"/>
+                <a16:creationId xmlns:a16="http://schemas.microsoft.com/office/drawing/2014/main" xmlns="" id="{0A6F78A6-5E7B-44BE-8033-86E3CC020CF3}"/>
               </a:ext>
             </a:extLst>
           </p:cNvPr>
@@ -5707,7 +5710,7 @@
           <p:cNvPr id="15" name="Rectangle 14">
             <a:extLst>
               <a:ext uri="{FF2B5EF4-FFF2-40B4-BE49-F238E27FC236}">
-                <a16:creationId xmlns="" xmlns:a16="http://schemas.microsoft.com/office/drawing/2014/main" id="{9F279704-B8F0-4876-B501-EE21DB738F59}"/>
+                <a16:creationId xmlns:a16="http://schemas.microsoft.com/office/drawing/2014/main" xmlns="" id="{9F279704-B8F0-4876-B501-EE21DB738F59}"/>
               </a:ext>
             </a:extLst>
           </p:cNvPr>
@@ -5753,7 +5756,7 @@
           <p:cNvPr id="16" name="Rectangle 15">
             <a:extLst>
               <a:ext uri="{FF2B5EF4-FFF2-40B4-BE49-F238E27FC236}">
-                <a16:creationId xmlns="" xmlns:a16="http://schemas.microsoft.com/office/drawing/2014/main" id="{6ECC4020-0E4E-472A-9357-69CC12C1F305}"/>
+                <a16:creationId xmlns:a16="http://schemas.microsoft.com/office/drawing/2014/main" xmlns="" id="{6ECC4020-0E4E-472A-9357-69CC12C1F305}"/>
               </a:ext>
             </a:extLst>
           </p:cNvPr>
@@ -5799,7 +5802,7 @@
           <p:cNvPr id="17" name="Rectangle 16">
             <a:extLst>
               <a:ext uri="{FF2B5EF4-FFF2-40B4-BE49-F238E27FC236}">
-                <a16:creationId xmlns="" xmlns:a16="http://schemas.microsoft.com/office/drawing/2014/main" id="{34453880-B568-412E-B217-7017AA047B84}"/>
+                <a16:creationId xmlns:a16="http://schemas.microsoft.com/office/drawing/2014/main" xmlns="" id="{34453880-B568-412E-B217-7017AA047B84}"/>
               </a:ext>
             </a:extLst>
           </p:cNvPr>
@@ -5845,7 +5848,7 @@
           <p:cNvPr id="19" name="Oval 18">
             <a:extLst>
               <a:ext uri="{FF2B5EF4-FFF2-40B4-BE49-F238E27FC236}">
-                <a16:creationId xmlns="" xmlns:a16="http://schemas.microsoft.com/office/drawing/2014/main" id="{C865F1AC-443D-44E9-B205-5FD839712B3D}"/>
+                <a16:creationId xmlns:a16="http://schemas.microsoft.com/office/drawing/2014/main" xmlns="" id="{C865F1AC-443D-44E9-B205-5FD839712B3D}"/>
               </a:ext>
             </a:extLst>
           </p:cNvPr>
@@ -5891,7 +5894,7 @@
           <p:cNvPr id="20" name="Straight Connector 19">
             <a:extLst>
               <a:ext uri="{FF2B5EF4-FFF2-40B4-BE49-F238E27FC236}">
-                <a16:creationId xmlns="" xmlns:a16="http://schemas.microsoft.com/office/drawing/2014/main" id="{B1B94C00-5D79-4EF7-B864-00C0FB05A426}"/>
+                <a16:creationId xmlns:a16="http://schemas.microsoft.com/office/drawing/2014/main" xmlns="" id="{B1B94C00-5D79-4EF7-B864-00C0FB05A426}"/>
               </a:ext>
             </a:extLst>
           </p:cNvPr>
@@ -5932,7 +5935,7 @@
           <p:cNvPr id="25" name="Rectangle 24">
             <a:extLst>
               <a:ext uri="{FF2B5EF4-FFF2-40B4-BE49-F238E27FC236}">
-                <a16:creationId xmlns="" xmlns:a16="http://schemas.microsoft.com/office/drawing/2014/main" id="{1962C116-4BFC-4CE5-92AA-283C9D45A684}"/>
+                <a16:creationId xmlns:a16="http://schemas.microsoft.com/office/drawing/2014/main" xmlns="" id="{1962C116-4BFC-4CE5-92AA-283C9D45A684}"/>
               </a:ext>
             </a:extLst>
           </p:cNvPr>
@@ -5978,7 +5981,7 @@
           <p:cNvPr id="26" name="Rectangle 25">
             <a:extLst>
               <a:ext uri="{FF2B5EF4-FFF2-40B4-BE49-F238E27FC236}">
-                <a16:creationId xmlns="" xmlns:a16="http://schemas.microsoft.com/office/drawing/2014/main" id="{7346B316-6233-4443-9A36-040D034A6FBF}"/>
+                <a16:creationId xmlns:a16="http://schemas.microsoft.com/office/drawing/2014/main" xmlns="" id="{7346B316-6233-4443-9A36-040D034A6FBF}"/>
               </a:ext>
             </a:extLst>
           </p:cNvPr>
@@ -6032,7 +6035,7 @@
           <p:cNvPr id="27" name="Rectangle 26">
             <a:extLst>
               <a:ext uri="{FF2B5EF4-FFF2-40B4-BE49-F238E27FC236}">
-                <a16:creationId xmlns="" xmlns:a16="http://schemas.microsoft.com/office/drawing/2014/main" id="{A0A6BEE0-8DF4-4797-80DB-7DD4E6A99383}"/>
+                <a16:creationId xmlns:a16="http://schemas.microsoft.com/office/drawing/2014/main" xmlns="" id="{A0A6BEE0-8DF4-4797-80DB-7DD4E6A99383}"/>
               </a:ext>
             </a:extLst>
           </p:cNvPr>
@@ -6078,7 +6081,7 @@
           <p:cNvPr id="28" name="Rectangle 27">
             <a:extLst>
               <a:ext uri="{FF2B5EF4-FFF2-40B4-BE49-F238E27FC236}">
-                <a16:creationId xmlns="" xmlns:a16="http://schemas.microsoft.com/office/drawing/2014/main" id="{14D24A18-E91F-4A40-9FD4-04301BE5E2B4}"/>
+                <a16:creationId xmlns:a16="http://schemas.microsoft.com/office/drawing/2014/main" xmlns="" id="{14D24A18-E91F-4A40-9FD4-04301BE5E2B4}"/>
               </a:ext>
             </a:extLst>
           </p:cNvPr>
@@ -6124,7 +6127,7 @@
           <p:cNvPr id="29" name="Rectangle 28">
             <a:extLst>
               <a:ext uri="{FF2B5EF4-FFF2-40B4-BE49-F238E27FC236}">
-                <a16:creationId xmlns="" xmlns:a16="http://schemas.microsoft.com/office/drawing/2014/main" id="{02D3BDEB-199B-42D8-AFC9-6B8F446EE7F0}"/>
+                <a16:creationId xmlns:a16="http://schemas.microsoft.com/office/drawing/2014/main" xmlns="" id="{02D3BDEB-199B-42D8-AFC9-6B8F446EE7F0}"/>
               </a:ext>
             </a:extLst>
           </p:cNvPr>
@@ -6170,7 +6173,7 @@
           <p:cNvPr id="31" name="Straight Connector 30">
             <a:extLst>
               <a:ext uri="{FF2B5EF4-FFF2-40B4-BE49-F238E27FC236}">
-                <a16:creationId xmlns="" xmlns:a16="http://schemas.microsoft.com/office/drawing/2014/main" id="{7A19C16E-38B9-498A-9C33-6AB77B29E105}"/>
+                <a16:creationId xmlns:a16="http://schemas.microsoft.com/office/drawing/2014/main" xmlns="" id="{7A19C16E-38B9-498A-9C33-6AB77B29E105}"/>
               </a:ext>
             </a:extLst>
           </p:cNvPr>
@@ -6241,7 +6244,7 @@
           <p:cNvPr id="2" name="Slide Number Placeholder 1">
             <a:extLst>
               <a:ext uri="{FF2B5EF4-FFF2-40B4-BE49-F238E27FC236}">
-                <a16:creationId xmlns="" xmlns:a16="http://schemas.microsoft.com/office/drawing/2014/main" id="{E2A346D2-342E-4D26-9516-C88A6E8CC150}"/>
+                <a16:creationId xmlns:a16="http://schemas.microsoft.com/office/drawing/2014/main" xmlns="" id="{E2A346D2-342E-4D26-9516-C88A6E8CC150}"/>
               </a:ext>
             </a:extLst>
           </p:cNvPr>
@@ -6270,7 +6273,7 @@
           <p:cNvPr id="4" name="Title 3">
             <a:extLst>
               <a:ext uri="{FF2B5EF4-FFF2-40B4-BE49-F238E27FC236}">
-                <a16:creationId xmlns="" xmlns:a16="http://schemas.microsoft.com/office/drawing/2014/main" id="{6C1750A8-0A53-40DB-B646-EE267E14322F}"/>
+                <a16:creationId xmlns:a16="http://schemas.microsoft.com/office/drawing/2014/main" xmlns="" id="{6C1750A8-0A53-40DB-B646-EE267E14322F}"/>
               </a:ext>
             </a:extLst>
           </p:cNvPr>
@@ -6304,7 +6307,7 @@
           <p:cNvPr id="3" name="Rectangle 2">
             <a:extLst>
               <a:ext uri="{FF2B5EF4-FFF2-40B4-BE49-F238E27FC236}">
-                <a16:creationId xmlns="" xmlns:a16="http://schemas.microsoft.com/office/drawing/2014/main" id="{DC56F6AA-CC91-42A5-B529-91407EE8CA0B}"/>
+                <a16:creationId xmlns:a16="http://schemas.microsoft.com/office/drawing/2014/main" xmlns="" id="{DC56F6AA-CC91-42A5-B529-91407EE8CA0B}"/>
               </a:ext>
             </a:extLst>
           </p:cNvPr>
@@ -6350,7 +6353,7 @@
           <p:cNvPr id="5" name="Rectangle 4">
             <a:extLst>
               <a:ext uri="{FF2B5EF4-FFF2-40B4-BE49-F238E27FC236}">
-                <a16:creationId xmlns="" xmlns:a16="http://schemas.microsoft.com/office/drawing/2014/main" id="{1AFD8020-F819-48DB-A628-4F914740C5B5}"/>
+                <a16:creationId xmlns:a16="http://schemas.microsoft.com/office/drawing/2014/main" xmlns="" id="{1AFD8020-F819-48DB-A628-4F914740C5B5}"/>
               </a:ext>
             </a:extLst>
           </p:cNvPr>
@@ -6404,7 +6407,7 @@
           <p:cNvPr id="6" name="Rectangle 5">
             <a:extLst>
               <a:ext uri="{FF2B5EF4-FFF2-40B4-BE49-F238E27FC236}">
-                <a16:creationId xmlns="" xmlns:a16="http://schemas.microsoft.com/office/drawing/2014/main" id="{519572F2-77B7-451D-B7B9-E8C4DF760CFE}"/>
+                <a16:creationId xmlns:a16="http://schemas.microsoft.com/office/drawing/2014/main" xmlns="" id="{519572F2-77B7-451D-B7B9-E8C4DF760CFE}"/>
               </a:ext>
             </a:extLst>
           </p:cNvPr>
@@ -6450,7 +6453,7 @@
           <p:cNvPr id="9" name="Straight Connector 8">
             <a:extLst>
               <a:ext uri="{FF2B5EF4-FFF2-40B4-BE49-F238E27FC236}">
-                <a16:creationId xmlns="" xmlns:a16="http://schemas.microsoft.com/office/drawing/2014/main" id="{4C9C328E-BF96-4182-9F0B-C5C11B72F8DE}"/>
+                <a16:creationId xmlns:a16="http://schemas.microsoft.com/office/drawing/2014/main" xmlns="" id="{4C9C328E-BF96-4182-9F0B-C5C11B72F8DE}"/>
               </a:ext>
             </a:extLst>
           </p:cNvPr>
@@ -6491,7 +6494,7 @@
           <p:cNvPr id="13" name="Rectangle 12">
             <a:extLst>
               <a:ext uri="{FF2B5EF4-FFF2-40B4-BE49-F238E27FC236}">
-                <a16:creationId xmlns="" xmlns:a16="http://schemas.microsoft.com/office/drawing/2014/main" id="{323427DF-834D-402D-8EB2-A67EBD08C9DE}"/>
+                <a16:creationId xmlns:a16="http://schemas.microsoft.com/office/drawing/2014/main" xmlns="" id="{323427DF-834D-402D-8EB2-A67EBD08C9DE}"/>
               </a:ext>
             </a:extLst>
           </p:cNvPr>
@@ -6537,7 +6540,7 @@
           <p:cNvPr id="14" name="Rectangle 13">
             <a:extLst>
               <a:ext uri="{FF2B5EF4-FFF2-40B4-BE49-F238E27FC236}">
-                <a16:creationId xmlns="" xmlns:a16="http://schemas.microsoft.com/office/drawing/2014/main" id="{0A6F78A6-5E7B-44BE-8033-86E3CC020CF3}"/>
+                <a16:creationId xmlns:a16="http://schemas.microsoft.com/office/drawing/2014/main" xmlns="" id="{0A6F78A6-5E7B-44BE-8033-86E3CC020CF3}"/>
               </a:ext>
             </a:extLst>
           </p:cNvPr>
@@ -6583,7 +6586,7 @@
           <p:cNvPr id="15" name="Rectangle 14">
             <a:extLst>
               <a:ext uri="{FF2B5EF4-FFF2-40B4-BE49-F238E27FC236}">
-                <a16:creationId xmlns="" xmlns:a16="http://schemas.microsoft.com/office/drawing/2014/main" id="{9F279704-B8F0-4876-B501-EE21DB738F59}"/>
+                <a16:creationId xmlns:a16="http://schemas.microsoft.com/office/drawing/2014/main" xmlns="" id="{9F279704-B8F0-4876-B501-EE21DB738F59}"/>
               </a:ext>
             </a:extLst>
           </p:cNvPr>
@@ -6629,7 +6632,7 @@
           <p:cNvPr id="16" name="Rectangle 15">
             <a:extLst>
               <a:ext uri="{FF2B5EF4-FFF2-40B4-BE49-F238E27FC236}">
-                <a16:creationId xmlns="" xmlns:a16="http://schemas.microsoft.com/office/drawing/2014/main" id="{6ECC4020-0E4E-472A-9357-69CC12C1F305}"/>
+                <a16:creationId xmlns:a16="http://schemas.microsoft.com/office/drawing/2014/main" xmlns="" id="{6ECC4020-0E4E-472A-9357-69CC12C1F305}"/>
               </a:ext>
             </a:extLst>
           </p:cNvPr>
@@ -6675,7 +6678,7 @@
           <p:cNvPr id="17" name="Rectangle 16">
             <a:extLst>
               <a:ext uri="{FF2B5EF4-FFF2-40B4-BE49-F238E27FC236}">
-                <a16:creationId xmlns="" xmlns:a16="http://schemas.microsoft.com/office/drawing/2014/main" id="{34453880-B568-412E-B217-7017AA047B84}"/>
+                <a16:creationId xmlns:a16="http://schemas.microsoft.com/office/drawing/2014/main" xmlns="" id="{34453880-B568-412E-B217-7017AA047B84}"/>
               </a:ext>
             </a:extLst>
           </p:cNvPr>
@@ -6721,7 +6724,7 @@
           <p:cNvPr id="19" name="Oval 18">
             <a:extLst>
               <a:ext uri="{FF2B5EF4-FFF2-40B4-BE49-F238E27FC236}">
-                <a16:creationId xmlns="" xmlns:a16="http://schemas.microsoft.com/office/drawing/2014/main" id="{C865F1AC-443D-44E9-B205-5FD839712B3D}"/>
+                <a16:creationId xmlns:a16="http://schemas.microsoft.com/office/drawing/2014/main" xmlns="" id="{C865F1AC-443D-44E9-B205-5FD839712B3D}"/>
               </a:ext>
             </a:extLst>
           </p:cNvPr>
@@ -6767,7 +6770,7 @@
           <p:cNvPr id="20" name="Straight Connector 19">
             <a:extLst>
               <a:ext uri="{FF2B5EF4-FFF2-40B4-BE49-F238E27FC236}">
-                <a16:creationId xmlns="" xmlns:a16="http://schemas.microsoft.com/office/drawing/2014/main" id="{B1B94C00-5D79-4EF7-B864-00C0FB05A426}"/>
+                <a16:creationId xmlns:a16="http://schemas.microsoft.com/office/drawing/2014/main" xmlns="" id="{B1B94C00-5D79-4EF7-B864-00C0FB05A426}"/>
               </a:ext>
             </a:extLst>
           </p:cNvPr>
@@ -6808,7 +6811,7 @@
           <p:cNvPr id="25" name="Rectangle 24">
             <a:extLst>
               <a:ext uri="{FF2B5EF4-FFF2-40B4-BE49-F238E27FC236}">
-                <a16:creationId xmlns="" xmlns:a16="http://schemas.microsoft.com/office/drawing/2014/main" id="{1962C116-4BFC-4CE5-92AA-283C9D45A684}"/>
+                <a16:creationId xmlns:a16="http://schemas.microsoft.com/office/drawing/2014/main" xmlns="" id="{1962C116-4BFC-4CE5-92AA-283C9D45A684}"/>
               </a:ext>
             </a:extLst>
           </p:cNvPr>
@@ -6854,7 +6857,7 @@
           <p:cNvPr id="26" name="Rectangle 25">
             <a:extLst>
               <a:ext uri="{FF2B5EF4-FFF2-40B4-BE49-F238E27FC236}">
-                <a16:creationId xmlns="" xmlns:a16="http://schemas.microsoft.com/office/drawing/2014/main" id="{7346B316-6233-4443-9A36-040D034A6FBF}"/>
+                <a16:creationId xmlns:a16="http://schemas.microsoft.com/office/drawing/2014/main" xmlns="" id="{7346B316-6233-4443-9A36-040D034A6FBF}"/>
               </a:ext>
             </a:extLst>
           </p:cNvPr>
@@ -6908,7 +6911,7 @@
           <p:cNvPr id="27" name="Rectangle 26">
             <a:extLst>
               <a:ext uri="{FF2B5EF4-FFF2-40B4-BE49-F238E27FC236}">
-                <a16:creationId xmlns="" xmlns:a16="http://schemas.microsoft.com/office/drawing/2014/main" id="{A0A6BEE0-8DF4-4797-80DB-7DD4E6A99383}"/>
+                <a16:creationId xmlns:a16="http://schemas.microsoft.com/office/drawing/2014/main" xmlns="" id="{A0A6BEE0-8DF4-4797-80DB-7DD4E6A99383}"/>
               </a:ext>
             </a:extLst>
           </p:cNvPr>
@@ -6954,7 +6957,7 @@
           <p:cNvPr id="28" name="Rectangle 27">
             <a:extLst>
               <a:ext uri="{FF2B5EF4-FFF2-40B4-BE49-F238E27FC236}">
-                <a16:creationId xmlns="" xmlns:a16="http://schemas.microsoft.com/office/drawing/2014/main" id="{14D24A18-E91F-4A40-9FD4-04301BE5E2B4}"/>
+                <a16:creationId xmlns:a16="http://schemas.microsoft.com/office/drawing/2014/main" xmlns="" id="{14D24A18-E91F-4A40-9FD4-04301BE5E2B4}"/>
               </a:ext>
             </a:extLst>
           </p:cNvPr>
@@ -7000,7 +7003,7 @@
           <p:cNvPr id="31" name="Straight Connector 30">
             <a:extLst>
               <a:ext uri="{FF2B5EF4-FFF2-40B4-BE49-F238E27FC236}">
-                <a16:creationId xmlns="" xmlns:a16="http://schemas.microsoft.com/office/drawing/2014/main" id="{7A19C16E-38B9-498A-9C33-6AB77B29E105}"/>
+                <a16:creationId xmlns:a16="http://schemas.microsoft.com/office/drawing/2014/main" xmlns="" id="{7A19C16E-38B9-498A-9C33-6AB77B29E105}"/>
               </a:ext>
             </a:extLst>
           </p:cNvPr>
@@ -7041,7 +7044,7 @@
           <p:cNvPr id="24" name="Rectangle 23">
             <a:extLst>
               <a:ext uri="{FF2B5EF4-FFF2-40B4-BE49-F238E27FC236}">
-                <a16:creationId xmlns="" xmlns:a16="http://schemas.microsoft.com/office/drawing/2014/main" id="{FAE6EA6D-531A-4F1A-B26C-0EA955C90619}"/>
+                <a16:creationId xmlns:a16="http://schemas.microsoft.com/office/drawing/2014/main" xmlns="" id="{FAE6EA6D-531A-4F1A-B26C-0EA955C90619}"/>
               </a:ext>
             </a:extLst>
           </p:cNvPr>
@@ -7117,7 +7120,7 @@
           <p:cNvPr id="2" name="Slide Number Placeholder 1">
             <a:extLst>
               <a:ext uri="{FF2B5EF4-FFF2-40B4-BE49-F238E27FC236}">
-                <a16:creationId xmlns="" xmlns:a16="http://schemas.microsoft.com/office/drawing/2014/main" id="{E2A346D2-342E-4D26-9516-C88A6E8CC150}"/>
+                <a16:creationId xmlns:a16="http://schemas.microsoft.com/office/drawing/2014/main" xmlns="" id="{E2A346D2-342E-4D26-9516-C88A6E8CC150}"/>
               </a:ext>
             </a:extLst>
           </p:cNvPr>
@@ -7146,7 +7149,7 @@
           <p:cNvPr id="4" name="Title 3">
             <a:extLst>
               <a:ext uri="{FF2B5EF4-FFF2-40B4-BE49-F238E27FC236}">
-                <a16:creationId xmlns="" xmlns:a16="http://schemas.microsoft.com/office/drawing/2014/main" id="{6C1750A8-0A53-40DB-B646-EE267E14322F}"/>
+                <a16:creationId xmlns:a16="http://schemas.microsoft.com/office/drawing/2014/main" xmlns="" id="{6C1750A8-0A53-40DB-B646-EE267E14322F}"/>
               </a:ext>
             </a:extLst>
           </p:cNvPr>
@@ -7180,7 +7183,7 @@
           <p:cNvPr id="3" name="Rectangle 2">
             <a:extLst>
               <a:ext uri="{FF2B5EF4-FFF2-40B4-BE49-F238E27FC236}">
-                <a16:creationId xmlns="" xmlns:a16="http://schemas.microsoft.com/office/drawing/2014/main" id="{DC56F6AA-CC91-42A5-B529-91407EE8CA0B}"/>
+                <a16:creationId xmlns:a16="http://schemas.microsoft.com/office/drawing/2014/main" xmlns="" id="{DC56F6AA-CC91-42A5-B529-91407EE8CA0B}"/>
               </a:ext>
             </a:extLst>
           </p:cNvPr>
@@ -7226,7 +7229,7 @@
           <p:cNvPr id="5" name="Rectangle 4">
             <a:extLst>
               <a:ext uri="{FF2B5EF4-FFF2-40B4-BE49-F238E27FC236}">
-                <a16:creationId xmlns="" xmlns:a16="http://schemas.microsoft.com/office/drawing/2014/main" id="{1AFD8020-F819-48DB-A628-4F914740C5B5}"/>
+                <a16:creationId xmlns:a16="http://schemas.microsoft.com/office/drawing/2014/main" xmlns="" id="{1AFD8020-F819-48DB-A628-4F914740C5B5}"/>
               </a:ext>
             </a:extLst>
           </p:cNvPr>
@@ -7280,7 +7283,7 @@
           <p:cNvPr id="6" name="Rectangle 5">
             <a:extLst>
               <a:ext uri="{FF2B5EF4-FFF2-40B4-BE49-F238E27FC236}">
-                <a16:creationId xmlns="" xmlns:a16="http://schemas.microsoft.com/office/drawing/2014/main" id="{519572F2-77B7-451D-B7B9-E8C4DF760CFE}"/>
+                <a16:creationId xmlns:a16="http://schemas.microsoft.com/office/drawing/2014/main" xmlns="" id="{519572F2-77B7-451D-B7B9-E8C4DF760CFE}"/>
               </a:ext>
             </a:extLst>
           </p:cNvPr>
@@ -7326,7 +7329,7 @@
           <p:cNvPr id="9" name="Straight Connector 8">
             <a:extLst>
               <a:ext uri="{FF2B5EF4-FFF2-40B4-BE49-F238E27FC236}">
-                <a16:creationId xmlns="" xmlns:a16="http://schemas.microsoft.com/office/drawing/2014/main" id="{4C9C328E-BF96-4182-9F0B-C5C11B72F8DE}"/>
+                <a16:creationId xmlns:a16="http://schemas.microsoft.com/office/drawing/2014/main" xmlns="" id="{4C9C328E-BF96-4182-9F0B-C5C11B72F8DE}"/>
               </a:ext>
             </a:extLst>
           </p:cNvPr>
@@ -7367,7 +7370,7 @@
           <p:cNvPr id="13" name="Rectangle 12">
             <a:extLst>
               <a:ext uri="{FF2B5EF4-FFF2-40B4-BE49-F238E27FC236}">
-                <a16:creationId xmlns="" xmlns:a16="http://schemas.microsoft.com/office/drawing/2014/main" id="{323427DF-834D-402D-8EB2-A67EBD08C9DE}"/>
+                <a16:creationId xmlns:a16="http://schemas.microsoft.com/office/drawing/2014/main" xmlns="" id="{323427DF-834D-402D-8EB2-A67EBD08C9DE}"/>
               </a:ext>
             </a:extLst>
           </p:cNvPr>
@@ -7413,7 +7416,7 @@
           <p:cNvPr id="14" name="Rectangle 13">
             <a:extLst>
               <a:ext uri="{FF2B5EF4-FFF2-40B4-BE49-F238E27FC236}">
-                <a16:creationId xmlns="" xmlns:a16="http://schemas.microsoft.com/office/drawing/2014/main" id="{0A6F78A6-5E7B-44BE-8033-86E3CC020CF3}"/>
+                <a16:creationId xmlns:a16="http://schemas.microsoft.com/office/drawing/2014/main" xmlns="" id="{0A6F78A6-5E7B-44BE-8033-86E3CC020CF3}"/>
               </a:ext>
             </a:extLst>
           </p:cNvPr>
@@ -7459,7 +7462,7 @@
           <p:cNvPr id="15" name="Rectangle 14">
             <a:extLst>
               <a:ext uri="{FF2B5EF4-FFF2-40B4-BE49-F238E27FC236}">
-                <a16:creationId xmlns="" xmlns:a16="http://schemas.microsoft.com/office/drawing/2014/main" id="{9F279704-B8F0-4876-B501-EE21DB738F59}"/>
+                <a16:creationId xmlns:a16="http://schemas.microsoft.com/office/drawing/2014/main" xmlns="" id="{9F279704-B8F0-4876-B501-EE21DB738F59}"/>
               </a:ext>
             </a:extLst>
           </p:cNvPr>
@@ -7505,7 +7508,7 @@
           <p:cNvPr id="16" name="Rectangle 15">
             <a:extLst>
               <a:ext uri="{FF2B5EF4-FFF2-40B4-BE49-F238E27FC236}">
-                <a16:creationId xmlns="" xmlns:a16="http://schemas.microsoft.com/office/drawing/2014/main" id="{6ECC4020-0E4E-472A-9357-69CC12C1F305}"/>
+                <a16:creationId xmlns:a16="http://schemas.microsoft.com/office/drawing/2014/main" xmlns="" id="{6ECC4020-0E4E-472A-9357-69CC12C1F305}"/>
               </a:ext>
             </a:extLst>
           </p:cNvPr>
@@ -7551,7 +7554,7 @@
           <p:cNvPr id="17" name="Rectangle 16">
             <a:extLst>
               <a:ext uri="{FF2B5EF4-FFF2-40B4-BE49-F238E27FC236}">
-                <a16:creationId xmlns="" xmlns:a16="http://schemas.microsoft.com/office/drawing/2014/main" id="{34453880-B568-412E-B217-7017AA047B84}"/>
+                <a16:creationId xmlns:a16="http://schemas.microsoft.com/office/drawing/2014/main" xmlns="" id="{34453880-B568-412E-B217-7017AA047B84}"/>
               </a:ext>
             </a:extLst>
           </p:cNvPr>
@@ -7597,7 +7600,7 @@
           <p:cNvPr id="19" name="Oval 18">
             <a:extLst>
               <a:ext uri="{FF2B5EF4-FFF2-40B4-BE49-F238E27FC236}">
-                <a16:creationId xmlns="" xmlns:a16="http://schemas.microsoft.com/office/drawing/2014/main" id="{C865F1AC-443D-44E9-B205-5FD839712B3D}"/>
+                <a16:creationId xmlns:a16="http://schemas.microsoft.com/office/drawing/2014/main" xmlns="" id="{C865F1AC-443D-44E9-B205-5FD839712B3D}"/>
               </a:ext>
             </a:extLst>
           </p:cNvPr>
@@ -7643,7 +7646,7 @@
           <p:cNvPr id="20" name="Straight Connector 19">
             <a:extLst>
               <a:ext uri="{FF2B5EF4-FFF2-40B4-BE49-F238E27FC236}">
-                <a16:creationId xmlns="" xmlns:a16="http://schemas.microsoft.com/office/drawing/2014/main" id="{B1B94C00-5D79-4EF7-B864-00C0FB05A426}"/>
+                <a16:creationId xmlns:a16="http://schemas.microsoft.com/office/drawing/2014/main" xmlns="" id="{B1B94C00-5D79-4EF7-B864-00C0FB05A426}"/>
               </a:ext>
             </a:extLst>
           </p:cNvPr>
@@ -7684,7 +7687,7 @@
           <p:cNvPr id="25" name="Rectangle 24">
             <a:extLst>
               <a:ext uri="{FF2B5EF4-FFF2-40B4-BE49-F238E27FC236}">
-                <a16:creationId xmlns="" xmlns:a16="http://schemas.microsoft.com/office/drawing/2014/main" id="{1962C116-4BFC-4CE5-92AA-283C9D45A684}"/>
+                <a16:creationId xmlns:a16="http://schemas.microsoft.com/office/drawing/2014/main" xmlns="" id="{1962C116-4BFC-4CE5-92AA-283C9D45A684}"/>
               </a:ext>
             </a:extLst>
           </p:cNvPr>
@@ -7730,7 +7733,7 @@
           <p:cNvPr id="26" name="Rectangle 25">
             <a:extLst>
               <a:ext uri="{FF2B5EF4-FFF2-40B4-BE49-F238E27FC236}">
-                <a16:creationId xmlns="" xmlns:a16="http://schemas.microsoft.com/office/drawing/2014/main" id="{7346B316-6233-4443-9A36-040D034A6FBF}"/>
+                <a16:creationId xmlns:a16="http://schemas.microsoft.com/office/drawing/2014/main" xmlns="" id="{7346B316-6233-4443-9A36-040D034A6FBF}"/>
               </a:ext>
             </a:extLst>
           </p:cNvPr>
@@ -7784,7 +7787,7 @@
           <p:cNvPr id="27" name="Rectangle 26">
             <a:extLst>
               <a:ext uri="{FF2B5EF4-FFF2-40B4-BE49-F238E27FC236}">
-                <a16:creationId xmlns="" xmlns:a16="http://schemas.microsoft.com/office/drawing/2014/main" id="{A0A6BEE0-8DF4-4797-80DB-7DD4E6A99383}"/>
+                <a16:creationId xmlns:a16="http://schemas.microsoft.com/office/drawing/2014/main" xmlns="" id="{A0A6BEE0-8DF4-4797-80DB-7DD4E6A99383}"/>
               </a:ext>
             </a:extLst>
           </p:cNvPr>
@@ -7830,7 +7833,7 @@
           <p:cNvPr id="28" name="Rectangle 27">
             <a:extLst>
               <a:ext uri="{FF2B5EF4-FFF2-40B4-BE49-F238E27FC236}">
-                <a16:creationId xmlns="" xmlns:a16="http://schemas.microsoft.com/office/drawing/2014/main" id="{14D24A18-E91F-4A40-9FD4-04301BE5E2B4}"/>
+                <a16:creationId xmlns:a16="http://schemas.microsoft.com/office/drawing/2014/main" xmlns="" id="{14D24A18-E91F-4A40-9FD4-04301BE5E2B4}"/>
               </a:ext>
             </a:extLst>
           </p:cNvPr>
@@ -7876,7 +7879,7 @@
           <p:cNvPr id="31" name="Straight Connector 30">
             <a:extLst>
               <a:ext uri="{FF2B5EF4-FFF2-40B4-BE49-F238E27FC236}">
-                <a16:creationId xmlns="" xmlns:a16="http://schemas.microsoft.com/office/drawing/2014/main" id="{7A19C16E-38B9-498A-9C33-6AB77B29E105}"/>
+                <a16:creationId xmlns:a16="http://schemas.microsoft.com/office/drawing/2014/main" xmlns="" id="{7A19C16E-38B9-498A-9C33-6AB77B29E105}"/>
               </a:ext>
             </a:extLst>
           </p:cNvPr>
@@ -7917,7 +7920,7 @@
           <p:cNvPr id="24" name="Rectangle 23">
             <a:extLst>
               <a:ext uri="{FF2B5EF4-FFF2-40B4-BE49-F238E27FC236}">
-                <a16:creationId xmlns="" xmlns:a16="http://schemas.microsoft.com/office/drawing/2014/main" id="{FAE6EA6D-531A-4F1A-B26C-0EA955C90619}"/>
+                <a16:creationId xmlns:a16="http://schemas.microsoft.com/office/drawing/2014/main" xmlns="" id="{FAE6EA6D-531A-4F1A-B26C-0EA955C90619}"/>
               </a:ext>
             </a:extLst>
           </p:cNvPr>
@@ -7993,7 +7996,7 @@
           <p:cNvPr id="2" name="Slide Number Placeholder 1">
             <a:extLst>
               <a:ext uri="{FF2B5EF4-FFF2-40B4-BE49-F238E27FC236}">
-                <a16:creationId xmlns="" xmlns:a16="http://schemas.microsoft.com/office/drawing/2014/main" id="{E2A346D2-342E-4D26-9516-C88A6E8CC150}"/>
+                <a16:creationId xmlns:a16="http://schemas.microsoft.com/office/drawing/2014/main" xmlns="" id="{E2A346D2-342E-4D26-9516-C88A6E8CC150}"/>
               </a:ext>
             </a:extLst>
           </p:cNvPr>
@@ -8022,7 +8025,7 @@
           <p:cNvPr id="4" name="Title 3">
             <a:extLst>
               <a:ext uri="{FF2B5EF4-FFF2-40B4-BE49-F238E27FC236}">
-                <a16:creationId xmlns="" xmlns:a16="http://schemas.microsoft.com/office/drawing/2014/main" id="{6C1750A8-0A53-40DB-B646-EE267E14322F}"/>
+                <a16:creationId xmlns:a16="http://schemas.microsoft.com/office/drawing/2014/main" xmlns="" id="{6C1750A8-0A53-40DB-B646-EE267E14322F}"/>
               </a:ext>
             </a:extLst>
           </p:cNvPr>
@@ -8056,7 +8059,7 @@
           <p:cNvPr id="3" name="Rectangle 2">
             <a:extLst>
               <a:ext uri="{FF2B5EF4-FFF2-40B4-BE49-F238E27FC236}">
-                <a16:creationId xmlns="" xmlns:a16="http://schemas.microsoft.com/office/drawing/2014/main" id="{DC56F6AA-CC91-42A5-B529-91407EE8CA0B}"/>
+                <a16:creationId xmlns:a16="http://schemas.microsoft.com/office/drawing/2014/main" xmlns="" id="{DC56F6AA-CC91-42A5-B529-91407EE8CA0B}"/>
               </a:ext>
             </a:extLst>
           </p:cNvPr>
@@ -8102,7 +8105,7 @@
           <p:cNvPr id="5" name="Rectangle 4">
             <a:extLst>
               <a:ext uri="{FF2B5EF4-FFF2-40B4-BE49-F238E27FC236}">
-                <a16:creationId xmlns="" xmlns:a16="http://schemas.microsoft.com/office/drawing/2014/main" id="{1AFD8020-F819-48DB-A628-4F914740C5B5}"/>
+                <a16:creationId xmlns:a16="http://schemas.microsoft.com/office/drawing/2014/main" xmlns="" id="{1AFD8020-F819-48DB-A628-4F914740C5B5}"/>
               </a:ext>
             </a:extLst>
           </p:cNvPr>
@@ -8156,7 +8159,7 @@
           <p:cNvPr id="6" name="Rectangle 5">
             <a:extLst>
               <a:ext uri="{FF2B5EF4-FFF2-40B4-BE49-F238E27FC236}">
-                <a16:creationId xmlns="" xmlns:a16="http://schemas.microsoft.com/office/drawing/2014/main" id="{519572F2-77B7-451D-B7B9-E8C4DF760CFE}"/>
+                <a16:creationId xmlns:a16="http://schemas.microsoft.com/office/drawing/2014/main" xmlns="" id="{519572F2-77B7-451D-B7B9-E8C4DF760CFE}"/>
               </a:ext>
             </a:extLst>
           </p:cNvPr>
@@ -8202,7 +8205,7 @@
           <p:cNvPr id="9" name="Straight Connector 8">
             <a:extLst>
               <a:ext uri="{FF2B5EF4-FFF2-40B4-BE49-F238E27FC236}">
-                <a16:creationId xmlns="" xmlns:a16="http://schemas.microsoft.com/office/drawing/2014/main" id="{4C9C328E-BF96-4182-9F0B-C5C11B72F8DE}"/>
+                <a16:creationId xmlns:a16="http://schemas.microsoft.com/office/drawing/2014/main" xmlns="" id="{4C9C328E-BF96-4182-9F0B-C5C11B72F8DE}"/>
               </a:ext>
             </a:extLst>
           </p:cNvPr>
@@ -8243,7 +8246,7 @@
           <p:cNvPr id="13" name="Rectangle 12">
             <a:extLst>
               <a:ext uri="{FF2B5EF4-FFF2-40B4-BE49-F238E27FC236}">
-                <a16:creationId xmlns="" xmlns:a16="http://schemas.microsoft.com/office/drawing/2014/main" id="{323427DF-834D-402D-8EB2-A67EBD08C9DE}"/>
+                <a16:creationId xmlns:a16="http://schemas.microsoft.com/office/drawing/2014/main" xmlns="" id="{323427DF-834D-402D-8EB2-A67EBD08C9DE}"/>
               </a:ext>
             </a:extLst>
           </p:cNvPr>
@@ -8289,7 +8292,7 @@
           <p:cNvPr id="14" name="Rectangle 13">
             <a:extLst>
               <a:ext uri="{FF2B5EF4-FFF2-40B4-BE49-F238E27FC236}">
-                <a16:creationId xmlns="" xmlns:a16="http://schemas.microsoft.com/office/drawing/2014/main" id="{0A6F78A6-5E7B-44BE-8033-86E3CC020CF3}"/>
+                <a16:creationId xmlns:a16="http://schemas.microsoft.com/office/drawing/2014/main" xmlns="" id="{0A6F78A6-5E7B-44BE-8033-86E3CC020CF3}"/>
               </a:ext>
             </a:extLst>
           </p:cNvPr>
@@ -8335,7 +8338,7 @@
           <p:cNvPr id="15" name="Rectangle 14">
             <a:extLst>
               <a:ext uri="{FF2B5EF4-FFF2-40B4-BE49-F238E27FC236}">
-                <a16:creationId xmlns="" xmlns:a16="http://schemas.microsoft.com/office/drawing/2014/main" id="{9F279704-B8F0-4876-B501-EE21DB738F59}"/>
+                <a16:creationId xmlns:a16="http://schemas.microsoft.com/office/drawing/2014/main" xmlns="" id="{9F279704-B8F0-4876-B501-EE21DB738F59}"/>
               </a:ext>
             </a:extLst>
           </p:cNvPr>
@@ -8381,7 +8384,7 @@
           <p:cNvPr id="16" name="Rectangle 15">
             <a:extLst>
               <a:ext uri="{FF2B5EF4-FFF2-40B4-BE49-F238E27FC236}">
-                <a16:creationId xmlns="" xmlns:a16="http://schemas.microsoft.com/office/drawing/2014/main" id="{6ECC4020-0E4E-472A-9357-69CC12C1F305}"/>
+                <a16:creationId xmlns:a16="http://schemas.microsoft.com/office/drawing/2014/main" xmlns="" id="{6ECC4020-0E4E-472A-9357-69CC12C1F305}"/>
               </a:ext>
             </a:extLst>
           </p:cNvPr>
@@ -8427,7 +8430,7 @@
           <p:cNvPr id="17" name="Rectangle 16">
             <a:extLst>
               <a:ext uri="{FF2B5EF4-FFF2-40B4-BE49-F238E27FC236}">
-                <a16:creationId xmlns="" xmlns:a16="http://schemas.microsoft.com/office/drawing/2014/main" id="{34453880-B568-412E-B217-7017AA047B84}"/>
+                <a16:creationId xmlns:a16="http://schemas.microsoft.com/office/drawing/2014/main" xmlns="" id="{34453880-B568-412E-B217-7017AA047B84}"/>
               </a:ext>
             </a:extLst>
           </p:cNvPr>
@@ -8473,7 +8476,7 @@
           <p:cNvPr id="19" name="Oval 18">
             <a:extLst>
               <a:ext uri="{FF2B5EF4-FFF2-40B4-BE49-F238E27FC236}">
-                <a16:creationId xmlns="" xmlns:a16="http://schemas.microsoft.com/office/drawing/2014/main" id="{C865F1AC-443D-44E9-B205-5FD839712B3D}"/>
+                <a16:creationId xmlns:a16="http://schemas.microsoft.com/office/drawing/2014/main" xmlns="" id="{C865F1AC-443D-44E9-B205-5FD839712B3D}"/>
               </a:ext>
             </a:extLst>
           </p:cNvPr>
@@ -8519,7 +8522,7 @@
           <p:cNvPr id="20" name="Straight Connector 19">
             <a:extLst>
               <a:ext uri="{FF2B5EF4-FFF2-40B4-BE49-F238E27FC236}">
-                <a16:creationId xmlns="" xmlns:a16="http://schemas.microsoft.com/office/drawing/2014/main" id="{B1B94C00-5D79-4EF7-B864-00C0FB05A426}"/>
+                <a16:creationId xmlns:a16="http://schemas.microsoft.com/office/drawing/2014/main" xmlns="" id="{B1B94C00-5D79-4EF7-B864-00C0FB05A426}"/>
               </a:ext>
             </a:extLst>
           </p:cNvPr>
@@ -8560,7 +8563,7 @@
           <p:cNvPr id="25" name="Rectangle 24">
             <a:extLst>
               <a:ext uri="{FF2B5EF4-FFF2-40B4-BE49-F238E27FC236}">
-                <a16:creationId xmlns="" xmlns:a16="http://schemas.microsoft.com/office/drawing/2014/main" id="{1962C116-4BFC-4CE5-92AA-283C9D45A684}"/>
+                <a16:creationId xmlns:a16="http://schemas.microsoft.com/office/drawing/2014/main" xmlns="" id="{1962C116-4BFC-4CE5-92AA-283C9D45A684}"/>
               </a:ext>
             </a:extLst>
           </p:cNvPr>
@@ -8606,7 +8609,7 @@
           <p:cNvPr id="26" name="Rectangle 25">
             <a:extLst>
               <a:ext uri="{FF2B5EF4-FFF2-40B4-BE49-F238E27FC236}">
-                <a16:creationId xmlns="" xmlns:a16="http://schemas.microsoft.com/office/drawing/2014/main" id="{7346B316-6233-4443-9A36-040D034A6FBF}"/>
+                <a16:creationId xmlns:a16="http://schemas.microsoft.com/office/drawing/2014/main" xmlns="" id="{7346B316-6233-4443-9A36-040D034A6FBF}"/>
               </a:ext>
             </a:extLst>
           </p:cNvPr>
@@ -8660,7 +8663,7 @@
           <p:cNvPr id="27" name="Rectangle 26">
             <a:extLst>
               <a:ext uri="{FF2B5EF4-FFF2-40B4-BE49-F238E27FC236}">
-                <a16:creationId xmlns="" xmlns:a16="http://schemas.microsoft.com/office/drawing/2014/main" id="{A0A6BEE0-8DF4-4797-80DB-7DD4E6A99383}"/>
+                <a16:creationId xmlns:a16="http://schemas.microsoft.com/office/drawing/2014/main" xmlns="" id="{A0A6BEE0-8DF4-4797-80DB-7DD4E6A99383}"/>
               </a:ext>
             </a:extLst>
           </p:cNvPr>
@@ -8706,7 +8709,7 @@
           <p:cNvPr id="28" name="Rectangle 27">
             <a:extLst>
               <a:ext uri="{FF2B5EF4-FFF2-40B4-BE49-F238E27FC236}">
-                <a16:creationId xmlns="" xmlns:a16="http://schemas.microsoft.com/office/drawing/2014/main" id="{14D24A18-E91F-4A40-9FD4-04301BE5E2B4}"/>
+                <a16:creationId xmlns:a16="http://schemas.microsoft.com/office/drawing/2014/main" xmlns="" id="{14D24A18-E91F-4A40-9FD4-04301BE5E2B4}"/>
               </a:ext>
             </a:extLst>
           </p:cNvPr>
@@ -8752,7 +8755,7 @@
           <p:cNvPr id="31" name="Straight Connector 30">
             <a:extLst>
               <a:ext uri="{FF2B5EF4-FFF2-40B4-BE49-F238E27FC236}">
-                <a16:creationId xmlns="" xmlns:a16="http://schemas.microsoft.com/office/drawing/2014/main" id="{7A19C16E-38B9-498A-9C33-6AB77B29E105}"/>
+                <a16:creationId xmlns:a16="http://schemas.microsoft.com/office/drawing/2014/main" xmlns="" id="{7A19C16E-38B9-498A-9C33-6AB77B29E105}"/>
               </a:ext>
             </a:extLst>
           </p:cNvPr>
@@ -8793,7 +8796,7 @@
           <p:cNvPr id="24" name="Rectangle 23">
             <a:extLst>
               <a:ext uri="{FF2B5EF4-FFF2-40B4-BE49-F238E27FC236}">
-                <a16:creationId xmlns="" xmlns:a16="http://schemas.microsoft.com/office/drawing/2014/main" id="{FAE6EA6D-531A-4F1A-B26C-0EA955C90619}"/>
+                <a16:creationId xmlns:a16="http://schemas.microsoft.com/office/drawing/2014/main" xmlns="" id="{FAE6EA6D-531A-4F1A-B26C-0EA955C90619}"/>
               </a:ext>
             </a:extLst>
           </p:cNvPr>
@@ -8869,7 +8872,7 @@
           <p:cNvPr id="2" name="Slide Number Placeholder 1">
             <a:extLst>
               <a:ext uri="{FF2B5EF4-FFF2-40B4-BE49-F238E27FC236}">
-                <a16:creationId xmlns="" xmlns:a16="http://schemas.microsoft.com/office/drawing/2014/main" id="{E2A346D2-342E-4D26-9516-C88A6E8CC150}"/>
+                <a16:creationId xmlns:a16="http://schemas.microsoft.com/office/drawing/2014/main" xmlns="" id="{E2A346D2-342E-4D26-9516-C88A6E8CC150}"/>
               </a:ext>
             </a:extLst>
           </p:cNvPr>
@@ -8898,7 +8901,7 @@
           <p:cNvPr id="4" name="Title 3">
             <a:extLst>
               <a:ext uri="{FF2B5EF4-FFF2-40B4-BE49-F238E27FC236}">
-                <a16:creationId xmlns="" xmlns:a16="http://schemas.microsoft.com/office/drawing/2014/main" id="{6C1750A8-0A53-40DB-B646-EE267E14322F}"/>
+                <a16:creationId xmlns:a16="http://schemas.microsoft.com/office/drawing/2014/main" xmlns="" id="{6C1750A8-0A53-40DB-B646-EE267E14322F}"/>
               </a:ext>
             </a:extLst>
           </p:cNvPr>
@@ -8932,7 +8935,7 @@
           <p:cNvPr id="3" name="Rectangle 2">
             <a:extLst>
               <a:ext uri="{FF2B5EF4-FFF2-40B4-BE49-F238E27FC236}">
-                <a16:creationId xmlns="" xmlns:a16="http://schemas.microsoft.com/office/drawing/2014/main" id="{DC56F6AA-CC91-42A5-B529-91407EE8CA0B}"/>
+                <a16:creationId xmlns:a16="http://schemas.microsoft.com/office/drawing/2014/main" xmlns="" id="{DC56F6AA-CC91-42A5-B529-91407EE8CA0B}"/>
               </a:ext>
             </a:extLst>
           </p:cNvPr>
@@ -8978,7 +8981,7 @@
           <p:cNvPr id="5" name="Rectangle 4">
             <a:extLst>
               <a:ext uri="{FF2B5EF4-FFF2-40B4-BE49-F238E27FC236}">
-                <a16:creationId xmlns="" xmlns:a16="http://schemas.microsoft.com/office/drawing/2014/main" id="{1AFD8020-F819-48DB-A628-4F914740C5B5}"/>
+                <a16:creationId xmlns:a16="http://schemas.microsoft.com/office/drawing/2014/main" xmlns="" id="{1AFD8020-F819-48DB-A628-4F914740C5B5}"/>
               </a:ext>
             </a:extLst>
           </p:cNvPr>
@@ -9032,7 +9035,7 @@
           <p:cNvPr id="6" name="Rectangle 5">
             <a:extLst>
               <a:ext uri="{FF2B5EF4-FFF2-40B4-BE49-F238E27FC236}">
-                <a16:creationId xmlns="" xmlns:a16="http://schemas.microsoft.com/office/drawing/2014/main" id="{519572F2-77B7-451D-B7B9-E8C4DF760CFE}"/>
+                <a16:creationId xmlns:a16="http://schemas.microsoft.com/office/drawing/2014/main" xmlns="" id="{519572F2-77B7-451D-B7B9-E8C4DF760CFE}"/>
               </a:ext>
             </a:extLst>
           </p:cNvPr>
@@ -9078,7 +9081,7 @@
           <p:cNvPr id="9" name="Straight Connector 8">
             <a:extLst>
               <a:ext uri="{FF2B5EF4-FFF2-40B4-BE49-F238E27FC236}">
-                <a16:creationId xmlns="" xmlns:a16="http://schemas.microsoft.com/office/drawing/2014/main" id="{4C9C328E-BF96-4182-9F0B-C5C11B72F8DE}"/>
+                <a16:creationId xmlns:a16="http://schemas.microsoft.com/office/drawing/2014/main" xmlns="" id="{4C9C328E-BF96-4182-9F0B-C5C11B72F8DE}"/>
               </a:ext>
             </a:extLst>
           </p:cNvPr>
@@ -9119,7 +9122,7 @@
           <p:cNvPr id="13" name="Rectangle 12">
             <a:extLst>
               <a:ext uri="{FF2B5EF4-FFF2-40B4-BE49-F238E27FC236}">
-                <a16:creationId xmlns="" xmlns:a16="http://schemas.microsoft.com/office/drawing/2014/main" id="{323427DF-834D-402D-8EB2-A67EBD08C9DE}"/>
+                <a16:creationId xmlns:a16="http://schemas.microsoft.com/office/drawing/2014/main" xmlns="" id="{323427DF-834D-402D-8EB2-A67EBD08C9DE}"/>
               </a:ext>
             </a:extLst>
           </p:cNvPr>
@@ -9165,7 +9168,7 @@
           <p:cNvPr id="14" name="Rectangle 13">
             <a:extLst>
               <a:ext uri="{FF2B5EF4-FFF2-40B4-BE49-F238E27FC236}">
-                <a16:creationId xmlns="" xmlns:a16="http://schemas.microsoft.com/office/drawing/2014/main" id="{0A6F78A6-5E7B-44BE-8033-86E3CC020CF3}"/>
+                <a16:creationId xmlns:a16="http://schemas.microsoft.com/office/drawing/2014/main" xmlns="" id="{0A6F78A6-5E7B-44BE-8033-86E3CC020CF3}"/>
               </a:ext>
             </a:extLst>
           </p:cNvPr>
@@ -9211,7 +9214,7 @@
           <p:cNvPr id="15" name="Rectangle 14">
             <a:extLst>
               <a:ext uri="{FF2B5EF4-FFF2-40B4-BE49-F238E27FC236}">
-                <a16:creationId xmlns="" xmlns:a16="http://schemas.microsoft.com/office/drawing/2014/main" id="{9F279704-B8F0-4876-B501-EE21DB738F59}"/>
+                <a16:creationId xmlns:a16="http://schemas.microsoft.com/office/drawing/2014/main" xmlns="" id="{9F279704-B8F0-4876-B501-EE21DB738F59}"/>
               </a:ext>
             </a:extLst>
           </p:cNvPr>
@@ -9257,7 +9260,7 @@
           <p:cNvPr id="16" name="Rectangle 15">
             <a:extLst>
               <a:ext uri="{FF2B5EF4-FFF2-40B4-BE49-F238E27FC236}">
-                <a16:creationId xmlns="" xmlns:a16="http://schemas.microsoft.com/office/drawing/2014/main" id="{6ECC4020-0E4E-472A-9357-69CC12C1F305}"/>
+                <a16:creationId xmlns:a16="http://schemas.microsoft.com/office/drawing/2014/main" xmlns="" id="{6ECC4020-0E4E-472A-9357-69CC12C1F305}"/>
               </a:ext>
             </a:extLst>
           </p:cNvPr>
@@ -9303,7 +9306,7 @@
           <p:cNvPr id="17" name="Rectangle 16">
             <a:extLst>
               <a:ext uri="{FF2B5EF4-FFF2-40B4-BE49-F238E27FC236}">
-                <a16:creationId xmlns="" xmlns:a16="http://schemas.microsoft.com/office/drawing/2014/main" id="{34453880-B568-412E-B217-7017AA047B84}"/>
+                <a16:creationId xmlns:a16="http://schemas.microsoft.com/office/drawing/2014/main" xmlns="" id="{34453880-B568-412E-B217-7017AA047B84}"/>
               </a:ext>
             </a:extLst>
           </p:cNvPr>
@@ -9349,7 +9352,7 @@
           <p:cNvPr id="19" name="Oval 18">
             <a:extLst>
               <a:ext uri="{FF2B5EF4-FFF2-40B4-BE49-F238E27FC236}">
-                <a16:creationId xmlns="" xmlns:a16="http://schemas.microsoft.com/office/drawing/2014/main" id="{C865F1AC-443D-44E9-B205-5FD839712B3D}"/>
+                <a16:creationId xmlns:a16="http://schemas.microsoft.com/office/drawing/2014/main" xmlns="" id="{C865F1AC-443D-44E9-B205-5FD839712B3D}"/>
               </a:ext>
             </a:extLst>
           </p:cNvPr>
@@ -9395,7 +9398,7 @@
           <p:cNvPr id="20" name="Straight Connector 19">
             <a:extLst>
               <a:ext uri="{FF2B5EF4-FFF2-40B4-BE49-F238E27FC236}">
-                <a16:creationId xmlns="" xmlns:a16="http://schemas.microsoft.com/office/drawing/2014/main" id="{B1B94C00-5D79-4EF7-B864-00C0FB05A426}"/>
+                <a16:creationId xmlns:a16="http://schemas.microsoft.com/office/drawing/2014/main" xmlns="" id="{B1B94C00-5D79-4EF7-B864-00C0FB05A426}"/>
               </a:ext>
             </a:extLst>
           </p:cNvPr>
@@ -9436,7 +9439,7 @@
           <p:cNvPr id="26" name="Rectangle 25">
             <a:extLst>
               <a:ext uri="{FF2B5EF4-FFF2-40B4-BE49-F238E27FC236}">
-                <a16:creationId xmlns="" xmlns:a16="http://schemas.microsoft.com/office/drawing/2014/main" id="{7346B316-6233-4443-9A36-040D034A6FBF}"/>
+                <a16:creationId xmlns:a16="http://schemas.microsoft.com/office/drawing/2014/main" xmlns="" id="{7346B316-6233-4443-9A36-040D034A6FBF}"/>
               </a:ext>
             </a:extLst>
           </p:cNvPr>
@@ -9490,7 +9493,7 @@
           <p:cNvPr id="27" name="Rectangle 26">
             <a:extLst>
               <a:ext uri="{FF2B5EF4-FFF2-40B4-BE49-F238E27FC236}">
-                <a16:creationId xmlns="" xmlns:a16="http://schemas.microsoft.com/office/drawing/2014/main" id="{A0A6BEE0-8DF4-4797-80DB-7DD4E6A99383}"/>
+                <a16:creationId xmlns:a16="http://schemas.microsoft.com/office/drawing/2014/main" xmlns="" id="{A0A6BEE0-8DF4-4797-80DB-7DD4E6A99383}"/>
               </a:ext>
             </a:extLst>
           </p:cNvPr>
@@ -9536,7 +9539,7 @@
           <p:cNvPr id="28" name="Rectangle 27">
             <a:extLst>
               <a:ext uri="{FF2B5EF4-FFF2-40B4-BE49-F238E27FC236}">
-                <a16:creationId xmlns="" xmlns:a16="http://schemas.microsoft.com/office/drawing/2014/main" id="{14D24A18-E91F-4A40-9FD4-04301BE5E2B4}"/>
+                <a16:creationId xmlns:a16="http://schemas.microsoft.com/office/drawing/2014/main" xmlns="" id="{14D24A18-E91F-4A40-9FD4-04301BE5E2B4}"/>
               </a:ext>
             </a:extLst>
           </p:cNvPr>
@@ -9582,7 +9585,7 @@
           <p:cNvPr id="24" name="Rectangle 23">
             <a:extLst>
               <a:ext uri="{FF2B5EF4-FFF2-40B4-BE49-F238E27FC236}">
-                <a16:creationId xmlns="" xmlns:a16="http://schemas.microsoft.com/office/drawing/2014/main" id="{FAE6EA6D-531A-4F1A-B26C-0EA955C90619}"/>
+                <a16:creationId xmlns:a16="http://schemas.microsoft.com/office/drawing/2014/main" xmlns="" id="{FAE6EA6D-531A-4F1A-B26C-0EA955C90619}"/>
               </a:ext>
             </a:extLst>
           </p:cNvPr>
@@ -9628,7 +9631,7 @@
           <p:cNvPr id="21" name="Rectangle 20">
             <a:extLst>
               <a:ext uri="{FF2B5EF4-FFF2-40B4-BE49-F238E27FC236}">
-                <a16:creationId xmlns="" xmlns:a16="http://schemas.microsoft.com/office/drawing/2014/main" id="{666D8948-3CC0-4080-A06E-30065698753A}"/>
+                <a16:creationId xmlns:a16="http://schemas.microsoft.com/office/drawing/2014/main" xmlns="" id="{666D8948-3CC0-4080-A06E-30065698753A}"/>
               </a:ext>
             </a:extLst>
           </p:cNvPr>
@@ -9674,7 +9677,7 @@
           <p:cNvPr id="22" name="Rectangle 21">
             <a:extLst>
               <a:ext uri="{FF2B5EF4-FFF2-40B4-BE49-F238E27FC236}">
-                <a16:creationId xmlns="" xmlns:a16="http://schemas.microsoft.com/office/drawing/2014/main" id="{648DEC73-0D6B-4A49-8269-4CAD24AD9C86}"/>
+                <a16:creationId xmlns:a16="http://schemas.microsoft.com/office/drawing/2014/main" xmlns="" id="{648DEC73-0D6B-4A49-8269-4CAD24AD9C86}"/>
               </a:ext>
             </a:extLst>
           </p:cNvPr>
@@ -9728,7 +9731,7 @@
           <p:cNvPr id="23" name="Straight Connector 22">
             <a:extLst>
               <a:ext uri="{FF2B5EF4-FFF2-40B4-BE49-F238E27FC236}">
-                <a16:creationId xmlns="" xmlns:a16="http://schemas.microsoft.com/office/drawing/2014/main" id="{D6385C70-B333-4C86-B538-474BC6C16A17}"/>
+                <a16:creationId xmlns:a16="http://schemas.microsoft.com/office/drawing/2014/main" xmlns="" id="{D6385C70-B333-4C86-B538-474BC6C16A17}"/>
               </a:ext>
             </a:extLst>
           </p:cNvPr>
@@ -9799,7 +9802,7 @@
           <p:cNvPr id="2" name="Slide Number Placeholder 1">
             <a:extLst>
               <a:ext uri="{FF2B5EF4-FFF2-40B4-BE49-F238E27FC236}">
-                <a16:creationId xmlns="" xmlns:a16="http://schemas.microsoft.com/office/drawing/2014/main" id="{E2A346D2-342E-4D26-9516-C88A6E8CC150}"/>
+                <a16:creationId xmlns:a16="http://schemas.microsoft.com/office/drawing/2014/main" xmlns="" id="{E2A346D2-342E-4D26-9516-C88A6E8CC150}"/>
               </a:ext>
             </a:extLst>
           </p:cNvPr>
@@ -9828,7 +9831,7 @@
           <p:cNvPr id="4" name="Title 3">
             <a:extLst>
               <a:ext uri="{FF2B5EF4-FFF2-40B4-BE49-F238E27FC236}">
-                <a16:creationId xmlns="" xmlns:a16="http://schemas.microsoft.com/office/drawing/2014/main" id="{6C1750A8-0A53-40DB-B646-EE267E14322F}"/>
+                <a16:creationId xmlns:a16="http://schemas.microsoft.com/office/drawing/2014/main" xmlns="" id="{6C1750A8-0A53-40DB-B646-EE267E14322F}"/>
               </a:ext>
             </a:extLst>
           </p:cNvPr>
@@ -9850,8 +9853,8 @@
           <a:lstStyle/>
           <a:p>
             <a:r>
-              <a:rPr lang="en-US"/>
-              <a:t>Test sequence</a:t>
+              <a:rPr lang="en-US" dirty="0" smtClean="0"/>
+              <a:t>Shipping position</a:t>
             </a:r>
             <a:endParaRPr lang="en-IN" dirty="0"/>
           </a:p>
@@ -9862,16 +9865,16 @@
           <p:cNvPr id="3" name="Rectangle 2">
             <a:extLst>
               <a:ext uri="{FF2B5EF4-FFF2-40B4-BE49-F238E27FC236}">
-                <a16:creationId xmlns="" xmlns:a16="http://schemas.microsoft.com/office/drawing/2014/main" id="{DC56F6AA-CC91-42A5-B529-91407EE8CA0B}"/>
-              </a:ext>
-            </a:extLst>
-          </p:cNvPr>
-          <p:cNvSpPr/>
-          <p:nvPr/>
-        </p:nvSpPr>
-        <p:spPr>
-          <a:xfrm>
-            <a:off x="6096000" y="3967306"/>
+                <a16:creationId xmlns:a16="http://schemas.microsoft.com/office/drawing/2014/main" xmlns="" id="{DC56F6AA-CC91-42A5-B529-91407EE8CA0B}"/>
+              </a:ext>
+            </a:extLst>
+          </p:cNvPr>
+          <p:cNvSpPr/>
+          <p:nvPr/>
+        </p:nvSpPr>
+        <p:spPr>
+          <a:xfrm>
+            <a:off x="6096000" y="6130978"/>
             <a:ext cx="874643" cy="365125"/>
           </a:xfrm>
           <a:prstGeom prst="rect">
@@ -9908,7 +9911,7 @@
           <p:cNvPr id="5" name="Rectangle 4">
             <a:extLst>
               <a:ext uri="{FF2B5EF4-FFF2-40B4-BE49-F238E27FC236}">
-                <a16:creationId xmlns="" xmlns:a16="http://schemas.microsoft.com/office/drawing/2014/main" id="{1AFD8020-F819-48DB-A628-4F914740C5B5}"/>
+                <a16:creationId xmlns:a16="http://schemas.microsoft.com/office/drawing/2014/main" xmlns="" id="{1AFD8020-F819-48DB-A628-4F914740C5B5}"/>
               </a:ext>
             </a:extLst>
           </p:cNvPr>
@@ -9962,7 +9965,7 @@
           <p:cNvPr id="6" name="Rectangle 5">
             <a:extLst>
               <a:ext uri="{FF2B5EF4-FFF2-40B4-BE49-F238E27FC236}">
-                <a16:creationId xmlns="" xmlns:a16="http://schemas.microsoft.com/office/drawing/2014/main" id="{519572F2-77B7-451D-B7B9-E8C4DF760CFE}"/>
+                <a16:creationId xmlns:a16="http://schemas.microsoft.com/office/drawing/2014/main" xmlns="" id="{519572F2-77B7-451D-B7B9-E8C4DF760CFE}"/>
               </a:ext>
             </a:extLst>
           </p:cNvPr>
@@ -10008,7 +10011,7 @@
           <p:cNvPr id="9" name="Straight Connector 8">
             <a:extLst>
               <a:ext uri="{FF2B5EF4-FFF2-40B4-BE49-F238E27FC236}">
-                <a16:creationId xmlns="" xmlns:a16="http://schemas.microsoft.com/office/drawing/2014/main" id="{4C9C328E-BF96-4182-9F0B-C5C11B72F8DE}"/>
+                <a16:creationId xmlns:a16="http://schemas.microsoft.com/office/drawing/2014/main" xmlns="" id="{4C9C328E-BF96-4182-9F0B-C5C11B72F8DE}"/>
               </a:ext>
             </a:extLst>
           </p:cNvPr>
@@ -10049,7 +10052,7 @@
           <p:cNvPr id="13" name="Rectangle 12">
             <a:extLst>
               <a:ext uri="{FF2B5EF4-FFF2-40B4-BE49-F238E27FC236}">
-                <a16:creationId xmlns="" xmlns:a16="http://schemas.microsoft.com/office/drawing/2014/main" id="{323427DF-834D-402D-8EB2-A67EBD08C9DE}"/>
+                <a16:creationId xmlns:a16="http://schemas.microsoft.com/office/drawing/2014/main" xmlns="" id="{323427DF-834D-402D-8EB2-A67EBD08C9DE}"/>
               </a:ext>
             </a:extLst>
           </p:cNvPr>
@@ -10095,17 +10098,17 @@
           <p:cNvPr id="14" name="Rectangle 13">
             <a:extLst>
               <a:ext uri="{FF2B5EF4-FFF2-40B4-BE49-F238E27FC236}">
-                <a16:creationId xmlns="" xmlns:a16="http://schemas.microsoft.com/office/drawing/2014/main" id="{0A6F78A6-5E7B-44BE-8033-86E3CC020CF3}"/>
-              </a:ext>
-            </a:extLst>
-          </p:cNvPr>
-          <p:cNvSpPr/>
-          <p:nvPr/>
-        </p:nvSpPr>
-        <p:spPr>
-          <a:xfrm>
-            <a:off x="6903716" y="4332431"/>
-            <a:ext cx="198783" cy="2320959"/>
+                <a16:creationId xmlns:a16="http://schemas.microsoft.com/office/drawing/2014/main" xmlns="" id="{0A6F78A6-5E7B-44BE-8033-86E3CC020CF3}"/>
+              </a:ext>
+            </a:extLst>
+          </p:cNvPr>
+          <p:cNvSpPr/>
+          <p:nvPr/>
+        </p:nvSpPr>
+        <p:spPr>
+          <a:xfrm>
+            <a:off x="6903716" y="6505780"/>
+            <a:ext cx="198783" cy="147610"/>
           </a:xfrm>
           <a:prstGeom prst="rect">
             <a:avLst/>
@@ -10141,7 +10144,7 @@
           <p:cNvPr id="15" name="Rectangle 14">
             <a:extLst>
               <a:ext uri="{FF2B5EF4-FFF2-40B4-BE49-F238E27FC236}">
-                <a16:creationId xmlns="" xmlns:a16="http://schemas.microsoft.com/office/drawing/2014/main" id="{9F279704-B8F0-4876-B501-EE21DB738F59}"/>
+                <a16:creationId xmlns:a16="http://schemas.microsoft.com/office/drawing/2014/main" xmlns="" id="{9F279704-B8F0-4876-B501-EE21DB738F59}"/>
               </a:ext>
             </a:extLst>
           </p:cNvPr>
@@ -10187,7 +10190,7 @@
           <p:cNvPr id="16" name="Rectangle 15">
             <a:extLst>
               <a:ext uri="{FF2B5EF4-FFF2-40B4-BE49-F238E27FC236}">
-                <a16:creationId xmlns="" xmlns:a16="http://schemas.microsoft.com/office/drawing/2014/main" id="{6ECC4020-0E4E-472A-9357-69CC12C1F305}"/>
+                <a16:creationId xmlns:a16="http://schemas.microsoft.com/office/drawing/2014/main" xmlns="" id="{6ECC4020-0E4E-472A-9357-69CC12C1F305}"/>
               </a:ext>
             </a:extLst>
           </p:cNvPr>
@@ -10233,7 +10236,7 @@
           <p:cNvPr id="17" name="Rectangle 16">
             <a:extLst>
               <a:ext uri="{FF2B5EF4-FFF2-40B4-BE49-F238E27FC236}">
-                <a16:creationId xmlns="" xmlns:a16="http://schemas.microsoft.com/office/drawing/2014/main" id="{34453880-B568-412E-B217-7017AA047B84}"/>
+                <a16:creationId xmlns:a16="http://schemas.microsoft.com/office/drawing/2014/main" xmlns="" id="{34453880-B568-412E-B217-7017AA047B84}"/>
               </a:ext>
             </a:extLst>
           </p:cNvPr>
@@ -10279,7 +10282,7 @@
           <p:cNvPr id="19" name="Oval 18">
             <a:extLst>
               <a:ext uri="{FF2B5EF4-FFF2-40B4-BE49-F238E27FC236}">
-                <a16:creationId xmlns="" xmlns:a16="http://schemas.microsoft.com/office/drawing/2014/main" id="{C865F1AC-443D-44E9-B205-5FD839712B3D}"/>
+                <a16:creationId xmlns:a16="http://schemas.microsoft.com/office/drawing/2014/main" xmlns="" id="{C865F1AC-443D-44E9-B205-5FD839712B3D}"/>
               </a:ext>
             </a:extLst>
           </p:cNvPr>
@@ -10325,7 +10328,7 @@
           <p:cNvPr id="20" name="Straight Connector 19">
             <a:extLst>
               <a:ext uri="{FF2B5EF4-FFF2-40B4-BE49-F238E27FC236}">
-                <a16:creationId xmlns="" xmlns:a16="http://schemas.microsoft.com/office/drawing/2014/main" id="{B1B94C00-5D79-4EF7-B864-00C0FB05A426}"/>
+                <a16:creationId xmlns:a16="http://schemas.microsoft.com/office/drawing/2014/main" xmlns="" id="{B1B94C00-5D79-4EF7-B864-00C0FB05A426}"/>
               </a:ext>
             </a:extLst>
           </p:cNvPr>
@@ -10366,7 +10369,7 @@
           <p:cNvPr id="26" name="Rectangle 25">
             <a:extLst>
               <a:ext uri="{FF2B5EF4-FFF2-40B4-BE49-F238E27FC236}">
-                <a16:creationId xmlns="" xmlns:a16="http://schemas.microsoft.com/office/drawing/2014/main" id="{7346B316-6233-4443-9A36-040D034A6FBF}"/>
+                <a16:creationId xmlns:a16="http://schemas.microsoft.com/office/drawing/2014/main" xmlns="" id="{7346B316-6233-4443-9A36-040D034A6FBF}"/>
               </a:ext>
             </a:extLst>
           </p:cNvPr>
@@ -10420,7 +10423,7 @@
           <p:cNvPr id="27" name="Rectangle 26">
             <a:extLst>
               <a:ext uri="{FF2B5EF4-FFF2-40B4-BE49-F238E27FC236}">
-                <a16:creationId xmlns="" xmlns:a16="http://schemas.microsoft.com/office/drawing/2014/main" id="{A0A6BEE0-8DF4-4797-80DB-7DD4E6A99383}"/>
+                <a16:creationId xmlns:a16="http://schemas.microsoft.com/office/drawing/2014/main" xmlns="" id="{A0A6BEE0-8DF4-4797-80DB-7DD4E6A99383}"/>
               </a:ext>
             </a:extLst>
           </p:cNvPr>
@@ -10466,7 +10469,7 @@
           <p:cNvPr id="28" name="Rectangle 27">
             <a:extLst>
               <a:ext uri="{FF2B5EF4-FFF2-40B4-BE49-F238E27FC236}">
-                <a16:creationId xmlns="" xmlns:a16="http://schemas.microsoft.com/office/drawing/2014/main" id="{14D24A18-E91F-4A40-9FD4-04301BE5E2B4}"/>
+                <a16:creationId xmlns:a16="http://schemas.microsoft.com/office/drawing/2014/main" xmlns="" id="{14D24A18-E91F-4A40-9FD4-04301BE5E2B4}"/>
               </a:ext>
             </a:extLst>
           </p:cNvPr>
@@ -10512,17 +10515,17 @@
           <p:cNvPr id="24" name="Rectangle 23">
             <a:extLst>
               <a:ext uri="{FF2B5EF4-FFF2-40B4-BE49-F238E27FC236}">
-                <a16:creationId xmlns="" xmlns:a16="http://schemas.microsoft.com/office/drawing/2014/main" id="{FAE6EA6D-531A-4F1A-B26C-0EA955C90619}"/>
-              </a:ext>
-            </a:extLst>
-          </p:cNvPr>
-          <p:cNvSpPr/>
-          <p:nvPr/>
-        </p:nvSpPr>
-        <p:spPr>
-          <a:xfrm>
-            <a:off x="5063982" y="2125936"/>
-            <a:ext cx="182298" cy="2307484"/>
+                <a16:creationId xmlns:a16="http://schemas.microsoft.com/office/drawing/2014/main" xmlns="" id="{FAE6EA6D-531A-4F1A-B26C-0EA955C90619}"/>
+              </a:ext>
+            </a:extLst>
+          </p:cNvPr>
+          <p:cNvSpPr/>
+          <p:nvPr/>
+        </p:nvSpPr>
+        <p:spPr>
+          <a:xfrm>
+            <a:off x="5047497" y="4217724"/>
+            <a:ext cx="198783" cy="215695"/>
           </a:xfrm>
           <a:prstGeom prst="rect">
             <a:avLst/>
@@ -10558,7 +10561,7 @@
           <p:cNvPr id="21" name="Rectangle 20">
             <a:extLst>
               <a:ext uri="{FF2B5EF4-FFF2-40B4-BE49-F238E27FC236}">
-                <a16:creationId xmlns="" xmlns:a16="http://schemas.microsoft.com/office/drawing/2014/main" id="{666D8948-3CC0-4080-A06E-30065698753A}"/>
+                <a16:creationId xmlns:a16="http://schemas.microsoft.com/office/drawing/2014/main" xmlns="" id="{666D8948-3CC0-4080-A06E-30065698753A}"/>
               </a:ext>
             </a:extLst>
           </p:cNvPr>
@@ -10604,7 +10607,7 @@
           <p:cNvPr id="22" name="Rectangle 21">
             <a:extLst>
               <a:ext uri="{FF2B5EF4-FFF2-40B4-BE49-F238E27FC236}">
-                <a16:creationId xmlns="" xmlns:a16="http://schemas.microsoft.com/office/drawing/2014/main" id="{648DEC73-0D6B-4A49-8269-4CAD24AD9C86}"/>
+                <a16:creationId xmlns:a16="http://schemas.microsoft.com/office/drawing/2014/main" xmlns="" id="{648DEC73-0D6B-4A49-8269-4CAD24AD9C86}"/>
               </a:ext>
             </a:extLst>
           </p:cNvPr>
@@ -10658,7 +10661,7 @@
           <p:cNvPr id="23" name="Straight Connector 22">
             <a:extLst>
               <a:ext uri="{FF2B5EF4-FFF2-40B4-BE49-F238E27FC236}">
-                <a16:creationId xmlns="" xmlns:a16="http://schemas.microsoft.com/office/drawing/2014/main" id="{D6385C70-B333-4C86-B538-474BC6C16A17}"/>
+                <a16:creationId xmlns:a16="http://schemas.microsoft.com/office/drawing/2014/main" xmlns="" id="{D6385C70-B333-4C86-B538-474BC6C16A17}"/>
               </a:ext>
             </a:extLst>
           </p:cNvPr>
@@ -10697,7 +10700,7 @@
     </p:spTree>
     <p:extLst>
       <p:ext uri="{BB962C8B-B14F-4D97-AF65-F5344CB8AC3E}">
-        <p14:creationId xmlns:p14="http://schemas.microsoft.com/office/powerpoint/2010/main" val="849537894"/>
+        <p14:creationId xmlns:p14="http://schemas.microsoft.com/office/powerpoint/2010/main" val="2416022756"/>
       </p:ext>
     </p:extLst>
   </p:cSld>
@@ -10729,7 +10732,7 @@
           <p:cNvPr id="2" name="Slide Number Placeholder 1">
             <a:extLst>
               <a:ext uri="{FF2B5EF4-FFF2-40B4-BE49-F238E27FC236}">
-                <a16:creationId xmlns="" xmlns:a16="http://schemas.microsoft.com/office/drawing/2014/main" id="{E2A346D2-342E-4D26-9516-C88A6E8CC150}"/>
+                <a16:creationId xmlns:a16="http://schemas.microsoft.com/office/drawing/2014/main" xmlns="" id="{E2A346D2-342E-4D26-9516-C88A6E8CC150}"/>
               </a:ext>
             </a:extLst>
           </p:cNvPr>
@@ -10758,7 +10761,7 @@
           <p:cNvPr id="4" name="Title 3">
             <a:extLst>
               <a:ext uri="{FF2B5EF4-FFF2-40B4-BE49-F238E27FC236}">
-                <a16:creationId xmlns="" xmlns:a16="http://schemas.microsoft.com/office/drawing/2014/main" id="{6C1750A8-0A53-40DB-B646-EE267E14322F}"/>
+                <a16:creationId xmlns:a16="http://schemas.microsoft.com/office/drawing/2014/main" xmlns="" id="{6C1750A8-0A53-40DB-B646-EE267E14322F}"/>
               </a:ext>
             </a:extLst>
           </p:cNvPr>
@@ -10780,8 +10783,8 @@
           <a:lstStyle/>
           <a:p>
             <a:r>
-              <a:rPr lang="en-US"/>
-              <a:t>Test sequence</a:t>
+              <a:rPr lang="en-US" dirty="0" smtClean="0"/>
+              <a:t>Shipping position</a:t>
             </a:r>
             <a:endParaRPr lang="en-IN" dirty="0"/>
           </a:p>
@@ -10792,16 +10795,16 @@
           <p:cNvPr id="3" name="Rectangle 2">
             <a:extLst>
               <a:ext uri="{FF2B5EF4-FFF2-40B4-BE49-F238E27FC236}">
-                <a16:creationId xmlns="" xmlns:a16="http://schemas.microsoft.com/office/drawing/2014/main" id="{DC56F6AA-CC91-42A5-B529-91407EE8CA0B}"/>
-              </a:ext>
-            </a:extLst>
-          </p:cNvPr>
-          <p:cNvSpPr/>
-          <p:nvPr/>
-        </p:nvSpPr>
-        <p:spPr>
-          <a:xfrm>
-            <a:off x="6096000" y="3967306"/>
+                <a16:creationId xmlns:a16="http://schemas.microsoft.com/office/drawing/2014/main" xmlns="" id="{DC56F6AA-CC91-42A5-B529-91407EE8CA0B}"/>
+              </a:ext>
+            </a:extLst>
+          </p:cNvPr>
+          <p:cNvSpPr/>
+          <p:nvPr/>
+        </p:nvSpPr>
+        <p:spPr>
+          <a:xfrm>
+            <a:off x="6096000" y="5165053"/>
             <a:ext cx="874643" cy="365125"/>
           </a:xfrm>
           <a:prstGeom prst="rect">
@@ -10838,7 +10841,7 @@
           <p:cNvPr id="5" name="Rectangle 4">
             <a:extLst>
               <a:ext uri="{FF2B5EF4-FFF2-40B4-BE49-F238E27FC236}">
-                <a16:creationId xmlns="" xmlns:a16="http://schemas.microsoft.com/office/drawing/2014/main" id="{1AFD8020-F819-48DB-A628-4F914740C5B5}"/>
+                <a16:creationId xmlns:a16="http://schemas.microsoft.com/office/drawing/2014/main" xmlns="" id="{1AFD8020-F819-48DB-A628-4F914740C5B5}"/>
               </a:ext>
             </a:extLst>
           </p:cNvPr>
@@ -10892,16 +10895,16 @@
           <p:cNvPr id="6" name="Rectangle 5">
             <a:extLst>
               <a:ext uri="{FF2B5EF4-FFF2-40B4-BE49-F238E27FC236}">
-                <a16:creationId xmlns="" xmlns:a16="http://schemas.microsoft.com/office/drawing/2014/main" id="{519572F2-77B7-451D-B7B9-E8C4DF760CFE}"/>
-              </a:ext>
-            </a:extLst>
-          </p:cNvPr>
-          <p:cNvSpPr/>
-          <p:nvPr/>
-        </p:nvSpPr>
-        <p:spPr>
-          <a:xfrm>
-            <a:off x="6443536" y="6505780"/>
+                <a16:creationId xmlns:a16="http://schemas.microsoft.com/office/drawing/2014/main" xmlns="" id="{519572F2-77B7-451D-B7B9-E8C4DF760CFE}"/>
+              </a:ext>
+            </a:extLst>
+          </p:cNvPr>
+          <p:cNvSpPr/>
+          <p:nvPr/>
+        </p:nvSpPr>
+        <p:spPr>
+          <a:xfrm>
+            <a:off x="6443536" y="5539855"/>
             <a:ext cx="198783" cy="215694"/>
           </a:xfrm>
           <a:prstGeom prst="rect">
@@ -10938,7 +10941,7 @@
           <p:cNvPr id="9" name="Straight Connector 8">
             <a:extLst>
               <a:ext uri="{FF2B5EF4-FFF2-40B4-BE49-F238E27FC236}">
-                <a16:creationId xmlns="" xmlns:a16="http://schemas.microsoft.com/office/drawing/2014/main" id="{4C9C328E-BF96-4182-9F0B-C5C11B72F8DE}"/>
+                <a16:creationId xmlns:a16="http://schemas.microsoft.com/office/drawing/2014/main" xmlns="" id="{4C9C328E-BF96-4182-9F0B-C5C11B72F8DE}"/>
               </a:ext>
             </a:extLst>
           </p:cNvPr>
@@ -10951,7 +10954,7 @@
         </p:nvCxnSpPr>
         <p:spPr>
           <a:xfrm flipH="1">
-            <a:off x="6542928" y="3703290"/>
+            <a:off x="6542928" y="2737365"/>
             <a:ext cx="17725" cy="2802490"/>
           </a:xfrm>
           <a:prstGeom prst="line">
@@ -10979,7 +10982,7 @@
           <p:cNvPr id="13" name="Rectangle 12">
             <a:extLst>
               <a:ext uri="{FF2B5EF4-FFF2-40B4-BE49-F238E27FC236}">
-                <a16:creationId xmlns="" xmlns:a16="http://schemas.microsoft.com/office/drawing/2014/main" id="{323427DF-834D-402D-8EB2-A67EBD08C9DE}"/>
+                <a16:creationId xmlns:a16="http://schemas.microsoft.com/office/drawing/2014/main" xmlns="" id="{323427DF-834D-402D-8EB2-A67EBD08C9DE}"/>
               </a:ext>
             </a:extLst>
           </p:cNvPr>
@@ -11025,17 +11028,17 @@
           <p:cNvPr id="14" name="Rectangle 13">
             <a:extLst>
               <a:ext uri="{FF2B5EF4-FFF2-40B4-BE49-F238E27FC236}">
-                <a16:creationId xmlns="" xmlns:a16="http://schemas.microsoft.com/office/drawing/2014/main" id="{0A6F78A6-5E7B-44BE-8033-86E3CC020CF3}"/>
-              </a:ext>
-            </a:extLst>
-          </p:cNvPr>
-          <p:cNvSpPr/>
-          <p:nvPr/>
-        </p:nvSpPr>
-        <p:spPr>
-          <a:xfrm>
-            <a:off x="6903716" y="4332431"/>
-            <a:ext cx="198783" cy="2320959"/>
+                <a16:creationId xmlns:a16="http://schemas.microsoft.com/office/drawing/2014/main" xmlns="" id="{0A6F78A6-5E7B-44BE-8033-86E3CC020CF3}"/>
+              </a:ext>
+            </a:extLst>
+          </p:cNvPr>
+          <p:cNvSpPr/>
+          <p:nvPr/>
+        </p:nvSpPr>
+        <p:spPr>
+          <a:xfrm>
+            <a:off x="6903716" y="6505780"/>
+            <a:ext cx="198783" cy="147610"/>
           </a:xfrm>
           <a:prstGeom prst="rect">
             <a:avLst/>
@@ -11071,7 +11074,7 @@
           <p:cNvPr id="15" name="Rectangle 14">
             <a:extLst>
               <a:ext uri="{FF2B5EF4-FFF2-40B4-BE49-F238E27FC236}">
-                <a16:creationId xmlns="" xmlns:a16="http://schemas.microsoft.com/office/drawing/2014/main" id="{9F279704-B8F0-4876-B501-EE21DB738F59}"/>
+                <a16:creationId xmlns:a16="http://schemas.microsoft.com/office/drawing/2014/main" xmlns="" id="{9F279704-B8F0-4876-B501-EE21DB738F59}"/>
               </a:ext>
             </a:extLst>
           </p:cNvPr>
@@ -11117,7 +11120,7 @@
           <p:cNvPr id="16" name="Rectangle 15">
             <a:extLst>
               <a:ext uri="{FF2B5EF4-FFF2-40B4-BE49-F238E27FC236}">
-                <a16:creationId xmlns="" xmlns:a16="http://schemas.microsoft.com/office/drawing/2014/main" id="{6ECC4020-0E4E-472A-9357-69CC12C1F305}"/>
+                <a16:creationId xmlns:a16="http://schemas.microsoft.com/office/drawing/2014/main" xmlns="" id="{6ECC4020-0E4E-472A-9357-69CC12C1F305}"/>
               </a:ext>
             </a:extLst>
           </p:cNvPr>
@@ -11163,16 +11166,16 @@
           <p:cNvPr id="17" name="Rectangle 16">
             <a:extLst>
               <a:ext uri="{FF2B5EF4-FFF2-40B4-BE49-F238E27FC236}">
-                <a16:creationId xmlns="" xmlns:a16="http://schemas.microsoft.com/office/drawing/2014/main" id="{34453880-B568-412E-B217-7017AA047B84}"/>
-              </a:ext>
-            </a:extLst>
-          </p:cNvPr>
-          <p:cNvSpPr/>
-          <p:nvPr/>
-        </p:nvSpPr>
-        <p:spPr>
-          <a:xfrm>
-            <a:off x="6399473" y="3338165"/>
+                <a16:creationId xmlns:a16="http://schemas.microsoft.com/office/drawing/2014/main" xmlns="" id="{34453880-B568-412E-B217-7017AA047B84}"/>
+              </a:ext>
+            </a:extLst>
+          </p:cNvPr>
+          <p:cNvSpPr/>
+          <p:nvPr/>
+        </p:nvSpPr>
+        <p:spPr>
+          <a:xfrm>
+            <a:off x="6399473" y="2372240"/>
             <a:ext cx="322360" cy="365125"/>
           </a:xfrm>
           <a:prstGeom prst="rect">
@@ -11209,7 +11212,7 @@
           <p:cNvPr id="19" name="Oval 18">
             <a:extLst>
               <a:ext uri="{FF2B5EF4-FFF2-40B4-BE49-F238E27FC236}">
-                <a16:creationId xmlns="" xmlns:a16="http://schemas.microsoft.com/office/drawing/2014/main" id="{C865F1AC-443D-44E9-B205-5FD839712B3D}"/>
+                <a16:creationId xmlns:a16="http://schemas.microsoft.com/office/drawing/2014/main" xmlns="" id="{C865F1AC-443D-44E9-B205-5FD839712B3D}"/>
               </a:ext>
             </a:extLst>
           </p:cNvPr>
@@ -11255,7 +11258,7 @@
           <p:cNvPr id="20" name="Straight Connector 19">
             <a:extLst>
               <a:ext uri="{FF2B5EF4-FFF2-40B4-BE49-F238E27FC236}">
-                <a16:creationId xmlns="" xmlns:a16="http://schemas.microsoft.com/office/drawing/2014/main" id="{B1B94C00-5D79-4EF7-B864-00C0FB05A426}"/>
+                <a16:creationId xmlns:a16="http://schemas.microsoft.com/office/drawing/2014/main" xmlns="" id="{B1B94C00-5D79-4EF7-B864-00C0FB05A426}"/>
               </a:ext>
             </a:extLst>
           </p:cNvPr>
@@ -11269,7 +11272,7 @@
         <p:spPr>
           <a:xfrm flipH="1">
             <a:off x="6560653" y="588238"/>
-            <a:ext cx="81" cy="2749927"/>
+            <a:ext cx="81" cy="1784002"/>
           </a:xfrm>
           <a:prstGeom prst="line">
             <a:avLst/>
@@ -11296,7 +11299,7 @@
           <p:cNvPr id="26" name="Rectangle 25">
             <a:extLst>
               <a:ext uri="{FF2B5EF4-FFF2-40B4-BE49-F238E27FC236}">
-                <a16:creationId xmlns="" xmlns:a16="http://schemas.microsoft.com/office/drawing/2014/main" id="{7346B316-6233-4443-9A36-040D034A6FBF}"/>
+                <a16:creationId xmlns:a16="http://schemas.microsoft.com/office/drawing/2014/main" xmlns="" id="{7346B316-6233-4443-9A36-040D034A6FBF}"/>
               </a:ext>
             </a:extLst>
           </p:cNvPr>
@@ -11350,16 +11353,16 @@
           <p:cNvPr id="27" name="Rectangle 26">
             <a:extLst>
               <a:ext uri="{FF2B5EF4-FFF2-40B4-BE49-F238E27FC236}">
-                <a16:creationId xmlns="" xmlns:a16="http://schemas.microsoft.com/office/drawing/2014/main" id="{A0A6BEE0-8DF4-4797-80DB-7DD4E6A99383}"/>
-              </a:ext>
-            </a:extLst>
-          </p:cNvPr>
-          <p:cNvSpPr/>
-          <p:nvPr/>
-        </p:nvSpPr>
-        <p:spPr>
-          <a:xfrm>
-            <a:off x="5456246" y="2125935"/>
+                <a16:creationId xmlns:a16="http://schemas.microsoft.com/office/drawing/2014/main" xmlns="" id="{A0A6BEE0-8DF4-4797-80DB-7DD4E6A99383}"/>
+              </a:ext>
+            </a:extLst>
+          </p:cNvPr>
+          <p:cNvSpPr/>
+          <p:nvPr/>
+        </p:nvSpPr>
+        <p:spPr>
+          <a:xfrm>
+            <a:off x="5456246" y="2679732"/>
             <a:ext cx="198783" cy="215694"/>
           </a:xfrm>
           <a:prstGeom prst="rect">
@@ -11396,7 +11399,7 @@
           <p:cNvPr id="28" name="Rectangle 27">
             <a:extLst>
               <a:ext uri="{FF2B5EF4-FFF2-40B4-BE49-F238E27FC236}">
-                <a16:creationId xmlns="" xmlns:a16="http://schemas.microsoft.com/office/drawing/2014/main" id="{14D24A18-E91F-4A40-9FD4-04301BE5E2B4}"/>
+                <a16:creationId xmlns:a16="http://schemas.microsoft.com/office/drawing/2014/main" xmlns="" id="{14D24A18-E91F-4A40-9FD4-04301BE5E2B4}"/>
               </a:ext>
             </a:extLst>
           </p:cNvPr>
@@ -11442,17 +11445,17 @@
           <p:cNvPr id="24" name="Rectangle 23">
             <a:extLst>
               <a:ext uri="{FF2B5EF4-FFF2-40B4-BE49-F238E27FC236}">
-                <a16:creationId xmlns="" xmlns:a16="http://schemas.microsoft.com/office/drawing/2014/main" id="{FAE6EA6D-531A-4F1A-B26C-0EA955C90619}"/>
-              </a:ext>
-            </a:extLst>
-          </p:cNvPr>
-          <p:cNvSpPr/>
-          <p:nvPr/>
-        </p:nvSpPr>
-        <p:spPr>
-          <a:xfrm>
-            <a:off x="5052552" y="2059681"/>
-            <a:ext cx="193728" cy="2379793"/>
+                <a16:creationId xmlns:a16="http://schemas.microsoft.com/office/drawing/2014/main" xmlns="" id="{FAE6EA6D-531A-4F1A-B26C-0EA955C90619}"/>
+              </a:ext>
+            </a:extLst>
+          </p:cNvPr>
+          <p:cNvSpPr/>
+          <p:nvPr/>
+        </p:nvSpPr>
+        <p:spPr>
+          <a:xfrm>
+            <a:off x="5047497" y="4217724"/>
+            <a:ext cx="198783" cy="215695"/>
           </a:xfrm>
           <a:prstGeom prst="rect">
             <a:avLst/>
@@ -11488,16 +11491,16 @@
           <p:cNvPr id="21" name="Rectangle 20">
             <a:extLst>
               <a:ext uri="{FF2B5EF4-FFF2-40B4-BE49-F238E27FC236}">
-                <a16:creationId xmlns="" xmlns:a16="http://schemas.microsoft.com/office/drawing/2014/main" id="{666D8948-3CC0-4080-A06E-30065698753A}"/>
-              </a:ext>
-            </a:extLst>
-          </p:cNvPr>
-          <p:cNvSpPr/>
-          <p:nvPr/>
-        </p:nvSpPr>
-        <p:spPr>
-          <a:xfrm>
-            <a:off x="5108710" y="1694556"/>
+                <a16:creationId xmlns:a16="http://schemas.microsoft.com/office/drawing/2014/main" xmlns="" id="{666D8948-3CC0-4080-A06E-30065698753A}"/>
+              </a:ext>
+            </a:extLst>
+          </p:cNvPr>
+          <p:cNvSpPr/>
+          <p:nvPr/>
+        </p:nvSpPr>
+        <p:spPr>
+          <a:xfrm>
+            <a:off x="5108710" y="2301361"/>
             <a:ext cx="874643" cy="365125"/>
           </a:xfrm>
           <a:prstGeom prst="rect">
@@ -11534,7 +11537,7 @@
           <p:cNvPr id="22" name="Rectangle 21">
             <a:extLst>
               <a:ext uri="{FF2B5EF4-FFF2-40B4-BE49-F238E27FC236}">
-                <a16:creationId xmlns="" xmlns:a16="http://schemas.microsoft.com/office/drawing/2014/main" id="{648DEC73-0D6B-4A49-8269-4CAD24AD9C86}"/>
+                <a16:creationId xmlns:a16="http://schemas.microsoft.com/office/drawing/2014/main" xmlns="" id="{648DEC73-0D6B-4A49-8269-4CAD24AD9C86}"/>
               </a:ext>
             </a:extLst>
           </p:cNvPr>
@@ -11588,21 +11591,21 @@
           <p:cNvPr id="23" name="Straight Connector 22">
             <a:extLst>
               <a:ext uri="{FF2B5EF4-FFF2-40B4-BE49-F238E27FC236}">
-                <a16:creationId xmlns="" xmlns:a16="http://schemas.microsoft.com/office/drawing/2014/main" id="{D6385C70-B333-4C86-B538-474BC6C16A17}"/>
+                <a16:creationId xmlns:a16="http://schemas.microsoft.com/office/drawing/2014/main" xmlns="" id="{D6385C70-B333-4C86-B538-474BC6C16A17}"/>
               </a:ext>
             </a:extLst>
           </p:cNvPr>
           <p:cNvCxnSpPr>
             <a:cxnSpLocks/>
             <a:stCxn id="19" idx="2"/>
-            <a:endCxn id="22" idx="2"/>
+            <a:endCxn id="21" idx="0"/>
           </p:cNvCxnSpPr>
           <p:nvPr/>
         </p:nvCxnSpPr>
         <p:spPr>
           <a:xfrm flipH="1">
-            <a:off x="5555639" y="588238"/>
-            <a:ext cx="16896" cy="1524451"/>
+            <a:off x="5546032" y="588238"/>
+            <a:ext cx="26503" cy="1713123"/>
           </a:xfrm>
           <a:prstGeom prst="line">
             <a:avLst/>
@@ -11624,10 +11627,70 @@
           </a:fontRef>
         </p:style>
       </p:cxnSp>
+      <p:cxnSp>
+        <p:nvCxnSpPr>
+          <p:cNvPr id="8" name="Straight Connector 7"/>
+          <p:cNvCxnSpPr/>
+          <p:nvPr/>
+        </p:nvCxnSpPr>
+        <p:spPr>
+          <a:xfrm>
+            <a:off x="5834130" y="2554802"/>
+            <a:ext cx="1470799" cy="0"/>
+          </a:xfrm>
+          <a:prstGeom prst="line">
+            <a:avLst/>
+          </a:prstGeom>
+        </p:spPr>
+        <p:style>
+          <a:lnRef idx="1">
+            <a:schemeClr val="accent1"/>
+          </a:lnRef>
+          <a:fillRef idx="0">
+            <a:schemeClr val="accent1"/>
+          </a:fillRef>
+          <a:effectRef idx="0">
+            <a:schemeClr val="accent1"/>
+          </a:effectRef>
+          <a:fontRef idx="minor">
+            <a:schemeClr val="tx1"/>
+          </a:fontRef>
+        </p:style>
+      </p:cxnSp>
+      <p:sp>
+        <p:nvSpPr>
+          <p:cNvPr id="10" name="TextBox 9"/>
+          <p:cNvSpPr txBox="1"/>
+          <p:nvPr/>
+        </p:nvSpPr>
+        <p:spPr>
+          <a:xfrm>
+            <a:off x="6941711" y="2287662"/>
+            <a:ext cx="953037" cy="369332"/>
+          </a:xfrm>
+          <a:prstGeom prst="rect">
+            <a:avLst/>
+          </a:prstGeom>
+          <a:noFill/>
+        </p:spPr>
+        <p:txBody>
+          <a:bodyPr wrap="square" rtlCol="0">
+            <a:spAutoFit/>
+          </a:bodyPr>
+          <a:lstStyle/>
+          <a:p>
+            <a:r>
+              <a:rPr lang="en-US" dirty="0" smtClean="0"/>
+              <a:t>SP</a:t>
+            </a:r>
+            <a:endParaRPr lang="en-US" dirty="0"/>
+          </a:p>
+        </p:txBody>
+      </p:sp>
     </p:spTree>
     <p:extLst>
       <p:ext uri="{BB962C8B-B14F-4D97-AF65-F5344CB8AC3E}">
-        <p14:creationId xmlns:p14="http://schemas.microsoft.com/office/powerpoint/2010/main" val="1846890166"/>
+        <p14:creationId xmlns:p14="http://schemas.microsoft.com/office/powerpoint/2010/main" val="3756327"/>
       </p:ext>
     </p:extLst>
   </p:cSld>
@@ -11659,7 +11722,7 @@
           <p:cNvPr id="2" name="Slide Number Placeholder 1">
             <a:extLst>
               <a:ext uri="{FF2B5EF4-FFF2-40B4-BE49-F238E27FC236}">
-                <a16:creationId xmlns="" xmlns:a16="http://schemas.microsoft.com/office/drawing/2014/main" id="{E2A346D2-342E-4D26-9516-C88A6E8CC150}"/>
+                <a16:creationId xmlns:a16="http://schemas.microsoft.com/office/drawing/2014/main" xmlns="" id="{E2A346D2-342E-4D26-9516-C88A6E8CC150}"/>
               </a:ext>
             </a:extLst>
           </p:cNvPr>
@@ -11688,7 +11751,7 @@
           <p:cNvPr id="4" name="Title 3">
             <a:extLst>
               <a:ext uri="{FF2B5EF4-FFF2-40B4-BE49-F238E27FC236}">
-                <a16:creationId xmlns="" xmlns:a16="http://schemas.microsoft.com/office/drawing/2014/main" id="{6C1750A8-0A53-40DB-B646-EE267E14322F}"/>
+                <a16:creationId xmlns:a16="http://schemas.microsoft.com/office/drawing/2014/main" xmlns="" id="{6C1750A8-0A53-40DB-B646-EE267E14322F}"/>
               </a:ext>
             </a:extLst>
           </p:cNvPr>
@@ -11710,8 +11773,8 @@
           <a:lstStyle/>
           <a:p>
             <a:r>
-              <a:rPr lang="en-US"/>
-              <a:t>Test sequence</a:t>
+              <a:rPr lang="en-US" dirty="0" smtClean="0"/>
+              <a:t>Shipping position</a:t>
             </a:r>
             <a:endParaRPr lang="en-IN" dirty="0"/>
           </a:p>
@@ -11722,16 +11785,16 @@
           <p:cNvPr id="3" name="Rectangle 2">
             <a:extLst>
               <a:ext uri="{FF2B5EF4-FFF2-40B4-BE49-F238E27FC236}">
-                <a16:creationId xmlns="" xmlns:a16="http://schemas.microsoft.com/office/drawing/2014/main" id="{DC56F6AA-CC91-42A5-B529-91407EE8CA0B}"/>
-              </a:ext>
-            </a:extLst>
-          </p:cNvPr>
-          <p:cNvSpPr/>
-          <p:nvPr/>
-        </p:nvSpPr>
-        <p:spPr>
-          <a:xfrm>
-            <a:off x="6096000" y="5000976"/>
+                <a16:creationId xmlns:a16="http://schemas.microsoft.com/office/drawing/2014/main" xmlns="" id="{DC56F6AA-CC91-42A5-B529-91407EE8CA0B}"/>
+              </a:ext>
+            </a:extLst>
+          </p:cNvPr>
+          <p:cNvSpPr/>
+          <p:nvPr/>
+        </p:nvSpPr>
+        <p:spPr>
+          <a:xfrm>
+            <a:off x="6096000" y="3980185"/>
             <a:ext cx="874643" cy="365125"/>
           </a:xfrm>
           <a:prstGeom prst="rect">
@@ -11768,7 +11831,7 @@
           <p:cNvPr id="5" name="Rectangle 4">
             <a:extLst>
               <a:ext uri="{FF2B5EF4-FFF2-40B4-BE49-F238E27FC236}">
-                <a16:creationId xmlns="" xmlns:a16="http://schemas.microsoft.com/office/drawing/2014/main" id="{1AFD8020-F819-48DB-A628-4F914740C5B5}"/>
+                <a16:creationId xmlns:a16="http://schemas.microsoft.com/office/drawing/2014/main" xmlns="" id="{1AFD8020-F819-48DB-A628-4F914740C5B5}"/>
               </a:ext>
             </a:extLst>
           </p:cNvPr>
@@ -11822,16 +11885,16 @@
           <p:cNvPr id="6" name="Rectangle 5">
             <a:extLst>
               <a:ext uri="{FF2B5EF4-FFF2-40B4-BE49-F238E27FC236}">
-                <a16:creationId xmlns="" xmlns:a16="http://schemas.microsoft.com/office/drawing/2014/main" id="{519572F2-77B7-451D-B7B9-E8C4DF760CFE}"/>
-              </a:ext>
-            </a:extLst>
-          </p:cNvPr>
-          <p:cNvSpPr/>
-          <p:nvPr/>
-        </p:nvSpPr>
-        <p:spPr>
-          <a:xfrm>
-            <a:off x="6443536" y="6505780"/>
+                <a16:creationId xmlns:a16="http://schemas.microsoft.com/office/drawing/2014/main" xmlns="" id="{519572F2-77B7-451D-B7B9-E8C4DF760CFE}"/>
+              </a:ext>
+            </a:extLst>
+          </p:cNvPr>
+          <p:cNvSpPr/>
+          <p:nvPr/>
+        </p:nvSpPr>
+        <p:spPr>
+          <a:xfrm>
+            <a:off x="6443536" y="5539855"/>
             <a:ext cx="198783" cy="215694"/>
           </a:xfrm>
           <a:prstGeom prst="rect">
@@ -11868,7 +11931,7 @@
           <p:cNvPr id="9" name="Straight Connector 8">
             <a:extLst>
               <a:ext uri="{FF2B5EF4-FFF2-40B4-BE49-F238E27FC236}">
-                <a16:creationId xmlns="" xmlns:a16="http://schemas.microsoft.com/office/drawing/2014/main" id="{4C9C328E-BF96-4182-9F0B-C5C11B72F8DE}"/>
+                <a16:creationId xmlns:a16="http://schemas.microsoft.com/office/drawing/2014/main" xmlns="" id="{4C9C328E-BF96-4182-9F0B-C5C11B72F8DE}"/>
               </a:ext>
             </a:extLst>
           </p:cNvPr>
@@ -11881,7 +11944,7 @@
         </p:nvCxnSpPr>
         <p:spPr>
           <a:xfrm flipH="1">
-            <a:off x="6542928" y="3703290"/>
+            <a:off x="6542928" y="2737365"/>
             <a:ext cx="17725" cy="2802490"/>
           </a:xfrm>
           <a:prstGeom prst="line">
@@ -11909,7 +11972,7 @@
           <p:cNvPr id="13" name="Rectangle 12">
             <a:extLst>
               <a:ext uri="{FF2B5EF4-FFF2-40B4-BE49-F238E27FC236}">
-                <a16:creationId xmlns="" xmlns:a16="http://schemas.microsoft.com/office/drawing/2014/main" id="{323427DF-834D-402D-8EB2-A67EBD08C9DE}"/>
+                <a16:creationId xmlns:a16="http://schemas.microsoft.com/office/drawing/2014/main" xmlns="" id="{323427DF-834D-402D-8EB2-A67EBD08C9DE}"/>
               </a:ext>
             </a:extLst>
           </p:cNvPr>
@@ -11955,17 +12018,17 @@
           <p:cNvPr id="14" name="Rectangle 13">
             <a:extLst>
               <a:ext uri="{FF2B5EF4-FFF2-40B4-BE49-F238E27FC236}">
-                <a16:creationId xmlns="" xmlns:a16="http://schemas.microsoft.com/office/drawing/2014/main" id="{0A6F78A6-5E7B-44BE-8033-86E3CC020CF3}"/>
-              </a:ext>
-            </a:extLst>
-          </p:cNvPr>
-          <p:cNvSpPr/>
-          <p:nvPr/>
-        </p:nvSpPr>
-        <p:spPr>
-          <a:xfrm>
-            <a:off x="6921441" y="5366101"/>
-            <a:ext cx="181058" cy="1287283"/>
+                <a16:creationId xmlns:a16="http://schemas.microsoft.com/office/drawing/2014/main" xmlns="" id="{0A6F78A6-5E7B-44BE-8033-86E3CC020CF3}"/>
+              </a:ext>
+            </a:extLst>
+          </p:cNvPr>
+          <p:cNvSpPr/>
+          <p:nvPr/>
+        </p:nvSpPr>
+        <p:spPr>
+          <a:xfrm>
+            <a:off x="6903717" y="4354986"/>
+            <a:ext cx="154226" cy="2298397"/>
           </a:xfrm>
           <a:prstGeom prst="rect">
             <a:avLst/>
@@ -12001,7 +12064,7 @@
           <p:cNvPr id="15" name="Rectangle 14">
             <a:extLst>
               <a:ext uri="{FF2B5EF4-FFF2-40B4-BE49-F238E27FC236}">
-                <a16:creationId xmlns="" xmlns:a16="http://schemas.microsoft.com/office/drawing/2014/main" id="{9F279704-B8F0-4876-B501-EE21DB738F59}"/>
+                <a16:creationId xmlns:a16="http://schemas.microsoft.com/office/drawing/2014/main" xmlns="" id="{9F279704-B8F0-4876-B501-EE21DB738F59}"/>
               </a:ext>
             </a:extLst>
           </p:cNvPr>
@@ -12047,7 +12110,7 @@
           <p:cNvPr id="16" name="Rectangle 15">
             <a:extLst>
               <a:ext uri="{FF2B5EF4-FFF2-40B4-BE49-F238E27FC236}">
-                <a16:creationId xmlns="" xmlns:a16="http://schemas.microsoft.com/office/drawing/2014/main" id="{6ECC4020-0E4E-472A-9357-69CC12C1F305}"/>
+                <a16:creationId xmlns:a16="http://schemas.microsoft.com/office/drawing/2014/main" xmlns="" id="{6ECC4020-0E4E-472A-9357-69CC12C1F305}"/>
               </a:ext>
             </a:extLst>
           </p:cNvPr>
@@ -12093,16 +12156,16 @@
           <p:cNvPr id="17" name="Rectangle 16">
             <a:extLst>
               <a:ext uri="{FF2B5EF4-FFF2-40B4-BE49-F238E27FC236}">
-                <a16:creationId xmlns="" xmlns:a16="http://schemas.microsoft.com/office/drawing/2014/main" id="{34453880-B568-412E-B217-7017AA047B84}"/>
-              </a:ext>
-            </a:extLst>
-          </p:cNvPr>
-          <p:cNvSpPr/>
-          <p:nvPr/>
-        </p:nvSpPr>
-        <p:spPr>
-          <a:xfrm>
-            <a:off x="6399473" y="3338165"/>
+                <a16:creationId xmlns:a16="http://schemas.microsoft.com/office/drawing/2014/main" xmlns="" id="{34453880-B568-412E-B217-7017AA047B84}"/>
+              </a:ext>
+            </a:extLst>
+          </p:cNvPr>
+          <p:cNvSpPr/>
+          <p:nvPr/>
+        </p:nvSpPr>
+        <p:spPr>
+          <a:xfrm>
+            <a:off x="6399473" y="2372240"/>
             <a:ext cx="322360" cy="365125"/>
           </a:xfrm>
           <a:prstGeom prst="rect">
@@ -12139,7 +12202,7 @@
           <p:cNvPr id="19" name="Oval 18">
             <a:extLst>
               <a:ext uri="{FF2B5EF4-FFF2-40B4-BE49-F238E27FC236}">
-                <a16:creationId xmlns="" xmlns:a16="http://schemas.microsoft.com/office/drawing/2014/main" id="{C865F1AC-443D-44E9-B205-5FD839712B3D}"/>
+                <a16:creationId xmlns:a16="http://schemas.microsoft.com/office/drawing/2014/main" xmlns="" id="{C865F1AC-443D-44E9-B205-5FD839712B3D}"/>
               </a:ext>
             </a:extLst>
           </p:cNvPr>
@@ -12185,7 +12248,7 @@
           <p:cNvPr id="20" name="Straight Connector 19">
             <a:extLst>
               <a:ext uri="{FF2B5EF4-FFF2-40B4-BE49-F238E27FC236}">
-                <a16:creationId xmlns="" xmlns:a16="http://schemas.microsoft.com/office/drawing/2014/main" id="{B1B94C00-5D79-4EF7-B864-00C0FB05A426}"/>
+                <a16:creationId xmlns:a16="http://schemas.microsoft.com/office/drawing/2014/main" xmlns="" id="{B1B94C00-5D79-4EF7-B864-00C0FB05A426}"/>
               </a:ext>
             </a:extLst>
           </p:cNvPr>
@@ -12199,7 +12262,7 @@
         <p:spPr>
           <a:xfrm flipH="1">
             <a:off x="6560653" y="588238"/>
-            <a:ext cx="81" cy="2749927"/>
+            <a:ext cx="81" cy="1784002"/>
           </a:xfrm>
           <a:prstGeom prst="line">
             <a:avLst/>
@@ -12226,7 +12289,7 @@
           <p:cNvPr id="26" name="Rectangle 25">
             <a:extLst>
               <a:ext uri="{FF2B5EF4-FFF2-40B4-BE49-F238E27FC236}">
-                <a16:creationId xmlns="" xmlns:a16="http://schemas.microsoft.com/office/drawing/2014/main" id="{7346B316-6233-4443-9A36-040D034A6FBF}"/>
+                <a16:creationId xmlns:a16="http://schemas.microsoft.com/office/drawing/2014/main" xmlns="" id="{7346B316-6233-4443-9A36-040D034A6FBF}"/>
               </a:ext>
             </a:extLst>
           </p:cNvPr>
@@ -12280,16 +12343,16 @@
           <p:cNvPr id="27" name="Rectangle 26">
             <a:extLst>
               <a:ext uri="{FF2B5EF4-FFF2-40B4-BE49-F238E27FC236}">
-                <a16:creationId xmlns="" xmlns:a16="http://schemas.microsoft.com/office/drawing/2014/main" id="{A0A6BEE0-8DF4-4797-80DB-7DD4E6A99383}"/>
-              </a:ext>
-            </a:extLst>
-          </p:cNvPr>
-          <p:cNvSpPr/>
-          <p:nvPr/>
-        </p:nvSpPr>
-        <p:spPr>
-          <a:xfrm>
-            <a:off x="5456246" y="2125935"/>
+                <a16:creationId xmlns:a16="http://schemas.microsoft.com/office/drawing/2014/main" xmlns="" id="{A0A6BEE0-8DF4-4797-80DB-7DD4E6A99383}"/>
+              </a:ext>
+            </a:extLst>
+          </p:cNvPr>
+          <p:cNvSpPr/>
+          <p:nvPr/>
+        </p:nvSpPr>
+        <p:spPr>
+          <a:xfrm>
+            <a:off x="5456246" y="2679732"/>
             <a:ext cx="198783" cy="215694"/>
           </a:xfrm>
           <a:prstGeom prst="rect">
@@ -12326,7 +12389,7 @@
           <p:cNvPr id="28" name="Rectangle 27">
             <a:extLst>
               <a:ext uri="{FF2B5EF4-FFF2-40B4-BE49-F238E27FC236}">
-                <a16:creationId xmlns="" xmlns:a16="http://schemas.microsoft.com/office/drawing/2014/main" id="{14D24A18-E91F-4A40-9FD4-04301BE5E2B4}"/>
+                <a16:creationId xmlns:a16="http://schemas.microsoft.com/office/drawing/2014/main" xmlns="" id="{14D24A18-E91F-4A40-9FD4-04301BE5E2B4}"/>
               </a:ext>
             </a:extLst>
           </p:cNvPr>
@@ -12372,17 +12435,17 @@
           <p:cNvPr id="24" name="Rectangle 23">
             <a:extLst>
               <a:ext uri="{FF2B5EF4-FFF2-40B4-BE49-F238E27FC236}">
-                <a16:creationId xmlns="" xmlns:a16="http://schemas.microsoft.com/office/drawing/2014/main" id="{FAE6EA6D-531A-4F1A-B26C-0EA955C90619}"/>
-              </a:ext>
-            </a:extLst>
-          </p:cNvPr>
-          <p:cNvSpPr/>
-          <p:nvPr/>
-        </p:nvSpPr>
-        <p:spPr>
-          <a:xfrm>
-            <a:off x="5052552" y="2072928"/>
-            <a:ext cx="193728" cy="2366546"/>
+                <a16:creationId xmlns:a16="http://schemas.microsoft.com/office/drawing/2014/main" xmlns="" id="{FAE6EA6D-531A-4F1A-B26C-0EA955C90619}"/>
+              </a:ext>
+            </a:extLst>
+          </p:cNvPr>
+          <p:cNvSpPr/>
+          <p:nvPr/>
+        </p:nvSpPr>
+        <p:spPr>
+          <a:xfrm>
+            <a:off x="5047497" y="1777835"/>
+            <a:ext cx="198783" cy="2661639"/>
           </a:xfrm>
           <a:prstGeom prst="rect">
             <a:avLst/>
@@ -12418,16 +12481,16 @@
           <p:cNvPr id="21" name="Rectangle 20">
             <a:extLst>
               <a:ext uri="{FF2B5EF4-FFF2-40B4-BE49-F238E27FC236}">
-                <a16:creationId xmlns="" xmlns:a16="http://schemas.microsoft.com/office/drawing/2014/main" id="{666D8948-3CC0-4080-A06E-30065698753A}"/>
-              </a:ext>
-            </a:extLst>
-          </p:cNvPr>
-          <p:cNvSpPr/>
-          <p:nvPr/>
-        </p:nvSpPr>
-        <p:spPr>
-          <a:xfrm>
-            <a:off x="5108710" y="1694556"/>
+                <a16:creationId xmlns:a16="http://schemas.microsoft.com/office/drawing/2014/main" xmlns="" id="{666D8948-3CC0-4080-A06E-30065698753A}"/>
+              </a:ext>
+            </a:extLst>
+          </p:cNvPr>
+          <p:cNvSpPr/>
+          <p:nvPr/>
+        </p:nvSpPr>
+        <p:spPr>
+          <a:xfrm>
+            <a:off x="5108710" y="1412710"/>
             <a:ext cx="874643" cy="365125"/>
           </a:xfrm>
           <a:prstGeom prst="rect">
@@ -12464,7 +12527,7 @@
           <p:cNvPr id="22" name="Rectangle 21">
             <a:extLst>
               <a:ext uri="{FF2B5EF4-FFF2-40B4-BE49-F238E27FC236}">
-                <a16:creationId xmlns="" xmlns:a16="http://schemas.microsoft.com/office/drawing/2014/main" id="{648DEC73-0D6B-4A49-8269-4CAD24AD9C86}"/>
+                <a16:creationId xmlns:a16="http://schemas.microsoft.com/office/drawing/2014/main" xmlns="" id="{648DEC73-0D6B-4A49-8269-4CAD24AD9C86}"/>
               </a:ext>
             </a:extLst>
           </p:cNvPr>
@@ -12518,21 +12581,21 @@
           <p:cNvPr id="23" name="Straight Connector 22">
             <a:extLst>
               <a:ext uri="{FF2B5EF4-FFF2-40B4-BE49-F238E27FC236}">
-                <a16:creationId xmlns="" xmlns:a16="http://schemas.microsoft.com/office/drawing/2014/main" id="{D6385C70-B333-4C86-B538-474BC6C16A17}"/>
+                <a16:creationId xmlns:a16="http://schemas.microsoft.com/office/drawing/2014/main" xmlns="" id="{D6385C70-B333-4C86-B538-474BC6C16A17}"/>
               </a:ext>
             </a:extLst>
           </p:cNvPr>
           <p:cNvCxnSpPr>
             <a:cxnSpLocks/>
             <a:stCxn id="19" idx="2"/>
-            <a:endCxn id="22" idx="2"/>
+            <a:endCxn id="27" idx="0"/>
           </p:cNvCxnSpPr>
           <p:nvPr/>
         </p:nvCxnSpPr>
         <p:spPr>
           <a:xfrm flipH="1">
-            <a:off x="5555639" y="588238"/>
-            <a:ext cx="16896" cy="1524451"/>
+            <a:off x="5555638" y="588238"/>
+            <a:ext cx="16897" cy="2091494"/>
           </a:xfrm>
           <a:prstGeom prst="line">
             <a:avLst/>
@@ -12554,10 +12617,70 @@
           </a:fontRef>
         </p:style>
       </p:cxnSp>
+      <p:cxnSp>
+        <p:nvCxnSpPr>
+          <p:cNvPr id="8" name="Straight Connector 7"/>
+          <p:cNvCxnSpPr/>
+          <p:nvPr/>
+        </p:nvCxnSpPr>
+        <p:spPr>
+          <a:xfrm>
+            <a:off x="5834130" y="2554802"/>
+            <a:ext cx="1470799" cy="0"/>
+          </a:xfrm>
+          <a:prstGeom prst="line">
+            <a:avLst/>
+          </a:prstGeom>
+        </p:spPr>
+        <p:style>
+          <a:lnRef idx="1">
+            <a:schemeClr val="accent1"/>
+          </a:lnRef>
+          <a:fillRef idx="0">
+            <a:schemeClr val="accent1"/>
+          </a:fillRef>
+          <a:effectRef idx="0">
+            <a:schemeClr val="accent1"/>
+          </a:effectRef>
+          <a:fontRef idx="minor">
+            <a:schemeClr val="tx1"/>
+          </a:fontRef>
+        </p:style>
+      </p:cxnSp>
+      <p:sp>
+        <p:nvSpPr>
+          <p:cNvPr id="10" name="TextBox 9"/>
+          <p:cNvSpPr txBox="1"/>
+          <p:nvPr/>
+        </p:nvSpPr>
+        <p:spPr>
+          <a:xfrm>
+            <a:off x="6941711" y="2287662"/>
+            <a:ext cx="953037" cy="369332"/>
+          </a:xfrm>
+          <a:prstGeom prst="rect">
+            <a:avLst/>
+          </a:prstGeom>
+          <a:noFill/>
+        </p:spPr>
+        <p:txBody>
+          <a:bodyPr wrap="square" rtlCol="0">
+            <a:spAutoFit/>
+          </a:bodyPr>
+          <a:lstStyle/>
+          <a:p>
+            <a:r>
+              <a:rPr lang="en-US" dirty="0" smtClean="0"/>
+              <a:t>SP</a:t>
+            </a:r>
+            <a:endParaRPr lang="en-US" dirty="0"/>
+          </a:p>
+        </p:txBody>
+      </p:sp>
     </p:spTree>
     <p:extLst>
       <p:ext uri="{BB962C8B-B14F-4D97-AF65-F5344CB8AC3E}">
-        <p14:creationId xmlns:p14="http://schemas.microsoft.com/office/powerpoint/2010/main" val="88417776"/>
+        <p14:creationId xmlns:p14="http://schemas.microsoft.com/office/powerpoint/2010/main" val="1361197451"/>
       </p:ext>
     </p:extLst>
   </p:cSld>
@@ -12840,7 +12963,7 @@
           <p:cNvPr id="2" name="Slide Number Placeholder 1">
             <a:extLst>
               <a:ext uri="{FF2B5EF4-FFF2-40B4-BE49-F238E27FC236}">
-                <a16:creationId xmlns="" xmlns:a16="http://schemas.microsoft.com/office/drawing/2014/main" id="{E2A346D2-342E-4D26-9516-C88A6E8CC150}"/>
+                <a16:creationId xmlns:a16="http://schemas.microsoft.com/office/drawing/2014/main" xmlns="" id="{E2A346D2-342E-4D26-9516-C88A6E8CC150}"/>
               </a:ext>
             </a:extLst>
           </p:cNvPr>
@@ -12869,7 +12992,7 @@
           <p:cNvPr id="4" name="Title 3">
             <a:extLst>
               <a:ext uri="{FF2B5EF4-FFF2-40B4-BE49-F238E27FC236}">
-                <a16:creationId xmlns="" xmlns:a16="http://schemas.microsoft.com/office/drawing/2014/main" id="{6C1750A8-0A53-40DB-B646-EE267E14322F}"/>
+                <a16:creationId xmlns:a16="http://schemas.microsoft.com/office/drawing/2014/main" xmlns="" id="{6C1750A8-0A53-40DB-B646-EE267E14322F}"/>
               </a:ext>
             </a:extLst>
           </p:cNvPr>
@@ -12903,16 +13026,16 @@
           <p:cNvPr id="3" name="Rectangle 2">
             <a:extLst>
               <a:ext uri="{FF2B5EF4-FFF2-40B4-BE49-F238E27FC236}">
-                <a16:creationId xmlns="" xmlns:a16="http://schemas.microsoft.com/office/drawing/2014/main" id="{DC56F6AA-CC91-42A5-B529-91407EE8CA0B}"/>
-              </a:ext>
-            </a:extLst>
-          </p:cNvPr>
-          <p:cNvSpPr/>
-          <p:nvPr/>
-        </p:nvSpPr>
-        <p:spPr>
-          <a:xfrm>
-            <a:off x="6096000" y="6140661"/>
+                <a16:creationId xmlns:a16="http://schemas.microsoft.com/office/drawing/2014/main" xmlns="" id="{DC56F6AA-CC91-42A5-B529-91407EE8CA0B}"/>
+              </a:ext>
+            </a:extLst>
+          </p:cNvPr>
+          <p:cNvSpPr/>
+          <p:nvPr/>
+        </p:nvSpPr>
+        <p:spPr>
+          <a:xfrm>
+            <a:off x="6096000" y="3967306"/>
             <a:ext cx="874643" cy="365125"/>
           </a:xfrm>
           <a:prstGeom prst="rect">
@@ -12949,7 +13072,7 @@
           <p:cNvPr id="5" name="Rectangle 4">
             <a:extLst>
               <a:ext uri="{FF2B5EF4-FFF2-40B4-BE49-F238E27FC236}">
-                <a16:creationId xmlns="" xmlns:a16="http://schemas.microsoft.com/office/drawing/2014/main" id="{1AFD8020-F819-48DB-A628-4F914740C5B5}"/>
+                <a16:creationId xmlns:a16="http://schemas.microsoft.com/office/drawing/2014/main" xmlns="" id="{1AFD8020-F819-48DB-A628-4F914740C5B5}"/>
               </a:ext>
             </a:extLst>
           </p:cNvPr>
@@ -13003,7 +13126,7 @@
           <p:cNvPr id="6" name="Rectangle 5">
             <a:extLst>
               <a:ext uri="{FF2B5EF4-FFF2-40B4-BE49-F238E27FC236}">
-                <a16:creationId xmlns="" xmlns:a16="http://schemas.microsoft.com/office/drawing/2014/main" id="{519572F2-77B7-451D-B7B9-E8C4DF760CFE}"/>
+                <a16:creationId xmlns:a16="http://schemas.microsoft.com/office/drawing/2014/main" xmlns="" id="{519572F2-77B7-451D-B7B9-E8C4DF760CFE}"/>
               </a:ext>
             </a:extLst>
           </p:cNvPr>
@@ -13049,7 +13172,7 @@
           <p:cNvPr id="9" name="Straight Connector 8">
             <a:extLst>
               <a:ext uri="{FF2B5EF4-FFF2-40B4-BE49-F238E27FC236}">
-                <a16:creationId xmlns="" xmlns:a16="http://schemas.microsoft.com/office/drawing/2014/main" id="{4C9C328E-BF96-4182-9F0B-C5C11B72F8DE}"/>
+                <a16:creationId xmlns:a16="http://schemas.microsoft.com/office/drawing/2014/main" xmlns="" id="{4C9C328E-BF96-4182-9F0B-C5C11B72F8DE}"/>
               </a:ext>
             </a:extLst>
           </p:cNvPr>
@@ -13090,7 +13213,7 @@
           <p:cNvPr id="13" name="Rectangle 12">
             <a:extLst>
               <a:ext uri="{FF2B5EF4-FFF2-40B4-BE49-F238E27FC236}">
-                <a16:creationId xmlns="" xmlns:a16="http://schemas.microsoft.com/office/drawing/2014/main" id="{323427DF-834D-402D-8EB2-A67EBD08C9DE}"/>
+                <a16:creationId xmlns:a16="http://schemas.microsoft.com/office/drawing/2014/main" xmlns="" id="{323427DF-834D-402D-8EB2-A67EBD08C9DE}"/>
               </a:ext>
             </a:extLst>
           </p:cNvPr>
@@ -13136,17 +13259,17 @@
           <p:cNvPr id="14" name="Rectangle 13">
             <a:extLst>
               <a:ext uri="{FF2B5EF4-FFF2-40B4-BE49-F238E27FC236}">
-                <a16:creationId xmlns="" xmlns:a16="http://schemas.microsoft.com/office/drawing/2014/main" id="{0A6F78A6-5E7B-44BE-8033-86E3CC020CF3}"/>
-              </a:ext>
-            </a:extLst>
-          </p:cNvPr>
-          <p:cNvSpPr/>
-          <p:nvPr/>
-        </p:nvSpPr>
-        <p:spPr>
-          <a:xfrm>
-            <a:off x="6921440" y="6505780"/>
-            <a:ext cx="204581" cy="147605"/>
+                <a16:creationId xmlns:a16="http://schemas.microsoft.com/office/drawing/2014/main" xmlns="" id="{0A6F78A6-5E7B-44BE-8033-86E3CC020CF3}"/>
+              </a:ext>
+            </a:extLst>
+          </p:cNvPr>
+          <p:cNvSpPr/>
+          <p:nvPr/>
+        </p:nvSpPr>
+        <p:spPr>
+          <a:xfrm>
+            <a:off x="6903716" y="4332431"/>
+            <a:ext cx="198783" cy="2320959"/>
           </a:xfrm>
           <a:prstGeom prst="rect">
             <a:avLst/>
@@ -13182,7 +13305,7 @@
           <p:cNvPr id="15" name="Rectangle 14">
             <a:extLst>
               <a:ext uri="{FF2B5EF4-FFF2-40B4-BE49-F238E27FC236}">
-                <a16:creationId xmlns="" xmlns:a16="http://schemas.microsoft.com/office/drawing/2014/main" id="{9F279704-B8F0-4876-B501-EE21DB738F59}"/>
+                <a16:creationId xmlns:a16="http://schemas.microsoft.com/office/drawing/2014/main" xmlns="" id="{9F279704-B8F0-4876-B501-EE21DB738F59}"/>
               </a:ext>
             </a:extLst>
           </p:cNvPr>
@@ -13228,7 +13351,7 @@
           <p:cNvPr id="16" name="Rectangle 15">
             <a:extLst>
               <a:ext uri="{FF2B5EF4-FFF2-40B4-BE49-F238E27FC236}">
-                <a16:creationId xmlns="" xmlns:a16="http://schemas.microsoft.com/office/drawing/2014/main" id="{6ECC4020-0E4E-472A-9357-69CC12C1F305}"/>
+                <a16:creationId xmlns:a16="http://schemas.microsoft.com/office/drawing/2014/main" xmlns="" id="{6ECC4020-0E4E-472A-9357-69CC12C1F305}"/>
               </a:ext>
             </a:extLst>
           </p:cNvPr>
@@ -13274,7 +13397,7 @@
           <p:cNvPr id="17" name="Rectangle 16">
             <a:extLst>
               <a:ext uri="{FF2B5EF4-FFF2-40B4-BE49-F238E27FC236}">
-                <a16:creationId xmlns="" xmlns:a16="http://schemas.microsoft.com/office/drawing/2014/main" id="{34453880-B568-412E-B217-7017AA047B84}"/>
+                <a16:creationId xmlns:a16="http://schemas.microsoft.com/office/drawing/2014/main" xmlns="" id="{34453880-B568-412E-B217-7017AA047B84}"/>
               </a:ext>
             </a:extLst>
           </p:cNvPr>
@@ -13320,7 +13443,7 @@
           <p:cNvPr id="19" name="Oval 18">
             <a:extLst>
               <a:ext uri="{FF2B5EF4-FFF2-40B4-BE49-F238E27FC236}">
-                <a16:creationId xmlns="" xmlns:a16="http://schemas.microsoft.com/office/drawing/2014/main" id="{C865F1AC-443D-44E9-B205-5FD839712B3D}"/>
+                <a16:creationId xmlns:a16="http://schemas.microsoft.com/office/drawing/2014/main" xmlns="" id="{C865F1AC-443D-44E9-B205-5FD839712B3D}"/>
               </a:ext>
             </a:extLst>
           </p:cNvPr>
@@ -13366,7 +13489,7 @@
           <p:cNvPr id="20" name="Straight Connector 19">
             <a:extLst>
               <a:ext uri="{FF2B5EF4-FFF2-40B4-BE49-F238E27FC236}">
-                <a16:creationId xmlns="" xmlns:a16="http://schemas.microsoft.com/office/drawing/2014/main" id="{B1B94C00-5D79-4EF7-B864-00C0FB05A426}"/>
+                <a16:creationId xmlns:a16="http://schemas.microsoft.com/office/drawing/2014/main" xmlns="" id="{B1B94C00-5D79-4EF7-B864-00C0FB05A426}"/>
               </a:ext>
             </a:extLst>
           </p:cNvPr>
@@ -13407,7 +13530,7 @@
           <p:cNvPr id="26" name="Rectangle 25">
             <a:extLst>
               <a:ext uri="{FF2B5EF4-FFF2-40B4-BE49-F238E27FC236}">
-                <a16:creationId xmlns="" xmlns:a16="http://schemas.microsoft.com/office/drawing/2014/main" id="{7346B316-6233-4443-9A36-040D034A6FBF}"/>
+                <a16:creationId xmlns:a16="http://schemas.microsoft.com/office/drawing/2014/main" xmlns="" id="{7346B316-6233-4443-9A36-040D034A6FBF}"/>
               </a:ext>
             </a:extLst>
           </p:cNvPr>
@@ -13461,7 +13584,7 @@
           <p:cNvPr id="27" name="Rectangle 26">
             <a:extLst>
               <a:ext uri="{FF2B5EF4-FFF2-40B4-BE49-F238E27FC236}">
-                <a16:creationId xmlns="" xmlns:a16="http://schemas.microsoft.com/office/drawing/2014/main" id="{A0A6BEE0-8DF4-4797-80DB-7DD4E6A99383}"/>
+                <a16:creationId xmlns:a16="http://schemas.microsoft.com/office/drawing/2014/main" xmlns="" id="{A0A6BEE0-8DF4-4797-80DB-7DD4E6A99383}"/>
               </a:ext>
             </a:extLst>
           </p:cNvPr>
@@ -13507,7 +13630,7 @@
           <p:cNvPr id="28" name="Rectangle 27">
             <a:extLst>
               <a:ext uri="{FF2B5EF4-FFF2-40B4-BE49-F238E27FC236}">
-                <a16:creationId xmlns="" xmlns:a16="http://schemas.microsoft.com/office/drawing/2014/main" id="{14D24A18-E91F-4A40-9FD4-04301BE5E2B4}"/>
+                <a16:creationId xmlns:a16="http://schemas.microsoft.com/office/drawing/2014/main" xmlns="" id="{14D24A18-E91F-4A40-9FD4-04301BE5E2B4}"/>
               </a:ext>
             </a:extLst>
           </p:cNvPr>
@@ -13553,17 +13676,17 @@
           <p:cNvPr id="24" name="Rectangle 23">
             <a:extLst>
               <a:ext uri="{FF2B5EF4-FFF2-40B4-BE49-F238E27FC236}">
-                <a16:creationId xmlns="" xmlns:a16="http://schemas.microsoft.com/office/drawing/2014/main" id="{FAE6EA6D-531A-4F1A-B26C-0EA955C90619}"/>
-              </a:ext>
-            </a:extLst>
-          </p:cNvPr>
-          <p:cNvSpPr/>
-          <p:nvPr/>
-        </p:nvSpPr>
-        <p:spPr>
-          <a:xfrm>
-            <a:off x="5052552" y="2072928"/>
-            <a:ext cx="193728" cy="2366546"/>
+                <a16:creationId xmlns:a16="http://schemas.microsoft.com/office/drawing/2014/main" xmlns="" id="{FAE6EA6D-531A-4F1A-B26C-0EA955C90619}"/>
+              </a:ext>
+            </a:extLst>
+          </p:cNvPr>
+          <p:cNvSpPr/>
+          <p:nvPr/>
+        </p:nvSpPr>
+        <p:spPr>
+          <a:xfrm>
+            <a:off x="5063982" y="2125936"/>
+            <a:ext cx="182298" cy="2307484"/>
           </a:xfrm>
           <a:prstGeom prst="rect">
             <a:avLst/>
@@ -13599,16 +13722,16 @@
           <p:cNvPr id="21" name="Rectangle 20">
             <a:extLst>
               <a:ext uri="{FF2B5EF4-FFF2-40B4-BE49-F238E27FC236}">
-                <a16:creationId xmlns="" xmlns:a16="http://schemas.microsoft.com/office/drawing/2014/main" id="{666D8948-3CC0-4080-A06E-30065698753A}"/>
-              </a:ext>
-            </a:extLst>
-          </p:cNvPr>
-          <p:cNvSpPr/>
-          <p:nvPr/>
-        </p:nvSpPr>
-        <p:spPr>
-          <a:xfrm>
-            <a:off x="5108710" y="1694556"/>
+                <a16:creationId xmlns:a16="http://schemas.microsoft.com/office/drawing/2014/main" xmlns="" id="{666D8948-3CC0-4080-A06E-30065698753A}"/>
+              </a:ext>
+            </a:extLst>
+          </p:cNvPr>
+          <p:cNvSpPr/>
+          <p:nvPr/>
+        </p:nvSpPr>
+        <p:spPr>
+          <a:xfrm>
+            <a:off x="5108710" y="1747564"/>
             <a:ext cx="874643" cy="365125"/>
           </a:xfrm>
           <a:prstGeom prst="rect">
@@ -13645,7 +13768,7 @@
           <p:cNvPr id="22" name="Rectangle 21">
             <a:extLst>
               <a:ext uri="{FF2B5EF4-FFF2-40B4-BE49-F238E27FC236}">
-                <a16:creationId xmlns="" xmlns:a16="http://schemas.microsoft.com/office/drawing/2014/main" id="{648DEC73-0D6B-4A49-8269-4CAD24AD9C86}"/>
+                <a16:creationId xmlns:a16="http://schemas.microsoft.com/office/drawing/2014/main" xmlns="" id="{648DEC73-0D6B-4A49-8269-4CAD24AD9C86}"/>
               </a:ext>
             </a:extLst>
           </p:cNvPr>
@@ -13699,7 +13822,7 @@
           <p:cNvPr id="23" name="Straight Connector 22">
             <a:extLst>
               <a:ext uri="{FF2B5EF4-FFF2-40B4-BE49-F238E27FC236}">
-                <a16:creationId xmlns="" xmlns:a16="http://schemas.microsoft.com/office/drawing/2014/main" id="{D6385C70-B333-4C86-B538-474BC6C16A17}"/>
+                <a16:creationId xmlns:a16="http://schemas.microsoft.com/office/drawing/2014/main" xmlns="" id="{D6385C70-B333-4C86-B538-474BC6C16A17}"/>
               </a:ext>
             </a:extLst>
           </p:cNvPr>
@@ -13738,7 +13861,7 @@
     </p:spTree>
     <p:extLst>
       <p:ext uri="{BB962C8B-B14F-4D97-AF65-F5344CB8AC3E}">
-        <p14:creationId xmlns:p14="http://schemas.microsoft.com/office/powerpoint/2010/main" val="635202148"/>
+        <p14:creationId xmlns:p14="http://schemas.microsoft.com/office/powerpoint/2010/main" val="849537894"/>
       </p:ext>
     </p:extLst>
   </p:cSld>
@@ -13770,7 +13893,7 @@
           <p:cNvPr id="2" name="Slide Number Placeholder 1">
             <a:extLst>
               <a:ext uri="{FF2B5EF4-FFF2-40B4-BE49-F238E27FC236}">
-                <a16:creationId xmlns="" xmlns:a16="http://schemas.microsoft.com/office/drawing/2014/main" id="{E2A346D2-342E-4D26-9516-C88A6E8CC150}"/>
+                <a16:creationId xmlns:a16="http://schemas.microsoft.com/office/drawing/2014/main" xmlns="" id="{E2A346D2-342E-4D26-9516-C88A6E8CC150}"/>
               </a:ext>
             </a:extLst>
           </p:cNvPr>
@@ -13799,7 +13922,7 @@
           <p:cNvPr id="4" name="Title 3">
             <a:extLst>
               <a:ext uri="{FF2B5EF4-FFF2-40B4-BE49-F238E27FC236}">
-                <a16:creationId xmlns="" xmlns:a16="http://schemas.microsoft.com/office/drawing/2014/main" id="{6C1750A8-0A53-40DB-B646-EE267E14322F}"/>
+                <a16:creationId xmlns:a16="http://schemas.microsoft.com/office/drawing/2014/main" xmlns="" id="{6C1750A8-0A53-40DB-B646-EE267E14322F}"/>
               </a:ext>
             </a:extLst>
           </p:cNvPr>
@@ -13833,16 +13956,16 @@
           <p:cNvPr id="3" name="Rectangle 2">
             <a:extLst>
               <a:ext uri="{FF2B5EF4-FFF2-40B4-BE49-F238E27FC236}">
-                <a16:creationId xmlns="" xmlns:a16="http://schemas.microsoft.com/office/drawing/2014/main" id="{DC56F6AA-CC91-42A5-B529-91407EE8CA0B}"/>
-              </a:ext>
-            </a:extLst>
-          </p:cNvPr>
-          <p:cNvSpPr/>
-          <p:nvPr/>
-        </p:nvSpPr>
-        <p:spPr>
-          <a:xfrm>
-            <a:off x="6096000" y="6140661"/>
+                <a16:creationId xmlns:a16="http://schemas.microsoft.com/office/drawing/2014/main" xmlns="" id="{DC56F6AA-CC91-42A5-B529-91407EE8CA0B}"/>
+              </a:ext>
+            </a:extLst>
+          </p:cNvPr>
+          <p:cNvSpPr/>
+          <p:nvPr/>
+        </p:nvSpPr>
+        <p:spPr>
+          <a:xfrm>
+            <a:off x="6096000" y="3967306"/>
             <a:ext cx="874643" cy="365125"/>
           </a:xfrm>
           <a:prstGeom prst="rect">
@@ -13879,7 +14002,7 @@
           <p:cNvPr id="5" name="Rectangle 4">
             <a:extLst>
               <a:ext uri="{FF2B5EF4-FFF2-40B4-BE49-F238E27FC236}">
-                <a16:creationId xmlns="" xmlns:a16="http://schemas.microsoft.com/office/drawing/2014/main" id="{1AFD8020-F819-48DB-A628-4F914740C5B5}"/>
+                <a16:creationId xmlns:a16="http://schemas.microsoft.com/office/drawing/2014/main" xmlns="" id="{1AFD8020-F819-48DB-A628-4F914740C5B5}"/>
               </a:ext>
             </a:extLst>
           </p:cNvPr>
@@ -13933,7 +14056,7 @@
           <p:cNvPr id="6" name="Rectangle 5">
             <a:extLst>
               <a:ext uri="{FF2B5EF4-FFF2-40B4-BE49-F238E27FC236}">
-                <a16:creationId xmlns="" xmlns:a16="http://schemas.microsoft.com/office/drawing/2014/main" id="{519572F2-77B7-451D-B7B9-E8C4DF760CFE}"/>
+                <a16:creationId xmlns:a16="http://schemas.microsoft.com/office/drawing/2014/main" xmlns="" id="{519572F2-77B7-451D-B7B9-E8C4DF760CFE}"/>
               </a:ext>
             </a:extLst>
           </p:cNvPr>
@@ -13979,7 +14102,7 @@
           <p:cNvPr id="9" name="Straight Connector 8">
             <a:extLst>
               <a:ext uri="{FF2B5EF4-FFF2-40B4-BE49-F238E27FC236}">
-                <a16:creationId xmlns="" xmlns:a16="http://schemas.microsoft.com/office/drawing/2014/main" id="{4C9C328E-BF96-4182-9F0B-C5C11B72F8DE}"/>
+                <a16:creationId xmlns:a16="http://schemas.microsoft.com/office/drawing/2014/main" xmlns="" id="{4C9C328E-BF96-4182-9F0B-C5C11B72F8DE}"/>
               </a:ext>
             </a:extLst>
           </p:cNvPr>
@@ -14020,7 +14143,7 @@
           <p:cNvPr id="13" name="Rectangle 12">
             <a:extLst>
               <a:ext uri="{FF2B5EF4-FFF2-40B4-BE49-F238E27FC236}">
-                <a16:creationId xmlns="" xmlns:a16="http://schemas.microsoft.com/office/drawing/2014/main" id="{323427DF-834D-402D-8EB2-A67EBD08C9DE}"/>
+                <a16:creationId xmlns:a16="http://schemas.microsoft.com/office/drawing/2014/main" xmlns="" id="{323427DF-834D-402D-8EB2-A67EBD08C9DE}"/>
               </a:ext>
             </a:extLst>
           </p:cNvPr>
@@ -14066,17 +14189,17 @@
           <p:cNvPr id="14" name="Rectangle 13">
             <a:extLst>
               <a:ext uri="{FF2B5EF4-FFF2-40B4-BE49-F238E27FC236}">
-                <a16:creationId xmlns="" xmlns:a16="http://schemas.microsoft.com/office/drawing/2014/main" id="{0A6F78A6-5E7B-44BE-8033-86E3CC020CF3}"/>
-              </a:ext>
-            </a:extLst>
-          </p:cNvPr>
-          <p:cNvSpPr/>
-          <p:nvPr/>
-        </p:nvSpPr>
-        <p:spPr>
-          <a:xfrm>
-            <a:off x="6921440" y="6505780"/>
-            <a:ext cx="198783" cy="147605"/>
+                <a16:creationId xmlns:a16="http://schemas.microsoft.com/office/drawing/2014/main" xmlns="" id="{0A6F78A6-5E7B-44BE-8033-86E3CC020CF3}"/>
+              </a:ext>
+            </a:extLst>
+          </p:cNvPr>
+          <p:cNvSpPr/>
+          <p:nvPr/>
+        </p:nvSpPr>
+        <p:spPr>
+          <a:xfrm>
+            <a:off x="6903716" y="4332431"/>
+            <a:ext cx="198783" cy="2320959"/>
           </a:xfrm>
           <a:prstGeom prst="rect">
             <a:avLst/>
@@ -14112,7 +14235,7 @@
           <p:cNvPr id="15" name="Rectangle 14">
             <a:extLst>
               <a:ext uri="{FF2B5EF4-FFF2-40B4-BE49-F238E27FC236}">
-                <a16:creationId xmlns="" xmlns:a16="http://schemas.microsoft.com/office/drawing/2014/main" id="{9F279704-B8F0-4876-B501-EE21DB738F59}"/>
+                <a16:creationId xmlns:a16="http://schemas.microsoft.com/office/drawing/2014/main" xmlns="" id="{9F279704-B8F0-4876-B501-EE21DB738F59}"/>
               </a:ext>
             </a:extLst>
           </p:cNvPr>
@@ -14158,7 +14281,7 @@
           <p:cNvPr id="16" name="Rectangle 15">
             <a:extLst>
               <a:ext uri="{FF2B5EF4-FFF2-40B4-BE49-F238E27FC236}">
-                <a16:creationId xmlns="" xmlns:a16="http://schemas.microsoft.com/office/drawing/2014/main" id="{6ECC4020-0E4E-472A-9357-69CC12C1F305}"/>
+                <a16:creationId xmlns:a16="http://schemas.microsoft.com/office/drawing/2014/main" xmlns="" id="{6ECC4020-0E4E-472A-9357-69CC12C1F305}"/>
               </a:ext>
             </a:extLst>
           </p:cNvPr>
@@ -14204,7 +14327,7 @@
           <p:cNvPr id="17" name="Rectangle 16">
             <a:extLst>
               <a:ext uri="{FF2B5EF4-FFF2-40B4-BE49-F238E27FC236}">
-                <a16:creationId xmlns="" xmlns:a16="http://schemas.microsoft.com/office/drawing/2014/main" id="{34453880-B568-412E-B217-7017AA047B84}"/>
+                <a16:creationId xmlns:a16="http://schemas.microsoft.com/office/drawing/2014/main" xmlns="" id="{34453880-B568-412E-B217-7017AA047B84}"/>
               </a:ext>
             </a:extLst>
           </p:cNvPr>
@@ -14250,7 +14373,7 @@
           <p:cNvPr id="19" name="Oval 18">
             <a:extLst>
               <a:ext uri="{FF2B5EF4-FFF2-40B4-BE49-F238E27FC236}">
-                <a16:creationId xmlns="" xmlns:a16="http://schemas.microsoft.com/office/drawing/2014/main" id="{C865F1AC-443D-44E9-B205-5FD839712B3D}"/>
+                <a16:creationId xmlns:a16="http://schemas.microsoft.com/office/drawing/2014/main" xmlns="" id="{C865F1AC-443D-44E9-B205-5FD839712B3D}"/>
               </a:ext>
             </a:extLst>
           </p:cNvPr>
@@ -14296,7 +14419,7 @@
           <p:cNvPr id="20" name="Straight Connector 19">
             <a:extLst>
               <a:ext uri="{FF2B5EF4-FFF2-40B4-BE49-F238E27FC236}">
-                <a16:creationId xmlns="" xmlns:a16="http://schemas.microsoft.com/office/drawing/2014/main" id="{B1B94C00-5D79-4EF7-B864-00C0FB05A426}"/>
+                <a16:creationId xmlns:a16="http://schemas.microsoft.com/office/drawing/2014/main" xmlns="" id="{B1B94C00-5D79-4EF7-B864-00C0FB05A426}"/>
               </a:ext>
             </a:extLst>
           </p:cNvPr>
@@ -14337,7 +14460,7 @@
           <p:cNvPr id="26" name="Rectangle 25">
             <a:extLst>
               <a:ext uri="{FF2B5EF4-FFF2-40B4-BE49-F238E27FC236}">
-                <a16:creationId xmlns="" xmlns:a16="http://schemas.microsoft.com/office/drawing/2014/main" id="{7346B316-6233-4443-9A36-040D034A6FBF}"/>
+                <a16:creationId xmlns:a16="http://schemas.microsoft.com/office/drawing/2014/main" xmlns="" id="{7346B316-6233-4443-9A36-040D034A6FBF}"/>
               </a:ext>
             </a:extLst>
           </p:cNvPr>
@@ -14391,7 +14514,7 @@
           <p:cNvPr id="27" name="Rectangle 26">
             <a:extLst>
               <a:ext uri="{FF2B5EF4-FFF2-40B4-BE49-F238E27FC236}">
-                <a16:creationId xmlns="" xmlns:a16="http://schemas.microsoft.com/office/drawing/2014/main" id="{A0A6BEE0-8DF4-4797-80DB-7DD4E6A99383}"/>
+                <a16:creationId xmlns:a16="http://schemas.microsoft.com/office/drawing/2014/main" xmlns="" id="{A0A6BEE0-8DF4-4797-80DB-7DD4E6A99383}"/>
               </a:ext>
             </a:extLst>
           </p:cNvPr>
@@ -14437,7 +14560,7 @@
           <p:cNvPr id="28" name="Rectangle 27">
             <a:extLst>
               <a:ext uri="{FF2B5EF4-FFF2-40B4-BE49-F238E27FC236}">
-                <a16:creationId xmlns="" xmlns:a16="http://schemas.microsoft.com/office/drawing/2014/main" id="{14D24A18-E91F-4A40-9FD4-04301BE5E2B4}"/>
+                <a16:creationId xmlns:a16="http://schemas.microsoft.com/office/drawing/2014/main" xmlns="" id="{14D24A18-E91F-4A40-9FD4-04301BE5E2B4}"/>
               </a:ext>
             </a:extLst>
           </p:cNvPr>
@@ -14483,17 +14606,17 @@
           <p:cNvPr id="24" name="Rectangle 23">
             <a:extLst>
               <a:ext uri="{FF2B5EF4-FFF2-40B4-BE49-F238E27FC236}">
-                <a16:creationId xmlns="" xmlns:a16="http://schemas.microsoft.com/office/drawing/2014/main" id="{FAE6EA6D-531A-4F1A-B26C-0EA955C90619}"/>
-              </a:ext>
-            </a:extLst>
-          </p:cNvPr>
-          <p:cNvSpPr/>
-          <p:nvPr/>
-        </p:nvSpPr>
-        <p:spPr>
-          <a:xfrm>
-            <a:off x="5052552" y="2072928"/>
-            <a:ext cx="193728" cy="2366546"/>
+                <a16:creationId xmlns:a16="http://schemas.microsoft.com/office/drawing/2014/main" xmlns="" id="{FAE6EA6D-531A-4F1A-B26C-0EA955C90619}"/>
+              </a:ext>
+            </a:extLst>
+          </p:cNvPr>
+          <p:cNvSpPr/>
+          <p:nvPr/>
+        </p:nvSpPr>
+        <p:spPr>
+          <a:xfrm>
+            <a:off x="5052552" y="2059681"/>
+            <a:ext cx="193728" cy="2379793"/>
           </a:xfrm>
           <a:prstGeom prst="rect">
             <a:avLst/>
@@ -14529,7 +14652,7 @@
           <p:cNvPr id="21" name="Rectangle 20">
             <a:extLst>
               <a:ext uri="{FF2B5EF4-FFF2-40B4-BE49-F238E27FC236}">
-                <a16:creationId xmlns="" xmlns:a16="http://schemas.microsoft.com/office/drawing/2014/main" id="{666D8948-3CC0-4080-A06E-30065698753A}"/>
+                <a16:creationId xmlns:a16="http://schemas.microsoft.com/office/drawing/2014/main" xmlns="" id="{666D8948-3CC0-4080-A06E-30065698753A}"/>
               </a:ext>
             </a:extLst>
           </p:cNvPr>
@@ -14575,7 +14698,7 @@
           <p:cNvPr id="22" name="Rectangle 21">
             <a:extLst>
               <a:ext uri="{FF2B5EF4-FFF2-40B4-BE49-F238E27FC236}">
-                <a16:creationId xmlns="" xmlns:a16="http://schemas.microsoft.com/office/drawing/2014/main" id="{648DEC73-0D6B-4A49-8269-4CAD24AD9C86}"/>
+                <a16:creationId xmlns:a16="http://schemas.microsoft.com/office/drawing/2014/main" xmlns="" id="{648DEC73-0D6B-4A49-8269-4CAD24AD9C86}"/>
               </a:ext>
             </a:extLst>
           </p:cNvPr>
@@ -14629,7 +14752,7 @@
           <p:cNvPr id="23" name="Straight Connector 22">
             <a:extLst>
               <a:ext uri="{FF2B5EF4-FFF2-40B4-BE49-F238E27FC236}">
-                <a16:creationId xmlns="" xmlns:a16="http://schemas.microsoft.com/office/drawing/2014/main" id="{D6385C70-B333-4C86-B538-474BC6C16A17}"/>
+                <a16:creationId xmlns:a16="http://schemas.microsoft.com/office/drawing/2014/main" xmlns="" id="{D6385C70-B333-4C86-B538-474BC6C16A17}"/>
               </a:ext>
             </a:extLst>
           </p:cNvPr>
@@ -14668,7 +14791,7 @@
     </p:spTree>
     <p:extLst>
       <p:ext uri="{BB962C8B-B14F-4D97-AF65-F5344CB8AC3E}">
-        <p14:creationId xmlns:p14="http://schemas.microsoft.com/office/powerpoint/2010/main" val="2630181057"/>
+        <p14:creationId xmlns:p14="http://schemas.microsoft.com/office/powerpoint/2010/main" val="1846890166"/>
       </p:ext>
     </p:extLst>
   </p:cSld>
@@ -14700,7 +14823,7 @@
           <p:cNvPr id="2" name="Slide Number Placeholder 1">
             <a:extLst>
               <a:ext uri="{FF2B5EF4-FFF2-40B4-BE49-F238E27FC236}">
-                <a16:creationId xmlns="" xmlns:a16="http://schemas.microsoft.com/office/drawing/2014/main" id="{E2A346D2-342E-4D26-9516-C88A6E8CC150}"/>
+                <a16:creationId xmlns:a16="http://schemas.microsoft.com/office/drawing/2014/main" xmlns="" id="{E2A346D2-342E-4D26-9516-C88A6E8CC150}"/>
               </a:ext>
             </a:extLst>
           </p:cNvPr>
@@ -14729,7 +14852,7 @@
           <p:cNvPr id="4" name="Title 3">
             <a:extLst>
               <a:ext uri="{FF2B5EF4-FFF2-40B4-BE49-F238E27FC236}">
-                <a16:creationId xmlns="" xmlns:a16="http://schemas.microsoft.com/office/drawing/2014/main" id="{6C1750A8-0A53-40DB-B646-EE267E14322F}"/>
+                <a16:creationId xmlns:a16="http://schemas.microsoft.com/office/drawing/2014/main" xmlns="" id="{6C1750A8-0A53-40DB-B646-EE267E14322F}"/>
               </a:ext>
             </a:extLst>
           </p:cNvPr>
@@ -14751,7 +14874,7 @@
           <a:lstStyle/>
           <a:p>
             <a:r>
-              <a:rPr lang="en-US" dirty="0"/>
+              <a:rPr lang="en-US"/>
               <a:t>Test sequence</a:t>
             </a:r>
             <a:endParaRPr lang="en-IN" dirty="0"/>
@@ -14763,16 +14886,16 @@
           <p:cNvPr id="3" name="Rectangle 2">
             <a:extLst>
               <a:ext uri="{FF2B5EF4-FFF2-40B4-BE49-F238E27FC236}">
-                <a16:creationId xmlns="" xmlns:a16="http://schemas.microsoft.com/office/drawing/2014/main" id="{DC56F6AA-CC91-42A5-B529-91407EE8CA0B}"/>
-              </a:ext>
-            </a:extLst>
-          </p:cNvPr>
-          <p:cNvSpPr/>
-          <p:nvPr/>
-        </p:nvSpPr>
-        <p:spPr>
-          <a:xfrm>
-            <a:off x="6096000" y="6140656"/>
+                <a16:creationId xmlns:a16="http://schemas.microsoft.com/office/drawing/2014/main" xmlns="" id="{DC56F6AA-CC91-42A5-B529-91407EE8CA0B}"/>
+              </a:ext>
+            </a:extLst>
+          </p:cNvPr>
+          <p:cNvSpPr/>
+          <p:nvPr/>
+        </p:nvSpPr>
+        <p:spPr>
+          <a:xfrm>
+            <a:off x="6096000" y="5000976"/>
             <a:ext cx="874643" cy="365125"/>
           </a:xfrm>
           <a:prstGeom prst="rect">
@@ -14809,16 +14932,16 @@
           <p:cNvPr id="5" name="Rectangle 4">
             <a:extLst>
               <a:ext uri="{FF2B5EF4-FFF2-40B4-BE49-F238E27FC236}">
-                <a16:creationId xmlns="" xmlns:a16="http://schemas.microsoft.com/office/drawing/2014/main" id="{1AFD8020-F819-48DB-A628-4F914740C5B5}"/>
-              </a:ext>
-            </a:extLst>
-          </p:cNvPr>
-          <p:cNvSpPr/>
-          <p:nvPr/>
-        </p:nvSpPr>
-        <p:spPr>
-          <a:xfrm>
-            <a:off x="6520069" y="6140656"/>
+                <a16:creationId xmlns:a16="http://schemas.microsoft.com/office/drawing/2014/main" xmlns="" id="{1AFD8020-F819-48DB-A628-4F914740C5B5}"/>
+              </a:ext>
+            </a:extLst>
+          </p:cNvPr>
+          <p:cNvSpPr/>
+          <p:nvPr/>
+        </p:nvSpPr>
+        <p:spPr>
+          <a:xfrm>
+            <a:off x="6520069" y="4020314"/>
             <a:ext cx="45719" cy="365125"/>
           </a:xfrm>
           <a:prstGeom prst="rect">
@@ -14863,16 +14986,16 @@
           <p:cNvPr id="6" name="Rectangle 5">
             <a:extLst>
               <a:ext uri="{FF2B5EF4-FFF2-40B4-BE49-F238E27FC236}">
-                <a16:creationId xmlns="" xmlns:a16="http://schemas.microsoft.com/office/drawing/2014/main" id="{519572F2-77B7-451D-B7B9-E8C4DF760CFE}"/>
-              </a:ext>
-            </a:extLst>
-          </p:cNvPr>
-          <p:cNvSpPr/>
-          <p:nvPr/>
-        </p:nvSpPr>
-        <p:spPr>
-          <a:xfrm>
-            <a:off x="6443536" y="6505781"/>
+                <a16:creationId xmlns:a16="http://schemas.microsoft.com/office/drawing/2014/main" xmlns="" id="{519572F2-77B7-451D-B7B9-E8C4DF760CFE}"/>
+              </a:ext>
+            </a:extLst>
+          </p:cNvPr>
+          <p:cNvSpPr/>
+          <p:nvPr/>
+        </p:nvSpPr>
+        <p:spPr>
+          <a:xfrm>
+            <a:off x="6443536" y="6505780"/>
             <a:ext cx="198783" cy="215694"/>
           </a:xfrm>
           <a:prstGeom prst="rect">
@@ -14909,7 +15032,7 @@
           <p:cNvPr id="9" name="Straight Connector 8">
             <a:extLst>
               <a:ext uri="{FF2B5EF4-FFF2-40B4-BE49-F238E27FC236}">
-                <a16:creationId xmlns="" xmlns:a16="http://schemas.microsoft.com/office/drawing/2014/main" id="{4C9C328E-BF96-4182-9F0B-C5C11B72F8DE}"/>
+                <a16:creationId xmlns:a16="http://schemas.microsoft.com/office/drawing/2014/main" xmlns="" id="{4C9C328E-BF96-4182-9F0B-C5C11B72F8DE}"/>
               </a:ext>
             </a:extLst>
           </p:cNvPr>
@@ -14922,7 +15045,7 @@
         </p:nvCxnSpPr>
         <p:spPr>
           <a:xfrm flipH="1">
-            <a:off x="6542928" y="3703291"/>
+            <a:off x="6542928" y="3703290"/>
             <a:ext cx="17725" cy="2802490"/>
           </a:xfrm>
           <a:prstGeom prst="line">
@@ -14950,7 +15073,7 @@
           <p:cNvPr id="13" name="Rectangle 12">
             <a:extLst>
               <a:ext uri="{FF2B5EF4-FFF2-40B4-BE49-F238E27FC236}">
-                <a16:creationId xmlns="" xmlns:a16="http://schemas.microsoft.com/office/drawing/2014/main" id="{323427DF-834D-402D-8EB2-A67EBD08C9DE}"/>
+                <a16:creationId xmlns:a16="http://schemas.microsoft.com/office/drawing/2014/main" xmlns="" id="{323427DF-834D-402D-8EB2-A67EBD08C9DE}"/>
               </a:ext>
             </a:extLst>
           </p:cNvPr>
@@ -14996,44 +15119,44 @@
           <p:cNvPr id="14" name="Rectangle 13">
             <a:extLst>
               <a:ext uri="{FF2B5EF4-FFF2-40B4-BE49-F238E27FC236}">
-                <a16:creationId xmlns="" xmlns:a16="http://schemas.microsoft.com/office/drawing/2014/main" id="{0A6F78A6-5E7B-44BE-8033-86E3CC020CF3}"/>
-              </a:ext>
-            </a:extLst>
-          </p:cNvPr>
-          <p:cNvSpPr/>
-          <p:nvPr/>
-        </p:nvSpPr>
-        <p:spPr>
-          <a:xfrm>
-            <a:off x="6877878" y="6545537"/>
-            <a:ext cx="224621" cy="107847"/>
-          </a:xfrm>
-          <a:prstGeom prst="rect">
-            <a:avLst/>
-          </a:prstGeom>
-        </p:spPr>
-        <p:style>
-          <a:lnRef idx="2">
-            <a:schemeClr val="accent1">
-              <a:shade val="50000"/>
-            </a:schemeClr>
-          </a:lnRef>
-          <a:fillRef idx="1">
-            <a:schemeClr val="accent1"/>
-          </a:fillRef>
-          <a:effectRef idx="0">
-            <a:schemeClr val="accent1"/>
-          </a:effectRef>
-          <a:fontRef idx="minor">
-            <a:schemeClr val="lt1"/>
-          </a:fontRef>
-        </p:style>
-        <p:txBody>
-          <a:bodyPr rtlCol="0" anchor="ctr"/>
-          <a:lstStyle/>
-          <a:p>
-            <a:pPr algn="ctr"/>
-            <a:endParaRPr lang="en-IN"/>
+                <a16:creationId xmlns:a16="http://schemas.microsoft.com/office/drawing/2014/main" xmlns="" id="{0A6F78A6-5E7B-44BE-8033-86E3CC020CF3}"/>
+              </a:ext>
+            </a:extLst>
+          </p:cNvPr>
+          <p:cNvSpPr/>
+          <p:nvPr/>
+        </p:nvSpPr>
+        <p:spPr>
+          <a:xfrm>
+            <a:off x="6921441" y="5366101"/>
+            <a:ext cx="181058" cy="1287283"/>
+          </a:xfrm>
+          <a:prstGeom prst="rect">
+            <a:avLst/>
+          </a:prstGeom>
+        </p:spPr>
+        <p:style>
+          <a:lnRef idx="2">
+            <a:schemeClr val="accent1">
+              <a:shade val="50000"/>
+            </a:schemeClr>
+          </a:lnRef>
+          <a:fillRef idx="1">
+            <a:schemeClr val="accent1"/>
+          </a:fillRef>
+          <a:effectRef idx="0">
+            <a:schemeClr val="accent1"/>
+          </a:effectRef>
+          <a:fontRef idx="minor">
+            <a:schemeClr val="lt1"/>
+          </a:fontRef>
+        </p:style>
+        <p:txBody>
+          <a:bodyPr rtlCol="0" anchor="ctr"/>
+          <a:lstStyle/>
+          <a:p>
+            <a:pPr algn="ctr"/>
+            <a:endParaRPr lang="en-IN" dirty="0"/>
           </a:p>
         </p:txBody>
       </p:sp>
@@ -15042,7 +15165,7 @@
           <p:cNvPr id="15" name="Rectangle 14">
             <a:extLst>
               <a:ext uri="{FF2B5EF4-FFF2-40B4-BE49-F238E27FC236}">
-                <a16:creationId xmlns="" xmlns:a16="http://schemas.microsoft.com/office/drawing/2014/main" id="{9F279704-B8F0-4876-B501-EE21DB738F59}"/>
+                <a16:creationId xmlns:a16="http://schemas.microsoft.com/office/drawing/2014/main" xmlns="" id="{9F279704-B8F0-4876-B501-EE21DB738F59}"/>
               </a:ext>
             </a:extLst>
           </p:cNvPr>
@@ -15088,7 +15211,7 @@
           <p:cNvPr id="16" name="Rectangle 15">
             <a:extLst>
               <a:ext uri="{FF2B5EF4-FFF2-40B4-BE49-F238E27FC236}">
-                <a16:creationId xmlns="" xmlns:a16="http://schemas.microsoft.com/office/drawing/2014/main" id="{6ECC4020-0E4E-472A-9357-69CC12C1F305}"/>
+                <a16:creationId xmlns:a16="http://schemas.microsoft.com/office/drawing/2014/main" xmlns="" id="{6ECC4020-0E4E-472A-9357-69CC12C1F305}"/>
               </a:ext>
             </a:extLst>
           </p:cNvPr>
@@ -15134,16 +15257,16 @@
           <p:cNvPr id="17" name="Rectangle 16">
             <a:extLst>
               <a:ext uri="{FF2B5EF4-FFF2-40B4-BE49-F238E27FC236}">
-                <a16:creationId xmlns="" xmlns:a16="http://schemas.microsoft.com/office/drawing/2014/main" id="{34453880-B568-412E-B217-7017AA047B84}"/>
-              </a:ext>
-            </a:extLst>
-          </p:cNvPr>
-          <p:cNvSpPr/>
-          <p:nvPr/>
-        </p:nvSpPr>
-        <p:spPr>
-          <a:xfrm>
-            <a:off x="6399473" y="3338166"/>
+                <a16:creationId xmlns:a16="http://schemas.microsoft.com/office/drawing/2014/main" xmlns="" id="{34453880-B568-412E-B217-7017AA047B84}"/>
+              </a:ext>
+            </a:extLst>
+          </p:cNvPr>
+          <p:cNvSpPr/>
+          <p:nvPr/>
+        </p:nvSpPr>
+        <p:spPr>
+          <a:xfrm>
+            <a:off x="6399473" y="3338165"/>
             <a:ext cx="322360" cy="365125"/>
           </a:xfrm>
           <a:prstGeom prst="rect">
@@ -15180,7 +15303,7 @@
           <p:cNvPr id="19" name="Oval 18">
             <a:extLst>
               <a:ext uri="{FF2B5EF4-FFF2-40B4-BE49-F238E27FC236}">
-                <a16:creationId xmlns="" xmlns:a16="http://schemas.microsoft.com/office/drawing/2014/main" id="{C865F1AC-443D-44E9-B205-5FD839712B3D}"/>
+                <a16:creationId xmlns:a16="http://schemas.microsoft.com/office/drawing/2014/main" xmlns="" id="{C865F1AC-443D-44E9-B205-5FD839712B3D}"/>
               </a:ext>
             </a:extLst>
           </p:cNvPr>
@@ -15226,7 +15349,7 @@
           <p:cNvPr id="20" name="Straight Connector 19">
             <a:extLst>
               <a:ext uri="{FF2B5EF4-FFF2-40B4-BE49-F238E27FC236}">
-                <a16:creationId xmlns="" xmlns:a16="http://schemas.microsoft.com/office/drawing/2014/main" id="{B1B94C00-5D79-4EF7-B864-00C0FB05A426}"/>
+                <a16:creationId xmlns:a16="http://schemas.microsoft.com/office/drawing/2014/main" xmlns="" id="{B1B94C00-5D79-4EF7-B864-00C0FB05A426}"/>
               </a:ext>
             </a:extLst>
           </p:cNvPr>
@@ -15240,7 +15363,7 @@
         <p:spPr>
           <a:xfrm flipH="1">
             <a:off x="6560653" y="588238"/>
-            <a:ext cx="81" cy="2749928"/>
+            <a:ext cx="81" cy="2749927"/>
           </a:xfrm>
           <a:prstGeom prst="line">
             <a:avLst/>
@@ -15264,65 +15387,19 @@
       </p:cxnSp>
       <p:sp>
         <p:nvSpPr>
-          <p:cNvPr id="25" name="Rectangle 24">
-            <a:extLst>
-              <a:ext uri="{FF2B5EF4-FFF2-40B4-BE49-F238E27FC236}">
-                <a16:creationId xmlns="" xmlns:a16="http://schemas.microsoft.com/office/drawing/2014/main" id="{1962C116-4BFC-4CE5-92AA-283C9D45A684}"/>
-              </a:ext>
-            </a:extLst>
-          </p:cNvPr>
-          <p:cNvSpPr/>
-          <p:nvPr/>
-        </p:nvSpPr>
-        <p:spPr>
-          <a:xfrm>
-            <a:off x="5108710" y="1747564"/>
-            <a:ext cx="874643" cy="365125"/>
-          </a:xfrm>
-          <a:prstGeom prst="rect">
-            <a:avLst/>
-          </a:prstGeom>
-        </p:spPr>
-        <p:style>
-          <a:lnRef idx="2">
-            <a:schemeClr val="accent1">
-              <a:shade val="50000"/>
-            </a:schemeClr>
-          </a:lnRef>
-          <a:fillRef idx="1">
-            <a:schemeClr val="accent1"/>
-          </a:fillRef>
-          <a:effectRef idx="0">
-            <a:schemeClr val="accent1"/>
-          </a:effectRef>
-          <a:fontRef idx="minor">
-            <a:schemeClr val="lt1"/>
-          </a:fontRef>
-        </p:style>
-        <p:txBody>
-          <a:bodyPr rtlCol="0" anchor="ctr"/>
-          <a:lstStyle/>
-          <a:p>
-            <a:pPr algn="ctr"/>
-            <a:endParaRPr lang="en-IN"/>
-          </a:p>
-        </p:txBody>
-      </p:sp>
-      <p:sp>
-        <p:nvSpPr>
           <p:cNvPr id="26" name="Rectangle 25">
             <a:extLst>
               <a:ext uri="{FF2B5EF4-FFF2-40B4-BE49-F238E27FC236}">
-                <a16:creationId xmlns="" xmlns:a16="http://schemas.microsoft.com/office/drawing/2014/main" id="{7346B316-6233-4443-9A36-040D034A6FBF}"/>
-              </a:ext>
-            </a:extLst>
-          </p:cNvPr>
-          <p:cNvSpPr/>
-          <p:nvPr/>
-        </p:nvSpPr>
-        <p:spPr>
-          <a:xfrm>
-            <a:off x="5532779" y="1747564"/>
+                <a16:creationId xmlns:a16="http://schemas.microsoft.com/office/drawing/2014/main" xmlns="" id="{7346B316-6233-4443-9A36-040D034A6FBF}"/>
+              </a:ext>
+            </a:extLst>
+          </p:cNvPr>
+          <p:cNvSpPr/>
+          <p:nvPr/>
+        </p:nvSpPr>
+        <p:spPr>
+          <a:xfrm>
+            <a:off x="5532779" y="1230737"/>
             <a:ext cx="45719" cy="365125"/>
           </a:xfrm>
           <a:prstGeom prst="rect">
@@ -15367,16 +15444,16 @@
           <p:cNvPr id="27" name="Rectangle 26">
             <a:extLst>
               <a:ext uri="{FF2B5EF4-FFF2-40B4-BE49-F238E27FC236}">
-                <a16:creationId xmlns="" xmlns:a16="http://schemas.microsoft.com/office/drawing/2014/main" id="{A0A6BEE0-8DF4-4797-80DB-7DD4E6A99383}"/>
-              </a:ext>
-            </a:extLst>
-          </p:cNvPr>
-          <p:cNvSpPr/>
-          <p:nvPr/>
-        </p:nvSpPr>
-        <p:spPr>
-          <a:xfrm>
-            <a:off x="5456246" y="2165697"/>
+                <a16:creationId xmlns:a16="http://schemas.microsoft.com/office/drawing/2014/main" xmlns="" id="{A0A6BEE0-8DF4-4797-80DB-7DD4E6A99383}"/>
+              </a:ext>
+            </a:extLst>
+          </p:cNvPr>
+          <p:cNvSpPr/>
+          <p:nvPr/>
+        </p:nvSpPr>
+        <p:spPr>
+          <a:xfrm>
+            <a:off x="5456246" y="2125935"/>
             <a:ext cx="198783" cy="215694"/>
           </a:xfrm>
           <a:prstGeom prst="rect">
@@ -15413,16 +15490,16 @@
           <p:cNvPr id="28" name="Rectangle 27">
             <a:extLst>
               <a:ext uri="{FF2B5EF4-FFF2-40B4-BE49-F238E27FC236}">
-                <a16:creationId xmlns="" xmlns:a16="http://schemas.microsoft.com/office/drawing/2014/main" id="{14D24A18-E91F-4A40-9FD4-04301BE5E2B4}"/>
-              </a:ext>
-            </a:extLst>
-          </p:cNvPr>
-          <p:cNvSpPr/>
-          <p:nvPr/>
-        </p:nvSpPr>
-        <p:spPr>
-          <a:xfrm>
-            <a:off x="4820141" y="3882887"/>
+                <a16:creationId xmlns:a16="http://schemas.microsoft.com/office/drawing/2014/main" xmlns="" id="{14D24A18-E91F-4A40-9FD4-04301BE5E2B4}"/>
+              </a:ext>
+            </a:extLst>
+          </p:cNvPr>
+          <p:cNvSpPr/>
+          <p:nvPr/>
+        </p:nvSpPr>
+        <p:spPr>
+          <a:xfrm>
+            <a:off x="4820141" y="4439474"/>
             <a:ext cx="636105" cy="502789"/>
           </a:xfrm>
           <a:prstGeom prst="rect">
@@ -15456,24 +15533,124 @@
       </p:sp>
       <p:sp>
         <p:nvSpPr>
-          <p:cNvPr id="29" name="Rectangle 28">
-            <a:extLst>
-              <a:ext uri="{FF2B5EF4-FFF2-40B4-BE49-F238E27FC236}">
-                <a16:creationId xmlns="" xmlns:a16="http://schemas.microsoft.com/office/drawing/2014/main" id="{02D3BDEB-199B-42D8-AFC9-6B8F446EE7F0}"/>
-              </a:ext>
-            </a:extLst>
-          </p:cNvPr>
-          <p:cNvSpPr/>
-          <p:nvPr/>
-        </p:nvSpPr>
-        <p:spPr>
-          <a:xfrm>
-            <a:off x="5045428" y="2112690"/>
-            <a:ext cx="208388" cy="1770198"/>
-          </a:xfrm>
-          <a:prstGeom prst="rect">
-            <a:avLst/>
-          </a:prstGeom>
+          <p:cNvPr id="24" name="Rectangle 23">
+            <a:extLst>
+              <a:ext uri="{FF2B5EF4-FFF2-40B4-BE49-F238E27FC236}">
+                <a16:creationId xmlns:a16="http://schemas.microsoft.com/office/drawing/2014/main" xmlns="" id="{FAE6EA6D-531A-4F1A-B26C-0EA955C90619}"/>
+              </a:ext>
+            </a:extLst>
+          </p:cNvPr>
+          <p:cNvSpPr/>
+          <p:nvPr/>
+        </p:nvSpPr>
+        <p:spPr>
+          <a:xfrm>
+            <a:off x="5052552" y="2072928"/>
+            <a:ext cx="193728" cy="2366546"/>
+          </a:xfrm>
+          <a:prstGeom prst="rect">
+            <a:avLst/>
+          </a:prstGeom>
+        </p:spPr>
+        <p:style>
+          <a:lnRef idx="2">
+            <a:schemeClr val="accent1">
+              <a:shade val="50000"/>
+            </a:schemeClr>
+          </a:lnRef>
+          <a:fillRef idx="1">
+            <a:schemeClr val="accent1"/>
+          </a:fillRef>
+          <a:effectRef idx="0">
+            <a:schemeClr val="accent1"/>
+          </a:effectRef>
+          <a:fontRef idx="minor">
+            <a:schemeClr val="lt1"/>
+          </a:fontRef>
+        </p:style>
+        <p:txBody>
+          <a:bodyPr rtlCol="0" anchor="ctr"/>
+          <a:lstStyle/>
+          <a:p>
+            <a:pPr algn="ctr"/>
+            <a:endParaRPr lang="en-IN" dirty="0"/>
+          </a:p>
+        </p:txBody>
+      </p:sp>
+      <p:sp>
+        <p:nvSpPr>
+          <p:cNvPr id="21" name="Rectangle 20">
+            <a:extLst>
+              <a:ext uri="{FF2B5EF4-FFF2-40B4-BE49-F238E27FC236}">
+                <a16:creationId xmlns:a16="http://schemas.microsoft.com/office/drawing/2014/main" xmlns="" id="{666D8948-3CC0-4080-A06E-30065698753A}"/>
+              </a:ext>
+            </a:extLst>
+          </p:cNvPr>
+          <p:cNvSpPr/>
+          <p:nvPr/>
+        </p:nvSpPr>
+        <p:spPr>
+          <a:xfrm>
+            <a:off x="5108710" y="1694556"/>
+            <a:ext cx="874643" cy="365125"/>
+          </a:xfrm>
+          <a:prstGeom prst="rect">
+            <a:avLst/>
+          </a:prstGeom>
+        </p:spPr>
+        <p:style>
+          <a:lnRef idx="2">
+            <a:schemeClr val="accent1">
+              <a:shade val="50000"/>
+            </a:schemeClr>
+          </a:lnRef>
+          <a:fillRef idx="1">
+            <a:schemeClr val="accent1"/>
+          </a:fillRef>
+          <a:effectRef idx="0">
+            <a:schemeClr val="accent1"/>
+          </a:effectRef>
+          <a:fontRef idx="minor">
+            <a:schemeClr val="lt1"/>
+          </a:fontRef>
+        </p:style>
+        <p:txBody>
+          <a:bodyPr rtlCol="0" anchor="ctr"/>
+          <a:lstStyle/>
+          <a:p>
+            <a:pPr algn="ctr"/>
+            <a:endParaRPr lang="en-IN"/>
+          </a:p>
+        </p:txBody>
+      </p:sp>
+      <p:sp>
+        <p:nvSpPr>
+          <p:cNvPr id="22" name="Rectangle 21">
+            <a:extLst>
+              <a:ext uri="{FF2B5EF4-FFF2-40B4-BE49-F238E27FC236}">
+                <a16:creationId xmlns:a16="http://schemas.microsoft.com/office/drawing/2014/main" xmlns="" id="{648DEC73-0D6B-4A49-8269-4CAD24AD9C86}"/>
+              </a:ext>
+            </a:extLst>
+          </p:cNvPr>
+          <p:cNvSpPr/>
+          <p:nvPr/>
+        </p:nvSpPr>
+        <p:spPr>
+          <a:xfrm>
+            <a:off x="5532779" y="1747564"/>
+            <a:ext cx="45719" cy="365125"/>
+          </a:xfrm>
+          <a:prstGeom prst="rect">
+            <a:avLst/>
+          </a:prstGeom>
+          <a:solidFill>
+            <a:schemeClr val="bg1"/>
+          </a:solidFill>
+          <a:ln>
+            <a:solidFill>
+              <a:schemeClr val="bg1"/>
+            </a:solidFill>
+          </a:ln>
         </p:spPr>
         <p:style>
           <a:lnRef idx="2">
@@ -15502,24 +15679,24 @@
       </p:sp>
       <p:cxnSp>
         <p:nvCxnSpPr>
-          <p:cNvPr id="31" name="Straight Connector 30">
-            <a:extLst>
-              <a:ext uri="{FF2B5EF4-FFF2-40B4-BE49-F238E27FC236}">
-                <a16:creationId xmlns="" xmlns:a16="http://schemas.microsoft.com/office/drawing/2014/main" id="{7A19C16E-38B9-498A-9C33-6AB77B29E105}"/>
+          <p:cNvPr id="23" name="Straight Connector 22">
+            <a:extLst>
+              <a:ext uri="{FF2B5EF4-FFF2-40B4-BE49-F238E27FC236}">
+                <a16:creationId xmlns:a16="http://schemas.microsoft.com/office/drawing/2014/main" xmlns="" id="{D6385C70-B333-4C86-B538-474BC6C16A17}"/>
               </a:ext>
             </a:extLst>
           </p:cNvPr>
           <p:cNvCxnSpPr>
             <a:cxnSpLocks/>
             <a:stCxn id="19" idx="2"/>
-            <a:endCxn id="27" idx="0"/>
+            <a:endCxn id="22" idx="2"/>
           </p:cNvCxnSpPr>
           <p:nvPr/>
         </p:nvCxnSpPr>
         <p:spPr>
           <a:xfrm flipH="1">
-            <a:off x="5555638" y="588238"/>
-            <a:ext cx="16897" cy="1577459"/>
+            <a:off x="5555639" y="588238"/>
+            <a:ext cx="16896" cy="1524451"/>
           </a:xfrm>
           <a:prstGeom prst="line">
             <a:avLst/>
@@ -15544,7 +15721,7 @@
     </p:spTree>
     <p:extLst>
       <p:ext uri="{BB962C8B-B14F-4D97-AF65-F5344CB8AC3E}">
-        <p14:creationId xmlns:p14="http://schemas.microsoft.com/office/powerpoint/2010/main" val="284221104"/>
+        <p14:creationId xmlns:p14="http://schemas.microsoft.com/office/powerpoint/2010/main" val="88417776"/>
       </p:ext>
     </p:extLst>
   </p:cSld>
@@ -15573,10 +15750,2746 @@
       </p:grpSpPr>
       <p:sp>
         <p:nvSpPr>
+          <p:cNvPr id="2" name="Slide Number Placeholder 1">
+            <a:extLst>
+              <a:ext uri="{FF2B5EF4-FFF2-40B4-BE49-F238E27FC236}">
+                <a16:creationId xmlns:a16="http://schemas.microsoft.com/office/drawing/2014/main" xmlns="" id="{E2A346D2-342E-4D26-9516-C88A6E8CC150}"/>
+              </a:ext>
+            </a:extLst>
+          </p:cNvPr>
+          <p:cNvSpPr>
+            <a:spLocks noGrp="1"/>
+          </p:cNvSpPr>
+          <p:nvPr>
+            <p:ph type="sldNum" sz="quarter" idx="12"/>
+          </p:nvPr>
+        </p:nvSpPr>
+        <p:spPr/>
+        <p:txBody>
+          <a:bodyPr/>
+          <a:lstStyle/>
+          <a:p>
+            <a:fld id="{52D8BFD5-1499-4ECE-8614-7465CBDF8211}" type="slidenum">
+              <a:rPr lang="en-IN" smtClean="0"/>
+              <a:t>23</a:t>
+            </a:fld>
+            <a:endParaRPr lang="en-IN"/>
+          </a:p>
+        </p:txBody>
+      </p:sp>
+      <p:sp>
+        <p:nvSpPr>
+          <p:cNvPr id="4" name="Title 3">
+            <a:extLst>
+              <a:ext uri="{FF2B5EF4-FFF2-40B4-BE49-F238E27FC236}">
+                <a16:creationId xmlns:a16="http://schemas.microsoft.com/office/drawing/2014/main" xmlns="" id="{6C1750A8-0A53-40DB-B646-EE267E14322F}"/>
+              </a:ext>
+            </a:extLst>
+          </p:cNvPr>
+          <p:cNvSpPr>
+            <a:spLocks noGrp="1"/>
+          </p:cNvSpPr>
+          <p:nvPr>
+            <p:ph type="title"/>
+          </p:nvPr>
+        </p:nvSpPr>
+        <p:spPr>
+          <a:xfrm>
+            <a:off x="705677" y="424070"/>
+            <a:ext cx="10515600" cy="365125"/>
+          </a:xfrm>
+        </p:spPr>
+        <p:txBody>
+          <a:bodyPr/>
+          <a:lstStyle/>
+          <a:p>
+            <a:r>
+              <a:rPr lang="en-US"/>
+              <a:t>Test sequence</a:t>
+            </a:r>
+            <a:endParaRPr lang="en-IN" dirty="0"/>
+          </a:p>
+        </p:txBody>
+      </p:sp>
+      <p:sp>
+        <p:nvSpPr>
+          <p:cNvPr id="3" name="Rectangle 2">
+            <a:extLst>
+              <a:ext uri="{FF2B5EF4-FFF2-40B4-BE49-F238E27FC236}">
+                <a16:creationId xmlns:a16="http://schemas.microsoft.com/office/drawing/2014/main" xmlns="" id="{DC56F6AA-CC91-42A5-B529-91407EE8CA0B}"/>
+              </a:ext>
+            </a:extLst>
+          </p:cNvPr>
+          <p:cNvSpPr/>
+          <p:nvPr/>
+        </p:nvSpPr>
+        <p:spPr>
+          <a:xfrm>
+            <a:off x="6096000" y="6140661"/>
+            <a:ext cx="874643" cy="365125"/>
+          </a:xfrm>
+          <a:prstGeom prst="rect">
+            <a:avLst/>
+          </a:prstGeom>
+        </p:spPr>
+        <p:style>
+          <a:lnRef idx="2">
+            <a:schemeClr val="accent1">
+              <a:shade val="50000"/>
+            </a:schemeClr>
+          </a:lnRef>
+          <a:fillRef idx="1">
+            <a:schemeClr val="accent1"/>
+          </a:fillRef>
+          <a:effectRef idx="0">
+            <a:schemeClr val="accent1"/>
+          </a:effectRef>
+          <a:fontRef idx="minor">
+            <a:schemeClr val="lt1"/>
+          </a:fontRef>
+        </p:style>
+        <p:txBody>
+          <a:bodyPr rtlCol="0" anchor="ctr"/>
+          <a:lstStyle/>
+          <a:p>
+            <a:pPr algn="ctr"/>
+            <a:endParaRPr lang="en-IN"/>
+          </a:p>
+        </p:txBody>
+      </p:sp>
+      <p:sp>
+        <p:nvSpPr>
+          <p:cNvPr id="5" name="Rectangle 4">
+            <a:extLst>
+              <a:ext uri="{FF2B5EF4-FFF2-40B4-BE49-F238E27FC236}">
+                <a16:creationId xmlns:a16="http://schemas.microsoft.com/office/drawing/2014/main" xmlns="" id="{1AFD8020-F819-48DB-A628-4F914740C5B5}"/>
+              </a:ext>
+            </a:extLst>
+          </p:cNvPr>
+          <p:cNvSpPr/>
+          <p:nvPr/>
+        </p:nvSpPr>
+        <p:spPr>
+          <a:xfrm>
+            <a:off x="6520069" y="4020314"/>
+            <a:ext cx="45719" cy="365125"/>
+          </a:xfrm>
+          <a:prstGeom prst="rect">
+            <a:avLst/>
+          </a:prstGeom>
+          <a:solidFill>
+            <a:schemeClr val="bg1"/>
+          </a:solidFill>
+          <a:ln>
+            <a:solidFill>
+              <a:schemeClr val="bg1"/>
+            </a:solidFill>
+          </a:ln>
+        </p:spPr>
+        <p:style>
+          <a:lnRef idx="2">
+            <a:schemeClr val="accent1">
+              <a:shade val="50000"/>
+            </a:schemeClr>
+          </a:lnRef>
+          <a:fillRef idx="1">
+            <a:schemeClr val="accent1"/>
+          </a:fillRef>
+          <a:effectRef idx="0">
+            <a:schemeClr val="accent1"/>
+          </a:effectRef>
+          <a:fontRef idx="minor">
+            <a:schemeClr val="lt1"/>
+          </a:fontRef>
+        </p:style>
+        <p:txBody>
+          <a:bodyPr rtlCol="0" anchor="ctr"/>
+          <a:lstStyle/>
+          <a:p>
+            <a:pPr algn="ctr"/>
+            <a:endParaRPr lang="en-IN"/>
+          </a:p>
+        </p:txBody>
+      </p:sp>
+      <p:sp>
+        <p:nvSpPr>
+          <p:cNvPr id="6" name="Rectangle 5">
+            <a:extLst>
+              <a:ext uri="{FF2B5EF4-FFF2-40B4-BE49-F238E27FC236}">
+                <a16:creationId xmlns:a16="http://schemas.microsoft.com/office/drawing/2014/main" xmlns="" id="{519572F2-77B7-451D-B7B9-E8C4DF760CFE}"/>
+              </a:ext>
+            </a:extLst>
+          </p:cNvPr>
+          <p:cNvSpPr/>
+          <p:nvPr/>
+        </p:nvSpPr>
+        <p:spPr>
+          <a:xfrm>
+            <a:off x="6443536" y="6505780"/>
+            <a:ext cx="198783" cy="215694"/>
+          </a:xfrm>
+          <a:prstGeom prst="rect">
+            <a:avLst/>
+          </a:prstGeom>
+        </p:spPr>
+        <p:style>
+          <a:lnRef idx="2">
+            <a:schemeClr val="accent1">
+              <a:shade val="50000"/>
+            </a:schemeClr>
+          </a:lnRef>
+          <a:fillRef idx="1">
+            <a:schemeClr val="accent1"/>
+          </a:fillRef>
+          <a:effectRef idx="0">
+            <a:schemeClr val="accent1"/>
+          </a:effectRef>
+          <a:fontRef idx="minor">
+            <a:schemeClr val="lt1"/>
+          </a:fontRef>
+        </p:style>
+        <p:txBody>
+          <a:bodyPr rtlCol="0" anchor="ctr"/>
+          <a:lstStyle/>
+          <a:p>
+            <a:pPr algn="ctr"/>
+            <a:endParaRPr lang="en-IN"/>
+          </a:p>
+        </p:txBody>
+      </p:sp>
+      <p:cxnSp>
+        <p:nvCxnSpPr>
+          <p:cNvPr id="9" name="Straight Connector 8">
+            <a:extLst>
+              <a:ext uri="{FF2B5EF4-FFF2-40B4-BE49-F238E27FC236}">
+                <a16:creationId xmlns:a16="http://schemas.microsoft.com/office/drawing/2014/main" xmlns="" id="{4C9C328E-BF96-4182-9F0B-C5C11B72F8DE}"/>
+              </a:ext>
+            </a:extLst>
+          </p:cNvPr>
+          <p:cNvCxnSpPr>
+            <a:cxnSpLocks/>
+            <a:stCxn id="17" idx="2"/>
+            <a:endCxn id="6" idx="0"/>
+          </p:cNvCxnSpPr>
+          <p:nvPr/>
+        </p:nvCxnSpPr>
+        <p:spPr>
+          <a:xfrm flipH="1">
+            <a:off x="6542928" y="3703290"/>
+            <a:ext cx="17725" cy="2802490"/>
+          </a:xfrm>
+          <a:prstGeom prst="line">
+            <a:avLst/>
+          </a:prstGeom>
+          <a:ln w="28575"/>
+        </p:spPr>
+        <p:style>
+          <a:lnRef idx="1">
+            <a:schemeClr val="accent1"/>
+          </a:lnRef>
+          <a:fillRef idx="0">
+            <a:schemeClr val="accent1"/>
+          </a:fillRef>
+          <a:effectRef idx="0">
+            <a:schemeClr val="accent1"/>
+          </a:effectRef>
+          <a:fontRef idx="minor">
+            <a:schemeClr val="tx1"/>
+          </a:fontRef>
+        </p:style>
+      </p:cxnSp>
+      <p:sp>
+        <p:nvSpPr>
+          <p:cNvPr id="13" name="Rectangle 12">
+            <a:extLst>
+              <a:ext uri="{FF2B5EF4-FFF2-40B4-BE49-F238E27FC236}">
+                <a16:creationId xmlns:a16="http://schemas.microsoft.com/office/drawing/2014/main" xmlns="" id="{323427DF-834D-402D-8EB2-A67EBD08C9DE}"/>
+              </a:ext>
+            </a:extLst>
+          </p:cNvPr>
+          <p:cNvSpPr/>
+          <p:nvPr/>
+        </p:nvSpPr>
+        <p:spPr>
+          <a:xfrm>
+            <a:off x="6668824" y="6653384"/>
+            <a:ext cx="636105" cy="502789"/>
+          </a:xfrm>
+          <a:prstGeom prst="rect">
+            <a:avLst/>
+          </a:prstGeom>
+        </p:spPr>
+        <p:style>
+          <a:lnRef idx="2">
+            <a:schemeClr val="accent1">
+              <a:shade val="50000"/>
+            </a:schemeClr>
+          </a:lnRef>
+          <a:fillRef idx="1">
+            <a:schemeClr val="accent1"/>
+          </a:fillRef>
+          <a:effectRef idx="0">
+            <a:schemeClr val="accent1"/>
+          </a:effectRef>
+          <a:fontRef idx="minor">
+            <a:schemeClr val="lt1"/>
+          </a:fontRef>
+        </p:style>
+        <p:txBody>
+          <a:bodyPr rtlCol="0" anchor="ctr"/>
+          <a:lstStyle/>
+          <a:p>
+            <a:pPr algn="ctr"/>
+            <a:endParaRPr lang="en-IN"/>
+          </a:p>
+        </p:txBody>
+      </p:sp>
+      <p:sp>
+        <p:nvSpPr>
+          <p:cNvPr id="14" name="Rectangle 13">
+            <a:extLst>
+              <a:ext uri="{FF2B5EF4-FFF2-40B4-BE49-F238E27FC236}">
+                <a16:creationId xmlns:a16="http://schemas.microsoft.com/office/drawing/2014/main" xmlns="" id="{0A6F78A6-5E7B-44BE-8033-86E3CC020CF3}"/>
+              </a:ext>
+            </a:extLst>
+          </p:cNvPr>
+          <p:cNvSpPr/>
+          <p:nvPr/>
+        </p:nvSpPr>
+        <p:spPr>
+          <a:xfrm>
+            <a:off x="6921440" y="6505780"/>
+            <a:ext cx="204581" cy="147605"/>
+          </a:xfrm>
+          <a:prstGeom prst="rect">
+            <a:avLst/>
+          </a:prstGeom>
+        </p:spPr>
+        <p:style>
+          <a:lnRef idx="2">
+            <a:schemeClr val="accent1">
+              <a:shade val="50000"/>
+            </a:schemeClr>
+          </a:lnRef>
+          <a:fillRef idx="1">
+            <a:schemeClr val="accent1"/>
+          </a:fillRef>
+          <a:effectRef idx="0">
+            <a:schemeClr val="accent1"/>
+          </a:effectRef>
+          <a:fontRef idx="minor">
+            <a:schemeClr val="lt1"/>
+          </a:fontRef>
+        </p:style>
+        <p:txBody>
+          <a:bodyPr rtlCol="0" anchor="ctr"/>
+          <a:lstStyle/>
+          <a:p>
+            <a:pPr algn="ctr"/>
+            <a:endParaRPr lang="en-IN" dirty="0"/>
+          </a:p>
+        </p:txBody>
+      </p:sp>
+      <p:sp>
+        <p:nvSpPr>
+          <p:cNvPr id="15" name="Rectangle 14">
+            <a:extLst>
+              <a:ext uri="{FF2B5EF4-FFF2-40B4-BE49-F238E27FC236}">
+                <a16:creationId xmlns:a16="http://schemas.microsoft.com/office/drawing/2014/main" xmlns="" id="{9F279704-B8F0-4876-B501-EE21DB738F59}"/>
+              </a:ext>
+            </a:extLst>
+          </p:cNvPr>
+          <p:cNvSpPr/>
+          <p:nvPr/>
+        </p:nvSpPr>
+        <p:spPr>
+          <a:xfrm>
+            <a:off x="6158787" y="1086679"/>
+            <a:ext cx="80669" cy="2796208"/>
+          </a:xfrm>
+          <a:prstGeom prst="rect">
+            <a:avLst/>
+          </a:prstGeom>
+        </p:spPr>
+        <p:style>
+          <a:lnRef idx="2">
+            <a:schemeClr val="accent1">
+              <a:shade val="50000"/>
+            </a:schemeClr>
+          </a:lnRef>
+          <a:fillRef idx="1">
+            <a:schemeClr val="accent1"/>
+          </a:fillRef>
+          <a:effectRef idx="0">
+            <a:schemeClr val="accent1"/>
+          </a:effectRef>
+          <a:fontRef idx="minor">
+            <a:schemeClr val="lt1"/>
+          </a:fontRef>
+        </p:style>
+        <p:txBody>
+          <a:bodyPr rtlCol="0" anchor="ctr"/>
+          <a:lstStyle/>
+          <a:p>
+            <a:pPr algn="ctr"/>
+            <a:endParaRPr lang="en-IN"/>
+          </a:p>
+        </p:txBody>
+      </p:sp>
+      <p:sp>
+        <p:nvSpPr>
+          <p:cNvPr id="16" name="Rectangle 15">
+            <a:extLst>
+              <a:ext uri="{FF2B5EF4-FFF2-40B4-BE49-F238E27FC236}">
+                <a16:creationId xmlns:a16="http://schemas.microsoft.com/office/drawing/2014/main" xmlns="" id="{6ECC4020-0E4E-472A-9357-69CC12C1F305}"/>
+              </a:ext>
+            </a:extLst>
+          </p:cNvPr>
+          <p:cNvSpPr/>
+          <p:nvPr/>
+        </p:nvSpPr>
+        <p:spPr>
+          <a:xfrm>
+            <a:off x="6251380" y="1212572"/>
+            <a:ext cx="136169" cy="2490719"/>
+          </a:xfrm>
+          <a:prstGeom prst="rect">
+            <a:avLst/>
+          </a:prstGeom>
+        </p:spPr>
+        <p:style>
+          <a:lnRef idx="2">
+            <a:schemeClr val="accent1">
+              <a:shade val="50000"/>
+            </a:schemeClr>
+          </a:lnRef>
+          <a:fillRef idx="1">
+            <a:schemeClr val="accent1"/>
+          </a:fillRef>
+          <a:effectRef idx="0">
+            <a:schemeClr val="accent1"/>
+          </a:effectRef>
+          <a:fontRef idx="minor">
+            <a:schemeClr val="lt1"/>
+          </a:fontRef>
+        </p:style>
+        <p:txBody>
+          <a:bodyPr rtlCol="0" anchor="ctr"/>
+          <a:lstStyle/>
+          <a:p>
+            <a:pPr algn="ctr"/>
+            <a:endParaRPr lang="en-IN"/>
+          </a:p>
+        </p:txBody>
+      </p:sp>
+      <p:sp>
+        <p:nvSpPr>
+          <p:cNvPr id="17" name="Rectangle 16">
+            <a:extLst>
+              <a:ext uri="{FF2B5EF4-FFF2-40B4-BE49-F238E27FC236}">
+                <a16:creationId xmlns:a16="http://schemas.microsoft.com/office/drawing/2014/main" xmlns="" id="{34453880-B568-412E-B217-7017AA047B84}"/>
+              </a:ext>
+            </a:extLst>
+          </p:cNvPr>
+          <p:cNvSpPr/>
+          <p:nvPr/>
+        </p:nvSpPr>
+        <p:spPr>
+          <a:xfrm>
+            <a:off x="6399473" y="3338165"/>
+            <a:ext cx="322360" cy="365125"/>
+          </a:xfrm>
+          <a:prstGeom prst="rect">
+            <a:avLst/>
+          </a:prstGeom>
+        </p:spPr>
+        <p:style>
+          <a:lnRef idx="2">
+            <a:schemeClr val="accent1">
+              <a:shade val="50000"/>
+            </a:schemeClr>
+          </a:lnRef>
+          <a:fillRef idx="1">
+            <a:schemeClr val="accent1"/>
+          </a:fillRef>
+          <a:effectRef idx="0">
+            <a:schemeClr val="accent1"/>
+          </a:effectRef>
+          <a:fontRef idx="minor">
+            <a:schemeClr val="lt1"/>
+          </a:fontRef>
+        </p:style>
+        <p:txBody>
+          <a:bodyPr rtlCol="0" anchor="ctr"/>
+          <a:lstStyle/>
+          <a:p>
+            <a:pPr algn="ctr"/>
+            <a:endParaRPr lang="en-IN"/>
+          </a:p>
+        </p:txBody>
+      </p:sp>
+      <p:sp>
+        <p:nvSpPr>
+          <p:cNvPr id="19" name="Oval 18">
+            <a:extLst>
+              <a:ext uri="{FF2B5EF4-FFF2-40B4-BE49-F238E27FC236}">
+                <a16:creationId xmlns:a16="http://schemas.microsoft.com/office/drawing/2014/main" xmlns="" id="{C865F1AC-443D-44E9-B205-5FD839712B3D}"/>
+              </a:ext>
+            </a:extLst>
+          </p:cNvPr>
+          <p:cNvSpPr/>
+          <p:nvPr/>
+        </p:nvSpPr>
+        <p:spPr>
+          <a:xfrm>
+            <a:off x="5572535" y="113440"/>
+            <a:ext cx="988199" cy="949595"/>
+          </a:xfrm>
+          <a:prstGeom prst="ellipse">
+            <a:avLst/>
+          </a:prstGeom>
+        </p:spPr>
+        <p:style>
+          <a:lnRef idx="2">
+            <a:schemeClr val="accent1">
+              <a:shade val="50000"/>
+            </a:schemeClr>
+          </a:lnRef>
+          <a:fillRef idx="1">
+            <a:schemeClr val="accent1"/>
+          </a:fillRef>
+          <a:effectRef idx="0">
+            <a:schemeClr val="accent1"/>
+          </a:effectRef>
+          <a:fontRef idx="minor">
+            <a:schemeClr val="lt1"/>
+          </a:fontRef>
+        </p:style>
+        <p:txBody>
+          <a:bodyPr rtlCol="0" anchor="ctr"/>
+          <a:lstStyle/>
+          <a:p>
+            <a:pPr algn="ctr"/>
+            <a:endParaRPr lang="en-IN"/>
+          </a:p>
+        </p:txBody>
+      </p:sp>
+      <p:cxnSp>
+        <p:nvCxnSpPr>
+          <p:cNvPr id="20" name="Straight Connector 19">
+            <a:extLst>
+              <a:ext uri="{FF2B5EF4-FFF2-40B4-BE49-F238E27FC236}">
+                <a16:creationId xmlns:a16="http://schemas.microsoft.com/office/drawing/2014/main" xmlns="" id="{B1B94C00-5D79-4EF7-B864-00C0FB05A426}"/>
+              </a:ext>
+            </a:extLst>
+          </p:cNvPr>
+          <p:cNvCxnSpPr>
+            <a:cxnSpLocks/>
+            <a:stCxn id="19" idx="6"/>
+            <a:endCxn id="17" idx="0"/>
+          </p:cNvCxnSpPr>
+          <p:nvPr/>
+        </p:nvCxnSpPr>
+        <p:spPr>
+          <a:xfrm flipH="1">
+            <a:off x="6560653" y="588238"/>
+            <a:ext cx="81" cy="2749927"/>
+          </a:xfrm>
+          <a:prstGeom prst="line">
+            <a:avLst/>
+          </a:prstGeom>
+          <a:ln w="28575"/>
+        </p:spPr>
+        <p:style>
+          <a:lnRef idx="1">
+            <a:schemeClr val="accent1"/>
+          </a:lnRef>
+          <a:fillRef idx="0">
+            <a:schemeClr val="accent1"/>
+          </a:fillRef>
+          <a:effectRef idx="0">
+            <a:schemeClr val="accent1"/>
+          </a:effectRef>
+          <a:fontRef idx="minor">
+            <a:schemeClr val="tx1"/>
+          </a:fontRef>
+        </p:style>
+      </p:cxnSp>
+      <p:sp>
+        <p:nvSpPr>
+          <p:cNvPr id="26" name="Rectangle 25">
+            <a:extLst>
+              <a:ext uri="{FF2B5EF4-FFF2-40B4-BE49-F238E27FC236}">
+                <a16:creationId xmlns:a16="http://schemas.microsoft.com/office/drawing/2014/main" xmlns="" id="{7346B316-6233-4443-9A36-040D034A6FBF}"/>
+              </a:ext>
+            </a:extLst>
+          </p:cNvPr>
+          <p:cNvSpPr/>
+          <p:nvPr/>
+        </p:nvSpPr>
+        <p:spPr>
+          <a:xfrm>
+            <a:off x="5532779" y="1230737"/>
+            <a:ext cx="45719" cy="365125"/>
+          </a:xfrm>
+          <a:prstGeom prst="rect">
+            <a:avLst/>
+          </a:prstGeom>
+          <a:solidFill>
+            <a:schemeClr val="bg1"/>
+          </a:solidFill>
+          <a:ln>
+            <a:solidFill>
+              <a:schemeClr val="bg1"/>
+            </a:solidFill>
+          </a:ln>
+        </p:spPr>
+        <p:style>
+          <a:lnRef idx="2">
+            <a:schemeClr val="accent1">
+              <a:shade val="50000"/>
+            </a:schemeClr>
+          </a:lnRef>
+          <a:fillRef idx="1">
+            <a:schemeClr val="accent1"/>
+          </a:fillRef>
+          <a:effectRef idx="0">
+            <a:schemeClr val="accent1"/>
+          </a:effectRef>
+          <a:fontRef idx="minor">
+            <a:schemeClr val="lt1"/>
+          </a:fontRef>
+        </p:style>
+        <p:txBody>
+          <a:bodyPr rtlCol="0" anchor="ctr"/>
+          <a:lstStyle/>
+          <a:p>
+            <a:pPr algn="ctr"/>
+            <a:endParaRPr lang="en-IN"/>
+          </a:p>
+        </p:txBody>
+      </p:sp>
+      <p:sp>
+        <p:nvSpPr>
+          <p:cNvPr id="27" name="Rectangle 26">
+            <a:extLst>
+              <a:ext uri="{FF2B5EF4-FFF2-40B4-BE49-F238E27FC236}">
+                <a16:creationId xmlns:a16="http://schemas.microsoft.com/office/drawing/2014/main" xmlns="" id="{A0A6BEE0-8DF4-4797-80DB-7DD4E6A99383}"/>
+              </a:ext>
+            </a:extLst>
+          </p:cNvPr>
+          <p:cNvSpPr/>
+          <p:nvPr/>
+        </p:nvSpPr>
+        <p:spPr>
+          <a:xfrm>
+            <a:off x="5456246" y="2125935"/>
+            <a:ext cx="198783" cy="215694"/>
+          </a:xfrm>
+          <a:prstGeom prst="rect">
+            <a:avLst/>
+          </a:prstGeom>
+        </p:spPr>
+        <p:style>
+          <a:lnRef idx="2">
+            <a:schemeClr val="accent1">
+              <a:shade val="50000"/>
+            </a:schemeClr>
+          </a:lnRef>
+          <a:fillRef idx="1">
+            <a:schemeClr val="accent1"/>
+          </a:fillRef>
+          <a:effectRef idx="0">
+            <a:schemeClr val="accent1"/>
+          </a:effectRef>
+          <a:fontRef idx="minor">
+            <a:schemeClr val="lt1"/>
+          </a:fontRef>
+        </p:style>
+        <p:txBody>
+          <a:bodyPr rtlCol="0" anchor="ctr"/>
+          <a:lstStyle/>
+          <a:p>
+            <a:pPr algn="ctr"/>
+            <a:endParaRPr lang="en-IN"/>
+          </a:p>
+        </p:txBody>
+      </p:sp>
+      <p:sp>
+        <p:nvSpPr>
+          <p:cNvPr id="28" name="Rectangle 27">
+            <a:extLst>
+              <a:ext uri="{FF2B5EF4-FFF2-40B4-BE49-F238E27FC236}">
+                <a16:creationId xmlns:a16="http://schemas.microsoft.com/office/drawing/2014/main" xmlns="" id="{14D24A18-E91F-4A40-9FD4-04301BE5E2B4}"/>
+              </a:ext>
+            </a:extLst>
+          </p:cNvPr>
+          <p:cNvSpPr/>
+          <p:nvPr/>
+        </p:nvSpPr>
+        <p:spPr>
+          <a:xfrm>
+            <a:off x="4820141" y="4439474"/>
+            <a:ext cx="636105" cy="502789"/>
+          </a:xfrm>
+          <a:prstGeom prst="rect">
+            <a:avLst/>
+          </a:prstGeom>
+        </p:spPr>
+        <p:style>
+          <a:lnRef idx="2">
+            <a:schemeClr val="accent1">
+              <a:shade val="50000"/>
+            </a:schemeClr>
+          </a:lnRef>
+          <a:fillRef idx="1">
+            <a:schemeClr val="accent1"/>
+          </a:fillRef>
+          <a:effectRef idx="0">
+            <a:schemeClr val="accent1"/>
+          </a:effectRef>
+          <a:fontRef idx="minor">
+            <a:schemeClr val="lt1"/>
+          </a:fontRef>
+        </p:style>
+        <p:txBody>
+          <a:bodyPr rtlCol="0" anchor="ctr"/>
+          <a:lstStyle/>
+          <a:p>
+            <a:pPr algn="ctr"/>
+            <a:endParaRPr lang="en-IN"/>
+          </a:p>
+        </p:txBody>
+      </p:sp>
+      <p:sp>
+        <p:nvSpPr>
+          <p:cNvPr id="24" name="Rectangle 23">
+            <a:extLst>
+              <a:ext uri="{FF2B5EF4-FFF2-40B4-BE49-F238E27FC236}">
+                <a16:creationId xmlns:a16="http://schemas.microsoft.com/office/drawing/2014/main" xmlns="" id="{FAE6EA6D-531A-4F1A-B26C-0EA955C90619}"/>
+              </a:ext>
+            </a:extLst>
+          </p:cNvPr>
+          <p:cNvSpPr/>
+          <p:nvPr/>
+        </p:nvSpPr>
+        <p:spPr>
+          <a:xfrm>
+            <a:off x="5052552" y="2072928"/>
+            <a:ext cx="193728" cy="2366546"/>
+          </a:xfrm>
+          <a:prstGeom prst="rect">
+            <a:avLst/>
+          </a:prstGeom>
+        </p:spPr>
+        <p:style>
+          <a:lnRef idx="2">
+            <a:schemeClr val="accent1">
+              <a:shade val="50000"/>
+            </a:schemeClr>
+          </a:lnRef>
+          <a:fillRef idx="1">
+            <a:schemeClr val="accent1"/>
+          </a:fillRef>
+          <a:effectRef idx="0">
+            <a:schemeClr val="accent1"/>
+          </a:effectRef>
+          <a:fontRef idx="minor">
+            <a:schemeClr val="lt1"/>
+          </a:fontRef>
+        </p:style>
+        <p:txBody>
+          <a:bodyPr rtlCol="0" anchor="ctr"/>
+          <a:lstStyle/>
+          <a:p>
+            <a:pPr algn="ctr"/>
+            <a:endParaRPr lang="en-IN" dirty="0"/>
+          </a:p>
+        </p:txBody>
+      </p:sp>
+      <p:sp>
+        <p:nvSpPr>
+          <p:cNvPr id="21" name="Rectangle 20">
+            <a:extLst>
+              <a:ext uri="{FF2B5EF4-FFF2-40B4-BE49-F238E27FC236}">
+                <a16:creationId xmlns:a16="http://schemas.microsoft.com/office/drawing/2014/main" xmlns="" id="{666D8948-3CC0-4080-A06E-30065698753A}"/>
+              </a:ext>
+            </a:extLst>
+          </p:cNvPr>
+          <p:cNvSpPr/>
+          <p:nvPr/>
+        </p:nvSpPr>
+        <p:spPr>
+          <a:xfrm>
+            <a:off x="5108710" y="1694556"/>
+            <a:ext cx="874643" cy="365125"/>
+          </a:xfrm>
+          <a:prstGeom prst="rect">
+            <a:avLst/>
+          </a:prstGeom>
+        </p:spPr>
+        <p:style>
+          <a:lnRef idx="2">
+            <a:schemeClr val="accent1">
+              <a:shade val="50000"/>
+            </a:schemeClr>
+          </a:lnRef>
+          <a:fillRef idx="1">
+            <a:schemeClr val="accent1"/>
+          </a:fillRef>
+          <a:effectRef idx="0">
+            <a:schemeClr val="accent1"/>
+          </a:effectRef>
+          <a:fontRef idx="minor">
+            <a:schemeClr val="lt1"/>
+          </a:fontRef>
+        </p:style>
+        <p:txBody>
+          <a:bodyPr rtlCol="0" anchor="ctr"/>
+          <a:lstStyle/>
+          <a:p>
+            <a:pPr algn="ctr"/>
+            <a:endParaRPr lang="en-IN"/>
+          </a:p>
+        </p:txBody>
+      </p:sp>
+      <p:sp>
+        <p:nvSpPr>
+          <p:cNvPr id="22" name="Rectangle 21">
+            <a:extLst>
+              <a:ext uri="{FF2B5EF4-FFF2-40B4-BE49-F238E27FC236}">
+                <a16:creationId xmlns:a16="http://schemas.microsoft.com/office/drawing/2014/main" xmlns="" id="{648DEC73-0D6B-4A49-8269-4CAD24AD9C86}"/>
+              </a:ext>
+            </a:extLst>
+          </p:cNvPr>
+          <p:cNvSpPr/>
+          <p:nvPr/>
+        </p:nvSpPr>
+        <p:spPr>
+          <a:xfrm>
+            <a:off x="5532779" y="1747564"/>
+            <a:ext cx="45719" cy="365125"/>
+          </a:xfrm>
+          <a:prstGeom prst="rect">
+            <a:avLst/>
+          </a:prstGeom>
+          <a:solidFill>
+            <a:schemeClr val="bg1"/>
+          </a:solidFill>
+          <a:ln>
+            <a:solidFill>
+              <a:schemeClr val="bg1"/>
+            </a:solidFill>
+          </a:ln>
+        </p:spPr>
+        <p:style>
+          <a:lnRef idx="2">
+            <a:schemeClr val="accent1">
+              <a:shade val="50000"/>
+            </a:schemeClr>
+          </a:lnRef>
+          <a:fillRef idx="1">
+            <a:schemeClr val="accent1"/>
+          </a:fillRef>
+          <a:effectRef idx="0">
+            <a:schemeClr val="accent1"/>
+          </a:effectRef>
+          <a:fontRef idx="minor">
+            <a:schemeClr val="lt1"/>
+          </a:fontRef>
+        </p:style>
+        <p:txBody>
+          <a:bodyPr rtlCol="0" anchor="ctr"/>
+          <a:lstStyle/>
+          <a:p>
+            <a:pPr algn="ctr"/>
+            <a:endParaRPr lang="en-IN"/>
+          </a:p>
+        </p:txBody>
+      </p:sp>
+      <p:cxnSp>
+        <p:nvCxnSpPr>
+          <p:cNvPr id="23" name="Straight Connector 22">
+            <a:extLst>
+              <a:ext uri="{FF2B5EF4-FFF2-40B4-BE49-F238E27FC236}">
+                <a16:creationId xmlns:a16="http://schemas.microsoft.com/office/drawing/2014/main" xmlns="" id="{D6385C70-B333-4C86-B538-474BC6C16A17}"/>
+              </a:ext>
+            </a:extLst>
+          </p:cNvPr>
+          <p:cNvCxnSpPr>
+            <a:cxnSpLocks/>
+            <a:stCxn id="19" idx="2"/>
+            <a:endCxn id="22" idx="2"/>
+          </p:cNvCxnSpPr>
+          <p:nvPr/>
+        </p:nvCxnSpPr>
+        <p:spPr>
+          <a:xfrm flipH="1">
+            <a:off x="5555639" y="588238"/>
+            <a:ext cx="16896" cy="1524451"/>
+          </a:xfrm>
+          <a:prstGeom prst="line">
+            <a:avLst/>
+          </a:prstGeom>
+          <a:ln w="28575"/>
+        </p:spPr>
+        <p:style>
+          <a:lnRef idx="1">
+            <a:schemeClr val="accent1"/>
+          </a:lnRef>
+          <a:fillRef idx="0">
+            <a:schemeClr val="accent1"/>
+          </a:fillRef>
+          <a:effectRef idx="0">
+            <a:schemeClr val="accent1"/>
+          </a:effectRef>
+          <a:fontRef idx="minor">
+            <a:schemeClr val="tx1"/>
+          </a:fontRef>
+        </p:style>
+      </p:cxnSp>
+    </p:spTree>
+    <p:extLst>
+      <p:ext uri="{BB962C8B-B14F-4D97-AF65-F5344CB8AC3E}">
+        <p14:creationId xmlns:p14="http://schemas.microsoft.com/office/powerpoint/2010/main" val="635202148"/>
+      </p:ext>
+    </p:extLst>
+  </p:cSld>
+  <p:clrMapOvr>
+    <a:masterClrMapping/>
+  </p:clrMapOvr>
+</p:sld>
+</file>
+
+<file path=ppt/slides/slide24.xml><?xml version="1.0" encoding="utf-8"?>
+<p:sld xmlns:a="http://schemas.openxmlformats.org/drawingml/2006/main" xmlns:r="http://schemas.openxmlformats.org/officeDocument/2006/relationships" xmlns:p="http://schemas.openxmlformats.org/presentationml/2006/main">
+  <p:cSld>
+    <p:spTree>
+      <p:nvGrpSpPr>
+        <p:cNvPr id="1" name=""/>
+        <p:cNvGrpSpPr/>
+        <p:nvPr/>
+      </p:nvGrpSpPr>
+      <p:grpSpPr>
+        <a:xfrm>
+          <a:off x="0" y="0"/>
+          <a:ext cx="0" cy="0"/>
+          <a:chOff x="0" y="0"/>
+          <a:chExt cx="0" cy="0"/>
+        </a:xfrm>
+      </p:grpSpPr>
+      <p:sp>
+        <p:nvSpPr>
+          <p:cNvPr id="2" name="Slide Number Placeholder 1">
+            <a:extLst>
+              <a:ext uri="{FF2B5EF4-FFF2-40B4-BE49-F238E27FC236}">
+                <a16:creationId xmlns:a16="http://schemas.microsoft.com/office/drawing/2014/main" xmlns="" id="{E2A346D2-342E-4D26-9516-C88A6E8CC150}"/>
+              </a:ext>
+            </a:extLst>
+          </p:cNvPr>
+          <p:cNvSpPr>
+            <a:spLocks noGrp="1"/>
+          </p:cNvSpPr>
+          <p:nvPr>
+            <p:ph type="sldNum" sz="quarter" idx="12"/>
+          </p:nvPr>
+        </p:nvSpPr>
+        <p:spPr/>
+        <p:txBody>
+          <a:bodyPr/>
+          <a:lstStyle/>
+          <a:p>
+            <a:fld id="{52D8BFD5-1499-4ECE-8614-7465CBDF8211}" type="slidenum">
+              <a:rPr lang="en-IN" smtClean="0"/>
+              <a:t>24</a:t>
+            </a:fld>
+            <a:endParaRPr lang="en-IN"/>
+          </a:p>
+        </p:txBody>
+      </p:sp>
+      <p:sp>
+        <p:nvSpPr>
+          <p:cNvPr id="4" name="Title 3">
+            <a:extLst>
+              <a:ext uri="{FF2B5EF4-FFF2-40B4-BE49-F238E27FC236}">
+                <a16:creationId xmlns:a16="http://schemas.microsoft.com/office/drawing/2014/main" xmlns="" id="{6C1750A8-0A53-40DB-B646-EE267E14322F}"/>
+              </a:ext>
+            </a:extLst>
+          </p:cNvPr>
+          <p:cNvSpPr>
+            <a:spLocks noGrp="1"/>
+          </p:cNvSpPr>
+          <p:nvPr>
+            <p:ph type="title"/>
+          </p:nvPr>
+        </p:nvSpPr>
+        <p:spPr>
+          <a:xfrm>
+            <a:off x="705677" y="424070"/>
+            <a:ext cx="10515600" cy="365125"/>
+          </a:xfrm>
+        </p:spPr>
+        <p:txBody>
+          <a:bodyPr/>
+          <a:lstStyle/>
+          <a:p>
+            <a:r>
+              <a:rPr lang="en-US"/>
+              <a:t>Test sequence</a:t>
+            </a:r>
+            <a:endParaRPr lang="en-IN" dirty="0"/>
+          </a:p>
+        </p:txBody>
+      </p:sp>
+      <p:sp>
+        <p:nvSpPr>
+          <p:cNvPr id="3" name="Rectangle 2">
+            <a:extLst>
+              <a:ext uri="{FF2B5EF4-FFF2-40B4-BE49-F238E27FC236}">
+                <a16:creationId xmlns:a16="http://schemas.microsoft.com/office/drawing/2014/main" xmlns="" id="{DC56F6AA-CC91-42A5-B529-91407EE8CA0B}"/>
+              </a:ext>
+            </a:extLst>
+          </p:cNvPr>
+          <p:cNvSpPr/>
+          <p:nvPr/>
+        </p:nvSpPr>
+        <p:spPr>
+          <a:xfrm>
+            <a:off x="6096000" y="6140661"/>
+            <a:ext cx="874643" cy="365125"/>
+          </a:xfrm>
+          <a:prstGeom prst="rect">
+            <a:avLst/>
+          </a:prstGeom>
+        </p:spPr>
+        <p:style>
+          <a:lnRef idx="2">
+            <a:schemeClr val="accent1">
+              <a:shade val="50000"/>
+            </a:schemeClr>
+          </a:lnRef>
+          <a:fillRef idx="1">
+            <a:schemeClr val="accent1"/>
+          </a:fillRef>
+          <a:effectRef idx="0">
+            <a:schemeClr val="accent1"/>
+          </a:effectRef>
+          <a:fontRef idx="minor">
+            <a:schemeClr val="lt1"/>
+          </a:fontRef>
+        </p:style>
+        <p:txBody>
+          <a:bodyPr rtlCol="0" anchor="ctr"/>
+          <a:lstStyle/>
+          <a:p>
+            <a:pPr algn="ctr"/>
+            <a:endParaRPr lang="en-IN"/>
+          </a:p>
+        </p:txBody>
+      </p:sp>
+      <p:sp>
+        <p:nvSpPr>
+          <p:cNvPr id="5" name="Rectangle 4">
+            <a:extLst>
+              <a:ext uri="{FF2B5EF4-FFF2-40B4-BE49-F238E27FC236}">
+                <a16:creationId xmlns:a16="http://schemas.microsoft.com/office/drawing/2014/main" xmlns="" id="{1AFD8020-F819-48DB-A628-4F914740C5B5}"/>
+              </a:ext>
+            </a:extLst>
+          </p:cNvPr>
+          <p:cNvSpPr/>
+          <p:nvPr/>
+        </p:nvSpPr>
+        <p:spPr>
+          <a:xfrm>
+            <a:off x="6520069" y="4020314"/>
+            <a:ext cx="45719" cy="365125"/>
+          </a:xfrm>
+          <a:prstGeom prst="rect">
+            <a:avLst/>
+          </a:prstGeom>
+          <a:solidFill>
+            <a:schemeClr val="bg1"/>
+          </a:solidFill>
+          <a:ln>
+            <a:solidFill>
+              <a:schemeClr val="bg1"/>
+            </a:solidFill>
+          </a:ln>
+        </p:spPr>
+        <p:style>
+          <a:lnRef idx="2">
+            <a:schemeClr val="accent1">
+              <a:shade val="50000"/>
+            </a:schemeClr>
+          </a:lnRef>
+          <a:fillRef idx="1">
+            <a:schemeClr val="accent1"/>
+          </a:fillRef>
+          <a:effectRef idx="0">
+            <a:schemeClr val="accent1"/>
+          </a:effectRef>
+          <a:fontRef idx="minor">
+            <a:schemeClr val="lt1"/>
+          </a:fontRef>
+        </p:style>
+        <p:txBody>
+          <a:bodyPr rtlCol="0" anchor="ctr"/>
+          <a:lstStyle/>
+          <a:p>
+            <a:pPr algn="ctr"/>
+            <a:endParaRPr lang="en-IN"/>
+          </a:p>
+        </p:txBody>
+      </p:sp>
+      <p:sp>
+        <p:nvSpPr>
+          <p:cNvPr id="6" name="Rectangle 5">
+            <a:extLst>
+              <a:ext uri="{FF2B5EF4-FFF2-40B4-BE49-F238E27FC236}">
+                <a16:creationId xmlns:a16="http://schemas.microsoft.com/office/drawing/2014/main" xmlns="" id="{519572F2-77B7-451D-B7B9-E8C4DF760CFE}"/>
+              </a:ext>
+            </a:extLst>
+          </p:cNvPr>
+          <p:cNvSpPr/>
+          <p:nvPr/>
+        </p:nvSpPr>
+        <p:spPr>
+          <a:xfrm>
+            <a:off x="6443536" y="6505780"/>
+            <a:ext cx="198783" cy="215694"/>
+          </a:xfrm>
+          <a:prstGeom prst="rect">
+            <a:avLst/>
+          </a:prstGeom>
+        </p:spPr>
+        <p:style>
+          <a:lnRef idx="2">
+            <a:schemeClr val="accent1">
+              <a:shade val="50000"/>
+            </a:schemeClr>
+          </a:lnRef>
+          <a:fillRef idx="1">
+            <a:schemeClr val="accent1"/>
+          </a:fillRef>
+          <a:effectRef idx="0">
+            <a:schemeClr val="accent1"/>
+          </a:effectRef>
+          <a:fontRef idx="minor">
+            <a:schemeClr val="lt1"/>
+          </a:fontRef>
+        </p:style>
+        <p:txBody>
+          <a:bodyPr rtlCol="0" anchor="ctr"/>
+          <a:lstStyle/>
+          <a:p>
+            <a:pPr algn="ctr"/>
+            <a:endParaRPr lang="en-IN"/>
+          </a:p>
+        </p:txBody>
+      </p:sp>
+      <p:cxnSp>
+        <p:nvCxnSpPr>
+          <p:cNvPr id="9" name="Straight Connector 8">
+            <a:extLst>
+              <a:ext uri="{FF2B5EF4-FFF2-40B4-BE49-F238E27FC236}">
+                <a16:creationId xmlns:a16="http://schemas.microsoft.com/office/drawing/2014/main" xmlns="" id="{4C9C328E-BF96-4182-9F0B-C5C11B72F8DE}"/>
+              </a:ext>
+            </a:extLst>
+          </p:cNvPr>
+          <p:cNvCxnSpPr>
+            <a:cxnSpLocks/>
+            <a:stCxn id="17" idx="2"/>
+            <a:endCxn id="6" idx="0"/>
+          </p:cNvCxnSpPr>
+          <p:nvPr/>
+        </p:nvCxnSpPr>
+        <p:spPr>
+          <a:xfrm flipH="1">
+            <a:off x="6542928" y="3703290"/>
+            <a:ext cx="17725" cy="2802490"/>
+          </a:xfrm>
+          <a:prstGeom prst="line">
+            <a:avLst/>
+          </a:prstGeom>
+          <a:ln w="28575"/>
+        </p:spPr>
+        <p:style>
+          <a:lnRef idx="1">
+            <a:schemeClr val="accent1"/>
+          </a:lnRef>
+          <a:fillRef idx="0">
+            <a:schemeClr val="accent1"/>
+          </a:fillRef>
+          <a:effectRef idx="0">
+            <a:schemeClr val="accent1"/>
+          </a:effectRef>
+          <a:fontRef idx="minor">
+            <a:schemeClr val="tx1"/>
+          </a:fontRef>
+        </p:style>
+      </p:cxnSp>
+      <p:sp>
+        <p:nvSpPr>
+          <p:cNvPr id="13" name="Rectangle 12">
+            <a:extLst>
+              <a:ext uri="{FF2B5EF4-FFF2-40B4-BE49-F238E27FC236}">
+                <a16:creationId xmlns:a16="http://schemas.microsoft.com/office/drawing/2014/main" xmlns="" id="{323427DF-834D-402D-8EB2-A67EBD08C9DE}"/>
+              </a:ext>
+            </a:extLst>
+          </p:cNvPr>
+          <p:cNvSpPr/>
+          <p:nvPr/>
+        </p:nvSpPr>
+        <p:spPr>
+          <a:xfrm>
+            <a:off x="6668824" y="6653384"/>
+            <a:ext cx="636105" cy="502789"/>
+          </a:xfrm>
+          <a:prstGeom prst="rect">
+            <a:avLst/>
+          </a:prstGeom>
+        </p:spPr>
+        <p:style>
+          <a:lnRef idx="2">
+            <a:schemeClr val="accent1">
+              <a:shade val="50000"/>
+            </a:schemeClr>
+          </a:lnRef>
+          <a:fillRef idx="1">
+            <a:schemeClr val="accent1"/>
+          </a:fillRef>
+          <a:effectRef idx="0">
+            <a:schemeClr val="accent1"/>
+          </a:effectRef>
+          <a:fontRef idx="minor">
+            <a:schemeClr val="lt1"/>
+          </a:fontRef>
+        </p:style>
+        <p:txBody>
+          <a:bodyPr rtlCol="0" anchor="ctr"/>
+          <a:lstStyle/>
+          <a:p>
+            <a:pPr algn="ctr"/>
+            <a:endParaRPr lang="en-IN"/>
+          </a:p>
+        </p:txBody>
+      </p:sp>
+      <p:sp>
+        <p:nvSpPr>
+          <p:cNvPr id="14" name="Rectangle 13">
+            <a:extLst>
+              <a:ext uri="{FF2B5EF4-FFF2-40B4-BE49-F238E27FC236}">
+                <a16:creationId xmlns:a16="http://schemas.microsoft.com/office/drawing/2014/main" xmlns="" id="{0A6F78A6-5E7B-44BE-8033-86E3CC020CF3}"/>
+              </a:ext>
+            </a:extLst>
+          </p:cNvPr>
+          <p:cNvSpPr/>
+          <p:nvPr/>
+        </p:nvSpPr>
+        <p:spPr>
+          <a:xfrm>
+            <a:off x="6921440" y="6505780"/>
+            <a:ext cx="198783" cy="147605"/>
+          </a:xfrm>
+          <a:prstGeom prst="rect">
+            <a:avLst/>
+          </a:prstGeom>
+        </p:spPr>
+        <p:style>
+          <a:lnRef idx="2">
+            <a:schemeClr val="accent1">
+              <a:shade val="50000"/>
+            </a:schemeClr>
+          </a:lnRef>
+          <a:fillRef idx="1">
+            <a:schemeClr val="accent1"/>
+          </a:fillRef>
+          <a:effectRef idx="0">
+            <a:schemeClr val="accent1"/>
+          </a:effectRef>
+          <a:fontRef idx="minor">
+            <a:schemeClr val="lt1"/>
+          </a:fontRef>
+        </p:style>
+        <p:txBody>
+          <a:bodyPr rtlCol="0" anchor="ctr"/>
+          <a:lstStyle/>
+          <a:p>
+            <a:pPr algn="ctr"/>
+            <a:endParaRPr lang="en-IN" dirty="0"/>
+          </a:p>
+        </p:txBody>
+      </p:sp>
+      <p:sp>
+        <p:nvSpPr>
+          <p:cNvPr id="15" name="Rectangle 14">
+            <a:extLst>
+              <a:ext uri="{FF2B5EF4-FFF2-40B4-BE49-F238E27FC236}">
+                <a16:creationId xmlns:a16="http://schemas.microsoft.com/office/drawing/2014/main" xmlns="" id="{9F279704-B8F0-4876-B501-EE21DB738F59}"/>
+              </a:ext>
+            </a:extLst>
+          </p:cNvPr>
+          <p:cNvSpPr/>
+          <p:nvPr/>
+        </p:nvSpPr>
+        <p:spPr>
+          <a:xfrm>
+            <a:off x="6158787" y="1086679"/>
+            <a:ext cx="80669" cy="2796208"/>
+          </a:xfrm>
+          <a:prstGeom prst="rect">
+            <a:avLst/>
+          </a:prstGeom>
+        </p:spPr>
+        <p:style>
+          <a:lnRef idx="2">
+            <a:schemeClr val="accent1">
+              <a:shade val="50000"/>
+            </a:schemeClr>
+          </a:lnRef>
+          <a:fillRef idx="1">
+            <a:schemeClr val="accent1"/>
+          </a:fillRef>
+          <a:effectRef idx="0">
+            <a:schemeClr val="accent1"/>
+          </a:effectRef>
+          <a:fontRef idx="minor">
+            <a:schemeClr val="lt1"/>
+          </a:fontRef>
+        </p:style>
+        <p:txBody>
+          <a:bodyPr rtlCol="0" anchor="ctr"/>
+          <a:lstStyle/>
+          <a:p>
+            <a:pPr algn="ctr"/>
+            <a:endParaRPr lang="en-IN"/>
+          </a:p>
+        </p:txBody>
+      </p:sp>
+      <p:sp>
+        <p:nvSpPr>
+          <p:cNvPr id="16" name="Rectangle 15">
+            <a:extLst>
+              <a:ext uri="{FF2B5EF4-FFF2-40B4-BE49-F238E27FC236}">
+                <a16:creationId xmlns:a16="http://schemas.microsoft.com/office/drawing/2014/main" xmlns="" id="{6ECC4020-0E4E-472A-9357-69CC12C1F305}"/>
+              </a:ext>
+            </a:extLst>
+          </p:cNvPr>
+          <p:cNvSpPr/>
+          <p:nvPr/>
+        </p:nvSpPr>
+        <p:spPr>
+          <a:xfrm>
+            <a:off x="6251380" y="1212572"/>
+            <a:ext cx="136169" cy="2490719"/>
+          </a:xfrm>
+          <a:prstGeom prst="rect">
+            <a:avLst/>
+          </a:prstGeom>
+        </p:spPr>
+        <p:style>
+          <a:lnRef idx="2">
+            <a:schemeClr val="accent1">
+              <a:shade val="50000"/>
+            </a:schemeClr>
+          </a:lnRef>
+          <a:fillRef idx="1">
+            <a:schemeClr val="accent1"/>
+          </a:fillRef>
+          <a:effectRef idx="0">
+            <a:schemeClr val="accent1"/>
+          </a:effectRef>
+          <a:fontRef idx="minor">
+            <a:schemeClr val="lt1"/>
+          </a:fontRef>
+        </p:style>
+        <p:txBody>
+          <a:bodyPr rtlCol="0" anchor="ctr"/>
+          <a:lstStyle/>
+          <a:p>
+            <a:pPr algn="ctr"/>
+            <a:endParaRPr lang="en-IN"/>
+          </a:p>
+        </p:txBody>
+      </p:sp>
+      <p:sp>
+        <p:nvSpPr>
+          <p:cNvPr id="17" name="Rectangle 16">
+            <a:extLst>
+              <a:ext uri="{FF2B5EF4-FFF2-40B4-BE49-F238E27FC236}">
+                <a16:creationId xmlns:a16="http://schemas.microsoft.com/office/drawing/2014/main" xmlns="" id="{34453880-B568-412E-B217-7017AA047B84}"/>
+              </a:ext>
+            </a:extLst>
+          </p:cNvPr>
+          <p:cNvSpPr/>
+          <p:nvPr/>
+        </p:nvSpPr>
+        <p:spPr>
+          <a:xfrm>
+            <a:off x="6399473" y="3338165"/>
+            <a:ext cx="322360" cy="365125"/>
+          </a:xfrm>
+          <a:prstGeom prst="rect">
+            <a:avLst/>
+          </a:prstGeom>
+        </p:spPr>
+        <p:style>
+          <a:lnRef idx="2">
+            <a:schemeClr val="accent1">
+              <a:shade val="50000"/>
+            </a:schemeClr>
+          </a:lnRef>
+          <a:fillRef idx="1">
+            <a:schemeClr val="accent1"/>
+          </a:fillRef>
+          <a:effectRef idx="0">
+            <a:schemeClr val="accent1"/>
+          </a:effectRef>
+          <a:fontRef idx="minor">
+            <a:schemeClr val="lt1"/>
+          </a:fontRef>
+        </p:style>
+        <p:txBody>
+          <a:bodyPr rtlCol="0" anchor="ctr"/>
+          <a:lstStyle/>
+          <a:p>
+            <a:pPr algn="ctr"/>
+            <a:endParaRPr lang="en-IN"/>
+          </a:p>
+        </p:txBody>
+      </p:sp>
+      <p:sp>
+        <p:nvSpPr>
+          <p:cNvPr id="19" name="Oval 18">
+            <a:extLst>
+              <a:ext uri="{FF2B5EF4-FFF2-40B4-BE49-F238E27FC236}">
+                <a16:creationId xmlns:a16="http://schemas.microsoft.com/office/drawing/2014/main" xmlns="" id="{C865F1AC-443D-44E9-B205-5FD839712B3D}"/>
+              </a:ext>
+            </a:extLst>
+          </p:cNvPr>
+          <p:cNvSpPr/>
+          <p:nvPr/>
+        </p:nvSpPr>
+        <p:spPr>
+          <a:xfrm>
+            <a:off x="5572535" y="113440"/>
+            <a:ext cx="988199" cy="949595"/>
+          </a:xfrm>
+          <a:prstGeom prst="ellipse">
+            <a:avLst/>
+          </a:prstGeom>
+        </p:spPr>
+        <p:style>
+          <a:lnRef idx="2">
+            <a:schemeClr val="accent1">
+              <a:shade val="50000"/>
+            </a:schemeClr>
+          </a:lnRef>
+          <a:fillRef idx="1">
+            <a:schemeClr val="accent1"/>
+          </a:fillRef>
+          <a:effectRef idx="0">
+            <a:schemeClr val="accent1"/>
+          </a:effectRef>
+          <a:fontRef idx="minor">
+            <a:schemeClr val="lt1"/>
+          </a:fontRef>
+        </p:style>
+        <p:txBody>
+          <a:bodyPr rtlCol="0" anchor="ctr"/>
+          <a:lstStyle/>
+          <a:p>
+            <a:pPr algn="ctr"/>
+            <a:endParaRPr lang="en-IN"/>
+          </a:p>
+        </p:txBody>
+      </p:sp>
+      <p:cxnSp>
+        <p:nvCxnSpPr>
+          <p:cNvPr id="20" name="Straight Connector 19">
+            <a:extLst>
+              <a:ext uri="{FF2B5EF4-FFF2-40B4-BE49-F238E27FC236}">
+                <a16:creationId xmlns:a16="http://schemas.microsoft.com/office/drawing/2014/main" xmlns="" id="{B1B94C00-5D79-4EF7-B864-00C0FB05A426}"/>
+              </a:ext>
+            </a:extLst>
+          </p:cNvPr>
+          <p:cNvCxnSpPr>
+            <a:cxnSpLocks/>
+            <a:stCxn id="19" idx="6"/>
+            <a:endCxn id="17" idx="0"/>
+          </p:cNvCxnSpPr>
+          <p:nvPr/>
+        </p:nvCxnSpPr>
+        <p:spPr>
+          <a:xfrm flipH="1">
+            <a:off x="6560653" y="588238"/>
+            <a:ext cx="81" cy="2749927"/>
+          </a:xfrm>
+          <a:prstGeom prst="line">
+            <a:avLst/>
+          </a:prstGeom>
+          <a:ln w="28575"/>
+        </p:spPr>
+        <p:style>
+          <a:lnRef idx="1">
+            <a:schemeClr val="accent1"/>
+          </a:lnRef>
+          <a:fillRef idx="0">
+            <a:schemeClr val="accent1"/>
+          </a:fillRef>
+          <a:effectRef idx="0">
+            <a:schemeClr val="accent1"/>
+          </a:effectRef>
+          <a:fontRef idx="minor">
+            <a:schemeClr val="tx1"/>
+          </a:fontRef>
+        </p:style>
+      </p:cxnSp>
+      <p:sp>
+        <p:nvSpPr>
+          <p:cNvPr id="26" name="Rectangle 25">
+            <a:extLst>
+              <a:ext uri="{FF2B5EF4-FFF2-40B4-BE49-F238E27FC236}">
+                <a16:creationId xmlns:a16="http://schemas.microsoft.com/office/drawing/2014/main" xmlns="" id="{7346B316-6233-4443-9A36-040D034A6FBF}"/>
+              </a:ext>
+            </a:extLst>
+          </p:cNvPr>
+          <p:cNvSpPr/>
+          <p:nvPr/>
+        </p:nvSpPr>
+        <p:spPr>
+          <a:xfrm>
+            <a:off x="5532779" y="1230737"/>
+            <a:ext cx="45719" cy="365125"/>
+          </a:xfrm>
+          <a:prstGeom prst="rect">
+            <a:avLst/>
+          </a:prstGeom>
+          <a:solidFill>
+            <a:schemeClr val="bg1"/>
+          </a:solidFill>
+          <a:ln>
+            <a:solidFill>
+              <a:schemeClr val="bg1"/>
+            </a:solidFill>
+          </a:ln>
+        </p:spPr>
+        <p:style>
+          <a:lnRef idx="2">
+            <a:schemeClr val="accent1">
+              <a:shade val="50000"/>
+            </a:schemeClr>
+          </a:lnRef>
+          <a:fillRef idx="1">
+            <a:schemeClr val="accent1"/>
+          </a:fillRef>
+          <a:effectRef idx="0">
+            <a:schemeClr val="accent1"/>
+          </a:effectRef>
+          <a:fontRef idx="minor">
+            <a:schemeClr val="lt1"/>
+          </a:fontRef>
+        </p:style>
+        <p:txBody>
+          <a:bodyPr rtlCol="0" anchor="ctr"/>
+          <a:lstStyle/>
+          <a:p>
+            <a:pPr algn="ctr"/>
+            <a:endParaRPr lang="en-IN"/>
+          </a:p>
+        </p:txBody>
+      </p:sp>
+      <p:sp>
+        <p:nvSpPr>
+          <p:cNvPr id="27" name="Rectangle 26">
+            <a:extLst>
+              <a:ext uri="{FF2B5EF4-FFF2-40B4-BE49-F238E27FC236}">
+                <a16:creationId xmlns:a16="http://schemas.microsoft.com/office/drawing/2014/main" xmlns="" id="{A0A6BEE0-8DF4-4797-80DB-7DD4E6A99383}"/>
+              </a:ext>
+            </a:extLst>
+          </p:cNvPr>
+          <p:cNvSpPr/>
+          <p:nvPr/>
+        </p:nvSpPr>
+        <p:spPr>
+          <a:xfrm>
+            <a:off x="5456246" y="2125935"/>
+            <a:ext cx="198783" cy="215694"/>
+          </a:xfrm>
+          <a:prstGeom prst="rect">
+            <a:avLst/>
+          </a:prstGeom>
+        </p:spPr>
+        <p:style>
+          <a:lnRef idx="2">
+            <a:schemeClr val="accent1">
+              <a:shade val="50000"/>
+            </a:schemeClr>
+          </a:lnRef>
+          <a:fillRef idx="1">
+            <a:schemeClr val="accent1"/>
+          </a:fillRef>
+          <a:effectRef idx="0">
+            <a:schemeClr val="accent1"/>
+          </a:effectRef>
+          <a:fontRef idx="minor">
+            <a:schemeClr val="lt1"/>
+          </a:fontRef>
+        </p:style>
+        <p:txBody>
+          <a:bodyPr rtlCol="0" anchor="ctr"/>
+          <a:lstStyle/>
+          <a:p>
+            <a:pPr algn="ctr"/>
+            <a:endParaRPr lang="en-IN"/>
+          </a:p>
+        </p:txBody>
+      </p:sp>
+      <p:sp>
+        <p:nvSpPr>
+          <p:cNvPr id="28" name="Rectangle 27">
+            <a:extLst>
+              <a:ext uri="{FF2B5EF4-FFF2-40B4-BE49-F238E27FC236}">
+                <a16:creationId xmlns:a16="http://schemas.microsoft.com/office/drawing/2014/main" xmlns="" id="{14D24A18-E91F-4A40-9FD4-04301BE5E2B4}"/>
+              </a:ext>
+            </a:extLst>
+          </p:cNvPr>
+          <p:cNvSpPr/>
+          <p:nvPr/>
+        </p:nvSpPr>
+        <p:spPr>
+          <a:xfrm>
+            <a:off x="4820141" y="4439474"/>
+            <a:ext cx="636105" cy="502789"/>
+          </a:xfrm>
+          <a:prstGeom prst="rect">
+            <a:avLst/>
+          </a:prstGeom>
+        </p:spPr>
+        <p:style>
+          <a:lnRef idx="2">
+            <a:schemeClr val="accent1">
+              <a:shade val="50000"/>
+            </a:schemeClr>
+          </a:lnRef>
+          <a:fillRef idx="1">
+            <a:schemeClr val="accent1"/>
+          </a:fillRef>
+          <a:effectRef idx="0">
+            <a:schemeClr val="accent1"/>
+          </a:effectRef>
+          <a:fontRef idx="minor">
+            <a:schemeClr val="lt1"/>
+          </a:fontRef>
+        </p:style>
+        <p:txBody>
+          <a:bodyPr rtlCol="0" anchor="ctr"/>
+          <a:lstStyle/>
+          <a:p>
+            <a:pPr algn="ctr"/>
+            <a:endParaRPr lang="en-IN"/>
+          </a:p>
+        </p:txBody>
+      </p:sp>
+      <p:sp>
+        <p:nvSpPr>
+          <p:cNvPr id="24" name="Rectangle 23">
+            <a:extLst>
+              <a:ext uri="{FF2B5EF4-FFF2-40B4-BE49-F238E27FC236}">
+                <a16:creationId xmlns:a16="http://schemas.microsoft.com/office/drawing/2014/main" xmlns="" id="{FAE6EA6D-531A-4F1A-B26C-0EA955C90619}"/>
+              </a:ext>
+            </a:extLst>
+          </p:cNvPr>
+          <p:cNvSpPr/>
+          <p:nvPr/>
+        </p:nvSpPr>
+        <p:spPr>
+          <a:xfrm>
+            <a:off x="5052552" y="2072928"/>
+            <a:ext cx="193728" cy="2366546"/>
+          </a:xfrm>
+          <a:prstGeom prst="rect">
+            <a:avLst/>
+          </a:prstGeom>
+        </p:spPr>
+        <p:style>
+          <a:lnRef idx="2">
+            <a:schemeClr val="accent1">
+              <a:shade val="50000"/>
+            </a:schemeClr>
+          </a:lnRef>
+          <a:fillRef idx="1">
+            <a:schemeClr val="accent1"/>
+          </a:fillRef>
+          <a:effectRef idx="0">
+            <a:schemeClr val="accent1"/>
+          </a:effectRef>
+          <a:fontRef idx="minor">
+            <a:schemeClr val="lt1"/>
+          </a:fontRef>
+        </p:style>
+        <p:txBody>
+          <a:bodyPr rtlCol="0" anchor="ctr"/>
+          <a:lstStyle/>
+          <a:p>
+            <a:pPr algn="ctr"/>
+            <a:endParaRPr lang="en-IN" dirty="0"/>
+          </a:p>
+        </p:txBody>
+      </p:sp>
+      <p:sp>
+        <p:nvSpPr>
+          <p:cNvPr id="21" name="Rectangle 20">
+            <a:extLst>
+              <a:ext uri="{FF2B5EF4-FFF2-40B4-BE49-F238E27FC236}">
+                <a16:creationId xmlns:a16="http://schemas.microsoft.com/office/drawing/2014/main" xmlns="" id="{666D8948-3CC0-4080-A06E-30065698753A}"/>
+              </a:ext>
+            </a:extLst>
+          </p:cNvPr>
+          <p:cNvSpPr/>
+          <p:nvPr/>
+        </p:nvSpPr>
+        <p:spPr>
+          <a:xfrm>
+            <a:off x="5108710" y="1694556"/>
+            <a:ext cx="874643" cy="365125"/>
+          </a:xfrm>
+          <a:prstGeom prst="rect">
+            <a:avLst/>
+          </a:prstGeom>
+        </p:spPr>
+        <p:style>
+          <a:lnRef idx="2">
+            <a:schemeClr val="accent1">
+              <a:shade val="50000"/>
+            </a:schemeClr>
+          </a:lnRef>
+          <a:fillRef idx="1">
+            <a:schemeClr val="accent1"/>
+          </a:fillRef>
+          <a:effectRef idx="0">
+            <a:schemeClr val="accent1"/>
+          </a:effectRef>
+          <a:fontRef idx="minor">
+            <a:schemeClr val="lt1"/>
+          </a:fontRef>
+        </p:style>
+        <p:txBody>
+          <a:bodyPr rtlCol="0" anchor="ctr"/>
+          <a:lstStyle/>
+          <a:p>
+            <a:pPr algn="ctr"/>
+            <a:endParaRPr lang="en-IN"/>
+          </a:p>
+        </p:txBody>
+      </p:sp>
+      <p:sp>
+        <p:nvSpPr>
+          <p:cNvPr id="22" name="Rectangle 21">
+            <a:extLst>
+              <a:ext uri="{FF2B5EF4-FFF2-40B4-BE49-F238E27FC236}">
+                <a16:creationId xmlns:a16="http://schemas.microsoft.com/office/drawing/2014/main" xmlns="" id="{648DEC73-0D6B-4A49-8269-4CAD24AD9C86}"/>
+              </a:ext>
+            </a:extLst>
+          </p:cNvPr>
+          <p:cNvSpPr/>
+          <p:nvPr/>
+        </p:nvSpPr>
+        <p:spPr>
+          <a:xfrm>
+            <a:off x="5532779" y="1747564"/>
+            <a:ext cx="45719" cy="365125"/>
+          </a:xfrm>
+          <a:prstGeom prst="rect">
+            <a:avLst/>
+          </a:prstGeom>
+          <a:solidFill>
+            <a:schemeClr val="bg1"/>
+          </a:solidFill>
+          <a:ln>
+            <a:solidFill>
+              <a:schemeClr val="bg1"/>
+            </a:solidFill>
+          </a:ln>
+        </p:spPr>
+        <p:style>
+          <a:lnRef idx="2">
+            <a:schemeClr val="accent1">
+              <a:shade val="50000"/>
+            </a:schemeClr>
+          </a:lnRef>
+          <a:fillRef idx="1">
+            <a:schemeClr val="accent1"/>
+          </a:fillRef>
+          <a:effectRef idx="0">
+            <a:schemeClr val="accent1"/>
+          </a:effectRef>
+          <a:fontRef idx="minor">
+            <a:schemeClr val="lt1"/>
+          </a:fontRef>
+        </p:style>
+        <p:txBody>
+          <a:bodyPr rtlCol="0" anchor="ctr"/>
+          <a:lstStyle/>
+          <a:p>
+            <a:pPr algn="ctr"/>
+            <a:endParaRPr lang="en-IN"/>
+          </a:p>
+        </p:txBody>
+      </p:sp>
+      <p:cxnSp>
+        <p:nvCxnSpPr>
+          <p:cNvPr id="23" name="Straight Connector 22">
+            <a:extLst>
+              <a:ext uri="{FF2B5EF4-FFF2-40B4-BE49-F238E27FC236}">
+                <a16:creationId xmlns:a16="http://schemas.microsoft.com/office/drawing/2014/main" xmlns="" id="{D6385C70-B333-4C86-B538-474BC6C16A17}"/>
+              </a:ext>
+            </a:extLst>
+          </p:cNvPr>
+          <p:cNvCxnSpPr>
+            <a:cxnSpLocks/>
+            <a:stCxn id="19" idx="2"/>
+            <a:endCxn id="22" idx="2"/>
+          </p:cNvCxnSpPr>
+          <p:nvPr/>
+        </p:nvCxnSpPr>
+        <p:spPr>
+          <a:xfrm flipH="1">
+            <a:off x="5555639" y="588238"/>
+            <a:ext cx="16896" cy="1524451"/>
+          </a:xfrm>
+          <a:prstGeom prst="line">
+            <a:avLst/>
+          </a:prstGeom>
+          <a:ln w="28575"/>
+        </p:spPr>
+        <p:style>
+          <a:lnRef idx="1">
+            <a:schemeClr val="accent1"/>
+          </a:lnRef>
+          <a:fillRef idx="0">
+            <a:schemeClr val="accent1"/>
+          </a:fillRef>
+          <a:effectRef idx="0">
+            <a:schemeClr val="accent1"/>
+          </a:effectRef>
+          <a:fontRef idx="minor">
+            <a:schemeClr val="tx1"/>
+          </a:fontRef>
+        </p:style>
+      </p:cxnSp>
+    </p:spTree>
+    <p:extLst>
+      <p:ext uri="{BB962C8B-B14F-4D97-AF65-F5344CB8AC3E}">
+        <p14:creationId xmlns:p14="http://schemas.microsoft.com/office/powerpoint/2010/main" val="2630181057"/>
+      </p:ext>
+    </p:extLst>
+  </p:cSld>
+  <p:clrMapOvr>
+    <a:masterClrMapping/>
+  </p:clrMapOvr>
+</p:sld>
+</file>
+
+<file path=ppt/slides/slide25.xml><?xml version="1.0" encoding="utf-8"?>
+<p:sld xmlns:a="http://schemas.openxmlformats.org/drawingml/2006/main" xmlns:r="http://schemas.openxmlformats.org/officeDocument/2006/relationships" xmlns:p="http://schemas.openxmlformats.org/presentationml/2006/main">
+  <p:cSld>
+    <p:spTree>
+      <p:nvGrpSpPr>
+        <p:cNvPr id="1" name=""/>
+        <p:cNvGrpSpPr/>
+        <p:nvPr/>
+      </p:nvGrpSpPr>
+      <p:grpSpPr>
+        <a:xfrm>
+          <a:off x="0" y="0"/>
+          <a:ext cx="0" cy="0"/>
+          <a:chOff x="0" y="0"/>
+          <a:chExt cx="0" cy="0"/>
+        </a:xfrm>
+      </p:grpSpPr>
+      <p:sp>
+        <p:nvSpPr>
+          <p:cNvPr id="2" name="Slide Number Placeholder 1">
+            <a:extLst>
+              <a:ext uri="{FF2B5EF4-FFF2-40B4-BE49-F238E27FC236}">
+                <a16:creationId xmlns:a16="http://schemas.microsoft.com/office/drawing/2014/main" xmlns="" id="{E2A346D2-342E-4D26-9516-C88A6E8CC150}"/>
+              </a:ext>
+            </a:extLst>
+          </p:cNvPr>
+          <p:cNvSpPr>
+            <a:spLocks noGrp="1"/>
+          </p:cNvSpPr>
+          <p:nvPr>
+            <p:ph type="sldNum" sz="quarter" idx="12"/>
+          </p:nvPr>
+        </p:nvSpPr>
+        <p:spPr/>
+        <p:txBody>
+          <a:bodyPr/>
+          <a:lstStyle/>
+          <a:p>
+            <a:fld id="{52D8BFD5-1499-4ECE-8614-7465CBDF8211}" type="slidenum">
+              <a:rPr lang="en-IN" smtClean="0"/>
+              <a:t>25</a:t>
+            </a:fld>
+            <a:endParaRPr lang="en-IN"/>
+          </a:p>
+        </p:txBody>
+      </p:sp>
+      <p:sp>
+        <p:nvSpPr>
+          <p:cNvPr id="4" name="Title 3">
+            <a:extLst>
+              <a:ext uri="{FF2B5EF4-FFF2-40B4-BE49-F238E27FC236}">
+                <a16:creationId xmlns:a16="http://schemas.microsoft.com/office/drawing/2014/main" xmlns="" id="{6C1750A8-0A53-40DB-B646-EE267E14322F}"/>
+              </a:ext>
+            </a:extLst>
+          </p:cNvPr>
+          <p:cNvSpPr>
+            <a:spLocks noGrp="1"/>
+          </p:cNvSpPr>
+          <p:nvPr>
+            <p:ph type="title"/>
+          </p:nvPr>
+        </p:nvSpPr>
+        <p:spPr>
+          <a:xfrm>
+            <a:off x="705677" y="424070"/>
+            <a:ext cx="10515600" cy="365125"/>
+          </a:xfrm>
+        </p:spPr>
+        <p:txBody>
+          <a:bodyPr/>
+          <a:lstStyle/>
+          <a:p>
+            <a:r>
+              <a:rPr lang="en-US" dirty="0"/>
+              <a:t>Test sequence</a:t>
+            </a:r>
+            <a:endParaRPr lang="en-IN" dirty="0"/>
+          </a:p>
+        </p:txBody>
+      </p:sp>
+      <p:sp>
+        <p:nvSpPr>
+          <p:cNvPr id="3" name="Rectangle 2">
+            <a:extLst>
+              <a:ext uri="{FF2B5EF4-FFF2-40B4-BE49-F238E27FC236}">
+                <a16:creationId xmlns:a16="http://schemas.microsoft.com/office/drawing/2014/main" xmlns="" id="{DC56F6AA-CC91-42A5-B529-91407EE8CA0B}"/>
+              </a:ext>
+            </a:extLst>
+          </p:cNvPr>
+          <p:cNvSpPr/>
+          <p:nvPr/>
+        </p:nvSpPr>
+        <p:spPr>
+          <a:xfrm>
+            <a:off x="6096000" y="6140656"/>
+            <a:ext cx="874643" cy="365125"/>
+          </a:xfrm>
+          <a:prstGeom prst="rect">
+            <a:avLst/>
+          </a:prstGeom>
+        </p:spPr>
+        <p:style>
+          <a:lnRef idx="2">
+            <a:schemeClr val="accent1">
+              <a:shade val="50000"/>
+            </a:schemeClr>
+          </a:lnRef>
+          <a:fillRef idx="1">
+            <a:schemeClr val="accent1"/>
+          </a:fillRef>
+          <a:effectRef idx="0">
+            <a:schemeClr val="accent1"/>
+          </a:effectRef>
+          <a:fontRef idx="minor">
+            <a:schemeClr val="lt1"/>
+          </a:fontRef>
+        </p:style>
+        <p:txBody>
+          <a:bodyPr rtlCol="0" anchor="ctr"/>
+          <a:lstStyle/>
+          <a:p>
+            <a:pPr algn="ctr"/>
+            <a:endParaRPr lang="en-IN"/>
+          </a:p>
+        </p:txBody>
+      </p:sp>
+      <p:sp>
+        <p:nvSpPr>
+          <p:cNvPr id="5" name="Rectangle 4">
+            <a:extLst>
+              <a:ext uri="{FF2B5EF4-FFF2-40B4-BE49-F238E27FC236}">
+                <a16:creationId xmlns:a16="http://schemas.microsoft.com/office/drawing/2014/main" xmlns="" id="{1AFD8020-F819-48DB-A628-4F914740C5B5}"/>
+              </a:ext>
+            </a:extLst>
+          </p:cNvPr>
+          <p:cNvSpPr/>
+          <p:nvPr/>
+        </p:nvSpPr>
+        <p:spPr>
+          <a:xfrm>
+            <a:off x="6520069" y="6140656"/>
+            <a:ext cx="45719" cy="365125"/>
+          </a:xfrm>
+          <a:prstGeom prst="rect">
+            <a:avLst/>
+          </a:prstGeom>
+          <a:solidFill>
+            <a:schemeClr val="bg1"/>
+          </a:solidFill>
+          <a:ln>
+            <a:solidFill>
+              <a:schemeClr val="bg1"/>
+            </a:solidFill>
+          </a:ln>
+        </p:spPr>
+        <p:style>
+          <a:lnRef idx="2">
+            <a:schemeClr val="accent1">
+              <a:shade val="50000"/>
+            </a:schemeClr>
+          </a:lnRef>
+          <a:fillRef idx="1">
+            <a:schemeClr val="accent1"/>
+          </a:fillRef>
+          <a:effectRef idx="0">
+            <a:schemeClr val="accent1"/>
+          </a:effectRef>
+          <a:fontRef idx="minor">
+            <a:schemeClr val="lt1"/>
+          </a:fontRef>
+        </p:style>
+        <p:txBody>
+          <a:bodyPr rtlCol="0" anchor="ctr"/>
+          <a:lstStyle/>
+          <a:p>
+            <a:pPr algn="ctr"/>
+            <a:endParaRPr lang="en-IN"/>
+          </a:p>
+        </p:txBody>
+      </p:sp>
+      <p:sp>
+        <p:nvSpPr>
+          <p:cNvPr id="6" name="Rectangle 5">
+            <a:extLst>
+              <a:ext uri="{FF2B5EF4-FFF2-40B4-BE49-F238E27FC236}">
+                <a16:creationId xmlns:a16="http://schemas.microsoft.com/office/drawing/2014/main" xmlns="" id="{519572F2-77B7-451D-B7B9-E8C4DF760CFE}"/>
+              </a:ext>
+            </a:extLst>
+          </p:cNvPr>
+          <p:cNvSpPr/>
+          <p:nvPr/>
+        </p:nvSpPr>
+        <p:spPr>
+          <a:xfrm>
+            <a:off x="6443536" y="6505781"/>
+            <a:ext cx="198783" cy="215694"/>
+          </a:xfrm>
+          <a:prstGeom prst="rect">
+            <a:avLst/>
+          </a:prstGeom>
+        </p:spPr>
+        <p:style>
+          <a:lnRef idx="2">
+            <a:schemeClr val="accent1">
+              <a:shade val="50000"/>
+            </a:schemeClr>
+          </a:lnRef>
+          <a:fillRef idx="1">
+            <a:schemeClr val="accent1"/>
+          </a:fillRef>
+          <a:effectRef idx="0">
+            <a:schemeClr val="accent1"/>
+          </a:effectRef>
+          <a:fontRef idx="minor">
+            <a:schemeClr val="lt1"/>
+          </a:fontRef>
+        </p:style>
+        <p:txBody>
+          <a:bodyPr rtlCol="0" anchor="ctr"/>
+          <a:lstStyle/>
+          <a:p>
+            <a:pPr algn="ctr"/>
+            <a:endParaRPr lang="en-IN"/>
+          </a:p>
+        </p:txBody>
+      </p:sp>
+      <p:cxnSp>
+        <p:nvCxnSpPr>
+          <p:cNvPr id="9" name="Straight Connector 8">
+            <a:extLst>
+              <a:ext uri="{FF2B5EF4-FFF2-40B4-BE49-F238E27FC236}">
+                <a16:creationId xmlns:a16="http://schemas.microsoft.com/office/drawing/2014/main" xmlns="" id="{4C9C328E-BF96-4182-9F0B-C5C11B72F8DE}"/>
+              </a:ext>
+            </a:extLst>
+          </p:cNvPr>
+          <p:cNvCxnSpPr>
+            <a:cxnSpLocks/>
+            <a:stCxn id="17" idx="2"/>
+            <a:endCxn id="6" idx="0"/>
+          </p:cNvCxnSpPr>
+          <p:nvPr/>
+        </p:nvCxnSpPr>
+        <p:spPr>
+          <a:xfrm flipH="1">
+            <a:off x="6542928" y="3703291"/>
+            <a:ext cx="17725" cy="2802490"/>
+          </a:xfrm>
+          <a:prstGeom prst="line">
+            <a:avLst/>
+          </a:prstGeom>
+          <a:ln w="28575"/>
+        </p:spPr>
+        <p:style>
+          <a:lnRef idx="1">
+            <a:schemeClr val="accent1"/>
+          </a:lnRef>
+          <a:fillRef idx="0">
+            <a:schemeClr val="accent1"/>
+          </a:fillRef>
+          <a:effectRef idx="0">
+            <a:schemeClr val="accent1"/>
+          </a:effectRef>
+          <a:fontRef idx="minor">
+            <a:schemeClr val="tx1"/>
+          </a:fontRef>
+        </p:style>
+      </p:cxnSp>
+      <p:sp>
+        <p:nvSpPr>
+          <p:cNvPr id="13" name="Rectangle 12">
+            <a:extLst>
+              <a:ext uri="{FF2B5EF4-FFF2-40B4-BE49-F238E27FC236}">
+                <a16:creationId xmlns:a16="http://schemas.microsoft.com/office/drawing/2014/main" xmlns="" id="{323427DF-834D-402D-8EB2-A67EBD08C9DE}"/>
+              </a:ext>
+            </a:extLst>
+          </p:cNvPr>
+          <p:cNvSpPr/>
+          <p:nvPr/>
+        </p:nvSpPr>
+        <p:spPr>
+          <a:xfrm>
+            <a:off x="6668824" y="6653384"/>
+            <a:ext cx="636105" cy="502789"/>
+          </a:xfrm>
+          <a:prstGeom prst="rect">
+            <a:avLst/>
+          </a:prstGeom>
+        </p:spPr>
+        <p:style>
+          <a:lnRef idx="2">
+            <a:schemeClr val="accent1">
+              <a:shade val="50000"/>
+            </a:schemeClr>
+          </a:lnRef>
+          <a:fillRef idx="1">
+            <a:schemeClr val="accent1"/>
+          </a:fillRef>
+          <a:effectRef idx="0">
+            <a:schemeClr val="accent1"/>
+          </a:effectRef>
+          <a:fontRef idx="minor">
+            <a:schemeClr val="lt1"/>
+          </a:fontRef>
+        </p:style>
+        <p:txBody>
+          <a:bodyPr rtlCol="0" anchor="ctr"/>
+          <a:lstStyle/>
+          <a:p>
+            <a:pPr algn="ctr"/>
+            <a:endParaRPr lang="en-IN"/>
+          </a:p>
+        </p:txBody>
+      </p:sp>
+      <p:sp>
+        <p:nvSpPr>
+          <p:cNvPr id="14" name="Rectangle 13">
+            <a:extLst>
+              <a:ext uri="{FF2B5EF4-FFF2-40B4-BE49-F238E27FC236}">
+                <a16:creationId xmlns:a16="http://schemas.microsoft.com/office/drawing/2014/main" xmlns="" id="{0A6F78A6-5E7B-44BE-8033-86E3CC020CF3}"/>
+              </a:ext>
+            </a:extLst>
+          </p:cNvPr>
+          <p:cNvSpPr/>
+          <p:nvPr/>
+        </p:nvSpPr>
+        <p:spPr>
+          <a:xfrm>
+            <a:off x="6877878" y="6545537"/>
+            <a:ext cx="224621" cy="107847"/>
+          </a:xfrm>
+          <a:prstGeom prst="rect">
+            <a:avLst/>
+          </a:prstGeom>
+        </p:spPr>
+        <p:style>
+          <a:lnRef idx="2">
+            <a:schemeClr val="accent1">
+              <a:shade val="50000"/>
+            </a:schemeClr>
+          </a:lnRef>
+          <a:fillRef idx="1">
+            <a:schemeClr val="accent1"/>
+          </a:fillRef>
+          <a:effectRef idx="0">
+            <a:schemeClr val="accent1"/>
+          </a:effectRef>
+          <a:fontRef idx="minor">
+            <a:schemeClr val="lt1"/>
+          </a:fontRef>
+        </p:style>
+        <p:txBody>
+          <a:bodyPr rtlCol="0" anchor="ctr"/>
+          <a:lstStyle/>
+          <a:p>
+            <a:pPr algn="ctr"/>
+            <a:endParaRPr lang="en-IN"/>
+          </a:p>
+        </p:txBody>
+      </p:sp>
+      <p:sp>
+        <p:nvSpPr>
+          <p:cNvPr id="15" name="Rectangle 14">
+            <a:extLst>
+              <a:ext uri="{FF2B5EF4-FFF2-40B4-BE49-F238E27FC236}">
+                <a16:creationId xmlns:a16="http://schemas.microsoft.com/office/drawing/2014/main" xmlns="" id="{9F279704-B8F0-4876-B501-EE21DB738F59}"/>
+              </a:ext>
+            </a:extLst>
+          </p:cNvPr>
+          <p:cNvSpPr/>
+          <p:nvPr/>
+        </p:nvSpPr>
+        <p:spPr>
+          <a:xfrm>
+            <a:off x="6158787" y="1086679"/>
+            <a:ext cx="80669" cy="2796208"/>
+          </a:xfrm>
+          <a:prstGeom prst="rect">
+            <a:avLst/>
+          </a:prstGeom>
+        </p:spPr>
+        <p:style>
+          <a:lnRef idx="2">
+            <a:schemeClr val="accent1">
+              <a:shade val="50000"/>
+            </a:schemeClr>
+          </a:lnRef>
+          <a:fillRef idx="1">
+            <a:schemeClr val="accent1"/>
+          </a:fillRef>
+          <a:effectRef idx="0">
+            <a:schemeClr val="accent1"/>
+          </a:effectRef>
+          <a:fontRef idx="minor">
+            <a:schemeClr val="lt1"/>
+          </a:fontRef>
+        </p:style>
+        <p:txBody>
+          <a:bodyPr rtlCol="0" anchor="ctr"/>
+          <a:lstStyle/>
+          <a:p>
+            <a:pPr algn="ctr"/>
+            <a:endParaRPr lang="en-IN"/>
+          </a:p>
+        </p:txBody>
+      </p:sp>
+      <p:sp>
+        <p:nvSpPr>
+          <p:cNvPr id="16" name="Rectangle 15">
+            <a:extLst>
+              <a:ext uri="{FF2B5EF4-FFF2-40B4-BE49-F238E27FC236}">
+                <a16:creationId xmlns:a16="http://schemas.microsoft.com/office/drawing/2014/main" xmlns="" id="{6ECC4020-0E4E-472A-9357-69CC12C1F305}"/>
+              </a:ext>
+            </a:extLst>
+          </p:cNvPr>
+          <p:cNvSpPr/>
+          <p:nvPr/>
+        </p:nvSpPr>
+        <p:spPr>
+          <a:xfrm>
+            <a:off x="6251380" y="1212572"/>
+            <a:ext cx="136169" cy="2490719"/>
+          </a:xfrm>
+          <a:prstGeom prst="rect">
+            <a:avLst/>
+          </a:prstGeom>
+        </p:spPr>
+        <p:style>
+          <a:lnRef idx="2">
+            <a:schemeClr val="accent1">
+              <a:shade val="50000"/>
+            </a:schemeClr>
+          </a:lnRef>
+          <a:fillRef idx="1">
+            <a:schemeClr val="accent1"/>
+          </a:fillRef>
+          <a:effectRef idx="0">
+            <a:schemeClr val="accent1"/>
+          </a:effectRef>
+          <a:fontRef idx="minor">
+            <a:schemeClr val="lt1"/>
+          </a:fontRef>
+        </p:style>
+        <p:txBody>
+          <a:bodyPr rtlCol="0" anchor="ctr"/>
+          <a:lstStyle/>
+          <a:p>
+            <a:pPr algn="ctr"/>
+            <a:endParaRPr lang="en-IN"/>
+          </a:p>
+        </p:txBody>
+      </p:sp>
+      <p:sp>
+        <p:nvSpPr>
+          <p:cNvPr id="17" name="Rectangle 16">
+            <a:extLst>
+              <a:ext uri="{FF2B5EF4-FFF2-40B4-BE49-F238E27FC236}">
+                <a16:creationId xmlns:a16="http://schemas.microsoft.com/office/drawing/2014/main" xmlns="" id="{34453880-B568-412E-B217-7017AA047B84}"/>
+              </a:ext>
+            </a:extLst>
+          </p:cNvPr>
+          <p:cNvSpPr/>
+          <p:nvPr/>
+        </p:nvSpPr>
+        <p:spPr>
+          <a:xfrm>
+            <a:off x="6399473" y="3338166"/>
+            <a:ext cx="322360" cy="365125"/>
+          </a:xfrm>
+          <a:prstGeom prst="rect">
+            <a:avLst/>
+          </a:prstGeom>
+        </p:spPr>
+        <p:style>
+          <a:lnRef idx="2">
+            <a:schemeClr val="accent1">
+              <a:shade val="50000"/>
+            </a:schemeClr>
+          </a:lnRef>
+          <a:fillRef idx="1">
+            <a:schemeClr val="accent1"/>
+          </a:fillRef>
+          <a:effectRef idx="0">
+            <a:schemeClr val="accent1"/>
+          </a:effectRef>
+          <a:fontRef idx="minor">
+            <a:schemeClr val="lt1"/>
+          </a:fontRef>
+        </p:style>
+        <p:txBody>
+          <a:bodyPr rtlCol="0" anchor="ctr"/>
+          <a:lstStyle/>
+          <a:p>
+            <a:pPr algn="ctr"/>
+            <a:endParaRPr lang="en-IN"/>
+          </a:p>
+        </p:txBody>
+      </p:sp>
+      <p:sp>
+        <p:nvSpPr>
+          <p:cNvPr id="19" name="Oval 18">
+            <a:extLst>
+              <a:ext uri="{FF2B5EF4-FFF2-40B4-BE49-F238E27FC236}">
+                <a16:creationId xmlns:a16="http://schemas.microsoft.com/office/drawing/2014/main" xmlns="" id="{C865F1AC-443D-44E9-B205-5FD839712B3D}"/>
+              </a:ext>
+            </a:extLst>
+          </p:cNvPr>
+          <p:cNvSpPr/>
+          <p:nvPr/>
+        </p:nvSpPr>
+        <p:spPr>
+          <a:xfrm>
+            <a:off x="5572535" y="113440"/>
+            <a:ext cx="988199" cy="949595"/>
+          </a:xfrm>
+          <a:prstGeom prst="ellipse">
+            <a:avLst/>
+          </a:prstGeom>
+        </p:spPr>
+        <p:style>
+          <a:lnRef idx="2">
+            <a:schemeClr val="accent1">
+              <a:shade val="50000"/>
+            </a:schemeClr>
+          </a:lnRef>
+          <a:fillRef idx="1">
+            <a:schemeClr val="accent1"/>
+          </a:fillRef>
+          <a:effectRef idx="0">
+            <a:schemeClr val="accent1"/>
+          </a:effectRef>
+          <a:fontRef idx="minor">
+            <a:schemeClr val="lt1"/>
+          </a:fontRef>
+        </p:style>
+        <p:txBody>
+          <a:bodyPr rtlCol="0" anchor="ctr"/>
+          <a:lstStyle/>
+          <a:p>
+            <a:pPr algn="ctr"/>
+            <a:endParaRPr lang="en-IN"/>
+          </a:p>
+        </p:txBody>
+      </p:sp>
+      <p:cxnSp>
+        <p:nvCxnSpPr>
+          <p:cNvPr id="20" name="Straight Connector 19">
+            <a:extLst>
+              <a:ext uri="{FF2B5EF4-FFF2-40B4-BE49-F238E27FC236}">
+                <a16:creationId xmlns:a16="http://schemas.microsoft.com/office/drawing/2014/main" xmlns="" id="{B1B94C00-5D79-4EF7-B864-00C0FB05A426}"/>
+              </a:ext>
+            </a:extLst>
+          </p:cNvPr>
+          <p:cNvCxnSpPr>
+            <a:cxnSpLocks/>
+            <a:stCxn id="19" idx="6"/>
+            <a:endCxn id="17" idx="0"/>
+          </p:cNvCxnSpPr>
+          <p:nvPr/>
+        </p:nvCxnSpPr>
+        <p:spPr>
+          <a:xfrm flipH="1">
+            <a:off x="6560653" y="588238"/>
+            <a:ext cx="81" cy="2749928"/>
+          </a:xfrm>
+          <a:prstGeom prst="line">
+            <a:avLst/>
+          </a:prstGeom>
+          <a:ln w="28575"/>
+        </p:spPr>
+        <p:style>
+          <a:lnRef idx="1">
+            <a:schemeClr val="accent1"/>
+          </a:lnRef>
+          <a:fillRef idx="0">
+            <a:schemeClr val="accent1"/>
+          </a:fillRef>
+          <a:effectRef idx="0">
+            <a:schemeClr val="accent1"/>
+          </a:effectRef>
+          <a:fontRef idx="minor">
+            <a:schemeClr val="tx1"/>
+          </a:fontRef>
+        </p:style>
+      </p:cxnSp>
+      <p:sp>
+        <p:nvSpPr>
+          <p:cNvPr id="25" name="Rectangle 24">
+            <a:extLst>
+              <a:ext uri="{FF2B5EF4-FFF2-40B4-BE49-F238E27FC236}">
+                <a16:creationId xmlns:a16="http://schemas.microsoft.com/office/drawing/2014/main" xmlns="" id="{1962C116-4BFC-4CE5-92AA-283C9D45A684}"/>
+              </a:ext>
+            </a:extLst>
+          </p:cNvPr>
+          <p:cNvSpPr/>
+          <p:nvPr/>
+        </p:nvSpPr>
+        <p:spPr>
+          <a:xfrm>
+            <a:off x="5108710" y="1747564"/>
+            <a:ext cx="874643" cy="365125"/>
+          </a:xfrm>
+          <a:prstGeom prst="rect">
+            <a:avLst/>
+          </a:prstGeom>
+        </p:spPr>
+        <p:style>
+          <a:lnRef idx="2">
+            <a:schemeClr val="accent1">
+              <a:shade val="50000"/>
+            </a:schemeClr>
+          </a:lnRef>
+          <a:fillRef idx="1">
+            <a:schemeClr val="accent1"/>
+          </a:fillRef>
+          <a:effectRef idx="0">
+            <a:schemeClr val="accent1"/>
+          </a:effectRef>
+          <a:fontRef idx="minor">
+            <a:schemeClr val="lt1"/>
+          </a:fontRef>
+        </p:style>
+        <p:txBody>
+          <a:bodyPr rtlCol="0" anchor="ctr"/>
+          <a:lstStyle/>
+          <a:p>
+            <a:pPr algn="ctr"/>
+            <a:endParaRPr lang="en-IN"/>
+          </a:p>
+        </p:txBody>
+      </p:sp>
+      <p:sp>
+        <p:nvSpPr>
+          <p:cNvPr id="26" name="Rectangle 25">
+            <a:extLst>
+              <a:ext uri="{FF2B5EF4-FFF2-40B4-BE49-F238E27FC236}">
+                <a16:creationId xmlns:a16="http://schemas.microsoft.com/office/drawing/2014/main" xmlns="" id="{7346B316-6233-4443-9A36-040D034A6FBF}"/>
+              </a:ext>
+            </a:extLst>
+          </p:cNvPr>
+          <p:cNvSpPr/>
+          <p:nvPr/>
+        </p:nvSpPr>
+        <p:spPr>
+          <a:xfrm>
+            <a:off x="5532779" y="1747564"/>
+            <a:ext cx="45719" cy="365125"/>
+          </a:xfrm>
+          <a:prstGeom prst="rect">
+            <a:avLst/>
+          </a:prstGeom>
+          <a:solidFill>
+            <a:schemeClr val="bg1"/>
+          </a:solidFill>
+          <a:ln>
+            <a:solidFill>
+              <a:schemeClr val="bg1"/>
+            </a:solidFill>
+          </a:ln>
+        </p:spPr>
+        <p:style>
+          <a:lnRef idx="2">
+            <a:schemeClr val="accent1">
+              <a:shade val="50000"/>
+            </a:schemeClr>
+          </a:lnRef>
+          <a:fillRef idx="1">
+            <a:schemeClr val="accent1"/>
+          </a:fillRef>
+          <a:effectRef idx="0">
+            <a:schemeClr val="accent1"/>
+          </a:effectRef>
+          <a:fontRef idx="minor">
+            <a:schemeClr val="lt1"/>
+          </a:fontRef>
+        </p:style>
+        <p:txBody>
+          <a:bodyPr rtlCol="0" anchor="ctr"/>
+          <a:lstStyle/>
+          <a:p>
+            <a:pPr algn="ctr"/>
+            <a:endParaRPr lang="en-IN"/>
+          </a:p>
+        </p:txBody>
+      </p:sp>
+      <p:sp>
+        <p:nvSpPr>
+          <p:cNvPr id="27" name="Rectangle 26">
+            <a:extLst>
+              <a:ext uri="{FF2B5EF4-FFF2-40B4-BE49-F238E27FC236}">
+                <a16:creationId xmlns:a16="http://schemas.microsoft.com/office/drawing/2014/main" xmlns="" id="{A0A6BEE0-8DF4-4797-80DB-7DD4E6A99383}"/>
+              </a:ext>
+            </a:extLst>
+          </p:cNvPr>
+          <p:cNvSpPr/>
+          <p:nvPr/>
+        </p:nvSpPr>
+        <p:spPr>
+          <a:xfrm>
+            <a:off x="5456246" y="2165697"/>
+            <a:ext cx="198783" cy="215694"/>
+          </a:xfrm>
+          <a:prstGeom prst="rect">
+            <a:avLst/>
+          </a:prstGeom>
+        </p:spPr>
+        <p:style>
+          <a:lnRef idx="2">
+            <a:schemeClr val="accent1">
+              <a:shade val="50000"/>
+            </a:schemeClr>
+          </a:lnRef>
+          <a:fillRef idx="1">
+            <a:schemeClr val="accent1"/>
+          </a:fillRef>
+          <a:effectRef idx="0">
+            <a:schemeClr val="accent1"/>
+          </a:effectRef>
+          <a:fontRef idx="minor">
+            <a:schemeClr val="lt1"/>
+          </a:fontRef>
+        </p:style>
+        <p:txBody>
+          <a:bodyPr rtlCol="0" anchor="ctr"/>
+          <a:lstStyle/>
+          <a:p>
+            <a:pPr algn="ctr"/>
+            <a:endParaRPr lang="en-IN"/>
+          </a:p>
+        </p:txBody>
+      </p:sp>
+      <p:sp>
+        <p:nvSpPr>
+          <p:cNvPr id="28" name="Rectangle 27">
+            <a:extLst>
+              <a:ext uri="{FF2B5EF4-FFF2-40B4-BE49-F238E27FC236}">
+                <a16:creationId xmlns:a16="http://schemas.microsoft.com/office/drawing/2014/main" xmlns="" id="{14D24A18-E91F-4A40-9FD4-04301BE5E2B4}"/>
+              </a:ext>
+            </a:extLst>
+          </p:cNvPr>
+          <p:cNvSpPr/>
+          <p:nvPr/>
+        </p:nvSpPr>
+        <p:spPr>
+          <a:xfrm>
+            <a:off x="4820141" y="3882887"/>
+            <a:ext cx="636105" cy="502789"/>
+          </a:xfrm>
+          <a:prstGeom prst="rect">
+            <a:avLst/>
+          </a:prstGeom>
+        </p:spPr>
+        <p:style>
+          <a:lnRef idx="2">
+            <a:schemeClr val="accent1">
+              <a:shade val="50000"/>
+            </a:schemeClr>
+          </a:lnRef>
+          <a:fillRef idx="1">
+            <a:schemeClr val="accent1"/>
+          </a:fillRef>
+          <a:effectRef idx="0">
+            <a:schemeClr val="accent1"/>
+          </a:effectRef>
+          <a:fontRef idx="minor">
+            <a:schemeClr val="lt1"/>
+          </a:fontRef>
+        </p:style>
+        <p:txBody>
+          <a:bodyPr rtlCol="0" anchor="ctr"/>
+          <a:lstStyle/>
+          <a:p>
+            <a:pPr algn="ctr"/>
+            <a:endParaRPr lang="en-IN"/>
+          </a:p>
+        </p:txBody>
+      </p:sp>
+      <p:sp>
+        <p:nvSpPr>
+          <p:cNvPr id="29" name="Rectangle 28">
+            <a:extLst>
+              <a:ext uri="{FF2B5EF4-FFF2-40B4-BE49-F238E27FC236}">
+                <a16:creationId xmlns:a16="http://schemas.microsoft.com/office/drawing/2014/main" xmlns="" id="{02D3BDEB-199B-42D8-AFC9-6B8F446EE7F0}"/>
+              </a:ext>
+            </a:extLst>
+          </p:cNvPr>
+          <p:cNvSpPr/>
+          <p:nvPr/>
+        </p:nvSpPr>
+        <p:spPr>
+          <a:xfrm>
+            <a:off x="5045428" y="2112690"/>
+            <a:ext cx="208388" cy="1770198"/>
+          </a:xfrm>
+          <a:prstGeom prst="rect">
+            <a:avLst/>
+          </a:prstGeom>
+        </p:spPr>
+        <p:style>
+          <a:lnRef idx="2">
+            <a:schemeClr val="accent1">
+              <a:shade val="50000"/>
+            </a:schemeClr>
+          </a:lnRef>
+          <a:fillRef idx="1">
+            <a:schemeClr val="accent1"/>
+          </a:fillRef>
+          <a:effectRef idx="0">
+            <a:schemeClr val="accent1"/>
+          </a:effectRef>
+          <a:fontRef idx="minor">
+            <a:schemeClr val="lt1"/>
+          </a:fontRef>
+        </p:style>
+        <p:txBody>
+          <a:bodyPr rtlCol="0" anchor="ctr"/>
+          <a:lstStyle/>
+          <a:p>
+            <a:pPr algn="ctr"/>
+            <a:endParaRPr lang="en-IN"/>
+          </a:p>
+        </p:txBody>
+      </p:sp>
+      <p:cxnSp>
+        <p:nvCxnSpPr>
+          <p:cNvPr id="31" name="Straight Connector 30">
+            <a:extLst>
+              <a:ext uri="{FF2B5EF4-FFF2-40B4-BE49-F238E27FC236}">
+                <a16:creationId xmlns:a16="http://schemas.microsoft.com/office/drawing/2014/main" xmlns="" id="{7A19C16E-38B9-498A-9C33-6AB77B29E105}"/>
+              </a:ext>
+            </a:extLst>
+          </p:cNvPr>
+          <p:cNvCxnSpPr>
+            <a:cxnSpLocks/>
+            <a:stCxn id="19" idx="2"/>
+            <a:endCxn id="27" idx="0"/>
+          </p:cNvCxnSpPr>
+          <p:nvPr/>
+        </p:nvCxnSpPr>
+        <p:spPr>
+          <a:xfrm flipH="1">
+            <a:off x="5555638" y="588238"/>
+            <a:ext cx="16897" cy="1577459"/>
+          </a:xfrm>
+          <a:prstGeom prst="line">
+            <a:avLst/>
+          </a:prstGeom>
+          <a:ln w="28575"/>
+        </p:spPr>
+        <p:style>
+          <a:lnRef idx="1">
+            <a:schemeClr val="accent1"/>
+          </a:lnRef>
+          <a:fillRef idx="0">
+            <a:schemeClr val="accent1"/>
+          </a:fillRef>
+          <a:effectRef idx="0">
+            <a:schemeClr val="accent1"/>
+          </a:effectRef>
+          <a:fontRef idx="minor">
+            <a:schemeClr val="tx1"/>
+          </a:fontRef>
+        </p:style>
+      </p:cxnSp>
+    </p:spTree>
+    <p:extLst>
+      <p:ext uri="{BB962C8B-B14F-4D97-AF65-F5344CB8AC3E}">
+        <p14:creationId xmlns:p14="http://schemas.microsoft.com/office/powerpoint/2010/main" val="284221104"/>
+      </p:ext>
+    </p:extLst>
+  </p:cSld>
+  <p:clrMapOvr>
+    <a:masterClrMapping/>
+  </p:clrMapOvr>
+</p:sld>
+</file>
+
+<file path=ppt/slides/slide26.xml><?xml version="1.0" encoding="utf-8"?>
+<p:sld xmlns:a="http://schemas.openxmlformats.org/drawingml/2006/main" xmlns:r="http://schemas.openxmlformats.org/officeDocument/2006/relationships" xmlns:p="http://schemas.openxmlformats.org/presentationml/2006/main">
+  <p:cSld>
+    <p:spTree>
+      <p:nvGrpSpPr>
+        <p:cNvPr id="1" name=""/>
+        <p:cNvGrpSpPr/>
+        <p:nvPr/>
+      </p:nvGrpSpPr>
+      <p:grpSpPr>
+        <a:xfrm>
+          <a:off x="0" y="0"/>
+          <a:ext cx="0" cy="0"/>
+          <a:chOff x="0" y="0"/>
+          <a:chExt cx="0" cy="0"/>
+        </a:xfrm>
+      </p:grpSpPr>
+      <p:sp>
+        <p:nvSpPr>
           <p:cNvPr id="2" name="Footer Placeholder 1">
             <a:extLst>
               <a:ext uri="{FF2B5EF4-FFF2-40B4-BE49-F238E27FC236}">
-                <a16:creationId xmlns="" xmlns:a16="http://schemas.microsoft.com/office/drawing/2014/main" id="{F27EA32B-0CF3-8649-B654-2B6622F6309D}"/>
+                <a16:creationId xmlns:a16="http://schemas.microsoft.com/office/drawing/2014/main" xmlns="" id="{F27EA32B-0CF3-8649-B654-2B6622F6309D}"/>
               </a:ext>
             </a:extLst>
           </p:cNvPr>
@@ -15595,7 +18508,7 @@
             <a:fld id="{9E03C756-7586-D14E-963E-472DE5CFD3BB}" type="slidenum">
               <a:rPr lang="en-US" smtClean="0"/>
               <a:pPr/>
-              <a:t>23</a:t>
+              <a:t>26</a:t>
             </a:fld>
             <a:endParaRPr lang="en-US" dirty="0"/>
           </a:p>
@@ -15606,7 +18519,7 @@
           <p:cNvPr id="3" name="Content Placeholder 2">
             <a:extLst>
               <a:ext uri="{FF2B5EF4-FFF2-40B4-BE49-F238E27FC236}">
-                <a16:creationId xmlns="" xmlns:a16="http://schemas.microsoft.com/office/drawing/2014/main" id="{1DE29D62-620F-2A47-92A9-9A84D907130A}"/>
+                <a16:creationId xmlns:a16="http://schemas.microsoft.com/office/drawing/2014/main" xmlns="" id="{1DE29D62-620F-2A47-92A9-9A84D907130A}"/>
               </a:ext>
             </a:extLst>
           </p:cNvPr>
@@ -15656,14 +18569,14 @@
                 <a:gridCol w="9106430">
                   <a:extLst>
                     <a:ext uri="{9D8B030D-6E8A-4147-A177-3AD203B41FA5}">
-                      <a16:colId xmlns="" xmlns:a16="http://schemas.microsoft.com/office/drawing/2014/main" val="20000"/>
+                      <a16:colId xmlns:a16="http://schemas.microsoft.com/office/drawing/2014/main" xmlns="" val="20000"/>
                     </a:ext>
                   </a:extLst>
                 </a:gridCol>
                 <a:gridCol w="1474368">
                   <a:extLst>
                     <a:ext uri="{9D8B030D-6E8A-4147-A177-3AD203B41FA5}">
-                      <a16:colId xmlns="" xmlns:a16="http://schemas.microsoft.com/office/drawing/2014/main" val="20001"/>
+                      <a16:colId xmlns:a16="http://schemas.microsoft.com/office/drawing/2014/main" xmlns="" val="20001"/>
                     </a:ext>
                   </a:extLst>
                 </a:gridCol>
@@ -15715,7 +18628,7 @@
                 </a:tc>
                 <a:extLst>
                   <a:ext uri="{0D108BD9-81ED-4DB2-BD59-A6C34878D82A}">
-                    <a16:rowId xmlns="" xmlns:a16="http://schemas.microsoft.com/office/drawing/2014/main" val="10000"/>
+                    <a16:rowId xmlns:a16="http://schemas.microsoft.com/office/drawing/2014/main" xmlns="" val="10000"/>
                   </a:ext>
                 </a:extLst>
               </a:tr>
@@ -15771,7 +18684,7 @@
                 </a:tc>
                 <a:extLst>
                   <a:ext uri="{0D108BD9-81ED-4DB2-BD59-A6C34878D82A}">
-                    <a16:rowId xmlns="" xmlns:a16="http://schemas.microsoft.com/office/drawing/2014/main" val="10001"/>
+                    <a16:rowId xmlns:a16="http://schemas.microsoft.com/office/drawing/2014/main" xmlns="" val="10001"/>
                   </a:ext>
                 </a:extLst>
               </a:tr>
@@ -15835,7 +18748,7 @@
                 </a:tc>
                 <a:extLst>
                   <a:ext uri="{0D108BD9-81ED-4DB2-BD59-A6C34878D82A}">
-                    <a16:rowId xmlns="" xmlns:a16="http://schemas.microsoft.com/office/drawing/2014/main" val="10002"/>
+                    <a16:rowId xmlns:a16="http://schemas.microsoft.com/office/drawing/2014/main" xmlns="" val="10002"/>
                   </a:ext>
                 </a:extLst>
               </a:tr>
@@ -15908,7 +18821,7 @@
                 </a:tc>
                 <a:extLst>
                   <a:ext uri="{0D108BD9-81ED-4DB2-BD59-A6C34878D82A}">
-                    <a16:rowId xmlns="" xmlns:a16="http://schemas.microsoft.com/office/drawing/2014/main" val="10003"/>
+                    <a16:rowId xmlns:a16="http://schemas.microsoft.com/office/drawing/2014/main" xmlns="" val="10003"/>
                   </a:ext>
                 </a:extLst>
               </a:tr>
@@ -15980,7 +18893,7 @@
                 </a:tc>
                 <a:extLst>
                   <a:ext uri="{0D108BD9-81ED-4DB2-BD59-A6C34878D82A}">
-                    <a16:rowId xmlns="" xmlns:a16="http://schemas.microsoft.com/office/drawing/2014/main" val="10004"/>
+                    <a16:rowId xmlns:a16="http://schemas.microsoft.com/office/drawing/2014/main" xmlns="" val="10004"/>
                   </a:ext>
                 </a:extLst>
               </a:tr>
@@ -16077,7 +18990,7 @@
                 </a:tc>
                 <a:extLst>
                   <a:ext uri="{0D108BD9-81ED-4DB2-BD59-A6C34878D82A}">
-                    <a16:rowId xmlns="" xmlns:a16="http://schemas.microsoft.com/office/drawing/2014/main" val="10005"/>
+                    <a16:rowId xmlns:a16="http://schemas.microsoft.com/office/drawing/2014/main" xmlns="" val="10005"/>
                   </a:ext>
                 </a:extLst>
               </a:tr>
@@ -16150,7 +19063,7 @@
                 </a:tc>
                 <a:extLst>
                   <a:ext uri="{0D108BD9-81ED-4DB2-BD59-A6C34878D82A}">
-                    <a16:rowId xmlns="" xmlns:a16="http://schemas.microsoft.com/office/drawing/2014/main" val="10006"/>
+                    <a16:rowId xmlns:a16="http://schemas.microsoft.com/office/drawing/2014/main" xmlns="" val="10006"/>
                   </a:ext>
                 </a:extLst>
               </a:tr>
@@ -16262,7 +19175,7 @@
                 </a:tc>
                 <a:extLst>
                   <a:ext uri="{0D108BD9-81ED-4DB2-BD59-A6C34878D82A}">
-                    <a16:rowId xmlns="" xmlns:a16="http://schemas.microsoft.com/office/drawing/2014/main" val="10007"/>
+                    <a16:rowId xmlns:a16="http://schemas.microsoft.com/office/drawing/2014/main" xmlns="" val="10007"/>
                   </a:ext>
                 </a:extLst>
               </a:tr>
@@ -16327,7 +19240,7 @@
                 </a:tc>
                 <a:extLst>
                   <a:ext uri="{0D108BD9-81ED-4DB2-BD59-A6C34878D82A}">
-                    <a16:rowId xmlns="" xmlns:a16="http://schemas.microsoft.com/office/drawing/2014/main" val="10008"/>
+                    <a16:rowId xmlns:a16="http://schemas.microsoft.com/office/drawing/2014/main" xmlns="" val="10008"/>
                   </a:ext>
                 </a:extLst>
               </a:tr>
@@ -16380,7 +19293,7 @@
                 </a:tc>
                 <a:extLst>
                   <a:ext uri="{0D108BD9-81ED-4DB2-BD59-A6C34878D82A}">
-                    <a16:rowId xmlns="" xmlns:a16="http://schemas.microsoft.com/office/drawing/2014/main" val="10009"/>
+                    <a16:rowId xmlns:a16="http://schemas.microsoft.com/office/drawing/2014/main" xmlns="" val="10009"/>
                   </a:ext>
                 </a:extLst>
               </a:tr>
@@ -16401,7 +19314,7 @@
 </p:sld>
 </file>
 
-<file path=ppt/slides/slide24.xml><?xml version="1.0" encoding="utf-8"?>
+<file path=ppt/slides/slide27.xml><?xml version="1.0" encoding="utf-8"?>
 <p:sld xmlns:a="http://schemas.openxmlformats.org/drawingml/2006/main" xmlns:r="http://schemas.openxmlformats.org/officeDocument/2006/relationships" xmlns:p="http://schemas.openxmlformats.org/presentationml/2006/main">
   <p:cSld>
     <p:spTree>
@@ -16423,7 +19336,7 @@
           <p:cNvPr id="2" name="Footer Placeholder 1">
             <a:extLst>
               <a:ext uri="{FF2B5EF4-FFF2-40B4-BE49-F238E27FC236}">
-                <a16:creationId xmlns="" xmlns:a16="http://schemas.microsoft.com/office/drawing/2014/main" id="{F27EA32B-0CF3-8649-B654-2B6622F6309D}"/>
+                <a16:creationId xmlns:a16="http://schemas.microsoft.com/office/drawing/2014/main" xmlns="" id="{F27EA32B-0CF3-8649-B654-2B6622F6309D}"/>
               </a:ext>
             </a:extLst>
           </p:cNvPr>
@@ -16442,7 +19355,7 @@
             <a:fld id="{9E03C756-7586-D14E-963E-472DE5CFD3BB}" type="slidenum">
               <a:rPr lang="en-US" smtClean="0"/>
               <a:pPr/>
-              <a:t>24</a:t>
+              <a:t>27</a:t>
             </a:fld>
             <a:endParaRPr lang="en-US" dirty="0"/>
           </a:p>
@@ -16453,7 +19366,7 @@
           <p:cNvPr id="3" name="Content Placeholder 2">
             <a:extLst>
               <a:ext uri="{FF2B5EF4-FFF2-40B4-BE49-F238E27FC236}">
-                <a16:creationId xmlns="" xmlns:a16="http://schemas.microsoft.com/office/drawing/2014/main" id="{1DE29D62-620F-2A47-92A9-9A84D907130A}"/>
+                <a16:creationId xmlns:a16="http://schemas.microsoft.com/office/drawing/2014/main" xmlns="" id="{1DE29D62-620F-2A47-92A9-9A84D907130A}"/>
               </a:ext>
             </a:extLst>
           </p:cNvPr>
@@ -16512,7 +19425,7 @@
                 <a:gridCol w="10580798">
                   <a:extLst>
                     <a:ext uri="{9D8B030D-6E8A-4147-A177-3AD203B41FA5}">
-                      <a16:colId xmlns="" xmlns:a16="http://schemas.microsoft.com/office/drawing/2014/main" val="20000"/>
+                      <a16:colId xmlns:a16="http://schemas.microsoft.com/office/drawing/2014/main" xmlns="" val="20000"/>
                     </a:ext>
                   </a:extLst>
                 </a:gridCol>
@@ -16545,7 +19458,7 @@
                 </a:tc>
                 <a:extLst>
                   <a:ext uri="{0D108BD9-81ED-4DB2-BD59-A6C34878D82A}">
-                    <a16:rowId xmlns="" xmlns:a16="http://schemas.microsoft.com/office/drawing/2014/main" val="10000"/>
+                    <a16:rowId xmlns:a16="http://schemas.microsoft.com/office/drawing/2014/main" xmlns="" val="10000"/>
                   </a:ext>
                 </a:extLst>
               </a:tr>
@@ -16589,7 +19502,7 @@
                 </a:tc>
                 <a:extLst>
                   <a:ext uri="{0D108BD9-81ED-4DB2-BD59-A6C34878D82A}">
-                    <a16:rowId xmlns="" xmlns:a16="http://schemas.microsoft.com/office/drawing/2014/main" val="10001"/>
+                    <a16:rowId xmlns:a16="http://schemas.microsoft.com/office/drawing/2014/main" xmlns="" val="10001"/>
                   </a:ext>
                 </a:extLst>
               </a:tr>
@@ -16621,7 +19534,7 @@
                 </a:tc>
                 <a:extLst>
                   <a:ext uri="{0D108BD9-81ED-4DB2-BD59-A6C34878D82A}">
-                    <a16:rowId xmlns="" xmlns:a16="http://schemas.microsoft.com/office/drawing/2014/main" val="10002"/>
+                    <a16:rowId xmlns:a16="http://schemas.microsoft.com/office/drawing/2014/main" xmlns="" val="10002"/>
                   </a:ext>
                 </a:extLst>
               </a:tr>
@@ -16653,7 +19566,7 @@
                 </a:tc>
                 <a:extLst>
                   <a:ext uri="{0D108BD9-81ED-4DB2-BD59-A6C34878D82A}">
-                    <a16:rowId xmlns="" xmlns:a16="http://schemas.microsoft.com/office/drawing/2014/main" val="10003"/>
+                    <a16:rowId xmlns:a16="http://schemas.microsoft.com/office/drawing/2014/main" xmlns="" val="10003"/>
                   </a:ext>
                 </a:extLst>
               </a:tr>
@@ -16685,7 +19598,7 @@
                 </a:tc>
                 <a:extLst>
                   <a:ext uri="{0D108BD9-81ED-4DB2-BD59-A6C34878D82A}">
-                    <a16:rowId xmlns="" xmlns:a16="http://schemas.microsoft.com/office/drawing/2014/main" val="10004"/>
+                    <a16:rowId xmlns:a16="http://schemas.microsoft.com/office/drawing/2014/main" xmlns="" val="10004"/>
                   </a:ext>
                 </a:extLst>
               </a:tr>
@@ -16717,7 +19630,7 @@
                 </a:tc>
                 <a:extLst>
                   <a:ext uri="{0D108BD9-81ED-4DB2-BD59-A6C34878D82A}">
-                    <a16:rowId xmlns="" xmlns:a16="http://schemas.microsoft.com/office/drawing/2014/main" val="10005"/>
+                    <a16:rowId xmlns:a16="http://schemas.microsoft.com/office/drawing/2014/main" xmlns="" val="10005"/>
                   </a:ext>
                 </a:extLst>
               </a:tr>
@@ -16755,7 +19668,7 @@
                 </a:tc>
                 <a:extLst>
                   <a:ext uri="{0D108BD9-81ED-4DB2-BD59-A6C34878D82A}">
-                    <a16:rowId xmlns="" xmlns:a16="http://schemas.microsoft.com/office/drawing/2014/main" val="10006"/>
+                    <a16:rowId xmlns:a16="http://schemas.microsoft.com/office/drawing/2014/main" xmlns="" val="10006"/>
                   </a:ext>
                 </a:extLst>
               </a:tr>
@@ -16787,7 +19700,7 @@
                 </a:tc>
                 <a:extLst>
                   <a:ext uri="{0D108BD9-81ED-4DB2-BD59-A6C34878D82A}">
-                    <a16:rowId xmlns="" xmlns:a16="http://schemas.microsoft.com/office/drawing/2014/main" val="10007"/>
+                    <a16:rowId xmlns:a16="http://schemas.microsoft.com/office/drawing/2014/main" xmlns="" val="10007"/>
                   </a:ext>
                 </a:extLst>
               </a:tr>
@@ -16799,556 +19712,6 @@
     <p:extLst>
       <p:ext uri="{BB962C8B-B14F-4D97-AF65-F5344CB8AC3E}">
         <p14:creationId xmlns:p14="http://schemas.microsoft.com/office/powerpoint/2010/main" val="2707367914"/>
-      </p:ext>
-    </p:extLst>
-  </p:cSld>
-  <p:clrMapOvr>
-    <a:masterClrMapping/>
-  </p:clrMapOvr>
-</p:sld>
-</file>
-
-<file path=ppt/slides/slide25.xml><?xml version="1.0" encoding="utf-8"?>
-<p:sld xmlns:a="http://schemas.openxmlformats.org/drawingml/2006/main" xmlns:r="http://schemas.openxmlformats.org/officeDocument/2006/relationships" xmlns:p="http://schemas.openxmlformats.org/presentationml/2006/main">
-  <p:cSld>
-    <p:spTree>
-      <p:nvGrpSpPr>
-        <p:cNvPr id="1" name=""/>
-        <p:cNvGrpSpPr/>
-        <p:nvPr/>
-      </p:nvGrpSpPr>
-      <p:grpSpPr>
-        <a:xfrm>
-          <a:off x="0" y="0"/>
-          <a:ext cx="0" cy="0"/>
-          <a:chOff x="0" y="0"/>
-          <a:chExt cx="0" cy="0"/>
-        </a:xfrm>
-      </p:grpSpPr>
-      <p:sp>
-        <p:nvSpPr>
-          <p:cNvPr id="2" name="Slide Number Placeholder 1">
-            <a:extLst>
-              <a:ext uri="{FF2B5EF4-FFF2-40B4-BE49-F238E27FC236}">
-                <a16:creationId xmlns="" xmlns:a16="http://schemas.microsoft.com/office/drawing/2014/main" id="{E2A346D2-342E-4D26-9516-C88A6E8CC150}"/>
-              </a:ext>
-            </a:extLst>
-          </p:cNvPr>
-          <p:cNvSpPr>
-            <a:spLocks noGrp="1"/>
-          </p:cNvSpPr>
-          <p:nvPr>
-            <p:ph type="sldNum" sz="quarter" idx="12"/>
-          </p:nvPr>
-        </p:nvSpPr>
-        <p:spPr/>
-        <p:txBody>
-          <a:bodyPr/>
-          <a:lstStyle/>
-          <a:p>
-            <a:fld id="{52D8BFD5-1499-4ECE-8614-7465CBDF8211}" type="slidenum">
-              <a:rPr lang="en-IN" smtClean="0"/>
-              <a:t>25</a:t>
-            </a:fld>
-            <a:endParaRPr lang="en-IN"/>
-          </a:p>
-        </p:txBody>
-      </p:sp>
-      <p:sp>
-        <p:nvSpPr>
-          <p:cNvPr id="4" name="Title 3">
-            <a:extLst>
-              <a:ext uri="{FF2B5EF4-FFF2-40B4-BE49-F238E27FC236}">
-                <a16:creationId xmlns="" xmlns:a16="http://schemas.microsoft.com/office/drawing/2014/main" id="{6C1750A8-0A53-40DB-B646-EE267E14322F}"/>
-              </a:ext>
-            </a:extLst>
-          </p:cNvPr>
-          <p:cNvSpPr>
-            <a:spLocks noGrp="1"/>
-          </p:cNvSpPr>
-          <p:nvPr>
-            <p:ph type="title"/>
-          </p:nvPr>
-        </p:nvSpPr>
-        <p:spPr/>
-        <p:txBody>
-          <a:bodyPr/>
-          <a:lstStyle/>
-          <a:p>
-            <a:r>
-              <a:rPr lang="en-US" dirty="0"/>
-              <a:t>BSL flash and initialization details</a:t>
-            </a:r>
-            <a:endParaRPr lang="en-IN" dirty="0"/>
-          </a:p>
-        </p:txBody>
-      </p:sp>
-      <p:pic>
-        <p:nvPicPr>
-          <p:cNvPr id="5" name="Picture 4">
-            <a:extLst>
-              <a:ext uri="{FF2B5EF4-FFF2-40B4-BE49-F238E27FC236}">
-                <a16:creationId xmlns="" xmlns:a16="http://schemas.microsoft.com/office/drawing/2014/main" id="{BB9815DA-59F6-4BAB-AB4A-86EB78EBAA12}"/>
-              </a:ext>
-            </a:extLst>
-          </p:cNvPr>
-          <p:cNvPicPr>
-            <a:picLocks noChangeAspect="1"/>
-          </p:cNvPicPr>
-          <p:nvPr/>
-        </p:nvPicPr>
-        <p:blipFill>
-          <a:blip r:embed="rId2"/>
-          <a:stretch>
-            <a:fillRect/>
-          </a:stretch>
-        </p:blipFill>
-        <p:spPr>
-          <a:xfrm>
-            <a:off x="0" y="3300944"/>
-            <a:ext cx="5021327" cy="2506771"/>
-          </a:xfrm>
-          <a:prstGeom prst="rect">
-            <a:avLst/>
-          </a:prstGeom>
-        </p:spPr>
-      </p:pic>
-      <p:pic>
-        <p:nvPicPr>
-          <p:cNvPr id="8" name="Picture 7">
-            <a:extLst>
-              <a:ext uri="{FF2B5EF4-FFF2-40B4-BE49-F238E27FC236}">
-                <a16:creationId xmlns="" xmlns:a16="http://schemas.microsoft.com/office/drawing/2014/main" id="{7BD68EB2-2E4C-46CD-A60A-A88FC0735E68}"/>
-              </a:ext>
-            </a:extLst>
-          </p:cNvPr>
-          <p:cNvPicPr>
-            <a:picLocks noChangeAspect="1"/>
-          </p:cNvPicPr>
-          <p:nvPr/>
-        </p:nvPicPr>
-        <p:blipFill>
-          <a:blip r:embed="rId3"/>
-          <a:stretch>
-            <a:fillRect/>
-          </a:stretch>
-        </p:blipFill>
-        <p:spPr>
-          <a:xfrm>
-            <a:off x="12699" y="838738"/>
-            <a:ext cx="5137891" cy="2531105"/>
-          </a:xfrm>
-          <a:prstGeom prst="rect">
-            <a:avLst/>
-          </a:prstGeom>
-        </p:spPr>
-      </p:pic>
-      <p:pic>
-        <p:nvPicPr>
-          <p:cNvPr id="10" name="Picture 9">
-            <a:extLst>
-              <a:ext uri="{FF2B5EF4-FFF2-40B4-BE49-F238E27FC236}">
-                <a16:creationId xmlns="" xmlns:a16="http://schemas.microsoft.com/office/drawing/2014/main" id="{90576CD5-D521-499A-A330-5AA00E4C02C0}"/>
-              </a:ext>
-            </a:extLst>
-          </p:cNvPr>
-          <p:cNvPicPr>
-            <a:picLocks noChangeAspect="1"/>
-          </p:cNvPicPr>
-          <p:nvPr/>
-        </p:nvPicPr>
-        <p:blipFill>
-          <a:blip r:embed="rId4"/>
-          <a:stretch>
-            <a:fillRect/>
-          </a:stretch>
-        </p:blipFill>
-        <p:spPr>
-          <a:xfrm>
-            <a:off x="3415161" y="1308514"/>
-            <a:ext cx="10113085" cy="4240971"/>
-          </a:xfrm>
-          <a:prstGeom prst="rect">
-            <a:avLst/>
-          </a:prstGeom>
-        </p:spPr>
-      </p:pic>
-      <p:sp>
-        <p:nvSpPr>
-          <p:cNvPr id="3" name="Rectangle 2">
-            <a:extLst>
-              <a:ext uri="{FF2B5EF4-FFF2-40B4-BE49-F238E27FC236}">
-                <a16:creationId xmlns="" xmlns:a16="http://schemas.microsoft.com/office/drawing/2014/main" id="{E9F5EE9B-EAD7-49D1-8A36-6D3A13E39462}"/>
-              </a:ext>
-            </a:extLst>
-          </p:cNvPr>
-          <p:cNvSpPr/>
-          <p:nvPr/>
-        </p:nvSpPr>
-        <p:spPr>
-          <a:xfrm>
-            <a:off x="101599" y="2395494"/>
-            <a:ext cx="685799" cy="279400"/>
-          </a:xfrm>
-          <a:prstGeom prst="rect">
-            <a:avLst/>
-          </a:prstGeom>
-        </p:spPr>
-        <p:style>
-          <a:lnRef idx="2">
-            <a:schemeClr val="accent1">
-              <a:shade val="50000"/>
-            </a:schemeClr>
-          </a:lnRef>
-          <a:fillRef idx="1">
-            <a:schemeClr val="accent1"/>
-          </a:fillRef>
-          <a:effectRef idx="0">
-            <a:schemeClr val="accent1"/>
-          </a:effectRef>
-          <a:fontRef idx="minor">
-            <a:schemeClr val="lt1"/>
-          </a:fontRef>
-        </p:style>
-        <p:txBody>
-          <a:bodyPr rtlCol="0" anchor="ctr"/>
-          <a:lstStyle/>
-          <a:p>
-            <a:pPr algn="ctr"/>
-            <a:r>
-              <a:rPr lang="en-IN" sz="1200" dirty="0"/>
-              <a:t>UP pin</a:t>
-            </a:r>
-          </a:p>
-        </p:txBody>
-      </p:sp>
-      <p:sp>
-        <p:nvSpPr>
-          <p:cNvPr id="9" name="Rectangle 8">
-            <a:extLst>
-              <a:ext uri="{FF2B5EF4-FFF2-40B4-BE49-F238E27FC236}">
-                <a16:creationId xmlns="" xmlns:a16="http://schemas.microsoft.com/office/drawing/2014/main" id="{31C46744-FA39-43C5-B4AE-0CB44CE09187}"/>
-              </a:ext>
-            </a:extLst>
-          </p:cNvPr>
-          <p:cNvSpPr/>
-          <p:nvPr/>
-        </p:nvSpPr>
-        <p:spPr>
-          <a:xfrm>
-            <a:off x="-76202" y="1847703"/>
-            <a:ext cx="1041399" cy="282791"/>
-          </a:xfrm>
-          <a:prstGeom prst="rect">
-            <a:avLst/>
-          </a:prstGeom>
-        </p:spPr>
-        <p:style>
-          <a:lnRef idx="2">
-            <a:schemeClr val="accent1">
-              <a:shade val="50000"/>
-            </a:schemeClr>
-          </a:lnRef>
-          <a:fillRef idx="1">
-            <a:schemeClr val="accent1"/>
-          </a:fillRef>
-          <a:effectRef idx="0">
-            <a:schemeClr val="accent1"/>
-          </a:effectRef>
-          <a:fontRef idx="minor">
-            <a:schemeClr val="lt1"/>
-          </a:fontRef>
-        </p:style>
-        <p:txBody>
-          <a:bodyPr rtlCol="0" anchor="ctr"/>
-          <a:lstStyle/>
-          <a:p>
-            <a:pPr algn="ctr"/>
-            <a:r>
-              <a:rPr lang="en-IN" sz="1200" dirty="0"/>
-              <a:t>DOWN pin</a:t>
-            </a:r>
-          </a:p>
-        </p:txBody>
-      </p:sp>
-      <p:sp>
-        <p:nvSpPr>
-          <p:cNvPr id="13" name="Rectangle 12">
-            <a:extLst>
-              <a:ext uri="{FF2B5EF4-FFF2-40B4-BE49-F238E27FC236}">
-                <a16:creationId xmlns="" xmlns:a16="http://schemas.microsoft.com/office/drawing/2014/main" id="{3FC4941D-2BA9-4202-A201-4D899D3D1CC9}"/>
-              </a:ext>
-            </a:extLst>
-          </p:cNvPr>
-          <p:cNvSpPr/>
-          <p:nvPr/>
-        </p:nvSpPr>
-        <p:spPr>
-          <a:xfrm>
-            <a:off x="-76202" y="4926599"/>
-            <a:ext cx="685799" cy="279400"/>
-          </a:xfrm>
-          <a:prstGeom prst="rect">
-            <a:avLst/>
-          </a:prstGeom>
-        </p:spPr>
-        <p:style>
-          <a:lnRef idx="2">
-            <a:schemeClr val="accent1">
-              <a:shade val="50000"/>
-            </a:schemeClr>
-          </a:lnRef>
-          <a:fillRef idx="1">
-            <a:schemeClr val="accent1"/>
-          </a:fillRef>
-          <a:effectRef idx="0">
-            <a:schemeClr val="accent1"/>
-          </a:effectRef>
-          <a:fontRef idx="minor">
-            <a:schemeClr val="lt1"/>
-          </a:fontRef>
-        </p:style>
-        <p:txBody>
-          <a:bodyPr rtlCol="0" anchor="ctr"/>
-          <a:lstStyle/>
-          <a:p>
-            <a:pPr algn="ctr"/>
-            <a:r>
-              <a:rPr lang="en-IN" sz="1200" dirty="0"/>
-              <a:t>UP pin</a:t>
-            </a:r>
-          </a:p>
-        </p:txBody>
-      </p:sp>
-      <p:sp>
-        <p:nvSpPr>
-          <p:cNvPr id="14" name="Rectangle 13">
-            <a:extLst>
-              <a:ext uri="{FF2B5EF4-FFF2-40B4-BE49-F238E27FC236}">
-                <a16:creationId xmlns="" xmlns:a16="http://schemas.microsoft.com/office/drawing/2014/main" id="{D06F4BA9-4183-4CED-9937-CEB561861252}"/>
-              </a:ext>
-            </a:extLst>
-          </p:cNvPr>
-          <p:cNvSpPr/>
-          <p:nvPr/>
-        </p:nvSpPr>
-        <p:spPr>
-          <a:xfrm>
-            <a:off x="-254003" y="4378808"/>
-            <a:ext cx="1041399" cy="282791"/>
-          </a:xfrm>
-          <a:prstGeom prst="rect">
-            <a:avLst/>
-          </a:prstGeom>
-        </p:spPr>
-        <p:style>
-          <a:lnRef idx="2">
-            <a:schemeClr val="accent1">
-              <a:shade val="50000"/>
-            </a:schemeClr>
-          </a:lnRef>
-          <a:fillRef idx="1">
-            <a:schemeClr val="accent1"/>
-          </a:fillRef>
-          <a:effectRef idx="0">
-            <a:schemeClr val="accent1"/>
-          </a:effectRef>
-          <a:fontRef idx="minor">
-            <a:schemeClr val="lt1"/>
-          </a:fontRef>
-        </p:style>
-        <p:txBody>
-          <a:bodyPr rtlCol="0" anchor="ctr"/>
-          <a:lstStyle/>
-          <a:p>
-            <a:pPr algn="ctr"/>
-            <a:r>
-              <a:rPr lang="en-IN" sz="1200" dirty="0"/>
-              <a:t>DOWN pin</a:t>
-            </a:r>
-          </a:p>
-        </p:txBody>
-      </p:sp>
-    </p:spTree>
-    <p:extLst>
-      <p:ext uri="{BB962C8B-B14F-4D97-AF65-F5344CB8AC3E}">
-        <p14:creationId xmlns:p14="http://schemas.microsoft.com/office/powerpoint/2010/main" val="1263315403"/>
-      </p:ext>
-    </p:extLst>
-  </p:cSld>
-  <p:clrMapOvr>
-    <a:masterClrMapping/>
-  </p:clrMapOvr>
-</p:sld>
-</file>
-
-<file path=ppt/slides/slide26.xml><?xml version="1.0" encoding="utf-8"?>
-<p:sld xmlns:a="http://schemas.openxmlformats.org/drawingml/2006/main" xmlns:r="http://schemas.openxmlformats.org/officeDocument/2006/relationships" xmlns:p="http://schemas.openxmlformats.org/presentationml/2006/main">
-  <p:cSld>
-    <p:spTree>
-      <p:nvGrpSpPr>
-        <p:cNvPr id="1" name=""/>
-        <p:cNvGrpSpPr/>
-        <p:nvPr/>
-      </p:nvGrpSpPr>
-      <p:grpSpPr>
-        <a:xfrm>
-          <a:off x="0" y="0"/>
-          <a:ext cx="0" cy="0"/>
-          <a:chOff x="0" y="0"/>
-          <a:chExt cx="0" cy="0"/>
-        </a:xfrm>
-      </p:grpSpPr>
-      <p:sp>
-        <p:nvSpPr>
-          <p:cNvPr id="2" name="Slide Number Placeholder 1">
-            <a:extLst>
-              <a:ext uri="{FF2B5EF4-FFF2-40B4-BE49-F238E27FC236}">
-                <a16:creationId xmlns="" xmlns:a16="http://schemas.microsoft.com/office/drawing/2014/main" id="{E2A346D2-342E-4D26-9516-C88A6E8CC150}"/>
-              </a:ext>
-            </a:extLst>
-          </p:cNvPr>
-          <p:cNvSpPr>
-            <a:spLocks noGrp="1"/>
-          </p:cNvSpPr>
-          <p:nvPr>
-            <p:ph type="sldNum" sz="quarter" idx="12"/>
-          </p:nvPr>
-        </p:nvSpPr>
-        <p:spPr/>
-        <p:txBody>
-          <a:bodyPr/>
-          <a:lstStyle/>
-          <a:p>
-            <a:fld id="{52D8BFD5-1499-4ECE-8614-7465CBDF8211}" type="slidenum">
-              <a:rPr lang="en-IN" smtClean="0"/>
-              <a:t>26</a:t>
-            </a:fld>
-            <a:endParaRPr lang="en-IN"/>
-          </a:p>
-        </p:txBody>
-      </p:sp>
-      <p:sp>
-        <p:nvSpPr>
-          <p:cNvPr id="4" name="Title 3">
-            <a:extLst>
-              <a:ext uri="{FF2B5EF4-FFF2-40B4-BE49-F238E27FC236}">
-                <a16:creationId xmlns="" xmlns:a16="http://schemas.microsoft.com/office/drawing/2014/main" id="{6C1750A8-0A53-40DB-B646-EE267E14322F}"/>
-              </a:ext>
-            </a:extLst>
-          </p:cNvPr>
-          <p:cNvSpPr>
-            <a:spLocks noGrp="1"/>
-          </p:cNvSpPr>
-          <p:nvPr>
-            <p:ph type="title"/>
-          </p:nvPr>
-        </p:nvSpPr>
-        <p:spPr/>
-        <p:txBody>
-          <a:bodyPr/>
-          <a:lstStyle/>
-          <a:p>
-            <a:r>
-              <a:rPr lang="en-US" dirty="0"/>
-              <a:t>BSL flash and initialization details</a:t>
-            </a:r>
-            <a:endParaRPr lang="en-IN" dirty="0"/>
-          </a:p>
-        </p:txBody>
-      </p:sp>
-    </p:spTree>
-    <p:extLst>
-      <p:ext uri="{BB962C8B-B14F-4D97-AF65-F5344CB8AC3E}">
-        <p14:creationId xmlns:p14="http://schemas.microsoft.com/office/powerpoint/2010/main" val="3649323079"/>
-      </p:ext>
-    </p:extLst>
-  </p:cSld>
-  <p:clrMapOvr>
-    <a:masterClrMapping/>
-  </p:clrMapOvr>
-</p:sld>
-</file>
-
-<file path=ppt/slides/slide27.xml><?xml version="1.0" encoding="utf-8"?>
-<p:sld xmlns:a="http://schemas.openxmlformats.org/drawingml/2006/main" xmlns:r="http://schemas.openxmlformats.org/officeDocument/2006/relationships" xmlns:p="http://schemas.openxmlformats.org/presentationml/2006/main">
-  <p:cSld>
-    <p:spTree>
-      <p:nvGrpSpPr>
-        <p:cNvPr id="1" name=""/>
-        <p:cNvGrpSpPr/>
-        <p:nvPr/>
-      </p:nvGrpSpPr>
-      <p:grpSpPr>
-        <a:xfrm>
-          <a:off x="0" y="0"/>
-          <a:ext cx="0" cy="0"/>
-          <a:chOff x="0" y="0"/>
-          <a:chExt cx="0" cy="0"/>
-        </a:xfrm>
-      </p:grpSpPr>
-      <p:sp>
-        <p:nvSpPr>
-          <p:cNvPr id="2" name="Slide Number Placeholder 1">
-            <a:extLst>
-              <a:ext uri="{FF2B5EF4-FFF2-40B4-BE49-F238E27FC236}">
-                <a16:creationId xmlns="" xmlns:a16="http://schemas.microsoft.com/office/drawing/2014/main" id="{E2A346D2-342E-4D26-9516-C88A6E8CC150}"/>
-              </a:ext>
-            </a:extLst>
-          </p:cNvPr>
-          <p:cNvSpPr>
-            <a:spLocks noGrp="1"/>
-          </p:cNvSpPr>
-          <p:nvPr>
-            <p:ph type="sldNum" sz="quarter" idx="12"/>
-          </p:nvPr>
-        </p:nvSpPr>
-        <p:spPr/>
-        <p:txBody>
-          <a:bodyPr/>
-          <a:lstStyle/>
-          <a:p>
-            <a:fld id="{52D8BFD5-1499-4ECE-8614-7465CBDF8211}" type="slidenum">
-              <a:rPr lang="en-IN" smtClean="0"/>
-              <a:t>27</a:t>
-            </a:fld>
-            <a:endParaRPr lang="en-IN"/>
-          </a:p>
-        </p:txBody>
-      </p:sp>
-      <p:sp>
-        <p:nvSpPr>
-          <p:cNvPr id="4" name="Title 3">
-            <a:extLst>
-              <a:ext uri="{FF2B5EF4-FFF2-40B4-BE49-F238E27FC236}">
-                <a16:creationId xmlns="" xmlns:a16="http://schemas.microsoft.com/office/drawing/2014/main" id="{6C1750A8-0A53-40DB-B646-EE267E14322F}"/>
-              </a:ext>
-            </a:extLst>
-          </p:cNvPr>
-          <p:cNvSpPr>
-            <a:spLocks noGrp="1"/>
-          </p:cNvSpPr>
-          <p:nvPr>
-            <p:ph type="title"/>
-          </p:nvPr>
-        </p:nvSpPr>
-        <p:spPr/>
-        <p:txBody>
-          <a:bodyPr/>
-          <a:lstStyle/>
-          <a:p>
-            <a:r>
-              <a:rPr lang="en-US" dirty="0"/>
-              <a:t>BSL flash and initialization details</a:t>
-            </a:r>
-            <a:endParaRPr lang="en-IN" dirty="0"/>
-          </a:p>
-        </p:txBody>
-      </p:sp>
-    </p:spTree>
-    <p:extLst>
-      <p:ext uri="{BB962C8B-B14F-4D97-AF65-F5344CB8AC3E}">
-        <p14:creationId xmlns:p14="http://schemas.microsoft.com/office/powerpoint/2010/main" val="2520946203"/>
       </p:ext>
     </p:extLst>
   </p:cSld>
@@ -17377,121 +19740,42 @@
       </p:grpSpPr>
       <p:sp>
         <p:nvSpPr>
-          <p:cNvPr id="6" name="Rectangle 5"/>
-          <p:cNvSpPr/>
-          <p:nvPr/>
-        </p:nvSpPr>
-        <p:spPr>
-          <a:xfrm>
-            <a:off x="4974897" y="964842"/>
-            <a:ext cx="6378903" cy="5013326"/>
-          </a:xfrm>
-          <a:prstGeom prst="rect">
-            <a:avLst/>
-          </a:prstGeom>
-          <a:noFill/>
-          <a:ln>
-            <a:solidFill>
-              <a:schemeClr val="bg1"/>
-            </a:solidFill>
-          </a:ln>
-        </p:spPr>
-        <p:style>
-          <a:lnRef idx="2">
-            <a:schemeClr val="accent1">
-              <a:shade val="50000"/>
-            </a:schemeClr>
-          </a:lnRef>
-          <a:fillRef idx="1">
-            <a:schemeClr val="accent1"/>
-          </a:fillRef>
-          <a:effectRef idx="0">
-            <a:schemeClr val="accent1"/>
-          </a:effectRef>
-          <a:fontRef idx="minor">
-            <a:schemeClr val="lt1"/>
-          </a:fontRef>
-        </p:style>
-        <p:txBody>
-          <a:bodyPr rtlCol="0" anchor="ctr"/>
-          <a:lstStyle/>
-          <a:p>
-            <a:r>
-              <a:rPr lang="en-IN" sz="2800" dirty="0">
-                <a:solidFill>
-                  <a:schemeClr val="bg1">
-                    <a:lumMod val="65000"/>
-                  </a:schemeClr>
-                </a:solidFill>
-              </a:rPr>
-              <a:t>Electronics study for the project</a:t>
-            </a:r>
-          </a:p>
-          <a:p>
-            <a:endParaRPr lang="en-IN" sz="2800" dirty="0">
-              <a:solidFill>
-                <a:srgbClr val="0A4628"/>
-              </a:solidFill>
-            </a:endParaRPr>
-          </a:p>
-          <a:p>
-            <a:r>
-              <a:rPr lang="en-IN" sz="2800" dirty="0">
-                <a:solidFill>
-                  <a:schemeClr val="tx1">
-                    <a:lumMod val="90000"/>
-                    <a:lumOff val="10000"/>
-                  </a:schemeClr>
-                </a:solidFill>
-              </a:rPr>
-              <a:t>Station identification </a:t>
-            </a:r>
-          </a:p>
-          <a:p>
-            <a:endParaRPr lang="en-US" sz="2800" dirty="0">
-              <a:solidFill>
-                <a:schemeClr val="tx1"/>
-              </a:solidFill>
-            </a:endParaRPr>
-          </a:p>
-          <a:p>
-            <a:r>
-              <a:rPr lang="en-US" sz="2800" dirty="0">
-                <a:solidFill>
-                  <a:schemeClr val="bg1">
-                    <a:lumMod val="75000"/>
-                  </a:schemeClr>
-                </a:solidFill>
-              </a:rPr>
-              <a:t>Medtronic's clinician manual overview</a:t>
-            </a:r>
-          </a:p>
-          <a:p>
-            <a:endParaRPr lang="en-IN" sz="2800" dirty="0">
-              <a:solidFill>
-                <a:schemeClr val="bg1">
-                  <a:lumMod val="75000"/>
-                </a:schemeClr>
-              </a:solidFill>
-            </a:endParaRPr>
-          </a:p>
-          <a:p>
-            <a:r>
-              <a:rPr lang="en-US" sz="2800" dirty="0">
-                <a:solidFill>
-                  <a:schemeClr val="bg1">
-                    <a:lumMod val="75000"/>
-                  </a:schemeClr>
-                </a:solidFill>
-              </a:rPr>
-              <a:t>Requirement documentation</a:t>
-            </a:r>
-          </a:p>
-        </p:txBody>
-      </p:sp>
-      <p:sp>
-        <p:nvSpPr>
-          <p:cNvPr id="2" name="Title 1"/>
+          <p:cNvPr id="2" name="Slide Number Placeholder 1">
+            <a:extLst>
+              <a:ext uri="{FF2B5EF4-FFF2-40B4-BE49-F238E27FC236}">
+                <a16:creationId xmlns:a16="http://schemas.microsoft.com/office/drawing/2014/main" xmlns="" id="{E2A346D2-342E-4D26-9516-C88A6E8CC150}"/>
+              </a:ext>
+            </a:extLst>
+          </p:cNvPr>
+          <p:cNvSpPr>
+            <a:spLocks noGrp="1"/>
+          </p:cNvSpPr>
+          <p:nvPr>
+            <p:ph type="sldNum" sz="quarter" idx="12"/>
+          </p:nvPr>
+        </p:nvSpPr>
+        <p:spPr/>
+        <p:txBody>
+          <a:bodyPr/>
+          <a:lstStyle/>
+          <a:p>
+            <a:fld id="{52D8BFD5-1499-4ECE-8614-7465CBDF8211}" type="slidenum">
+              <a:rPr lang="en-IN" smtClean="0"/>
+              <a:t>28</a:t>
+            </a:fld>
+            <a:endParaRPr lang="en-IN"/>
+          </a:p>
+        </p:txBody>
+      </p:sp>
+      <p:sp>
+        <p:nvSpPr>
+          <p:cNvPr id="4" name="Title 3">
+            <a:extLst>
+              <a:ext uri="{FF2B5EF4-FFF2-40B4-BE49-F238E27FC236}">
+                <a16:creationId xmlns:a16="http://schemas.microsoft.com/office/drawing/2014/main" xmlns="" id="{6C1750A8-0A53-40DB-B646-EE267E14322F}"/>
+              </a:ext>
+            </a:extLst>
+          </p:cNvPr>
           <p:cNvSpPr>
             <a:spLocks noGrp="1"/>
           </p:cNvSpPr>
@@ -17499,89 +19783,309 @@
             <p:ph type="title"/>
           </p:nvPr>
         </p:nvSpPr>
-        <p:spPr>
-          <a:xfrm>
-            <a:off x="347729" y="964842"/>
-            <a:ext cx="3713346" cy="5041900"/>
-          </a:xfrm>
-        </p:spPr>
-        <p:txBody>
-          <a:bodyPr anchor="ctr">
-            <a:noAutofit/>
-          </a:bodyPr>
-          <a:lstStyle/>
-          <a:p>
-            <a:pPr algn="r"/>
+        <p:spPr/>
+        <p:txBody>
+          <a:bodyPr/>
+          <a:lstStyle/>
+          <a:p>
             <a:r>
               <a:rPr lang="en-US" dirty="0"/>
-              <a:t>Contents</a:t>
+              <a:t>BSL flash and initialization details</a:t>
             </a:r>
             <a:endParaRPr lang="en-IN" dirty="0"/>
           </a:p>
         </p:txBody>
       </p:sp>
-      <p:sp>
-        <p:nvSpPr>
-          <p:cNvPr id="5" name="Slide Number Placeholder 4"/>
-          <p:cNvSpPr>
-            <a:spLocks noGrp="1"/>
-          </p:cNvSpPr>
-          <p:nvPr>
-            <p:ph type="sldNum" sz="quarter" idx="12"/>
-          </p:nvPr>
-        </p:nvSpPr>
-        <p:spPr/>
-        <p:txBody>
-          <a:bodyPr/>
-          <a:lstStyle/>
-          <a:p>
-            <a:fld id="{52D8BFD5-1499-4ECE-8614-7465CBDF8211}" type="slidenum">
-              <a:rPr lang="en-IN" smtClean="0"/>
-              <a:t>28</a:t>
-            </a:fld>
-            <a:endParaRPr lang="en-IN"/>
-          </a:p>
-        </p:txBody>
-      </p:sp>
-      <p:cxnSp>
-        <p:nvCxnSpPr>
-          <p:cNvPr id="4" name="Straight Connector 3"/>
-          <p:cNvCxnSpPr/>
-          <p:nvPr/>
-        </p:nvCxnSpPr>
-        <p:spPr>
-          <a:xfrm>
-            <a:off x="4307374" y="1663816"/>
-            <a:ext cx="0" cy="3643952"/>
-          </a:xfrm>
-          <a:prstGeom prst="line">
-            <a:avLst/>
-          </a:prstGeom>
-          <a:ln>
-            <a:solidFill>
-              <a:schemeClr val="tx1"/>
-            </a:solidFill>
-          </a:ln>
-        </p:spPr>
-        <p:style>
-          <a:lnRef idx="1">
-            <a:schemeClr val="accent1"/>
-          </a:lnRef>
-          <a:fillRef idx="0">
-            <a:schemeClr val="accent1"/>
-          </a:fillRef>
-          <a:effectRef idx="0">
-            <a:schemeClr val="accent1"/>
-          </a:effectRef>
-          <a:fontRef idx="minor">
-            <a:schemeClr val="tx1"/>
-          </a:fontRef>
-        </p:style>
-      </p:cxnSp>
+      <p:pic>
+        <p:nvPicPr>
+          <p:cNvPr id="5" name="Picture 4">
+            <a:extLst>
+              <a:ext uri="{FF2B5EF4-FFF2-40B4-BE49-F238E27FC236}">
+                <a16:creationId xmlns:a16="http://schemas.microsoft.com/office/drawing/2014/main" xmlns="" id="{BB9815DA-59F6-4BAB-AB4A-86EB78EBAA12}"/>
+              </a:ext>
+            </a:extLst>
+          </p:cNvPr>
+          <p:cNvPicPr>
+            <a:picLocks noChangeAspect="1"/>
+          </p:cNvPicPr>
+          <p:nvPr/>
+        </p:nvPicPr>
+        <p:blipFill>
+          <a:blip r:embed="rId2"/>
+          <a:stretch>
+            <a:fillRect/>
+          </a:stretch>
+        </p:blipFill>
+        <p:spPr>
+          <a:xfrm>
+            <a:off x="0" y="3300944"/>
+            <a:ext cx="5021327" cy="2506771"/>
+          </a:xfrm>
+          <a:prstGeom prst="rect">
+            <a:avLst/>
+          </a:prstGeom>
+        </p:spPr>
+      </p:pic>
+      <p:pic>
+        <p:nvPicPr>
+          <p:cNvPr id="8" name="Picture 7">
+            <a:extLst>
+              <a:ext uri="{FF2B5EF4-FFF2-40B4-BE49-F238E27FC236}">
+                <a16:creationId xmlns:a16="http://schemas.microsoft.com/office/drawing/2014/main" xmlns="" id="{7BD68EB2-2E4C-46CD-A60A-A88FC0735E68}"/>
+              </a:ext>
+            </a:extLst>
+          </p:cNvPr>
+          <p:cNvPicPr>
+            <a:picLocks noChangeAspect="1"/>
+          </p:cNvPicPr>
+          <p:nvPr/>
+        </p:nvPicPr>
+        <p:blipFill>
+          <a:blip r:embed="rId3"/>
+          <a:stretch>
+            <a:fillRect/>
+          </a:stretch>
+        </p:blipFill>
+        <p:spPr>
+          <a:xfrm>
+            <a:off x="12699" y="838738"/>
+            <a:ext cx="5137891" cy="2531105"/>
+          </a:xfrm>
+          <a:prstGeom prst="rect">
+            <a:avLst/>
+          </a:prstGeom>
+        </p:spPr>
+      </p:pic>
+      <p:pic>
+        <p:nvPicPr>
+          <p:cNvPr id="10" name="Picture 9">
+            <a:extLst>
+              <a:ext uri="{FF2B5EF4-FFF2-40B4-BE49-F238E27FC236}">
+                <a16:creationId xmlns:a16="http://schemas.microsoft.com/office/drawing/2014/main" xmlns="" id="{90576CD5-D521-499A-A330-5AA00E4C02C0}"/>
+              </a:ext>
+            </a:extLst>
+          </p:cNvPr>
+          <p:cNvPicPr>
+            <a:picLocks noChangeAspect="1"/>
+          </p:cNvPicPr>
+          <p:nvPr/>
+        </p:nvPicPr>
+        <p:blipFill>
+          <a:blip r:embed="rId4"/>
+          <a:stretch>
+            <a:fillRect/>
+          </a:stretch>
+        </p:blipFill>
+        <p:spPr>
+          <a:xfrm>
+            <a:off x="3415161" y="1308514"/>
+            <a:ext cx="10113085" cy="4240971"/>
+          </a:xfrm>
+          <a:prstGeom prst="rect">
+            <a:avLst/>
+          </a:prstGeom>
+        </p:spPr>
+      </p:pic>
+      <p:sp>
+        <p:nvSpPr>
+          <p:cNvPr id="3" name="Rectangle 2">
+            <a:extLst>
+              <a:ext uri="{FF2B5EF4-FFF2-40B4-BE49-F238E27FC236}">
+                <a16:creationId xmlns:a16="http://schemas.microsoft.com/office/drawing/2014/main" xmlns="" id="{E9F5EE9B-EAD7-49D1-8A36-6D3A13E39462}"/>
+              </a:ext>
+            </a:extLst>
+          </p:cNvPr>
+          <p:cNvSpPr/>
+          <p:nvPr/>
+        </p:nvSpPr>
+        <p:spPr>
+          <a:xfrm>
+            <a:off x="101599" y="2395494"/>
+            <a:ext cx="685799" cy="279400"/>
+          </a:xfrm>
+          <a:prstGeom prst="rect">
+            <a:avLst/>
+          </a:prstGeom>
+        </p:spPr>
+        <p:style>
+          <a:lnRef idx="2">
+            <a:schemeClr val="accent1">
+              <a:shade val="50000"/>
+            </a:schemeClr>
+          </a:lnRef>
+          <a:fillRef idx="1">
+            <a:schemeClr val="accent1"/>
+          </a:fillRef>
+          <a:effectRef idx="0">
+            <a:schemeClr val="accent1"/>
+          </a:effectRef>
+          <a:fontRef idx="minor">
+            <a:schemeClr val="lt1"/>
+          </a:fontRef>
+        </p:style>
+        <p:txBody>
+          <a:bodyPr rtlCol="0" anchor="ctr"/>
+          <a:lstStyle/>
+          <a:p>
+            <a:pPr algn="ctr"/>
+            <a:r>
+              <a:rPr lang="en-IN" sz="1200" dirty="0"/>
+              <a:t>UP pin</a:t>
+            </a:r>
+          </a:p>
+        </p:txBody>
+      </p:sp>
+      <p:sp>
+        <p:nvSpPr>
+          <p:cNvPr id="9" name="Rectangle 8">
+            <a:extLst>
+              <a:ext uri="{FF2B5EF4-FFF2-40B4-BE49-F238E27FC236}">
+                <a16:creationId xmlns:a16="http://schemas.microsoft.com/office/drawing/2014/main" xmlns="" id="{31C46744-FA39-43C5-B4AE-0CB44CE09187}"/>
+              </a:ext>
+            </a:extLst>
+          </p:cNvPr>
+          <p:cNvSpPr/>
+          <p:nvPr/>
+        </p:nvSpPr>
+        <p:spPr>
+          <a:xfrm>
+            <a:off x="-76202" y="1847703"/>
+            <a:ext cx="1041399" cy="282791"/>
+          </a:xfrm>
+          <a:prstGeom prst="rect">
+            <a:avLst/>
+          </a:prstGeom>
+        </p:spPr>
+        <p:style>
+          <a:lnRef idx="2">
+            <a:schemeClr val="accent1">
+              <a:shade val="50000"/>
+            </a:schemeClr>
+          </a:lnRef>
+          <a:fillRef idx="1">
+            <a:schemeClr val="accent1"/>
+          </a:fillRef>
+          <a:effectRef idx="0">
+            <a:schemeClr val="accent1"/>
+          </a:effectRef>
+          <a:fontRef idx="minor">
+            <a:schemeClr val="lt1"/>
+          </a:fontRef>
+        </p:style>
+        <p:txBody>
+          <a:bodyPr rtlCol="0" anchor="ctr"/>
+          <a:lstStyle/>
+          <a:p>
+            <a:pPr algn="ctr"/>
+            <a:r>
+              <a:rPr lang="en-IN" sz="1200" dirty="0"/>
+              <a:t>DOWN pin</a:t>
+            </a:r>
+          </a:p>
+        </p:txBody>
+      </p:sp>
+      <p:sp>
+        <p:nvSpPr>
+          <p:cNvPr id="13" name="Rectangle 12">
+            <a:extLst>
+              <a:ext uri="{FF2B5EF4-FFF2-40B4-BE49-F238E27FC236}">
+                <a16:creationId xmlns:a16="http://schemas.microsoft.com/office/drawing/2014/main" xmlns="" id="{3FC4941D-2BA9-4202-A201-4D899D3D1CC9}"/>
+              </a:ext>
+            </a:extLst>
+          </p:cNvPr>
+          <p:cNvSpPr/>
+          <p:nvPr/>
+        </p:nvSpPr>
+        <p:spPr>
+          <a:xfrm>
+            <a:off x="-76202" y="4926599"/>
+            <a:ext cx="685799" cy="279400"/>
+          </a:xfrm>
+          <a:prstGeom prst="rect">
+            <a:avLst/>
+          </a:prstGeom>
+        </p:spPr>
+        <p:style>
+          <a:lnRef idx="2">
+            <a:schemeClr val="accent1">
+              <a:shade val="50000"/>
+            </a:schemeClr>
+          </a:lnRef>
+          <a:fillRef idx="1">
+            <a:schemeClr val="accent1"/>
+          </a:fillRef>
+          <a:effectRef idx="0">
+            <a:schemeClr val="accent1"/>
+          </a:effectRef>
+          <a:fontRef idx="minor">
+            <a:schemeClr val="lt1"/>
+          </a:fontRef>
+        </p:style>
+        <p:txBody>
+          <a:bodyPr rtlCol="0" anchor="ctr"/>
+          <a:lstStyle/>
+          <a:p>
+            <a:pPr algn="ctr"/>
+            <a:r>
+              <a:rPr lang="en-IN" sz="1200" dirty="0"/>
+              <a:t>UP pin</a:t>
+            </a:r>
+          </a:p>
+        </p:txBody>
+      </p:sp>
+      <p:sp>
+        <p:nvSpPr>
+          <p:cNvPr id="14" name="Rectangle 13">
+            <a:extLst>
+              <a:ext uri="{FF2B5EF4-FFF2-40B4-BE49-F238E27FC236}">
+                <a16:creationId xmlns:a16="http://schemas.microsoft.com/office/drawing/2014/main" xmlns="" id="{D06F4BA9-4183-4CED-9937-CEB561861252}"/>
+              </a:ext>
+            </a:extLst>
+          </p:cNvPr>
+          <p:cNvSpPr/>
+          <p:nvPr/>
+        </p:nvSpPr>
+        <p:spPr>
+          <a:xfrm>
+            <a:off x="-254003" y="4378808"/>
+            <a:ext cx="1041399" cy="282791"/>
+          </a:xfrm>
+          <a:prstGeom prst="rect">
+            <a:avLst/>
+          </a:prstGeom>
+        </p:spPr>
+        <p:style>
+          <a:lnRef idx="2">
+            <a:schemeClr val="accent1">
+              <a:shade val="50000"/>
+            </a:schemeClr>
+          </a:lnRef>
+          <a:fillRef idx="1">
+            <a:schemeClr val="accent1"/>
+          </a:fillRef>
+          <a:effectRef idx="0">
+            <a:schemeClr val="accent1"/>
+          </a:effectRef>
+          <a:fontRef idx="minor">
+            <a:schemeClr val="lt1"/>
+          </a:fontRef>
+        </p:style>
+        <p:txBody>
+          <a:bodyPr rtlCol="0" anchor="ctr"/>
+          <a:lstStyle/>
+          <a:p>
+            <a:pPr algn="ctr"/>
+            <a:r>
+              <a:rPr lang="en-IN" sz="1200" dirty="0"/>
+              <a:t>DOWN pin</a:t>
+            </a:r>
+          </a:p>
+        </p:txBody>
+      </p:sp>
     </p:spTree>
     <p:extLst>
       <p:ext uri="{BB962C8B-B14F-4D97-AF65-F5344CB8AC3E}">
-        <p14:creationId xmlns:p14="http://schemas.microsoft.com/office/powerpoint/2010/main" val="68118721"/>
+        <p14:creationId xmlns:p14="http://schemas.microsoft.com/office/powerpoint/2010/main" val="1263315403"/>
       </p:ext>
     </p:extLst>
   </p:cSld>
@@ -17613,7 +20117,7 @@
           <p:cNvPr id="2" name="Slide Number Placeholder 1">
             <a:extLst>
               <a:ext uri="{FF2B5EF4-FFF2-40B4-BE49-F238E27FC236}">
-                <a16:creationId xmlns="" xmlns:a16="http://schemas.microsoft.com/office/drawing/2014/main" id="{E2A346D2-342E-4D26-9516-C88A6E8CC150}"/>
+                <a16:creationId xmlns:a16="http://schemas.microsoft.com/office/drawing/2014/main" xmlns="" id="{E2A346D2-342E-4D26-9516-C88A6E8CC150}"/>
               </a:ext>
             </a:extLst>
           </p:cNvPr>
@@ -17642,7 +20146,7 @@
           <p:cNvPr id="4" name="Title 3">
             <a:extLst>
               <a:ext uri="{FF2B5EF4-FFF2-40B4-BE49-F238E27FC236}">
-                <a16:creationId xmlns="" xmlns:a16="http://schemas.microsoft.com/office/drawing/2014/main" id="{6C1750A8-0A53-40DB-B646-EE267E14322F}"/>
+                <a16:creationId xmlns:a16="http://schemas.microsoft.com/office/drawing/2014/main" xmlns="" id="{6C1750A8-0A53-40DB-B646-EE267E14322F}"/>
               </a:ext>
             </a:extLst>
           </p:cNvPr>
@@ -17660,84 +20164,8 @@
           <a:p>
             <a:r>
               <a:rPr lang="en-US" dirty="0"/>
-              <a:t>I2c communication</a:t>
+              <a:t>BSL flash and initialization details</a:t>
             </a:r>
-            <a:endParaRPr lang="en-IN" dirty="0"/>
-          </a:p>
-        </p:txBody>
-      </p:sp>
-      <p:sp>
-        <p:nvSpPr>
-          <p:cNvPr id="3" name="TextBox 2">
-            <a:extLst>
-              <a:ext uri="{FF2B5EF4-FFF2-40B4-BE49-F238E27FC236}">
-                <a16:creationId xmlns="" xmlns:a16="http://schemas.microsoft.com/office/drawing/2014/main" id="{4C8A33BE-BCFD-4DC2-8DAA-C0323B96BAA8}"/>
-              </a:ext>
-            </a:extLst>
-          </p:cNvPr>
-          <p:cNvSpPr txBox="1"/>
-          <p:nvPr/>
-        </p:nvSpPr>
-        <p:spPr>
-          <a:xfrm>
-            <a:off x="1364974" y="1577009"/>
-            <a:ext cx="3419061" cy="1477328"/>
-          </a:xfrm>
-          <a:prstGeom prst="rect">
-            <a:avLst/>
-          </a:prstGeom>
-          <a:noFill/>
-        </p:spPr>
-        <p:txBody>
-          <a:bodyPr wrap="square" rtlCol="0">
-            <a:spAutoFit/>
-          </a:bodyPr>
-          <a:lstStyle/>
-          <a:p>
-            <a:pPr marL="285750" indent="-285750">
-              <a:buFont typeface="Arial" panose="020B0604020202020204" pitchFamily="34" charset="0"/>
-              <a:buChar char="•"/>
-            </a:pPr>
-            <a:r>
-              <a:rPr lang="en-IN" dirty="0"/>
-              <a:t>Station 1 : Coin singling </a:t>
-            </a:r>
-          </a:p>
-          <a:p>
-            <a:pPr marL="285750" indent="-285750">
-              <a:buFont typeface="Arial" panose="020B0604020202020204" pitchFamily="34" charset="0"/>
-              <a:buChar char="•"/>
-            </a:pPr>
-            <a:r>
-              <a:rPr lang="en-IN" dirty="0"/>
-              <a:t>Station 2 : </a:t>
-            </a:r>
-          </a:p>
-          <a:p>
-            <a:pPr marL="285750" indent="-285750">
-              <a:buFont typeface="Arial" panose="020B0604020202020204" pitchFamily="34" charset="0"/>
-              <a:buChar char="•"/>
-            </a:pPr>
-            <a:r>
-              <a:rPr lang="en-IN" dirty="0"/>
-              <a:t>Station 3 : </a:t>
-            </a:r>
-          </a:p>
-          <a:p>
-            <a:pPr marL="285750" indent="-285750">
-              <a:buFont typeface="Arial" panose="020B0604020202020204" pitchFamily="34" charset="0"/>
-              <a:buChar char="•"/>
-            </a:pPr>
-            <a:r>
-              <a:rPr lang="en-IN" dirty="0"/>
-              <a:t>Station 4 :</a:t>
-            </a:r>
-          </a:p>
-          <a:p>
-            <a:pPr marL="285750" indent="-285750">
-              <a:buFont typeface="Arial" panose="020B0604020202020204" pitchFamily="34" charset="0"/>
-              <a:buChar char="•"/>
-            </a:pPr>
             <a:endParaRPr lang="en-IN" dirty="0"/>
           </a:p>
         </p:txBody>
@@ -17745,7 +20173,7 @@
     </p:spTree>
     <p:extLst>
       <p:ext uri="{BB962C8B-B14F-4D97-AF65-F5344CB8AC3E}">
-        <p14:creationId xmlns:p14="http://schemas.microsoft.com/office/powerpoint/2010/main" val="1440605404"/>
+        <p14:creationId xmlns:p14="http://schemas.microsoft.com/office/powerpoint/2010/main" val="3649323079"/>
       </p:ext>
     </p:extLst>
   </p:cSld>
@@ -17777,7 +20205,7 @@
           <p:cNvPr id="2" name="Footer Placeholder 1">
             <a:extLst>
               <a:ext uri="{FF2B5EF4-FFF2-40B4-BE49-F238E27FC236}">
-                <a16:creationId xmlns="" xmlns:a16="http://schemas.microsoft.com/office/drawing/2014/main" id="{F27EA32B-0CF3-8649-B654-2B6622F6309D}"/>
+                <a16:creationId xmlns:a16="http://schemas.microsoft.com/office/drawing/2014/main" xmlns="" id="{F27EA32B-0CF3-8649-B654-2B6622F6309D}"/>
               </a:ext>
             </a:extLst>
           </p:cNvPr>
@@ -17807,7 +20235,7 @@
           <p:cNvPr id="3" name="Content Placeholder 2">
             <a:extLst>
               <a:ext uri="{FF2B5EF4-FFF2-40B4-BE49-F238E27FC236}">
-                <a16:creationId xmlns="" xmlns:a16="http://schemas.microsoft.com/office/drawing/2014/main" id="{1DE29D62-620F-2A47-92A9-9A84D907130A}"/>
+                <a16:creationId xmlns:a16="http://schemas.microsoft.com/office/drawing/2014/main" xmlns="" id="{1DE29D62-620F-2A47-92A9-9A84D907130A}"/>
               </a:ext>
             </a:extLst>
           </p:cNvPr>
@@ -18887,7 +21315,7 @@
           <p:cNvPr id="39" name="TextBox 38">
             <a:extLst>
               <a:ext uri="{FF2B5EF4-FFF2-40B4-BE49-F238E27FC236}">
-                <a16:creationId xmlns="" xmlns:a16="http://schemas.microsoft.com/office/drawing/2014/main" id="{D4FEF5E9-6905-4A65-9D3E-F1282B530020}"/>
+                <a16:creationId xmlns:a16="http://schemas.microsoft.com/office/drawing/2014/main" xmlns="" id="{D4FEF5E9-6905-4A65-9D3E-F1282B530020}"/>
               </a:ext>
             </a:extLst>
           </p:cNvPr>
@@ -18923,7 +21351,7 @@
           <p:cNvPr id="4" name="Oval 3">
             <a:extLst>
               <a:ext uri="{FF2B5EF4-FFF2-40B4-BE49-F238E27FC236}">
-                <a16:creationId xmlns="" xmlns:a16="http://schemas.microsoft.com/office/drawing/2014/main" id="{128C3B63-A86C-4436-A5F6-DC4FB1AFC3D5}"/>
+                <a16:creationId xmlns:a16="http://schemas.microsoft.com/office/drawing/2014/main" xmlns="" id="{128C3B63-A86C-4436-A5F6-DC4FB1AFC3D5}"/>
               </a:ext>
             </a:extLst>
           </p:cNvPr>
@@ -18969,7 +21397,7 @@
           <p:cNvPr id="6" name="Straight Arrow Connector 5">
             <a:extLst>
               <a:ext uri="{FF2B5EF4-FFF2-40B4-BE49-F238E27FC236}">
-                <a16:creationId xmlns="" xmlns:a16="http://schemas.microsoft.com/office/drawing/2014/main" id="{5D925F51-6936-4713-B2A9-17734C2D19DF}"/>
+                <a16:creationId xmlns:a16="http://schemas.microsoft.com/office/drawing/2014/main" xmlns="" id="{5D925F51-6936-4713-B2A9-17734C2D19DF}"/>
               </a:ext>
             </a:extLst>
           </p:cNvPr>
@@ -19008,7 +21436,7 @@
           <p:cNvPr id="7" name="Rectangle 6">
             <a:extLst>
               <a:ext uri="{FF2B5EF4-FFF2-40B4-BE49-F238E27FC236}">
-                <a16:creationId xmlns="" xmlns:a16="http://schemas.microsoft.com/office/drawing/2014/main" id="{CE49328A-939E-4CAD-A5E5-085E957396F0}"/>
+                <a16:creationId xmlns:a16="http://schemas.microsoft.com/office/drawing/2014/main" xmlns="" id="{CE49328A-939E-4CAD-A5E5-085E957396F0}"/>
               </a:ext>
             </a:extLst>
           </p:cNvPr>
@@ -19057,7 +21485,7 @@
           <p:cNvPr id="43" name="Straight Arrow Connector 42">
             <a:extLst>
               <a:ext uri="{FF2B5EF4-FFF2-40B4-BE49-F238E27FC236}">
-                <a16:creationId xmlns="" xmlns:a16="http://schemas.microsoft.com/office/drawing/2014/main" id="{43789B20-F253-41C5-B339-F306F0F72B1D}"/>
+                <a16:creationId xmlns:a16="http://schemas.microsoft.com/office/drawing/2014/main" xmlns="" id="{43789B20-F253-41C5-B339-F306F0F72B1D}"/>
               </a:ext>
             </a:extLst>
           </p:cNvPr>
@@ -19100,7 +21528,7 @@
           <p:cNvPr id="51" name="Straight Arrow Connector 50">
             <a:extLst>
               <a:ext uri="{FF2B5EF4-FFF2-40B4-BE49-F238E27FC236}">
-                <a16:creationId xmlns="" xmlns:a16="http://schemas.microsoft.com/office/drawing/2014/main" id="{5BBD2559-784F-47CF-B05B-7D79DC37652A}"/>
+                <a16:creationId xmlns:a16="http://schemas.microsoft.com/office/drawing/2014/main" xmlns="" id="{5BBD2559-784F-47CF-B05B-7D79DC37652A}"/>
               </a:ext>
             </a:extLst>
           </p:cNvPr>
@@ -19142,7 +21570,7 @@
           <p:cNvPr id="56" name="Straight Arrow Connector 55">
             <a:extLst>
               <a:ext uri="{FF2B5EF4-FFF2-40B4-BE49-F238E27FC236}">
-                <a16:creationId xmlns="" xmlns:a16="http://schemas.microsoft.com/office/drawing/2014/main" id="{4FF9B2BE-FCC9-4AF3-BE91-C682ED0999E3}"/>
+                <a16:creationId xmlns:a16="http://schemas.microsoft.com/office/drawing/2014/main" xmlns="" id="{4FF9B2BE-FCC9-4AF3-BE91-C682ED0999E3}"/>
               </a:ext>
             </a:extLst>
           </p:cNvPr>
@@ -19181,7 +21609,7 @@
           <p:cNvPr id="58" name="Straight Arrow Connector 57">
             <a:extLst>
               <a:ext uri="{FF2B5EF4-FFF2-40B4-BE49-F238E27FC236}">
-                <a16:creationId xmlns="" xmlns:a16="http://schemas.microsoft.com/office/drawing/2014/main" id="{FDF6A6F0-46BB-45BD-9C24-FB82EC6D26D4}"/>
+                <a16:creationId xmlns:a16="http://schemas.microsoft.com/office/drawing/2014/main" xmlns="" id="{FDF6A6F0-46BB-45BD-9C24-FB82EC6D26D4}"/>
               </a:ext>
             </a:extLst>
           </p:cNvPr>
@@ -19220,7 +21648,7 @@
           <p:cNvPr id="59" name="Straight Connector 58">
             <a:extLst>
               <a:ext uri="{FF2B5EF4-FFF2-40B4-BE49-F238E27FC236}">
-                <a16:creationId xmlns="" xmlns:a16="http://schemas.microsoft.com/office/drawing/2014/main" id="{DDDED15D-6B63-4C01-B370-2D025ADA99BB}"/>
+                <a16:creationId xmlns:a16="http://schemas.microsoft.com/office/drawing/2014/main" xmlns="" id="{DDDED15D-6B63-4C01-B370-2D025ADA99BB}"/>
               </a:ext>
             </a:extLst>
           </p:cNvPr>
@@ -19259,7 +21687,7 @@
           <p:cNvPr id="60" name="TextBox 59">
             <a:extLst>
               <a:ext uri="{FF2B5EF4-FFF2-40B4-BE49-F238E27FC236}">
-                <a16:creationId xmlns="" xmlns:a16="http://schemas.microsoft.com/office/drawing/2014/main" id="{08D14B3D-8EE2-4F03-92B6-1F212A0CB1EC}"/>
+                <a16:creationId xmlns:a16="http://schemas.microsoft.com/office/drawing/2014/main" xmlns="" id="{08D14B3D-8EE2-4F03-92B6-1F212A0CB1EC}"/>
               </a:ext>
             </a:extLst>
           </p:cNvPr>
@@ -19295,7 +21723,7 @@
           <p:cNvPr id="62" name="Straight Arrow Connector 61">
             <a:extLst>
               <a:ext uri="{FF2B5EF4-FFF2-40B4-BE49-F238E27FC236}">
-                <a16:creationId xmlns="" xmlns:a16="http://schemas.microsoft.com/office/drawing/2014/main" id="{9D1D6C67-6728-4DB3-A0B1-532A585C2F31}"/>
+                <a16:creationId xmlns:a16="http://schemas.microsoft.com/office/drawing/2014/main" xmlns="" id="{9D1D6C67-6728-4DB3-A0B1-532A585C2F31}"/>
               </a:ext>
             </a:extLst>
           </p:cNvPr>
@@ -19336,7 +21764,7 @@
           <p:cNvPr id="64" name="TextBox 63">
             <a:extLst>
               <a:ext uri="{FF2B5EF4-FFF2-40B4-BE49-F238E27FC236}">
-                <a16:creationId xmlns="" xmlns:a16="http://schemas.microsoft.com/office/drawing/2014/main" id="{6AE42922-D694-4789-9632-E3E44DE28AC0}"/>
+                <a16:creationId xmlns:a16="http://schemas.microsoft.com/office/drawing/2014/main" xmlns="" id="{6AE42922-D694-4789-9632-E3E44DE28AC0}"/>
               </a:ext>
             </a:extLst>
           </p:cNvPr>
@@ -19372,7 +21800,7 @@
           <p:cNvPr id="66" name="TextBox 65">
             <a:extLst>
               <a:ext uri="{FF2B5EF4-FFF2-40B4-BE49-F238E27FC236}">
-                <a16:creationId xmlns="" xmlns:a16="http://schemas.microsoft.com/office/drawing/2014/main" id="{4B72E697-9802-461E-89F0-5FD5FD3AE2CF}"/>
+                <a16:creationId xmlns:a16="http://schemas.microsoft.com/office/drawing/2014/main" xmlns="" id="{4B72E697-9802-461E-89F0-5FD5FD3AE2CF}"/>
               </a:ext>
             </a:extLst>
           </p:cNvPr>
@@ -19408,7 +21836,7 @@
           <p:cNvPr id="67" name="TextBox 66">
             <a:extLst>
               <a:ext uri="{FF2B5EF4-FFF2-40B4-BE49-F238E27FC236}">
-                <a16:creationId xmlns="" xmlns:a16="http://schemas.microsoft.com/office/drawing/2014/main" id="{CAB25C06-899F-4E59-A1DF-E6C0FFA4A24C}"/>
+                <a16:creationId xmlns:a16="http://schemas.microsoft.com/office/drawing/2014/main" xmlns="" id="{CAB25C06-899F-4E59-A1DF-E6C0FFA4A24C}"/>
               </a:ext>
             </a:extLst>
           </p:cNvPr>
@@ -19444,7 +21872,7 @@
           <p:cNvPr id="76" name="Oval 75">
             <a:extLst>
               <a:ext uri="{FF2B5EF4-FFF2-40B4-BE49-F238E27FC236}">
-                <a16:creationId xmlns="" xmlns:a16="http://schemas.microsoft.com/office/drawing/2014/main" id="{DC0326C9-7BFC-47C8-A844-3AAE9BD08B82}"/>
+                <a16:creationId xmlns:a16="http://schemas.microsoft.com/office/drawing/2014/main" xmlns="" id="{DC0326C9-7BFC-47C8-A844-3AAE9BD08B82}"/>
               </a:ext>
             </a:extLst>
           </p:cNvPr>
@@ -19490,7 +21918,7 @@
           <p:cNvPr id="77" name="TextBox 76">
             <a:extLst>
               <a:ext uri="{FF2B5EF4-FFF2-40B4-BE49-F238E27FC236}">
-                <a16:creationId xmlns="" xmlns:a16="http://schemas.microsoft.com/office/drawing/2014/main" id="{ED9CD9F3-E096-4836-BBF3-9EA1AA83F809}"/>
+                <a16:creationId xmlns:a16="http://schemas.microsoft.com/office/drawing/2014/main" xmlns="" id="{ED9CD9F3-E096-4836-BBF3-9EA1AA83F809}"/>
               </a:ext>
             </a:extLst>
           </p:cNvPr>
@@ -19526,7 +21954,7 @@
           <p:cNvPr id="79" name="Rectangle 78">
             <a:extLst>
               <a:ext uri="{FF2B5EF4-FFF2-40B4-BE49-F238E27FC236}">
-                <a16:creationId xmlns="" xmlns:a16="http://schemas.microsoft.com/office/drawing/2014/main" id="{F5F0B81E-12D9-4F95-8370-7FB191157DAD}"/>
+                <a16:creationId xmlns:a16="http://schemas.microsoft.com/office/drawing/2014/main" xmlns="" id="{F5F0B81E-12D9-4F95-8370-7FB191157DAD}"/>
               </a:ext>
             </a:extLst>
           </p:cNvPr>
@@ -19575,7 +22003,7 @@
           <p:cNvPr id="81" name="Straight Arrow Connector 80">
             <a:extLst>
               <a:ext uri="{FF2B5EF4-FFF2-40B4-BE49-F238E27FC236}">
-                <a16:creationId xmlns="" xmlns:a16="http://schemas.microsoft.com/office/drawing/2014/main" id="{21CA8CB6-E33F-4982-8826-876680C9017C}"/>
+                <a16:creationId xmlns:a16="http://schemas.microsoft.com/office/drawing/2014/main" xmlns="" id="{21CA8CB6-E33F-4982-8826-876680C9017C}"/>
               </a:ext>
             </a:extLst>
           </p:cNvPr>
@@ -19618,7 +22046,7 @@
           <p:cNvPr id="84" name="TextBox 83">
             <a:extLst>
               <a:ext uri="{FF2B5EF4-FFF2-40B4-BE49-F238E27FC236}">
-                <a16:creationId xmlns="" xmlns:a16="http://schemas.microsoft.com/office/drawing/2014/main" id="{8F71E3F8-8318-42F4-8B69-C49502F04E49}"/>
+                <a16:creationId xmlns:a16="http://schemas.microsoft.com/office/drawing/2014/main" xmlns="" id="{8F71E3F8-8318-42F4-8B69-C49502F04E49}"/>
               </a:ext>
             </a:extLst>
           </p:cNvPr>
@@ -19654,7 +22082,7 @@
           <p:cNvPr id="85" name="TextBox 84">
             <a:extLst>
               <a:ext uri="{FF2B5EF4-FFF2-40B4-BE49-F238E27FC236}">
-                <a16:creationId xmlns="" xmlns:a16="http://schemas.microsoft.com/office/drawing/2014/main" id="{DA71C3C3-CD47-4F7B-B085-7EC34E236C04}"/>
+                <a16:creationId xmlns:a16="http://schemas.microsoft.com/office/drawing/2014/main" xmlns="" id="{DA71C3C3-CD47-4F7B-B085-7EC34E236C04}"/>
               </a:ext>
             </a:extLst>
           </p:cNvPr>
@@ -19690,7 +22118,7 @@
           <p:cNvPr id="86" name="TextBox 85">
             <a:extLst>
               <a:ext uri="{FF2B5EF4-FFF2-40B4-BE49-F238E27FC236}">
-                <a16:creationId xmlns="" xmlns:a16="http://schemas.microsoft.com/office/drawing/2014/main" id="{9F8A65B3-4AD0-4472-845F-1FDBDA3973C6}"/>
+                <a16:creationId xmlns:a16="http://schemas.microsoft.com/office/drawing/2014/main" xmlns="" id="{9F8A65B3-4AD0-4472-845F-1FDBDA3973C6}"/>
               </a:ext>
             </a:extLst>
           </p:cNvPr>
@@ -19726,7 +22154,7 @@
           <p:cNvPr id="69" name="TextBox 68">
             <a:extLst>
               <a:ext uri="{FF2B5EF4-FFF2-40B4-BE49-F238E27FC236}">
-                <a16:creationId xmlns="" xmlns:a16="http://schemas.microsoft.com/office/drawing/2014/main" id="{1613B50E-D8D6-4A58-BD1E-9678BC9FD56A}"/>
+                <a16:creationId xmlns:a16="http://schemas.microsoft.com/office/drawing/2014/main" xmlns="" id="{1613B50E-D8D6-4A58-BD1E-9678BC9FD56A}"/>
               </a:ext>
             </a:extLst>
           </p:cNvPr>
@@ -19789,6 +22217,491 @@
       </p:grpSpPr>
       <p:sp>
         <p:nvSpPr>
+          <p:cNvPr id="2" name="Slide Number Placeholder 1">
+            <a:extLst>
+              <a:ext uri="{FF2B5EF4-FFF2-40B4-BE49-F238E27FC236}">
+                <a16:creationId xmlns:a16="http://schemas.microsoft.com/office/drawing/2014/main" xmlns="" id="{E2A346D2-342E-4D26-9516-C88A6E8CC150}"/>
+              </a:ext>
+            </a:extLst>
+          </p:cNvPr>
+          <p:cNvSpPr>
+            <a:spLocks noGrp="1"/>
+          </p:cNvSpPr>
+          <p:nvPr>
+            <p:ph type="sldNum" sz="quarter" idx="12"/>
+          </p:nvPr>
+        </p:nvSpPr>
+        <p:spPr/>
+        <p:txBody>
+          <a:bodyPr/>
+          <a:lstStyle/>
+          <a:p>
+            <a:fld id="{52D8BFD5-1499-4ECE-8614-7465CBDF8211}" type="slidenum">
+              <a:rPr lang="en-IN" smtClean="0"/>
+              <a:t>30</a:t>
+            </a:fld>
+            <a:endParaRPr lang="en-IN"/>
+          </a:p>
+        </p:txBody>
+      </p:sp>
+      <p:sp>
+        <p:nvSpPr>
+          <p:cNvPr id="4" name="Title 3">
+            <a:extLst>
+              <a:ext uri="{FF2B5EF4-FFF2-40B4-BE49-F238E27FC236}">
+                <a16:creationId xmlns:a16="http://schemas.microsoft.com/office/drawing/2014/main" xmlns="" id="{6C1750A8-0A53-40DB-B646-EE267E14322F}"/>
+              </a:ext>
+            </a:extLst>
+          </p:cNvPr>
+          <p:cNvSpPr>
+            <a:spLocks noGrp="1"/>
+          </p:cNvSpPr>
+          <p:nvPr>
+            <p:ph type="title"/>
+          </p:nvPr>
+        </p:nvSpPr>
+        <p:spPr/>
+        <p:txBody>
+          <a:bodyPr/>
+          <a:lstStyle/>
+          <a:p>
+            <a:r>
+              <a:rPr lang="en-US" dirty="0"/>
+              <a:t>BSL flash and initialization details</a:t>
+            </a:r>
+            <a:endParaRPr lang="en-IN" dirty="0"/>
+          </a:p>
+        </p:txBody>
+      </p:sp>
+    </p:spTree>
+    <p:extLst>
+      <p:ext uri="{BB962C8B-B14F-4D97-AF65-F5344CB8AC3E}">
+        <p14:creationId xmlns:p14="http://schemas.microsoft.com/office/powerpoint/2010/main" val="2520946203"/>
+      </p:ext>
+    </p:extLst>
+  </p:cSld>
+  <p:clrMapOvr>
+    <a:masterClrMapping/>
+  </p:clrMapOvr>
+</p:sld>
+</file>
+
+<file path=ppt/slides/slide31.xml><?xml version="1.0" encoding="utf-8"?>
+<p:sld xmlns:a="http://schemas.openxmlformats.org/drawingml/2006/main" xmlns:r="http://schemas.openxmlformats.org/officeDocument/2006/relationships" xmlns:p="http://schemas.openxmlformats.org/presentationml/2006/main">
+  <p:cSld>
+    <p:spTree>
+      <p:nvGrpSpPr>
+        <p:cNvPr id="1" name=""/>
+        <p:cNvGrpSpPr/>
+        <p:nvPr/>
+      </p:nvGrpSpPr>
+      <p:grpSpPr>
+        <a:xfrm>
+          <a:off x="0" y="0"/>
+          <a:ext cx="0" cy="0"/>
+          <a:chOff x="0" y="0"/>
+          <a:chExt cx="0" cy="0"/>
+        </a:xfrm>
+      </p:grpSpPr>
+      <p:sp>
+        <p:nvSpPr>
+          <p:cNvPr id="6" name="Rectangle 5"/>
+          <p:cNvSpPr/>
+          <p:nvPr/>
+        </p:nvSpPr>
+        <p:spPr>
+          <a:xfrm>
+            <a:off x="4974897" y="964842"/>
+            <a:ext cx="6378903" cy="5013326"/>
+          </a:xfrm>
+          <a:prstGeom prst="rect">
+            <a:avLst/>
+          </a:prstGeom>
+          <a:noFill/>
+          <a:ln>
+            <a:solidFill>
+              <a:schemeClr val="bg1"/>
+            </a:solidFill>
+          </a:ln>
+        </p:spPr>
+        <p:style>
+          <a:lnRef idx="2">
+            <a:schemeClr val="accent1">
+              <a:shade val="50000"/>
+            </a:schemeClr>
+          </a:lnRef>
+          <a:fillRef idx="1">
+            <a:schemeClr val="accent1"/>
+          </a:fillRef>
+          <a:effectRef idx="0">
+            <a:schemeClr val="accent1"/>
+          </a:effectRef>
+          <a:fontRef idx="minor">
+            <a:schemeClr val="lt1"/>
+          </a:fontRef>
+        </p:style>
+        <p:txBody>
+          <a:bodyPr rtlCol="0" anchor="ctr"/>
+          <a:lstStyle/>
+          <a:p>
+            <a:r>
+              <a:rPr lang="en-IN" sz="2800" dirty="0">
+                <a:solidFill>
+                  <a:schemeClr val="bg1">
+                    <a:lumMod val="65000"/>
+                  </a:schemeClr>
+                </a:solidFill>
+              </a:rPr>
+              <a:t>Electronics study for the project</a:t>
+            </a:r>
+          </a:p>
+          <a:p>
+            <a:endParaRPr lang="en-IN" sz="2800" dirty="0">
+              <a:solidFill>
+                <a:srgbClr val="0A4628"/>
+              </a:solidFill>
+            </a:endParaRPr>
+          </a:p>
+          <a:p>
+            <a:r>
+              <a:rPr lang="en-IN" sz="2800" dirty="0">
+                <a:solidFill>
+                  <a:schemeClr val="tx1">
+                    <a:lumMod val="90000"/>
+                    <a:lumOff val="10000"/>
+                  </a:schemeClr>
+                </a:solidFill>
+              </a:rPr>
+              <a:t>Station identification </a:t>
+            </a:r>
+          </a:p>
+          <a:p>
+            <a:endParaRPr lang="en-US" sz="2800" dirty="0">
+              <a:solidFill>
+                <a:schemeClr val="tx1"/>
+              </a:solidFill>
+            </a:endParaRPr>
+          </a:p>
+          <a:p>
+            <a:r>
+              <a:rPr lang="en-US" sz="2800" dirty="0">
+                <a:solidFill>
+                  <a:schemeClr val="bg1">
+                    <a:lumMod val="75000"/>
+                  </a:schemeClr>
+                </a:solidFill>
+              </a:rPr>
+              <a:t>Medtronic's clinician manual overview</a:t>
+            </a:r>
+          </a:p>
+          <a:p>
+            <a:endParaRPr lang="en-IN" sz="2800" dirty="0">
+              <a:solidFill>
+                <a:schemeClr val="bg1">
+                  <a:lumMod val="75000"/>
+                </a:schemeClr>
+              </a:solidFill>
+            </a:endParaRPr>
+          </a:p>
+          <a:p>
+            <a:r>
+              <a:rPr lang="en-US" sz="2800" dirty="0">
+                <a:solidFill>
+                  <a:schemeClr val="bg1">
+                    <a:lumMod val="75000"/>
+                  </a:schemeClr>
+                </a:solidFill>
+              </a:rPr>
+              <a:t>Requirement documentation</a:t>
+            </a:r>
+          </a:p>
+        </p:txBody>
+      </p:sp>
+      <p:sp>
+        <p:nvSpPr>
+          <p:cNvPr id="2" name="Title 1"/>
+          <p:cNvSpPr>
+            <a:spLocks noGrp="1"/>
+          </p:cNvSpPr>
+          <p:nvPr>
+            <p:ph type="title"/>
+          </p:nvPr>
+        </p:nvSpPr>
+        <p:spPr>
+          <a:xfrm>
+            <a:off x="347729" y="964842"/>
+            <a:ext cx="3713346" cy="5041900"/>
+          </a:xfrm>
+        </p:spPr>
+        <p:txBody>
+          <a:bodyPr anchor="ctr">
+            <a:noAutofit/>
+          </a:bodyPr>
+          <a:lstStyle/>
+          <a:p>
+            <a:pPr algn="r"/>
+            <a:r>
+              <a:rPr lang="en-US" dirty="0"/>
+              <a:t>Contents</a:t>
+            </a:r>
+            <a:endParaRPr lang="en-IN" dirty="0"/>
+          </a:p>
+        </p:txBody>
+      </p:sp>
+      <p:sp>
+        <p:nvSpPr>
+          <p:cNvPr id="5" name="Slide Number Placeholder 4"/>
+          <p:cNvSpPr>
+            <a:spLocks noGrp="1"/>
+          </p:cNvSpPr>
+          <p:nvPr>
+            <p:ph type="sldNum" sz="quarter" idx="12"/>
+          </p:nvPr>
+        </p:nvSpPr>
+        <p:spPr/>
+        <p:txBody>
+          <a:bodyPr/>
+          <a:lstStyle/>
+          <a:p>
+            <a:fld id="{52D8BFD5-1499-4ECE-8614-7465CBDF8211}" type="slidenum">
+              <a:rPr lang="en-IN" smtClean="0"/>
+              <a:t>31</a:t>
+            </a:fld>
+            <a:endParaRPr lang="en-IN"/>
+          </a:p>
+        </p:txBody>
+      </p:sp>
+      <p:cxnSp>
+        <p:nvCxnSpPr>
+          <p:cNvPr id="4" name="Straight Connector 3"/>
+          <p:cNvCxnSpPr/>
+          <p:nvPr/>
+        </p:nvCxnSpPr>
+        <p:spPr>
+          <a:xfrm>
+            <a:off x="4307374" y="1663816"/>
+            <a:ext cx="0" cy="3643952"/>
+          </a:xfrm>
+          <a:prstGeom prst="line">
+            <a:avLst/>
+          </a:prstGeom>
+          <a:ln>
+            <a:solidFill>
+              <a:schemeClr val="tx1"/>
+            </a:solidFill>
+          </a:ln>
+        </p:spPr>
+        <p:style>
+          <a:lnRef idx="1">
+            <a:schemeClr val="accent1"/>
+          </a:lnRef>
+          <a:fillRef idx="0">
+            <a:schemeClr val="accent1"/>
+          </a:fillRef>
+          <a:effectRef idx="0">
+            <a:schemeClr val="accent1"/>
+          </a:effectRef>
+          <a:fontRef idx="minor">
+            <a:schemeClr val="tx1"/>
+          </a:fontRef>
+        </p:style>
+      </p:cxnSp>
+    </p:spTree>
+    <p:extLst>
+      <p:ext uri="{BB962C8B-B14F-4D97-AF65-F5344CB8AC3E}">
+        <p14:creationId xmlns:p14="http://schemas.microsoft.com/office/powerpoint/2010/main" val="68118721"/>
+      </p:ext>
+    </p:extLst>
+  </p:cSld>
+  <p:clrMapOvr>
+    <a:masterClrMapping/>
+  </p:clrMapOvr>
+</p:sld>
+</file>
+
+<file path=ppt/slides/slide32.xml><?xml version="1.0" encoding="utf-8"?>
+<p:sld xmlns:a="http://schemas.openxmlformats.org/drawingml/2006/main" xmlns:r="http://schemas.openxmlformats.org/officeDocument/2006/relationships" xmlns:p="http://schemas.openxmlformats.org/presentationml/2006/main">
+  <p:cSld>
+    <p:spTree>
+      <p:nvGrpSpPr>
+        <p:cNvPr id="1" name=""/>
+        <p:cNvGrpSpPr/>
+        <p:nvPr/>
+      </p:nvGrpSpPr>
+      <p:grpSpPr>
+        <a:xfrm>
+          <a:off x="0" y="0"/>
+          <a:ext cx="0" cy="0"/>
+          <a:chOff x="0" y="0"/>
+          <a:chExt cx="0" cy="0"/>
+        </a:xfrm>
+      </p:grpSpPr>
+      <p:sp>
+        <p:nvSpPr>
+          <p:cNvPr id="2" name="Slide Number Placeholder 1">
+            <a:extLst>
+              <a:ext uri="{FF2B5EF4-FFF2-40B4-BE49-F238E27FC236}">
+                <a16:creationId xmlns:a16="http://schemas.microsoft.com/office/drawing/2014/main" xmlns="" id="{E2A346D2-342E-4D26-9516-C88A6E8CC150}"/>
+              </a:ext>
+            </a:extLst>
+          </p:cNvPr>
+          <p:cNvSpPr>
+            <a:spLocks noGrp="1"/>
+          </p:cNvSpPr>
+          <p:nvPr>
+            <p:ph type="sldNum" sz="quarter" idx="12"/>
+          </p:nvPr>
+        </p:nvSpPr>
+        <p:spPr/>
+        <p:txBody>
+          <a:bodyPr/>
+          <a:lstStyle/>
+          <a:p>
+            <a:fld id="{52D8BFD5-1499-4ECE-8614-7465CBDF8211}" type="slidenum">
+              <a:rPr lang="en-IN" smtClean="0"/>
+              <a:t>32</a:t>
+            </a:fld>
+            <a:endParaRPr lang="en-IN"/>
+          </a:p>
+        </p:txBody>
+      </p:sp>
+      <p:sp>
+        <p:nvSpPr>
+          <p:cNvPr id="4" name="Title 3">
+            <a:extLst>
+              <a:ext uri="{FF2B5EF4-FFF2-40B4-BE49-F238E27FC236}">
+                <a16:creationId xmlns:a16="http://schemas.microsoft.com/office/drawing/2014/main" xmlns="" id="{6C1750A8-0A53-40DB-B646-EE267E14322F}"/>
+              </a:ext>
+            </a:extLst>
+          </p:cNvPr>
+          <p:cNvSpPr>
+            <a:spLocks noGrp="1"/>
+          </p:cNvSpPr>
+          <p:nvPr>
+            <p:ph type="title"/>
+          </p:nvPr>
+        </p:nvSpPr>
+        <p:spPr/>
+        <p:txBody>
+          <a:bodyPr/>
+          <a:lstStyle/>
+          <a:p>
+            <a:r>
+              <a:rPr lang="en-US" dirty="0"/>
+              <a:t>I2c communication</a:t>
+            </a:r>
+            <a:endParaRPr lang="en-IN" dirty="0"/>
+          </a:p>
+        </p:txBody>
+      </p:sp>
+      <p:sp>
+        <p:nvSpPr>
+          <p:cNvPr id="3" name="TextBox 2">
+            <a:extLst>
+              <a:ext uri="{FF2B5EF4-FFF2-40B4-BE49-F238E27FC236}">
+                <a16:creationId xmlns:a16="http://schemas.microsoft.com/office/drawing/2014/main" xmlns="" id="{4C8A33BE-BCFD-4DC2-8DAA-C0323B96BAA8}"/>
+              </a:ext>
+            </a:extLst>
+          </p:cNvPr>
+          <p:cNvSpPr txBox="1"/>
+          <p:nvPr/>
+        </p:nvSpPr>
+        <p:spPr>
+          <a:xfrm>
+            <a:off x="1364974" y="1577009"/>
+            <a:ext cx="3419061" cy="1477328"/>
+          </a:xfrm>
+          <a:prstGeom prst="rect">
+            <a:avLst/>
+          </a:prstGeom>
+          <a:noFill/>
+        </p:spPr>
+        <p:txBody>
+          <a:bodyPr wrap="square" rtlCol="0">
+            <a:spAutoFit/>
+          </a:bodyPr>
+          <a:lstStyle/>
+          <a:p>
+            <a:pPr marL="285750" indent="-285750">
+              <a:buFont typeface="Arial" panose="020B0604020202020204" pitchFamily="34" charset="0"/>
+              <a:buChar char="•"/>
+            </a:pPr>
+            <a:r>
+              <a:rPr lang="en-IN" dirty="0"/>
+              <a:t>Station 1 : Coin singling </a:t>
+            </a:r>
+          </a:p>
+          <a:p>
+            <a:pPr marL="285750" indent="-285750">
+              <a:buFont typeface="Arial" panose="020B0604020202020204" pitchFamily="34" charset="0"/>
+              <a:buChar char="•"/>
+            </a:pPr>
+            <a:r>
+              <a:rPr lang="en-IN" dirty="0"/>
+              <a:t>Station 2 : </a:t>
+            </a:r>
+          </a:p>
+          <a:p>
+            <a:pPr marL="285750" indent="-285750">
+              <a:buFont typeface="Arial" panose="020B0604020202020204" pitchFamily="34" charset="0"/>
+              <a:buChar char="•"/>
+            </a:pPr>
+            <a:r>
+              <a:rPr lang="en-IN" dirty="0"/>
+              <a:t>Station 3 : </a:t>
+            </a:r>
+          </a:p>
+          <a:p>
+            <a:pPr marL="285750" indent="-285750">
+              <a:buFont typeface="Arial" panose="020B0604020202020204" pitchFamily="34" charset="0"/>
+              <a:buChar char="•"/>
+            </a:pPr>
+            <a:r>
+              <a:rPr lang="en-IN" dirty="0"/>
+              <a:t>Station 4 :</a:t>
+            </a:r>
+          </a:p>
+          <a:p>
+            <a:pPr marL="285750" indent="-285750">
+              <a:buFont typeface="Arial" panose="020B0604020202020204" pitchFamily="34" charset="0"/>
+              <a:buChar char="•"/>
+            </a:pPr>
+            <a:endParaRPr lang="en-IN" dirty="0"/>
+          </a:p>
+        </p:txBody>
+      </p:sp>
+    </p:spTree>
+    <p:extLst>
+      <p:ext uri="{BB962C8B-B14F-4D97-AF65-F5344CB8AC3E}">
+        <p14:creationId xmlns:p14="http://schemas.microsoft.com/office/powerpoint/2010/main" val="1440605404"/>
+      </p:ext>
+    </p:extLst>
+  </p:cSld>
+  <p:clrMapOvr>
+    <a:masterClrMapping/>
+  </p:clrMapOvr>
+</p:sld>
+</file>
+
+<file path=ppt/slides/slide33.xml><?xml version="1.0" encoding="utf-8"?>
+<p:sld xmlns:a="http://schemas.openxmlformats.org/drawingml/2006/main" xmlns:r="http://schemas.openxmlformats.org/officeDocument/2006/relationships" xmlns:p="http://schemas.openxmlformats.org/presentationml/2006/main">
+  <p:cSld>
+    <p:spTree>
+      <p:nvGrpSpPr>
+        <p:cNvPr id="1" name=""/>
+        <p:cNvGrpSpPr/>
+        <p:nvPr/>
+      </p:nvGrpSpPr>
+      <p:grpSpPr>
+        <a:xfrm>
+          <a:off x="0" y="0"/>
+          <a:ext cx="0" cy="0"/>
+          <a:chOff x="0" y="0"/>
+          <a:chExt cx="0" cy="0"/>
+        </a:xfrm>
+      </p:grpSpPr>
+      <p:sp>
+        <p:nvSpPr>
           <p:cNvPr id="6" name="Rectangle 5"/>
           <p:cNvSpPr/>
           <p:nvPr/>
@@ -19949,7 +22862,7 @@
           <a:p>
             <a:fld id="{52D8BFD5-1499-4ECE-8614-7465CBDF8211}" type="slidenum">
               <a:rPr lang="en-IN" smtClean="0"/>
-              <a:t>30</a:t>
+              <a:t>33</a:t>
             </a:fld>
             <a:endParaRPr lang="en-IN"/>
           </a:p>
@@ -20025,7 +22938,7 @@
           <p:cNvPr id="2" name="Slide Number Placeholder 1">
             <a:extLst>
               <a:ext uri="{FF2B5EF4-FFF2-40B4-BE49-F238E27FC236}">
-                <a16:creationId xmlns="" xmlns:a16="http://schemas.microsoft.com/office/drawing/2014/main" id="{E2A346D2-342E-4D26-9516-C88A6E8CC150}"/>
+                <a16:creationId xmlns:a16="http://schemas.microsoft.com/office/drawing/2014/main" xmlns="" id="{E2A346D2-342E-4D26-9516-C88A6E8CC150}"/>
               </a:ext>
             </a:extLst>
           </p:cNvPr>
@@ -20054,7 +22967,7 @@
           <p:cNvPr id="4" name="Title 3">
             <a:extLst>
               <a:ext uri="{FF2B5EF4-FFF2-40B4-BE49-F238E27FC236}">
-                <a16:creationId xmlns="" xmlns:a16="http://schemas.microsoft.com/office/drawing/2014/main" id="{6C1750A8-0A53-40DB-B646-EE267E14322F}"/>
+                <a16:creationId xmlns:a16="http://schemas.microsoft.com/office/drawing/2014/main" xmlns="" id="{6C1750A8-0A53-40DB-B646-EE267E14322F}"/>
               </a:ext>
             </a:extLst>
           </p:cNvPr>
@@ -20083,7 +22996,7 @@
           <p:cNvPr id="5" name="Picture 4">
             <a:extLst>
               <a:ext uri="{FF2B5EF4-FFF2-40B4-BE49-F238E27FC236}">
-                <a16:creationId xmlns="" xmlns:a16="http://schemas.microsoft.com/office/drawing/2014/main" id="{BB9815DA-59F6-4BAB-AB4A-86EB78EBAA12}"/>
+                <a16:creationId xmlns:a16="http://schemas.microsoft.com/office/drawing/2014/main" xmlns="" id="{BB9815DA-59F6-4BAB-AB4A-86EB78EBAA12}"/>
               </a:ext>
             </a:extLst>
           </p:cNvPr>
@@ -20113,7 +23026,7 @@
           <p:cNvPr id="8" name="Picture 7">
             <a:extLst>
               <a:ext uri="{FF2B5EF4-FFF2-40B4-BE49-F238E27FC236}">
-                <a16:creationId xmlns="" xmlns:a16="http://schemas.microsoft.com/office/drawing/2014/main" id="{7BD68EB2-2E4C-46CD-A60A-A88FC0735E68}"/>
+                <a16:creationId xmlns:a16="http://schemas.microsoft.com/office/drawing/2014/main" xmlns="" id="{7BD68EB2-2E4C-46CD-A60A-A88FC0735E68}"/>
               </a:ext>
             </a:extLst>
           </p:cNvPr>
@@ -20143,7 +23056,7 @@
           <p:cNvPr id="10" name="Picture 9">
             <a:extLst>
               <a:ext uri="{FF2B5EF4-FFF2-40B4-BE49-F238E27FC236}">
-                <a16:creationId xmlns="" xmlns:a16="http://schemas.microsoft.com/office/drawing/2014/main" id="{90576CD5-D521-499A-A330-5AA00E4C02C0}"/>
+                <a16:creationId xmlns:a16="http://schemas.microsoft.com/office/drawing/2014/main" xmlns="" id="{90576CD5-D521-499A-A330-5AA00E4C02C0}"/>
               </a:ext>
             </a:extLst>
           </p:cNvPr>
@@ -20173,7 +23086,7 @@
           <p:cNvPr id="3" name="Rectangle 2">
             <a:extLst>
               <a:ext uri="{FF2B5EF4-FFF2-40B4-BE49-F238E27FC236}">
-                <a16:creationId xmlns="" xmlns:a16="http://schemas.microsoft.com/office/drawing/2014/main" id="{E9F5EE9B-EAD7-49D1-8A36-6D3A13E39462}"/>
+                <a16:creationId xmlns:a16="http://schemas.microsoft.com/office/drawing/2014/main" xmlns="" id="{E9F5EE9B-EAD7-49D1-8A36-6D3A13E39462}"/>
               </a:ext>
             </a:extLst>
           </p:cNvPr>
@@ -20222,7 +23135,7 @@
           <p:cNvPr id="9" name="Rectangle 8">
             <a:extLst>
               <a:ext uri="{FF2B5EF4-FFF2-40B4-BE49-F238E27FC236}">
-                <a16:creationId xmlns="" xmlns:a16="http://schemas.microsoft.com/office/drawing/2014/main" id="{31C46744-FA39-43C5-B4AE-0CB44CE09187}"/>
+                <a16:creationId xmlns:a16="http://schemas.microsoft.com/office/drawing/2014/main" xmlns="" id="{31C46744-FA39-43C5-B4AE-0CB44CE09187}"/>
               </a:ext>
             </a:extLst>
           </p:cNvPr>
@@ -20271,7 +23184,7 @@
           <p:cNvPr id="13" name="Rectangle 12">
             <a:extLst>
               <a:ext uri="{FF2B5EF4-FFF2-40B4-BE49-F238E27FC236}">
-                <a16:creationId xmlns="" xmlns:a16="http://schemas.microsoft.com/office/drawing/2014/main" id="{3FC4941D-2BA9-4202-A201-4D899D3D1CC9}"/>
+                <a16:creationId xmlns:a16="http://schemas.microsoft.com/office/drawing/2014/main" xmlns="" id="{3FC4941D-2BA9-4202-A201-4D899D3D1CC9}"/>
               </a:ext>
             </a:extLst>
           </p:cNvPr>
@@ -20320,7 +23233,7 @@
           <p:cNvPr id="14" name="Rectangle 13">
             <a:extLst>
               <a:ext uri="{FF2B5EF4-FFF2-40B4-BE49-F238E27FC236}">
-                <a16:creationId xmlns="" xmlns:a16="http://schemas.microsoft.com/office/drawing/2014/main" id="{D06F4BA9-4183-4CED-9937-CEB561861252}"/>
+                <a16:creationId xmlns:a16="http://schemas.microsoft.com/office/drawing/2014/main" xmlns="" id="{D06F4BA9-4183-4CED-9937-CEB561861252}"/>
               </a:ext>
             </a:extLst>
           </p:cNvPr>
@@ -20399,7 +23312,7 @@
           <p:cNvPr id="2" name="Footer Placeholder 1">
             <a:extLst>
               <a:ext uri="{FF2B5EF4-FFF2-40B4-BE49-F238E27FC236}">
-                <a16:creationId xmlns="" xmlns:a16="http://schemas.microsoft.com/office/drawing/2014/main" id="{F27EA32B-0CF3-8649-B654-2B6622F6309D}"/>
+                <a16:creationId xmlns:a16="http://schemas.microsoft.com/office/drawing/2014/main" xmlns="" id="{F27EA32B-0CF3-8649-B654-2B6622F6309D}"/>
               </a:ext>
             </a:extLst>
           </p:cNvPr>
@@ -20429,7 +23342,7 @@
           <p:cNvPr id="3" name="Content Placeholder 2">
             <a:extLst>
               <a:ext uri="{FF2B5EF4-FFF2-40B4-BE49-F238E27FC236}">
-                <a16:creationId xmlns="" xmlns:a16="http://schemas.microsoft.com/office/drawing/2014/main" id="{1DE29D62-620F-2A47-92A9-9A84D907130A}"/>
+                <a16:creationId xmlns:a16="http://schemas.microsoft.com/office/drawing/2014/main" xmlns="" id="{1DE29D62-620F-2A47-92A9-9A84D907130A}"/>
               </a:ext>
             </a:extLst>
           </p:cNvPr>
@@ -21031,7 +23944,7 @@
           <p:cNvPr id="39" name="TextBox 38">
             <a:extLst>
               <a:ext uri="{FF2B5EF4-FFF2-40B4-BE49-F238E27FC236}">
-                <a16:creationId xmlns="" xmlns:a16="http://schemas.microsoft.com/office/drawing/2014/main" id="{D4FEF5E9-6905-4A65-9D3E-F1282B530020}"/>
+                <a16:creationId xmlns:a16="http://schemas.microsoft.com/office/drawing/2014/main" xmlns="" id="{D4FEF5E9-6905-4A65-9D3E-F1282B530020}"/>
               </a:ext>
             </a:extLst>
           </p:cNvPr>
@@ -21067,7 +23980,7 @@
           <p:cNvPr id="56" name="Straight Arrow Connector 55">
             <a:extLst>
               <a:ext uri="{FF2B5EF4-FFF2-40B4-BE49-F238E27FC236}">
-                <a16:creationId xmlns="" xmlns:a16="http://schemas.microsoft.com/office/drawing/2014/main" id="{4FF9B2BE-FCC9-4AF3-BE91-C682ED0999E3}"/>
+                <a16:creationId xmlns:a16="http://schemas.microsoft.com/office/drawing/2014/main" xmlns="" id="{4FF9B2BE-FCC9-4AF3-BE91-C682ED0999E3}"/>
               </a:ext>
             </a:extLst>
           </p:cNvPr>
@@ -21108,7 +24021,7 @@
           <p:cNvPr id="21" name="Straight Arrow Connector 20">
             <a:extLst>
               <a:ext uri="{FF2B5EF4-FFF2-40B4-BE49-F238E27FC236}">
-                <a16:creationId xmlns="" xmlns:a16="http://schemas.microsoft.com/office/drawing/2014/main" id="{584BE35B-2E1F-4FA1-A756-2321AF5E08C4}"/>
+                <a16:creationId xmlns:a16="http://schemas.microsoft.com/office/drawing/2014/main" xmlns="" id="{584BE35B-2E1F-4FA1-A756-2321AF5E08C4}"/>
               </a:ext>
             </a:extLst>
           </p:cNvPr>
@@ -21150,7 +24063,7 @@
           <p:cNvPr id="42" name="Straight Connector 41">
             <a:extLst>
               <a:ext uri="{FF2B5EF4-FFF2-40B4-BE49-F238E27FC236}">
-                <a16:creationId xmlns="" xmlns:a16="http://schemas.microsoft.com/office/drawing/2014/main" id="{65102A5B-F2C0-42B8-93C8-844F3F548642}"/>
+                <a16:creationId xmlns:a16="http://schemas.microsoft.com/office/drawing/2014/main" xmlns="" id="{65102A5B-F2C0-42B8-93C8-844F3F548642}"/>
               </a:ext>
             </a:extLst>
           </p:cNvPr>
@@ -21186,7 +24099,7 @@
           <p:cNvPr id="45" name="Straight Arrow Connector 44">
             <a:extLst>
               <a:ext uri="{FF2B5EF4-FFF2-40B4-BE49-F238E27FC236}">
-                <a16:creationId xmlns="" xmlns:a16="http://schemas.microsoft.com/office/drawing/2014/main" id="{651300EC-D8A3-48CB-9CE7-A05C561A38E5}"/>
+                <a16:creationId xmlns:a16="http://schemas.microsoft.com/office/drawing/2014/main" xmlns="" id="{651300EC-D8A3-48CB-9CE7-A05C561A38E5}"/>
               </a:ext>
             </a:extLst>
           </p:cNvPr>
@@ -21226,7 +24139,7 @@
           <p:cNvPr id="48" name="TextBox 47">
             <a:extLst>
               <a:ext uri="{FF2B5EF4-FFF2-40B4-BE49-F238E27FC236}">
-                <a16:creationId xmlns="" xmlns:a16="http://schemas.microsoft.com/office/drawing/2014/main" id="{05FA92EB-D344-4AE2-AF12-697DA9F9AFD7}"/>
+                <a16:creationId xmlns:a16="http://schemas.microsoft.com/office/drawing/2014/main" xmlns="" id="{05FA92EB-D344-4AE2-AF12-697DA9F9AFD7}"/>
               </a:ext>
             </a:extLst>
           </p:cNvPr>
@@ -21274,7 +24187,7 @@
           <p:cNvPr id="74" name="TextBox 73">
             <a:extLst>
               <a:ext uri="{FF2B5EF4-FFF2-40B4-BE49-F238E27FC236}">
-                <a16:creationId xmlns="" xmlns:a16="http://schemas.microsoft.com/office/drawing/2014/main" id="{2E814F5C-E578-41CE-8434-9C4F42B81372}"/>
+                <a16:creationId xmlns:a16="http://schemas.microsoft.com/office/drawing/2014/main" xmlns="" id="{2E814F5C-E578-41CE-8434-9C4F42B81372}"/>
               </a:ext>
             </a:extLst>
           </p:cNvPr>
@@ -21322,7 +24235,7 @@
           <p:cNvPr id="75" name="TextBox 74">
             <a:extLst>
               <a:ext uri="{FF2B5EF4-FFF2-40B4-BE49-F238E27FC236}">
-                <a16:creationId xmlns="" xmlns:a16="http://schemas.microsoft.com/office/drawing/2014/main" id="{F06FF163-775C-4430-9DCC-21692D09C39D}"/>
+                <a16:creationId xmlns:a16="http://schemas.microsoft.com/office/drawing/2014/main" xmlns="" id="{F06FF163-775C-4430-9DCC-21692D09C39D}"/>
               </a:ext>
             </a:extLst>
           </p:cNvPr>
@@ -21400,7 +24313,7 @@
           <p:cNvPr id="2" name="Slide Number Placeholder 1">
             <a:extLst>
               <a:ext uri="{FF2B5EF4-FFF2-40B4-BE49-F238E27FC236}">
-                <a16:creationId xmlns="" xmlns:a16="http://schemas.microsoft.com/office/drawing/2014/main" id="{E2A346D2-342E-4D26-9516-C88A6E8CC150}"/>
+                <a16:creationId xmlns:a16="http://schemas.microsoft.com/office/drawing/2014/main" xmlns="" id="{E2A346D2-342E-4D26-9516-C88A6E8CC150}"/>
               </a:ext>
             </a:extLst>
           </p:cNvPr>
@@ -21429,7 +24342,7 @@
           <p:cNvPr id="4" name="Title 3">
             <a:extLst>
               <a:ext uri="{FF2B5EF4-FFF2-40B4-BE49-F238E27FC236}">
-                <a16:creationId xmlns="" xmlns:a16="http://schemas.microsoft.com/office/drawing/2014/main" id="{6C1750A8-0A53-40DB-B646-EE267E14322F}"/>
+                <a16:creationId xmlns:a16="http://schemas.microsoft.com/office/drawing/2014/main" xmlns="" id="{6C1750A8-0A53-40DB-B646-EE267E14322F}"/>
               </a:ext>
             </a:extLst>
           </p:cNvPr>
@@ -21463,7 +24376,7 @@
           <p:cNvPr id="3" name="Rectangle 2">
             <a:extLst>
               <a:ext uri="{FF2B5EF4-FFF2-40B4-BE49-F238E27FC236}">
-                <a16:creationId xmlns="" xmlns:a16="http://schemas.microsoft.com/office/drawing/2014/main" id="{DC56F6AA-CC91-42A5-B529-91407EE8CA0B}"/>
+                <a16:creationId xmlns:a16="http://schemas.microsoft.com/office/drawing/2014/main" xmlns="" id="{DC56F6AA-CC91-42A5-B529-91407EE8CA0B}"/>
               </a:ext>
             </a:extLst>
           </p:cNvPr>
@@ -21509,7 +24422,7 @@
           <p:cNvPr id="5" name="Rectangle 4">
             <a:extLst>
               <a:ext uri="{FF2B5EF4-FFF2-40B4-BE49-F238E27FC236}">
-                <a16:creationId xmlns="" xmlns:a16="http://schemas.microsoft.com/office/drawing/2014/main" id="{1AFD8020-F819-48DB-A628-4F914740C5B5}"/>
+                <a16:creationId xmlns:a16="http://schemas.microsoft.com/office/drawing/2014/main" xmlns="" id="{1AFD8020-F819-48DB-A628-4F914740C5B5}"/>
               </a:ext>
             </a:extLst>
           </p:cNvPr>
@@ -21563,7 +24476,7 @@
           <p:cNvPr id="6" name="Rectangle 5">
             <a:extLst>
               <a:ext uri="{FF2B5EF4-FFF2-40B4-BE49-F238E27FC236}">
-                <a16:creationId xmlns="" xmlns:a16="http://schemas.microsoft.com/office/drawing/2014/main" id="{519572F2-77B7-451D-B7B9-E8C4DF760CFE}"/>
+                <a16:creationId xmlns:a16="http://schemas.microsoft.com/office/drawing/2014/main" xmlns="" id="{519572F2-77B7-451D-B7B9-E8C4DF760CFE}"/>
               </a:ext>
             </a:extLst>
           </p:cNvPr>
@@ -21609,7 +24522,7 @@
           <p:cNvPr id="9" name="Straight Connector 8">
             <a:extLst>
               <a:ext uri="{FF2B5EF4-FFF2-40B4-BE49-F238E27FC236}">
-                <a16:creationId xmlns="" xmlns:a16="http://schemas.microsoft.com/office/drawing/2014/main" id="{4C9C328E-BF96-4182-9F0B-C5C11B72F8DE}"/>
+                <a16:creationId xmlns:a16="http://schemas.microsoft.com/office/drawing/2014/main" xmlns="" id="{4C9C328E-BF96-4182-9F0B-C5C11B72F8DE}"/>
               </a:ext>
             </a:extLst>
           </p:cNvPr>
@@ -21650,7 +24563,7 @@
           <p:cNvPr id="13" name="Rectangle 12">
             <a:extLst>
               <a:ext uri="{FF2B5EF4-FFF2-40B4-BE49-F238E27FC236}">
-                <a16:creationId xmlns="" xmlns:a16="http://schemas.microsoft.com/office/drawing/2014/main" id="{323427DF-834D-402D-8EB2-A67EBD08C9DE}"/>
+                <a16:creationId xmlns:a16="http://schemas.microsoft.com/office/drawing/2014/main" xmlns="" id="{323427DF-834D-402D-8EB2-A67EBD08C9DE}"/>
               </a:ext>
             </a:extLst>
           </p:cNvPr>
@@ -21696,7 +24609,7 @@
           <p:cNvPr id="14" name="Rectangle 13">
             <a:extLst>
               <a:ext uri="{FF2B5EF4-FFF2-40B4-BE49-F238E27FC236}">
-                <a16:creationId xmlns="" xmlns:a16="http://schemas.microsoft.com/office/drawing/2014/main" id="{0A6F78A6-5E7B-44BE-8033-86E3CC020CF3}"/>
+                <a16:creationId xmlns:a16="http://schemas.microsoft.com/office/drawing/2014/main" xmlns="" id="{0A6F78A6-5E7B-44BE-8033-86E3CC020CF3}"/>
               </a:ext>
             </a:extLst>
           </p:cNvPr>
@@ -21742,7 +24655,7 @@
           <p:cNvPr id="15" name="Rectangle 14">
             <a:extLst>
               <a:ext uri="{FF2B5EF4-FFF2-40B4-BE49-F238E27FC236}">
-                <a16:creationId xmlns="" xmlns:a16="http://schemas.microsoft.com/office/drawing/2014/main" id="{9F279704-B8F0-4876-B501-EE21DB738F59}"/>
+                <a16:creationId xmlns:a16="http://schemas.microsoft.com/office/drawing/2014/main" xmlns="" id="{9F279704-B8F0-4876-B501-EE21DB738F59}"/>
               </a:ext>
             </a:extLst>
           </p:cNvPr>
@@ -21788,7 +24701,7 @@
           <p:cNvPr id="16" name="Rectangle 15">
             <a:extLst>
               <a:ext uri="{FF2B5EF4-FFF2-40B4-BE49-F238E27FC236}">
-                <a16:creationId xmlns="" xmlns:a16="http://schemas.microsoft.com/office/drawing/2014/main" id="{6ECC4020-0E4E-472A-9357-69CC12C1F305}"/>
+                <a16:creationId xmlns:a16="http://schemas.microsoft.com/office/drawing/2014/main" xmlns="" id="{6ECC4020-0E4E-472A-9357-69CC12C1F305}"/>
               </a:ext>
             </a:extLst>
           </p:cNvPr>
@@ -21834,7 +24747,7 @@
           <p:cNvPr id="17" name="Rectangle 16">
             <a:extLst>
               <a:ext uri="{FF2B5EF4-FFF2-40B4-BE49-F238E27FC236}">
-                <a16:creationId xmlns="" xmlns:a16="http://schemas.microsoft.com/office/drawing/2014/main" id="{34453880-B568-412E-B217-7017AA047B84}"/>
+                <a16:creationId xmlns:a16="http://schemas.microsoft.com/office/drawing/2014/main" xmlns="" id="{34453880-B568-412E-B217-7017AA047B84}"/>
               </a:ext>
             </a:extLst>
           </p:cNvPr>
@@ -21880,7 +24793,7 @@
           <p:cNvPr id="19" name="Oval 18">
             <a:extLst>
               <a:ext uri="{FF2B5EF4-FFF2-40B4-BE49-F238E27FC236}">
-                <a16:creationId xmlns="" xmlns:a16="http://schemas.microsoft.com/office/drawing/2014/main" id="{C865F1AC-443D-44E9-B205-5FD839712B3D}"/>
+                <a16:creationId xmlns:a16="http://schemas.microsoft.com/office/drawing/2014/main" xmlns="" id="{C865F1AC-443D-44E9-B205-5FD839712B3D}"/>
               </a:ext>
             </a:extLst>
           </p:cNvPr>
@@ -21926,7 +24839,7 @@
           <p:cNvPr id="20" name="Straight Connector 19">
             <a:extLst>
               <a:ext uri="{FF2B5EF4-FFF2-40B4-BE49-F238E27FC236}">
-                <a16:creationId xmlns="" xmlns:a16="http://schemas.microsoft.com/office/drawing/2014/main" id="{B1B94C00-5D79-4EF7-B864-00C0FB05A426}"/>
+                <a16:creationId xmlns:a16="http://schemas.microsoft.com/office/drawing/2014/main" xmlns="" id="{B1B94C00-5D79-4EF7-B864-00C0FB05A426}"/>
               </a:ext>
             </a:extLst>
           </p:cNvPr>
@@ -21967,7 +24880,7 @@
           <p:cNvPr id="25" name="Rectangle 24">
             <a:extLst>
               <a:ext uri="{FF2B5EF4-FFF2-40B4-BE49-F238E27FC236}">
-                <a16:creationId xmlns="" xmlns:a16="http://schemas.microsoft.com/office/drawing/2014/main" id="{1962C116-4BFC-4CE5-92AA-283C9D45A684}"/>
+                <a16:creationId xmlns:a16="http://schemas.microsoft.com/office/drawing/2014/main" xmlns="" id="{1962C116-4BFC-4CE5-92AA-283C9D45A684}"/>
               </a:ext>
             </a:extLst>
           </p:cNvPr>
@@ -22013,7 +24926,7 @@
           <p:cNvPr id="26" name="Rectangle 25">
             <a:extLst>
               <a:ext uri="{FF2B5EF4-FFF2-40B4-BE49-F238E27FC236}">
-                <a16:creationId xmlns="" xmlns:a16="http://schemas.microsoft.com/office/drawing/2014/main" id="{7346B316-6233-4443-9A36-040D034A6FBF}"/>
+                <a16:creationId xmlns:a16="http://schemas.microsoft.com/office/drawing/2014/main" xmlns="" id="{7346B316-6233-4443-9A36-040D034A6FBF}"/>
               </a:ext>
             </a:extLst>
           </p:cNvPr>
@@ -22067,7 +24980,7 @@
           <p:cNvPr id="27" name="Rectangle 26">
             <a:extLst>
               <a:ext uri="{FF2B5EF4-FFF2-40B4-BE49-F238E27FC236}">
-                <a16:creationId xmlns="" xmlns:a16="http://schemas.microsoft.com/office/drawing/2014/main" id="{A0A6BEE0-8DF4-4797-80DB-7DD4E6A99383}"/>
+                <a16:creationId xmlns:a16="http://schemas.microsoft.com/office/drawing/2014/main" xmlns="" id="{A0A6BEE0-8DF4-4797-80DB-7DD4E6A99383}"/>
               </a:ext>
             </a:extLst>
           </p:cNvPr>
@@ -22113,7 +25026,7 @@
           <p:cNvPr id="28" name="Rectangle 27">
             <a:extLst>
               <a:ext uri="{FF2B5EF4-FFF2-40B4-BE49-F238E27FC236}">
-                <a16:creationId xmlns="" xmlns:a16="http://schemas.microsoft.com/office/drawing/2014/main" id="{14D24A18-E91F-4A40-9FD4-04301BE5E2B4}"/>
+                <a16:creationId xmlns:a16="http://schemas.microsoft.com/office/drawing/2014/main" xmlns="" id="{14D24A18-E91F-4A40-9FD4-04301BE5E2B4}"/>
               </a:ext>
             </a:extLst>
           </p:cNvPr>
@@ -22159,7 +25072,7 @@
           <p:cNvPr id="29" name="Rectangle 28">
             <a:extLst>
               <a:ext uri="{FF2B5EF4-FFF2-40B4-BE49-F238E27FC236}">
-                <a16:creationId xmlns="" xmlns:a16="http://schemas.microsoft.com/office/drawing/2014/main" id="{02D3BDEB-199B-42D8-AFC9-6B8F446EE7F0}"/>
+                <a16:creationId xmlns:a16="http://schemas.microsoft.com/office/drawing/2014/main" xmlns="" id="{02D3BDEB-199B-42D8-AFC9-6B8F446EE7F0}"/>
               </a:ext>
             </a:extLst>
           </p:cNvPr>
@@ -22205,7 +25118,7 @@
           <p:cNvPr id="31" name="Straight Connector 30">
             <a:extLst>
               <a:ext uri="{FF2B5EF4-FFF2-40B4-BE49-F238E27FC236}">
-                <a16:creationId xmlns="" xmlns:a16="http://schemas.microsoft.com/office/drawing/2014/main" id="{7A19C16E-38B9-498A-9C33-6AB77B29E105}"/>
+                <a16:creationId xmlns:a16="http://schemas.microsoft.com/office/drawing/2014/main" xmlns="" id="{7A19C16E-38B9-498A-9C33-6AB77B29E105}"/>
               </a:ext>
             </a:extLst>
           </p:cNvPr>
@@ -22420,7 +25333,7 @@
           <p:cNvPr id="2" name="Slide Number Placeholder 1">
             <a:extLst>
               <a:ext uri="{FF2B5EF4-FFF2-40B4-BE49-F238E27FC236}">
-                <a16:creationId xmlns="" xmlns:a16="http://schemas.microsoft.com/office/drawing/2014/main" id="{E2A346D2-342E-4D26-9516-C88A6E8CC150}"/>
+                <a16:creationId xmlns:a16="http://schemas.microsoft.com/office/drawing/2014/main" xmlns="" id="{E2A346D2-342E-4D26-9516-C88A6E8CC150}"/>
               </a:ext>
             </a:extLst>
           </p:cNvPr>
@@ -22449,7 +25362,7 @@
           <p:cNvPr id="4" name="Title 3">
             <a:extLst>
               <a:ext uri="{FF2B5EF4-FFF2-40B4-BE49-F238E27FC236}">
-                <a16:creationId xmlns="" xmlns:a16="http://schemas.microsoft.com/office/drawing/2014/main" id="{6C1750A8-0A53-40DB-B646-EE267E14322F}"/>
+                <a16:creationId xmlns:a16="http://schemas.microsoft.com/office/drawing/2014/main" xmlns="" id="{6C1750A8-0A53-40DB-B646-EE267E14322F}"/>
               </a:ext>
             </a:extLst>
           </p:cNvPr>
@@ -22483,7 +25396,7 @@
           <p:cNvPr id="3" name="Rectangle 2">
             <a:extLst>
               <a:ext uri="{FF2B5EF4-FFF2-40B4-BE49-F238E27FC236}">
-                <a16:creationId xmlns="" xmlns:a16="http://schemas.microsoft.com/office/drawing/2014/main" id="{DC56F6AA-CC91-42A5-B529-91407EE8CA0B}"/>
+                <a16:creationId xmlns:a16="http://schemas.microsoft.com/office/drawing/2014/main" xmlns="" id="{DC56F6AA-CC91-42A5-B529-91407EE8CA0B}"/>
               </a:ext>
             </a:extLst>
           </p:cNvPr>
@@ -22529,7 +25442,7 @@
           <p:cNvPr id="5" name="Rectangle 4">
             <a:extLst>
               <a:ext uri="{FF2B5EF4-FFF2-40B4-BE49-F238E27FC236}">
-                <a16:creationId xmlns="" xmlns:a16="http://schemas.microsoft.com/office/drawing/2014/main" id="{1AFD8020-F819-48DB-A628-4F914740C5B5}"/>
+                <a16:creationId xmlns:a16="http://schemas.microsoft.com/office/drawing/2014/main" xmlns="" id="{1AFD8020-F819-48DB-A628-4F914740C5B5}"/>
               </a:ext>
             </a:extLst>
           </p:cNvPr>
@@ -22583,7 +25496,7 @@
           <p:cNvPr id="6" name="Rectangle 5">
             <a:extLst>
               <a:ext uri="{FF2B5EF4-FFF2-40B4-BE49-F238E27FC236}">
-                <a16:creationId xmlns="" xmlns:a16="http://schemas.microsoft.com/office/drawing/2014/main" id="{519572F2-77B7-451D-B7B9-E8C4DF760CFE}"/>
+                <a16:creationId xmlns:a16="http://schemas.microsoft.com/office/drawing/2014/main" xmlns="" id="{519572F2-77B7-451D-B7B9-E8C4DF760CFE}"/>
               </a:ext>
             </a:extLst>
           </p:cNvPr>
@@ -22629,7 +25542,7 @@
           <p:cNvPr id="9" name="Straight Connector 8">
             <a:extLst>
               <a:ext uri="{FF2B5EF4-FFF2-40B4-BE49-F238E27FC236}">
-                <a16:creationId xmlns="" xmlns:a16="http://schemas.microsoft.com/office/drawing/2014/main" id="{4C9C328E-BF96-4182-9F0B-C5C11B72F8DE}"/>
+                <a16:creationId xmlns:a16="http://schemas.microsoft.com/office/drawing/2014/main" xmlns="" id="{4C9C328E-BF96-4182-9F0B-C5C11B72F8DE}"/>
               </a:ext>
             </a:extLst>
           </p:cNvPr>
@@ -22670,7 +25583,7 @@
           <p:cNvPr id="13" name="Rectangle 12">
             <a:extLst>
               <a:ext uri="{FF2B5EF4-FFF2-40B4-BE49-F238E27FC236}">
-                <a16:creationId xmlns="" xmlns:a16="http://schemas.microsoft.com/office/drawing/2014/main" id="{323427DF-834D-402D-8EB2-A67EBD08C9DE}"/>
+                <a16:creationId xmlns:a16="http://schemas.microsoft.com/office/drawing/2014/main" xmlns="" id="{323427DF-834D-402D-8EB2-A67EBD08C9DE}"/>
               </a:ext>
             </a:extLst>
           </p:cNvPr>
@@ -22716,7 +25629,7 @@
           <p:cNvPr id="14" name="Rectangle 13">
             <a:extLst>
               <a:ext uri="{FF2B5EF4-FFF2-40B4-BE49-F238E27FC236}">
-                <a16:creationId xmlns="" xmlns:a16="http://schemas.microsoft.com/office/drawing/2014/main" id="{0A6F78A6-5E7B-44BE-8033-86E3CC020CF3}"/>
+                <a16:creationId xmlns:a16="http://schemas.microsoft.com/office/drawing/2014/main" xmlns="" id="{0A6F78A6-5E7B-44BE-8033-86E3CC020CF3}"/>
               </a:ext>
             </a:extLst>
           </p:cNvPr>
@@ -22762,7 +25675,7 @@
           <p:cNvPr id="15" name="Rectangle 14">
             <a:extLst>
               <a:ext uri="{FF2B5EF4-FFF2-40B4-BE49-F238E27FC236}">
-                <a16:creationId xmlns="" xmlns:a16="http://schemas.microsoft.com/office/drawing/2014/main" id="{9F279704-B8F0-4876-B501-EE21DB738F59}"/>
+                <a16:creationId xmlns:a16="http://schemas.microsoft.com/office/drawing/2014/main" xmlns="" id="{9F279704-B8F0-4876-B501-EE21DB738F59}"/>
               </a:ext>
             </a:extLst>
           </p:cNvPr>
@@ -22808,7 +25721,7 @@
           <p:cNvPr id="16" name="Rectangle 15">
             <a:extLst>
               <a:ext uri="{FF2B5EF4-FFF2-40B4-BE49-F238E27FC236}">
-                <a16:creationId xmlns="" xmlns:a16="http://schemas.microsoft.com/office/drawing/2014/main" id="{6ECC4020-0E4E-472A-9357-69CC12C1F305}"/>
+                <a16:creationId xmlns:a16="http://schemas.microsoft.com/office/drawing/2014/main" xmlns="" id="{6ECC4020-0E4E-472A-9357-69CC12C1F305}"/>
               </a:ext>
             </a:extLst>
           </p:cNvPr>
@@ -22854,7 +25767,7 @@
           <p:cNvPr id="17" name="Rectangle 16">
             <a:extLst>
               <a:ext uri="{FF2B5EF4-FFF2-40B4-BE49-F238E27FC236}">
-                <a16:creationId xmlns="" xmlns:a16="http://schemas.microsoft.com/office/drawing/2014/main" id="{34453880-B568-412E-B217-7017AA047B84}"/>
+                <a16:creationId xmlns:a16="http://schemas.microsoft.com/office/drawing/2014/main" xmlns="" id="{34453880-B568-412E-B217-7017AA047B84}"/>
               </a:ext>
             </a:extLst>
           </p:cNvPr>
@@ -22900,7 +25813,7 @@
           <p:cNvPr id="19" name="Oval 18">
             <a:extLst>
               <a:ext uri="{FF2B5EF4-FFF2-40B4-BE49-F238E27FC236}">
-                <a16:creationId xmlns="" xmlns:a16="http://schemas.microsoft.com/office/drawing/2014/main" id="{C865F1AC-443D-44E9-B205-5FD839712B3D}"/>
+                <a16:creationId xmlns:a16="http://schemas.microsoft.com/office/drawing/2014/main" xmlns="" id="{C865F1AC-443D-44E9-B205-5FD839712B3D}"/>
               </a:ext>
             </a:extLst>
           </p:cNvPr>
@@ -22946,7 +25859,7 @@
           <p:cNvPr id="20" name="Straight Connector 19">
             <a:extLst>
               <a:ext uri="{FF2B5EF4-FFF2-40B4-BE49-F238E27FC236}">
-                <a16:creationId xmlns="" xmlns:a16="http://schemas.microsoft.com/office/drawing/2014/main" id="{B1B94C00-5D79-4EF7-B864-00C0FB05A426}"/>
+                <a16:creationId xmlns:a16="http://schemas.microsoft.com/office/drawing/2014/main" xmlns="" id="{B1B94C00-5D79-4EF7-B864-00C0FB05A426}"/>
               </a:ext>
             </a:extLst>
           </p:cNvPr>
@@ -22987,7 +25900,7 @@
           <p:cNvPr id="25" name="Rectangle 24">
             <a:extLst>
               <a:ext uri="{FF2B5EF4-FFF2-40B4-BE49-F238E27FC236}">
-                <a16:creationId xmlns="" xmlns:a16="http://schemas.microsoft.com/office/drawing/2014/main" id="{1962C116-4BFC-4CE5-92AA-283C9D45A684}"/>
+                <a16:creationId xmlns:a16="http://schemas.microsoft.com/office/drawing/2014/main" xmlns="" id="{1962C116-4BFC-4CE5-92AA-283C9D45A684}"/>
               </a:ext>
             </a:extLst>
           </p:cNvPr>
@@ -23033,7 +25946,7 @@
           <p:cNvPr id="26" name="Rectangle 25">
             <a:extLst>
               <a:ext uri="{FF2B5EF4-FFF2-40B4-BE49-F238E27FC236}">
-                <a16:creationId xmlns="" xmlns:a16="http://schemas.microsoft.com/office/drawing/2014/main" id="{7346B316-6233-4443-9A36-040D034A6FBF}"/>
+                <a16:creationId xmlns:a16="http://schemas.microsoft.com/office/drawing/2014/main" xmlns="" id="{7346B316-6233-4443-9A36-040D034A6FBF}"/>
               </a:ext>
             </a:extLst>
           </p:cNvPr>
@@ -23087,7 +26000,7 @@
           <p:cNvPr id="27" name="Rectangle 26">
             <a:extLst>
               <a:ext uri="{FF2B5EF4-FFF2-40B4-BE49-F238E27FC236}">
-                <a16:creationId xmlns="" xmlns:a16="http://schemas.microsoft.com/office/drawing/2014/main" id="{A0A6BEE0-8DF4-4797-80DB-7DD4E6A99383}"/>
+                <a16:creationId xmlns:a16="http://schemas.microsoft.com/office/drawing/2014/main" xmlns="" id="{A0A6BEE0-8DF4-4797-80DB-7DD4E6A99383}"/>
               </a:ext>
             </a:extLst>
           </p:cNvPr>
@@ -23133,7 +26046,7 @@
           <p:cNvPr id="28" name="Rectangle 27">
             <a:extLst>
               <a:ext uri="{FF2B5EF4-FFF2-40B4-BE49-F238E27FC236}">
-                <a16:creationId xmlns="" xmlns:a16="http://schemas.microsoft.com/office/drawing/2014/main" id="{14D24A18-E91F-4A40-9FD4-04301BE5E2B4}"/>
+                <a16:creationId xmlns:a16="http://schemas.microsoft.com/office/drawing/2014/main" xmlns="" id="{14D24A18-E91F-4A40-9FD4-04301BE5E2B4}"/>
               </a:ext>
             </a:extLst>
           </p:cNvPr>
@@ -23179,7 +26092,7 @@
           <p:cNvPr id="29" name="Rectangle 28">
             <a:extLst>
               <a:ext uri="{FF2B5EF4-FFF2-40B4-BE49-F238E27FC236}">
-                <a16:creationId xmlns="" xmlns:a16="http://schemas.microsoft.com/office/drawing/2014/main" id="{02D3BDEB-199B-42D8-AFC9-6B8F446EE7F0}"/>
+                <a16:creationId xmlns:a16="http://schemas.microsoft.com/office/drawing/2014/main" xmlns="" id="{02D3BDEB-199B-42D8-AFC9-6B8F446EE7F0}"/>
               </a:ext>
             </a:extLst>
           </p:cNvPr>
@@ -23225,7 +26138,7 @@
           <p:cNvPr id="31" name="Straight Connector 30">
             <a:extLst>
               <a:ext uri="{FF2B5EF4-FFF2-40B4-BE49-F238E27FC236}">
-                <a16:creationId xmlns="" xmlns:a16="http://schemas.microsoft.com/office/drawing/2014/main" id="{7A19C16E-38B9-498A-9C33-6AB77B29E105}"/>
+                <a16:creationId xmlns:a16="http://schemas.microsoft.com/office/drawing/2014/main" xmlns="" id="{7A19C16E-38B9-498A-9C33-6AB77B29E105}"/>
               </a:ext>
             </a:extLst>
           </p:cNvPr>
@@ -23296,7 +26209,7 @@
           <p:cNvPr id="2" name="Slide Number Placeholder 1">
             <a:extLst>
               <a:ext uri="{FF2B5EF4-FFF2-40B4-BE49-F238E27FC236}">
-                <a16:creationId xmlns="" xmlns:a16="http://schemas.microsoft.com/office/drawing/2014/main" id="{E2A346D2-342E-4D26-9516-C88A6E8CC150}"/>
+                <a16:creationId xmlns:a16="http://schemas.microsoft.com/office/drawing/2014/main" xmlns="" id="{E2A346D2-342E-4D26-9516-C88A6E8CC150}"/>
               </a:ext>
             </a:extLst>
           </p:cNvPr>
@@ -23325,7 +26238,7 @@
           <p:cNvPr id="4" name="Title 3">
             <a:extLst>
               <a:ext uri="{FF2B5EF4-FFF2-40B4-BE49-F238E27FC236}">
-                <a16:creationId xmlns="" xmlns:a16="http://schemas.microsoft.com/office/drawing/2014/main" id="{6C1750A8-0A53-40DB-B646-EE267E14322F}"/>
+                <a16:creationId xmlns:a16="http://schemas.microsoft.com/office/drawing/2014/main" xmlns="" id="{6C1750A8-0A53-40DB-B646-EE267E14322F}"/>
               </a:ext>
             </a:extLst>
           </p:cNvPr>
@@ -23359,7 +26272,7 @@
           <p:cNvPr id="3" name="Rectangle 2">
             <a:extLst>
               <a:ext uri="{FF2B5EF4-FFF2-40B4-BE49-F238E27FC236}">
-                <a16:creationId xmlns="" xmlns:a16="http://schemas.microsoft.com/office/drawing/2014/main" id="{DC56F6AA-CC91-42A5-B529-91407EE8CA0B}"/>
+                <a16:creationId xmlns:a16="http://schemas.microsoft.com/office/drawing/2014/main" xmlns="" id="{DC56F6AA-CC91-42A5-B529-91407EE8CA0B}"/>
               </a:ext>
             </a:extLst>
           </p:cNvPr>
@@ -23405,7 +26318,7 @@
           <p:cNvPr id="5" name="Rectangle 4">
             <a:extLst>
               <a:ext uri="{FF2B5EF4-FFF2-40B4-BE49-F238E27FC236}">
-                <a16:creationId xmlns="" xmlns:a16="http://schemas.microsoft.com/office/drawing/2014/main" id="{1AFD8020-F819-48DB-A628-4F914740C5B5}"/>
+                <a16:creationId xmlns:a16="http://schemas.microsoft.com/office/drawing/2014/main" xmlns="" id="{1AFD8020-F819-48DB-A628-4F914740C5B5}"/>
               </a:ext>
             </a:extLst>
           </p:cNvPr>
@@ -23459,7 +26372,7 @@
           <p:cNvPr id="6" name="Rectangle 5">
             <a:extLst>
               <a:ext uri="{FF2B5EF4-FFF2-40B4-BE49-F238E27FC236}">
-                <a16:creationId xmlns="" xmlns:a16="http://schemas.microsoft.com/office/drawing/2014/main" id="{519572F2-77B7-451D-B7B9-E8C4DF760CFE}"/>
+                <a16:creationId xmlns:a16="http://schemas.microsoft.com/office/drawing/2014/main" xmlns="" id="{519572F2-77B7-451D-B7B9-E8C4DF760CFE}"/>
               </a:ext>
             </a:extLst>
           </p:cNvPr>
@@ -23505,7 +26418,7 @@
           <p:cNvPr id="9" name="Straight Connector 8">
             <a:extLst>
               <a:ext uri="{FF2B5EF4-FFF2-40B4-BE49-F238E27FC236}">
-                <a16:creationId xmlns="" xmlns:a16="http://schemas.microsoft.com/office/drawing/2014/main" id="{4C9C328E-BF96-4182-9F0B-C5C11B72F8DE}"/>
+                <a16:creationId xmlns:a16="http://schemas.microsoft.com/office/drawing/2014/main" xmlns="" id="{4C9C328E-BF96-4182-9F0B-C5C11B72F8DE}"/>
               </a:ext>
             </a:extLst>
           </p:cNvPr>
@@ -23546,7 +26459,7 @@
           <p:cNvPr id="13" name="Rectangle 12">
             <a:extLst>
               <a:ext uri="{FF2B5EF4-FFF2-40B4-BE49-F238E27FC236}">
-                <a16:creationId xmlns="" xmlns:a16="http://schemas.microsoft.com/office/drawing/2014/main" id="{323427DF-834D-402D-8EB2-A67EBD08C9DE}"/>
+                <a16:creationId xmlns:a16="http://schemas.microsoft.com/office/drawing/2014/main" xmlns="" id="{323427DF-834D-402D-8EB2-A67EBD08C9DE}"/>
               </a:ext>
             </a:extLst>
           </p:cNvPr>
@@ -23592,7 +26505,7 @@
           <p:cNvPr id="14" name="Rectangle 13">
             <a:extLst>
               <a:ext uri="{FF2B5EF4-FFF2-40B4-BE49-F238E27FC236}">
-                <a16:creationId xmlns="" xmlns:a16="http://schemas.microsoft.com/office/drawing/2014/main" id="{0A6F78A6-5E7B-44BE-8033-86E3CC020CF3}"/>
+                <a16:creationId xmlns:a16="http://schemas.microsoft.com/office/drawing/2014/main" xmlns="" id="{0A6F78A6-5E7B-44BE-8033-86E3CC020CF3}"/>
               </a:ext>
             </a:extLst>
           </p:cNvPr>
@@ -23638,7 +26551,7 @@
           <p:cNvPr id="15" name="Rectangle 14">
             <a:extLst>
               <a:ext uri="{FF2B5EF4-FFF2-40B4-BE49-F238E27FC236}">
-                <a16:creationId xmlns="" xmlns:a16="http://schemas.microsoft.com/office/drawing/2014/main" id="{9F279704-B8F0-4876-B501-EE21DB738F59}"/>
+                <a16:creationId xmlns:a16="http://schemas.microsoft.com/office/drawing/2014/main" xmlns="" id="{9F279704-B8F0-4876-B501-EE21DB738F59}"/>
               </a:ext>
             </a:extLst>
           </p:cNvPr>
@@ -23684,7 +26597,7 @@
           <p:cNvPr id="16" name="Rectangle 15">
             <a:extLst>
               <a:ext uri="{FF2B5EF4-FFF2-40B4-BE49-F238E27FC236}">
-                <a16:creationId xmlns="" xmlns:a16="http://schemas.microsoft.com/office/drawing/2014/main" id="{6ECC4020-0E4E-472A-9357-69CC12C1F305}"/>
+                <a16:creationId xmlns:a16="http://schemas.microsoft.com/office/drawing/2014/main" xmlns="" id="{6ECC4020-0E4E-472A-9357-69CC12C1F305}"/>
               </a:ext>
             </a:extLst>
           </p:cNvPr>
@@ -23730,7 +26643,7 @@
           <p:cNvPr id="17" name="Rectangle 16">
             <a:extLst>
               <a:ext uri="{FF2B5EF4-FFF2-40B4-BE49-F238E27FC236}">
-                <a16:creationId xmlns="" xmlns:a16="http://schemas.microsoft.com/office/drawing/2014/main" id="{34453880-B568-412E-B217-7017AA047B84}"/>
+                <a16:creationId xmlns:a16="http://schemas.microsoft.com/office/drawing/2014/main" xmlns="" id="{34453880-B568-412E-B217-7017AA047B84}"/>
               </a:ext>
             </a:extLst>
           </p:cNvPr>
@@ -23776,7 +26689,7 @@
           <p:cNvPr id="19" name="Oval 18">
             <a:extLst>
               <a:ext uri="{FF2B5EF4-FFF2-40B4-BE49-F238E27FC236}">
-                <a16:creationId xmlns="" xmlns:a16="http://schemas.microsoft.com/office/drawing/2014/main" id="{C865F1AC-443D-44E9-B205-5FD839712B3D}"/>
+                <a16:creationId xmlns:a16="http://schemas.microsoft.com/office/drawing/2014/main" xmlns="" id="{C865F1AC-443D-44E9-B205-5FD839712B3D}"/>
               </a:ext>
             </a:extLst>
           </p:cNvPr>
@@ -23822,7 +26735,7 @@
           <p:cNvPr id="20" name="Straight Connector 19">
             <a:extLst>
               <a:ext uri="{FF2B5EF4-FFF2-40B4-BE49-F238E27FC236}">
-                <a16:creationId xmlns="" xmlns:a16="http://schemas.microsoft.com/office/drawing/2014/main" id="{B1B94C00-5D79-4EF7-B864-00C0FB05A426}"/>
+                <a16:creationId xmlns:a16="http://schemas.microsoft.com/office/drawing/2014/main" xmlns="" id="{B1B94C00-5D79-4EF7-B864-00C0FB05A426}"/>
               </a:ext>
             </a:extLst>
           </p:cNvPr>
@@ -23863,7 +26776,7 @@
           <p:cNvPr id="25" name="Rectangle 24">
             <a:extLst>
               <a:ext uri="{FF2B5EF4-FFF2-40B4-BE49-F238E27FC236}">
-                <a16:creationId xmlns="" xmlns:a16="http://schemas.microsoft.com/office/drawing/2014/main" id="{1962C116-4BFC-4CE5-92AA-283C9D45A684}"/>
+                <a16:creationId xmlns:a16="http://schemas.microsoft.com/office/drawing/2014/main" xmlns="" id="{1962C116-4BFC-4CE5-92AA-283C9D45A684}"/>
               </a:ext>
             </a:extLst>
           </p:cNvPr>
@@ -23909,7 +26822,7 @@
           <p:cNvPr id="26" name="Rectangle 25">
             <a:extLst>
               <a:ext uri="{FF2B5EF4-FFF2-40B4-BE49-F238E27FC236}">
-                <a16:creationId xmlns="" xmlns:a16="http://schemas.microsoft.com/office/drawing/2014/main" id="{7346B316-6233-4443-9A36-040D034A6FBF}"/>
+                <a16:creationId xmlns:a16="http://schemas.microsoft.com/office/drawing/2014/main" xmlns="" id="{7346B316-6233-4443-9A36-040D034A6FBF}"/>
               </a:ext>
             </a:extLst>
           </p:cNvPr>
@@ -23963,7 +26876,7 @@
           <p:cNvPr id="27" name="Rectangle 26">
             <a:extLst>
               <a:ext uri="{FF2B5EF4-FFF2-40B4-BE49-F238E27FC236}">
-                <a16:creationId xmlns="" xmlns:a16="http://schemas.microsoft.com/office/drawing/2014/main" id="{A0A6BEE0-8DF4-4797-80DB-7DD4E6A99383}"/>
+                <a16:creationId xmlns:a16="http://schemas.microsoft.com/office/drawing/2014/main" xmlns="" id="{A0A6BEE0-8DF4-4797-80DB-7DD4E6A99383}"/>
               </a:ext>
             </a:extLst>
           </p:cNvPr>
@@ -24009,7 +26922,7 @@
           <p:cNvPr id="28" name="Rectangle 27">
             <a:extLst>
               <a:ext uri="{FF2B5EF4-FFF2-40B4-BE49-F238E27FC236}">
-                <a16:creationId xmlns="" xmlns:a16="http://schemas.microsoft.com/office/drawing/2014/main" id="{14D24A18-E91F-4A40-9FD4-04301BE5E2B4}"/>
+                <a16:creationId xmlns:a16="http://schemas.microsoft.com/office/drawing/2014/main" xmlns="" id="{14D24A18-E91F-4A40-9FD4-04301BE5E2B4}"/>
               </a:ext>
             </a:extLst>
           </p:cNvPr>
@@ -24055,7 +26968,7 @@
           <p:cNvPr id="29" name="Rectangle 28">
             <a:extLst>
               <a:ext uri="{FF2B5EF4-FFF2-40B4-BE49-F238E27FC236}">
-                <a16:creationId xmlns="" xmlns:a16="http://schemas.microsoft.com/office/drawing/2014/main" id="{02D3BDEB-199B-42D8-AFC9-6B8F446EE7F0}"/>
+                <a16:creationId xmlns:a16="http://schemas.microsoft.com/office/drawing/2014/main" xmlns="" id="{02D3BDEB-199B-42D8-AFC9-6B8F446EE7F0}"/>
               </a:ext>
             </a:extLst>
           </p:cNvPr>
@@ -24101,7 +27014,7 @@
           <p:cNvPr id="31" name="Straight Connector 30">
             <a:extLst>
               <a:ext uri="{FF2B5EF4-FFF2-40B4-BE49-F238E27FC236}">
-                <a16:creationId xmlns="" xmlns:a16="http://schemas.microsoft.com/office/drawing/2014/main" id="{7A19C16E-38B9-498A-9C33-6AB77B29E105}"/>
+                <a16:creationId xmlns:a16="http://schemas.microsoft.com/office/drawing/2014/main" xmlns="" id="{7A19C16E-38B9-498A-9C33-6AB77B29E105}"/>
               </a:ext>
             </a:extLst>
           </p:cNvPr>
@@ -24172,7 +27085,7 @@
           <p:cNvPr id="2" name="Slide Number Placeholder 1">
             <a:extLst>
               <a:ext uri="{FF2B5EF4-FFF2-40B4-BE49-F238E27FC236}">
-                <a16:creationId xmlns="" xmlns:a16="http://schemas.microsoft.com/office/drawing/2014/main" id="{E2A346D2-342E-4D26-9516-C88A6E8CC150}"/>
+                <a16:creationId xmlns:a16="http://schemas.microsoft.com/office/drawing/2014/main" xmlns="" id="{E2A346D2-342E-4D26-9516-C88A6E8CC150}"/>
               </a:ext>
             </a:extLst>
           </p:cNvPr>
@@ -24201,7 +27114,7 @@
           <p:cNvPr id="4" name="Title 3">
             <a:extLst>
               <a:ext uri="{FF2B5EF4-FFF2-40B4-BE49-F238E27FC236}">
-                <a16:creationId xmlns="" xmlns:a16="http://schemas.microsoft.com/office/drawing/2014/main" id="{6C1750A8-0A53-40DB-B646-EE267E14322F}"/>
+                <a16:creationId xmlns:a16="http://schemas.microsoft.com/office/drawing/2014/main" xmlns="" id="{6C1750A8-0A53-40DB-B646-EE267E14322F}"/>
               </a:ext>
             </a:extLst>
           </p:cNvPr>
@@ -24235,7 +27148,7 @@
           <p:cNvPr id="3" name="Rectangle 2">
             <a:extLst>
               <a:ext uri="{FF2B5EF4-FFF2-40B4-BE49-F238E27FC236}">
-                <a16:creationId xmlns="" xmlns:a16="http://schemas.microsoft.com/office/drawing/2014/main" id="{DC56F6AA-CC91-42A5-B529-91407EE8CA0B}"/>
+                <a16:creationId xmlns:a16="http://schemas.microsoft.com/office/drawing/2014/main" xmlns="" id="{DC56F6AA-CC91-42A5-B529-91407EE8CA0B}"/>
               </a:ext>
             </a:extLst>
           </p:cNvPr>
@@ -24281,7 +27194,7 @@
           <p:cNvPr id="5" name="Rectangle 4">
             <a:extLst>
               <a:ext uri="{FF2B5EF4-FFF2-40B4-BE49-F238E27FC236}">
-                <a16:creationId xmlns="" xmlns:a16="http://schemas.microsoft.com/office/drawing/2014/main" id="{1AFD8020-F819-48DB-A628-4F914740C5B5}"/>
+                <a16:creationId xmlns:a16="http://schemas.microsoft.com/office/drawing/2014/main" xmlns="" id="{1AFD8020-F819-48DB-A628-4F914740C5B5}"/>
               </a:ext>
             </a:extLst>
           </p:cNvPr>
@@ -24335,7 +27248,7 @@
           <p:cNvPr id="6" name="Rectangle 5">
             <a:extLst>
               <a:ext uri="{FF2B5EF4-FFF2-40B4-BE49-F238E27FC236}">
-                <a16:creationId xmlns="" xmlns:a16="http://schemas.microsoft.com/office/drawing/2014/main" id="{519572F2-77B7-451D-B7B9-E8C4DF760CFE}"/>
+                <a16:creationId xmlns:a16="http://schemas.microsoft.com/office/drawing/2014/main" xmlns="" id="{519572F2-77B7-451D-B7B9-E8C4DF760CFE}"/>
               </a:ext>
             </a:extLst>
           </p:cNvPr>
@@ -24381,7 +27294,7 @@
           <p:cNvPr id="9" name="Straight Connector 8">
             <a:extLst>
               <a:ext uri="{FF2B5EF4-FFF2-40B4-BE49-F238E27FC236}">
-                <a16:creationId xmlns="" xmlns:a16="http://schemas.microsoft.com/office/drawing/2014/main" id="{4C9C328E-BF96-4182-9F0B-C5C11B72F8DE}"/>
+                <a16:creationId xmlns:a16="http://schemas.microsoft.com/office/drawing/2014/main" xmlns="" id="{4C9C328E-BF96-4182-9F0B-C5C11B72F8DE}"/>
               </a:ext>
             </a:extLst>
           </p:cNvPr>
@@ -24422,7 +27335,7 @@
           <p:cNvPr id="13" name="Rectangle 12">
             <a:extLst>
               <a:ext uri="{FF2B5EF4-FFF2-40B4-BE49-F238E27FC236}">
-                <a16:creationId xmlns="" xmlns:a16="http://schemas.microsoft.com/office/drawing/2014/main" id="{323427DF-834D-402D-8EB2-A67EBD08C9DE}"/>
+                <a16:creationId xmlns:a16="http://schemas.microsoft.com/office/drawing/2014/main" xmlns="" id="{323427DF-834D-402D-8EB2-A67EBD08C9DE}"/>
               </a:ext>
             </a:extLst>
           </p:cNvPr>
@@ -24468,7 +27381,7 @@
           <p:cNvPr id="14" name="Rectangle 13">
             <a:extLst>
               <a:ext uri="{FF2B5EF4-FFF2-40B4-BE49-F238E27FC236}">
-                <a16:creationId xmlns="" xmlns:a16="http://schemas.microsoft.com/office/drawing/2014/main" id="{0A6F78A6-5E7B-44BE-8033-86E3CC020CF3}"/>
+                <a16:creationId xmlns:a16="http://schemas.microsoft.com/office/drawing/2014/main" xmlns="" id="{0A6F78A6-5E7B-44BE-8033-86E3CC020CF3}"/>
               </a:ext>
             </a:extLst>
           </p:cNvPr>
@@ -24514,7 +27427,7 @@
           <p:cNvPr id="15" name="Rectangle 14">
             <a:extLst>
               <a:ext uri="{FF2B5EF4-FFF2-40B4-BE49-F238E27FC236}">
-                <a16:creationId xmlns="" xmlns:a16="http://schemas.microsoft.com/office/drawing/2014/main" id="{9F279704-B8F0-4876-B501-EE21DB738F59}"/>
+                <a16:creationId xmlns:a16="http://schemas.microsoft.com/office/drawing/2014/main" xmlns="" id="{9F279704-B8F0-4876-B501-EE21DB738F59}"/>
               </a:ext>
             </a:extLst>
           </p:cNvPr>
@@ -24560,7 +27473,7 @@
           <p:cNvPr id="16" name="Rectangle 15">
             <a:extLst>
               <a:ext uri="{FF2B5EF4-FFF2-40B4-BE49-F238E27FC236}">
-                <a16:creationId xmlns="" xmlns:a16="http://schemas.microsoft.com/office/drawing/2014/main" id="{6ECC4020-0E4E-472A-9357-69CC12C1F305}"/>
+                <a16:creationId xmlns:a16="http://schemas.microsoft.com/office/drawing/2014/main" xmlns="" id="{6ECC4020-0E4E-472A-9357-69CC12C1F305}"/>
               </a:ext>
             </a:extLst>
           </p:cNvPr>
@@ -24606,7 +27519,7 @@
           <p:cNvPr id="17" name="Rectangle 16">
             <a:extLst>
               <a:ext uri="{FF2B5EF4-FFF2-40B4-BE49-F238E27FC236}">
-                <a16:creationId xmlns="" xmlns:a16="http://schemas.microsoft.com/office/drawing/2014/main" id="{34453880-B568-412E-B217-7017AA047B84}"/>
+                <a16:creationId xmlns:a16="http://schemas.microsoft.com/office/drawing/2014/main" xmlns="" id="{34453880-B568-412E-B217-7017AA047B84}"/>
               </a:ext>
             </a:extLst>
           </p:cNvPr>
@@ -24652,7 +27565,7 @@
           <p:cNvPr id="19" name="Oval 18">
             <a:extLst>
               <a:ext uri="{FF2B5EF4-FFF2-40B4-BE49-F238E27FC236}">
-                <a16:creationId xmlns="" xmlns:a16="http://schemas.microsoft.com/office/drawing/2014/main" id="{C865F1AC-443D-44E9-B205-5FD839712B3D}"/>
+                <a16:creationId xmlns:a16="http://schemas.microsoft.com/office/drawing/2014/main" xmlns="" id="{C865F1AC-443D-44E9-B205-5FD839712B3D}"/>
               </a:ext>
             </a:extLst>
           </p:cNvPr>
@@ -24698,7 +27611,7 @@
           <p:cNvPr id="20" name="Straight Connector 19">
             <a:extLst>
               <a:ext uri="{FF2B5EF4-FFF2-40B4-BE49-F238E27FC236}">
-                <a16:creationId xmlns="" xmlns:a16="http://schemas.microsoft.com/office/drawing/2014/main" id="{B1B94C00-5D79-4EF7-B864-00C0FB05A426}"/>
+                <a16:creationId xmlns:a16="http://schemas.microsoft.com/office/drawing/2014/main" xmlns="" id="{B1B94C00-5D79-4EF7-B864-00C0FB05A426}"/>
               </a:ext>
             </a:extLst>
           </p:cNvPr>
@@ -24739,7 +27652,7 @@
           <p:cNvPr id="25" name="Rectangle 24">
             <a:extLst>
               <a:ext uri="{FF2B5EF4-FFF2-40B4-BE49-F238E27FC236}">
-                <a16:creationId xmlns="" xmlns:a16="http://schemas.microsoft.com/office/drawing/2014/main" id="{1962C116-4BFC-4CE5-92AA-283C9D45A684}"/>
+                <a16:creationId xmlns:a16="http://schemas.microsoft.com/office/drawing/2014/main" xmlns="" id="{1962C116-4BFC-4CE5-92AA-283C9D45A684}"/>
               </a:ext>
             </a:extLst>
           </p:cNvPr>
@@ -24785,7 +27698,7 @@
           <p:cNvPr id="26" name="Rectangle 25">
             <a:extLst>
               <a:ext uri="{FF2B5EF4-FFF2-40B4-BE49-F238E27FC236}">
-                <a16:creationId xmlns="" xmlns:a16="http://schemas.microsoft.com/office/drawing/2014/main" id="{7346B316-6233-4443-9A36-040D034A6FBF}"/>
+                <a16:creationId xmlns:a16="http://schemas.microsoft.com/office/drawing/2014/main" xmlns="" id="{7346B316-6233-4443-9A36-040D034A6FBF}"/>
               </a:ext>
             </a:extLst>
           </p:cNvPr>
@@ -24839,7 +27752,7 @@
           <p:cNvPr id="27" name="Rectangle 26">
             <a:extLst>
               <a:ext uri="{FF2B5EF4-FFF2-40B4-BE49-F238E27FC236}">
-                <a16:creationId xmlns="" xmlns:a16="http://schemas.microsoft.com/office/drawing/2014/main" id="{A0A6BEE0-8DF4-4797-80DB-7DD4E6A99383}"/>
+                <a16:creationId xmlns:a16="http://schemas.microsoft.com/office/drawing/2014/main" xmlns="" id="{A0A6BEE0-8DF4-4797-80DB-7DD4E6A99383}"/>
               </a:ext>
             </a:extLst>
           </p:cNvPr>
@@ -24885,7 +27798,7 @@
           <p:cNvPr id="28" name="Rectangle 27">
             <a:extLst>
               <a:ext uri="{FF2B5EF4-FFF2-40B4-BE49-F238E27FC236}">
-                <a16:creationId xmlns="" xmlns:a16="http://schemas.microsoft.com/office/drawing/2014/main" id="{14D24A18-E91F-4A40-9FD4-04301BE5E2B4}"/>
+                <a16:creationId xmlns:a16="http://schemas.microsoft.com/office/drawing/2014/main" xmlns="" id="{14D24A18-E91F-4A40-9FD4-04301BE5E2B4}"/>
               </a:ext>
             </a:extLst>
           </p:cNvPr>
@@ -24931,7 +27844,7 @@
           <p:cNvPr id="29" name="Rectangle 28">
             <a:extLst>
               <a:ext uri="{FF2B5EF4-FFF2-40B4-BE49-F238E27FC236}">
-                <a16:creationId xmlns="" xmlns:a16="http://schemas.microsoft.com/office/drawing/2014/main" id="{02D3BDEB-199B-42D8-AFC9-6B8F446EE7F0}"/>
+                <a16:creationId xmlns:a16="http://schemas.microsoft.com/office/drawing/2014/main" xmlns="" id="{02D3BDEB-199B-42D8-AFC9-6B8F446EE7F0}"/>
               </a:ext>
             </a:extLst>
           </p:cNvPr>
@@ -24977,7 +27890,7 @@
           <p:cNvPr id="31" name="Straight Connector 30">
             <a:extLst>
               <a:ext uri="{FF2B5EF4-FFF2-40B4-BE49-F238E27FC236}">
-                <a16:creationId xmlns="" xmlns:a16="http://schemas.microsoft.com/office/drawing/2014/main" id="{7A19C16E-38B9-498A-9C33-6AB77B29E105}"/>
+                <a16:creationId xmlns:a16="http://schemas.microsoft.com/office/drawing/2014/main" xmlns="" id="{7A19C16E-38B9-498A-9C33-6AB77B29E105}"/>
               </a:ext>
             </a:extLst>
           </p:cNvPr>
@@ -25220,7 +28133,7 @@
   <a:extraClrSchemeLst/>
   <a:extLst>
     <a:ext uri="{05A4C25C-085E-4340-85A3-A5531E510DB2}">
-      <thm15:themeFamily xmlns="" xmlns:thm15="http://schemas.microsoft.com/office/thememl/2012/main" name="Sasyaka" id="{07B95330-6727-4101-AD9F-3F5BA64AFA22}" vid="{CBC504E4-8A30-46E2-8D6B-3AF9FFC46AA7}"/>
+      <thm15:themeFamily xmlns:thm15="http://schemas.microsoft.com/office/thememl/2012/main" xmlns="" name="Sasyaka" id="{07B95330-6727-4101-AD9F-3F5BA64AFA22}" vid="{CBC504E4-8A30-46E2-8D6B-3AF9FFC46AA7}"/>
     </a:ext>
   </a:extLst>
 </a:theme>
@@ -25481,7 +28394,7 @@
   <a:extraClrSchemeLst/>
   <a:extLst>
     <a:ext uri="{05A4C25C-085E-4340-85A3-A5531E510DB2}">
-      <thm15:themeFamily xmlns="" xmlns:thm15="http://schemas.microsoft.com/office/thememl/2012/main" name="Office Theme" id="{62F939B6-93AF-4DB8-9C6B-D6C7DFDC589F}" vid="{4A3C46E8-61CC-4603-A589-7422A47A8E4A}"/>
+      <thm15:themeFamily xmlns:thm15="http://schemas.microsoft.com/office/thememl/2012/main" xmlns="" name="Office Theme" id="{62F939B6-93AF-4DB8-9C6B-D6C7DFDC589F}" vid="{4A3C46E8-61CC-4603-A589-7422A47A8E4A}"/>
     </a:ext>
   </a:extLst>
 </a:theme>
@@ -25742,13 +28655,28 @@
   <a:extraClrSchemeLst/>
   <a:extLst>
     <a:ext uri="{05A4C25C-085E-4340-85A3-A5531E510DB2}">
-      <thm15:themeFamily xmlns="" xmlns:thm15="http://schemas.microsoft.com/office/thememl/2012/main" name="Office Theme" id="{62F939B6-93AF-4DB8-9C6B-D6C7DFDC589F}" vid="{4A3C46E8-61CC-4603-A589-7422A47A8E4A}"/>
+      <thm15:themeFamily xmlns:thm15="http://schemas.microsoft.com/office/thememl/2012/main" xmlns="" name="Office Theme" id="{62F939B6-93AF-4DB8-9C6B-D6C7DFDC589F}" vid="{4A3C46E8-61CC-4603-A589-7422A47A8E4A}"/>
     </a:ext>
   </a:extLst>
 </a:theme>
 </file>
 
 <file path=customXml/item1.xml><?xml version="1.0" encoding="utf-8"?>
+<?mso-contentType ?>
+<FormTemplates xmlns="http://schemas.microsoft.com/sharepoint/v3/contenttype/forms">
+  <Display>DocumentLibraryForm</Display>
+  <Edit>DocumentLibraryForm</Edit>
+  <New>DocumentLibraryForm</New>
+</FormTemplates>
+</file>
+
+<file path=customXml/item2.xml><?xml version="1.0" encoding="utf-8"?>
+<p:properties xmlns:p="http://schemas.microsoft.com/office/2006/metadata/properties" xmlns:xsi="http://www.w3.org/2001/XMLSchema-instance" xmlns:pc="http://schemas.microsoft.com/office/infopath/2007/PartnerControls">
+  <documentManagement/>
+</p:properties>
+</file>
+
+<file path=customXml/item3.xml><?xml version="1.0" encoding="utf-8"?>
 <ct:contentTypeSchema xmlns:ct="http://schemas.microsoft.com/office/2006/metadata/contentType" xmlns:ma="http://schemas.microsoft.com/office/2006/metadata/properties/metaAttributes" ct:_="" ma:_="" ma:contentTypeName="Document" ma:contentTypeID="0x010100BC7E260F34D97348B66A1FACC91E7184" ma:contentTypeVersion="6" ma:contentTypeDescription="Create a new document." ma:contentTypeScope="" ma:versionID="3c32d826e7c0e80d21219dc64dfbd367">
   <xsd:schema xmlns:xsd="http://www.w3.org/2001/XMLSchema" xmlns:xs="http://www.w3.org/2001/XMLSchema" xmlns:p="http://schemas.microsoft.com/office/2006/metadata/properties" xmlns:ns2="1772c744-c7b3-4094-9438-216b2f8fecc4" targetNamespace="http://schemas.microsoft.com/office/2006/metadata/properties" ma:root="true" ma:fieldsID="a418bf353e15b92b5ac351372125e18f" ns2:_="">
     <xsd:import namespace="1772c744-c7b3-4094-9438-216b2f8fecc4"/>
@@ -25906,35 +28834,10 @@
 </ct:contentTypeSchema>
 </file>
 
-<file path=customXml/item2.xml><?xml version="1.0" encoding="utf-8"?>
-<p:properties xmlns:p="http://schemas.microsoft.com/office/2006/metadata/properties" xmlns:xsi="http://www.w3.org/2001/XMLSchema-instance" xmlns:pc="http://schemas.microsoft.com/office/infopath/2007/PartnerControls">
-  <documentManagement/>
-</p:properties>
-</file>
-
-<file path=customXml/item3.xml><?xml version="1.0" encoding="utf-8"?>
-<?mso-contentType ?>
-<FormTemplates xmlns="http://schemas.microsoft.com/sharepoint/v3/contenttype/forms">
-  <Display>DocumentLibraryForm</Display>
-  <Edit>DocumentLibraryForm</Edit>
-  <New>DocumentLibraryForm</New>
-</FormTemplates>
-</file>
-
 <file path=customXml/itemProps1.xml><?xml version="1.0" encoding="utf-8"?>
-<ds:datastoreItem xmlns:ds="http://schemas.openxmlformats.org/officeDocument/2006/customXml" ds:itemID="{E8FD7CFB-3A01-4626-A52F-32A7F011199A}">
+<ds:datastoreItem xmlns:ds="http://schemas.openxmlformats.org/officeDocument/2006/customXml" ds:itemID="{6C470955-1F45-4EAC-A3A2-014BDA6FD5F4}">
   <ds:schemaRefs>
-    <ds:schemaRef ds:uri="http://schemas.microsoft.com/office/2006/metadata/contentType"/>
-    <ds:schemaRef ds:uri="http://schemas.microsoft.com/office/2006/metadata/properties/metaAttributes"/>
-    <ds:schemaRef ds:uri="http://www.w3.org/2001/XMLSchema"/>
-    <ds:schemaRef ds:uri="http://schemas.microsoft.com/office/2006/metadata/properties"/>
-    <ds:schemaRef ds:uri="1772c744-c7b3-4094-9438-216b2f8fecc4"/>
-    <ds:schemaRef ds:uri="http://schemas.microsoft.com/office/2006/documentManagement/types"/>
-    <ds:schemaRef ds:uri="http://schemas.microsoft.com/office/infopath/2007/PartnerControls"/>
-    <ds:schemaRef ds:uri="http://schemas.openxmlformats.org/package/2006/metadata/core-properties"/>
-    <ds:schemaRef ds:uri="http://purl.org/dc/elements/1.1/"/>
-    <ds:schemaRef ds:uri="http://purl.org/dc/terms/"/>
-    <ds:schemaRef ds:uri="http://schemas.microsoft.com/internal/obd"/>
+    <ds:schemaRef ds:uri="http://schemas.microsoft.com/sharepoint/v3/contenttype/forms"/>
   </ds:schemaRefs>
 </ds:datastoreItem>
 </file>
@@ -25956,9 +28859,19 @@
 </file>
 
 <file path=customXml/itemProps3.xml><?xml version="1.0" encoding="utf-8"?>
-<ds:datastoreItem xmlns:ds="http://schemas.openxmlformats.org/officeDocument/2006/customXml" ds:itemID="{6C470955-1F45-4EAC-A3A2-014BDA6FD5F4}">
+<ds:datastoreItem xmlns:ds="http://schemas.openxmlformats.org/officeDocument/2006/customXml" ds:itemID="{E8FD7CFB-3A01-4626-A52F-32A7F011199A}">
   <ds:schemaRefs>
-    <ds:schemaRef ds:uri="http://schemas.microsoft.com/sharepoint/v3/contenttype/forms"/>
+    <ds:schemaRef ds:uri="http://schemas.microsoft.com/office/2006/metadata/contentType"/>
+    <ds:schemaRef ds:uri="http://schemas.microsoft.com/office/2006/metadata/properties/metaAttributes"/>
+    <ds:schemaRef ds:uri="http://www.w3.org/2001/XMLSchema"/>
+    <ds:schemaRef ds:uri="http://schemas.microsoft.com/office/2006/metadata/properties"/>
+    <ds:schemaRef ds:uri="1772c744-c7b3-4094-9438-216b2f8fecc4"/>
+    <ds:schemaRef ds:uri="http://schemas.microsoft.com/office/2006/documentManagement/types"/>
+    <ds:schemaRef ds:uri="http://schemas.microsoft.com/office/infopath/2007/PartnerControls"/>
+    <ds:schemaRef ds:uri="http://schemas.openxmlformats.org/package/2006/metadata/core-properties"/>
+    <ds:schemaRef ds:uri="http://purl.org/dc/elements/1.1/"/>
+    <ds:schemaRef ds:uri="http://purl.org/dc/terms/"/>
+    <ds:schemaRef ds:uri="http://schemas.microsoft.com/internal/obd"/>
   </ds:schemaRefs>
 </ds:datastoreItem>
 </file>
--- a/Documents/20-020_W601.pptx
+++ b/Documents/20-020_W601.pptx
@@ -276,7 +276,7 @@
           <a:p>
             <a:fld id="{9DFF5471-3790-423B-9092-670F2B6ED9D0}" type="datetimeFigureOut">
               <a:rPr lang="en-IN" smtClean="0"/>
-              <a:t>23-12-2020</a:t>
+              <a:t>26-12-2020</a:t>
             </a:fld>
             <a:endParaRPr lang="en-IN"/>
           </a:p>
@@ -441,7 +441,7 @@
           <a:p>
             <a:fld id="{F1DD53B3-B155-4E53-B325-36994AC02032}" type="datetimeFigureOut">
               <a:rPr lang="en-IN" smtClean="0"/>
-              <a:t>23-12-2020</a:t>
+              <a:t>26-12-2020</a:t>
             </a:fld>
             <a:endParaRPr lang="en-IN"/>
           </a:p>
@@ -2664,7 +2664,7 @@
           <p:cNvPicPr>
             <a:picLocks noChangeAspect="1"/>
           </p:cNvPicPr>
-          <p:nvPr userDrawn="1"/>
+          <p:nvPr/>
         </p:nvPicPr>
         <p:blipFill>
           <a:blip r:embed="rId9"/>
@@ -2692,7 +2692,7 @@
             </a:extLst>
           </p:cNvPr>
           <p:cNvSpPr/>
-          <p:nvPr userDrawn="1"/>
+          <p:nvPr/>
         </p:nvSpPr>
         <p:spPr>
           <a:xfrm>
@@ -2737,7 +2737,7 @@
           <p:cNvPicPr>
             <a:picLocks noChangeAspect="1"/>
           </p:cNvPicPr>
-          <p:nvPr userDrawn="1"/>
+          <p:nvPr/>
         </p:nvPicPr>
         <p:blipFill>
           <a:blip r:embed="rId10"/>

--- a/Documents/20-020_W601.pptx
+++ b/Documents/20-020_W601.pptx
@@ -5,10 +5,10 @@
     <p:sldMasterId id="2147483672" r:id="rId4"/>
   </p:sldMasterIdLst>
   <p:notesMasterIdLst>
-    <p:notesMasterId r:id="rId38"/>
+    <p:notesMasterId r:id="rId39"/>
   </p:notesMasterIdLst>
   <p:handoutMasterIdLst>
-    <p:handoutMasterId r:id="rId39"/>
+    <p:handoutMasterId r:id="rId40"/>
   </p:handoutMasterIdLst>
   <p:sldIdLst>
     <p:sldId id="274" r:id="rId5"/>
@@ -40,10 +40,11 @@
     <p:sldId id="410" r:id="rId31"/>
     <p:sldId id="1014" r:id="rId32"/>
     <p:sldId id="1015" r:id="rId33"/>
-    <p:sldId id="1016" r:id="rId34"/>
-    <p:sldId id="1008" r:id="rId35"/>
-    <p:sldId id="1010" r:id="rId36"/>
-    <p:sldId id="1009" r:id="rId37"/>
+    <p:sldId id="1042" r:id="rId34"/>
+    <p:sldId id="1016" r:id="rId35"/>
+    <p:sldId id="1008" r:id="rId36"/>
+    <p:sldId id="1010" r:id="rId37"/>
+    <p:sldId id="1009" r:id="rId38"/>
   </p:sldIdLst>
   <p:sldSz cx="12192000" cy="6858000"/>
   <p:notesSz cx="6858000" cy="9144000"/>
@@ -174,7 +175,7 @@
   </p:defaultTextStyle>
   <p:extLst>
     <p:ext uri="{EFAFB233-063F-42B5-8137-9DF3F51BA10A}">
-      <p15:sldGuideLst xmlns:p15="http://schemas.microsoft.com/office/powerpoint/2012/main" xmlns="">
+      <p15:sldGuideLst xmlns:p15="http://schemas.microsoft.com/office/powerpoint/2012/main">
         <p15:guide id="1" orient="horz" pos="618" userDrawn="1">
           <p15:clr>
             <a:srgbClr val="A4A3A4"/>
@@ -188,7 +189,7 @@
       </p15:sldGuideLst>
     </p:ext>
     <p:ext uri="{2D200454-40CA-4A62-9FC3-DE9A4176ACB9}">
-      <p15:notesGuideLst xmlns:p15="http://schemas.microsoft.com/office/powerpoint/2012/main" xmlns=""/>
+      <p15:notesGuideLst xmlns:p15="http://schemas.microsoft.com/office/powerpoint/2012/main"/>
     </p:ext>
   </p:extLst>
 </p:presentation>
@@ -276,7 +277,7 @@
           <a:p>
             <a:fld id="{9DFF5471-3790-423B-9092-670F2B6ED9D0}" type="datetimeFigureOut">
               <a:rPr lang="en-IN" smtClean="0"/>
-              <a:t>26-12-2020</a:t>
+              <a:t>23-01-2021</a:t>
             </a:fld>
             <a:endParaRPr lang="en-IN"/>
           </a:p>
@@ -441,7 +442,7 @@
           <a:p>
             <a:fld id="{F1DD53B3-B155-4E53-B325-36994AC02032}" type="datetimeFigureOut">
               <a:rPr lang="en-IN" smtClean="0"/>
-              <a:t>26-12-2020</a:t>
+              <a:t>23-01-2021</a:t>
             </a:fld>
             <a:endParaRPr lang="en-IN"/>
           </a:p>
@@ -1058,7 +1059,7 @@
           <p:cNvPr id="5" name="Footer Placeholder 4">
             <a:extLst>
               <a:ext uri="{FF2B5EF4-FFF2-40B4-BE49-F238E27FC236}">
-                <a16:creationId xmlns:a16="http://schemas.microsoft.com/office/drawing/2014/main" xmlns="" id="{F3F9B211-64F4-41B9-B1D9-AEF45E051DA7}"/>
+                <a16:creationId xmlns:a16="http://schemas.microsoft.com/office/drawing/2014/main" id="{F3F9B211-64F4-41B9-B1D9-AEF45E051DA7}"/>
               </a:ext>
             </a:extLst>
           </p:cNvPr>
@@ -1661,7 +1662,7 @@
           <p:cNvPr id="9" name="Straight Connector 8">
             <a:extLst>
               <a:ext uri="{FF2B5EF4-FFF2-40B4-BE49-F238E27FC236}">
-                <a16:creationId xmlns:a16="http://schemas.microsoft.com/office/drawing/2014/main" xmlns="" id="{47177511-DDB5-4101-ADD8-9047BEF9646C}"/>
+                <a16:creationId xmlns:a16="http://schemas.microsoft.com/office/drawing/2014/main" id="{47177511-DDB5-4101-ADD8-9047BEF9646C}"/>
               </a:ext>
             </a:extLst>
           </p:cNvPr>
@@ -1702,7 +1703,7 @@
           <p:cNvPr id="3" name="Text Placeholder 2">
             <a:extLst>
               <a:ext uri="{FF2B5EF4-FFF2-40B4-BE49-F238E27FC236}">
-                <a16:creationId xmlns:a16="http://schemas.microsoft.com/office/drawing/2014/main" xmlns="" id="{F2B1D3A1-8FA8-4972-897A-3DB106C46375}"/>
+                <a16:creationId xmlns:a16="http://schemas.microsoft.com/office/drawing/2014/main" id="{F2B1D3A1-8FA8-4972-897A-3DB106C46375}"/>
               </a:ext>
             </a:extLst>
           </p:cNvPr>
@@ -1801,7 +1802,7 @@
           <p:cNvPr id="11" name="Title 10">
             <a:extLst>
               <a:ext uri="{FF2B5EF4-FFF2-40B4-BE49-F238E27FC236}">
-                <a16:creationId xmlns:a16="http://schemas.microsoft.com/office/drawing/2014/main" xmlns="" id="{F9827A94-5B65-4648-9B36-B9F495D65AF8}"/>
+                <a16:creationId xmlns:a16="http://schemas.microsoft.com/office/drawing/2014/main" id="{F9827A94-5B65-4648-9B36-B9F495D65AF8}"/>
               </a:ext>
             </a:extLst>
           </p:cNvPr>
@@ -2657,7 +2658,7 @@
           <p:cNvPr id="10" name="Picture 9">
             <a:extLst>
               <a:ext uri="{FF2B5EF4-FFF2-40B4-BE49-F238E27FC236}">
-                <a16:creationId xmlns:a16="http://schemas.microsoft.com/office/drawing/2014/main" xmlns="" id="{485E98F7-B132-4F41-8CB2-131D7E9F21ED}"/>
+                <a16:creationId xmlns:a16="http://schemas.microsoft.com/office/drawing/2014/main" id="{485E98F7-B132-4F41-8CB2-131D7E9F21ED}"/>
               </a:ext>
             </a:extLst>
           </p:cNvPr>
@@ -2687,7 +2688,7 @@
           <p:cNvPr id="11" name="Rectangle 10">
             <a:extLst>
               <a:ext uri="{FF2B5EF4-FFF2-40B4-BE49-F238E27FC236}">
-                <a16:creationId xmlns:a16="http://schemas.microsoft.com/office/drawing/2014/main" xmlns="" id="{5744AB58-4D65-4844-81B7-01DBAF32DDB5}"/>
+                <a16:creationId xmlns:a16="http://schemas.microsoft.com/office/drawing/2014/main" id="{5744AB58-4D65-4844-81B7-01DBAF32DDB5}"/>
               </a:ext>
             </a:extLst>
           </p:cNvPr>
@@ -2730,7 +2731,7 @@
           <p:cNvPr id="12" name="Picture 11">
             <a:extLst>
               <a:ext uri="{FF2B5EF4-FFF2-40B4-BE49-F238E27FC236}">
-                <a16:creationId xmlns:a16="http://schemas.microsoft.com/office/drawing/2014/main" xmlns="" id="{5BEAC650-AACF-4429-9266-94C872E45900}"/>
+                <a16:creationId xmlns:a16="http://schemas.microsoft.com/office/drawing/2014/main" id="{5BEAC650-AACF-4429-9266-94C872E45900}"/>
               </a:ext>
             </a:extLst>
           </p:cNvPr>
@@ -3616,7 +3617,7 @@
           <p:cNvPr id="2" name="Slide Number Placeholder 1">
             <a:extLst>
               <a:ext uri="{FF2B5EF4-FFF2-40B4-BE49-F238E27FC236}">
-                <a16:creationId xmlns:a16="http://schemas.microsoft.com/office/drawing/2014/main" xmlns="" id="{E2A346D2-342E-4D26-9516-C88A6E8CC150}"/>
+                <a16:creationId xmlns:a16="http://schemas.microsoft.com/office/drawing/2014/main" id="{E2A346D2-342E-4D26-9516-C88A6E8CC150}"/>
               </a:ext>
             </a:extLst>
           </p:cNvPr>
@@ -3645,7 +3646,7 @@
           <p:cNvPr id="4" name="Title 3">
             <a:extLst>
               <a:ext uri="{FF2B5EF4-FFF2-40B4-BE49-F238E27FC236}">
-                <a16:creationId xmlns:a16="http://schemas.microsoft.com/office/drawing/2014/main" xmlns="" id="{6C1750A8-0A53-40DB-B646-EE267E14322F}"/>
+                <a16:creationId xmlns:a16="http://schemas.microsoft.com/office/drawing/2014/main" id="{6C1750A8-0A53-40DB-B646-EE267E14322F}"/>
               </a:ext>
             </a:extLst>
           </p:cNvPr>
@@ -3679,7 +3680,7 @@
           <p:cNvPr id="3" name="Rectangle 2">
             <a:extLst>
               <a:ext uri="{FF2B5EF4-FFF2-40B4-BE49-F238E27FC236}">
-                <a16:creationId xmlns:a16="http://schemas.microsoft.com/office/drawing/2014/main" xmlns="" id="{DC56F6AA-CC91-42A5-B529-91407EE8CA0B}"/>
+                <a16:creationId xmlns:a16="http://schemas.microsoft.com/office/drawing/2014/main" id="{DC56F6AA-CC91-42A5-B529-91407EE8CA0B}"/>
               </a:ext>
             </a:extLst>
           </p:cNvPr>
@@ -3725,7 +3726,7 @@
           <p:cNvPr id="5" name="Rectangle 4">
             <a:extLst>
               <a:ext uri="{FF2B5EF4-FFF2-40B4-BE49-F238E27FC236}">
-                <a16:creationId xmlns:a16="http://schemas.microsoft.com/office/drawing/2014/main" xmlns="" id="{1AFD8020-F819-48DB-A628-4F914740C5B5}"/>
+                <a16:creationId xmlns:a16="http://schemas.microsoft.com/office/drawing/2014/main" id="{1AFD8020-F819-48DB-A628-4F914740C5B5}"/>
               </a:ext>
             </a:extLst>
           </p:cNvPr>
@@ -3779,7 +3780,7 @@
           <p:cNvPr id="6" name="Rectangle 5">
             <a:extLst>
               <a:ext uri="{FF2B5EF4-FFF2-40B4-BE49-F238E27FC236}">
-                <a16:creationId xmlns:a16="http://schemas.microsoft.com/office/drawing/2014/main" xmlns="" id="{519572F2-77B7-451D-B7B9-E8C4DF760CFE}"/>
+                <a16:creationId xmlns:a16="http://schemas.microsoft.com/office/drawing/2014/main" id="{519572F2-77B7-451D-B7B9-E8C4DF760CFE}"/>
               </a:ext>
             </a:extLst>
           </p:cNvPr>
@@ -3825,7 +3826,7 @@
           <p:cNvPr id="9" name="Straight Connector 8">
             <a:extLst>
               <a:ext uri="{FF2B5EF4-FFF2-40B4-BE49-F238E27FC236}">
-                <a16:creationId xmlns:a16="http://schemas.microsoft.com/office/drawing/2014/main" xmlns="" id="{4C9C328E-BF96-4182-9F0B-C5C11B72F8DE}"/>
+                <a16:creationId xmlns:a16="http://schemas.microsoft.com/office/drawing/2014/main" id="{4C9C328E-BF96-4182-9F0B-C5C11B72F8DE}"/>
               </a:ext>
             </a:extLst>
           </p:cNvPr>
@@ -3866,7 +3867,7 @@
           <p:cNvPr id="13" name="Rectangle 12">
             <a:extLst>
               <a:ext uri="{FF2B5EF4-FFF2-40B4-BE49-F238E27FC236}">
-                <a16:creationId xmlns:a16="http://schemas.microsoft.com/office/drawing/2014/main" xmlns="" id="{323427DF-834D-402D-8EB2-A67EBD08C9DE}"/>
+                <a16:creationId xmlns:a16="http://schemas.microsoft.com/office/drawing/2014/main" id="{323427DF-834D-402D-8EB2-A67EBD08C9DE}"/>
               </a:ext>
             </a:extLst>
           </p:cNvPr>
@@ -3912,7 +3913,7 @@
           <p:cNvPr id="14" name="Rectangle 13">
             <a:extLst>
               <a:ext uri="{FF2B5EF4-FFF2-40B4-BE49-F238E27FC236}">
-                <a16:creationId xmlns:a16="http://schemas.microsoft.com/office/drawing/2014/main" xmlns="" id="{0A6F78A6-5E7B-44BE-8033-86E3CC020CF3}"/>
+                <a16:creationId xmlns:a16="http://schemas.microsoft.com/office/drawing/2014/main" id="{0A6F78A6-5E7B-44BE-8033-86E3CC020CF3}"/>
               </a:ext>
             </a:extLst>
           </p:cNvPr>
@@ -3958,7 +3959,7 @@
           <p:cNvPr id="15" name="Rectangle 14">
             <a:extLst>
               <a:ext uri="{FF2B5EF4-FFF2-40B4-BE49-F238E27FC236}">
-                <a16:creationId xmlns:a16="http://schemas.microsoft.com/office/drawing/2014/main" xmlns="" id="{9F279704-B8F0-4876-B501-EE21DB738F59}"/>
+                <a16:creationId xmlns:a16="http://schemas.microsoft.com/office/drawing/2014/main" id="{9F279704-B8F0-4876-B501-EE21DB738F59}"/>
               </a:ext>
             </a:extLst>
           </p:cNvPr>
@@ -4004,7 +4005,7 @@
           <p:cNvPr id="16" name="Rectangle 15">
             <a:extLst>
               <a:ext uri="{FF2B5EF4-FFF2-40B4-BE49-F238E27FC236}">
-                <a16:creationId xmlns:a16="http://schemas.microsoft.com/office/drawing/2014/main" xmlns="" id="{6ECC4020-0E4E-472A-9357-69CC12C1F305}"/>
+                <a16:creationId xmlns:a16="http://schemas.microsoft.com/office/drawing/2014/main" id="{6ECC4020-0E4E-472A-9357-69CC12C1F305}"/>
               </a:ext>
             </a:extLst>
           </p:cNvPr>
@@ -4050,7 +4051,7 @@
           <p:cNvPr id="17" name="Rectangle 16">
             <a:extLst>
               <a:ext uri="{FF2B5EF4-FFF2-40B4-BE49-F238E27FC236}">
-                <a16:creationId xmlns:a16="http://schemas.microsoft.com/office/drawing/2014/main" xmlns="" id="{34453880-B568-412E-B217-7017AA047B84}"/>
+                <a16:creationId xmlns:a16="http://schemas.microsoft.com/office/drawing/2014/main" id="{34453880-B568-412E-B217-7017AA047B84}"/>
               </a:ext>
             </a:extLst>
           </p:cNvPr>
@@ -4096,7 +4097,7 @@
           <p:cNvPr id="19" name="Oval 18">
             <a:extLst>
               <a:ext uri="{FF2B5EF4-FFF2-40B4-BE49-F238E27FC236}">
-                <a16:creationId xmlns:a16="http://schemas.microsoft.com/office/drawing/2014/main" xmlns="" id="{C865F1AC-443D-44E9-B205-5FD839712B3D}"/>
+                <a16:creationId xmlns:a16="http://schemas.microsoft.com/office/drawing/2014/main" id="{C865F1AC-443D-44E9-B205-5FD839712B3D}"/>
               </a:ext>
             </a:extLst>
           </p:cNvPr>
@@ -4142,7 +4143,7 @@
           <p:cNvPr id="20" name="Straight Connector 19">
             <a:extLst>
               <a:ext uri="{FF2B5EF4-FFF2-40B4-BE49-F238E27FC236}">
-                <a16:creationId xmlns:a16="http://schemas.microsoft.com/office/drawing/2014/main" xmlns="" id="{B1B94C00-5D79-4EF7-B864-00C0FB05A426}"/>
+                <a16:creationId xmlns:a16="http://schemas.microsoft.com/office/drawing/2014/main" id="{B1B94C00-5D79-4EF7-B864-00C0FB05A426}"/>
               </a:ext>
             </a:extLst>
           </p:cNvPr>
@@ -4183,7 +4184,7 @@
           <p:cNvPr id="25" name="Rectangle 24">
             <a:extLst>
               <a:ext uri="{FF2B5EF4-FFF2-40B4-BE49-F238E27FC236}">
-                <a16:creationId xmlns:a16="http://schemas.microsoft.com/office/drawing/2014/main" xmlns="" id="{1962C116-4BFC-4CE5-92AA-283C9D45A684}"/>
+                <a16:creationId xmlns:a16="http://schemas.microsoft.com/office/drawing/2014/main" id="{1962C116-4BFC-4CE5-92AA-283C9D45A684}"/>
               </a:ext>
             </a:extLst>
           </p:cNvPr>
@@ -4229,7 +4230,7 @@
           <p:cNvPr id="26" name="Rectangle 25">
             <a:extLst>
               <a:ext uri="{FF2B5EF4-FFF2-40B4-BE49-F238E27FC236}">
-                <a16:creationId xmlns:a16="http://schemas.microsoft.com/office/drawing/2014/main" xmlns="" id="{7346B316-6233-4443-9A36-040D034A6FBF}"/>
+                <a16:creationId xmlns:a16="http://schemas.microsoft.com/office/drawing/2014/main" id="{7346B316-6233-4443-9A36-040D034A6FBF}"/>
               </a:ext>
             </a:extLst>
           </p:cNvPr>
@@ -4283,7 +4284,7 @@
           <p:cNvPr id="27" name="Rectangle 26">
             <a:extLst>
               <a:ext uri="{FF2B5EF4-FFF2-40B4-BE49-F238E27FC236}">
-                <a16:creationId xmlns:a16="http://schemas.microsoft.com/office/drawing/2014/main" xmlns="" id="{A0A6BEE0-8DF4-4797-80DB-7DD4E6A99383}"/>
+                <a16:creationId xmlns:a16="http://schemas.microsoft.com/office/drawing/2014/main" id="{A0A6BEE0-8DF4-4797-80DB-7DD4E6A99383}"/>
               </a:ext>
             </a:extLst>
           </p:cNvPr>
@@ -4329,7 +4330,7 @@
           <p:cNvPr id="28" name="Rectangle 27">
             <a:extLst>
               <a:ext uri="{FF2B5EF4-FFF2-40B4-BE49-F238E27FC236}">
-                <a16:creationId xmlns:a16="http://schemas.microsoft.com/office/drawing/2014/main" xmlns="" id="{14D24A18-E91F-4A40-9FD4-04301BE5E2B4}"/>
+                <a16:creationId xmlns:a16="http://schemas.microsoft.com/office/drawing/2014/main" id="{14D24A18-E91F-4A40-9FD4-04301BE5E2B4}"/>
               </a:ext>
             </a:extLst>
           </p:cNvPr>
@@ -4375,7 +4376,7 @@
           <p:cNvPr id="29" name="Rectangle 28">
             <a:extLst>
               <a:ext uri="{FF2B5EF4-FFF2-40B4-BE49-F238E27FC236}">
-                <a16:creationId xmlns:a16="http://schemas.microsoft.com/office/drawing/2014/main" xmlns="" id="{02D3BDEB-199B-42D8-AFC9-6B8F446EE7F0}"/>
+                <a16:creationId xmlns:a16="http://schemas.microsoft.com/office/drawing/2014/main" id="{02D3BDEB-199B-42D8-AFC9-6B8F446EE7F0}"/>
               </a:ext>
             </a:extLst>
           </p:cNvPr>
@@ -4421,7 +4422,7 @@
           <p:cNvPr id="31" name="Straight Connector 30">
             <a:extLst>
               <a:ext uri="{FF2B5EF4-FFF2-40B4-BE49-F238E27FC236}">
-                <a16:creationId xmlns:a16="http://schemas.microsoft.com/office/drawing/2014/main" xmlns="" id="{7A19C16E-38B9-498A-9C33-6AB77B29E105}"/>
+                <a16:creationId xmlns:a16="http://schemas.microsoft.com/office/drawing/2014/main" id="{7A19C16E-38B9-498A-9C33-6AB77B29E105}"/>
               </a:ext>
             </a:extLst>
           </p:cNvPr>
@@ -4492,7 +4493,7 @@
           <p:cNvPr id="2" name="Slide Number Placeholder 1">
             <a:extLst>
               <a:ext uri="{FF2B5EF4-FFF2-40B4-BE49-F238E27FC236}">
-                <a16:creationId xmlns:a16="http://schemas.microsoft.com/office/drawing/2014/main" xmlns="" id="{E2A346D2-342E-4D26-9516-C88A6E8CC150}"/>
+                <a16:creationId xmlns:a16="http://schemas.microsoft.com/office/drawing/2014/main" id="{E2A346D2-342E-4D26-9516-C88A6E8CC150}"/>
               </a:ext>
             </a:extLst>
           </p:cNvPr>
@@ -4521,7 +4522,7 @@
           <p:cNvPr id="4" name="Title 3">
             <a:extLst>
               <a:ext uri="{FF2B5EF4-FFF2-40B4-BE49-F238E27FC236}">
-                <a16:creationId xmlns:a16="http://schemas.microsoft.com/office/drawing/2014/main" xmlns="" id="{6C1750A8-0A53-40DB-B646-EE267E14322F}"/>
+                <a16:creationId xmlns:a16="http://schemas.microsoft.com/office/drawing/2014/main" id="{6C1750A8-0A53-40DB-B646-EE267E14322F}"/>
               </a:ext>
             </a:extLst>
           </p:cNvPr>
@@ -4555,7 +4556,7 @@
           <p:cNvPr id="3" name="Rectangle 2">
             <a:extLst>
               <a:ext uri="{FF2B5EF4-FFF2-40B4-BE49-F238E27FC236}">
-                <a16:creationId xmlns:a16="http://schemas.microsoft.com/office/drawing/2014/main" xmlns="" id="{DC56F6AA-CC91-42A5-B529-91407EE8CA0B}"/>
+                <a16:creationId xmlns:a16="http://schemas.microsoft.com/office/drawing/2014/main" id="{DC56F6AA-CC91-42A5-B529-91407EE8CA0B}"/>
               </a:ext>
             </a:extLst>
           </p:cNvPr>
@@ -4601,7 +4602,7 @@
           <p:cNvPr id="5" name="Rectangle 4">
             <a:extLst>
               <a:ext uri="{FF2B5EF4-FFF2-40B4-BE49-F238E27FC236}">
-                <a16:creationId xmlns:a16="http://schemas.microsoft.com/office/drawing/2014/main" xmlns="" id="{1AFD8020-F819-48DB-A628-4F914740C5B5}"/>
+                <a16:creationId xmlns:a16="http://schemas.microsoft.com/office/drawing/2014/main" id="{1AFD8020-F819-48DB-A628-4F914740C5B5}"/>
               </a:ext>
             </a:extLst>
           </p:cNvPr>
@@ -4655,7 +4656,7 @@
           <p:cNvPr id="6" name="Rectangle 5">
             <a:extLst>
               <a:ext uri="{FF2B5EF4-FFF2-40B4-BE49-F238E27FC236}">
-                <a16:creationId xmlns:a16="http://schemas.microsoft.com/office/drawing/2014/main" xmlns="" id="{519572F2-77B7-451D-B7B9-E8C4DF760CFE}"/>
+                <a16:creationId xmlns:a16="http://schemas.microsoft.com/office/drawing/2014/main" id="{519572F2-77B7-451D-B7B9-E8C4DF760CFE}"/>
               </a:ext>
             </a:extLst>
           </p:cNvPr>
@@ -4701,7 +4702,7 @@
           <p:cNvPr id="9" name="Straight Connector 8">
             <a:extLst>
               <a:ext uri="{FF2B5EF4-FFF2-40B4-BE49-F238E27FC236}">
-                <a16:creationId xmlns:a16="http://schemas.microsoft.com/office/drawing/2014/main" xmlns="" id="{4C9C328E-BF96-4182-9F0B-C5C11B72F8DE}"/>
+                <a16:creationId xmlns:a16="http://schemas.microsoft.com/office/drawing/2014/main" id="{4C9C328E-BF96-4182-9F0B-C5C11B72F8DE}"/>
               </a:ext>
             </a:extLst>
           </p:cNvPr>
@@ -4742,7 +4743,7 @@
           <p:cNvPr id="13" name="Rectangle 12">
             <a:extLst>
               <a:ext uri="{FF2B5EF4-FFF2-40B4-BE49-F238E27FC236}">
-                <a16:creationId xmlns:a16="http://schemas.microsoft.com/office/drawing/2014/main" xmlns="" id="{323427DF-834D-402D-8EB2-A67EBD08C9DE}"/>
+                <a16:creationId xmlns:a16="http://schemas.microsoft.com/office/drawing/2014/main" id="{323427DF-834D-402D-8EB2-A67EBD08C9DE}"/>
               </a:ext>
             </a:extLst>
           </p:cNvPr>
@@ -4788,7 +4789,7 @@
           <p:cNvPr id="14" name="Rectangle 13">
             <a:extLst>
               <a:ext uri="{FF2B5EF4-FFF2-40B4-BE49-F238E27FC236}">
-                <a16:creationId xmlns:a16="http://schemas.microsoft.com/office/drawing/2014/main" xmlns="" id="{0A6F78A6-5E7B-44BE-8033-86E3CC020CF3}"/>
+                <a16:creationId xmlns:a16="http://schemas.microsoft.com/office/drawing/2014/main" id="{0A6F78A6-5E7B-44BE-8033-86E3CC020CF3}"/>
               </a:ext>
             </a:extLst>
           </p:cNvPr>
@@ -4834,7 +4835,7 @@
           <p:cNvPr id="15" name="Rectangle 14">
             <a:extLst>
               <a:ext uri="{FF2B5EF4-FFF2-40B4-BE49-F238E27FC236}">
-                <a16:creationId xmlns:a16="http://schemas.microsoft.com/office/drawing/2014/main" xmlns="" id="{9F279704-B8F0-4876-B501-EE21DB738F59}"/>
+                <a16:creationId xmlns:a16="http://schemas.microsoft.com/office/drawing/2014/main" id="{9F279704-B8F0-4876-B501-EE21DB738F59}"/>
               </a:ext>
             </a:extLst>
           </p:cNvPr>
@@ -4880,7 +4881,7 @@
           <p:cNvPr id="16" name="Rectangle 15">
             <a:extLst>
               <a:ext uri="{FF2B5EF4-FFF2-40B4-BE49-F238E27FC236}">
-                <a16:creationId xmlns:a16="http://schemas.microsoft.com/office/drawing/2014/main" xmlns="" id="{6ECC4020-0E4E-472A-9357-69CC12C1F305}"/>
+                <a16:creationId xmlns:a16="http://schemas.microsoft.com/office/drawing/2014/main" id="{6ECC4020-0E4E-472A-9357-69CC12C1F305}"/>
               </a:ext>
             </a:extLst>
           </p:cNvPr>
@@ -4926,7 +4927,7 @@
           <p:cNvPr id="17" name="Rectangle 16">
             <a:extLst>
               <a:ext uri="{FF2B5EF4-FFF2-40B4-BE49-F238E27FC236}">
-                <a16:creationId xmlns:a16="http://schemas.microsoft.com/office/drawing/2014/main" xmlns="" id="{34453880-B568-412E-B217-7017AA047B84}"/>
+                <a16:creationId xmlns:a16="http://schemas.microsoft.com/office/drawing/2014/main" id="{34453880-B568-412E-B217-7017AA047B84}"/>
               </a:ext>
             </a:extLst>
           </p:cNvPr>
@@ -4972,7 +4973,7 @@
           <p:cNvPr id="19" name="Oval 18">
             <a:extLst>
               <a:ext uri="{FF2B5EF4-FFF2-40B4-BE49-F238E27FC236}">
-                <a16:creationId xmlns:a16="http://schemas.microsoft.com/office/drawing/2014/main" xmlns="" id="{C865F1AC-443D-44E9-B205-5FD839712B3D}"/>
+                <a16:creationId xmlns:a16="http://schemas.microsoft.com/office/drawing/2014/main" id="{C865F1AC-443D-44E9-B205-5FD839712B3D}"/>
               </a:ext>
             </a:extLst>
           </p:cNvPr>
@@ -5018,7 +5019,7 @@
           <p:cNvPr id="20" name="Straight Connector 19">
             <a:extLst>
               <a:ext uri="{FF2B5EF4-FFF2-40B4-BE49-F238E27FC236}">
-                <a16:creationId xmlns:a16="http://schemas.microsoft.com/office/drawing/2014/main" xmlns="" id="{B1B94C00-5D79-4EF7-B864-00C0FB05A426}"/>
+                <a16:creationId xmlns:a16="http://schemas.microsoft.com/office/drawing/2014/main" id="{B1B94C00-5D79-4EF7-B864-00C0FB05A426}"/>
               </a:ext>
             </a:extLst>
           </p:cNvPr>
@@ -5059,7 +5060,7 @@
           <p:cNvPr id="25" name="Rectangle 24">
             <a:extLst>
               <a:ext uri="{FF2B5EF4-FFF2-40B4-BE49-F238E27FC236}">
-                <a16:creationId xmlns:a16="http://schemas.microsoft.com/office/drawing/2014/main" xmlns="" id="{1962C116-4BFC-4CE5-92AA-283C9D45A684}"/>
+                <a16:creationId xmlns:a16="http://schemas.microsoft.com/office/drawing/2014/main" id="{1962C116-4BFC-4CE5-92AA-283C9D45A684}"/>
               </a:ext>
             </a:extLst>
           </p:cNvPr>
@@ -5105,7 +5106,7 @@
           <p:cNvPr id="26" name="Rectangle 25">
             <a:extLst>
               <a:ext uri="{FF2B5EF4-FFF2-40B4-BE49-F238E27FC236}">
-                <a16:creationId xmlns:a16="http://schemas.microsoft.com/office/drawing/2014/main" xmlns="" id="{7346B316-6233-4443-9A36-040D034A6FBF}"/>
+                <a16:creationId xmlns:a16="http://schemas.microsoft.com/office/drawing/2014/main" id="{7346B316-6233-4443-9A36-040D034A6FBF}"/>
               </a:ext>
             </a:extLst>
           </p:cNvPr>
@@ -5159,7 +5160,7 @@
           <p:cNvPr id="27" name="Rectangle 26">
             <a:extLst>
               <a:ext uri="{FF2B5EF4-FFF2-40B4-BE49-F238E27FC236}">
-                <a16:creationId xmlns:a16="http://schemas.microsoft.com/office/drawing/2014/main" xmlns="" id="{A0A6BEE0-8DF4-4797-80DB-7DD4E6A99383}"/>
+                <a16:creationId xmlns:a16="http://schemas.microsoft.com/office/drawing/2014/main" id="{A0A6BEE0-8DF4-4797-80DB-7DD4E6A99383}"/>
               </a:ext>
             </a:extLst>
           </p:cNvPr>
@@ -5205,7 +5206,7 @@
           <p:cNvPr id="28" name="Rectangle 27">
             <a:extLst>
               <a:ext uri="{FF2B5EF4-FFF2-40B4-BE49-F238E27FC236}">
-                <a16:creationId xmlns:a16="http://schemas.microsoft.com/office/drawing/2014/main" xmlns="" id="{14D24A18-E91F-4A40-9FD4-04301BE5E2B4}"/>
+                <a16:creationId xmlns:a16="http://schemas.microsoft.com/office/drawing/2014/main" id="{14D24A18-E91F-4A40-9FD4-04301BE5E2B4}"/>
               </a:ext>
             </a:extLst>
           </p:cNvPr>
@@ -5251,7 +5252,7 @@
           <p:cNvPr id="29" name="Rectangle 28">
             <a:extLst>
               <a:ext uri="{FF2B5EF4-FFF2-40B4-BE49-F238E27FC236}">
-                <a16:creationId xmlns:a16="http://schemas.microsoft.com/office/drawing/2014/main" xmlns="" id="{02D3BDEB-199B-42D8-AFC9-6B8F446EE7F0}"/>
+                <a16:creationId xmlns:a16="http://schemas.microsoft.com/office/drawing/2014/main" id="{02D3BDEB-199B-42D8-AFC9-6B8F446EE7F0}"/>
               </a:ext>
             </a:extLst>
           </p:cNvPr>
@@ -5297,7 +5298,7 @@
           <p:cNvPr id="31" name="Straight Connector 30">
             <a:extLst>
               <a:ext uri="{FF2B5EF4-FFF2-40B4-BE49-F238E27FC236}">
-                <a16:creationId xmlns:a16="http://schemas.microsoft.com/office/drawing/2014/main" xmlns="" id="{7A19C16E-38B9-498A-9C33-6AB77B29E105}"/>
+                <a16:creationId xmlns:a16="http://schemas.microsoft.com/office/drawing/2014/main" id="{7A19C16E-38B9-498A-9C33-6AB77B29E105}"/>
               </a:ext>
             </a:extLst>
           </p:cNvPr>
@@ -5368,7 +5369,7 @@
           <p:cNvPr id="2" name="Slide Number Placeholder 1">
             <a:extLst>
               <a:ext uri="{FF2B5EF4-FFF2-40B4-BE49-F238E27FC236}">
-                <a16:creationId xmlns:a16="http://schemas.microsoft.com/office/drawing/2014/main" xmlns="" id="{E2A346D2-342E-4D26-9516-C88A6E8CC150}"/>
+                <a16:creationId xmlns:a16="http://schemas.microsoft.com/office/drawing/2014/main" id="{E2A346D2-342E-4D26-9516-C88A6E8CC150}"/>
               </a:ext>
             </a:extLst>
           </p:cNvPr>
@@ -5397,7 +5398,7 @@
           <p:cNvPr id="4" name="Title 3">
             <a:extLst>
               <a:ext uri="{FF2B5EF4-FFF2-40B4-BE49-F238E27FC236}">
-                <a16:creationId xmlns:a16="http://schemas.microsoft.com/office/drawing/2014/main" xmlns="" id="{6C1750A8-0A53-40DB-B646-EE267E14322F}"/>
+                <a16:creationId xmlns:a16="http://schemas.microsoft.com/office/drawing/2014/main" id="{6C1750A8-0A53-40DB-B646-EE267E14322F}"/>
               </a:ext>
             </a:extLst>
           </p:cNvPr>
@@ -5431,7 +5432,7 @@
           <p:cNvPr id="3" name="Rectangle 2">
             <a:extLst>
               <a:ext uri="{FF2B5EF4-FFF2-40B4-BE49-F238E27FC236}">
-                <a16:creationId xmlns:a16="http://schemas.microsoft.com/office/drawing/2014/main" xmlns="" id="{DC56F6AA-CC91-42A5-B529-91407EE8CA0B}"/>
+                <a16:creationId xmlns:a16="http://schemas.microsoft.com/office/drawing/2014/main" id="{DC56F6AA-CC91-42A5-B529-91407EE8CA0B}"/>
               </a:ext>
             </a:extLst>
           </p:cNvPr>
@@ -5477,7 +5478,7 @@
           <p:cNvPr id="5" name="Rectangle 4">
             <a:extLst>
               <a:ext uri="{FF2B5EF4-FFF2-40B4-BE49-F238E27FC236}">
-                <a16:creationId xmlns:a16="http://schemas.microsoft.com/office/drawing/2014/main" xmlns="" id="{1AFD8020-F819-48DB-A628-4F914740C5B5}"/>
+                <a16:creationId xmlns:a16="http://schemas.microsoft.com/office/drawing/2014/main" id="{1AFD8020-F819-48DB-A628-4F914740C5B5}"/>
               </a:ext>
             </a:extLst>
           </p:cNvPr>
@@ -5531,7 +5532,7 @@
           <p:cNvPr id="6" name="Rectangle 5">
             <a:extLst>
               <a:ext uri="{FF2B5EF4-FFF2-40B4-BE49-F238E27FC236}">
-                <a16:creationId xmlns:a16="http://schemas.microsoft.com/office/drawing/2014/main" xmlns="" id="{519572F2-77B7-451D-B7B9-E8C4DF760CFE}"/>
+                <a16:creationId xmlns:a16="http://schemas.microsoft.com/office/drawing/2014/main" id="{519572F2-77B7-451D-B7B9-E8C4DF760CFE}"/>
               </a:ext>
             </a:extLst>
           </p:cNvPr>
@@ -5577,7 +5578,7 @@
           <p:cNvPr id="9" name="Straight Connector 8">
             <a:extLst>
               <a:ext uri="{FF2B5EF4-FFF2-40B4-BE49-F238E27FC236}">
-                <a16:creationId xmlns:a16="http://schemas.microsoft.com/office/drawing/2014/main" xmlns="" id="{4C9C328E-BF96-4182-9F0B-C5C11B72F8DE}"/>
+                <a16:creationId xmlns:a16="http://schemas.microsoft.com/office/drawing/2014/main" id="{4C9C328E-BF96-4182-9F0B-C5C11B72F8DE}"/>
               </a:ext>
             </a:extLst>
           </p:cNvPr>
@@ -5618,7 +5619,7 @@
           <p:cNvPr id="13" name="Rectangle 12">
             <a:extLst>
               <a:ext uri="{FF2B5EF4-FFF2-40B4-BE49-F238E27FC236}">
-                <a16:creationId xmlns:a16="http://schemas.microsoft.com/office/drawing/2014/main" xmlns="" id="{323427DF-834D-402D-8EB2-A67EBD08C9DE}"/>
+                <a16:creationId xmlns:a16="http://schemas.microsoft.com/office/drawing/2014/main" id="{323427DF-834D-402D-8EB2-A67EBD08C9DE}"/>
               </a:ext>
             </a:extLst>
           </p:cNvPr>
@@ -5664,7 +5665,7 @@
           <p:cNvPr id="14" name="Rectangle 13">
             <a:extLst>
               <a:ext uri="{FF2B5EF4-FFF2-40B4-BE49-F238E27FC236}">
-                <a16:creationId xmlns:a16="http://schemas.microsoft.com/office/drawing/2014/main" xmlns="" id="{0A6F78A6-5E7B-44BE-8033-86E3CC020CF3}"/>
+                <a16:creationId xmlns:a16="http://schemas.microsoft.com/office/drawing/2014/main" id="{0A6F78A6-5E7B-44BE-8033-86E3CC020CF3}"/>
               </a:ext>
             </a:extLst>
           </p:cNvPr>
@@ -5710,7 +5711,7 @@
           <p:cNvPr id="15" name="Rectangle 14">
             <a:extLst>
               <a:ext uri="{FF2B5EF4-FFF2-40B4-BE49-F238E27FC236}">
-                <a16:creationId xmlns:a16="http://schemas.microsoft.com/office/drawing/2014/main" xmlns="" id="{9F279704-B8F0-4876-B501-EE21DB738F59}"/>
+                <a16:creationId xmlns:a16="http://schemas.microsoft.com/office/drawing/2014/main" id="{9F279704-B8F0-4876-B501-EE21DB738F59}"/>
               </a:ext>
             </a:extLst>
           </p:cNvPr>
@@ -5756,7 +5757,7 @@
           <p:cNvPr id="16" name="Rectangle 15">
             <a:extLst>
               <a:ext uri="{FF2B5EF4-FFF2-40B4-BE49-F238E27FC236}">
-                <a16:creationId xmlns:a16="http://schemas.microsoft.com/office/drawing/2014/main" xmlns="" id="{6ECC4020-0E4E-472A-9357-69CC12C1F305}"/>
+                <a16:creationId xmlns:a16="http://schemas.microsoft.com/office/drawing/2014/main" id="{6ECC4020-0E4E-472A-9357-69CC12C1F305}"/>
               </a:ext>
             </a:extLst>
           </p:cNvPr>
@@ -5802,7 +5803,7 @@
           <p:cNvPr id="17" name="Rectangle 16">
             <a:extLst>
               <a:ext uri="{FF2B5EF4-FFF2-40B4-BE49-F238E27FC236}">
-                <a16:creationId xmlns:a16="http://schemas.microsoft.com/office/drawing/2014/main" xmlns="" id="{34453880-B568-412E-B217-7017AA047B84}"/>
+                <a16:creationId xmlns:a16="http://schemas.microsoft.com/office/drawing/2014/main" id="{34453880-B568-412E-B217-7017AA047B84}"/>
               </a:ext>
             </a:extLst>
           </p:cNvPr>
@@ -5848,7 +5849,7 @@
           <p:cNvPr id="19" name="Oval 18">
             <a:extLst>
               <a:ext uri="{FF2B5EF4-FFF2-40B4-BE49-F238E27FC236}">
-                <a16:creationId xmlns:a16="http://schemas.microsoft.com/office/drawing/2014/main" xmlns="" id="{C865F1AC-443D-44E9-B205-5FD839712B3D}"/>
+                <a16:creationId xmlns:a16="http://schemas.microsoft.com/office/drawing/2014/main" id="{C865F1AC-443D-44E9-B205-5FD839712B3D}"/>
               </a:ext>
             </a:extLst>
           </p:cNvPr>
@@ -5894,7 +5895,7 @@
           <p:cNvPr id="20" name="Straight Connector 19">
             <a:extLst>
               <a:ext uri="{FF2B5EF4-FFF2-40B4-BE49-F238E27FC236}">
-                <a16:creationId xmlns:a16="http://schemas.microsoft.com/office/drawing/2014/main" xmlns="" id="{B1B94C00-5D79-4EF7-B864-00C0FB05A426}"/>
+                <a16:creationId xmlns:a16="http://schemas.microsoft.com/office/drawing/2014/main" id="{B1B94C00-5D79-4EF7-B864-00C0FB05A426}"/>
               </a:ext>
             </a:extLst>
           </p:cNvPr>
@@ -5935,7 +5936,7 @@
           <p:cNvPr id="25" name="Rectangle 24">
             <a:extLst>
               <a:ext uri="{FF2B5EF4-FFF2-40B4-BE49-F238E27FC236}">
-                <a16:creationId xmlns:a16="http://schemas.microsoft.com/office/drawing/2014/main" xmlns="" id="{1962C116-4BFC-4CE5-92AA-283C9D45A684}"/>
+                <a16:creationId xmlns:a16="http://schemas.microsoft.com/office/drawing/2014/main" id="{1962C116-4BFC-4CE5-92AA-283C9D45A684}"/>
               </a:ext>
             </a:extLst>
           </p:cNvPr>
@@ -5981,7 +5982,7 @@
           <p:cNvPr id="26" name="Rectangle 25">
             <a:extLst>
               <a:ext uri="{FF2B5EF4-FFF2-40B4-BE49-F238E27FC236}">
-                <a16:creationId xmlns:a16="http://schemas.microsoft.com/office/drawing/2014/main" xmlns="" id="{7346B316-6233-4443-9A36-040D034A6FBF}"/>
+                <a16:creationId xmlns:a16="http://schemas.microsoft.com/office/drawing/2014/main" id="{7346B316-6233-4443-9A36-040D034A6FBF}"/>
               </a:ext>
             </a:extLst>
           </p:cNvPr>
@@ -6035,7 +6036,7 @@
           <p:cNvPr id="27" name="Rectangle 26">
             <a:extLst>
               <a:ext uri="{FF2B5EF4-FFF2-40B4-BE49-F238E27FC236}">
-                <a16:creationId xmlns:a16="http://schemas.microsoft.com/office/drawing/2014/main" xmlns="" id="{A0A6BEE0-8DF4-4797-80DB-7DD4E6A99383}"/>
+                <a16:creationId xmlns:a16="http://schemas.microsoft.com/office/drawing/2014/main" id="{A0A6BEE0-8DF4-4797-80DB-7DD4E6A99383}"/>
               </a:ext>
             </a:extLst>
           </p:cNvPr>
@@ -6081,7 +6082,7 @@
           <p:cNvPr id="28" name="Rectangle 27">
             <a:extLst>
               <a:ext uri="{FF2B5EF4-FFF2-40B4-BE49-F238E27FC236}">
-                <a16:creationId xmlns:a16="http://schemas.microsoft.com/office/drawing/2014/main" xmlns="" id="{14D24A18-E91F-4A40-9FD4-04301BE5E2B4}"/>
+                <a16:creationId xmlns:a16="http://schemas.microsoft.com/office/drawing/2014/main" id="{14D24A18-E91F-4A40-9FD4-04301BE5E2B4}"/>
               </a:ext>
             </a:extLst>
           </p:cNvPr>
@@ -6127,7 +6128,7 @@
           <p:cNvPr id="29" name="Rectangle 28">
             <a:extLst>
               <a:ext uri="{FF2B5EF4-FFF2-40B4-BE49-F238E27FC236}">
-                <a16:creationId xmlns:a16="http://schemas.microsoft.com/office/drawing/2014/main" xmlns="" id="{02D3BDEB-199B-42D8-AFC9-6B8F446EE7F0}"/>
+                <a16:creationId xmlns:a16="http://schemas.microsoft.com/office/drawing/2014/main" id="{02D3BDEB-199B-42D8-AFC9-6B8F446EE7F0}"/>
               </a:ext>
             </a:extLst>
           </p:cNvPr>
@@ -6173,7 +6174,7 @@
           <p:cNvPr id="31" name="Straight Connector 30">
             <a:extLst>
               <a:ext uri="{FF2B5EF4-FFF2-40B4-BE49-F238E27FC236}">
-                <a16:creationId xmlns:a16="http://schemas.microsoft.com/office/drawing/2014/main" xmlns="" id="{7A19C16E-38B9-498A-9C33-6AB77B29E105}"/>
+                <a16:creationId xmlns:a16="http://schemas.microsoft.com/office/drawing/2014/main" id="{7A19C16E-38B9-498A-9C33-6AB77B29E105}"/>
               </a:ext>
             </a:extLst>
           </p:cNvPr>
@@ -6244,7 +6245,7 @@
           <p:cNvPr id="2" name="Slide Number Placeholder 1">
             <a:extLst>
               <a:ext uri="{FF2B5EF4-FFF2-40B4-BE49-F238E27FC236}">
-                <a16:creationId xmlns:a16="http://schemas.microsoft.com/office/drawing/2014/main" xmlns="" id="{E2A346D2-342E-4D26-9516-C88A6E8CC150}"/>
+                <a16:creationId xmlns:a16="http://schemas.microsoft.com/office/drawing/2014/main" id="{E2A346D2-342E-4D26-9516-C88A6E8CC150}"/>
               </a:ext>
             </a:extLst>
           </p:cNvPr>
@@ -6273,7 +6274,7 @@
           <p:cNvPr id="4" name="Title 3">
             <a:extLst>
               <a:ext uri="{FF2B5EF4-FFF2-40B4-BE49-F238E27FC236}">
-                <a16:creationId xmlns:a16="http://schemas.microsoft.com/office/drawing/2014/main" xmlns="" id="{6C1750A8-0A53-40DB-B646-EE267E14322F}"/>
+                <a16:creationId xmlns:a16="http://schemas.microsoft.com/office/drawing/2014/main" id="{6C1750A8-0A53-40DB-B646-EE267E14322F}"/>
               </a:ext>
             </a:extLst>
           </p:cNvPr>
@@ -6307,7 +6308,7 @@
           <p:cNvPr id="3" name="Rectangle 2">
             <a:extLst>
               <a:ext uri="{FF2B5EF4-FFF2-40B4-BE49-F238E27FC236}">
-                <a16:creationId xmlns:a16="http://schemas.microsoft.com/office/drawing/2014/main" xmlns="" id="{DC56F6AA-CC91-42A5-B529-91407EE8CA0B}"/>
+                <a16:creationId xmlns:a16="http://schemas.microsoft.com/office/drawing/2014/main" id="{DC56F6AA-CC91-42A5-B529-91407EE8CA0B}"/>
               </a:ext>
             </a:extLst>
           </p:cNvPr>
@@ -6353,7 +6354,7 @@
           <p:cNvPr id="5" name="Rectangle 4">
             <a:extLst>
               <a:ext uri="{FF2B5EF4-FFF2-40B4-BE49-F238E27FC236}">
-                <a16:creationId xmlns:a16="http://schemas.microsoft.com/office/drawing/2014/main" xmlns="" id="{1AFD8020-F819-48DB-A628-4F914740C5B5}"/>
+                <a16:creationId xmlns:a16="http://schemas.microsoft.com/office/drawing/2014/main" id="{1AFD8020-F819-48DB-A628-4F914740C5B5}"/>
               </a:ext>
             </a:extLst>
           </p:cNvPr>
@@ -6407,7 +6408,7 @@
           <p:cNvPr id="6" name="Rectangle 5">
             <a:extLst>
               <a:ext uri="{FF2B5EF4-FFF2-40B4-BE49-F238E27FC236}">
-                <a16:creationId xmlns:a16="http://schemas.microsoft.com/office/drawing/2014/main" xmlns="" id="{519572F2-77B7-451D-B7B9-E8C4DF760CFE}"/>
+                <a16:creationId xmlns:a16="http://schemas.microsoft.com/office/drawing/2014/main" id="{519572F2-77B7-451D-B7B9-E8C4DF760CFE}"/>
               </a:ext>
             </a:extLst>
           </p:cNvPr>
@@ -6453,7 +6454,7 @@
           <p:cNvPr id="9" name="Straight Connector 8">
             <a:extLst>
               <a:ext uri="{FF2B5EF4-FFF2-40B4-BE49-F238E27FC236}">
-                <a16:creationId xmlns:a16="http://schemas.microsoft.com/office/drawing/2014/main" xmlns="" id="{4C9C328E-BF96-4182-9F0B-C5C11B72F8DE}"/>
+                <a16:creationId xmlns:a16="http://schemas.microsoft.com/office/drawing/2014/main" id="{4C9C328E-BF96-4182-9F0B-C5C11B72F8DE}"/>
               </a:ext>
             </a:extLst>
           </p:cNvPr>
@@ -6494,7 +6495,7 @@
           <p:cNvPr id="13" name="Rectangle 12">
             <a:extLst>
               <a:ext uri="{FF2B5EF4-FFF2-40B4-BE49-F238E27FC236}">
-                <a16:creationId xmlns:a16="http://schemas.microsoft.com/office/drawing/2014/main" xmlns="" id="{323427DF-834D-402D-8EB2-A67EBD08C9DE}"/>
+                <a16:creationId xmlns:a16="http://schemas.microsoft.com/office/drawing/2014/main" id="{323427DF-834D-402D-8EB2-A67EBD08C9DE}"/>
               </a:ext>
             </a:extLst>
           </p:cNvPr>
@@ -6540,7 +6541,7 @@
           <p:cNvPr id="14" name="Rectangle 13">
             <a:extLst>
               <a:ext uri="{FF2B5EF4-FFF2-40B4-BE49-F238E27FC236}">
-                <a16:creationId xmlns:a16="http://schemas.microsoft.com/office/drawing/2014/main" xmlns="" id="{0A6F78A6-5E7B-44BE-8033-86E3CC020CF3}"/>
+                <a16:creationId xmlns:a16="http://schemas.microsoft.com/office/drawing/2014/main" id="{0A6F78A6-5E7B-44BE-8033-86E3CC020CF3}"/>
               </a:ext>
             </a:extLst>
           </p:cNvPr>
@@ -6586,7 +6587,7 @@
           <p:cNvPr id="15" name="Rectangle 14">
             <a:extLst>
               <a:ext uri="{FF2B5EF4-FFF2-40B4-BE49-F238E27FC236}">
-                <a16:creationId xmlns:a16="http://schemas.microsoft.com/office/drawing/2014/main" xmlns="" id="{9F279704-B8F0-4876-B501-EE21DB738F59}"/>
+                <a16:creationId xmlns:a16="http://schemas.microsoft.com/office/drawing/2014/main" id="{9F279704-B8F0-4876-B501-EE21DB738F59}"/>
               </a:ext>
             </a:extLst>
           </p:cNvPr>
@@ -6632,7 +6633,7 @@
           <p:cNvPr id="16" name="Rectangle 15">
             <a:extLst>
               <a:ext uri="{FF2B5EF4-FFF2-40B4-BE49-F238E27FC236}">
-                <a16:creationId xmlns:a16="http://schemas.microsoft.com/office/drawing/2014/main" xmlns="" id="{6ECC4020-0E4E-472A-9357-69CC12C1F305}"/>
+                <a16:creationId xmlns:a16="http://schemas.microsoft.com/office/drawing/2014/main" id="{6ECC4020-0E4E-472A-9357-69CC12C1F305}"/>
               </a:ext>
             </a:extLst>
           </p:cNvPr>
@@ -6678,7 +6679,7 @@
           <p:cNvPr id="17" name="Rectangle 16">
             <a:extLst>
               <a:ext uri="{FF2B5EF4-FFF2-40B4-BE49-F238E27FC236}">
-                <a16:creationId xmlns:a16="http://schemas.microsoft.com/office/drawing/2014/main" xmlns="" id="{34453880-B568-412E-B217-7017AA047B84}"/>
+                <a16:creationId xmlns:a16="http://schemas.microsoft.com/office/drawing/2014/main" id="{34453880-B568-412E-B217-7017AA047B84}"/>
               </a:ext>
             </a:extLst>
           </p:cNvPr>
@@ -6724,7 +6725,7 @@
           <p:cNvPr id="19" name="Oval 18">
             <a:extLst>
               <a:ext uri="{FF2B5EF4-FFF2-40B4-BE49-F238E27FC236}">
-                <a16:creationId xmlns:a16="http://schemas.microsoft.com/office/drawing/2014/main" xmlns="" id="{C865F1AC-443D-44E9-B205-5FD839712B3D}"/>
+                <a16:creationId xmlns:a16="http://schemas.microsoft.com/office/drawing/2014/main" id="{C865F1AC-443D-44E9-B205-5FD839712B3D}"/>
               </a:ext>
             </a:extLst>
           </p:cNvPr>
@@ -6770,7 +6771,7 @@
           <p:cNvPr id="20" name="Straight Connector 19">
             <a:extLst>
               <a:ext uri="{FF2B5EF4-FFF2-40B4-BE49-F238E27FC236}">
-                <a16:creationId xmlns:a16="http://schemas.microsoft.com/office/drawing/2014/main" xmlns="" id="{B1B94C00-5D79-4EF7-B864-00C0FB05A426}"/>
+                <a16:creationId xmlns:a16="http://schemas.microsoft.com/office/drawing/2014/main" id="{B1B94C00-5D79-4EF7-B864-00C0FB05A426}"/>
               </a:ext>
             </a:extLst>
           </p:cNvPr>
@@ -6811,7 +6812,7 @@
           <p:cNvPr id="25" name="Rectangle 24">
             <a:extLst>
               <a:ext uri="{FF2B5EF4-FFF2-40B4-BE49-F238E27FC236}">
-                <a16:creationId xmlns:a16="http://schemas.microsoft.com/office/drawing/2014/main" xmlns="" id="{1962C116-4BFC-4CE5-92AA-283C9D45A684}"/>
+                <a16:creationId xmlns:a16="http://schemas.microsoft.com/office/drawing/2014/main" id="{1962C116-4BFC-4CE5-92AA-283C9D45A684}"/>
               </a:ext>
             </a:extLst>
           </p:cNvPr>
@@ -6857,7 +6858,7 @@
           <p:cNvPr id="26" name="Rectangle 25">
             <a:extLst>
               <a:ext uri="{FF2B5EF4-FFF2-40B4-BE49-F238E27FC236}">
-                <a16:creationId xmlns:a16="http://schemas.microsoft.com/office/drawing/2014/main" xmlns="" id="{7346B316-6233-4443-9A36-040D034A6FBF}"/>
+                <a16:creationId xmlns:a16="http://schemas.microsoft.com/office/drawing/2014/main" id="{7346B316-6233-4443-9A36-040D034A6FBF}"/>
               </a:ext>
             </a:extLst>
           </p:cNvPr>
@@ -6911,7 +6912,7 @@
           <p:cNvPr id="27" name="Rectangle 26">
             <a:extLst>
               <a:ext uri="{FF2B5EF4-FFF2-40B4-BE49-F238E27FC236}">
-                <a16:creationId xmlns:a16="http://schemas.microsoft.com/office/drawing/2014/main" xmlns="" id="{A0A6BEE0-8DF4-4797-80DB-7DD4E6A99383}"/>
+                <a16:creationId xmlns:a16="http://schemas.microsoft.com/office/drawing/2014/main" id="{A0A6BEE0-8DF4-4797-80DB-7DD4E6A99383}"/>
               </a:ext>
             </a:extLst>
           </p:cNvPr>
@@ -6957,7 +6958,7 @@
           <p:cNvPr id="28" name="Rectangle 27">
             <a:extLst>
               <a:ext uri="{FF2B5EF4-FFF2-40B4-BE49-F238E27FC236}">
-                <a16:creationId xmlns:a16="http://schemas.microsoft.com/office/drawing/2014/main" xmlns="" id="{14D24A18-E91F-4A40-9FD4-04301BE5E2B4}"/>
+                <a16:creationId xmlns:a16="http://schemas.microsoft.com/office/drawing/2014/main" id="{14D24A18-E91F-4A40-9FD4-04301BE5E2B4}"/>
               </a:ext>
             </a:extLst>
           </p:cNvPr>
@@ -7003,7 +7004,7 @@
           <p:cNvPr id="31" name="Straight Connector 30">
             <a:extLst>
               <a:ext uri="{FF2B5EF4-FFF2-40B4-BE49-F238E27FC236}">
-                <a16:creationId xmlns:a16="http://schemas.microsoft.com/office/drawing/2014/main" xmlns="" id="{7A19C16E-38B9-498A-9C33-6AB77B29E105}"/>
+                <a16:creationId xmlns:a16="http://schemas.microsoft.com/office/drawing/2014/main" id="{7A19C16E-38B9-498A-9C33-6AB77B29E105}"/>
               </a:ext>
             </a:extLst>
           </p:cNvPr>
@@ -7044,7 +7045,7 @@
           <p:cNvPr id="24" name="Rectangle 23">
             <a:extLst>
               <a:ext uri="{FF2B5EF4-FFF2-40B4-BE49-F238E27FC236}">
-                <a16:creationId xmlns:a16="http://schemas.microsoft.com/office/drawing/2014/main" xmlns="" id="{FAE6EA6D-531A-4F1A-B26C-0EA955C90619}"/>
+                <a16:creationId xmlns:a16="http://schemas.microsoft.com/office/drawing/2014/main" id="{FAE6EA6D-531A-4F1A-B26C-0EA955C90619}"/>
               </a:ext>
             </a:extLst>
           </p:cNvPr>
@@ -7120,7 +7121,7 @@
           <p:cNvPr id="2" name="Slide Number Placeholder 1">
             <a:extLst>
               <a:ext uri="{FF2B5EF4-FFF2-40B4-BE49-F238E27FC236}">
-                <a16:creationId xmlns:a16="http://schemas.microsoft.com/office/drawing/2014/main" xmlns="" id="{E2A346D2-342E-4D26-9516-C88A6E8CC150}"/>
+                <a16:creationId xmlns:a16="http://schemas.microsoft.com/office/drawing/2014/main" id="{E2A346D2-342E-4D26-9516-C88A6E8CC150}"/>
               </a:ext>
             </a:extLst>
           </p:cNvPr>
@@ -7149,7 +7150,7 @@
           <p:cNvPr id="4" name="Title 3">
             <a:extLst>
               <a:ext uri="{FF2B5EF4-FFF2-40B4-BE49-F238E27FC236}">
-                <a16:creationId xmlns:a16="http://schemas.microsoft.com/office/drawing/2014/main" xmlns="" id="{6C1750A8-0A53-40DB-B646-EE267E14322F}"/>
+                <a16:creationId xmlns:a16="http://schemas.microsoft.com/office/drawing/2014/main" id="{6C1750A8-0A53-40DB-B646-EE267E14322F}"/>
               </a:ext>
             </a:extLst>
           </p:cNvPr>
@@ -7183,7 +7184,7 @@
           <p:cNvPr id="3" name="Rectangle 2">
             <a:extLst>
               <a:ext uri="{FF2B5EF4-FFF2-40B4-BE49-F238E27FC236}">
-                <a16:creationId xmlns:a16="http://schemas.microsoft.com/office/drawing/2014/main" xmlns="" id="{DC56F6AA-CC91-42A5-B529-91407EE8CA0B}"/>
+                <a16:creationId xmlns:a16="http://schemas.microsoft.com/office/drawing/2014/main" id="{DC56F6AA-CC91-42A5-B529-91407EE8CA0B}"/>
               </a:ext>
             </a:extLst>
           </p:cNvPr>
@@ -7229,7 +7230,7 @@
           <p:cNvPr id="5" name="Rectangle 4">
             <a:extLst>
               <a:ext uri="{FF2B5EF4-FFF2-40B4-BE49-F238E27FC236}">
-                <a16:creationId xmlns:a16="http://schemas.microsoft.com/office/drawing/2014/main" xmlns="" id="{1AFD8020-F819-48DB-A628-4F914740C5B5}"/>
+                <a16:creationId xmlns:a16="http://schemas.microsoft.com/office/drawing/2014/main" id="{1AFD8020-F819-48DB-A628-4F914740C5B5}"/>
               </a:ext>
             </a:extLst>
           </p:cNvPr>
@@ -7283,7 +7284,7 @@
           <p:cNvPr id="6" name="Rectangle 5">
             <a:extLst>
               <a:ext uri="{FF2B5EF4-FFF2-40B4-BE49-F238E27FC236}">
-                <a16:creationId xmlns:a16="http://schemas.microsoft.com/office/drawing/2014/main" xmlns="" id="{519572F2-77B7-451D-B7B9-E8C4DF760CFE}"/>
+                <a16:creationId xmlns:a16="http://schemas.microsoft.com/office/drawing/2014/main" id="{519572F2-77B7-451D-B7B9-E8C4DF760CFE}"/>
               </a:ext>
             </a:extLst>
           </p:cNvPr>
@@ -7329,7 +7330,7 @@
           <p:cNvPr id="9" name="Straight Connector 8">
             <a:extLst>
               <a:ext uri="{FF2B5EF4-FFF2-40B4-BE49-F238E27FC236}">
-                <a16:creationId xmlns:a16="http://schemas.microsoft.com/office/drawing/2014/main" xmlns="" id="{4C9C328E-BF96-4182-9F0B-C5C11B72F8DE}"/>
+                <a16:creationId xmlns:a16="http://schemas.microsoft.com/office/drawing/2014/main" id="{4C9C328E-BF96-4182-9F0B-C5C11B72F8DE}"/>
               </a:ext>
             </a:extLst>
           </p:cNvPr>
@@ -7370,7 +7371,7 @@
           <p:cNvPr id="13" name="Rectangle 12">
             <a:extLst>
               <a:ext uri="{FF2B5EF4-FFF2-40B4-BE49-F238E27FC236}">
-                <a16:creationId xmlns:a16="http://schemas.microsoft.com/office/drawing/2014/main" xmlns="" id="{323427DF-834D-402D-8EB2-A67EBD08C9DE}"/>
+                <a16:creationId xmlns:a16="http://schemas.microsoft.com/office/drawing/2014/main" id="{323427DF-834D-402D-8EB2-A67EBD08C9DE}"/>
               </a:ext>
             </a:extLst>
           </p:cNvPr>
@@ -7416,7 +7417,7 @@
           <p:cNvPr id="14" name="Rectangle 13">
             <a:extLst>
               <a:ext uri="{FF2B5EF4-FFF2-40B4-BE49-F238E27FC236}">
-                <a16:creationId xmlns:a16="http://schemas.microsoft.com/office/drawing/2014/main" xmlns="" id="{0A6F78A6-5E7B-44BE-8033-86E3CC020CF3}"/>
+                <a16:creationId xmlns:a16="http://schemas.microsoft.com/office/drawing/2014/main" id="{0A6F78A6-5E7B-44BE-8033-86E3CC020CF3}"/>
               </a:ext>
             </a:extLst>
           </p:cNvPr>
@@ -7462,7 +7463,7 @@
           <p:cNvPr id="15" name="Rectangle 14">
             <a:extLst>
               <a:ext uri="{FF2B5EF4-FFF2-40B4-BE49-F238E27FC236}">
-                <a16:creationId xmlns:a16="http://schemas.microsoft.com/office/drawing/2014/main" xmlns="" id="{9F279704-B8F0-4876-B501-EE21DB738F59}"/>
+                <a16:creationId xmlns:a16="http://schemas.microsoft.com/office/drawing/2014/main" id="{9F279704-B8F0-4876-B501-EE21DB738F59}"/>
               </a:ext>
             </a:extLst>
           </p:cNvPr>
@@ -7508,7 +7509,7 @@
           <p:cNvPr id="16" name="Rectangle 15">
             <a:extLst>
               <a:ext uri="{FF2B5EF4-FFF2-40B4-BE49-F238E27FC236}">
-                <a16:creationId xmlns:a16="http://schemas.microsoft.com/office/drawing/2014/main" xmlns="" id="{6ECC4020-0E4E-472A-9357-69CC12C1F305}"/>
+                <a16:creationId xmlns:a16="http://schemas.microsoft.com/office/drawing/2014/main" id="{6ECC4020-0E4E-472A-9357-69CC12C1F305}"/>
               </a:ext>
             </a:extLst>
           </p:cNvPr>
@@ -7554,7 +7555,7 @@
           <p:cNvPr id="17" name="Rectangle 16">
             <a:extLst>
               <a:ext uri="{FF2B5EF4-FFF2-40B4-BE49-F238E27FC236}">
-                <a16:creationId xmlns:a16="http://schemas.microsoft.com/office/drawing/2014/main" xmlns="" id="{34453880-B568-412E-B217-7017AA047B84}"/>
+                <a16:creationId xmlns:a16="http://schemas.microsoft.com/office/drawing/2014/main" id="{34453880-B568-412E-B217-7017AA047B84}"/>
               </a:ext>
             </a:extLst>
           </p:cNvPr>
@@ -7600,7 +7601,7 @@
           <p:cNvPr id="19" name="Oval 18">
             <a:extLst>
               <a:ext uri="{FF2B5EF4-FFF2-40B4-BE49-F238E27FC236}">
-                <a16:creationId xmlns:a16="http://schemas.microsoft.com/office/drawing/2014/main" xmlns="" id="{C865F1AC-443D-44E9-B205-5FD839712B3D}"/>
+                <a16:creationId xmlns:a16="http://schemas.microsoft.com/office/drawing/2014/main" id="{C865F1AC-443D-44E9-B205-5FD839712B3D}"/>
               </a:ext>
             </a:extLst>
           </p:cNvPr>
@@ -7646,7 +7647,7 @@
           <p:cNvPr id="20" name="Straight Connector 19">
             <a:extLst>
               <a:ext uri="{FF2B5EF4-FFF2-40B4-BE49-F238E27FC236}">
-                <a16:creationId xmlns:a16="http://schemas.microsoft.com/office/drawing/2014/main" xmlns="" id="{B1B94C00-5D79-4EF7-B864-00C0FB05A426}"/>
+                <a16:creationId xmlns:a16="http://schemas.microsoft.com/office/drawing/2014/main" id="{B1B94C00-5D79-4EF7-B864-00C0FB05A426}"/>
               </a:ext>
             </a:extLst>
           </p:cNvPr>
@@ -7687,7 +7688,7 @@
           <p:cNvPr id="25" name="Rectangle 24">
             <a:extLst>
               <a:ext uri="{FF2B5EF4-FFF2-40B4-BE49-F238E27FC236}">
-                <a16:creationId xmlns:a16="http://schemas.microsoft.com/office/drawing/2014/main" xmlns="" id="{1962C116-4BFC-4CE5-92AA-283C9D45A684}"/>
+                <a16:creationId xmlns:a16="http://schemas.microsoft.com/office/drawing/2014/main" id="{1962C116-4BFC-4CE5-92AA-283C9D45A684}"/>
               </a:ext>
             </a:extLst>
           </p:cNvPr>
@@ -7733,7 +7734,7 @@
           <p:cNvPr id="26" name="Rectangle 25">
             <a:extLst>
               <a:ext uri="{FF2B5EF4-FFF2-40B4-BE49-F238E27FC236}">
-                <a16:creationId xmlns:a16="http://schemas.microsoft.com/office/drawing/2014/main" xmlns="" id="{7346B316-6233-4443-9A36-040D034A6FBF}"/>
+                <a16:creationId xmlns:a16="http://schemas.microsoft.com/office/drawing/2014/main" id="{7346B316-6233-4443-9A36-040D034A6FBF}"/>
               </a:ext>
             </a:extLst>
           </p:cNvPr>
@@ -7787,7 +7788,7 @@
           <p:cNvPr id="27" name="Rectangle 26">
             <a:extLst>
               <a:ext uri="{FF2B5EF4-FFF2-40B4-BE49-F238E27FC236}">
-                <a16:creationId xmlns:a16="http://schemas.microsoft.com/office/drawing/2014/main" xmlns="" id="{A0A6BEE0-8DF4-4797-80DB-7DD4E6A99383}"/>
+                <a16:creationId xmlns:a16="http://schemas.microsoft.com/office/drawing/2014/main" id="{A0A6BEE0-8DF4-4797-80DB-7DD4E6A99383}"/>
               </a:ext>
             </a:extLst>
           </p:cNvPr>
@@ -7833,7 +7834,7 @@
           <p:cNvPr id="28" name="Rectangle 27">
             <a:extLst>
               <a:ext uri="{FF2B5EF4-FFF2-40B4-BE49-F238E27FC236}">
-                <a16:creationId xmlns:a16="http://schemas.microsoft.com/office/drawing/2014/main" xmlns="" id="{14D24A18-E91F-4A40-9FD4-04301BE5E2B4}"/>
+                <a16:creationId xmlns:a16="http://schemas.microsoft.com/office/drawing/2014/main" id="{14D24A18-E91F-4A40-9FD4-04301BE5E2B4}"/>
               </a:ext>
             </a:extLst>
           </p:cNvPr>
@@ -7879,7 +7880,7 @@
           <p:cNvPr id="31" name="Straight Connector 30">
             <a:extLst>
               <a:ext uri="{FF2B5EF4-FFF2-40B4-BE49-F238E27FC236}">
-                <a16:creationId xmlns:a16="http://schemas.microsoft.com/office/drawing/2014/main" xmlns="" id="{7A19C16E-38B9-498A-9C33-6AB77B29E105}"/>
+                <a16:creationId xmlns:a16="http://schemas.microsoft.com/office/drawing/2014/main" id="{7A19C16E-38B9-498A-9C33-6AB77B29E105}"/>
               </a:ext>
             </a:extLst>
           </p:cNvPr>
@@ -7920,7 +7921,7 @@
           <p:cNvPr id="24" name="Rectangle 23">
             <a:extLst>
               <a:ext uri="{FF2B5EF4-FFF2-40B4-BE49-F238E27FC236}">
-                <a16:creationId xmlns:a16="http://schemas.microsoft.com/office/drawing/2014/main" xmlns="" id="{FAE6EA6D-531A-4F1A-B26C-0EA955C90619}"/>
+                <a16:creationId xmlns:a16="http://schemas.microsoft.com/office/drawing/2014/main" id="{FAE6EA6D-531A-4F1A-B26C-0EA955C90619}"/>
               </a:ext>
             </a:extLst>
           </p:cNvPr>
@@ -7996,7 +7997,7 @@
           <p:cNvPr id="2" name="Slide Number Placeholder 1">
             <a:extLst>
               <a:ext uri="{FF2B5EF4-FFF2-40B4-BE49-F238E27FC236}">
-                <a16:creationId xmlns:a16="http://schemas.microsoft.com/office/drawing/2014/main" xmlns="" id="{E2A346D2-342E-4D26-9516-C88A6E8CC150}"/>
+                <a16:creationId xmlns:a16="http://schemas.microsoft.com/office/drawing/2014/main" id="{E2A346D2-342E-4D26-9516-C88A6E8CC150}"/>
               </a:ext>
             </a:extLst>
           </p:cNvPr>
@@ -8025,7 +8026,7 @@
           <p:cNvPr id="4" name="Title 3">
             <a:extLst>
               <a:ext uri="{FF2B5EF4-FFF2-40B4-BE49-F238E27FC236}">
-                <a16:creationId xmlns:a16="http://schemas.microsoft.com/office/drawing/2014/main" xmlns="" id="{6C1750A8-0A53-40DB-B646-EE267E14322F}"/>
+                <a16:creationId xmlns:a16="http://schemas.microsoft.com/office/drawing/2014/main" id="{6C1750A8-0A53-40DB-B646-EE267E14322F}"/>
               </a:ext>
             </a:extLst>
           </p:cNvPr>
@@ -8059,7 +8060,7 @@
           <p:cNvPr id="3" name="Rectangle 2">
             <a:extLst>
               <a:ext uri="{FF2B5EF4-FFF2-40B4-BE49-F238E27FC236}">
-                <a16:creationId xmlns:a16="http://schemas.microsoft.com/office/drawing/2014/main" xmlns="" id="{DC56F6AA-CC91-42A5-B529-91407EE8CA0B}"/>
+                <a16:creationId xmlns:a16="http://schemas.microsoft.com/office/drawing/2014/main" id="{DC56F6AA-CC91-42A5-B529-91407EE8CA0B}"/>
               </a:ext>
             </a:extLst>
           </p:cNvPr>
@@ -8105,7 +8106,7 @@
           <p:cNvPr id="5" name="Rectangle 4">
             <a:extLst>
               <a:ext uri="{FF2B5EF4-FFF2-40B4-BE49-F238E27FC236}">
-                <a16:creationId xmlns:a16="http://schemas.microsoft.com/office/drawing/2014/main" xmlns="" id="{1AFD8020-F819-48DB-A628-4F914740C5B5}"/>
+                <a16:creationId xmlns:a16="http://schemas.microsoft.com/office/drawing/2014/main" id="{1AFD8020-F819-48DB-A628-4F914740C5B5}"/>
               </a:ext>
             </a:extLst>
           </p:cNvPr>
@@ -8159,7 +8160,7 @@
           <p:cNvPr id="6" name="Rectangle 5">
             <a:extLst>
               <a:ext uri="{FF2B5EF4-FFF2-40B4-BE49-F238E27FC236}">
-                <a16:creationId xmlns:a16="http://schemas.microsoft.com/office/drawing/2014/main" xmlns="" id="{519572F2-77B7-451D-B7B9-E8C4DF760CFE}"/>
+                <a16:creationId xmlns:a16="http://schemas.microsoft.com/office/drawing/2014/main" id="{519572F2-77B7-451D-B7B9-E8C4DF760CFE}"/>
               </a:ext>
             </a:extLst>
           </p:cNvPr>
@@ -8205,7 +8206,7 @@
           <p:cNvPr id="9" name="Straight Connector 8">
             <a:extLst>
               <a:ext uri="{FF2B5EF4-FFF2-40B4-BE49-F238E27FC236}">
-                <a16:creationId xmlns:a16="http://schemas.microsoft.com/office/drawing/2014/main" xmlns="" id="{4C9C328E-BF96-4182-9F0B-C5C11B72F8DE}"/>
+                <a16:creationId xmlns:a16="http://schemas.microsoft.com/office/drawing/2014/main" id="{4C9C328E-BF96-4182-9F0B-C5C11B72F8DE}"/>
               </a:ext>
             </a:extLst>
           </p:cNvPr>
@@ -8246,7 +8247,7 @@
           <p:cNvPr id="13" name="Rectangle 12">
             <a:extLst>
               <a:ext uri="{FF2B5EF4-FFF2-40B4-BE49-F238E27FC236}">
-                <a16:creationId xmlns:a16="http://schemas.microsoft.com/office/drawing/2014/main" xmlns="" id="{323427DF-834D-402D-8EB2-A67EBD08C9DE}"/>
+                <a16:creationId xmlns:a16="http://schemas.microsoft.com/office/drawing/2014/main" id="{323427DF-834D-402D-8EB2-A67EBD08C9DE}"/>
               </a:ext>
             </a:extLst>
           </p:cNvPr>
@@ -8292,7 +8293,7 @@
           <p:cNvPr id="14" name="Rectangle 13">
             <a:extLst>
               <a:ext uri="{FF2B5EF4-FFF2-40B4-BE49-F238E27FC236}">
-                <a16:creationId xmlns:a16="http://schemas.microsoft.com/office/drawing/2014/main" xmlns="" id="{0A6F78A6-5E7B-44BE-8033-86E3CC020CF3}"/>
+                <a16:creationId xmlns:a16="http://schemas.microsoft.com/office/drawing/2014/main" id="{0A6F78A6-5E7B-44BE-8033-86E3CC020CF3}"/>
               </a:ext>
             </a:extLst>
           </p:cNvPr>
@@ -8338,7 +8339,7 @@
           <p:cNvPr id="15" name="Rectangle 14">
             <a:extLst>
               <a:ext uri="{FF2B5EF4-FFF2-40B4-BE49-F238E27FC236}">
-                <a16:creationId xmlns:a16="http://schemas.microsoft.com/office/drawing/2014/main" xmlns="" id="{9F279704-B8F0-4876-B501-EE21DB738F59}"/>
+                <a16:creationId xmlns:a16="http://schemas.microsoft.com/office/drawing/2014/main" id="{9F279704-B8F0-4876-B501-EE21DB738F59}"/>
               </a:ext>
             </a:extLst>
           </p:cNvPr>
@@ -8384,7 +8385,7 @@
           <p:cNvPr id="16" name="Rectangle 15">
             <a:extLst>
               <a:ext uri="{FF2B5EF4-FFF2-40B4-BE49-F238E27FC236}">
-                <a16:creationId xmlns:a16="http://schemas.microsoft.com/office/drawing/2014/main" xmlns="" id="{6ECC4020-0E4E-472A-9357-69CC12C1F305}"/>
+                <a16:creationId xmlns:a16="http://schemas.microsoft.com/office/drawing/2014/main" id="{6ECC4020-0E4E-472A-9357-69CC12C1F305}"/>
               </a:ext>
             </a:extLst>
           </p:cNvPr>
@@ -8430,7 +8431,7 @@
           <p:cNvPr id="17" name="Rectangle 16">
             <a:extLst>
               <a:ext uri="{FF2B5EF4-FFF2-40B4-BE49-F238E27FC236}">
-                <a16:creationId xmlns:a16="http://schemas.microsoft.com/office/drawing/2014/main" xmlns="" id="{34453880-B568-412E-B217-7017AA047B84}"/>
+                <a16:creationId xmlns:a16="http://schemas.microsoft.com/office/drawing/2014/main" id="{34453880-B568-412E-B217-7017AA047B84}"/>
               </a:ext>
             </a:extLst>
           </p:cNvPr>
@@ -8476,7 +8477,7 @@
           <p:cNvPr id="19" name="Oval 18">
             <a:extLst>
               <a:ext uri="{FF2B5EF4-FFF2-40B4-BE49-F238E27FC236}">
-                <a16:creationId xmlns:a16="http://schemas.microsoft.com/office/drawing/2014/main" xmlns="" id="{C865F1AC-443D-44E9-B205-5FD839712B3D}"/>
+                <a16:creationId xmlns:a16="http://schemas.microsoft.com/office/drawing/2014/main" id="{C865F1AC-443D-44E9-B205-5FD839712B3D}"/>
               </a:ext>
             </a:extLst>
           </p:cNvPr>
@@ -8522,7 +8523,7 @@
           <p:cNvPr id="20" name="Straight Connector 19">
             <a:extLst>
               <a:ext uri="{FF2B5EF4-FFF2-40B4-BE49-F238E27FC236}">
-                <a16:creationId xmlns:a16="http://schemas.microsoft.com/office/drawing/2014/main" xmlns="" id="{B1B94C00-5D79-4EF7-B864-00C0FB05A426}"/>
+                <a16:creationId xmlns:a16="http://schemas.microsoft.com/office/drawing/2014/main" id="{B1B94C00-5D79-4EF7-B864-00C0FB05A426}"/>
               </a:ext>
             </a:extLst>
           </p:cNvPr>
@@ -8563,7 +8564,7 @@
           <p:cNvPr id="25" name="Rectangle 24">
             <a:extLst>
               <a:ext uri="{FF2B5EF4-FFF2-40B4-BE49-F238E27FC236}">
-                <a16:creationId xmlns:a16="http://schemas.microsoft.com/office/drawing/2014/main" xmlns="" id="{1962C116-4BFC-4CE5-92AA-283C9D45A684}"/>
+                <a16:creationId xmlns:a16="http://schemas.microsoft.com/office/drawing/2014/main" id="{1962C116-4BFC-4CE5-92AA-283C9D45A684}"/>
               </a:ext>
             </a:extLst>
           </p:cNvPr>
@@ -8609,7 +8610,7 @@
           <p:cNvPr id="26" name="Rectangle 25">
             <a:extLst>
               <a:ext uri="{FF2B5EF4-FFF2-40B4-BE49-F238E27FC236}">
-                <a16:creationId xmlns:a16="http://schemas.microsoft.com/office/drawing/2014/main" xmlns="" id="{7346B316-6233-4443-9A36-040D034A6FBF}"/>
+                <a16:creationId xmlns:a16="http://schemas.microsoft.com/office/drawing/2014/main" id="{7346B316-6233-4443-9A36-040D034A6FBF}"/>
               </a:ext>
             </a:extLst>
           </p:cNvPr>
@@ -8663,7 +8664,7 @@
           <p:cNvPr id="27" name="Rectangle 26">
             <a:extLst>
               <a:ext uri="{FF2B5EF4-FFF2-40B4-BE49-F238E27FC236}">
-                <a16:creationId xmlns:a16="http://schemas.microsoft.com/office/drawing/2014/main" xmlns="" id="{A0A6BEE0-8DF4-4797-80DB-7DD4E6A99383}"/>
+                <a16:creationId xmlns:a16="http://schemas.microsoft.com/office/drawing/2014/main" id="{A0A6BEE0-8DF4-4797-80DB-7DD4E6A99383}"/>
               </a:ext>
             </a:extLst>
           </p:cNvPr>
@@ -8709,7 +8710,7 @@
           <p:cNvPr id="28" name="Rectangle 27">
             <a:extLst>
               <a:ext uri="{FF2B5EF4-FFF2-40B4-BE49-F238E27FC236}">
-                <a16:creationId xmlns:a16="http://schemas.microsoft.com/office/drawing/2014/main" xmlns="" id="{14D24A18-E91F-4A40-9FD4-04301BE5E2B4}"/>
+                <a16:creationId xmlns:a16="http://schemas.microsoft.com/office/drawing/2014/main" id="{14D24A18-E91F-4A40-9FD4-04301BE5E2B4}"/>
               </a:ext>
             </a:extLst>
           </p:cNvPr>
@@ -8755,7 +8756,7 @@
           <p:cNvPr id="31" name="Straight Connector 30">
             <a:extLst>
               <a:ext uri="{FF2B5EF4-FFF2-40B4-BE49-F238E27FC236}">
-                <a16:creationId xmlns:a16="http://schemas.microsoft.com/office/drawing/2014/main" xmlns="" id="{7A19C16E-38B9-498A-9C33-6AB77B29E105}"/>
+                <a16:creationId xmlns:a16="http://schemas.microsoft.com/office/drawing/2014/main" id="{7A19C16E-38B9-498A-9C33-6AB77B29E105}"/>
               </a:ext>
             </a:extLst>
           </p:cNvPr>
@@ -8796,7 +8797,7 @@
           <p:cNvPr id="24" name="Rectangle 23">
             <a:extLst>
               <a:ext uri="{FF2B5EF4-FFF2-40B4-BE49-F238E27FC236}">
-                <a16:creationId xmlns:a16="http://schemas.microsoft.com/office/drawing/2014/main" xmlns="" id="{FAE6EA6D-531A-4F1A-B26C-0EA955C90619}"/>
+                <a16:creationId xmlns:a16="http://schemas.microsoft.com/office/drawing/2014/main" id="{FAE6EA6D-531A-4F1A-B26C-0EA955C90619}"/>
               </a:ext>
             </a:extLst>
           </p:cNvPr>
@@ -8872,7 +8873,7 @@
           <p:cNvPr id="2" name="Slide Number Placeholder 1">
             <a:extLst>
               <a:ext uri="{FF2B5EF4-FFF2-40B4-BE49-F238E27FC236}">
-                <a16:creationId xmlns:a16="http://schemas.microsoft.com/office/drawing/2014/main" xmlns="" id="{E2A346D2-342E-4D26-9516-C88A6E8CC150}"/>
+                <a16:creationId xmlns:a16="http://schemas.microsoft.com/office/drawing/2014/main" id="{E2A346D2-342E-4D26-9516-C88A6E8CC150}"/>
               </a:ext>
             </a:extLst>
           </p:cNvPr>
@@ -8901,7 +8902,7 @@
           <p:cNvPr id="4" name="Title 3">
             <a:extLst>
               <a:ext uri="{FF2B5EF4-FFF2-40B4-BE49-F238E27FC236}">
-                <a16:creationId xmlns:a16="http://schemas.microsoft.com/office/drawing/2014/main" xmlns="" id="{6C1750A8-0A53-40DB-B646-EE267E14322F}"/>
+                <a16:creationId xmlns:a16="http://schemas.microsoft.com/office/drawing/2014/main" id="{6C1750A8-0A53-40DB-B646-EE267E14322F}"/>
               </a:ext>
             </a:extLst>
           </p:cNvPr>
@@ -8935,7 +8936,7 @@
           <p:cNvPr id="3" name="Rectangle 2">
             <a:extLst>
               <a:ext uri="{FF2B5EF4-FFF2-40B4-BE49-F238E27FC236}">
-                <a16:creationId xmlns:a16="http://schemas.microsoft.com/office/drawing/2014/main" xmlns="" id="{DC56F6AA-CC91-42A5-B529-91407EE8CA0B}"/>
+                <a16:creationId xmlns:a16="http://schemas.microsoft.com/office/drawing/2014/main" id="{DC56F6AA-CC91-42A5-B529-91407EE8CA0B}"/>
               </a:ext>
             </a:extLst>
           </p:cNvPr>
@@ -8981,7 +8982,7 @@
           <p:cNvPr id="5" name="Rectangle 4">
             <a:extLst>
               <a:ext uri="{FF2B5EF4-FFF2-40B4-BE49-F238E27FC236}">
-                <a16:creationId xmlns:a16="http://schemas.microsoft.com/office/drawing/2014/main" xmlns="" id="{1AFD8020-F819-48DB-A628-4F914740C5B5}"/>
+                <a16:creationId xmlns:a16="http://schemas.microsoft.com/office/drawing/2014/main" id="{1AFD8020-F819-48DB-A628-4F914740C5B5}"/>
               </a:ext>
             </a:extLst>
           </p:cNvPr>
@@ -9035,7 +9036,7 @@
           <p:cNvPr id="6" name="Rectangle 5">
             <a:extLst>
               <a:ext uri="{FF2B5EF4-FFF2-40B4-BE49-F238E27FC236}">
-                <a16:creationId xmlns:a16="http://schemas.microsoft.com/office/drawing/2014/main" xmlns="" id="{519572F2-77B7-451D-B7B9-E8C4DF760CFE}"/>
+                <a16:creationId xmlns:a16="http://schemas.microsoft.com/office/drawing/2014/main" id="{519572F2-77B7-451D-B7B9-E8C4DF760CFE}"/>
               </a:ext>
             </a:extLst>
           </p:cNvPr>
@@ -9081,7 +9082,7 @@
           <p:cNvPr id="9" name="Straight Connector 8">
             <a:extLst>
               <a:ext uri="{FF2B5EF4-FFF2-40B4-BE49-F238E27FC236}">
-                <a16:creationId xmlns:a16="http://schemas.microsoft.com/office/drawing/2014/main" xmlns="" id="{4C9C328E-BF96-4182-9F0B-C5C11B72F8DE}"/>
+                <a16:creationId xmlns:a16="http://schemas.microsoft.com/office/drawing/2014/main" id="{4C9C328E-BF96-4182-9F0B-C5C11B72F8DE}"/>
               </a:ext>
             </a:extLst>
           </p:cNvPr>
@@ -9122,7 +9123,7 @@
           <p:cNvPr id="13" name="Rectangle 12">
             <a:extLst>
               <a:ext uri="{FF2B5EF4-FFF2-40B4-BE49-F238E27FC236}">
-                <a16:creationId xmlns:a16="http://schemas.microsoft.com/office/drawing/2014/main" xmlns="" id="{323427DF-834D-402D-8EB2-A67EBD08C9DE}"/>
+                <a16:creationId xmlns:a16="http://schemas.microsoft.com/office/drawing/2014/main" id="{323427DF-834D-402D-8EB2-A67EBD08C9DE}"/>
               </a:ext>
             </a:extLst>
           </p:cNvPr>
@@ -9168,7 +9169,7 @@
           <p:cNvPr id="14" name="Rectangle 13">
             <a:extLst>
               <a:ext uri="{FF2B5EF4-FFF2-40B4-BE49-F238E27FC236}">
-                <a16:creationId xmlns:a16="http://schemas.microsoft.com/office/drawing/2014/main" xmlns="" id="{0A6F78A6-5E7B-44BE-8033-86E3CC020CF3}"/>
+                <a16:creationId xmlns:a16="http://schemas.microsoft.com/office/drawing/2014/main" id="{0A6F78A6-5E7B-44BE-8033-86E3CC020CF3}"/>
               </a:ext>
             </a:extLst>
           </p:cNvPr>
@@ -9214,7 +9215,7 @@
           <p:cNvPr id="15" name="Rectangle 14">
             <a:extLst>
               <a:ext uri="{FF2B5EF4-FFF2-40B4-BE49-F238E27FC236}">
-                <a16:creationId xmlns:a16="http://schemas.microsoft.com/office/drawing/2014/main" xmlns="" id="{9F279704-B8F0-4876-B501-EE21DB738F59}"/>
+                <a16:creationId xmlns:a16="http://schemas.microsoft.com/office/drawing/2014/main" id="{9F279704-B8F0-4876-B501-EE21DB738F59}"/>
               </a:ext>
             </a:extLst>
           </p:cNvPr>
@@ -9260,7 +9261,7 @@
           <p:cNvPr id="16" name="Rectangle 15">
             <a:extLst>
               <a:ext uri="{FF2B5EF4-FFF2-40B4-BE49-F238E27FC236}">
-                <a16:creationId xmlns:a16="http://schemas.microsoft.com/office/drawing/2014/main" xmlns="" id="{6ECC4020-0E4E-472A-9357-69CC12C1F305}"/>
+                <a16:creationId xmlns:a16="http://schemas.microsoft.com/office/drawing/2014/main" id="{6ECC4020-0E4E-472A-9357-69CC12C1F305}"/>
               </a:ext>
             </a:extLst>
           </p:cNvPr>
@@ -9306,7 +9307,7 @@
           <p:cNvPr id="17" name="Rectangle 16">
             <a:extLst>
               <a:ext uri="{FF2B5EF4-FFF2-40B4-BE49-F238E27FC236}">
-                <a16:creationId xmlns:a16="http://schemas.microsoft.com/office/drawing/2014/main" xmlns="" id="{34453880-B568-412E-B217-7017AA047B84}"/>
+                <a16:creationId xmlns:a16="http://schemas.microsoft.com/office/drawing/2014/main" id="{34453880-B568-412E-B217-7017AA047B84}"/>
               </a:ext>
             </a:extLst>
           </p:cNvPr>
@@ -9352,7 +9353,7 @@
           <p:cNvPr id="19" name="Oval 18">
             <a:extLst>
               <a:ext uri="{FF2B5EF4-FFF2-40B4-BE49-F238E27FC236}">
-                <a16:creationId xmlns:a16="http://schemas.microsoft.com/office/drawing/2014/main" xmlns="" id="{C865F1AC-443D-44E9-B205-5FD839712B3D}"/>
+                <a16:creationId xmlns:a16="http://schemas.microsoft.com/office/drawing/2014/main" id="{C865F1AC-443D-44E9-B205-5FD839712B3D}"/>
               </a:ext>
             </a:extLst>
           </p:cNvPr>
@@ -9398,7 +9399,7 @@
           <p:cNvPr id="20" name="Straight Connector 19">
             <a:extLst>
               <a:ext uri="{FF2B5EF4-FFF2-40B4-BE49-F238E27FC236}">
-                <a16:creationId xmlns:a16="http://schemas.microsoft.com/office/drawing/2014/main" xmlns="" id="{B1B94C00-5D79-4EF7-B864-00C0FB05A426}"/>
+                <a16:creationId xmlns:a16="http://schemas.microsoft.com/office/drawing/2014/main" id="{B1B94C00-5D79-4EF7-B864-00C0FB05A426}"/>
               </a:ext>
             </a:extLst>
           </p:cNvPr>
@@ -9439,7 +9440,7 @@
           <p:cNvPr id="26" name="Rectangle 25">
             <a:extLst>
               <a:ext uri="{FF2B5EF4-FFF2-40B4-BE49-F238E27FC236}">
-                <a16:creationId xmlns:a16="http://schemas.microsoft.com/office/drawing/2014/main" xmlns="" id="{7346B316-6233-4443-9A36-040D034A6FBF}"/>
+                <a16:creationId xmlns:a16="http://schemas.microsoft.com/office/drawing/2014/main" id="{7346B316-6233-4443-9A36-040D034A6FBF}"/>
               </a:ext>
             </a:extLst>
           </p:cNvPr>
@@ -9493,7 +9494,7 @@
           <p:cNvPr id="27" name="Rectangle 26">
             <a:extLst>
               <a:ext uri="{FF2B5EF4-FFF2-40B4-BE49-F238E27FC236}">
-                <a16:creationId xmlns:a16="http://schemas.microsoft.com/office/drawing/2014/main" xmlns="" id="{A0A6BEE0-8DF4-4797-80DB-7DD4E6A99383}"/>
+                <a16:creationId xmlns:a16="http://schemas.microsoft.com/office/drawing/2014/main" id="{A0A6BEE0-8DF4-4797-80DB-7DD4E6A99383}"/>
               </a:ext>
             </a:extLst>
           </p:cNvPr>
@@ -9539,7 +9540,7 @@
           <p:cNvPr id="28" name="Rectangle 27">
             <a:extLst>
               <a:ext uri="{FF2B5EF4-FFF2-40B4-BE49-F238E27FC236}">
-                <a16:creationId xmlns:a16="http://schemas.microsoft.com/office/drawing/2014/main" xmlns="" id="{14D24A18-E91F-4A40-9FD4-04301BE5E2B4}"/>
+                <a16:creationId xmlns:a16="http://schemas.microsoft.com/office/drawing/2014/main" id="{14D24A18-E91F-4A40-9FD4-04301BE5E2B4}"/>
               </a:ext>
             </a:extLst>
           </p:cNvPr>
@@ -9585,7 +9586,7 @@
           <p:cNvPr id="24" name="Rectangle 23">
             <a:extLst>
               <a:ext uri="{FF2B5EF4-FFF2-40B4-BE49-F238E27FC236}">
-                <a16:creationId xmlns:a16="http://schemas.microsoft.com/office/drawing/2014/main" xmlns="" id="{FAE6EA6D-531A-4F1A-B26C-0EA955C90619}"/>
+                <a16:creationId xmlns:a16="http://schemas.microsoft.com/office/drawing/2014/main" id="{FAE6EA6D-531A-4F1A-B26C-0EA955C90619}"/>
               </a:ext>
             </a:extLst>
           </p:cNvPr>
@@ -9631,7 +9632,7 @@
           <p:cNvPr id="21" name="Rectangle 20">
             <a:extLst>
               <a:ext uri="{FF2B5EF4-FFF2-40B4-BE49-F238E27FC236}">
-                <a16:creationId xmlns:a16="http://schemas.microsoft.com/office/drawing/2014/main" xmlns="" id="{666D8948-3CC0-4080-A06E-30065698753A}"/>
+                <a16:creationId xmlns:a16="http://schemas.microsoft.com/office/drawing/2014/main" id="{666D8948-3CC0-4080-A06E-30065698753A}"/>
               </a:ext>
             </a:extLst>
           </p:cNvPr>
@@ -9677,7 +9678,7 @@
           <p:cNvPr id="22" name="Rectangle 21">
             <a:extLst>
               <a:ext uri="{FF2B5EF4-FFF2-40B4-BE49-F238E27FC236}">
-                <a16:creationId xmlns:a16="http://schemas.microsoft.com/office/drawing/2014/main" xmlns="" id="{648DEC73-0D6B-4A49-8269-4CAD24AD9C86}"/>
+                <a16:creationId xmlns:a16="http://schemas.microsoft.com/office/drawing/2014/main" id="{648DEC73-0D6B-4A49-8269-4CAD24AD9C86}"/>
               </a:ext>
             </a:extLst>
           </p:cNvPr>
@@ -9731,7 +9732,7 @@
           <p:cNvPr id="23" name="Straight Connector 22">
             <a:extLst>
               <a:ext uri="{FF2B5EF4-FFF2-40B4-BE49-F238E27FC236}">
-                <a16:creationId xmlns:a16="http://schemas.microsoft.com/office/drawing/2014/main" xmlns="" id="{D6385C70-B333-4C86-B538-474BC6C16A17}"/>
+                <a16:creationId xmlns:a16="http://schemas.microsoft.com/office/drawing/2014/main" id="{D6385C70-B333-4C86-B538-474BC6C16A17}"/>
               </a:ext>
             </a:extLst>
           </p:cNvPr>
@@ -9802,7 +9803,7 @@
           <p:cNvPr id="2" name="Slide Number Placeholder 1">
             <a:extLst>
               <a:ext uri="{FF2B5EF4-FFF2-40B4-BE49-F238E27FC236}">
-                <a16:creationId xmlns:a16="http://schemas.microsoft.com/office/drawing/2014/main" xmlns="" id="{E2A346D2-342E-4D26-9516-C88A6E8CC150}"/>
+                <a16:creationId xmlns:a16="http://schemas.microsoft.com/office/drawing/2014/main" id="{E2A346D2-342E-4D26-9516-C88A6E8CC150}"/>
               </a:ext>
             </a:extLst>
           </p:cNvPr>
@@ -9831,7 +9832,7 @@
           <p:cNvPr id="4" name="Title 3">
             <a:extLst>
               <a:ext uri="{FF2B5EF4-FFF2-40B4-BE49-F238E27FC236}">
-                <a16:creationId xmlns:a16="http://schemas.microsoft.com/office/drawing/2014/main" xmlns="" id="{6C1750A8-0A53-40DB-B646-EE267E14322F}"/>
+                <a16:creationId xmlns:a16="http://schemas.microsoft.com/office/drawing/2014/main" id="{6C1750A8-0A53-40DB-B646-EE267E14322F}"/>
               </a:ext>
             </a:extLst>
           </p:cNvPr>
@@ -9853,7 +9854,7 @@
           <a:lstStyle/>
           <a:p>
             <a:r>
-              <a:rPr lang="en-US" dirty="0" smtClean="0"/>
+              <a:rPr lang="en-US" dirty="0"/>
               <a:t>Shipping position</a:t>
             </a:r>
             <a:endParaRPr lang="en-IN" dirty="0"/>
@@ -9865,7 +9866,7 @@
           <p:cNvPr id="3" name="Rectangle 2">
             <a:extLst>
               <a:ext uri="{FF2B5EF4-FFF2-40B4-BE49-F238E27FC236}">
-                <a16:creationId xmlns:a16="http://schemas.microsoft.com/office/drawing/2014/main" xmlns="" id="{DC56F6AA-CC91-42A5-B529-91407EE8CA0B}"/>
+                <a16:creationId xmlns:a16="http://schemas.microsoft.com/office/drawing/2014/main" id="{DC56F6AA-CC91-42A5-B529-91407EE8CA0B}"/>
               </a:ext>
             </a:extLst>
           </p:cNvPr>
@@ -9911,7 +9912,7 @@
           <p:cNvPr id="5" name="Rectangle 4">
             <a:extLst>
               <a:ext uri="{FF2B5EF4-FFF2-40B4-BE49-F238E27FC236}">
-                <a16:creationId xmlns:a16="http://schemas.microsoft.com/office/drawing/2014/main" xmlns="" id="{1AFD8020-F819-48DB-A628-4F914740C5B5}"/>
+                <a16:creationId xmlns:a16="http://schemas.microsoft.com/office/drawing/2014/main" id="{1AFD8020-F819-48DB-A628-4F914740C5B5}"/>
               </a:ext>
             </a:extLst>
           </p:cNvPr>
@@ -9965,7 +9966,7 @@
           <p:cNvPr id="6" name="Rectangle 5">
             <a:extLst>
               <a:ext uri="{FF2B5EF4-FFF2-40B4-BE49-F238E27FC236}">
-                <a16:creationId xmlns:a16="http://schemas.microsoft.com/office/drawing/2014/main" xmlns="" id="{519572F2-77B7-451D-B7B9-E8C4DF760CFE}"/>
+                <a16:creationId xmlns:a16="http://schemas.microsoft.com/office/drawing/2014/main" id="{519572F2-77B7-451D-B7B9-E8C4DF760CFE}"/>
               </a:ext>
             </a:extLst>
           </p:cNvPr>
@@ -10011,7 +10012,7 @@
           <p:cNvPr id="9" name="Straight Connector 8">
             <a:extLst>
               <a:ext uri="{FF2B5EF4-FFF2-40B4-BE49-F238E27FC236}">
-                <a16:creationId xmlns:a16="http://schemas.microsoft.com/office/drawing/2014/main" xmlns="" id="{4C9C328E-BF96-4182-9F0B-C5C11B72F8DE}"/>
+                <a16:creationId xmlns:a16="http://schemas.microsoft.com/office/drawing/2014/main" id="{4C9C328E-BF96-4182-9F0B-C5C11B72F8DE}"/>
               </a:ext>
             </a:extLst>
           </p:cNvPr>
@@ -10052,7 +10053,7 @@
           <p:cNvPr id="13" name="Rectangle 12">
             <a:extLst>
               <a:ext uri="{FF2B5EF4-FFF2-40B4-BE49-F238E27FC236}">
-                <a16:creationId xmlns:a16="http://schemas.microsoft.com/office/drawing/2014/main" xmlns="" id="{323427DF-834D-402D-8EB2-A67EBD08C9DE}"/>
+                <a16:creationId xmlns:a16="http://schemas.microsoft.com/office/drawing/2014/main" id="{323427DF-834D-402D-8EB2-A67EBD08C9DE}"/>
               </a:ext>
             </a:extLst>
           </p:cNvPr>
@@ -10098,7 +10099,7 @@
           <p:cNvPr id="14" name="Rectangle 13">
             <a:extLst>
               <a:ext uri="{FF2B5EF4-FFF2-40B4-BE49-F238E27FC236}">
-                <a16:creationId xmlns:a16="http://schemas.microsoft.com/office/drawing/2014/main" xmlns="" id="{0A6F78A6-5E7B-44BE-8033-86E3CC020CF3}"/>
+                <a16:creationId xmlns:a16="http://schemas.microsoft.com/office/drawing/2014/main" id="{0A6F78A6-5E7B-44BE-8033-86E3CC020CF3}"/>
               </a:ext>
             </a:extLst>
           </p:cNvPr>
@@ -10144,7 +10145,7 @@
           <p:cNvPr id="15" name="Rectangle 14">
             <a:extLst>
               <a:ext uri="{FF2B5EF4-FFF2-40B4-BE49-F238E27FC236}">
-                <a16:creationId xmlns:a16="http://schemas.microsoft.com/office/drawing/2014/main" xmlns="" id="{9F279704-B8F0-4876-B501-EE21DB738F59}"/>
+                <a16:creationId xmlns:a16="http://schemas.microsoft.com/office/drawing/2014/main" id="{9F279704-B8F0-4876-B501-EE21DB738F59}"/>
               </a:ext>
             </a:extLst>
           </p:cNvPr>
@@ -10190,7 +10191,7 @@
           <p:cNvPr id="16" name="Rectangle 15">
             <a:extLst>
               <a:ext uri="{FF2B5EF4-FFF2-40B4-BE49-F238E27FC236}">
-                <a16:creationId xmlns:a16="http://schemas.microsoft.com/office/drawing/2014/main" xmlns="" id="{6ECC4020-0E4E-472A-9357-69CC12C1F305}"/>
+                <a16:creationId xmlns:a16="http://schemas.microsoft.com/office/drawing/2014/main" id="{6ECC4020-0E4E-472A-9357-69CC12C1F305}"/>
               </a:ext>
             </a:extLst>
           </p:cNvPr>
@@ -10236,7 +10237,7 @@
           <p:cNvPr id="17" name="Rectangle 16">
             <a:extLst>
               <a:ext uri="{FF2B5EF4-FFF2-40B4-BE49-F238E27FC236}">
-                <a16:creationId xmlns:a16="http://schemas.microsoft.com/office/drawing/2014/main" xmlns="" id="{34453880-B568-412E-B217-7017AA047B84}"/>
+                <a16:creationId xmlns:a16="http://schemas.microsoft.com/office/drawing/2014/main" id="{34453880-B568-412E-B217-7017AA047B84}"/>
               </a:ext>
             </a:extLst>
           </p:cNvPr>
@@ -10282,7 +10283,7 @@
           <p:cNvPr id="19" name="Oval 18">
             <a:extLst>
               <a:ext uri="{FF2B5EF4-FFF2-40B4-BE49-F238E27FC236}">
-                <a16:creationId xmlns:a16="http://schemas.microsoft.com/office/drawing/2014/main" xmlns="" id="{C865F1AC-443D-44E9-B205-5FD839712B3D}"/>
+                <a16:creationId xmlns:a16="http://schemas.microsoft.com/office/drawing/2014/main" id="{C865F1AC-443D-44E9-B205-5FD839712B3D}"/>
               </a:ext>
             </a:extLst>
           </p:cNvPr>
@@ -10328,7 +10329,7 @@
           <p:cNvPr id="20" name="Straight Connector 19">
             <a:extLst>
               <a:ext uri="{FF2B5EF4-FFF2-40B4-BE49-F238E27FC236}">
-                <a16:creationId xmlns:a16="http://schemas.microsoft.com/office/drawing/2014/main" xmlns="" id="{B1B94C00-5D79-4EF7-B864-00C0FB05A426}"/>
+                <a16:creationId xmlns:a16="http://schemas.microsoft.com/office/drawing/2014/main" id="{B1B94C00-5D79-4EF7-B864-00C0FB05A426}"/>
               </a:ext>
             </a:extLst>
           </p:cNvPr>
@@ -10369,7 +10370,7 @@
           <p:cNvPr id="26" name="Rectangle 25">
             <a:extLst>
               <a:ext uri="{FF2B5EF4-FFF2-40B4-BE49-F238E27FC236}">
-                <a16:creationId xmlns:a16="http://schemas.microsoft.com/office/drawing/2014/main" xmlns="" id="{7346B316-6233-4443-9A36-040D034A6FBF}"/>
+                <a16:creationId xmlns:a16="http://schemas.microsoft.com/office/drawing/2014/main" id="{7346B316-6233-4443-9A36-040D034A6FBF}"/>
               </a:ext>
             </a:extLst>
           </p:cNvPr>
@@ -10423,7 +10424,7 @@
           <p:cNvPr id="27" name="Rectangle 26">
             <a:extLst>
               <a:ext uri="{FF2B5EF4-FFF2-40B4-BE49-F238E27FC236}">
-                <a16:creationId xmlns:a16="http://schemas.microsoft.com/office/drawing/2014/main" xmlns="" id="{A0A6BEE0-8DF4-4797-80DB-7DD4E6A99383}"/>
+                <a16:creationId xmlns:a16="http://schemas.microsoft.com/office/drawing/2014/main" id="{A0A6BEE0-8DF4-4797-80DB-7DD4E6A99383}"/>
               </a:ext>
             </a:extLst>
           </p:cNvPr>
@@ -10469,7 +10470,7 @@
           <p:cNvPr id="28" name="Rectangle 27">
             <a:extLst>
               <a:ext uri="{FF2B5EF4-FFF2-40B4-BE49-F238E27FC236}">
-                <a16:creationId xmlns:a16="http://schemas.microsoft.com/office/drawing/2014/main" xmlns="" id="{14D24A18-E91F-4A40-9FD4-04301BE5E2B4}"/>
+                <a16:creationId xmlns:a16="http://schemas.microsoft.com/office/drawing/2014/main" id="{14D24A18-E91F-4A40-9FD4-04301BE5E2B4}"/>
               </a:ext>
             </a:extLst>
           </p:cNvPr>
@@ -10515,7 +10516,7 @@
           <p:cNvPr id="24" name="Rectangle 23">
             <a:extLst>
               <a:ext uri="{FF2B5EF4-FFF2-40B4-BE49-F238E27FC236}">
-                <a16:creationId xmlns:a16="http://schemas.microsoft.com/office/drawing/2014/main" xmlns="" id="{FAE6EA6D-531A-4F1A-B26C-0EA955C90619}"/>
+                <a16:creationId xmlns:a16="http://schemas.microsoft.com/office/drawing/2014/main" id="{FAE6EA6D-531A-4F1A-B26C-0EA955C90619}"/>
               </a:ext>
             </a:extLst>
           </p:cNvPr>
@@ -10561,7 +10562,7 @@
           <p:cNvPr id="21" name="Rectangle 20">
             <a:extLst>
               <a:ext uri="{FF2B5EF4-FFF2-40B4-BE49-F238E27FC236}">
-                <a16:creationId xmlns:a16="http://schemas.microsoft.com/office/drawing/2014/main" xmlns="" id="{666D8948-3CC0-4080-A06E-30065698753A}"/>
+                <a16:creationId xmlns:a16="http://schemas.microsoft.com/office/drawing/2014/main" id="{666D8948-3CC0-4080-A06E-30065698753A}"/>
               </a:ext>
             </a:extLst>
           </p:cNvPr>
@@ -10607,7 +10608,7 @@
           <p:cNvPr id="22" name="Rectangle 21">
             <a:extLst>
               <a:ext uri="{FF2B5EF4-FFF2-40B4-BE49-F238E27FC236}">
-                <a16:creationId xmlns:a16="http://schemas.microsoft.com/office/drawing/2014/main" xmlns="" id="{648DEC73-0D6B-4A49-8269-4CAD24AD9C86}"/>
+                <a16:creationId xmlns:a16="http://schemas.microsoft.com/office/drawing/2014/main" id="{648DEC73-0D6B-4A49-8269-4CAD24AD9C86}"/>
               </a:ext>
             </a:extLst>
           </p:cNvPr>
@@ -10661,7 +10662,7 @@
           <p:cNvPr id="23" name="Straight Connector 22">
             <a:extLst>
               <a:ext uri="{FF2B5EF4-FFF2-40B4-BE49-F238E27FC236}">
-                <a16:creationId xmlns:a16="http://schemas.microsoft.com/office/drawing/2014/main" xmlns="" id="{D6385C70-B333-4C86-B538-474BC6C16A17}"/>
+                <a16:creationId xmlns:a16="http://schemas.microsoft.com/office/drawing/2014/main" id="{D6385C70-B333-4C86-B538-474BC6C16A17}"/>
               </a:ext>
             </a:extLst>
           </p:cNvPr>
@@ -10732,7 +10733,7 @@
           <p:cNvPr id="2" name="Slide Number Placeholder 1">
             <a:extLst>
               <a:ext uri="{FF2B5EF4-FFF2-40B4-BE49-F238E27FC236}">
-                <a16:creationId xmlns:a16="http://schemas.microsoft.com/office/drawing/2014/main" xmlns="" id="{E2A346D2-342E-4D26-9516-C88A6E8CC150}"/>
+                <a16:creationId xmlns:a16="http://schemas.microsoft.com/office/drawing/2014/main" id="{E2A346D2-342E-4D26-9516-C88A6E8CC150}"/>
               </a:ext>
             </a:extLst>
           </p:cNvPr>
@@ -10761,7 +10762,7 @@
           <p:cNvPr id="4" name="Title 3">
             <a:extLst>
               <a:ext uri="{FF2B5EF4-FFF2-40B4-BE49-F238E27FC236}">
-                <a16:creationId xmlns:a16="http://schemas.microsoft.com/office/drawing/2014/main" xmlns="" id="{6C1750A8-0A53-40DB-B646-EE267E14322F}"/>
+                <a16:creationId xmlns:a16="http://schemas.microsoft.com/office/drawing/2014/main" id="{6C1750A8-0A53-40DB-B646-EE267E14322F}"/>
               </a:ext>
             </a:extLst>
           </p:cNvPr>
@@ -10783,7 +10784,7 @@
           <a:lstStyle/>
           <a:p>
             <a:r>
-              <a:rPr lang="en-US" dirty="0" smtClean="0"/>
+              <a:rPr lang="en-US" dirty="0"/>
               <a:t>Shipping position</a:t>
             </a:r>
             <a:endParaRPr lang="en-IN" dirty="0"/>
@@ -10795,7 +10796,7 @@
           <p:cNvPr id="3" name="Rectangle 2">
             <a:extLst>
               <a:ext uri="{FF2B5EF4-FFF2-40B4-BE49-F238E27FC236}">
-                <a16:creationId xmlns:a16="http://schemas.microsoft.com/office/drawing/2014/main" xmlns="" id="{DC56F6AA-CC91-42A5-B529-91407EE8CA0B}"/>
+                <a16:creationId xmlns:a16="http://schemas.microsoft.com/office/drawing/2014/main" id="{DC56F6AA-CC91-42A5-B529-91407EE8CA0B}"/>
               </a:ext>
             </a:extLst>
           </p:cNvPr>
@@ -10841,7 +10842,7 @@
           <p:cNvPr id="5" name="Rectangle 4">
             <a:extLst>
               <a:ext uri="{FF2B5EF4-FFF2-40B4-BE49-F238E27FC236}">
-                <a16:creationId xmlns:a16="http://schemas.microsoft.com/office/drawing/2014/main" xmlns="" id="{1AFD8020-F819-48DB-A628-4F914740C5B5}"/>
+                <a16:creationId xmlns:a16="http://schemas.microsoft.com/office/drawing/2014/main" id="{1AFD8020-F819-48DB-A628-4F914740C5B5}"/>
               </a:ext>
             </a:extLst>
           </p:cNvPr>
@@ -10895,7 +10896,7 @@
           <p:cNvPr id="6" name="Rectangle 5">
             <a:extLst>
               <a:ext uri="{FF2B5EF4-FFF2-40B4-BE49-F238E27FC236}">
-                <a16:creationId xmlns:a16="http://schemas.microsoft.com/office/drawing/2014/main" xmlns="" id="{519572F2-77B7-451D-B7B9-E8C4DF760CFE}"/>
+                <a16:creationId xmlns:a16="http://schemas.microsoft.com/office/drawing/2014/main" id="{519572F2-77B7-451D-B7B9-E8C4DF760CFE}"/>
               </a:ext>
             </a:extLst>
           </p:cNvPr>
@@ -10941,7 +10942,7 @@
           <p:cNvPr id="9" name="Straight Connector 8">
             <a:extLst>
               <a:ext uri="{FF2B5EF4-FFF2-40B4-BE49-F238E27FC236}">
-                <a16:creationId xmlns:a16="http://schemas.microsoft.com/office/drawing/2014/main" xmlns="" id="{4C9C328E-BF96-4182-9F0B-C5C11B72F8DE}"/>
+                <a16:creationId xmlns:a16="http://schemas.microsoft.com/office/drawing/2014/main" id="{4C9C328E-BF96-4182-9F0B-C5C11B72F8DE}"/>
               </a:ext>
             </a:extLst>
           </p:cNvPr>
@@ -10982,7 +10983,7 @@
           <p:cNvPr id="13" name="Rectangle 12">
             <a:extLst>
               <a:ext uri="{FF2B5EF4-FFF2-40B4-BE49-F238E27FC236}">
-                <a16:creationId xmlns:a16="http://schemas.microsoft.com/office/drawing/2014/main" xmlns="" id="{323427DF-834D-402D-8EB2-A67EBD08C9DE}"/>
+                <a16:creationId xmlns:a16="http://schemas.microsoft.com/office/drawing/2014/main" id="{323427DF-834D-402D-8EB2-A67EBD08C9DE}"/>
               </a:ext>
             </a:extLst>
           </p:cNvPr>
@@ -11028,7 +11029,7 @@
           <p:cNvPr id="14" name="Rectangle 13">
             <a:extLst>
               <a:ext uri="{FF2B5EF4-FFF2-40B4-BE49-F238E27FC236}">
-                <a16:creationId xmlns:a16="http://schemas.microsoft.com/office/drawing/2014/main" xmlns="" id="{0A6F78A6-5E7B-44BE-8033-86E3CC020CF3}"/>
+                <a16:creationId xmlns:a16="http://schemas.microsoft.com/office/drawing/2014/main" id="{0A6F78A6-5E7B-44BE-8033-86E3CC020CF3}"/>
               </a:ext>
             </a:extLst>
           </p:cNvPr>
@@ -11074,7 +11075,7 @@
           <p:cNvPr id="15" name="Rectangle 14">
             <a:extLst>
               <a:ext uri="{FF2B5EF4-FFF2-40B4-BE49-F238E27FC236}">
-                <a16:creationId xmlns:a16="http://schemas.microsoft.com/office/drawing/2014/main" xmlns="" id="{9F279704-B8F0-4876-B501-EE21DB738F59}"/>
+                <a16:creationId xmlns:a16="http://schemas.microsoft.com/office/drawing/2014/main" id="{9F279704-B8F0-4876-B501-EE21DB738F59}"/>
               </a:ext>
             </a:extLst>
           </p:cNvPr>
@@ -11120,7 +11121,7 @@
           <p:cNvPr id="16" name="Rectangle 15">
             <a:extLst>
               <a:ext uri="{FF2B5EF4-FFF2-40B4-BE49-F238E27FC236}">
-                <a16:creationId xmlns:a16="http://schemas.microsoft.com/office/drawing/2014/main" xmlns="" id="{6ECC4020-0E4E-472A-9357-69CC12C1F305}"/>
+                <a16:creationId xmlns:a16="http://schemas.microsoft.com/office/drawing/2014/main" id="{6ECC4020-0E4E-472A-9357-69CC12C1F305}"/>
               </a:ext>
             </a:extLst>
           </p:cNvPr>
@@ -11166,7 +11167,7 @@
           <p:cNvPr id="17" name="Rectangle 16">
             <a:extLst>
               <a:ext uri="{FF2B5EF4-FFF2-40B4-BE49-F238E27FC236}">
-                <a16:creationId xmlns:a16="http://schemas.microsoft.com/office/drawing/2014/main" xmlns="" id="{34453880-B568-412E-B217-7017AA047B84}"/>
+                <a16:creationId xmlns:a16="http://schemas.microsoft.com/office/drawing/2014/main" id="{34453880-B568-412E-B217-7017AA047B84}"/>
               </a:ext>
             </a:extLst>
           </p:cNvPr>
@@ -11212,7 +11213,7 @@
           <p:cNvPr id="19" name="Oval 18">
             <a:extLst>
               <a:ext uri="{FF2B5EF4-FFF2-40B4-BE49-F238E27FC236}">
-                <a16:creationId xmlns:a16="http://schemas.microsoft.com/office/drawing/2014/main" xmlns="" id="{C865F1AC-443D-44E9-B205-5FD839712B3D}"/>
+                <a16:creationId xmlns:a16="http://schemas.microsoft.com/office/drawing/2014/main" id="{C865F1AC-443D-44E9-B205-5FD839712B3D}"/>
               </a:ext>
             </a:extLst>
           </p:cNvPr>
@@ -11258,7 +11259,7 @@
           <p:cNvPr id="20" name="Straight Connector 19">
             <a:extLst>
               <a:ext uri="{FF2B5EF4-FFF2-40B4-BE49-F238E27FC236}">
-                <a16:creationId xmlns:a16="http://schemas.microsoft.com/office/drawing/2014/main" xmlns="" id="{B1B94C00-5D79-4EF7-B864-00C0FB05A426}"/>
+                <a16:creationId xmlns:a16="http://schemas.microsoft.com/office/drawing/2014/main" id="{B1B94C00-5D79-4EF7-B864-00C0FB05A426}"/>
               </a:ext>
             </a:extLst>
           </p:cNvPr>
@@ -11299,7 +11300,7 @@
           <p:cNvPr id="26" name="Rectangle 25">
             <a:extLst>
               <a:ext uri="{FF2B5EF4-FFF2-40B4-BE49-F238E27FC236}">
-                <a16:creationId xmlns:a16="http://schemas.microsoft.com/office/drawing/2014/main" xmlns="" id="{7346B316-6233-4443-9A36-040D034A6FBF}"/>
+                <a16:creationId xmlns:a16="http://schemas.microsoft.com/office/drawing/2014/main" id="{7346B316-6233-4443-9A36-040D034A6FBF}"/>
               </a:ext>
             </a:extLst>
           </p:cNvPr>
@@ -11353,7 +11354,7 @@
           <p:cNvPr id="27" name="Rectangle 26">
             <a:extLst>
               <a:ext uri="{FF2B5EF4-FFF2-40B4-BE49-F238E27FC236}">
-                <a16:creationId xmlns:a16="http://schemas.microsoft.com/office/drawing/2014/main" xmlns="" id="{A0A6BEE0-8DF4-4797-80DB-7DD4E6A99383}"/>
+                <a16:creationId xmlns:a16="http://schemas.microsoft.com/office/drawing/2014/main" id="{A0A6BEE0-8DF4-4797-80DB-7DD4E6A99383}"/>
               </a:ext>
             </a:extLst>
           </p:cNvPr>
@@ -11399,7 +11400,7 @@
           <p:cNvPr id="28" name="Rectangle 27">
             <a:extLst>
               <a:ext uri="{FF2B5EF4-FFF2-40B4-BE49-F238E27FC236}">
-                <a16:creationId xmlns:a16="http://schemas.microsoft.com/office/drawing/2014/main" xmlns="" id="{14D24A18-E91F-4A40-9FD4-04301BE5E2B4}"/>
+                <a16:creationId xmlns:a16="http://schemas.microsoft.com/office/drawing/2014/main" id="{14D24A18-E91F-4A40-9FD4-04301BE5E2B4}"/>
               </a:ext>
             </a:extLst>
           </p:cNvPr>
@@ -11445,7 +11446,7 @@
           <p:cNvPr id="24" name="Rectangle 23">
             <a:extLst>
               <a:ext uri="{FF2B5EF4-FFF2-40B4-BE49-F238E27FC236}">
-                <a16:creationId xmlns:a16="http://schemas.microsoft.com/office/drawing/2014/main" xmlns="" id="{FAE6EA6D-531A-4F1A-B26C-0EA955C90619}"/>
+                <a16:creationId xmlns:a16="http://schemas.microsoft.com/office/drawing/2014/main" id="{FAE6EA6D-531A-4F1A-B26C-0EA955C90619}"/>
               </a:ext>
             </a:extLst>
           </p:cNvPr>
@@ -11491,7 +11492,7 @@
           <p:cNvPr id="21" name="Rectangle 20">
             <a:extLst>
               <a:ext uri="{FF2B5EF4-FFF2-40B4-BE49-F238E27FC236}">
-                <a16:creationId xmlns:a16="http://schemas.microsoft.com/office/drawing/2014/main" xmlns="" id="{666D8948-3CC0-4080-A06E-30065698753A}"/>
+                <a16:creationId xmlns:a16="http://schemas.microsoft.com/office/drawing/2014/main" id="{666D8948-3CC0-4080-A06E-30065698753A}"/>
               </a:ext>
             </a:extLst>
           </p:cNvPr>
@@ -11537,7 +11538,7 @@
           <p:cNvPr id="22" name="Rectangle 21">
             <a:extLst>
               <a:ext uri="{FF2B5EF4-FFF2-40B4-BE49-F238E27FC236}">
-                <a16:creationId xmlns:a16="http://schemas.microsoft.com/office/drawing/2014/main" xmlns="" id="{648DEC73-0D6B-4A49-8269-4CAD24AD9C86}"/>
+                <a16:creationId xmlns:a16="http://schemas.microsoft.com/office/drawing/2014/main" id="{648DEC73-0D6B-4A49-8269-4CAD24AD9C86}"/>
               </a:ext>
             </a:extLst>
           </p:cNvPr>
@@ -11591,7 +11592,7 @@
           <p:cNvPr id="23" name="Straight Connector 22">
             <a:extLst>
               <a:ext uri="{FF2B5EF4-FFF2-40B4-BE49-F238E27FC236}">
-                <a16:creationId xmlns:a16="http://schemas.microsoft.com/office/drawing/2014/main" xmlns="" id="{D6385C70-B333-4C86-B538-474BC6C16A17}"/>
+                <a16:creationId xmlns:a16="http://schemas.microsoft.com/office/drawing/2014/main" id="{D6385C70-B333-4C86-B538-474BC6C16A17}"/>
               </a:ext>
             </a:extLst>
           </p:cNvPr>
@@ -11680,10 +11681,9 @@
           <a:lstStyle/>
           <a:p>
             <a:r>
-              <a:rPr lang="en-US" dirty="0" smtClean="0"/>
+              <a:rPr lang="en-US" dirty="0"/>
               <a:t>SP</a:t>
             </a:r>
-            <a:endParaRPr lang="en-US" dirty="0"/>
           </a:p>
         </p:txBody>
       </p:sp>
@@ -11722,7 +11722,7 @@
           <p:cNvPr id="2" name="Slide Number Placeholder 1">
             <a:extLst>
               <a:ext uri="{FF2B5EF4-FFF2-40B4-BE49-F238E27FC236}">
-                <a16:creationId xmlns:a16="http://schemas.microsoft.com/office/drawing/2014/main" xmlns="" id="{E2A346D2-342E-4D26-9516-C88A6E8CC150}"/>
+                <a16:creationId xmlns:a16="http://schemas.microsoft.com/office/drawing/2014/main" id="{E2A346D2-342E-4D26-9516-C88A6E8CC150}"/>
               </a:ext>
             </a:extLst>
           </p:cNvPr>
@@ -11751,7 +11751,7 @@
           <p:cNvPr id="4" name="Title 3">
             <a:extLst>
               <a:ext uri="{FF2B5EF4-FFF2-40B4-BE49-F238E27FC236}">
-                <a16:creationId xmlns:a16="http://schemas.microsoft.com/office/drawing/2014/main" xmlns="" id="{6C1750A8-0A53-40DB-B646-EE267E14322F}"/>
+                <a16:creationId xmlns:a16="http://schemas.microsoft.com/office/drawing/2014/main" id="{6C1750A8-0A53-40DB-B646-EE267E14322F}"/>
               </a:ext>
             </a:extLst>
           </p:cNvPr>
@@ -11773,7 +11773,7 @@
           <a:lstStyle/>
           <a:p>
             <a:r>
-              <a:rPr lang="en-US" dirty="0" smtClean="0"/>
+              <a:rPr lang="en-US" dirty="0"/>
               <a:t>Shipping position</a:t>
             </a:r>
             <a:endParaRPr lang="en-IN" dirty="0"/>
@@ -11785,7 +11785,7 @@
           <p:cNvPr id="3" name="Rectangle 2">
             <a:extLst>
               <a:ext uri="{FF2B5EF4-FFF2-40B4-BE49-F238E27FC236}">
-                <a16:creationId xmlns:a16="http://schemas.microsoft.com/office/drawing/2014/main" xmlns="" id="{DC56F6AA-CC91-42A5-B529-91407EE8CA0B}"/>
+                <a16:creationId xmlns:a16="http://schemas.microsoft.com/office/drawing/2014/main" id="{DC56F6AA-CC91-42A5-B529-91407EE8CA0B}"/>
               </a:ext>
             </a:extLst>
           </p:cNvPr>
@@ -11831,7 +11831,7 @@
           <p:cNvPr id="5" name="Rectangle 4">
             <a:extLst>
               <a:ext uri="{FF2B5EF4-FFF2-40B4-BE49-F238E27FC236}">
-                <a16:creationId xmlns:a16="http://schemas.microsoft.com/office/drawing/2014/main" xmlns="" id="{1AFD8020-F819-48DB-A628-4F914740C5B5}"/>
+                <a16:creationId xmlns:a16="http://schemas.microsoft.com/office/drawing/2014/main" id="{1AFD8020-F819-48DB-A628-4F914740C5B5}"/>
               </a:ext>
             </a:extLst>
           </p:cNvPr>
@@ -11885,7 +11885,7 @@
           <p:cNvPr id="6" name="Rectangle 5">
             <a:extLst>
               <a:ext uri="{FF2B5EF4-FFF2-40B4-BE49-F238E27FC236}">
-                <a16:creationId xmlns:a16="http://schemas.microsoft.com/office/drawing/2014/main" xmlns="" id="{519572F2-77B7-451D-B7B9-E8C4DF760CFE}"/>
+                <a16:creationId xmlns:a16="http://schemas.microsoft.com/office/drawing/2014/main" id="{519572F2-77B7-451D-B7B9-E8C4DF760CFE}"/>
               </a:ext>
             </a:extLst>
           </p:cNvPr>
@@ -11931,7 +11931,7 @@
           <p:cNvPr id="9" name="Straight Connector 8">
             <a:extLst>
               <a:ext uri="{FF2B5EF4-FFF2-40B4-BE49-F238E27FC236}">
-                <a16:creationId xmlns:a16="http://schemas.microsoft.com/office/drawing/2014/main" xmlns="" id="{4C9C328E-BF96-4182-9F0B-C5C11B72F8DE}"/>
+                <a16:creationId xmlns:a16="http://schemas.microsoft.com/office/drawing/2014/main" id="{4C9C328E-BF96-4182-9F0B-C5C11B72F8DE}"/>
               </a:ext>
             </a:extLst>
           </p:cNvPr>
@@ -11972,7 +11972,7 @@
           <p:cNvPr id="13" name="Rectangle 12">
             <a:extLst>
               <a:ext uri="{FF2B5EF4-FFF2-40B4-BE49-F238E27FC236}">
-                <a16:creationId xmlns:a16="http://schemas.microsoft.com/office/drawing/2014/main" xmlns="" id="{323427DF-834D-402D-8EB2-A67EBD08C9DE}"/>
+                <a16:creationId xmlns:a16="http://schemas.microsoft.com/office/drawing/2014/main" id="{323427DF-834D-402D-8EB2-A67EBD08C9DE}"/>
               </a:ext>
             </a:extLst>
           </p:cNvPr>
@@ -12018,7 +12018,7 @@
           <p:cNvPr id="14" name="Rectangle 13">
             <a:extLst>
               <a:ext uri="{FF2B5EF4-FFF2-40B4-BE49-F238E27FC236}">
-                <a16:creationId xmlns:a16="http://schemas.microsoft.com/office/drawing/2014/main" xmlns="" id="{0A6F78A6-5E7B-44BE-8033-86E3CC020CF3}"/>
+                <a16:creationId xmlns:a16="http://schemas.microsoft.com/office/drawing/2014/main" id="{0A6F78A6-5E7B-44BE-8033-86E3CC020CF3}"/>
               </a:ext>
             </a:extLst>
           </p:cNvPr>
@@ -12064,7 +12064,7 @@
           <p:cNvPr id="15" name="Rectangle 14">
             <a:extLst>
               <a:ext uri="{FF2B5EF4-FFF2-40B4-BE49-F238E27FC236}">
-                <a16:creationId xmlns:a16="http://schemas.microsoft.com/office/drawing/2014/main" xmlns="" id="{9F279704-B8F0-4876-B501-EE21DB738F59}"/>
+                <a16:creationId xmlns:a16="http://schemas.microsoft.com/office/drawing/2014/main" id="{9F279704-B8F0-4876-B501-EE21DB738F59}"/>
               </a:ext>
             </a:extLst>
           </p:cNvPr>
@@ -12110,7 +12110,7 @@
           <p:cNvPr id="16" name="Rectangle 15">
             <a:extLst>
               <a:ext uri="{FF2B5EF4-FFF2-40B4-BE49-F238E27FC236}">
-                <a16:creationId xmlns:a16="http://schemas.microsoft.com/office/drawing/2014/main" xmlns="" id="{6ECC4020-0E4E-472A-9357-69CC12C1F305}"/>
+                <a16:creationId xmlns:a16="http://schemas.microsoft.com/office/drawing/2014/main" id="{6ECC4020-0E4E-472A-9357-69CC12C1F305}"/>
               </a:ext>
             </a:extLst>
           </p:cNvPr>
@@ -12156,7 +12156,7 @@
           <p:cNvPr id="17" name="Rectangle 16">
             <a:extLst>
               <a:ext uri="{FF2B5EF4-FFF2-40B4-BE49-F238E27FC236}">
-                <a16:creationId xmlns:a16="http://schemas.microsoft.com/office/drawing/2014/main" xmlns="" id="{34453880-B568-412E-B217-7017AA047B84}"/>
+                <a16:creationId xmlns:a16="http://schemas.microsoft.com/office/drawing/2014/main" id="{34453880-B568-412E-B217-7017AA047B84}"/>
               </a:ext>
             </a:extLst>
           </p:cNvPr>
@@ -12202,7 +12202,7 @@
           <p:cNvPr id="19" name="Oval 18">
             <a:extLst>
               <a:ext uri="{FF2B5EF4-FFF2-40B4-BE49-F238E27FC236}">
-                <a16:creationId xmlns:a16="http://schemas.microsoft.com/office/drawing/2014/main" xmlns="" id="{C865F1AC-443D-44E9-B205-5FD839712B3D}"/>
+                <a16:creationId xmlns:a16="http://schemas.microsoft.com/office/drawing/2014/main" id="{C865F1AC-443D-44E9-B205-5FD839712B3D}"/>
               </a:ext>
             </a:extLst>
           </p:cNvPr>
@@ -12248,7 +12248,7 @@
           <p:cNvPr id="20" name="Straight Connector 19">
             <a:extLst>
               <a:ext uri="{FF2B5EF4-FFF2-40B4-BE49-F238E27FC236}">
-                <a16:creationId xmlns:a16="http://schemas.microsoft.com/office/drawing/2014/main" xmlns="" id="{B1B94C00-5D79-4EF7-B864-00C0FB05A426}"/>
+                <a16:creationId xmlns:a16="http://schemas.microsoft.com/office/drawing/2014/main" id="{B1B94C00-5D79-4EF7-B864-00C0FB05A426}"/>
               </a:ext>
             </a:extLst>
           </p:cNvPr>
@@ -12289,7 +12289,7 @@
           <p:cNvPr id="26" name="Rectangle 25">
             <a:extLst>
               <a:ext uri="{FF2B5EF4-FFF2-40B4-BE49-F238E27FC236}">
-                <a16:creationId xmlns:a16="http://schemas.microsoft.com/office/drawing/2014/main" xmlns="" id="{7346B316-6233-4443-9A36-040D034A6FBF}"/>
+                <a16:creationId xmlns:a16="http://schemas.microsoft.com/office/drawing/2014/main" id="{7346B316-6233-4443-9A36-040D034A6FBF}"/>
               </a:ext>
             </a:extLst>
           </p:cNvPr>
@@ -12343,7 +12343,7 @@
           <p:cNvPr id="27" name="Rectangle 26">
             <a:extLst>
               <a:ext uri="{FF2B5EF4-FFF2-40B4-BE49-F238E27FC236}">
-                <a16:creationId xmlns:a16="http://schemas.microsoft.com/office/drawing/2014/main" xmlns="" id="{A0A6BEE0-8DF4-4797-80DB-7DD4E6A99383}"/>
+                <a16:creationId xmlns:a16="http://schemas.microsoft.com/office/drawing/2014/main" id="{A0A6BEE0-8DF4-4797-80DB-7DD4E6A99383}"/>
               </a:ext>
             </a:extLst>
           </p:cNvPr>
@@ -12389,7 +12389,7 @@
           <p:cNvPr id="28" name="Rectangle 27">
             <a:extLst>
               <a:ext uri="{FF2B5EF4-FFF2-40B4-BE49-F238E27FC236}">
-                <a16:creationId xmlns:a16="http://schemas.microsoft.com/office/drawing/2014/main" xmlns="" id="{14D24A18-E91F-4A40-9FD4-04301BE5E2B4}"/>
+                <a16:creationId xmlns:a16="http://schemas.microsoft.com/office/drawing/2014/main" id="{14D24A18-E91F-4A40-9FD4-04301BE5E2B4}"/>
               </a:ext>
             </a:extLst>
           </p:cNvPr>
@@ -12435,7 +12435,7 @@
           <p:cNvPr id="24" name="Rectangle 23">
             <a:extLst>
               <a:ext uri="{FF2B5EF4-FFF2-40B4-BE49-F238E27FC236}">
-                <a16:creationId xmlns:a16="http://schemas.microsoft.com/office/drawing/2014/main" xmlns="" id="{FAE6EA6D-531A-4F1A-B26C-0EA955C90619}"/>
+                <a16:creationId xmlns:a16="http://schemas.microsoft.com/office/drawing/2014/main" id="{FAE6EA6D-531A-4F1A-B26C-0EA955C90619}"/>
               </a:ext>
             </a:extLst>
           </p:cNvPr>
@@ -12481,7 +12481,7 @@
           <p:cNvPr id="21" name="Rectangle 20">
             <a:extLst>
               <a:ext uri="{FF2B5EF4-FFF2-40B4-BE49-F238E27FC236}">
-                <a16:creationId xmlns:a16="http://schemas.microsoft.com/office/drawing/2014/main" xmlns="" id="{666D8948-3CC0-4080-A06E-30065698753A}"/>
+                <a16:creationId xmlns:a16="http://schemas.microsoft.com/office/drawing/2014/main" id="{666D8948-3CC0-4080-A06E-30065698753A}"/>
               </a:ext>
             </a:extLst>
           </p:cNvPr>
@@ -12527,7 +12527,7 @@
           <p:cNvPr id="22" name="Rectangle 21">
             <a:extLst>
               <a:ext uri="{FF2B5EF4-FFF2-40B4-BE49-F238E27FC236}">
-                <a16:creationId xmlns:a16="http://schemas.microsoft.com/office/drawing/2014/main" xmlns="" id="{648DEC73-0D6B-4A49-8269-4CAD24AD9C86}"/>
+                <a16:creationId xmlns:a16="http://schemas.microsoft.com/office/drawing/2014/main" id="{648DEC73-0D6B-4A49-8269-4CAD24AD9C86}"/>
               </a:ext>
             </a:extLst>
           </p:cNvPr>
@@ -12581,7 +12581,7 @@
           <p:cNvPr id="23" name="Straight Connector 22">
             <a:extLst>
               <a:ext uri="{FF2B5EF4-FFF2-40B4-BE49-F238E27FC236}">
-                <a16:creationId xmlns:a16="http://schemas.microsoft.com/office/drawing/2014/main" xmlns="" id="{D6385C70-B333-4C86-B538-474BC6C16A17}"/>
+                <a16:creationId xmlns:a16="http://schemas.microsoft.com/office/drawing/2014/main" id="{D6385C70-B333-4C86-B538-474BC6C16A17}"/>
               </a:ext>
             </a:extLst>
           </p:cNvPr>
@@ -12670,10 +12670,9 @@
           <a:lstStyle/>
           <a:p>
             <a:r>
-              <a:rPr lang="en-US" dirty="0" smtClean="0"/>
+              <a:rPr lang="en-US" dirty="0"/>
               <a:t>SP</a:t>
             </a:r>
-            <a:endParaRPr lang="en-US" dirty="0"/>
           </a:p>
         </p:txBody>
       </p:sp>
@@ -12963,7 +12962,7 @@
           <p:cNvPr id="2" name="Slide Number Placeholder 1">
             <a:extLst>
               <a:ext uri="{FF2B5EF4-FFF2-40B4-BE49-F238E27FC236}">
-                <a16:creationId xmlns:a16="http://schemas.microsoft.com/office/drawing/2014/main" xmlns="" id="{E2A346D2-342E-4D26-9516-C88A6E8CC150}"/>
+                <a16:creationId xmlns:a16="http://schemas.microsoft.com/office/drawing/2014/main" id="{E2A346D2-342E-4D26-9516-C88A6E8CC150}"/>
               </a:ext>
             </a:extLst>
           </p:cNvPr>
@@ -12992,7 +12991,7 @@
           <p:cNvPr id="4" name="Title 3">
             <a:extLst>
               <a:ext uri="{FF2B5EF4-FFF2-40B4-BE49-F238E27FC236}">
-                <a16:creationId xmlns:a16="http://schemas.microsoft.com/office/drawing/2014/main" xmlns="" id="{6C1750A8-0A53-40DB-B646-EE267E14322F}"/>
+                <a16:creationId xmlns:a16="http://schemas.microsoft.com/office/drawing/2014/main" id="{6C1750A8-0A53-40DB-B646-EE267E14322F}"/>
               </a:ext>
             </a:extLst>
           </p:cNvPr>
@@ -13026,7 +13025,7 @@
           <p:cNvPr id="3" name="Rectangle 2">
             <a:extLst>
               <a:ext uri="{FF2B5EF4-FFF2-40B4-BE49-F238E27FC236}">
-                <a16:creationId xmlns:a16="http://schemas.microsoft.com/office/drawing/2014/main" xmlns="" id="{DC56F6AA-CC91-42A5-B529-91407EE8CA0B}"/>
+                <a16:creationId xmlns:a16="http://schemas.microsoft.com/office/drawing/2014/main" id="{DC56F6AA-CC91-42A5-B529-91407EE8CA0B}"/>
               </a:ext>
             </a:extLst>
           </p:cNvPr>
@@ -13072,7 +13071,7 @@
           <p:cNvPr id="5" name="Rectangle 4">
             <a:extLst>
               <a:ext uri="{FF2B5EF4-FFF2-40B4-BE49-F238E27FC236}">
-                <a16:creationId xmlns:a16="http://schemas.microsoft.com/office/drawing/2014/main" xmlns="" id="{1AFD8020-F819-48DB-A628-4F914740C5B5}"/>
+                <a16:creationId xmlns:a16="http://schemas.microsoft.com/office/drawing/2014/main" id="{1AFD8020-F819-48DB-A628-4F914740C5B5}"/>
               </a:ext>
             </a:extLst>
           </p:cNvPr>
@@ -13126,7 +13125,7 @@
           <p:cNvPr id="6" name="Rectangle 5">
             <a:extLst>
               <a:ext uri="{FF2B5EF4-FFF2-40B4-BE49-F238E27FC236}">
-                <a16:creationId xmlns:a16="http://schemas.microsoft.com/office/drawing/2014/main" xmlns="" id="{519572F2-77B7-451D-B7B9-E8C4DF760CFE}"/>
+                <a16:creationId xmlns:a16="http://schemas.microsoft.com/office/drawing/2014/main" id="{519572F2-77B7-451D-B7B9-E8C4DF760CFE}"/>
               </a:ext>
             </a:extLst>
           </p:cNvPr>
@@ -13172,7 +13171,7 @@
           <p:cNvPr id="9" name="Straight Connector 8">
             <a:extLst>
               <a:ext uri="{FF2B5EF4-FFF2-40B4-BE49-F238E27FC236}">
-                <a16:creationId xmlns:a16="http://schemas.microsoft.com/office/drawing/2014/main" xmlns="" id="{4C9C328E-BF96-4182-9F0B-C5C11B72F8DE}"/>
+                <a16:creationId xmlns:a16="http://schemas.microsoft.com/office/drawing/2014/main" id="{4C9C328E-BF96-4182-9F0B-C5C11B72F8DE}"/>
               </a:ext>
             </a:extLst>
           </p:cNvPr>
@@ -13213,7 +13212,7 @@
           <p:cNvPr id="13" name="Rectangle 12">
             <a:extLst>
               <a:ext uri="{FF2B5EF4-FFF2-40B4-BE49-F238E27FC236}">
-                <a16:creationId xmlns:a16="http://schemas.microsoft.com/office/drawing/2014/main" xmlns="" id="{323427DF-834D-402D-8EB2-A67EBD08C9DE}"/>
+                <a16:creationId xmlns:a16="http://schemas.microsoft.com/office/drawing/2014/main" id="{323427DF-834D-402D-8EB2-A67EBD08C9DE}"/>
               </a:ext>
             </a:extLst>
           </p:cNvPr>
@@ -13259,7 +13258,7 @@
           <p:cNvPr id="14" name="Rectangle 13">
             <a:extLst>
               <a:ext uri="{FF2B5EF4-FFF2-40B4-BE49-F238E27FC236}">
-                <a16:creationId xmlns:a16="http://schemas.microsoft.com/office/drawing/2014/main" xmlns="" id="{0A6F78A6-5E7B-44BE-8033-86E3CC020CF3}"/>
+                <a16:creationId xmlns:a16="http://schemas.microsoft.com/office/drawing/2014/main" id="{0A6F78A6-5E7B-44BE-8033-86E3CC020CF3}"/>
               </a:ext>
             </a:extLst>
           </p:cNvPr>
@@ -13305,7 +13304,7 @@
           <p:cNvPr id="15" name="Rectangle 14">
             <a:extLst>
               <a:ext uri="{FF2B5EF4-FFF2-40B4-BE49-F238E27FC236}">
-                <a16:creationId xmlns:a16="http://schemas.microsoft.com/office/drawing/2014/main" xmlns="" id="{9F279704-B8F0-4876-B501-EE21DB738F59}"/>
+                <a16:creationId xmlns:a16="http://schemas.microsoft.com/office/drawing/2014/main" id="{9F279704-B8F0-4876-B501-EE21DB738F59}"/>
               </a:ext>
             </a:extLst>
           </p:cNvPr>
@@ -13351,7 +13350,7 @@
           <p:cNvPr id="16" name="Rectangle 15">
             <a:extLst>
               <a:ext uri="{FF2B5EF4-FFF2-40B4-BE49-F238E27FC236}">
-                <a16:creationId xmlns:a16="http://schemas.microsoft.com/office/drawing/2014/main" xmlns="" id="{6ECC4020-0E4E-472A-9357-69CC12C1F305}"/>
+                <a16:creationId xmlns:a16="http://schemas.microsoft.com/office/drawing/2014/main" id="{6ECC4020-0E4E-472A-9357-69CC12C1F305}"/>
               </a:ext>
             </a:extLst>
           </p:cNvPr>
@@ -13397,7 +13396,7 @@
           <p:cNvPr id="17" name="Rectangle 16">
             <a:extLst>
               <a:ext uri="{FF2B5EF4-FFF2-40B4-BE49-F238E27FC236}">
-                <a16:creationId xmlns:a16="http://schemas.microsoft.com/office/drawing/2014/main" xmlns="" id="{34453880-B568-412E-B217-7017AA047B84}"/>
+                <a16:creationId xmlns:a16="http://schemas.microsoft.com/office/drawing/2014/main" id="{34453880-B568-412E-B217-7017AA047B84}"/>
               </a:ext>
             </a:extLst>
           </p:cNvPr>
@@ -13443,7 +13442,7 @@
           <p:cNvPr id="19" name="Oval 18">
             <a:extLst>
               <a:ext uri="{FF2B5EF4-FFF2-40B4-BE49-F238E27FC236}">
-                <a16:creationId xmlns:a16="http://schemas.microsoft.com/office/drawing/2014/main" xmlns="" id="{C865F1AC-443D-44E9-B205-5FD839712B3D}"/>
+                <a16:creationId xmlns:a16="http://schemas.microsoft.com/office/drawing/2014/main" id="{C865F1AC-443D-44E9-B205-5FD839712B3D}"/>
               </a:ext>
             </a:extLst>
           </p:cNvPr>
@@ -13489,7 +13488,7 @@
           <p:cNvPr id="20" name="Straight Connector 19">
             <a:extLst>
               <a:ext uri="{FF2B5EF4-FFF2-40B4-BE49-F238E27FC236}">
-                <a16:creationId xmlns:a16="http://schemas.microsoft.com/office/drawing/2014/main" xmlns="" id="{B1B94C00-5D79-4EF7-B864-00C0FB05A426}"/>
+                <a16:creationId xmlns:a16="http://schemas.microsoft.com/office/drawing/2014/main" id="{B1B94C00-5D79-4EF7-B864-00C0FB05A426}"/>
               </a:ext>
             </a:extLst>
           </p:cNvPr>
@@ -13530,7 +13529,7 @@
           <p:cNvPr id="26" name="Rectangle 25">
             <a:extLst>
               <a:ext uri="{FF2B5EF4-FFF2-40B4-BE49-F238E27FC236}">
-                <a16:creationId xmlns:a16="http://schemas.microsoft.com/office/drawing/2014/main" xmlns="" id="{7346B316-6233-4443-9A36-040D034A6FBF}"/>
+                <a16:creationId xmlns:a16="http://schemas.microsoft.com/office/drawing/2014/main" id="{7346B316-6233-4443-9A36-040D034A6FBF}"/>
               </a:ext>
             </a:extLst>
           </p:cNvPr>
@@ -13584,7 +13583,7 @@
           <p:cNvPr id="27" name="Rectangle 26">
             <a:extLst>
               <a:ext uri="{FF2B5EF4-FFF2-40B4-BE49-F238E27FC236}">
-                <a16:creationId xmlns:a16="http://schemas.microsoft.com/office/drawing/2014/main" xmlns="" id="{A0A6BEE0-8DF4-4797-80DB-7DD4E6A99383}"/>
+                <a16:creationId xmlns:a16="http://schemas.microsoft.com/office/drawing/2014/main" id="{A0A6BEE0-8DF4-4797-80DB-7DD4E6A99383}"/>
               </a:ext>
             </a:extLst>
           </p:cNvPr>
@@ -13630,7 +13629,7 @@
           <p:cNvPr id="28" name="Rectangle 27">
             <a:extLst>
               <a:ext uri="{FF2B5EF4-FFF2-40B4-BE49-F238E27FC236}">
-                <a16:creationId xmlns:a16="http://schemas.microsoft.com/office/drawing/2014/main" xmlns="" id="{14D24A18-E91F-4A40-9FD4-04301BE5E2B4}"/>
+                <a16:creationId xmlns:a16="http://schemas.microsoft.com/office/drawing/2014/main" id="{14D24A18-E91F-4A40-9FD4-04301BE5E2B4}"/>
               </a:ext>
             </a:extLst>
           </p:cNvPr>
@@ -13676,7 +13675,7 @@
           <p:cNvPr id="24" name="Rectangle 23">
             <a:extLst>
               <a:ext uri="{FF2B5EF4-FFF2-40B4-BE49-F238E27FC236}">
-                <a16:creationId xmlns:a16="http://schemas.microsoft.com/office/drawing/2014/main" xmlns="" id="{FAE6EA6D-531A-4F1A-B26C-0EA955C90619}"/>
+                <a16:creationId xmlns:a16="http://schemas.microsoft.com/office/drawing/2014/main" id="{FAE6EA6D-531A-4F1A-B26C-0EA955C90619}"/>
               </a:ext>
             </a:extLst>
           </p:cNvPr>
@@ -13722,7 +13721,7 @@
           <p:cNvPr id="21" name="Rectangle 20">
             <a:extLst>
               <a:ext uri="{FF2B5EF4-FFF2-40B4-BE49-F238E27FC236}">
-                <a16:creationId xmlns:a16="http://schemas.microsoft.com/office/drawing/2014/main" xmlns="" id="{666D8948-3CC0-4080-A06E-30065698753A}"/>
+                <a16:creationId xmlns:a16="http://schemas.microsoft.com/office/drawing/2014/main" id="{666D8948-3CC0-4080-A06E-30065698753A}"/>
               </a:ext>
             </a:extLst>
           </p:cNvPr>
@@ -13768,7 +13767,7 @@
           <p:cNvPr id="22" name="Rectangle 21">
             <a:extLst>
               <a:ext uri="{FF2B5EF4-FFF2-40B4-BE49-F238E27FC236}">
-                <a16:creationId xmlns:a16="http://schemas.microsoft.com/office/drawing/2014/main" xmlns="" id="{648DEC73-0D6B-4A49-8269-4CAD24AD9C86}"/>
+                <a16:creationId xmlns:a16="http://schemas.microsoft.com/office/drawing/2014/main" id="{648DEC73-0D6B-4A49-8269-4CAD24AD9C86}"/>
               </a:ext>
             </a:extLst>
           </p:cNvPr>
@@ -13822,7 +13821,7 @@
           <p:cNvPr id="23" name="Straight Connector 22">
             <a:extLst>
               <a:ext uri="{FF2B5EF4-FFF2-40B4-BE49-F238E27FC236}">
-                <a16:creationId xmlns:a16="http://schemas.microsoft.com/office/drawing/2014/main" xmlns="" id="{D6385C70-B333-4C86-B538-474BC6C16A17}"/>
+                <a16:creationId xmlns:a16="http://schemas.microsoft.com/office/drawing/2014/main" id="{D6385C70-B333-4C86-B538-474BC6C16A17}"/>
               </a:ext>
             </a:extLst>
           </p:cNvPr>
@@ -13893,7 +13892,7 @@
           <p:cNvPr id="2" name="Slide Number Placeholder 1">
             <a:extLst>
               <a:ext uri="{FF2B5EF4-FFF2-40B4-BE49-F238E27FC236}">
-                <a16:creationId xmlns:a16="http://schemas.microsoft.com/office/drawing/2014/main" xmlns="" id="{E2A346D2-342E-4D26-9516-C88A6E8CC150}"/>
+                <a16:creationId xmlns:a16="http://schemas.microsoft.com/office/drawing/2014/main" id="{E2A346D2-342E-4D26-9516-C88A6E8CC150}"/>
               </a:ext>
             </a:extLst>
           </p:cNvPr>
@@ -13922,7 +13921,7 @@
           <p:cNvPr id="4" name="Title 3">
             <a:extLst>
               <a:ext uri="{FF2B5EF4-FFF2-40B4-BE49-F238E27FC236}">
-                <a16:creationId xmlns:a16="http://schemas.microsoft.com/office/drawing/2014/main" xmlns="" id="{6C1750A8-0A53-40DB-B646-EE267E14322F}"/>
+                <a16:creationId xmlns:a16="http://schemas.microsoft.com/office/drawing/2014/main" id="{6C1750A8-0A53-40DB-B646-EE267E14322F}"/>
               </a:ext>
             </a:extLst>
           </p:cNvPr>
@@ -13956,7 +13955,7 @@
           <p:cNvPr id="3" name="Rectangle 2">
             <a:extLst>
               <a:ext uri="{FF2B5EF4-FFF2-40B4-BE49-F238E27FC236}">
-                <a16:creationId xmlns:a16="http://schemas.microsoft.com/office/drawing/2014/main" xmlns="" id="{DC56F6AA-CC91-42A5-B529-91407EE8CA0B}"/>
+                <a16:creationId xmlns:a16="http://schemas.microsoft.com/office/drawing/2014/main" id="{DC56F6AA-CC91-42A5-B529-91407EE8CA0B}"/>
               </a:ext>
             </a:extLst>
           </p:cNvPr>
@@ -14002,7 +14001,7 @@
           <p:cNvPr id="5" name="Rectangle 4">
             <a:extLst>
               <a:ext uri="{FF2B5EF4-FFF2-40B4-BE49-F238E27FC236}">
-                <a16:creationId xmlns:a16="http://schemas.microsoft.com/office/drawing/2014/main" xmlns="" id="{1AFD8020-F819-48DB-A628-4F914740C5B5}"/>
+                <a16:creationId xmlns:a16="http://schemas.microsoft.com/office/drawing/2014/main" id="{1AFD8020-F819-48DB-A628-4F914740C5B5}"/>
               </a:ext>
             </a:extLst>
           </p:cNvPr>
@@ -14056,7 +14055,7 @@
           <p:cNvPr id="6" name="Rectangle 5">
             <a:extLst>
               <a:ext uri="{FF2B5EF4-FFF2-40B4-BE49-F238E27FC236}">
-                <a16:creationId xmlns:a16="http://schemas.microsoft.com/office/drawing/2014/main" xmlns="" id="{519572F2-77B7-451D-B7B9-E8C4DF760CFE}"/>
+                <a16:creationId xmlns:a16="http://schemas.microsoft.com/office/drawing/2014/main" id="{519572F2-77B7-451D-B7B9-E8C4DF760CFE}"/>
               </a:ext>
             </a:extLst>
           </p:cNvPr>
@@ -14102,7 +14101,7 @@
           <p:cNvPr id="9" name="Straight Connector 8">
             <a:extLst>
               <a:ext uri="{FF2B5EF4-FFF2-40B4-BE49-F238E27FC236}">
-                <a16:creationId xmlns:a16="http://schemas.microsoft.com/office/drawing/2014/main" xmlns="" id="{4C9C328E-BF96-4182-9F0B-C5C11B72F8DE}"/>
+                <a16:creationId xmlns:a16="http://schemas.microsoft.com/office/drawing/2014/main" id="{4C9C328E-BF96-4182-9F0B-C5C11B72F8DE}"/>
               </a:ext>
             </a:extLst>
           </p:cNvPr>
@@ -14143,7 +14142,7 @@
           <p:cNvPr id="13" name="Rectangle 12">
             <a:extLst>
               <a:ext uri="{FF2B5EF4-FFF2-40B4-BE49-F238E27FC236}">
-                <a16:creationId xmlns:a16="http://schemas.microsoft.com/office/drawing/2014/main" xmlns="" id="{323427DF-834D-402D-8EB2-A67EBD08C9DE}"/>
+                <a16:creationId xmlns:a16="http://schemas.microsoft.com/office/drawing/2014/main" id="{323427DF-834D-402D-8EB2-A67EBD08C9DE}"/>
               </a:ext>
             </a:extLst>
           </p:cNvPr>
@@ -14189,7 +14188,7 @@
           <p:cNvPr id="14" name="Rectangle 13">
             <a:extLst>
               <a:ext uri="{FF2B5EF4-FFF2-40B4-BE49-F238E27FC236}">
-                <a16:creationId xmlns:a16="http://schemas.microsoft.com/office/drawing/2014/main" xmlns="" id="{0A6F78A6-5E7B-44BE-8033-86E3CC020CF3}"/>
+                <a16:creationId xmlns:a16="http://schemas.microsoft.com/office/drawing/2014/main" id="{0A6F78A6-5E7B-44BE-8033-86E3CC020CF3}"/>
               </a:ext>
             </a:extLst>
           </p:cNvPr>
@@ -14235,7 +14234,7 @@
           <p:cNvPr id="15" name="Rectangle 14">
             <a:extLst>
               <a:ext uri="{FF2B5EF4-FFF2-40B4-BE49-F238E27FC236}">
-                <a16:creationId xmlns:a16="http://schemas.microsoft.com/office/drawing/2014/main" xmlns="" id="{9F279704-B8F0-4876-B501-EE21DB738F59}"/>
+                <a16:creationId xmlns:a16="http://schemas.microsoft.com/office/drawing/2014/main" id="{9F279704-B8F0-4876-B501-EE21DB738F59}"/>
               </a:ext>
             </a:extLst>
           </p:cNvPr>
@@ -14281,7 +14280,7 @@
           <p:cNvPr id="16" name="Rectangle 15">
             <a:extLst>
               <a:ext uri="{FF2B5EF4-FFF2-40B4-BE49-F238E27FC236}">
-                <a16:creationId xmlns:a16="http://schemas.microsoft.com/office/drawing/2014/main" xmlns="" id="{6ECC4020-0E4E-472A-9357-69CC12C1F305}"/>
+                <a16:creationId xmlns:a16="http://schemas.microsoft.com/office/drawing/2014/main" id="{6ECC4020-0E4E-472A-9357-69CC12C1F305}"/>
               </a:ext>
             </a:extLst>
           </p:cNvPr>
@@ -14327,7 +14326,7 @@
           <p:cNvPr id="17" name="Rectangle 16">
             <a:extLst>
               <a:ext uri="{FF2B5EF4-FFF2-40B4-BE49-F238E27FC236}">
-                <a16:creationId xmlns:a16="http://schemas.microsoft.com/office/drawing/2014/main" xmlns="" id="{34453880-B568-412E-B217-7017AA047B84}"/>
+                <a16:creationId xmlns:a16="http://schemas.microsoft.com/office/drawing/2014/main" id="{34453880-B568-412E-B217-7017AA047B84}"/>
               </a:ext>
             </a:extLst>
           </p:cNvPr>
@@ -14373,7 +14372,7 @@
           <p:cNvPr id="19" name="Oval 18">
             <a:extLst>
               <a:ext uri="{FF2B5EF4-FFF2-40B4-BE49-F238E27FC236}">
-                <a16:creationId xmlns:a16="http://schemas.microsoft.com/office/drawing/2014/main" xmlns="" id="{C865F1AC-443D-44E9-B205-5FD839712B3D}"/>
+                <a16:creationId xmlns:a16="http://schemas.microsoft.com/office/drawing/2014/main" id="{C865F1AC-443D-44E9-B205-5FD839712B3D}"/>
               </a:ext>
             </a:extLst>
           </p:cNvPr>
@@ -14419,7 +14418,7 @@
           <p:cNvPr id="20" name="Straight Connector 19">
             <a:extLst>
               <a:ext uri="{FF2B5EF4-FFF2-40B4-BE49-F238E27FC236}">
-                <a16:creationId xmlns:a16="http://schemas.microsoft.com/office/drawing/2014/main" xmlns="" id="{B1B94C00-5D79-4EF7-B864-00C0FB05A426}"/>
+                <a16:creationId xmlns:a16="http://schemas.microsoft.com/office/drawing/2014/main" id="{B1B94C00-5D79-4EF7-B864-00C0FB05A426}"/>
               </a:ext>
             </a:extLst>
           </p:cNvPr>
@@ -14460,7 +14459,7 @@
           <p:cNvPr id="26" name="Rectangle 25">
             <a:extLst>
               <a:ext uri="{FF2B5EF4-FFF2-40B4-BE49-F238E27FC236}">
-                <a16:creationId xmlns:a16="http://schemas.microsoft.com/office/drawing/2014/main" xmlns="" id="{7346B316-6233-4443-9A36-040D034A6FBF}"/>
+                <a16:creationId xmlns:a16="http://schemas.microsoft.com/office/drawing/2014/main" id="{7346B316-6233-4443-9A36-040D034A6FBF}"/>
               </a:ext>
             </a:extLst>
           </p:cNvPr>
@@ -14514,7 +14513,7 @@
           <p:cNvPr id="27" name="Rectangle 26">
             <a:extLst>
               <a:ext uri="{FF2B5EF4-FFF2-40B4-BE49-F238E27FC236}">
-                <a16:creationId xmlns:a16="http://schemas.microsoft.com/office/drawing/2014/main" xmlns="" id="{A0A6BEE0-8DF4-4797-80DB-7DD4E6A99383}"/>
+                <a16:creationId xmlns:a16="http://schemas.microsoft.com/office/drawing/2014/main" id="{A0A6BEE0-8DF4-4797-80DB-7DD4E6A99383}"/>
               </a:ext>
             </a:extLst>
           </p:cNvPr>
@@ -14560,7 +14559,7 @@
           <p:cNvPr id="28" name="Rectangle 27">
             <a:extLst>
               <a:ext uri="{FF2B5EF4-FFF2-40B4-BE49-F238E27FC236}">
-                <a16:creationId xmlns:a16="http://schemas.microsoft.com/office/drawing/2014/main" xmlns="" id="{14D24A18-E91F-4A40-9FD4-04301BE5E2B4}"/>
+                <a16:creationId xmlns:a16="http://schemas.microsoft.com/office/drawing/2014/main" id="{14D24A18-E91F-4A40-9FD4-04301BE5E2B4}"/>
               </a:ext>
             </a:extLst>
           </p:cNvPr>
@@ -14606,7 +14605,7 @@
           <p:cNvPr id="24" name="Rectangle 23">
             <a:extLst>
               <a:ext uri="{FF2B5EF4-FFF2-40B4-BE49-F238E27FC236}">
-                <a16:creationId xmlns:a16="http://schemas.microsoft.com/office/drawing/2014/main" xmlns="" id="{FAE6EA6D-531A-4F1A-B26C-0EA955C90619}"/>
+                <a16:creationId xmlns:a16="http://schemas.microsoft.com/office/drawing/2014/main" id="{FAE6EA6D-531A-4F1A-B26C-0EA955C90619}"/>
               </a:ext>
             </a:extLst>
           </p:cNvPr>
@@ -14652,7 +14651,7 @@
           <p:cNvPr id="21" name="Rectangle 20">
             <a:extLst>
               <a:ext uri="{FF2B5EF4-FFF2-40B4-BE49-F238E27FC236}">
-                <a16:creationId xmlns:a16="http://schemas.microsoft.com/office/drawing/2014/main" xmlns="" id="{666D8948-3CC0-4080-A06E-30065698753A}"/>
+                <a16:creationId xmlns:a16="http://schemas.microsoft.com/office/drawing/2014/main" id="{666D8948-3CC0-4080-A06E-30065698753A}"/>
               </a:ext>
             </a:extLst>
           </p:cNvPr>
@@ -14698,7 +14697,7 @@
           <p:cNvPr id="22" name="Rectangle 21">
             <a:extLst>
               <a:ext uri="{FF2B5EF4-FFF2-40B4-BE49-F238E27FC236}">
-                <a16:creationId xmlns:a16="http://schemas.microsoft.com/office/drawing/2014/main" xmlns="" id="{648DEC73-0D6B-4A49-8269-4CAD24AD9C86}"/>
+                <a16:creationId xmlns:a16="http://schemas.microsoft.com/office/drawing/2014/main" id="{648DEC73-0D6B-4A49-8269-4CAD24AD9C86}"/>
               </a:ext>
             </a:extLst>
           </p:cNvPr>
@@ -14752,7 +14751,7 @@
           <p:cNvPr id="23" name="Straight Connector 22">
             <a:extLst>
               <a:ext uri="{FF2B5EF4-FFF2-40B4-BE49-F238E27FC236}">
-                <a16:creationId xmlns:a16="http://schemas.microsoft.com/office/drawing/2014/main" xmlns="" id="{D6385C70-B333-4C86-B538-474BC6C16A17}"/>
+                <a16:creationId xmlns:a16="http://schemas.microsoft.com/office/drawing/2014/main" id="{D6385C70-B333-4C86-B538-474BC6C16A17}"/>
               </a:ext>
             </a:extLst>
           </p:cNvPr>
@@ -14823,7 +14822,7 @@
           <p:cNvPr id="2" name="Slide Number Placeholder 1">
             <a:extLst>
               <a:ext uri="{FF2B5EF4-FFF2-40B4-BE49-F238E27FC236}">
-                <a16:creationId xmlns:a16="http://schemas.microsoft.com/office/drawing/2014/main" xmlns="" id="{E2A346D2-342E-4D26-9516-C88A6E8CC150}"/>
+                <a16:creationId xmlns:a16="http://schemas.microsoft.com/office/drawing/2014/main" id="{E2A346D2-342E-4D26-9516-C88A6E8CC150}"/>
               </a:ext>
             </a:extLst>
           </p:cNvPr>
@@ -14852,7 +14851,7 @@
           <p:cNvPr id="4" name="Title 3">
             <a:extLst>
               <a:ext uri="{FF2B5EF4-FFF2-40B4-BE49-F238E27FC236}">
-                <a16:creationId xmlns:a16="http://schemas.microsoft.com/office/drawing/2014/main" xmlns="" id="{6C1750A8-0A53-40DB-B646-EE267E14322F}"/>
+                <a16:creationId xmlns:a16="http://schemas.microsoft.com/office/drawing/2014/main" id="{6C1750A8-0A53-40DB-B646-EE267E14322F}"/>
               </a:ext>
             </a:extLst>
           </p:cNvPr>
@@ -14886,7 +14885,7 @@
           <p:cNvPr id="3" name="Rectangle 2">
             <a:extLst>
               <a:ext uri="{FF2B5EF4-FFF2-40B4-BE49-F238E27FC236}">
-                <a16:creationId xmlns:a16="http://schemas.microsoft.com/office/drawing/2014/main" xmlns="" id="{DC56F6AA-CC91-42A5-B529-91407EE8CA0B}"/>
+                <a16:creationId xmlns:a16="http://schemas.microsoft.com/office/drawing/2014/main" id="{DC56F6AA-CC91-42A5-B529-91407EE8CA0B}"/>
               </a:ext>
             </a:extLst>
           </p:cNvPr>
@@ -14932,7 +14931,7 @@
           <p:cNvPr id="5" name="Rectangle 4">
             <a:extLst>
               <a:ext uri="{FF2B5EF4-FFF2-40B4-BE49-F238E27FC236}">
-                <a16:creationId xmlns:a16="http://schemas.microsoft.com/office/drawing/2014/main" xmlns="" id="{1AFD8020-F819-48DB-A628-4F914740C5B5}"/>
+                <a16:creationId xmlns:a16="http://schemas.microsoft.com/office/drawing/2014/main" id="{1AFD8020-F819-48DB-A628-4F914740C5B5}"/>
               </a:ext>
             </a:extLst>
           </p:cNvPr>
@@ -14986,7 +14985,7 @@
           <p:cNvPr id="6" name="Rectangle 5">
             <a:extLst>
               <a:ext uri="{FF2B5EF4-FFF2-40B4-BE49-F238E27FC236}">
-                <a16:creationId xmlns:a16="http://schemas.microsoft.com/office/drawing/2014/main" xmlns="" id="{519572F2-77B7-451D-B7B9-E8C4DF760CFE}"/>
+                <a16:creationId xmlns:a16="http://schemas.microsoft.com/office/drawing/2014/main" id="{519572F2-77B7-451D-B7B9-E8C4DF760CFE}"/>
               </a:ext>
             </a:extLst>
           </p:cNvPr>
@@ -15032,7 +15031,7 @@
           <p:cNvPr id="9" name="Straight Connector 8">
             <a:extLst>
               <a:ext uri="{FF2B5EF4-FFF2-40B4-BE49-F238E27FC236}">
-                <a16:creationId xmlns:a16="http://schemas.microsoft.com/office/drawing/2014/main" xmlns="" id="{4C9C328E-BF96-4182-9F0B-C5C11B72F8DE}"/>
+                <a16:creationId xmlns:a16="http://schemas.microsoft.com/office/drawing/2014/main" id="{4C9C328E-BF96-4182-9F0B-C5C11B72F8DE}"/>
               </a:ext>
             </a:extLst>
           </p:cNvPr>
@@ -15073,7 +15072,7 @@
           <p:cNvPr id="13" name="Rectangle 12">
             <a:extLst>
               <a:ext uri="{FF2B5EF4-FFF2-40B4-BE49-F238E27FC236}">
-                <a16:creationId xmlns:a16="http://schemas.microsoft.com/office/drawing/2014/main" xmlns="" id="{323427DF-834D-402D-8EB2-A67EBD08C9DE}"/>
+                <a16:creationId xmlns:a16="http://schemas.microsoft.com/office/drawing/2014/main" id="{323427DF-834D-402D-8EB2-A67EBD08C9DE}"/>
               </a:ext>
             </a:extLst>
           </p:cNvPr>
@@ -15119,7 +15118,7 @@
           <p:cNvPr id="14" name="Rectangle 13">
             <a:extLst>
               <a:ext uri="{FF2B5EF4-FFF2-40B4-BE49-F238E27FC236}">
-                <a16:creationId xmlns:a16="http://schemas.microsoft.com/office/drawing/2014/main" xmlns="" id="{0A6F78A6-5E7B-44BE-8033-86E3CC020CF3}"/>
+                <a16:creationId xmlns:a16="http://schemas.microsoft.com/office/drawing/2014/main" id="{0A6F78A6-5E7B-44BE-8033-86E3CC020CF3}"/>
               </a:ext>
             </a:extLst>
           </p:cNvPr>
@@ -15165,7 +15164,7 @@
           <p:cNvPr id="15" name="Rectangle 14">
             <a:extLst>
               <a:ext uri="{FF2B5EF4-FFF2-40B4-BE49-F238E27FC236}">
-                <a16:creationId xmlns:a16="http://schemas.microsoft.com/office/drawing/2014/main" xmlns="" id="{9F279704-B8F0-4876-B501-EE21DB738F59}"/>
+                <a16:creationId xmlns:a16="http://schemas.microsoft.com/office/drawing/2014/main" id="{9F279704-B8F0-4876-B501-EE21DB738F59}"/>
               </a:ext>
             </a:extLst>
           </p:cNvPr>
@@ -15211,7 +15210,7 @@
           <p:cNvPr id="16" name="Rectangle 15">
             <a:extLst>
               <a:ext uri="{FF2B5EF4-FFF2-40B4-BE49-F238E27FC236}">
-                <a16:creationId xmlns:a16="http://schemas.microsoft.com/office/drawing/2014/main" xmlns="" id="{6ECC4020-0E4E-472A-9357-69CC12C1F305}"/>
+                <a16:creationId xmlns:a16="http://schemas.microsoft.com/office/drawing/2014/main" id="{6ECC4020-0E4E-472A-9357-69CC12C1F305}"/>
               </a:ext>
             </a:extLst>
           </p:cNvPr>
@@ -15257,7 +15256,7 @@
           <p:cNvPr id="17" name="Rectangle 16">
             <a:extLst>
               <a:ext uri="{FF2B5EF4-FFF2-40B4-BE49-F238E27FC236}">
-                <a16:creationId xmlns:a16="http://schemas.microsoft.com/office/drawing/2014/main" xmlns="" id="{34453880-B568-412E-B217-7017AA047B84}"/>
+                <a16:creationId xmlns:a16="http://schemas.microsoft.com/office/drawing/2014/main" id="{34453880-B568-412E-B217-7017AA047B84}"/>
               </a:ext>
             </a:extLst>
           </p:cNvPr>
@@ -15303,7 +15302,7 @@
           <p:cNvPr id="19" name="Oval 18">
             <a:extLst>
               <a:ext uri="{FF2B5EF4-FFF2-40B4-BE49-F238E27FC236}">
-                <a16:creationId xmlns:a16="http://schemas.microsoft.com/office/drawing/2014/main" xmlns="" id="{C865F1AC-443D-44E9-B205-5FD839712B3D}"/>
+                <a16:creationId xmlns:a16="http://schemas.microsoft.com/office/drawing/2014/main" id="{C865F1AC-443D-44E9-B205-5FD839712B3D}"/>
               </a:ext>
             </a:extLst>
           </p:cNvPr>
@@ -15349,7 +15348,7 @@
           <p:cNvPr id="20" name="Straight Connector 19">
             <a:extLst>
               <a:ext uri="{FF2B5EF4-FFF2-40B4-BE49-F238E27FC236}">
-                <a16:creationId xmlns:a16="http://schemas.microsoft.com/office/drawing/2014/main" xmlns="" id="{B1B94C00-5D79-4EF7-B864-00C0FB05A426}"/>
+                <a16:creationId xmlns:a16="http://schemas.microsoft.com/office/drawing/2014/main" id="{B1B94C00-5D79-4EF7-B864-00C0FB05A426}"/>
               </a:ext>
             </a:extLst>
           </p:cNvPr>
@@ -15390,7 +15389,7 @@
           <p:cNvPr id="26" name="Rectangle 25">
             <a:extLst>
               <a:ext uri="{FF2B5EF4-FFF2-40B4-BE49-F238E27FC236}">
-                <a16:creationId xmlns:a16="http://schemas.microsoft.com/office/drawing/2014/main" xmlns="" id="{7346B316-6233-4443-9A36-040D034A6FBF}"/>
+                <a16:creationId xmlns:a16="http://schemas.microsoft.com/office/drawing/2014/main" id="{7346B316-6233-4443-9A36-040D034A6FBF}"/>
               </a:ext>
             </a:extLst>
           </p:cNvPr>
@@ -15444,7 +15443,7 @@
           <p:cNvPr id="27" name="Rectangle 26">
             <a:extLst>
               <a:ext uri="{FF2B5EF4-FFF2-40B4-BE49-F238E27FC236}">
-                <a16:creationId xmlns:a16="http://schemas.microsoft.com/office/drawing/2014/main" xmlns="" id="{A0A6BEE0-8DF4-4797-80DB-7DD4E6A99383}"/>
+                <a16:creationId xmlns:a16="http://schemas.microsoft.com/office/drawing/2014/main" id="{A0A6BEE0-8DF4-4797-80DB-7DD4E6A99383}"/>
               </a:ext>
             </a:extLst>
           </p:cNvPr>
@@ -15490,7 +15489,7 @@
           <p:cNvPr id="28" name="Rectangle 27">
             <a:extLst>
               <a:ext uri="{FF2B5EF4-FFF2-40B4-BE49-F238E27FC236}">
-                <a16:creationId xmlns:a16="http://schemas.microsoft.com/office/drawing/2014/main" xmlns="" id="{14D24A18-E91F-4A40-9FD4-04301BE5E2B4}"/>
+                <a16:creationId xmlns:a16="http://schemas.microsoft.com/office/drawing/2014/main" id="{14D24A18-E91F-4A40-9FD4-04301BE5E2B4}"/>
               </a:ext>
             </a:extLst>
           </p:cNvPr>
@@ -15536,7 +15535,7 @@
           <p:cNvPr id="24" name="Rectangle 23">
             <a:extLst>
               <a:ext uri="{FF2B5EF4-FFF2-40B4-BE49-F238E27FC236}">
-                <a16:creationId xmlns:a16="http://schemas.microsoft.com/office/drawing/2014/main" xmlns="" id="{FAE6EA6D-531A-4F1A-B26C-0EA955C90619}"/>
+                <a16:creationId xmlns:a16="http://schemas.microsoft.com/office/drawing/2014/main" id="{FAE6EA6D-531A-4F1A-B26C-0EA955C90619}"/>
               </a:ext>
             </a:extLst>
           </p:cNvPr>
@@ -15582,7 +15581,7 @@
           <p:cNvPr id="21" name="Rectangle 20">
             <a:extLst>
               <a:ext uri="{FF2B5EF4-FFF2-40B4-BE49-F238E27FC236}">
-                <a16:creationId xmlns:a16="http://schemas.microsoft.com/office/drawing/2014/main" xmlns="" id="{666D8948-3CC0-4080-A06E-30065698753A}"/>
+                <a16:creationId xmlns:a16="http://schemas.microsoft.com/office/drawing/2014/main" id="{666D8948-3CC0-4080-A06E-30065698753A}"/>
               </a:ext>
             </a:extLst>
           </p:cNvPr>
@@ -15628,7 +15627,7 @@
           <p:cNvPr id="22" name="Rectangle 21">
             <a:extLst>
               <a:ext uri="{FF2B5EF4-FFF2-40B4-BE49-F238E27FC236}">
-                <a16:creationId xmlns:a16="http://schemas.microsoft.com/office/drawing/2014/main" xmlns="" id="{648DEC73-0D6B-4A49-8269-4CAD24AD9C86}"/>
+                <a16:creationId xmlns:a16="http://schemas.microsoft.com/office/drawing/2014/main" id="{648DEC73-0D6B-4A49-8269-4CAD24AD9C86}"/>
               </a:ext>
             </a:extLst>
           </p:cNvPr>
@@ -15682,7 +15681,7 @@
           <p:cNvPr id="23" name="Straight Connector 22">
             <a:extLst>
               <a:ext uri="{FF2B5EF4-FFF2-40B4-BE49-F238E27FC236}">
-                <a16:creationId xmlns:a16="http://schemas.microsoft.com/office/drawing/2014/main" xmlns="" id="{D6385C70-B333-4C86-B538-474BC6C16A17}"/>
+                <a16:creationId xmlns:a16="http://schemas.microsoft.com/office/drawing/2014/main" id="{D6385C70-B333-4C86-B538-474BC6C16A17}"/>
               </a:ext>
             </a:extLst>
           </p:cNvPr>
@@ -15753,7 +15752,7 @@
           <p:cNvPr id="2" name="Slide Number Placeholder 1">
             <a:extLst>
               <a:ext uri="{FF2B5EF4-FFF2-40B4-BE49-F238E27FC236}">
-                <a16:creationId xmlns:a16="http://schemas.microsoft.com/office/drawing/2014/main" xmlns="" id="{E2A346D2-342E-4D26-9516-C88A6E8CC150}"/>
+                <a16:creationId xmlns:a16="http://schemas.microsoft.com/office/drawing/2014/main" id="{E2A346D2-342E-4D26-9516-C88A6E8CC150}"/>
               </a:ext>
             </a:extLst>
           </p:cNvPr>
@@ -15782,7 +15781,7 @@
           <p:cNvPr id="4" name="Title 3">
             <a:extLst>
               <a:ext uri="{FF2B5EF4-FFF2-40B4-BE49-F238E27FC236}">
-                <a16:creationId xmlns:a16="http://schemas.microsoft.com/office/drawing/2014/main" xmlns="" id="{6C1750A8-0A53-40DB-B646-EE267E14322F}"/>
+                <a16:creationId xmlns:a16="http://schemas.microsoft.com/office/drawing/2014/main" id="{6C1750A8-0A53-40DB-B646-EE267E14322F}"/>
               </a:ext>
             </a:extLst>
           </p:cNvPr>
@@ -15816,7 +15815,7 @@
           <p:cNvPr id="3" name="Rectangle 2">
             <a:extLst>
               <a:ext uri="{FF2B5EF4-FFF2-40B4-BE49-F238E27FC236}">
-                <a16:creationId xmlns:a16="http://schemas.microsoft.com/office/drawing/2014/main" xmlns="" id="{DC56F6AA-CC91-42A5-B529-91407EE8CA0B}"/>
+                <a16:creationId xmlns:a16="http://schemas.microsoft.com/office/drawing/2014/main" id="{DC56F6AA-CC91-42A5-B529-91407EE8CA0B}"/>
               </a:ext>
             </a:extLst>
           </p:cNvPr>
@@ -15862,7 +15861,7 @@
           <p:cNvPr id="5" name="Rectangle 4">
             <a:extLst>
               <a:ext uri="{FF2B5EF4-FFF2-40B4-BE49-F238E27FC236}">
-                <a16:creationId xmlns:a16="http://schemas.microsoft.com/office/drawing/2014/main" xmlns="" id="{1AFD8020-F819-48DB-A628-4F914740C5B5}"/>
+                <a16:creationId xmlns:a16="http://schemas.microsoft.com/office/drawing/2014/main" id="{1AFD8020-F819-48DB-A628-4F914740C5B5}"/>
               </a:ext>
             </a:extLst>
           </p:cNvPr>
@@ -15916,7 +15915,7 @@
           <p:cNvPr id="6" name="Rectangle 5">
             <a:extLst>
               <a:ext uri="{FF2B5EF4-FFF2-40B4-BE49-F238E27FC236}">
-                <a16:creationId xmlns:a16="http://schemas.microsoft.com/office/drawing/2014/main" xmlns="" id="{519572F2-77B7-451D-B7B9-E8C4DF760CFE}"/>
+                <a16:creationId xmlns:a16="http://schemas.microsoft.com/office/drawing/2014/main" id="{519572F2-77B7-451D-B7B9-E8C4DF760CFE}"/>
               </a:ext>
             </a:extLst>
           </p:cNvPr>
@@ -15962,7 +15961,7 @@
           <p:cNvPr id="9" name="Straight Connector 8">
             <a:extLst>
               <a:ext uri="{FF2B5EF4-FFF2-40B4-BE49-F238E27FC236}">
-                <a16:creationId xmlns:a16="http://schemas.microsoft.com/office/drawing/2014/main" xmlns="" id="{4C9C328E-BF96-4182-9F0B-C5C11B72F8DE}"/>
+                <a16:creationId xmlns:a16="http://schemas.microsoft.com/office/drawing/2014/main" id="{4C9C328E-BF96-4182-9F0B-C5C11B72F8DE}"/>
               </a:ext>
             </a:extLst>
           </p:cNvPr>
@@ -16003,7 +16002,7 @@
           <p:cNvPr id="13" name="Rectangle 12">
             <a:extLst>
               <a:ext uri="{FF2B5EF4-FFF2-40B4-BE49-F238E27FC236}">
-                <a16:creationId xmlns:a16="http://schemas.microsoft.com/office/drawing/2014/main" xmlns="" id="{323427DF-834D-402D-8EB2-A67EBD08C9DE}"/>
+                <a16:creationId xmlns:a16="http://schemas.microsoft.com/office/drawing/2014/main" id="{323427DF-834D-402D-8EB2-A67EBD08C9DE}"/>
               </a:ext>
             </a:extLst>
           </p:cNvPr>
@@ -16049,7 +16048,7 @@
           <p:cNvPr id="14" name="Rectangle 13">
             <a:extLst>
               <a:ext uri="{FF2B5EF4-FFF2-40B4-BE49-F238E27FC236}">
-                <a16:creationId xmlns:a16="http://schemas.microsoft.com/office/drawing/2014/main" xmlns="" id="{0A6F78A6-5E7B-44BE-8033-86E3CC020CF3}"/>
+                <a16:creationId xmlns:a16="http://schemas.microsoft.com/office/drawing/2014/main" id="{0A6F78A6-5E7B-44BE-8033-86E3CC020CF3}"/>
               </a:ext>
             </a:extLst>
           </p:cNvPr>
@@ -16095,7 +16094,7 @@
           <p:cNvPr id="15" name="Rectangle 14">
             <a:extLst>
               <a:ext uri="{FF2B5EF4-FFF2-40B4-BE49-F238E27FC236}">
-                <a16:creationId xmlns:a16="http://schemas.microsoft.com/office/drawing/2014/main" xmlns="" id="{9F279704-B8F0-4876-B501-EE21DB738F59}"/>
+                <a16:creationId xmlns:a16="http://schemas.microsoft.com/office/drawing/2014/main" id="{9F279704-B8F0-4876-B501-EE21DB738F59}"/>
               </a:ext>
             </a:extLst>
           </p:cNvPr>
@@ -16141,7 +16140,7 @@
           <p:cNvPr id="16" name="Rectangle 15">
             <a:extLst>
               <a:ext uri="{FF2B5EF4-FFF2-40B4-BE49-F238E27FC236}">
-                <a16:creationId xmlns:a16="http://schemas.microsoft.com/office/drawing/2014/main" xmlns="" id="{6ECC4020-0E4E-472A-9357-69CC12C1F305}"/>
+                <a16:creationId xmlns:a16="http://schemas.microsoft.com/office/drawing/2014/main" id="{6ECC4020-0E4E-472A-9357-69CC12C1F305}"/>
               </a:ext>
             </a:extLst>
           </p:cNvPr>
@@ -16187,7 +16186,7 @@
           <p:cNvPr id="17" name="Rectangle 16">
             <a:extLst>
               <a:ext uri="{FF2B5EF4-FFF2-40B4-BE49-F238E27FC236}">
-                <a16:creationId xmlns:a16="http://schemas.microsoft.com/office/drawing/2014/main" xmlns="" id="{34453880-B568-412E-B217-7017AA047B84}"/>
+                <a16:creationId xmlns:a16="http://schemas.microsoft.com/office/drawing/2014/main" id="{34453880-B568-412E-B217-7017AA047B84}"/>
               </a:ext>
             </a:extLst>
           </p:cNvPr>
@@ -16233,7 +16232,7 @@
           <p:cNvPr id="19" name="Oval 18">
             <a:extLst>
               <a:ext uri="{FF2B5EF4-FFF2-40B4-BE49-F238E27FC236}">
-                <a16:creationId xmlns:a16="http://schemas.microsoft.com/office/drawing/2014/main" xmlns="" id="{C865F1AC-443D-44E9-B205-5FD839712B3D}"/>
+                <a16:creationId xmlns:a16="http://schemas.microsoft.com/office/drawing/2014/main" id="{C865F1AC-443D-44E9-B205-5FD839712B3D}"/>
               </a:ext>
             </a:extLst>
           </p:cNvPr>
@@ -16279,7 +16278,7 @@
           <p:cNvPr id="20" name="Straight Connector 19">
             <a:extLst>
               <a:ext uri="{FF2B5EF4-FFF2-40B4-BE49-F238E27FC236}">
-                <a16:creationId xmlns:a16="http://schemas.microsoft.com/office/drawing/2014/main" xmlns="" id="{B1B94C00-5D79-4EF7-B864-00C0FB05A426}"/>
+                <a16:creationId xmlns:a16="http://schemas.microsoft.com/office/drawing/2014/main" id="{B1B94C00-5D79-4EF7-B864-00C0FB05A426}"/>
               </a:ext>
             </a:extLst>
           </p:cNvPr>
@@ -16320,7 +16319,7 @@
           <p:cNvPr id="26" name="Rectangle 25">
             <a:extLst>
               <a:ext uri="{FF2B5EF4-FFF2-40B4-BE49-F238E27FC236}">
-                <a16:creationId xmlns:a16="http://schemas.microsoft.com/office/drawing/2014/main" xmlns="" id="{7346B316-6233-4443-9A36-040D034A6FBF}"/>
+                <a16:creationId xmlns:a16="http://schemas.microsoft.com/office/drawing/2014/main" id="{7346B316-6233-4443-9A36-040D034A6FBF}"/>
               </a:ext>
             </a:extLst>
           </p:cNvPr>
@@ -16374,7 +16373,7 @@
           <p:cNvPr id="27" name="Rectangle 26">
             <a:extLst>
               <a:ext uri="{FF2B5EF4-FFF2-40B4-BE49-F238E27FC236}">
-                <a16:creationId xmlns:a16="http://schemas.microsoft.com/office/drawing/2014/main" xmlns="" id="{A0A6BEE0-8DF4-4797-80DB-7DD4E6A99383}"/>
+                <a16:creationId xmlns:a16="http://schemas.microsoft.com/office/drawing/2014/main" id="{A0A6BEE0-8DF4-4797-80DB-7DD4E6A99383}"/>
               </a:ext>
             </a:extLst>
           </p:cNvPr>
@@ -16420,7 +16419,7 @@
           <p:cNvPr id="28" name="Rectangle 27">
             <a:extLst>
               <a:ext uri="{FF2B5EF4-FFF2-40B4-BE49-F238E27FC236}">
-                <a16:creationId xmlns:a16="http://schemas.microsoft.com/office/drawing/2014/main" xmlns="" id="{14D24A18-E91F-4A40-9FD4-04301BE5E2B4}"/>
+                <a16:creationId xmlns:a16="http://schemas.microsoft.com/office/drawing/2014/main" id="{14D24A18-E91F-4A40-9FD4-04301BE5E2B4}"/>
               </a:ext>
             </a:extLst>
           </p:cNvPr>
@@ -16466,7 +16465,7 @@
           <p:cNvPr id="24" name="Rectangle 23">
             <a:extLst>
               <a:ext uri="{FF2B5EF4-FFF2-40B4-BE49-F238E27FC236}">
-                <a16:creationId xmlns:a16="http://schemas.microsoft.com/office/drawing/2014/main" xmlns="" id="{FAE6EA6D-531A-4F1A-B26C-0EA955C90619}"/>
+                <a16:creationId xmlns:a16="http://schemas.microsoft.com/office/drawing/2014/main" id="{FAE6EA6D-531A-4F1A-B26C-0EA955C90619}"/>
               </a:ext>
             </a:extLst>
           </p:cNvPr>
@@ -16512,7 +16511,7 @@
           <p:cNvPr id="21" name="Rectangle 20">
             <a:extLst>
               <a:ext uri="{FF2B5EF4-FFF2-40B4-BE49-F238E27FC236}">
-                <a16:creationId xmlns:a16="http://schemas.microsoft.com/office/drawing/2014/main" xmlns="" id="{666D8948-3CC0-4080-A06E-30065698753A}"/>
+                <a16:creationId xmlns:a16="http://schemas.microsoft.com/office/drawing/2014/main" id="{666D8948-3CC0-4080-A06E-30065698753A}"/>
               </a:ext>
             </a:extLst>
           </p:cNvPr>
@@ -16558,7 +16557,7 @@
           <p:cNvPr id="22" name="Rectangle 21">
             <a:extLst>
               <a:ext uri="{FF2B5EF4-FFF2-40B4-BE49-F238E27FC236}">
-                <a16:creationId xmlns:a16="http://schemas.microsoft.com/office/drawing/2014/main" xmlns="" id="{648DEC73-0D6B-4A49-8269-4CAD24AD9C86}"/>
+                <a16:creationId xmlns:a16="http://schemas.microsoft.com/office/drawing/2014/main" id="{648DEC73-0D6B-4A49-8269-4CAD24AD9C86}"/>
               </a:ext>
             </a:extLst>
           </p:cNvPr>
@@ -16612,7 +16611,7 @@
           <p:cNvPr id="23" name="Straight Connector 22">
             <a:extLst>
               <a:ext uri="{FF2B5EF4-FFF2-40B4-BE49-F238E27FC236}">
-                <a16:creationId xmlns:a16="http://schemas.microsoft.com/office/drawing/2014/main" xmlns="" id="{D6385C70-B333-4C86-B538-474BC6C16A17}"/>
+                <a16:creationId xmlns:a16="http://schemas.microsoft.com/office/drawing/2014/main" id="{D6385C70-B333-4C86-B538-474BC6C16A17}"/>
               </a:ext>
             </a:extLst>
           </p:cNvPr>
@@ -16683,7 +16682,7 @@
           <p:cNvPr id="2" name="Slide Number Placeholder 1">
             <a:extLst>
               <a:ext uri="{FF2B5EF4-FFF2-40B4-BE49-F238E27FC236}">
-                <a16:creationId xmlns:a16="http://schemas.microsoft.com/office/drawing/2014/main" xmlns="" id="{E2A346D2-342E-4D26-9516-C88A6E8CC150}"/>
+                <a16:creationId xmlns:a16="http://schemas.microsoft.com/office/drawing/2014/main" id="{E2A346D2-342E-4D26-9516-C88A6E8CC150}"/>
               </a:ext>
             </a:extLst>
           </p:cNvPr>
@@ -16712,7 +16711,7 @@
           <p:cNvPr id="4" name="Title 3">
             <a:extLst>
               <a:ext uri="{FF2B5EF4-FFF2-40B4-BE49-F238E27FC236}">
-                <a16:creationId xmlns:a16="http://schemas.microsoft.com/office/drawing/2014/main" xmlns="" id="{6C1750A8-0A53-40DB-B646-EE267E14322F}"/>
+                <a16:creationId xmlns:a16="http://schemas.microsoft.com/office/drawing/2014/main" id="{6C1750A8-0A53-40DB-B646-EE267E14322F}"/>
               </a:ext>
             </a:extLst>
           </p:cNvPr>
@@ -16746,7 +16745,7 @@
           <p:cNvPr id="3" name="Rectangle 2">
             <a:extLst>
               <a:ext uri="{FF2B5EF4-FFF2-40B4-BE49-F238E27FC236}">
-                <a16:creationId xmlns:a16="http://schemas.microsoft.com/office/drawing/2014/main" xmlns="" id="{DC56F6AA-CC91-42A5-B529-91407EE8CA0B}"/>
+                <a16:creationId xmlns:a16="http://schemas.microsoft.com/office/drawing/2014/main" id="{DC56F6AA-CC91-42A5-B529-91407EE8CA0B}"/>
               </a:ext>
             </a:extLst>
           </p:cNvPr>
@@ -16792,7 +16791,7 @@
           <p:cNvPr id="5" name="Rectangle 4">
             <a:extLst>
               <a:ext uri="{FF2B5EF4-FFF2-40B4-BE49-F238E27FC236}">
-                <a16:creationId xmlns:a16="http://schemas.microsoft.com/office/drawing/2014/main" xmlns="" id="{1AFD8020-F819-48DB-A628-4F914740C5B5}"/>
+                <a16:creationId xmlns:a16="http://schemas.microsoft.com/office/drawing/2014/main" id="{1AFD8020-F819-48DB-A628-4F914740C5B5}"/>
               </a:ext>
             </a:extLst>
           </p:cNvPr>
@@ -16846,7 +16845,7 @@
           <p:cNvPr id="6" name="Rectangle 5">
             <a:extLst>
               <a:ext uri="{FF2B5EF4-FFF2-40B4-BE49-F238E27FC236}">
-                <a16:creationId xmlns:a16="http://schemas.microsoft.com/office/drawing/2014/main" xmlns="" id="{519572F2-77B7-451D-B7B9-E8C4DF760CFE}"/>
+                <a16:creationId xmlns:a16="http://schemas.microsoft.com/office/drawing/2014/main" id="{519572F2-77B7-451D-B7B9-E8C4DF760CFE}"/>
               </a:ext>
             </a:extLst>
           </p:cNvPr>
@@ -16892,7 +16891,7 @@
           <p:cNvPr id="9" name="Straight Connector 8">
             <a:extLst>
               <a:ext uri="{FF2B5EF4-FFF2-40B4-BE49-F238E27FC236}">
-                <a16:creationId xmlns:a16="http://schemas.microsoft.com/office/drawing/2014/main" xmlns="" id="{4C9C328E-BF96-4182-9F0B-C5C11B72F8DE}"/>
+                <a16:creationId xmlns:a16="http://schemas.microsoft.com/office/drawing/2014/main" id="{4C9C328E-BF96-4182-9F0B-C5C11B72F8DE}"/>
               </a:ext>
             </a:extLst>
           </p:cNvPr>
@@ -16933,7 +16932,7 @@
           <p:cNvPr id="13" name="Rectangle 12">
             <a:extLst>
               <a:ext uri="{FF2B5EF4-FFF2-40B4-BE49-F238E27FC236}">
-                <a16:creationId xmlns:a16="http://schemas.microsoft.com/office/drawing/2014/main" xmlns="" id="{323427DF-834D-402D-8EB2-A67EBD08C9DE}"/>
+                <a16:creationId xmlns:a16="http://schemas.microsoft.com/office/drawing/2014/main" id="{323427DF-834D-402D-8EB2-A67EBD08C9DE}"/>
               </a:ext>
             </a:extLst>
           </p:cNvPr>
@@ -16979,7 +16978,7 @@
           <p:cNvPr id="14" name="Rectangle 13">
             <a:extLst>
               <a:ext uri="{FF2B5EF4-FFF2-40B4-BE49-F238E27FC236}">
-                <a16:creationId xmlns:a16="http://schemas.microsoft.com/office/drawing/2014/main" xmlns="" id="{0A6F78A6-5E7B-44BE-8033-86E3CC020CF3}"/>
+                <a16:creationId xmlns:a16="http://schemas.microsoft.com/office/drawing/2014/main" id="{0A6F78A6-5E7B-44BE-8033-86E3CC020CF3}"/>
               </a:ext>
             </a:extLst>
           </p:cNvPr>
@@ -17025,7 +17024,7 @@
           <p:cNvPr id="15" name="Rectangle 14">
             <a:extLst>
               <a:ext uri="{FF2B5EF4-FFF2-40B4-BE49-F238E27FC236}">
-                <a16:creationId xmlns:a16="http://schemas.microsoft.com/office/drawing/2014/main" xmlns="" id="{9F279704-B8F0-4876-B501-EE21DB738F59}"/>
+                <a16:creationId xmlns:a16="http://schemas.microsoft.com/office/drawing/2014/main" id="{9F279704-B8F0-4876-B501-EE21DB738F59}"/>
               </a:ext>
             </a:extLst>
           </p:cNvPr>
@@ -17071,7 +17070,7 @@
           <p:cNvPr id="16" name="Rectangle 15">
             <a:extLst>
               <a:ext uri="{FF2B5EF4-FFF2-40B4-BE49-F238E27FC236}">
-                <a16:creationId xmlns:a16="http://schemas.microsoft.com/office/drawing/2014/main" xmlns="" id="{6ECC4020-0E4E-472A-9357-69CC12C1F305}"/>
+                <a16:creationId xmlns:a16="http://schemas.microsoft.com/office/drawing/2014/main" id="{6ECC4020-0E4E-472A-9357-69CC12C1F305}"/>
               </a:ext>
             </a:extLst>
           </p:cNvPr>
@@ -17117,7 +17116,7 @@
           <p:cNvPr id="17" name="Rectangle 16">
             <a:extLst>
               <a:ext uri="{FF2B5EF4-FFF2-40B4-BE49-F238E27FC236}">
-                <a16:creationId xmlns:a16="http://schemas.microsoft.com/office/drawing/2014/main" xmlns="" id="{34453880-B568-412E-B217-7017AA047B84}"/>
+                <a16:creationId xmlns:a16="http://schemas.microsoft.com/office/drawing/2014/main" id="{34453880-B568-412E-B217-7017AA047B84}"/>
               </a:ext>
             </a:extLst>
           </p:cNvPr>
@@ -17163,7 +17162,7 @@
           <p:cNvPr id="19" name="Oval 18">
             <a:extLst>
               <a:ext uri="{FF2B5EF4-FFF2-40B4-BE49-F238E27FC236}">
-                <a16:creationId xmlns:a16="http://schemas.microsoft.com/office/drawing/2014/main" xmlns="" id="{C865F1AC-443D-44E9-B205-5FD839712B3D}"/>
+                <a16:creationId xmlns:a16="http://schemas.microsoft.com/office/drawing/2014/main" id="{C865F1AC-443D-44E9-B205-5FD839712B3D}"/>
               </a:ext>
             </a:extLst>
           </p:cNvPr>
@@ -17209,7 +17208,7 @@
           <p:cNvPr id="20" name="Straight Connector 19">
             <a:extLst>
               <a:ext uri="{FF2B5EF4-FFF2-40B4-BE49-F238E27FC236}">
-                <a16:creationId xmlns:a16="http://schemas.microsoft.com/office/drawing/2014/main" xmlns="" id="{B1B94C00-5D79-4EF7-B864-00C0FB05A426}"/>
+                <a16:creationId xmlns:a16="http://schemas.microsoft.com/office/drawing/2014/main" id="{B1B94C00-5D79-4EF7-B864-00C0FB05A426}"/>
               </a:ext>
             </a:extLst>
           </p:cNvPr>
@@ -17250,7 +17249,7 @@
           <p:cNvPr id="26" name="Rectangle 25">
             <a:extLst>
               <a:ext uri="{FF2B5EF4-FFF2-40B4-BE49-F238E27FC236}">
-                <a16:creationId xmlns:a16="http://schemas.microsoft.com/office/drawing/2014/main" xmlns="" id="{7346B316-6233-4443-9A36-040D034A6FBF}"/>
+                <a16:creationId xmlns:a16="http://schemas.microsoft.com/office/drawing/2014/main" id="{7346B316-6233-4443-9A36-040D034A6FBF}"/>
               </a:ext>
             </a:extLst>
           </p:cNvPr>
@@ -17304,7 +17303,7 @@
           <p:cNvPr id="27" name="Rectangle 26">
             <a:extLst>
               <a:ext uri="{FF2B5EF4-FFF2-40B4-BE49-F238E27FC236}">
-                <a16:creationId xmlns:a16="http://schemas.microsoft.com/office/drawing/2014/main" xmlns="" id="{A0A6BEE0-8DF4-4797-80DB-7DD4E6A99383}"/>
+                <a16:creationId xmlns:a16="http://schemas.microsoft.com/office/drawing/2014/main" id="{A0A6BEE0-8DF4-4797-80DB-7DD4E6A99383}"/>
               </a:ext>
             </a:extLst>
           </p:cNvPr>
@@ -17350,7 +17349,7 @@
           <p:cNvPr id="28" name="Rectangle 27">
             <a:extLst>
               <a:ext uri="{FF2B5EF4-FFF2-40B4-BE49-F238E27FC236}">
-                <a16:creationId xmlns:a16="http://schemas.microsoft.com/office/drawing/2014/main" xmlns="" id="{14D24A18-E91F-4A40-9FD4-04301BE5E2B4}"/>
+                <a16:creationId xmlns:a16="http://schemas.microsoft.com/office/drawing/2014/main" id="{14D24A18-E91F-4A40-9FD4-04301BE5E2B4}"/>
               </a:ext>
             </a:extLst>
           </p:cNvPr>
@@ -17396,7 +17395,7 @@
           <p:cNvPr id="24" name="Rectangle 23">
             <a:extLst>
               <a:ext uri="{FF2B5EF4-FFF2-40B4-BE49-F238E27FC236}">
-                <a16:creationId xmlns:a16="http://schemas.microsoft.com/office/drawing/2014/main" xmlns="" id="{FAE6EA6D-531A-4F1A-B26C-0EA955C90619}"/>
+                <a16:creationId xmlns:a16="http://schemas.microsoft.com/office/drawing/2014/main" id="{FAE6EA6D-531A-4F1A-B26C-0EA955C90619}"/>
               </a:ext>
             </a:extLst>
           </p:cNvPr>
@@ -17442,7 +17441,7 @@
           <p:cNvPr id="21" name="Rectangle 20">
             <a:extLst>
               <a:ext uri="{FF2B5EF4-FFF2-40B4-BE49-F238E27FC236}">
-                <a16:creationId xmlns:a16="http://schemas.microsoft.com/office/drawing/2014/main" xmlns="" id="{666D8948-3CC0-4080-A06E-30065698753A}"/>
+                <a16:creationId xmlns:a16="http://schemas.microsoft.com/office/drawing/2014/main" id="{666D8948-3CC0-4080-A06E-30065698753A}"/>
               </a:ext>
             </a:extLst>
           </p:cNvPr>
@@ -17488,7 +17487,7 @@
           <p:cNvPr id="22" name="Rectangle 21">
             <a:extLst>
               <a:ext uri="{FF2B5EF4-FFF2-40B4-BE49-F238E27FC236}">
-                <a16:creationId xmlns:a16="http://schemas.microsoft.com/office/drawing/2014/main" xmlns="" id="{648DEC73-0D6B-4A49-8269-4CAD24AD9C86}"/>
+                <a16:creationId xmlns:a16="http://schemas.microsoft.com/office/drawing/2014/main" id="{648DEC73-0D6B-4A49-8269-4CAD24AD9C86}"/>
               </a:ext>
             </a:extLst>
           </p:cNvPr>
@@ -17542,7 +17541,7 @@
           <p:cNvPr id="23" name="Straight Connector 22">
             <a:extLst>
               <a:ext uri="{FF2B5EF4-FFF2-40B4-BE49-F238E27FC236}">
-                <a16:creationId xmlns:a16="http://schemas.microsoft.com/office/drawing/2014/main" xmlns="" id="{D6385C70-B333-4C86-B538-474BC6C16A17}"/>
+                <a16:creationId xmlns:a16="http://schemas.microsoft.com/office/drawing/2014/main" id="{D6385C70-B333-4C86-B538-474BC6C16A17}"/>
               </a:ext>
             </a:extLst>
           </p:cNvPr>
@@ -17613,7 +17612,7 @@
           <p:cNvPr id="2" name="Slide Number Placeholder 1">
             <a:extLst>
               <a:ext uri="{FF2B5EF4-FFF2-40B4-BE49-F238E27FC236}">
-                <a16:creationId xmlns:a16="http://schemas.microsoft.com/office/drawing/2014/main" xmlns="" id="{E2A346D2-342E-4D26-9516-C88A6E8CC150}"/>
+                <a16:creationId xmlns:a16="http://schemas.microsoft.com/office/drawing/2014/main" id="{E2A346D2-342E-4D26-9516-C88A6E8CC150}"/>
               </a:ext>
             </a:extLst>
           </p:cNvPr>
@@ -17642,7 +17641,7 @@
           <p:cNvPr id="4" name="Title 3">
             <a:extLst>
               <a:ext uri="{FF2B5EF4-FFF2-40B4-BE49-F238E27FC236}">
-                <a16:creationId xmlns:a16="http://schemas.microsoft.com/office/drawing/2014/main" xmlns="" id="{6C1750A8-0A53-40DB-B646-EE267E14322F}"/>
+                <a16:creationId xmlns:a16="http://schemas.microsoft.com/office/drawing/2014/main" id="{6C1750A8-0A53-40DB-B646-EE267E14322F}"/>
               </a:ext>
             </a:extLst>
           </p:cNvPr>
@@ -17676,7 +17675,7 @@
           <p:cNvPr id="3" name="Rectangle 2">
             <a:extLst>
               <a:ext uri="{FF2B5EF4-FFF2-40B4-BE49-F238E27FC236}">
-                <a16:creationId xmlns:a16="http://schemas.microsoft.com/office/drawing/2014/main" xmlns="" id="{DC56F6AA-CC91-42A5-B529-91407EE8CA0B}"/>
+                <a16:creationId xmlns:a16="http://schemas.microsoft.com/office/drawing/2014/main" id="{DC56F6AA-CC91-42A5-B529-91407EE8CA0B}"/>
               </a:ext>
             </a:extLst>
           </p:cNvPr>
@@ -17722,7 +17721,7 @@
           <p:cNvPr id="5" name="Rectangle 4">
             <a:extLst>
               <a:ext uri="{FF2B5EF4-FFF2-40B4-BE49-F238E27FC236}">
-                <a16:creationId xmlns:a16="http://schemas.microsoft.com/office/drawing/2014/main" xmlns="" id="{1AFD8020-F819-48DB-A628-4F914740C5B5}"/>
+                <a16:creationId xmlns:a16="http://schemas.microsoft.com/office/drawing/2014/main" id="{1AFD8020-F819-48DB-A628-4F914740C5B5}"/>
               </a:ext>
             </a:extLst>
           </p:cNvPr>
@@ -17776,7 +17775,7 @@
           <p:cNvPr id="6" name="Rectangle 5">
             <a:extLst>
               <a:ext uri="{FF2B5EF4-FFF2-40B4-BE49-F238E27FC236}">
-                <a16:creationId xmlns:a16="http://schemas.microsoft.com/office/drawing/2014/main" xmlns="" id="{519572F2-77B7-451D-B7B9-E8C4DF760CFE}"/>
+                <a16:creationId xmlns:a16="http://schemas.microsoft.com/office/drawing/2014/main" id="{519572F2-77B7-451D-B7B9-E8C4DF760CFE}"/>
               </a:ext>
             </a:extLst>
           </p:cNvPr>
@@ -17822,7 +17821,7 @@
           <p:cNvPr id="9" name="Straight Connector 8">
             <a:extLst>
               <a:ext uri="{FF2B5EF4-FFF2-40B4-BE49-F238E27FC236}">
-                <a16:creationId xmlns:a16="http://schemas.microsoft.com/office/drawing/2014/main" xmlns="" id="{4C9C328E-BF96-4182-9F0B-C5C11B72F8DE}"/>
+                <a16:creationId xmlns:a16="http://schemas.microsoft.com/office/drawing/2014/main" id="{4C9C328E-BF96-4182-9F0B-C5C11B72F8DE}"/>
               </a:ext>
             </a:extLst>
           </p:cNvPr>
@@ -17863,7 +17862,7 @@
           <p:cNvPr id="13" name="Rectangle 12">
             <a:extLst>
               <a:ext uri="{FF2B5EF4-FFF2-40B4-BE49-F238E27FC236}">
-                <a16:creationId xmlns:a16="http://schemas.microsoft.com/office/drawing/2014/main" xmlns="" id="{323427DF-834D-402D-8EB2-A67EBD08C9DE}"/>
+                <a16:creationId xmlns:a16="http://schemas.microsoft.com/office/drawing/2014/main" id="{323427DF-834D-402D-8EB2-A67EBD08C9DE}"/>
               </a:ext>
             </a:extLst>
           </p:cNvPr>
@@ -17909,7 +17908,7 @@
           <p:cNvPr id="14" name="Rectangle 13">
             <a:extLst>
               <a:ext uri="{FF2B5EF4-FFF2-40B4-BE49-F238E27FC236}">
-                <a16:creationId xmlns:a16="http://schemas.microsoft.com/office/drawing/2014/main" xmlns="" id="{0A6F78A6-5E7B-44BE-8033-86E3CC020CF3}"/>
+                <a16:creationId xmlns:a16="http://schemas.microsoft.com/office/drawing/2014/main" id="{0A6F78A6-5E7B-44BE-8033-86E3CC020CF3}"/>
               </a:ext>
             </a:extLst>
           </p:cNvPr>
@@ -17955,7 +17954,7 @@
           <p:cNvPr id="15" name="Rectangle 14">
             <a:extLst>
               <a:ext uri="{FF2B5EF4-FFF2-40B4-BE49-F238E27FC236}">
-                <a16:creationId xmlns:a16="http://schemas.microsoft.com/office/drawing/2014/main" xmlns="" id="{9F279704-B8F0-4876-B501-EE21DB738F59}"/>
+                <a16:creationId xmlns:a16="http://schemas.microsoft.com/office/drawing/2014/main" id="{9F279704-B8F0-4876-B501-EE21DB738F59}"/>
               </a:ext>
             </a:extLst>
           </p:cNvPr>
@@ -18001,7 +18000,7 @@
           <p:cNvPr id="16" name="Rectangle 15">
             <a:extLst>
               <a:ext uri="{FF2B5EF4-FFF2-40B4-BE49-F238E27FC236}">
-                <a16:creationId xmlns:a16="http://schemas.microsoft.com/office/drawing/2014/main" xmlns="" id="{6ECC4020-0E4E-472A-9357-69CC12C1F305}"/>
+                <a16:creationId xmlns:a16="http://schemas.microsoft.com/office/drawing/2014/main" id="{6ECC4020-0E4E-472A-9357-69CC12C1F305}"/>
               </a:ext>
             </a:extLst>
           </p:cNvPr>
@@ -18047,7 +18046,7 @@
           <p:cNvPr id="17" name="Rectangle 16">
             <a:extLst>
               <a:ext uri="{FF2B5EF4-FFF2-40B4-BE49-F238E27FC236}">
-                <a16:creationId xmlns:a16="http://schemas.microsoft.com/office/drawing/2014/main" xmlns="" id="{34453880-B568-412E-B217-7017AA047B84}"/>
+                <a16:creationId xmlns:a16="http://schemas.microsoft.com/office/drawing/2014/main" id="{34453880-B568-412E-B217-7017AA047B84}"/>
               </a:ext>
             </a:extLst>
           </p:cNvPr>
@@ -18093,7 +18092,7 @@
           <p:cNvPr id="19" name="Oval 18">
             <a:extLst>
               <a:ext uri="{FF2B5EF4-FFF2-40B4-BE49-F238E27FC236}">
-                <a16:creationId xmlns:a16="http://schemas.microsoft.com/office/drawing/2014/main" xmlns="" id="{C865F1AC-443D-44E9-B205-5FD839712B3D}"/>
+                <a16:creationId xmlns:a16="http://schemas.microsoft.com/office/drawing/2014/main" id="{C865F1AC-443D-44E9-B205-5FD839712B3D}"/>
               </a:ext>
             </a:extLst>
           </p:cNvPr>
@@ -18139,7 +18138,7 @@
           <p:cNvPr id="20" name="Straight Connector 19">
             <a:extLst>
               <a:ext uri="{FF2B5EF4-FFF2-40B4-BE49-F238E27FC236}">
-                <a16:creationId xmlns:a16="http://schemas.microsoft.com/office/drawing/2014/main" xmlns="" id="{B1B94C00-5D79-4EF7-B864-00C0FB05A426}"/>
+                <a16:creationId xmlns:a16="http://schemas.microsoft.com/office/drawing/2014/main" id="{B1B94C00-5D79-4EF7-B864-00C0FB05A426}"/>
               </a:ext>
             </a:extLst>
           </p:cNvPr>
@@ -18180,7 +18179,7 @@
           <p:cNvPr id="25" name="Rectangle 24">
             <a:extLst>
               <a:ext uri="{FF2B5EF4-FFF2-40B4-BE49-F238E27FC236}">
-                <a16:creationId xmlns:a16="http://schemas.microsoft.com/office/drawing/2014/main" xmlns="" id="{1962C116-4BFC-4CE5-92AA-283C9D45A684}"/>
+                <a16:creationId xmlns:a16="http://schemas.microsoft.com/office/drawing/2014/main" id="{1962C116-4BFC-4CE5-92AA-283C9D45A684}"/>
               </a:ext>
             </a:extLst>
           </p:cNvPr>
@@ -18226,7 +18225,7 @@
           <p:cNvPr id="26" name="Rectangle 25">
             <a:extLst>
               <a:ext uri="{FF2B5EF4-FFF2-40B4-BE49-F238E27FC236}">
-                <a16:creationId xmlns:a16="http://schemas.microsoft.com/office/drawing/2014/main" xmlns="" id="{7346B316-6233-4443-9A36-040D034A6FBF}"/>
+                <a16:creationId xmlns:a16="http://schemas.microsoft.com/office/drawing/2014/main" id="{7346B316-6233-4443-9A36-040D034A6FBF}"/>
               </a:ext>
             </a:extLst>
           </p:cNvPr>
@@ -18280,7 +18279,7 @@
           <p:cNvPr id="27" name="Rectangle 26">
             <a:extLst>
               <a:ext uri="{FF2B5EF4-FFF2-40B4-BE49-F238E27FC236}">
-                <a16:creationId xmlns:a16="http://schemas.microsoft.com/office/drawing/2014/main" xmlns="" id="{A0A6BEE0-8DF4-4797-80DB-7DD4E6A99383}"/>
+                <a16:creationId xmlns:a16="http://schemas.microsoft.com/office/drawing/2014/main" id="{A0A6BEE0-8DF4-4797-80DB-7DD4E6A99383}"/>
               </a:ext>
             </a:extLst>
           </p:cNvPr>
@@ -18326,7 +18325,7 @@
           <p:cNvPr id="28" name="Rectangle 27">
             <a:extLst>
               <a:ext uri="{FF2B5EF4-FFF2-40B4-BE49-F238E27FC236}">
-                <a16:creationId xmlns:a16="http://schemas.microsoft.com/office/drawing/2014/main" xmlns="" id="{14D24A18-E91F-4A40-9FD4-04301BE5E2B4}"/>
+                <a16:creationId xmlns:a16="http://schemas.microsoft.com/office/drawing/2014/main" id="{14D24A18-E91F-4A40-9FD4-04301BE5E2B4}"/>
               </a:ext>
             </a:extLst>
           </p:cNvPr>
@@ -18372,7 +18371,7 @@
           <p:cNvPr id="29" name="Rectangle 28">
             <a:extLst>
               <a:ext uri="{FF2B5EF4-FFF2-40B4-BE49-F238E27FC236}">
-                <a16:creationId xmlns:a16="http://schemas.microsoft.com/office/drawing/2014/main" xmlns="" id="{02D3BDEB-199B-42D8-AFC9-6B8F446EE7F0}"/>
+                <a16:creationId xmlns:a16="http://schemas.microsoft.com/office/drawing/2014/main" id="{02D3BDEB-199B-42D8-AFC9-6B8F446EE7F0}"/>
               </a:ext>
             </a:extLst>
           </p:cNvPr>
@@ -18418,7 +18417,7 @@
           <p:cNvPr id="31" name="Straight Connector 30">
             <a:extLst>
               <a:ext uri="{FF2B5EF4-FFF2-40B4-BE49-F238E27FC236}">
-                <a16:creationId xmlns:a16="http://schemas.microsoft.com/office/drawing/2014/main" xmlns="" id="{7A19C16E-38B9-498A-9C33-6AB77B29E105}"/>
+                <a16:creationId xmlns:a16="http://schemas.microsoft.com/office/drawing/2014/main" id="{7A19C16E-38B9-498A-9C33-6AB77B29E105}"/>
               </a:ext>
             </a:extLst>
           </p:cNvPr>
@@ -18489,7 +18488,7 @@
           <p:cNvPr id="2" name="Footer Placeholder 1">
             <a:extLst>
               <a:ext uri="{FF2B5EF4-FFF2-40B4-BE49-F238E27FC236}">
-                <a16:creationId xmlns:a16="http://schemas.microsoft.com/office/drawing/2014/main" xmlns="" id="{F27EA32B-0CF3-8649-B654-2B6622F6309D}"/>
+                <a16:creationId xmlns:a16="http://schemas.microsoft.com/office/drawing/2014/main" id="{F27EA32B-0CF3-8649-B654-2B6622F6309D}"/>
               </a:ext>
             </a:extLst>
           </p:cNvPr>
@@ -18519,7 +18518,7 @@
           <p:cNvPr id="3" name="Content Placeholder 2">
             <a:extLst>
               <a:ext uri="{FF2B5EF4-FFF2-40B4-BE49-F238E27FC236}">
-                <a16:creationId xmlns:a16="http://schemas.microsoft.com/office/drawing/2014/main" xmlns="" id="{1DE29D62-620F-2A47-92A9-9A84D907130A}"/>
+                <a16:creationId xmlns:a16="http://schemas.microsoft.com/office/drawing/2014/main" id="{1DE29D62-620F-2A47-92A9-9A84D907130A}"/>
               </a:ext>
             </a:extLst>
           </p:cNvPr>
@@ -18569,14 +18568,14 @@
                 <a:gridCol w="9106430">
                   <a:extLst>
                     <a:ext uri="{9D8B030D-6E8A-4147-A177-3AD203B41FA5}">
-                      <a16:colId xmlns:a16="http://schemas.microsoft.com/office/drawing/2014/main" xmlns="" val="20000"/>
+                      <a16:colId xmlns:a16="http://schemas.microsoft.com/office/drawing/2014/main" val="20000"/>
                     </a:ext>
                   </a:extLst>
                 </a:gridCol>
                 <a:gridCol w="1474368">
                   <a:extLst>
                     <a:ext uri="{9D8B030D-6E8A-4147-A177-3AD203B41FA5}">
-                      <a16:colId xmlns:a16="http://schemas.microsoft.com/office/drawing/2014/main" xmlns="" val="20001"/>
+                      <a16:colId xmlns:a16="http://schemas.microsoft.com/office/drawing/2014/main" val="20001"/>
                     </a:ext>
                   </a:extLst>
                 </a:gridCol>
@@ -18628,7 +18627,7 @@
                 </a:tc>
                 <a:extLst>
                   <a:ext uri="{0D108BD9-81ED-4DB2-BD59-A6C34878D82A}">
-                    <a16:rowId xmlns:a16="http://schemas.microsoft.com/office/drawing/2014/main" xmlns="" val="10000"/>
+                    <a16:rowId xmlns:a16="http://schemas.microsoft.com/office/drawing/2014/main" val="10000"/>
                   </a:ext>
                 </a:extLst>
               </a:tr>
@@ -18684,7 +18683,7 @@
                 </a:tc>
                 <a:extLst>
                   <a:ext uri="{0D108BD9-81ED-4DB2-BD59-A6C34878D82A}">
-                    <a16:rowId xmlns:a16="http://schemas.microsoft.com/office/drawing/2014/main" xmlns="" val="10001"/>
+                    <a16:rowId xmlns:a16="http://schemas.microsoft.com/office/drawing/2014/main" val="10001"/>
                   </a:ext>
                 </a:extLst>
               </a:tr>
@@ -18748,7 +18747,7 @@
                 </a:tc>
                 <a:extLst>
                   <a:ext uri="{0D108BD9-81ED-4DB2-BD59-A6C34878D82A}">
-                    <a16:rowId xmlns:a16="http://schemas.microsoft.com/office/drawing/2014/main" xmlns="" val="10002"/>
+                    <a16:rowId xmlns:a16="http://schemas.microsoft.com/office/drawing/2014/main" val="10002"/>
                   </a:ext>
                 </a:extLst>
               </a:tr>
@@ -18821,7 +18820,7 @@
                 </a:tc>
                 <a:extLst>
                   <a:ext uri="{0D108BD9-81ED-4DB2-BD59-A6C34878D82A}">
-                    <a16:rowId xmlns:a16="http://schemas.microsoft.com/office/drawing/2014/main" xmlns="" val="10003"/>
+                    <a16:rowId xmlns:a16="http://schemas.microsoft.com/office/drawing/2014/main" val="10003"/>
                   </a:ext>
                 </a:extLst>
               </a:tr>
@@ -18893,7 +18892,7 @@
                 </a:tc>
                 <a:extLst>
                   <a:ext uri="{0D108BD9-81ED-4DB2-BD59-A6C34878D82A}">
-                    <a16:rowId xmlns:a16="http://schemas.microsoft.com/office/drawing/2014/main" xmlns="" val="10004"/>
+                    <a16:rowId xmlns:a16="http://schemas.microsoft.com/office/drawing/2014/main" val="10004"/>
                   </a:ext>
                 </a:extLst>
               </a:tr>
@@ -18990,7 +18989,7 @@
                 </a:tc>
                 <a:extLst>
                   <a:ext uri="{0D108BD9-81ED-4DB2-BD59-A6C34878D82A}">
-                    <a16:rowId xmlns:a16="http://schemas.microsoft.com/office/drawing/2014/main" xmlns="" val="10005"/>
+                    <a16:rowId xmlns:a16="http://schemas.microsoft.com/office/drawing/2014/main" val="10005"/>
                   </a:ext>
                 </a:extLst>
               </a:tr>
@@ -19063,7 +19062,7 @@
                 </a:tc>
                 <a:extLst>
                   <a:ext uri="{0D108BD9-81ED-4DB2-BD59-A6C34878D82A}">
-                    <a16:rowId xmlns:a16="http://schemas.microsoft.com/office/drawing/2014/main" xmlns="" val="10006"/>
+                    <a16:rowId xmlns:a16="http://schemas.microsoft.com/office/drawing/2014/main" val="10006"/>
                   </a:ext>
                 </a:extLst>
               </a:tr>
@@ -19175,7 +19174,7 @@
                 </a:tc>
                 <a:extLst>
                   <a:ext uri="{0D108BD9-81ED-4DB2-BD59-A6C34878D82A}">
-                    <a16:rowId xmlns:a16="http://schemas.microsoft.com/office/drawing/2014/main" xmlns="" val="10007"/>
+                    <a16:rowId xmlns:a16="http://schemas.microsoft.com/office/drawing/2014/main" val="10007"/>
                   </a:ext>
                 </a:extLst>
               </a:tr>
@@ -19240,7 +19239,7 @@
                 </a:tc>
                 <a:extLst>
                   <a:ext uri="{0D108BD9-81ED-4DB2-BD59-A6C34878D82A}">
-                    <a16:rowId xmlns:a16="http://schemas.microsoft.com/office/drawing/2014/main" xmlns="" val="10008"/>
+                    <a16:rowId xmlns:a16="http://schemas.microsoft.com/office/drawing/2014/main" val="10008"/>
                   </a:ext>
                 </a:extLst>
               </a:tr>
@@ -19293,7 +19292,7 @@
                 </a:tc>
                 <a:extLst>
                   <a:ext uri="{0D108BD9-81ED-4DB2-BD59-A6C34878D82A}">
-                    <a16:rowId xmlns:a16="http://schemas.microsoft.com/office/drawing/2014/main" xmlns="" val="10009"/>
+                    <a16:rowId xmlns:a16="http://schemas.microsoft.com/office/drawing/2014/main" val="10009"/>
                   </a:ext>
                 </a:extLst>
               </a:tr>
@@ -19336,7 +19335,7 @@
           <p:cNvPr id="2" name="Footer Placeholder 1">
             <a:extLst>
               <a:ext uri="{FF2B5EF4-FFF2-40B4-BE49-F238E27FC236}">
-                <a16:creationId xmlns:a16="http://schemas.microsoft.com/office/drawing/2014/main" xmlns="" id="{F27EA32B-0CF3-8649-B654-2B6622F6309D}"/>
+                <a16:creationId xmlns:a16="http://schemas.microsoft.com/office/drawing/2014/main" id="{F27EA32B-0CF3-8649-B654-2B6622F6309D}"/>
               </a:ext>
             </a:extLst>
           </p:cNvPr>
@@ -19366,7 +19365,7 @@
           <p:cNvPr id="3" name="Content Placeholder 2">
             <a:extLst>
               <a:ext uri="{FF2B5EF4-FFF2-40B4-BE49-F238E27FC236}">
-                <a16:creationId xmlns:a16="http://schemas.microsoft.com/office/drawing/2014/main" xmlns="" id="{1DE29D62-620F-2A47-92A9-9A84D907130A}"/>
+                <a16:creationId xmlns:a16="http://schemas.microsoft.com/office/drawing/2014/main" id="{1DE29D62-620F-2A47-92A9-9A84D907130A}"/>
               </a:ext>
             </a:extLst>
           </p:cNvPr>
@@ -19425,7 +19424,7 @@
                 <a:gridCol w="10580798">
                   <a:extLst>
                     <a:ext uri="{9D8B030D-6E8A-4147-A177-3AD203B41FA5}">
-                      <a16:colId xmlns:a16="http://schemas.microsoft.com/office/drawing/2014/main" xmlns="" val="20000"/>
+                      <a16:colId xmlns:a16="http://schemas.microsoft.com/office/drawing/2014/main" val="20000"/>
                     </a:ext>
                   </a:extLst>
                 </a:gridCol>
@@ -19458,7 +19457,7 @@
                 </a:tc>
                 <a:extLst>
                   <a:ext uri="{0D108BD9-81ED-4DB2-BD59-A6C34878D82A}">
-                    <a16:rowId xmlns:a16="http://schemas.microsoft.com/office/drawing/2014/main" xmlns="" val="10000"/>
+                    <a16:rowId xmlns:a16="http://schemas.microsoft.com/office/drawing/2014/main" val="10000"/>
                   </a:ext>
                 </a:extLst>
               </a:tr>
@@ -19502,7 +19501,7 @@
                 </a:tc>
                 <a:extLst>
                   <a:ext uri="{0D108BD9-81ED-4DB2-BD59-A6C34878D82A}">
-                    <a16:rowId xmlns:a16="http://schemas.microsoft.com/office/drawing/2014/main" xmlns="" val="10001"/>
+                    <a16:rowId xmlns:a16="http://schemas.microsoft.com/office/drawing/2014/main" val="10001"/>
                   </a:ext>
                 </a:extLst>
               </a:tr>
@@ -19534,7 +19533,7 @@
                 </a:tc>
                 <a:extLst>
                   <a:ext uri="{0D108BD9-81ED-4DB2-BD59-A6C34878D82A}">
-                    <a16:rowId xmlns:a16="http://schemas.microsoft.com/office/drawing/2014/main" xmlns="" val="10002"/>
+                    <a16:rowId xmlns:a16="http://schemas.microsoft.com/office/drawing/2014/main" val="10002"/>
                   </a:ext>
                 </a:extLst>
               </a:tr>
@@ -19566,7 +19565,7 @@
                 </a:tc>
                 <a:extLst>
                   <a:ext uri="{0D108BD9-81ED-4DB2-BD59-A6C34878D82A}">
-                    <a16:rowId xmlns:a16="http://schemas.microsoft.com/office/drawing/2014/main" xmlns="" val="10003"/>
+                    <a16:rowId xmlns:a16="http://schemas.microsoft.com/office/drawing/2014/main" val="10003"/>
                   </a:ext>
                 </a:extLst>
               </a:tr>
@@ -19598,7 +19597,7 @@
                 </a:tc>
                 <a:extLst>
                   <a:ext uri="{0D108BD9-81ED-4DB2-BD59-A6C34878D82A}">
-                    <a16:rowId xmlns:a16="http://schemas.microsoft.com/office/drawing/2014/main" xmlns="" val="10004"/>
+                    <a16:rowId xmlns:a16="http://schemas.microsoft.com/office/drawing/2014/main" val="10004"/>
                   </a:ext>
                 </a:extLst>
               </a:tr>
@@ -19630,7 +19629,7 @@
                 </a:tc>
                 <a:extLst>
                   <a:ext uri="{0D108BD9-81ED-4DB2-BD59-A6C34878D82A}">
-                    <a16:rowId xmlns:a16="http://schemas.microsoft.com/office/drawing/2014/main" xmlns="" val="10005"/>
+                    <a16:rowId xmlns:a16="http://schemas.microsoft.com/office/drawing/2014/main" val="10005"/>
                   </a:ext>
                 </a:extLst>
               </a:tr>
@@ -19668,7 +19667,7 @@
                 </a:tc>
                 <a:extLst>
                   <a:ext uri="{0D108BD9-81ED-4DB2-BD59-A6C34878D82A}">
-                    <a16:rowId xmlns:a16="http://schemas.microsoft.com/office/drawing/2014/main" xmlns="" val="10006"/>
+                    <a16:rowId xmlns:a16="http://schemas.microsoft.com/office/drawing/2014/main" val="10006"/>
                   </a:ext>
                 </a:extLst>
               </a:tr>
@@ -19700,7 +19699,7 @@
                 </a:tc>
                 <a:extLst>
                   <a:ext uri="{0D108BD9-81ED-4DB2-BD59-A6C34878D82A}">
-                    <a16:rowId xmlns:a16="http://schemas.microsoft.com/office/drawing/2014/main" xmlns="" val="10007"/>
+                    <a16:rowId xmlns:a16="http://schemas.microsoft.com/office/drawing/2014/main" val="10007"/>
                   </a:ext>
                 </a:extLst>
               </a:tr>
@@ -19743,7 +19742,7 @@
           <p:cNvPr id="2" name="Slide Number Placeholder 1">
             <a:extLst>
               <a:ext uri="{FF2B5EF4-FFF2-40B4-BE49-F238E27FC236}">
-                <a16:creationId xmlns:a16="http://schemas.microsoft.com/office/drawing/2014/main" xmlns="" id="{E2A346D2-342E-4D26-9516-C88A6E8CC150}"/>
+                <a16:creationId xmlns:a16="http://schemas.microsoft.com/office/drawing/2014/main" id="{E2A346D2-342E-4D26-9516-C88A6E8CC150}"/>
               </a:ext>
             </a:extLst>
           </p:cNvPr>
@@ -19772,7 +19771,7 @@
           <p:cNvPr id="4" name="Title 3">
             <a:extLst>
               <a:ext uri="{FF2B5EF4-FFF2-40B4-BE49-F238E27FC236}">
-                <a16:creationId xmlns:a16="http://schemas.microsoft.com/office/drawing/2014/main" xmlns="" id="{6C1750A8-0A53-40DB-B646-EE267E14322F}"/>
+                <a16:creationId xmlns:a16="http://schemas.microsoft.com/office/drawing/2014/main" id="{6C1750A8-0A53-40DB-B646-EE267E14322F}"/>
               </a:ext>
             </a:extLst>
           </p:cNvPr>
@@ -19801,7 +19800,7 @@
           <p:cNvPr id="5" name="Picture 4">
             <a:extLst>
               <a:ext uri="{FF2B5EF4-FFF2-40B4-BE49-F238E27FC236}">
-                <a16:creationId xmlns:a16="http://schemas.microsoft.com/office/drawing/2014/main" xmlns="" id="{BB9815DA-59F6-4BAB-AB4A-86EB78EBAA12}"/>
+                <a16:creationId xmlns:a16="http://schemas.microsoft.com/office/drawing/2014/main" id="{BB9815DA-59F6-4BAB-AB4A-86EB78EBAA12}"/>
               </a:ext>
             </a:extLst>
           </p:cNvPr>
@@ -19831,7 +19830,7 @@
           <p:cNvPr id="8" name="Picture 7">
             <a:extLst>
               <a:ext uri="{FF2B5EF4-FFF2-40B4-BE49-F238E27FC236}">
-                <a16:creationId xmlns:a16="http://schemas.microsoft.com/office/drawing/2014/main" xmlns="" id="{7BD68EB2-2E4C-46CD-A60A-A88FC0735E68}"/>
+                <a16:creationId xmlns:a16="http://schemas.microsoft.com/office/drawing/2014/main" id="{7BD68EB2-2E4C-46CD-A60A-A88FC0735E68}"/>
               </a:ext>
             </a:extLst>
           </p:cNvPr>
@@ -19861,7 +19860,7 @@
           <p:cNvPr id="10" name="Picture 9">
             <a:extLst>
               <a:ext uri="{FF2B5EF4-FFF2-40B4-BE49-F238E27FC236}">
-                <a16:creationId xmlns:a16="http://schemas.microsoft.com/office/drawing/2014/main" xmlns="" id="{90576CD5-D521-499A-A330-5AA00E4C02C0}"/>
+                <a16:creationId xmlns:a16="http://schemas.microsoft.com/office/drawing/2014/main" id="{90576CD5-D521-499A-A330-5AA00E4C02C0}"/>
               </a:ext>
             </a:extLst>
           </p:cNvPr>
@@ -19891,7 +19890,7 @@
           <p:cNvPr id="3" name="Rectangle 2">
             <a:extLst>
               <a:ext uri="{FF2B5EF4-FFF2-40B4-BE49-F238E27FC236}">
-                <a16:creationId xmlns:a16="http://schemas.microsoft.com/office/drawing/2014/main" xmlns="" id="{E9F5EE9B-EAD7-49D1-8A36-6D3A13E39462}"/>
+                <a16:creationId xmlns:a16="http://schemas.microsoft.com/office/drawing/2014/main" id="{E9F5EE9B-EAD7-49D1-8A36-6D3A13E39462}"/>
               </a:ext>
             </a:extLst>
           </p:cNvPr>
@@ -19940,7 +19939,7 @@
           <p:cNvPr id="9" name="Rectangle 8">
             <a:extLst>
               <a:ext uri="{FF2B5EF4-FFF2-40B4-BE49-F238E27FC236}">
-                <a16:creationId xmlns:a16="http://schemas.microsoft.com/office/drawing/2014/main" xmlns="" id="{31C46744-FA39-43C5-B4AE-0CB44CE09187}"/>
+                <a16:creationId xmlns:a16="http://schemas.microsoft.com/office/drawing/2014/main" id="{31C46744-FA39-43C5-B4AE-0CB44CE09187}"/>
               </a:ext>
             </a:extLst>
           </p:cNvPr>
@@ -19989,7 +19988,7 @@
           <p:cNvPr id="13" name="Rectangle 12">
             <a:extLst>
               <a:ext uri="{FF2B5EF4-FFF2-40B4-BE49-F238E27FC236}">
-                <a16:creationId xmlns:a16="http://schemas.microsoft.com/office/drawing/2014/main" xmlns="" id="{3FC4941D-2BA9-4202-A201-4D899D3D1CC9}"/>
+                <a16:creationId xmlns:a16="http://schemas.microsoft.com/office/drawing/2014/main" id="{3FC4941D-2BA9-4202-A201-4D899D3D1CC9}"/>
               </a:ext>
             </a:extLst>
           </p:cNvPr>
@@ -20038,7 +20037,7 @@
           <p:cNvPr id="14" name="Rectangle 13">
             <a:extLst>
               <a:ext uri="{FF2B5EF4-FFF2-40B4-BE49-F238E27FC236}">
-                <a16:creationId xmlns:a16="http://schemas.microsoft.com/office/drawing/2014/main" xmlns="" id="{D06F4BA9-4183-4CED-9937-CEB561861252}"/>
+                <a16:creationId xmlns:a16="http://schemas.microsoft.com/office/drawing/2014/main" id="{D06F4BA9-4183-4CED-9937-CEB561861252}"/>
               </a:ext>
             </a:extLst>
           </p:cNvPr>
@@ -20117,7 +20116,7 @@
           <p:cNvPr id="2" name="Slide Number Placeholder 1">
             <a:extLst>
               <a:ext uri="{FF2B5EF4-FFF2-40B4-BE49-F238E27FC236}">
-                <a16:creationId xmlns:a16="http://schemas.microsoft.com/office/drawing/2014/main" xmlns="" id="{E2A346D2-342E-4D26-9516-C88A6E8CC150}"/>
+                <a16:creationId xmlns:a16="http://schemas.microsoft.com/office/drawing/2014/main" id="{E2A346D2-342E-4D26-9516-C88A6E8CC150}"/>
               </a:ext>
             </a:extLst>
           </p:cNvPr>
@@ -20146,7 +20145,7 @@
           <p:cNvPr id="4" name="Title 3">
             <a:extLst>
               <a:ext uri="{FF2B5EF4-FFF2-40B4-BE49-F238E27FC236}">
-                <a16:creationId xmlns:a16="http://schemas.microsoft.com/office/drawing/2014/main" xmlns="" id="{6C1750A8-0A53-40DB-B646-EE267E14322F}"/>
+                <a16:creationId xmlns:a16="http://schemas.microsoft.com/office/drawing/2014/main" id="{6C1750A8-0A53-40DB-B646-EE267E14322F}"/>
               </a:ext>
             </a:extLst>
           </p:cNvPr>
@@ -20164,9 +20163,1896 @@
           <a:p>
             <a:r>
               <a:rPr lang="en-US" dirty="0"/>
-              <a:t>BSL flash and initialization details</a:t>
+              <a:t>Installation diagram</a:t>
             </a:r>
             <a:endParaRPr lang="en-IN" dirty="0"/>
+          </a:p>
+        </p:txBody>
+      </p:sp>
+      <p:pic>
+        <p:nvPicPr>
+          <p:cNvPr id="5" name="Picture 4">
+            <a:extLst>
+              <a:ext uri="{FF2B5EF4-FFF2-40B4-BE49-F238E27FC236}">
+                <a16:creationId xmlns:a16="http://schemas.microsoft.com/office/drawing/2014/main" id="{95326BF9-35E0-4DB4-BCCA-650551804F39}"/>
+              </a:ext>
+            </a:extLst>
+          </p:cNvPr>
+          <p:cNvPicPr>
+            <a:picLocks noChangeAspect="1"/>
+          </p:cNvPicPr>
+          <p:nvPr/>
+        </p:nvPicPr>
+        <p:blipFill>
+          <a:blip r:embed="rId2">
+            <a:extLst>
+              <a:ext uri="{28A0092B-C50C-407E-A947-70E740481C1C}">
+                <a14:useLocalDpi xmlns:a14="http://schemas.microsoft.com/office/drawing/2010/main" val="0"/>
+              </a:ext>
+            </a:extLst>
+          </a:blip>
+          <a:stretch>
+            <a:fillRect/>
+          </a:stretch>
+        </p:blipFill>
+        <p:spPr>
+          <a:xfrm>
+            <a:off x="7673007" y="993510"/>
+            <a:ext cx="3866323" cy="5168881"/>
+          </a:xfrm>
+          <a:prstGeom prst="rect">
+            <a:avLst/>
+          </a:prstGeom>
+        </p:spPr>
+      </p:pic>
+      <p:sp>
+        <p:nvSpPr>
+          <p:cNvPr id="6" name="Rectangle 5">
+            <a:extLst>
+              <a:ext uri="{FF2B5EF4-FFF2-40B4-BE49-F238E27FC236}">
+                <a16:creationId xmlns:a16="http://schemas.microsoft.com/office/drawing/2014/main" id="{89D7EA1E-D845-4002-A4EC-7A429BF85E39}"/>
+              </a:ext>
+            </a:extLst>
+          </p:cNvPr>
+          <p:cNvSpPr/>
+          <p:nvPr/>
+        </p:nvSpPr>
+        <p:spPr>
+          <a:xfrm>
+            <a:off x="1643269" y="1761612"/>
+            <a:ext cx="3286542" cy="4346929"/>
+          </a:xfrm>
+          <a:prstGeom prst="rect">
+            <a:avLst/>
+          </a:prstGeom>
+        </p:spPr>
+        <p:style>
+          <a:lnRef idx="2">
+            <a:schemeClr val="accent1">
+              <a:shade val="50000"/>
+            </a:schemeClr>
+          </a:lnRef>
+          <a:fillRef idx="1">
+            <a:schemeClr val="accent1"/>
+          </a:fillRef>
+          <a:effectRef idx="0">
+            <a:schemeClr val="accent1"/>
+          </a:effectRef>
+          <a:fontRef idx="minor">
+            <a:schemeClr val="lt1"/>
+          </a:fontRef>
+        </p:style>
+        <p:txBody>
+          <a:bodyPr rtlCol="0" anchor="ctr"/>
+          <a:lstStyle/>
+          <a:p>
+            <a:pPr algn="ctr"/>
+            <a:endParaRPr lang="en-IN"/>
+          </a:p>
+        </p:txBody>
+      </p:sp>
+      <p:sp>
+        <p:nvSpPr>
+          <p:cNvPr id="7" name="Rectangle 6">
+            <a:extLst>
+              <a:ext uri="{FF2B5EF4-FFF2-40B4-BE49-F238E27FC236}">
+                <a16:creationId xmlns:a16="http://schemas.microsoft.com/office/drawing/2014/main" id="{7D0EF6BF-21AD-40EF-81FD-164653761CD4}"/>
+              </a:ext>
+            </a:extLst>
+          </p:cNvPr>
+          <p:cNvSpPr/>
+          <p:nvPr/>
+        </p:nvSpPr>
+        <p:spPr>
+          <a:xfrm>
+            <a:off x="1643269" y="2902226"/>
+            <a:ext cx="3286542" cy="290720"/>
+          </a:xfrm>
+          <a:prstGeom prst="rect">
+            <a:avLst/>
+          </a:prstGeom>
+          <a:solidFill>
+            <a:schemeClr val="bg1">
+              <a:lumMod val="65000"/>
+            </a:schemeClr>
+          </a:solidFill>
+        </p:spPr>
+        <p:style>
+          <a:lnRef idx="2">
+            <a:schemeClr val="accent1">
+              <a:shade val="50000"/>
+            </a:schemeClr>
+          </a:lnRef>
+          <a:fillRef idx="1">
+            <a:schemeClr val="accent1"/>
+          </a:fillRef>
+          <a:effectRef idx="0">
+            <a:schemeClr val="accent1"/>
+          </a:effectRef>
+          <a:fontRef idx="minor">
+            <a:schemeClr val="lt1"/>
+          </a:fontRef>
+        </p:style>
+        <p:txBody>
+          <a:bodyPr rtlCol="0" anchor="ctr"/>
+          <a:lstStyle/>
+          <a:p>
+            <a:pPr algn="ctr"/>
+            <a:endParaRPr lang="en-IN"/>
+          </a:p>
+        </p:txBody>
+      </p:sp>
+      <p:sp>
+        <p:nvSpPr>
+          <p:cNvPr id="9" name="Rectangle 8">
+            <a:extLst>
+              <a:ext uri="{FF2B5EF4-FFF2-40B4-BE49-F238E27FC236}">
+                <a16:creationId xmlns:a16="http://schemas.microsoft.com/office/drawing/2014/main" id="{7A97B86A-4437-4C69-AB82-2DBA2CA9BCA6}"/>
+              </a:ext>
+            </a:extLst>
+          </p:cNvPr>
+          <p:cNvSpPr/>
+          <p:nvPr/>
+        </p:nvSpPr>
+        <p:spPr>
+          <a:xfrm>
+            <a:off x="1643269" y="5817835"/>
+            <a:ext cx="3286542" cy="290720"/>
+          </a:xfrm>
+          <a:prstGeom prst="rect">
+            <a:avLst/>
+          </a:prstGeom>
+          <a:solidFill>
+            <a:schemeClr val="bg1">
+              <a:lumMod val="65000"/>
+            </a:schemeClr>
+          </a:solidFill>
+        </p:spPr>
+        <p:style>
+          <a:lnRef idx="2">
+            <a:schemeClr val="accent1">
+              <a:shade val="50000"/>
+            </a:schemeClr>
+          </a:lnRef>
+          <a:fillRef idx="1">
+            <a:schemeClr val="accent1"/>
+          </a:fillRef>
+          <a:effectRef idx="0">
+            <a:schemeClr val="accent1"/>
+          </a:effectRef>
+          <a:fontRef idx="minor">
+            <a:schemeClr val="lt1"/>
+          </a:fontRef>
+        </p:style>
+        <p:txBody>
+          <a:bodyPr rtlCol="0" anchor="ctr"/>
+          <a:lstStyle/>
+          <a:p>
+            <a:pPr algn="ctr"/>
+            <a:endParaRPr lang="en-IN"/>
+          </a:p>
+        </p:txBody>
+      </p:sp>
+      <p:sp>
+        <p:nvSpPr>
+          <p:cNvPr id="10" name="Rectangle 9">
+            <a:extLst>
+              <a:ext uri="{FF2B5EF4-FFF2-40B4-BE49-F238E27FC236}">
+                <a16:creationId xmlns:a16="http://schemas.microsoft.com/office/drawing/2014/main" id="{B2A162BC-61DD-44F5-8199-A61B02DF5B87}"/>
+              </a:ext>
+            </a:extLst>
+          </p:cNvPr>
+          <p:cNvSpPr/>
+          <p:nvPr/>
+        </p:nvSpPr>
+        <p:spPr>
+          <a:xfrm>
+            <a:off x="1643269" y="4704239"/>
+            <a:ext cx="3286542" cy="290720"/>
+          </a:xfrm>
+          <a:prstGeom prst="rect">
+            <a:avLst/>
+          </a:prstGeom>
+          <a:solidFill>
+            <a:schemeClr val="bg1">
+              <a:lumMod val="65000"/>
+            </a:schemeClr>
+          </a:solidFill>
+        </p:spPr>
+        <p:style>
+          <a:lnRef idx="2">
+            <a:schemeClr val="accent1">
+              <a:shade val="50000"/>
+            </a:schemeClr>
+          </a:lnRef>
+          <a:fillRef idx="1">
+            <a:schemeClr val="accent1"/>
+          </a:fillRef>
+          <a:effectRef idx="0">
+            <a:schemeClr val="accent1"/>
+          </a:effectRef>
+          <a:fontRef idx="minor">
+            <a:schemeClr val="lt1"/>
+          </a:fontRef>
+        </p:style>
+        <p:txBody>
+          <a:bodyPr rtlCol="0" anchor="ctr"/>
+          <a:lstStyle/>
+          <a:p>
+            <a:pPr algn="ctr"/>
+            <a:endParaRPr lang="en-IN"/>
+          </a:p>
+        </p:txBody>
+      </p:sp>
+      <p:sp>
+        <p:nvSpPr>
+          <p:cNvPr id="13" name="Rectangle 12">
+            <a:extLst>
+              <a:ext uri="{FF2B5EF4-FFF2-40B4-BE49-F238E27FC236}">
+                <a16:creationId xmlns:a16="http://schemas.microsoft.com/office/drawing/2014/main" id="{2AEDA215-4652-418E-A08F-3162DDDC3919}"/>
+              </a:ext>
+            </a:extLst>
+          </p:cNvPr>
+          <p:cNvSpPr/>
+          <p:nvPr/>
+        </p:nvSpPr>
+        <p:spPr>
+          <a:xfrm>
+            <a:off x="1643269" y="1877924"/>
+            <a:ext cx="3286542" cy="290720"/>
+          </a:xfrm>
+          <a:prstGeom prst="rect">
+            <a:avLst/>
+          </a:prstGeom>
+          <a:solidFill>
+            <a:schemeClr val="bg1">
+              <a:lumMod val="65000"/>
+            </a:schemeClr>
+          </a:solidFill>
+        </p:spPr>
+        <p:style>
+          <a:lnRef idx="2">
+            <a:schemeClr val="accent1">
+              <a:shade val="50000"/>
+            </a:schemeClr>
+          </a:lnRef>
+          <a:fillRef idx="1">
+            <a:schemeClr val="accent1"/>
+          </a:fillRef>
+          <a:effectRef idx="0">
+            <a:schemeClr val="accent1"/>
+          </a:effectRef>
+          <a:fontRef idx="minor">
+            <a:schemeClr val="lt1"/>
+          </a:fontRef>
+        </p:style>
+        <p:txBody>
+          <a:bodyPr rtlCol="0" anchor="ctr"/>
+          <a:lstStyle/>
+          <a:p>
+            <a:pPr algn="ctr"/>
+            <a:endParaRPr lang="en-IN"/>
+          </a:p>
+        </p:txBody>
+      </p:sp>
+      <p:sp>
+        <p:nvSpPr>
+          <p:cNvPr id="14" name="Rectangle 13">
+            <a:extLst>
+              <a:ext uri="{FF2B5EF4-FFF2-40B4-BE49-F238E27FC236}">
+                <a16:creationId xmlns:a16="http://schemas.microsoft.com/office/drawing/2014/main" id="{684248AC-3F8F-471E-B92C-4AC29204529E}"/>
+              </a:ext>
+            </a:extLst>
+          </p:cNvPr>
+          <p:cNvSpPr/>
+          <p:nvPr/>
+        </p:nvSpPr>
+        <p:spPr>
+          <a:xfrm rot="5400000">
+            <a:off x="2590693" y="3769421"/>
+            <a:ext cx="4346926" cy="331307"/>
+          </a:xfrm>
+          <a:prstGeom prst="rect">
+            <a:avLst/>
+          </a:prstGeom>
+          <a:solidFill>
+            <a:schemeClr val="bg1">
+              <a:lumMod val="65000"/>
+            </a:schemeClr>
+          </a:solidFill>
+        </p:spPr>
+        <p:style>
+          <a:lnRef idx="2">
+            <a:schemeClr val="accent1">
+              <a:shade val="50000"/>
+            </a:schemeClr>
+          </a:lnRef>
+          <a:fillRef idx="1">
+            <a:schemeClr val="accent1"/>
+          </a:fillRef>
+          <a:effectRef idx="0">
+            <a:schemeClr val="accent1"/>
+          </a:effectRef>
+          <a:fontRef idx="minor">
+            <a:schemeClr val="lt1"/>
+          </a:fontRef>
+        </p:style>
+        <p:txBody>
+          <a:bodyPr rtlCol="0" anchor="ctr"/>
+          <a:lstStyle/>
+          <a:p>
+            <a:pPr algn="ctr"/>
+            <a:endParaRPr lang="en-IN"/>
+          </a:p>
+        </p:txBody>
+      </p:sp>
+      <p:sp>
+        <p:nvSpPr>
+          <p:cNvPr id="15" name="Rectangle 14">
+            <a:extLst>
+              <a:ext uri="{FF2B5EF4-FFF2-40B4-BE49-F238E27FC236}">
+                <a16:creationId xmlns:a16="http://schemas.microsoft.com/office/drawing/2014/main" id="{874F841A-0B49-46C3-B0F5-09521B77C620}"/>
+              </a:ext>
+            </a:extLst>
+          </p:cNvPr>
+          <p:cNvSpPr/>
+          <p:nvPr/>
+        </p:nvSpPr>
+        <p:spPr>
+          <a:xfrm rot="5400000">
+            <a:off x="-367517" y="3773073"/>
+            <a:ext cx="4339629" cy="331307"/>
+          </a:xfrm>
+          <a:prstGeom prst="rect">
+            <a:avLst/>
+          </a:prstGeom>
+          <a:solidFill>
+            <a:schemeClr val="bg1">
+              <a:lumMod val="65000"/>
+            </a:schemeClr>
+          </a:solidFill>
+        </p:spPr>
+        <p:style>
+          <a:lnRef idx="2">
+            <a:schemeClr val="accent1">
+              <a:shade val="50000"/>
+            </a:schemeClr>
+          </a:lnRef>
+          <a:fillRef idx="1">
+            <a:schemeClr val="accent1"/>
+          </a:fillRef>
+          <a:effectRef idx="0">
+            <a:schemeClr val="accent1"/>
+          </a:effectRef>
+          <a:fontRef idx="minor">
+            <a:schemeClr val="lt1"/>
+          </a:fontRef>
+        </p:style>
+        <p:txBody>
+          <a:bodyPr rtlCol="0" anchor="ctr"/>
+          <a:lstStyle/>
+          <a:p>
+            <a:pPr algn="ctr"/>
+            <a:endParaRPr lang="en-IN"/>
+          </a:p>
+        </p:txBody>
+      </p:sp>
+      <p:sp>
+        <p:nvSpPr>
+          <p:cNvPr id="16" name="Rectangle 15">
+            <a:extLst>
+              <a:ext uri="{FF2B5EF4-FFF2-40B4-BE49-F238E27FC236}">
+                <a16:creationId xmlns:a16="http://schemas.microsoft.com/office/drawing/2014/main" id="{A06D9173-D4A1-4476-81FE-F0700C7894BA}"/>
+              </a:ext>
+            </a:extLst>
+          </p:cNvPr>
+          <p:cNvSpPr/>
+          <p:nvPr/>
+        </p:nvSpPr>
+        <p:spPr>
+          <a:xfrm>
+            <a:off x="2332927" y="3270319"/>
+            <a:ext cx="331308" cy="1347808"/>
+          </a:xfrm>
+          <a:prstGeom prst="rect">
+            <a:avLst/>
+          </a:prstGeom>
+          <a:solidFill>
+            <a:schemeClr val="bg1">
+              <a:lumMod val="65000"/>
+            </a:schemeClr>
+          </a:solidFill>
+        </p:spPr>
+        <p:style>
+          <a:lnRef idx="2">
+            <a:schemeClr val="accent1">
+              <a:shade val="50000"/>
+            </a:schemeClr>
+          </a:lnRef>
+          <a:fillRef idx="1">
+            <a:schemeClr val="accent1"/>
+          </a:fillRef>
+          <a:effectRef idx="0">
+            <a:schemeClr val="accent1"/>
+          </a:effectRef>
+          <a:fontRef idx="minor">
+            <a:schemeClr val="lt1"/>
+          </a:fontRef>
+        </p:style>
+        <p:txBody>
+          <a:bodyPr rtlCol="0" anchor="ctr"/>
+          <a:lstStyle/>
+          <a:p>
+            <a:pPr algn="ctr"/>
+            <a:endParaRPr lang="en-IN"/>
+          </a:p>
+        </p:txBody>
+      </p:sp>
+      <p:sp>
+        <p:nvSpPr>
+          <p:cNvPr id="17" name="Rectangle 16">
+            <a:extLst>
+              <a:ext uri="{FF2B5EF4-FFF2-40B4-BE49-F238E27FC236}">
+                <a16:creationId xmlns:a16="http://schemas.microsoft.com/office/drawing/2014/main" id="{0F891F5C-D294-4AE2-B14D-7BAA43F9C8B4}"/>
+              </a:ext>
+            </a:extLst>
+          </p:cNvPr>
+          <p:cNvSpPr/>
+          <p:nvPr/>
+        </p:nvSpPr>
+        <p:spPr>
+          <a:xfrm>
+            <a:off x="2988367" y="3868662"/>
+            <a:ext cx="212012" cy="320859"/>
+          </a:xfrm>
+          <a:prstGeom prst="rect">
+            <a:avLst/>
+          </a:prstGeom>
+          <a:solidFill>
+            <a:schemeClr val="bg1">
+              <a:lumMod val="65000"/>
+            </a:schemeClr>
+          </a:solidFill>
+        </p:spPr>
+        <p:style>
+          <a:lnRef idx="2">
+            <a:schemeClr val="accent1">
+              <a:shade val="50000"/>
+            </a:schemeClr>
+          </a:lnRef>
+          <a:fillRef idx="1">
+            <a:schemeClr val="accent1"/>
+          </a:fillRef>
+          <a:effectRef idx="0">
+            <a:schemeClr val="accent1"/>
+          </a:effectRef>
+          <a:fontRef idx="minor">
+            <a:schemeClr val="lt1"/>
+          </a:fontRef>
+        </p:style>
+        <p:txBody>
+          <a:bodyPr rtlCol="0" anchor="ctr"/>
+          <a:lstStyle/>
+          <a:p>
+            <a:pPr algn="ctr"/>
+            <a:endParaRPr lang="en-IN"/>
+          </a:p>
+        </p:txBody>
+      </p:sp>
+      <p:sp>
+        <p:nvSpPr>
+          <p:cNvPr id="18" name="Rectangle 17">
+            <a:extLst>
+              <a:ext uri="{FF2B5EF4-FFF2-40B4-BE49-F238E27FC236}">
+                <a16:creationId xmlns:a16="http://schemas.microsoft.com/office/drawing/2014/main" id="{9A6B98EE-D35F-4E7D-8106-86821446E6E4}"/>
+              </a:ext>
+            </a:extLst>
+          </p:cNvPr>
+          <p:cNvSpPr/>
+          <p:nvPr/>
+        </p:nvSpPr>
+        <p:spPr>
+          <a:xfrm>
+            <a:off x="3198379" y="3868662"/>
+            <a:ext cx="212012" cy="320860"/>
+          </a:xfrm>
+          <a:prstGeom prst="rect">
+            <a:avLst/>
+          </a:prstGeom>
+          <a:solidFill>
+            <a:schemeClr val="bg1">
+              <a:lumMod val="65000"/>
+            </a:schemeClr>
+          </a:solidFill>
+        </p:spPr>
+        <p:style>
+          <a:lnRef idx="2">
+            <a:schemeClr val="accent1">
+              <a:shade val="50000"/>
+            </a:schemeClr>
+          </a:lnRef>
+          <a:fillRef idx="1">
+            <a:schemeClr val="accent1"/>
+          </a:fillRef>
+          <a:effectRef idx="0">
+            <a:schemeClr val="accent1"/>
+          </a:effectRef>
+          <a:fontRef idx="minor">
+            <a:schemeClr val="lt1"/>
+          </a:fontRef>
+        </p:style>
+        <p:txBody>
+          <a:bodyPr rtlCol="0" anchor="ctr"/>
+          <a:lstStyle/>
+          <a:p>
+            <a:pPr algn="ctr"/>
+            <a:endParaRPr lang="en-IN"/>
+          </a:p>
+        </p:txBody>
+      </p:sp>
+      <p:sp>
+        <p:nvSpPr>
+          <p:cNvPr id="21" name="Rectangle 20">
+            <a:extLst>
+              <a:ext uri="{FF2B5EF4-FFF2-40B4-BE49-F238E27FC236}">
+                <a16:creationId xmlns:a16="http://schemas.microsoft.com/office/drawing/2014/main" id="{796A0DCF-F773-4D97-B918-31A41DDFE605}"/>
+              </a:ext>
+            </a:extLst>
+          </p:cNvPr>
+          <p:cNvSpPr/>
+          <p:nvPr/>
+        </p:nvSpPr>
+        <p:spPr>
+          <a:xfrm>
+            <a:off x="3478417" y="3871973"/>
+            <a:ext cx="212012" cy="320859"/>
+          </a:xfrm>
+          <a:prstGeom prst="rect">
+            <a:avLst/>
+          </a:prstGeom>
+          <a:solidFill>
+            <a:schemeClr val="bg1">
+              <a:lumMod val="65000"/>
+            </a:schemeClr>
+          </a:solidFill>
+        </p:spPr>
+        <p:style>
+          <a:lnRef idx="2">
+            <a:schemeClr val="accent1">
+              <a:shade val="50000"/>
+            </a:schemeClr>
+          </a:lnRef>
+          <a:fillRef idx="1">
+            <a:schemeClr val="accent1"/>
+          </a:fillRef>
+          <a:effectRef idx="0">
+            <a:schemeClr val="accent1"/>
+          </a:effectRef>
+          <a:fontRef idx="minor">
+            <a:schemeClr val="lt1"/>
+          </a:fontRef>
+        </p:style>
+        <p:txBody>
+          <a:bodyPr rtlCol="0" anchor="ctr"/>
+          <a:lstStyle/>
+          <a:p>
+            <a:pPr algn="ctr"/>
+            <a:endParaRPr lang="en-IN"/>
+          </a:p>
+        </p:txBody>
+      </p:sp>
+      <p:sp>
+        <p:nvSpPr>
+          <p:cNvPr id="22" name="Rectangle 21">
+            <a:extLst>
+              <a:ext uri="{FF2B5EF4-FFF2-40B4-BE49-F238E27FC236}">
+                <a16:creationId xmlns:a16="http://schemas.microsoft.com/office/drawing/2014/main" id="{238C1AFF-D776-4A8F-B87F-6C505D6A583E}"/>
+              </a:ext>
+            </a:extLst>
+          </p:cNvPr>
+          <p:cNvSpPr/>
+          <p:nvPr/>
+        </p:nvSpPr>
+        <p:spPr>
+          <a:xfrm>
+            <a:off x="3688429" y="3871973"/>
+            <a:ext cx="212012" cy="320860"/>
+          </a:xfrm>
+          <a:prstGeom prst="rect">
+            <a:avLst/>
+          </a:prstGeom>
+          <a:solidFill>
+            <a:schemeClr val="bg1">
+              <a:lumMod val="65000"/>
+            </a:schemeClr>
+          </a:solidFill>
+        </p:spPr>
+        <p:style>
+          <a:lnRef idx="2">
+            <a:schemeClr val="accent1">
+              <a:shade val="50000"/>
+            </a:schemeClr>
+          </a:lnRef>
+          <a:fillRef idx="1">
+            <a:schemeClr val="accent1"/>
+          </a:fillRef>
+          <a:effectRef idx="0">
+            <a:schemeClr val="accent1"/>
+          </a:effectRef>
+          <a:fontRef idx="minor">
+            <a:schemeClr val="lt1"/>
+          </a:fontRef>
+        </p:style>
+        <p:txBody>
+          <a:bodyPr rtlCol="0" anchor="ctr"/>
+          <a:lstStyle/>
+          <a:p>
+            <a:pPr algn="ctr"/>
+            <a:endParaRPr lang="en-IN"/>
+          </a:p>
+        </p:txBody>
+      </p:sp>
+      <p:sp>
+        <p:nvSpPr>
+          <p:cNvPr id="23" name="Rectangle 22">
+            <a:extLst>
+              <a:ext uri="{FF2B5EF4-FFF2-40B4-BE49-F238E27FC236}">
+                <a16:creationId xmlns:a16="http://schemas.microsoft.com/office/drawing/2014/main" id="{1EF6F2F9-C8CB-4159-8771-B55B35FAF349}"/>
+              </a:ext>
+            </a:extLst>
+          </p:cNvPr>
+          <p:cNvSpPr/>
+          <p:nvPr/>
+        </p:nvSpPr>
+        <p:spPr>
+          <a:xfrm>
+            <a:off x="3898441" y="3873741"/>
+            <a:ext cx="212012" cy="320859"/>
+          </a:xfrm>
+          <a:prstGeom prst="rect">
+            <a:avLst/>
+          </a:prstGeom>
+          <a:solidFill>
+            <a:schemeClr val="bg1">
+              <a:lumMod val="65000"/>
+            </a:schemeClr>
+          </a:solidFill>
+        </p:spPr>
+        <p:style>
+          <a:lnRef idx="2">
+            <a:schemeClr val="accent1">
+              <a:shade val="50000"/>
+            </a:schemeClr>
+          </a:lnRef>
+          <a:fillRef idx="1">
+            <a:schemeClr val="accent1"/>
+          </a:fillRef>
+          <a:effectRef idx="0">
+            <a:schemeClr val="accent1"/>
+          </a:effectRef>
+          <a:fontRef idx="minor">
+            <a:schemeClr val="lt1"/>
+          </a:fontRef>
+        </p:style>
+        <p:txBody>
+          <a:bodyPr rtlCol="0" anchor="ctr"/>
+          <a:lstStyle/>
+          <a:p>
+            <a:pPr algn="ctr"/>
+            <a:endParaRPr lang="en-IN"/>
+          </a:p>
+        </p:txBody>
+      </p:sp>
+      <p:sp>
+        <p:nvSpPr>
+          <p:cNvPr id="24" name="Rectangle 23">
+            <a:extLst>
+              <a:ext uri="{FF2B5EF4-FFF2-40B4-BE49-F238E27FC236}">
+                <a16:creationId xmlns:a16="http://schemas.microsoft.com/office/drawing/2014/main" id="{3344B645-AE96-4C05-A0D5-FAB443549913}"/>
+              </a:ext>
+            </a:extLst>
+          </p:cNvPr>
+          <p:cNvSpPr/>
+          <p:nvPr/>
+        </p:nvSpPr>
+        <p:spPr>
+          <a:xfrm>
+            <a:off x="4108453" y="3873741"/>
+            <a:ext cx="212012" cy="320860"/>
+          </a:xfrm>
+          <a:prstGeom prst="rect">
+            <a:avLst/>
+          </a:prstGeom>
+          <a:solidFill>
+            <a:schemeClr val="bg1">
+              <a:lumMod val="65000"/>
+            </a:schemeClr>
+          </a:solidFill>
+        </p:spPr>
+        <p:style>
+          <a:lnRef idx="2">
+            <a:schemeClr val="accent1">
+              <a:shade val="50000"/>
+            </a:schemeClr>
+          </a:lnRef>
+          <a:fillRef idx="1">
+            <a:schemeClr val="accent1"/>
+          </a:fillRef>
+          <a:effectRef idx="0">
+            <a:schemeClr val="accent1"/>
+          </a:effectRef>
+          <a:fontRef idx="minor">
+            <a:schemeClr val="lt1"/>
+          </a:fontRef>
+        </p:style>
+        <p:txBody>
+          <a:bodyPr rtlCol="0" anchor="ctr"/>
+          <a:lstStyle/>
+          <a:p>
+            <a:pPr algn="ctr"/>
+            <a:endParaRPr lang="en-IN"/>
+          </a:p>
+        </p:txBody>
+      </p:sp>
+      <p:sp>
+        <p:nvSpPr>
+          <p:cNvPr id="25" name="Rectangle 24">
+            <a:extLst>
+              <a:ext uri="{FF2B5EF4-FFF2-40B4-BE49-F238E27FC236}">
+                <a16:creationId xmlns:a16="http://schemas.microsoft.com/office/drawing/2014/main" id="{FC43C556-C614-427F-9797-AF2457ED69BF}"/>
+              </a:ext>
+            </a:extLst>
+          </p:cNvPr>
+          <p:cNvSpPr/>
+          <p:nvPr/>
+        </p:nvSpPr>
+        <p:spPr>
+          <a:xfrm>
+            <a:off x="3737121" y="2257679"/>
+            <a:ext cx="161320" cy="320859"/>
+          </a:xfrm>
+          <a:prstGeom prst="rect">
+            <a:avLst/>
+          </a:prstGeom>
+          <a:solidFill>
+            <a:srgbClr val="FF0000"/>
+          </a:solidFill>
+          <a:ln>
+            <a:solidFill>
+              <a:srgbClr val="FF0000"/>
+            </a:solidFill>
+          </a:ln>
+        </p:spPr>
+        <p:style>
+          <a:lnRef idx="2">
+            <a:schemeClr val="accent1">
+              <a:shade val="50000"/>
+            </a:schemeClr>
+          </a:lnRef>
+          <a:fillRef idx="1">
+            <a:schemeClr val="accent1"/>
+          </a:fillRef>
+          <a:effectRef idx="0">
+            <a:schemeClr val="accent1"/>
+          </a:effectRef>
+          <a:fontRef idx="minor">
+            <a:schemeClr val="lt1"/>
+          </a:fontRef>
+        </p:style>
+        <p:txBody>
+          <a:bodyPr rtlCol="0" anchor="ctr"/>
+          <a:lstStyle/>
+          <a:p>
+            <a:pPr algn="ctr"/>
+            <a:endParaRPr lang="en-IN"/>
+          </a:p>
+        </p:txBody>
+      </p:sp>
+      <p:sp>
+        <p:nvSpPr>
+          <p:cNvPr id="26" name="Rectangle 25">
+            <a:extLst>
+              <a:ext uri="{FF2B5EF4-FFF2-40B4-BE49-F238E27FC236}">
+                <a16:creationId xmlns:a16="http://schemas.microsoft.com/office/drawing/2014/main" id="{402AA0D7-EFBD-4655-875A-61CE7FA255F3}"/>
+              </a:ext>
+            </a:extLst>
+          </p:cNvPr>
+          <p:cNvSpPr/>
+          <p:nvPr/>
+        </p:nvSpPr>
+        <p:spPr>
+          <a:xfrm>
+            <a:off x="3949507" y="2263736"/>
+            <a:ext cx="158946" cy="320859"/>
+          </a:xfrm>
+          <a:prstGeom prst="rect">
+            <a:avLst/>
+          </a:prstGeom>
+          <a:solidFill>
+            <a:srgbClr val="0070C0"/>
+          </a:solidFill>
+        </p:spPr>
+        <p:style>
+          <a:lnRef idx="2">
+            <a:schemeClr val="accent1">
+              <a:shade val="50000"/>
+            </a:schemeClr>
+          </a:lnRef>
+          <a:fillRef idx="1">
+            <a:schemeClr val="accent1"/>
+          </a:fillRef>
+          <a:effectRef idx="0">
+            <a:schemeClr val="accent1"/>
+          </a:effectRef>
+          <a:fontRef idx="minor">
+            <a:schemeClr val="lt1"/>
+          </a:fontRef>
+        </p:style>
+        <p:txBody>
+          <a:bodyPr rtlCol="0" anchor="ctr"/>
+          <a:lstStyle/>
+          <a:p>
+            <a:pPr algn="ctr"/>
+            <a:endParaRPr lang="en-IN"/>
+          </a:p>
+        </p:txBody>
+      </p:sp>
+      <p:sp>
+        <p:nvSpPr>
+          <p:cNvPr id="27" name="Rectangle 26">
+            <a:extLst>
+              <a:ext uri="{FF2B5EF4-FFF2-40B4-BE49-F238E27FC236}">
+                <a16:creationId xmlns:a16="http://schemas.microsoft.com/office/drawing/2014/main" id="{943CE897-385F-42D6-B24A-D2C3085B0797}"/>
+              </a:ext>
+            </a:extLst>
+          </p:cNvPr>
+          <p:cNvSpPr/>
+          <p:nvPr/>
+        </p:nvSpPr>
+        <p:spPr>
+          <a:xfrm>
+            <a:off x="4955299" y="430070"/>
+            <a:ext cx="1905000" cy="891220"/>
+          </a:xfrm>
+          <a:prstGeom prst="rect">
+            <a:avLst/>
+          </a:prstGeom>
+        </p:spPr>
+        <p:style>
+          <a:lnRef idx="2">
+            <a:schemeClr val="accent1">
+              <a:shade val="50000"/>
+            </a:schemeClr>
+          </a:lnRef>
+          <a:fillRef idx="1">
+            <a:schemeClr val="accent1"/>
+          </a:fillRef>
+          <a:effectRef idx="0">
+            <a:schemeClr val="accent1"/>
+          </a:effectRef>
+          <a:fontRef idx="minor">
+            <a:schemeClr val="lt1"/>
+          </a:fontRef>
+        </p:style>
+        <p:txBody>
+          <a:bodyPr rtlCol="0" anchor="ctr"/>
+          <a:lstStyle/>
+          <a:p>
+            <a:pPr algn="ctr"/>
+            <a:r>
+              <a:rPr lang="en-IN" dirty="0"/>
+              <a:t>24 v Banks</a:t>
+            </a:r>
+          </a:p>
+        </p:txBody>
+      </p:sp>
+      <p:cxnSp>
+        <p:nvCxnSpPr>
+          <p:cNvPr id="29" name="Straight Arrow Connector 28">
+            <a:extLst>
+              <a:ext uri="{FF2B5EF4-FFF2-40B4-BE49-F238E27FC236}">
+                <a16:creationId xmlns:a16="http://schemas.microsoft.com/office/drawing/2014/main" id="{2B8ED8EC-F86A-42CA-9ECF-82E176807F95}"/>
+              </a:ext>
+            </a:extLst>
+          </p:cNvPr>
+          <p:cNvCxnSpPr>
+            <a:cxnSpLocks/>
+            <a:endCxn id="25" idx="3"/>
+          </p:cNvCxnSpPr>
+          <p:nvPr/>
+        </p:nvCxnSpPr>
+        <p:spPr>
+          <a:xfrm flipH="1">
+            <a:off x="3898441" y="1790080"/>
+            <a:ext cx="1056858" cy="628029"/>
+          </a:xfrm>
+          <a:prstGeom prst="straightConnector1">
+            <a:avLst/>
+          </a:prstGeom>
+          <a:ln>
+            <a:solidFill>
+              <a:schemeClr val="bg1"/>
+            </a:solidFill>
+            <a:tailEnd type="triangle"/>
+          </a:ln>
+        </p:spPr>
+        <p:style>
+          <a:lnRef idx="1">
+            <a:schemeClr val="accent1"/>
+          </a:lnRef>
+          <a:fillRef idx="0">
+            <a:schemeClr val="accent1"/>
+          </a:fillRef>
+          <a:effectRef idx="0">
+            <a:schemeClr val="accent1"/>
+          </a:effectRef>
+          <a:fontRef idx="minor">
+            <a:schemeClr val="tx1"/>
+          </a:fontRef>
+        </p:style>
+      </p:cxnSp>
+      <p:cxnSp>
+        <p:nvCxnSpPr>
+          <p:cNvPr id="32" name="Straight Connector 31">
+            <a:extLst>
+              <a:ext uri="{FF2B5EF4-FFF2-40B4-BE49-F238E27FC236}">
+                <a16:creationId xmlns:a16="http://schemas.microsoft.com/office/drawing/2014/main" id="{1429AE19-BA41-463B-84C6-DA1280E4D76B}"/>
+              </a:ext>
+            </a:extLst>
+          </p:cNvPr>
+          <p:cNvCxnSpPr/>
+          <p:nvPr/>
+        </p:nvCxnSpPr>
+        <p:spPr>
+          <a:xfrm flipV="1">
+            <a:off x="3836992" y="3047586"/>
+            <a:ext cx="0" cy="821076"/>
+          </a:xfrm>
+          <a:prstGeom prst="line">
+            <a:avLst/>
+          </a:prstGeom>
+          <a:ln>
+            <a:solidFill>
+              <a:srgbClr val="FF0000"/>
+            </a:solidFill>
+          </a:ln>
+        </p:spPr>
+        <p:style>
+          <a:lnRef idx="1">
+            <a:schemeClr val="accent1"/>
+          </a:lnRef>
+          <a:fillRef idx="0">
+            <a:schemeClr val="accent1"/>
+          </a:fillRef>
+          <a:effectRef idx="0">
+            <a:schemeClr val="accent1"/>
+          </a:effectRef>
+          <a:fontRef idx="minor">
+            <a:schemeClr val="tx1"/>
+          </a:fontRef>
+        </p:style>
+      </p:cxnSp>
+      <p:cxnSp>
+        <p:nvCxnSpPr>
+          <p:cNvPr id="33" name="Straight Connector 32">
+            <a:extLst>
+              <a:ext uri="{FF2B5EF4-FFF2-40B4-BE49-F238E27FC236}">
+                <a16:creationId xmlns:a16="http://schemas.microsoft.com/office/drawing/2014/main" id="{8DE711A9-10AB-4700-9CC7-F7AD591987B1}"/>
+              </a:ext>
+            </a:extLst>
+          </p:cNvPr>
+          <p:cNvCxnSpPr>
+            <a:cxnSpLocks/>
+          </p:cNvCxnSpPr>
+          <p:nvPr/>
+        </p:nvCxnSpPr>
+        <p:spPr>
+          <a:xfrm flipH="1">
+            <a:off x="3061964" y="3047586"/>
+            <a:ext cx="832178" cy="0"/>
+          </a:xfrm>
+          <a:prstGeom prst="line">
+            <a:avLst/>
+          </a:prstGeom>
+          <a:ln>
+            <a:solidFill>
+              <a:srgbClr val="FF0000"/>
+            </a:solidFill>
+          </a:ln>
+        </p:spPr>
+        <p:style>
+          <a:lnRef idx="1">
+            <a:schemeClr val="accent1"/>
+          </a:lnRef>
+          <a:fillRef idx="0">
+            <a:schemeClr val="accent1"/>
+          </a:fillRef>
+          <a:effectRef idx="0">
+            <a:schemeClr val="accent1"/>
+          </a:effectRef>
+          <a:fontRef idx="minor">
+            <a:schemeClr val="tx1"/>
+          </a:fontRef>
+        </p:style>
+      </p:cxnSp>
+      <p:cxnSp>
+        <p:nvCxnSpPr>
+          <p:cNvPr id="37" name="Straight Connector 36">
+            <a:extLst>
+              <a:ext uri="{FF2B5EF4-FFF2-40B4-BE49-F238E27FC236}">
+                <a16:creationId xmlns:a16="http://schemas.microsoft.com/office/drawing/2014/main" id="{930F396B-3365-4D6E-8B99-4A760944D450}"/>
+              </a:ext>
+            </a:extLst>
+          </p:cNvPr>
+          <p:cNvCxnSpPr/>
+          <p:nvPr/>
+        </p:nvCxnSpPr>
+        <p:spPr>
+          <a:xfrm flipV="1">
+            <a:off x="3053068" y="3047586"/>
+            <a:ext cx="0" cy="821076"/>
+          </a:xfrm>
+          <a:prstGeom prst="line">
+            <a:avLst/>
+          </a:prstGeom>
+          <a:ln>
+            <a:solidFill>
+              <a:srgbClr val="FF0000"/>
+            </a:solidFill>
+          </a:ln>
+        </p:spPr>
+        <p:style>
+          <a:lnRef idx="1">
+            <a:schemeClr val="accent1"/>
+          </a:lnRef>
+          <a:fillRef idx="0">
+            <a:schemeClr val="accent1"/>
+          </a:fillRef>
+          <a:effectRef idx="0">
+            <a:schemeClr val="accent1"/>
+          </a:effectRef>
+          <a:fontRef idx="minor">
+            <a:schemeClr val="tx1"/>
+          </a:fontRef>
+        </p:style>
+      </p:cxnSp>
+      <p:cxnSp>
+        <p:nvCxnSpPr>
+          <p:cNvPr id="38" name="Straight Connector 37">
+            <a:extLst>
+              <a:ext uri="{FF2B5EF4-FFF2-40B4-BE49-F238E27FC236}">
+                <a16:creationId xmlns:a16="http://schemas.microsoft.com/office/drawing/2014/main" id="{D8F4BF7C-E227-4246-95DE-74069356B08B}"/>
+              </a:ext>
+            </a:extLst>
+          </p:cNvPr>
+          <p:cNvCxnSpPr>
+            <a:cxnSpLocks/>
+          </p:cNvCxnSpPr>
+          <p:nvPr/>
+        </p:nvCxnSpPr>
+        <p:spPr>
+          <a:xfrm flipH="1" flipV="1">
+            <a:off x="3794435" y="3124200"/>
+            <a:ext cx="2299" cy="744462"/>
+          </a:xfrm>
+          <a:prstGeom prst="line">
+            <a:avLst/>
+          </a:prstGeom>
+          <a:ln>
+            <a:solidFill>
+              <a:srgbClr val="006780"/>
+            </a:solidFill>
+          </a:ln>
+        </p:spPr>
+        <p:style>
+          <a:lnRef idx="1">
+            <a:schemeClr val="accent1"/>
+          </a:lnRef>
+          <a:fillRef idx="0">
+            <a:schemeClr val="accent1"/>
+          </a:fillRef>
+          <a:effectRef idx="0">
+            <a:schemeClr val="accent1"/>
+          </a:effectRef>
+          <a:fontRef idx="minor">
+            <a:schemeClr val="tx1"/>
+          </a:fontRef>
+        </p:style>
+      </p:cxnSp>
+      <p:cxnSp>
+        <p:nvCxnSpPr>
+          <p:cNvPr id="41" name="Straight Connector 40">
+            <a:extLst>
+              <a:ext uri="{FF2B5EF4-FFF2-40B4-BE49-F238E27FC236}">
+                <a16:creationId xmlns:a16="http://schemas.microsoft.com/office/drawing/2014/main" id="{EE29DF7D-2BE2-4671-A418-04B39D1F1B97}"/>
+              </a:ext>
+            </a:extLst>
+          </p:cNvPr>
+          <p:cNvCxnSpPr>
+            <a:cxnSpLocks/>
+          </p:cNvCxnSpPr>
+          <p:nvPr/>
+        </p:nvCxnSpPr>
+        <p:spPr>
+          <a:xfrm flipH="1" flipV="1">
+            <a:off x="3124574" y="3133699"/>
+            <a:ext cx="2299" cy="744462"/>
+          </a:xfrm>
+          <a:prstGeom prst="line">
+            <a:avLst/>
+          </a:prstGeom>
+          <a:ln>
+            <a:solidFill>
+              <a:srgbClr val="006780"/>
+            </a:solidFill>
+          </a:ln>
+        </p:spPr>
+        <p:style>
+          <a:lnRef idx="1">
+            <a:schemeClr val="accent1"/>
+          </a:lnRef>
+          <a:fillRef idx="0">
+            <a:schemeClr val="accent1"/>
+          </a:fillRef>
+          <a:effectRef idx="0">
+            <a:schemeClr val="accent1"/>
+          </a:effectRef>
+          <a:fontRef idx="minor">
+            <a:schemeClr val="tx1"/>
+          </a:fontRef>
+        </p:style>
+      </p:cxnSp>
+      <p:cxnSp>
+        <p:nvCxnSpPr>
+          <p:cNvPr id="42" name="Straight Connector 41">
+            <a:extLst>
+              <a:ext uri="{FF2B5EF4-FFF2-40B4-BE49-F238E27FC236}">
+                <a16:creationId xmlns:a16="http://schemas.microsoft.com/office/drawing/2014/main" id="{D34D9FA9-1EDC-4B60-95AB-205F00D71137}"/>
+              </a:ext>
+            </a:extLst>
+          </p:cNvPr>
+          <p:cNvCxnSpPr>
+            <a:cxnSpLocks/>
+          </p:cNvCxnSpPr>
+          <p:nvPr/>
+        </p:nvCxnSpPr>
+        <p:spPr>
+          <a:xfrm>
+            <a:off x="3124574" y="3124190"/>
+            <a:ext cx="669861" cy="0"/>
+          </a:xfrm>
+          <a:prstGeom prst="line">
+            <a:avLst/>
+          </a:prstGeom>
+          <a:ln>
+            <a:solidFill>
+              <a:srgbClr val="006780"/>
+            </a:solidFill>
+          </a:ln>
+        </p:spPr>
+        <p:style>
+          <a:lnRef idx="1">
+            <a:schemeClr val="accent1"/>
+          </a:lnRef>
+          <a:fillRef idx="0">
+            <a:schemeClr val="accent1"/>
+          </a:fillRef>
+          <a:effectRef idx="0">
+            <a:schemeClr val="accent1"/>
+          </a:effectRef>
+          <a:fontRef idx="minor">
+            <a:schemeClr val="tx1"/>
+          </a:fontRef>
+        </p:style>
+      </p:cxnSp>
+      <p:sp>
+        <p:nvSpPr>
+          <p:cNvPr id="46" name="Rectangle 45">
+            <a:extLst>
+              <a:ext uri="{FF2B5EF4-FFF2-40B4-BE49-F238E27FC236}">
+                <a16:creationId xmlns:a16="http://schemas.microsoft.com/office/drawing/2014/main" id="{3113916F-57F8-4F2B-926E-C292538299DD}"/>
+              </a:ext>
+            </a:extLst>
+          </p:cNvPr>
+          <p:cNvSpPr/>
+          <p:nvPr/>
+        </p:nvSpPr>
+        <p:spPr>
+          <a:xfrm>
+            <a:off x="2088184" y="3868772"/>
+            <a:ext cx="80858" cy="320859"/>
+          </a:xfrm>
+          <a:prstGeom prst="rect">
+            <a:avLst/>
+          </a:prstGeom>
+          <a:solidFill>
+            <a:srgbClr val="FF0000"/>
+          </a:solidFill>
+          <a:ln>
+            <a:solidFill>
+              <a:srgbClr val="FF0000"/>
+            </a:solidFill>
+          </a:ln>
+        </p:spPr>
+        <p:style>
+          <a:lnRef idx="2">
+            <a:schemeClr val="accent1">
+              <a:shade val="50000"/>
+            </a:schemeClr>
+          </a:lnRef>
+          <a:fillRef idx="1">
+            <a:schemeClr val="accent1"/>
+          </a:fillRef>
+          <a:effectRef idx="0">
+            <a:schemeClr val="accent1"/>
+          </a:effectRef>
+          <a:fontRef idx="minor">
+            <a:schemeClr val="lt1"/>
+          </a:fontRef>
+        </p:style>
+        <p:txBody>
+          <a:bodyPr rtlCol="0" anchor="ctr"/>
+          <a:lstStyle/>
+          <a:p>
+            <a:pPr algn="ctr"/>
+            <a:endParaRPr lang="en-IN"/>
+          </a:p>
+        </p:txBody>
+      </p:sp>
+      <p:sp>
+        <p:nvSpPr>
+          <p:cNvPr id="47" name="Rectangle 46">
+            <a:extLst>
+              <a:ext uri="{FF2B5EF4-FFF2-40B4-BE49-F238E27FC236}">
+                <a16:creationId xmlns:a16="http://schemas.microsoft.com/office/drawing/2014/main" id="{00797844-E797-4664-BD63-49BBBDF70C70}"/>
+              </a:ext>
+            </a:extLst>
+          </p:cNvPr>
+          <p:cNvSpPr/>
+          <p:nvPr/>
+        </p:nvSpPr>
+        <p:spPr>
+          <a:xfrm flipH="1">
+            <a:off x="2175666" y="3868479"/>
+            <a:ext cx="124904" cy="320859"/>
+          </a:xfrm>
+          <a:prstGeom prst="rect">
+            <a:avLst/>
+          </a:prstGeom>
+          <a:solidFill>
+            <a:srgbClr val="0070C0"/>
+          </a:solidFill>
+        </p:spPr>
+        <p:style>
+          <a:lnRef idx="2">
+            <a:schemeClr val="accent1">
+              <a:shade val="50000"/>
+            </a:schemeClr>
+          </a:lnRef>
+          <a:fillRef idx="1">
+            <a:schemeClr val="accent1"/>
+          </a:fillRef>
+          <a:effectRef idx="0">
+            <a:schemeClr val="accent1"/>
+          </a:effectRef>
+          <a:fontRef idx="minor">
+            <a:schemeClr val="lt1"/>
+          </a:fontRef>
+        </p:style>
+        <p:txBody>
+          <a:bodyPr rtlCol="0" anchor="ctr"/>
+          <a:lstStyle/>
+          <a:p>
+            <a:pPr algn="ctr"/>
+            <a:endParaRPr lang="en-IN"/>
+          </a:p>
+        </p:txBody>
+      </p:sp>
+      <p:sp>
+        <p:nvSpPr>
+          <p:cNvPr id="48" name="Rectangle 47">
+            <a:extLst>
+              <a:ext uri="{FF2B5EF4-FFF2-40B4-BE49-F238E27FC236}">
+                <a16:creationId xmlns:a16="http://schemas.microsoft.com/office/drawing/2014/main" id="{E193F87F-4225-4FD9-A7AF-619508318E6A}"/>
+              </a:ext>
+            </a:extLst>
+          </p:cNvPr>
+          <p:cNvSpPr/>
+          <p:nvPr/>
+        </p:nvSpPr>
+        <p:spPr>
+          <a:xfrm>
+            <a:off x="2997892" y="5177729"/>
+            <a:ext cx="45719" cy="457336"/>
+          </a:xfrm>
+          <a:prstGeom prst="rect">
+            <a:avLst/>
+          </a:prstGeom>
+          <a:solidFill>
+            <a:schemeClr val="tx1"/>
+          </a:solidFill>
+        </p:spPr>
+        <p:style>
+          <a:lnRef idx="2">
+            <a:schemeClr val="accent1">
+              <a:shade val="50000"/>
+            </a:schemeClr>
+          </a:lnRef>
+          <a:fillRef idx="1">
+            <a:schemeClr val="accent1"/>
+          </a:fillRef>
+          <a:effectRef idx="0">
+            <a:schemeClr val="accent1"/>
+          </a:effectRef>
+          <a:fontRef idx="minor">
+            <a:schemeClr val="lt1"/>
+          </a:fontRef>
+        </p:style>
+        <p:txBody>
+          <a:bodyPr rtlCol="0" anchor="ctr"/>
+          <a:lstStyle/>
+          <a:p>
+            <a:pPr algn="ctr"/>
+            <a:endParaRPr lang="en-IN"/>
+          </a:p>
+        </p:txBody>
+      </p:sp>
+      <p:sp>
+        <p:nvSpPr>
+          <p:cNvPr id="49" name="Rectangle 48">
+            <a:extLst>
+              <a:ext uri="{FF2B5EF4-FFF2-40B4-BE49-F238E27FC236}">
+                <a16:creationId xmlns:a16="http://schemas.microsoft.com/office/drawing/2014/main" id="{D5E538F1-2588-49C3-8F31-C27016A7A128}"/>
+              </a:ext>
+            </a:extLst>
+          </p:cNvPr>
+          <p:cNvSpPr/>
+          <p:nvPr/>
+        </p:nvSpPr>
+        <p:spPr>
+          <a:xfrm>
+            <a:off x="3067568" y="5177729"/>
+            <a:ext cx="45719" cy="457336"/>
+          </a:xfrm>
+          <a:prstGeom prst="rect">
+            <a:avLst/>
+          </a:prstGeom>
+          <a:solidFill>
+            <a:schemeClr val="tx1"/>
+          </a:solidFill>
+        </p:spPr>
+        <p:style>
+          <a:lnRef idx="2">
+            <a:schemeClr val="accent1">
+              <a:shade val="50000"/>
+            </a:schemeClr>
+          </a:lnRef>
+          <a:fillRef idx="1">
+            <a:schemeClr val="accent1"/>
+          </a:fillRef>
+          <a:effectRef idx="0">
+            <a:schemeClr val="accent1"/>
+          </a:effectRef>
+          <a:fontRef idx="minor">
+            <a:schemeClr val="lt1"/>
+          </a:fontRef>
+        </p:style>
+        <p:txBody>
+          <a:bodyPr rtlCol="0" anchor="ctr"/>
+          <a:lstStyle/>
+          <a:p>
+            <a:pPr algn="ctr"/>
+            <a:endParaRPr lang="en-IN"/>
+          </a:p>
+        </p:txBody>
+      </p:sp>
+      <p:sp>
+        <p:nvSpPr>
+          <p:cNvPr id="50" name="Rectangle 49">
+            <a:extLst>
+              <a:ext uri="{FF2B5EF4-FFF2-40B4-BE49-F238E27FC236}">
+                <a16:creationId xmlns:a16="http://schemas.microsoft.com/office/drawing/2014/main" id="{96D802F3-E8DC-4FC4-B260-75AE255BCDD9}"/>
+              </a:ext>
+            </a:extLst>
+          </p:cNvPr>
+          <p:cNvSpPr/>
+          <p:nvPr/>
+        </p:nvSpPr>
+        <p:spPr>
+          <a:xfrm>
+            <a:off x="3150658" y="5177729"/>
+            <a:ext cx="45719" cy="457336"/>
+          </a:xfrm>
+          <a:prstGeom prst="rect">
+            <a:avLst/>
+          </a:prstGeom>
+          <a:solidFill>
+            <a:schemeClr val="tx1"/>
+          </a:solidFill>
+        </p:spPr>
+        <p:style>
+          <a:lnRef idx="2">
+            <a:schemeClr val="accent1">
+              <a:shade val="50000"/>
+            </a:schemeClr>
+          </a:lnRef>
+          <a:fillRef idx="1">
+            <a:schemeClr val="accent1"/>
+          </a:fillRef>
+          <a:effectRef idx="0">
+            <a:schemeClr val="accent1"/>
+          </a:effectRef>
+          <a:fontRef idx="minor">
+            <a:schemeClr val="lt1"/>
+          </a:fontRef>
+        </p:style>
+        <p:txBody>
+          <a:bodyPr rtlCol="0" anchor="ctr"/>
+          <a:lstStyle/>
+          <a:p>
+            <a:pPr algn="ctr"/>
+            <a:endParaRPr lang="en-IN"/>
+          </a:p>
+        </p:txBody>
+      </p:sp>
+      <p:sp>
+        <p:nvSpPr>
+          <p:cNvPr id="56" name="Rectangle 55">
+            <a:extLst>
+              <a:ext uri="{FF2B5EF4-FFF2-40B4-BE49-F238E27FC236}">
+                <a16:creationId xmlns:a16="http://schemas.microsoft.com/office/drawing/2014/main" id="{7F3050EC-57CA-4ED9-B383-1A7B972E3A7B}"/>
+              </a:ext>
+            </a:extLst>
+          </p:cNvPr>
+          <p:cNvSpPr/>
+          <p:nvPr/>
+        </p:nvSpPr>
+        <p:spPr>
+          <a:xfrm>
+            <a:off x="3226139" y="5177729"/>
+            <a:ext cx="45719" cy="457336"/>
+          </a:xfrm>
+          <a:prstGeom prst="rect">
+            <a:avLst/>
+          </a:prstGeom>
+          <a:solidFill>
+            <a:schemeClr val="tx1"/>
+          </a:solidFill>
+        </p:spPr>
+        <p:style>
+          <a:lnRef idx="2">
+            <a:schemeClr val="accent1">
+              <a:shade val="50000"/>
+            </a:schemeClr>
+          </a:lnRef>
+          <a:fillRef idx="1">
+            <a:schemeClr val="accent1"/>
+          </a:fillRef>
+          <a:effectRef idx="0">
+            <a:schemeClr val="accent1"/>
+          </a:effectRef>
+          <a:fontRef idx="minor">
+            <a:schemeClr val="lt1"/>
+          </a:fontRef>
+        </p:style>
+        <p:txBody>
+          <a:bodyPr rtlCol="0" anchor="ctr"/>
+          <a:lstStyle/>
+          <a:p>
+            <a:pPr algn="ctr"/>
+            <a:endParaRPr lang="en-IN"/>
+          </a:p>
+        </p:txBody>
+      </p:sp>
+      <p:sp>
+        <p:nvSpPr>
+          <p:cNvPr id="57" name="Rectangle 56">
+            <a:extLst>
+              <a:ext uri="{FF2B5EF4-FFF2-40B4-BE49-F238E27FC236}">
+                <a16:creationId xmlns:a16="http://schemas.microsoft.com/office/drawing/2014/main" id="{2EF79A3A-5515-46E9-A512-863367131B32}"/>
+              </a:ext>
+            </a:extLst>
+          </p:cNvPr>
+          <p:cNvSpPr/>
+          <p:nvPr/>
+        </p:nvSpPr>
+        <p:spPr>
+          <a:xfrm>
+            <a:off x="3295815" y="5177729"/>
+            <a:ext cx="45719" cy="457336"/>
+          </a:xfrm>
+          <a:prstGeom prst="rect">
+            <a:avLst/>
+          </a:prstGeom>
+          <a:solidFill>
+            <a:schemeClr val="tx1"/>
+          </a:solidFill>
+        </p:spPr>
+        <p:style>
+          <a:lnRef idx="2">
+            <a:schemeClr val="accent1">
+              <a:shade val="50000"/>
+            </a:schemeClr>
+          </a:lnRef>
+          <a:fillRef idx="1">
+            <a:schemeClr val="accent1"/>
+          </a:fillRef>
+          <a:effectRef idx="0">
+            <a:schemeClr val="accent1"/>
+          </a:effectRef>
+          <a:fontRef idx="minor">
+            <a:schemeClr val="lt1"/>
+          </a:fontRef>
+        </p:style>
+        <p:txBody>
+          <a:bodyPr rtlCol="0" anchor="ctr"/>
+          <a:lstStyle/>
+          <a:p>
+            <a:pPr algn="ctr"/>
+            <a:endParaRPr lang="en-IN"/>
+          </a:p>
+        </p:txBody>
+      </p:sp>
+      <p:sp>
+        <p:nvSpPr>
+          <p:cNvPr id="58" name="Rectangle 57">
+            <a:extLst>
+              <a:ext uri="{FF2B5EF4-FFF2-40B4-BE49-F238E27FC236}">
+                <a16:creationId xmlns:a16="http://schemas.microsoft.com/office/drawing/2014/main" id="{9FBA5C3A-F96C-49D8-A466-51BCAC70CE79}"/>
+              </a:ext>
+            </a:extLst>
+          </p:cNvPr>
+          <p:cNvSpPr/>
+          <p:nvPr/>
+        </p:nvSpPr>
+        <p:spPr>
+          <a:xfrm>
+            <a:off x="3378905" y="5177729"/>
+            <a:ext cx="45719" cy="457336"/>
+          </a:xfrm>
+          <a:prstGeom prst="rect">
+            <a:avLst/>
+          </a:prstGeom>
+          <a:solidFill>
+            <a:schemeClr val="tx1"/>
+          </a:solidFill>
+        </p:spPr>
+        <p:style>
+          <a:lnRef idx="2">
+            <a:schemeClr val="accent1">
+              <a:shade val="50000"/>
+            </a:schemeClr>
+          </a:lnRef>
+          <a:fillRef idx="1">
+            <a:schemeClr val="accent1"/>
+          </a:fillRef>
+          <a:effectRef idx="0">
+            <a:schemeClr val="accent1"/>
+          </a:effectRef>
+          <a:fontRef idx="minor">
+            <a:schemeClr val="lt1"/>
+          </a:fontRef>
+        </p:style>
+        <p:txBody>
+          <a:bodyPr rtlCol="0" anchor="ctr"/>
+          <a:lstStyle/>
+          <a:p>
+            <a:pPr algn="ctr"/>
+            <a:endParaRPr lang="en-IN"/>
+          </a:p>
+        </p:txBody>
+      </p:sp>
+      <p:sp>
+        <p:nvSpPr>
+          <p:cNvPr id="59" name="Rectangle 58">
+            <a:extLst>
+              <a:ext uri="{FF2B5EF4-FFF2-40B4-BE49-F238E27FC236}">
+                <a16:creationId xmlns:a16="http://schemas.microsoft.com/office/drawing/2014/main" id="{67077AED-38AD-42F5-8F54-16C938347327}"/>
+              </a:ext>
+            </a:extLst>
+          </p:cNvPr>
+          <p:cNvSpPr/>
+          <p:nvPr/>
+        </p:nvSpPr>
+        <p:spPr>
+          <a:xfrm>
+            <a:off x="3438569" y="5177729"/>
+            <a:ext cx="45719" cy="457336"/>
+          </a:xfrm>
+          <a:prstGeom prst="rect">
+            <a:avLst/>
+          </a:prstGeom>
+          <a:solidFill>
+            <a:schemeClr val="tx1"/>
+          </a:solidFill>
+        </p:spPr>
+        <p:style>
+          <a:lnRef idx="2">
+            <a:schemeClr val="accent1">
+              <a:shade val="50000"/>
+            </a:schemeClr>
+          </a:lnRef>
+          <a:fillRef idx="1">
+            <a:schemeClr val="accent1"/>
+          </a:fillRef>
+          <a:effectRef idx="0">
+            <a:schemeClr val="accent1"/>
+          </a:effectRef>
+          <a:fontRef idx="minor">
+            <a:schemeClr val="lt1"/>
+          </a:fontRef>
+        </p:style>
+        <p:txBody>
+          <a:bodyPr rtlCol="0" anchor="ctr"/>
+          <a:lstStyle/>
+          <a:p>
+            <a:pPr algn="ctr"/>
+            <a:endParaRPr lang="en-IN"/>
+          </a:p>
+        </p:txBody>
+      </p:sp>
+      <p:sp>
+        <p:nvSpPr>
+          <p:cNvPr id="60" name="Rectangle 59">
+            <a:extLst>
+              <a:ext uri="{FF2B5EF4-FFF2-40B4-BE49-F238E27FC236}">
+                <a16:creationId xmlns:a16="http://schemas.microsoft.com/office/drawing/2014/main" id="{9B6E27AA-AD2A-4D1D-AC81-9CF883CEA300}"/>
+              </a:ext>
+            </a:extLst>
+          </p:cNvPr>
+          <p:cNvSpPr/>
+          <p:nvPr/>
+        </p:nvSpPr>
+        <p:spPr>
+          <a:xfrm>
+            <a:off x="3513008" y="5177729"/>
+            <a:ext cx="45719" cy="457336"/>
+          </a:xfrm>
+          <a:prstGeom prst="rect">
+            <a:avLst/>
+          </a:prstGeom>
+          <a:solidFill>
+            <a:schemeClr val="tx1"/>
+          </a:solidFill>
+        </p:spPr>
+        <p:style>
+          <a:lnRef idx="2">
+            <a:schemeClr val="accent1">
+              <a:shade val="50000"/>
+            </a:schemeClr>
+          </a:lnRef>
+          <a:fillRef idx="1">
+            <a:schemeClr val="accent1"/>
+          </a:fillRef>
+          <a:effectRef idx="0">
+            <a:schemeClr val="accent1"/>
+          </a:effectRef>
+          <a:fontRef idx="minor">
+            <a:schemeClr val="lt1"/>
+          </a:fontRef>
+        </p:style>
+        <p:txBody>
+          <a:bodyPr rtlCol="0" anchor="ctr"/>
+          <a:lstStyle/>
+          <a:p>
+            <a:pPr algn="ctr"/>
+            <a:endParaRPr lang="en-IN"/>
+          </a:p>
+        </p:txBody>
+      </p:sp>
+      <p:sp>
+        <p:nvSpPr>
+          <p:cNvPr id="61" name="Rectangle 60">
+            <a:extLst>
+              <a:ext uri="{FF2B5EF4-FFF2-40B4-BE49-F238E27FC236}">
+                <a16:creationId xmlns:a16="http://schemas.microsoft.com/office/drawing/2014/main" id="{78744AFB-BB13-450E-AD46-2C710312081D}"/>
+              </a:ext>
+            </a:extLst>
+          </p:cNvPr>
+          <p:cNvSpPr/>
+          <p:nvPr/>
+        </p:nvSpPr>
+        <p:spPr>
+          <a:xfrm>
+            <a:off x="3591335" y="5177729"/>
+            <a:ext cx="45719" cy="457336"/>
+          </a:xfrm>
+          <a:prstGeom prst="rect">
+            <a:avLst/>
+          </a:prstGeom>
+          <a:solidFill>
+            <a:schemeClr val="tx1"/>
+          </a:solidFill>
+        </p:spPr>
+        <p:style>
+          <a:lnRef idx="2">
+            <a:schemeClr val="accent1">
+              <a:shade val="50000"/>
+            </a:schemeClr>
+          </a:lnRef>
+          <a:fillRef idx="1">
+            <a:schemeClr val="accent1"/>
+          </a:fillRef>
+          <a:effectRef idx="0">
+            <a:schemeClr val="accent1"/>
+          </a:effectRef>
+          <a:fontRef idx="minor">
+            <a:schemeClr val="lt1"/>
+          </a:fontRef>
+        </p:style>
+        <p:txBody>
+          <a:bodyPr rtlCol="0" anchor="ctr"/>
+          <a:lstStyle/>
+          <a:p>
+            <a:pPr algn="ctr"/>
+            <a:endParaRPr lang="en-IN"/>
+          </a:p>
+        </p:txBody>
+      </p:sp>
+      <p:sp>
+        <p:nvSpPr>
+          <p:cNvPr id="62" name="Rectangle 61">
+            <a:extLst>
+              <a:ext uri="{FF2B5EF4-FFF2-40B4-BE49-F238E27FC236}">
+                <a16:creationId xmlns:a16="http://schemas.microsoft.com/office/drawing/2014/main" id="{2EA0315F-A187-4C8A-93CB-1B365BC0B72A}"/>
+              </a:ext>
+            </a:extLst>
+          </p:cNvPr>
+          <p:cNvSpPr/>
+          <p:nvPr/>
+        </p:nvSpPr>
+        <p:spPr>
+          <a:xfrm>
+            <a:off x="3666816" y="5177729"/>
+            <a:ext cx="45719" cy="457336"/>
+          </a:xfrm>
+          <a:prstGeom prst="rect">
+            <a:avLst/>
+          </a:prstGeom>
+          <a:solidFill>
+            <a:schemeClr val="tx1"/>
+          </a:solidFill>
+        </p:spPr>
+        <p:style>
+          <a:lnRef idx="2">
+            <a:schemeClr val="accent1">
+              <a:shade val="50000"/>
+            </a:schemeClr>
+          </a:lnRef>
+          <a:fillRef idx="1">
+            <a:schemeClr val="accent1"/>
+          </a:fillRef>
+          <a:effectRef idx="0">
+            <a:schemeClr val="accent1"/>
+          </a:effectRef>
+          <a:fontRef idx="minor">
+            <a:schemeClr val="lt1"/>
+          </a:fontRef>
+        </p:style>
+        <p:txBody>
+          <a:bodyPr rtlCol="0" anchor="ctr"/>
+          <a:lstStyle/>
+          <a:p>
+            <a:pPr algn="ctr"/>
+            <a:endParaRPr lang="en-IN"/>
+          </a:p>
+        </p:txBody>
+      </p:sp>
+      <p:sp>
+        <p:nvSpPr>
+          <p:cNvPr id="63" name="Rectangle 62">
+            <a:extLst>
+              <a:ext uri="{FF2B5EF4-FFF2-40B4-BE49-F238E27FC236}">
+                <a16:creationId xmlns:a16="http://schemas.microsoft.com/office/drawing/2014/main" id="{496FC94A-1C55-43F0-8CCC-2F9C4F03495E}"/>
+              </a:ext>
+            </a:extLst>
+          </p:cNvPr>
+          <p:cNvSpPr/>
+          <p:nvPr/>
+        </p:nvSpPr>
+        <p:spPr>
+          <a:xfrm>
+            <a:off x="3736492" y="5177729"/>
+            <a:ext cx="45719" cy="457336"/>
+          </a:xfrm>
+          <a:prstGeom prst="rect">
+            <a:avLst/>
+          </a:prstGeom>
+          <a:solidFill>
+            <a:schemeClr val="tx1"/>
+          </a:solidFill>
+        </p:spPr>
+        <p:style>
+          <a:lnRef idx="2">
+            <a:schemeClr val="accent1">
+              <a:shade val="50000"/>
+            </a:schemeClr>
+          </a:lnRef>
+          <a:fillRef idx="1">
+            <a:schemeClr val="accent1"/>
+          </a:fillRef>
+          <a:effectRef idx="0">
+            <a:schemeClr val="accent1"/>
+          </a:effectRef>
+          <a:fontRef idx="minor">
+            <a:schemeClr val="lt1"/>
+          </a:fontRef>
+        </p:style>
+        <p:txBody>
+          <a:bodyPr rtlCol="0" anchor="ctr"/>
+          <a:lstStyle/>
+          <a:p>
+            <a:pPr algn="ctr"/>
+            <a:endParaRPr lang="en-IN"/>
+          </a:p>
+        </p:txBody>
+      </p:sp>
+      <p:sp>
+        <p:nvSpPr>
+          <p:cNvPr id="64" name="Rectangle 63">
+            <a:extLst>
+              <a:ext uri="{FF2B5EF4-FFF2-40B4-BE49-F238E27FC236}">
+                <a16:creationId xmlns:a16="http://schemas.microsoft.com/office/drawing/2014/main" id="{90F8E664-D2B5-4988-924A-9A6ACA606E87}"/>
+              </a:ext>
+            </a:extLst>
+          </p:cNvPr>
+          <p:cNvSpPr/>
+          <p:nvPr/>
+        </p:nvSpPr>
+        <p:spPr>
+          <a:xfrm>
+            <a:off x="3819582" y="5177729"/>
+            <a:ext cx="45719" cy="457336"/>
+          </a:xfrm>
+          <a:prstGeom prst="rect">
+            <a:avLst/>
+          </a:prstGeom>
+          <a:solidFill>
+            <a:schemeClr val="tx1"/>
+          </a:solidFill>
+        </p:spPr>
+        <p:style>
+          <a:lnRef idx="2">
+            <a:schemeClr val="accent1">
+              <a:shade val="50000"/>
+            </a:schemeClr>
+          </a:lnRef>
+          <a:fillRef idx="1">
+            <a:schemeClr val="accent1"/>
+          </a:fillRef>
+          <a:effectRef idx="0">
+            <a:schemeClr val="accent1"/>
+          </a:effectRef>
+          <a:fontRef idx="minor">
+            <a:schemeClr val="lt1"/>
+          </a:fontRef>
+        </p:style>
+        <p:txBody>
+          <a:bodyPr rtlCol="0" anchor="ctr"/>
+          <a:lstStyle/>
+          <a:p>
+            <a:pPr algn="ctr"/>
+            <a:endParaRPr lang="en-IN"/>
           </a:p>
         </p:txBody>
       </p:sp>
@@ -20205,7 +22091,7 @@
           <p:cNvPr id="2" name="Footer Placeholder 1">
             <a:extLst>
               <a:ext uri="{FF2B5EF4-FFF2-40B4-BE49-F238E27FC236}">
-                <a16:creationId xmlns:a16="http://schemas.microsoft.com/office/drawing/2014/main" xmlns="" id="{F27EA32B-0CF3-8649-B654-2B6622F6309D}"/>
+                <a16:creationId xmlns:a16="http://schemas.microsoft.com/office/drawing/2014/main" id="{F27EA32B-0CF3-8649-B654-2B6622F6309D}"/>
               </a:ext>
             </a:extLst>
           </p:cNvPr>
@@ -20235,7 +22121,7 @@
           <p:cNvPr id="3" name="Content Placeholder 2">
             <a:extLst>
               <a:ext uri="{FF2B5EF4-FFF2-40B4-BE49-F238E27FC236}">
-                <a16:creationId xmlns:a16="http://schemas.microsoft.com/office/drawing/2014/main" xmlns="" id="{1DE29D62-620F-2A47-92A9-9A84D907130A}"/>
+                <a16:creationId xmlns:a16="http://schemas.microsoft.com/office/drawing/2014/main" id="{1DE29D62-620F-2A47-92A9-9A84D907130A}"/>
               </a:ext>
             </a:extLst>
           </p:cNvPr>
@@ -21315,7 +23201,7 @@
           <p:cNvPr id="39" name="TextBox 38">
             <a:extLst>
               <a:ext uri="{FF2B5EF4-FFF2-40B4-BE49-F238E27FC236}">
-                <a16:creationId xmlns:a16="http://schemas.microsoft.com/office/drawing/2014/main" xmlns="" id="{D4FEF5E9-6905-4A65-9D3E-F1282B530020}"/>
+                <a16:creationId xmlns:a16="http://schemas.microsoft.com/office/drawing/2014/main" id="{D4FEF5E9-6905-4A65-9D3E-F1282B530020}"/>
               </a:ext>
             </a:extLst>
           </p:cNvPr>
@@ -21351,7 +23237,7 @@
           <p:cNvPr id="4" name="Oval 3">
             <a:extLst>
               <a:ext uri="{FF2B5EF4-FFF2-40B4-BE49-F238E27FC236}">
-                <a16:creationId xmlns:a16="http://schemas.microsoft.com/office/drawing/2014/main" xmlns="" id="{128C3B63-A86C-4436-A5F6-DC4FB1AFC3D5}"/>
+                <a16:creationId xmlns:a16="http://schemas.microsoft.com/office/drawing/2014/main" id="{128C3B63-A86C-4436-A5F6-DC4FB1AFC3D5}"/>
               </a:ext>
             </a:extLst>
           </p:cNvPr>
@@ -21397,7 +23283,7 @@
           <p:cNvPr id="6" name="Straight Arrow Connector 5">
             <a:extLst>
               <a:ext uri="{FF2B5EF4-FFF2-40B4-BE49-F238E27FC236}">
-                <a16:creationId xmlns:a16="http://schemas.microsoft.com/office/drawing/2014/main" xmlns="" id="{5D925F51-6936-4713-B2A9-17734C2D19DF}"/>
+                <a16:creationId xmlns:a16="http://schemas.microsoft.com/office/drawing/2014/main" id="{5D925F51-6936-4713-B2A9-17734C2D19DF}"/>
               </a:ext>
             </a:extLst>
           </p:cNvPr>
@@ -21436,7 +23322,7 @@
           <p:cNvPr id="7" name="Rectangle 6">
             <a:extLst>
               <a:ext uri="{FF2B5EF4-FFF2-40B4-BE49-F238E27FC236}">
-                <a16:creationId xmlns:a16="http://schemas.microsoft.com/office/drawing/2014/main" xmlns="" id="{CE49328A-939E-4CAD-A5E5-085E957396F0}"/>
+                <a16:creationId xmlns:a16="http://schemas.microsoft.com/office/drawing/2014/main" id="{CE49328A-939E-4CAD-A5E5-085E957396F0}"/>
               </a:ext>
             </a:extLst>
           </p:cNvPr>
@@ -21485,7 +23371,7 @@
           <p:cNvPr id="43" name="Straight Arrow Connector 42">
             <a:extLst>
               <a:ext uri="{FF2B5EF4-FFF2-40B4-BE49-F238E27FC236}">
-                <a16:creationId xmlns:a16="http://schemas.microsoft.com/office/drawing/2014/main" xmlns="" id="{43789B20-F253-41C5-B339-F306F0F72B1D}"/>
+                <a16:creationId xmlns:a16="http://schemas.microsoft.com/office/drawing/2014/main" id="{43789B20-F253-41C5-B339-F306F0F72B1D}"/>
               </a:ext>
             </a:extLst>
           </p:cNvPr>
@@ -21528,7 +23414,7 @@
           <p:cNvPr id="51" name="Straight Arrow Connector 50">
             <a:extLst>
               <a:ext uri="{FF2B5EF4-FFF2-40B4-BE49-F238E27FC236}">
-                <a16:creationId xmlns:a16="http://schemas.microsoft.com/office/drawing/2014/main" xmlns="" id="{5BBD2559-784F-47CF-B05B-7D79DC37652A}"/>
+                <a16:creationId xmlns:a16="http://schemas.microsoft.com/office/drawing/2014/main" id="{5BBD2559-784F-47CF-B05B-7D79DC37652A}"/>
               </a:ext>
             </a:extLst>
           </p:cNvPr>
@@ -21570,7 +23456,7 @@
           <p:cNvPr id="56" name="Straight Arrow Connector 55">
             <a:extLst>
               <a:ext uri="{FF2B5EF4-FFF2-40B4-BE49-F238E27FC236}">
-                <a16:creationId xmlns:a16="http://schemas.microsoft.com/office/drawing/2014/main" xmlns="" id="{4FF9B2BE-FCC9-4AF3-BE91-C682ED0999E3}"/>
+                <a16:creationId xmlns:a16="http://schemas.microsoft.com/office/drawing/2014/main" id="{4FF9B2BE-FCC9-4AF3-BE91-C682ED0999E3}"/>
               </a:ext>
             </a:extLst>
           </p:cNvPr>
@@ -21609,7 +23495,7 @@
           <p:cNvPr id="58" name="Straight Arrow Connector 57">
             <a:extLst>
               <a:ext uri="{FF2B5EF4-FFF2-40B4-BE49-F238E27FC236}">
-                <a16:creationId xmlns:a16="http://schemas.microsoft.com/office/drawing/2014/main" xmlns="" id="{FDF6A6F0-46BB-45BD-9C24-FB82EC6D26D4}"/>
+                <a16:creationId xmlns:a16="http://schemas.microsoft.com/office/drawing/2014/main" id="{FDF6A6F0-46BB-45BD-9C24-FB82EC6D26D4}"/>
               </a:ext>
             </a:extLst>
           </p:cNvPr>
@@ -21648,7 +23534,7 @@
           <p:cNvPr id="59" name="Straight Connector 58">
             <a:extLst>
               <a:ext uri="{FF2B5EF4-FFF2-40B4-BE49-F238E27FC236}">
-                <a16:creationId xmlns:a16="http://schemas.microsoft.com/office/drawing/2014/main" xmlns="" id="{DDDED15D-6B63-4C01-B370-2D025ADA99BB}"/>
+                <a16:creationId xmlns:a16="http://schemas.microsoft.com/office/drawing/2014/main" id="{DDDED15D-6B63-4C01-B370-2D025ADA99BB}"/>
               </a:ext>
             </a:extLst>
           </p:cNvPr>
@@ -21687,7 +23573,7 @@
           <p:cNvPr id="60" name="TextBox 59">
             <a:extLst>
               <a:ext uri="{FF2B5EF4-FFF2-40B4-BE49-F238E27FC236}">
-                <a16:creationId xmlns:a16="http://schemas.microsoft.com/office/drawing/2014/main" xmlns="" id="{08D14B3D-8EE2-4F03-92B6-1F212A0CB1EC}"/>
+                <a16:creationId xmlns:a16="http://schemas.microsoft.com/office/drawing/2014/main" id="{08D14B3D-8EE2-4F03-92B6-1F212A0CB1EC}"/>
               </a:ext>
             </a:extLst>
           </p:cNvPr>
@@ -21723,7 +23609,7 @@
           <p:cNvPr id="62" name="Straight Arrow Connector 61">
             <a:extLst>
               <a:ext uri="{FF2B5EF4-FFF2-40B4-BE49-F238E27FC236}">
-                <a16:creationId xmlns:a16="http://schemas.microsoft.com/office/drawing/2014/main" xmlns="" id="{9D1D6C67-6728-4DB3-A0B1-532A585C2F31}"/>
+                <a16:creationId xmlns:a16="http://schemas.microsoft.com/office/drawing/2014/main" id="{9D1D6C67-6728-4DB3-A0B1-532A585C2F31}"/>
               </a:ext>
             </a:extLst>
           </p:cNvPr>
@@ -21764,7 +23650,7 @@
           <p:cNvPr id="64" name="TextBox 63">
             <a:extLst>
               <a:ext uri="{FF2B5EF4-FFF2-40B4-BE49-F238E27FC236}">
-                <a16:creationId xmlns:a16="http://schemas.microsoft.com/office/drawing/2014/main" xmlns="" id="{6AE42922-D694-4789-9632-E3E44DE28AC0}"/>
+                <a16:creationId xmlns:a16="http://schemas.microsoft.com/office/drawing/2014/main" id="{6AE42922-D694-4789-9632-E3E44DE28AC0}"/>
               </a:ext>
             </a:extLst>
           </p:cNvPr>
@@ -21800,7 +23686,7 @@
           <p:cNvPr id="66" name="TextBox 65">
             <a:extLst>
               <a:ext uri="{FF2B5EF4-FFF2-40B4-BE49-F238E27FC236}">
-                <a16:creationId xmlns:a16="http://schemas.microsoft.com/office/drawing/2014/main" xmlns="" id="{4B72E697-9802-461E-89F0-5FD5FD3AE2CF}"/>
+                <a16:creationId xmlns:a16="http://schemas.microsoft.com/office/drawing/2014/main" id="{4B72E697-9802-461E-89F0-5FD5FD3AE2CF}"/>
               </a:ext>
             </a:extLst>
           </p:cNvPr>
@@ -21836,7 +23722,7 @@
           <p:cNvPr id="67" name="TextBox 66">
             <a:extLst>
               <a:ext uri="{FF2B5EF4-FFF2-40B4-BE49-F238E27FC236}">
-                <a16:creationId xmlns:a16="http://schemas.microsoft.com/office/drawing/2014/main" xmlns="" id="{CAB25C06-899F-4E59-A1DF-E6C0FFA4A24C}"/>
+                <a16:creationId xmlns:a16="http://schemas.microsoft.com/office/drawing/2014/main" id="{CAB25C06-899F-4E59-A1DF-E6C0FFA4A24C}"/>
               </a:ext>
             </a:extLst>
           </p:cNvPr>
@@ -21872,7 +23758,7 @@
           <p:cNvPr id="76" name="Oval 75">
             <a:extLst>
               <a:ext uri="{FF2B5EF4-FFF2-40B4-BE49-F238E27FC236}">
-                <a16:creationId xmlns:a16="http://schemas.microsoft.com/office/drawing/2014/main" xmlns="" id="{DC0326C9-7BFC-47C8-A844-3AAE9BD08B82}"/>
+                <a16:creationId xmlns:a16="http://schemas.microsoft.com/office/drawing/2014/main" id="{DC0326C9-7BFC-47C8-A844-3AAE9BD08B82}"/>
               </a:ext>
             </a:extLst>
           </p:cNvPr>
@@ -21918,7 +23804,7 @@
           <p:cNvPr id="77" name="TextBox 76">
             <a:extLst>
               <a:ext uri="{FF2B5EF4-FFF2-40B4-BE49-F238E27FC236}">
-                <a16:creationId xmlns:a16="http://schemas.microsoft.com/office/drawing/2014/main" xmlns="" id="{ED9CD9F3-E096-4836-BBF3-9EA1AA83F809}"/>
+                <a16:creationId xmlns:a16="http://schemas.microsoft.com/office/drawing/2014/main" id="{ED9CD9F3-E096-4836-BBF3-9EA1AA83F809}"/>
               </a:ext>
             </a:extLst>
           </p:cNvPr>
@@ -21954,7 +23840,7 @@
           <p:cNvPr id="79" name="Rectangle 78">
             <a:extLst>
               <a:ext uri="{FF2B5EF4-FFF2-40B4-BE49-F238E27FC236}">
-                <a16:creationId xmlns:a16="http://schemas.microsoft.com/office/drawing/2014/main" xmlns="" id="{F5F0B81E-12D9-4F95-8370-7FB191157DAD}"/>
+                <a16:creationId xmlns:a16="http://schemas.microsoft.com/office/drawing/2014/main" id="{F5F0B81E-12D9-4F95-8370-7FB191157DAD}"/>
               </a:ext>
             </a:extLst>
           </p:cNvPr>
@@ -22003,7 +23889,7 @@
           <p:cNvPr id="81" name="Straight Arrow Connector 80">
             <a:extLst>
               <a:ext uri="{FF2B5EF4-FFF2-40B4-BE49-F238E27FC236}">
-                <a16:creationId xmlns:a16="http://schemas.microsoft.com/office/drawing/2014/main" xmlns="" id="{21CA8CB6-E33F-4982-8826-876680C9017C}"/>
+                <a16:creationId xmlns:a16="http://schemas.microsoft.com/office/drawing/2014/main" id="{21CA8CB6-E33F-4982-8826-876680C9017C}"/>
               </a:ext>
             </a:extLst>
           </p:cNvPr>
@@ -22046,7 +23932,7 @@
           <p:cNvPr id="84" name="TextBox 83">
             <a:extLst>
               <a:ext uri="{FF2B5EF4-FFF2-40B4-BE49-F238E27FC236}">
-                <a16:creationId xmlns:a16="http://schemas.microsoft.com/office/drawing/2014/main" xmlns="" id="{8F71E3F8-8318-42F4-8B69-C49502F04E49}"/>
+                <a16:creationId xmlns:a16="http://schemas.microsoft.com/office/drawing/2014/main" id="{8F71E3F8-8318-42F4-8B69-C49502F04E49}"/>
               </a:ext>
             </a:extLst>
           </p:cNvPr>
@@ -22082,7 +23968,7 @@
           <p:cNvPr id="85" name="TextBox 84">
             <a:extLst>
               <a:ext uri="{FF2B5EF4-FFF2-40B4-BE49-F238E27FC236}">
-                <a16:creationId xmlns:a16="http://schemas.microsoft.com/office/drawing/2014/main" xmlns="" id="{DA71C3C3-CD47-4F7B-B085-7EC34E236C04}"/>
+                <a16:creationId xmlns:a16="http://schemas.microsoft.com/office/drawing/2014/main" id="{DA71C3C3-CD47-4F7B-B085-7EC34E236C04}"/>
               </a:ext>
             </a:extLst>
           </p:cNvPr>
@@ -22118,7 +24004,7 @@
           <p:cNvPr id="86" name="TextBox 85">
             <a:extLst>
               <a:ext uri="{FF2B5EF4-FFF2-40B4-BE49-F238E27FC236}">
-                <a16:creationId xmlns:a16="http://schemas.microsoft.com/office/drawing/2014/main" xmlns="" id="{9F8A65B3-4AD0-4472-845F-1FDBDA3973C6}"/>
+                <a16:creationId xmlns:a16="http://schemas.microsoft.com/office/drawing/2014/main" id="{9F8A65B3-4AD0-4472-845F-1FDBDA3973C6}"/>
               </a:ext>
             </a:extLst>
           </p:cNvPr>
@@ -22154,7 +24040,7 @@
           <p:cNvPr id="69" name="TextBox 68">
             <a:extLst>
               <a:ext uri="{FF2B5EF4-FFF2-40B4-BE49-F238E27FC236}">
-                <a16:creationId xmlns:a16="http://schemas.microsoft.com/office/drawing/2014/main" xmlns="" id="{1613B50E-D8D6-4A58-BD1E-9678BC9FD56A}"/>
+                <a16:creationId xmlns:a16="http://schemas.microsoft.com/office/drawing/2014/main" id="{1613B50E-D8D6-4A58-BD1E-9678BC9FD56A}"/>
               </a:ext>
             </a:extLst>
           </p:cNvPr>
@@ -22220,7 +24106,7 @@
           <p:cNvPr id="2" name="Slide Number Placeholder 1">
             <a:extLst>
               <a:ext uri="{FF2B5EF4-FFF2-40B4-BE49-F238E27FC236}">
-                <a16:creationId xmlns:a16="http://schemas.microsoft.com/office/drawing/2014/main" xmlns="" id="{E2A346D2-342E-4D26-9516-C88A6E8CC150}"/>
+                <a16:creationId xmlns:a16="http://schemas.microsoft.com/office/drawing/2014/main" id="{E2A346D2-342E-4D26-9516-C88A6E8CC150}"/>
               </a:ext>
             </a:extLst>
           </p:cNvPr>
@@ -22249,7 +24135,7 @@
           <p:cNvPr id="4" name="Title 3">
             <a:extLst>
               <a:ext uri="{FF2B5EF4-FFF2-40B4-BE49-F238E27FC236}">
-                <a16:creationId xmlns:a16="http://schemas.microsoft.com/office/drawing/2014/main" xmlns="" id="{6C1750A8-0A53-40DB-B646-EE267E14322F}"/>
+                <a16:creationId xmlns:a16="http://schemas.microsoft.com/office/drawing/2014/main" id="{6C1750A8-0A53-40DB-B646-EE267E14322F}"/>
               </a:ext>
             </a:extLst>
           </p:cNvPr>
@@ -22267,16 +24153,1903 @@
           <a:p>
             <a:r>
               <a:rPr lang="en-US" dirty="0"/>
-              <a:t>BSL flash and initialization details</a:t>
+              <a:t>Installation diagram</a:t>
             </a:r>
             <a:endParaRPr lang="en-IN" dirty="0"/>
+          </a:p>
+        </p:txBody>
+      </p:sp>
+      <p:pic>
+        <p:nvPicPr>
+          <p:cNvPr id="5" name="Picture 4">
+            <a:extLst>
+              <a:ext uri="{FF2B5EF4-FFF2-40B4-BE49-F238E27FC236}">
+                <a16:creationId xmlns:a16="http://schemas.microsoft.com/office/drawing/2014/main" id="{95326BF9-35E0-4DB4-BCCA-650551804F39}"/>
+              </a:ext>
+            </a:extLst>
+          </p:cNvPr>
+          <p:cNvPicPr>
+            <a:picLocks noChangeAspect="1"/>
+          </p:cNvPicPr>
+          <p:nvPr/>
+        </p:nvPicPr>
+        <p:blipFill>
+          <a:blip r:embed="rId2">
+            <a:extLst>
+              <a:ext uri="{28A0092B-C50C-407E-A947-70E740481C1C}">
+                <a14:useLocalDpi xmlns:a14="http://schemas.microsoft.com/office/drawing/2010/main" val="0"/>
+              </a:ext>
+            </a:extLst>
+          </a:blip>
+          <a:stretch>
+            <a:fillRect/>
+          </a:stretch>
+        </p:blipFill>
+        <p:spPr>
+          <a:xfrm>
+            <a:off x="7673007" y="993510"/>
+            <a:ext cx="3866323" cy="5168881"/>
+          </a:xfrm>
+          <a:prstGeom prst="rect">
+            <a:avLst/>
+          </a:prstGeom>
+        </p:spPr>
+      </p:pic>
+      <p:sp>
+        <p:nvSpPr>
+          <p:cNvPr id="6" name="Rectangle 5">
+            <a:extLst>
+              <a:ext uri="{FF2B5EF4-FFF2-40B4-BE49-F238E27FC236}">
+                <a16:creationId xmlns:a16="http://schemas.microsoft.com/office/drawing/2014/main" id="{89D7EA1E-D845-4002-A4EC-7A429BF85E39}"/>
+              </a:ext>
+            </a:extLst>
+          </p:cNvPr>
+          <p:cNvSpPr/>
+          <p:nvPr/>
+        </p:nvSpPr>
+        <p:spPr>
+          <a:xfrm>
+            <a:off x="838199" y="769840"/>
+            <a:ext cx="4813301" cy="6088160"/>
+          </a:xfrm>
+          <a:prstGeom prst="rect">
+            <a:avLst/>
+          </a:prstGeom>
+        </p:spPr>
+        <p:style>
+          <a:lnRef idx="2">
+            <a:schemeClr val="accent1">
+              <a:shade val="50000"/>
+            </a:schemeClr>
+          </a:lnRef>
+          <a:fillRef idx="1">
+            <a:schemeClr val="accent1"/>
+          </a:fillRef>
+          <a:effectRef idx="0">
+            <a:schemeClr val="accent1"/>
+          </a:effectRef>
+          <a:fontRef idx="minor">
+            <a:schemeClr val="lt1"/>
+          </a:fontRef>
+        </p:style>
+        <p:txBody>
+          <a:bodyPr rtlCol="0" anchor="ctr"/>
+          <a:lstStyle/>
+          <a:p>
+            <a:pPr algn="ctr"/>
+            <a:endParaRPr lang="en-IN"/>
+          </a:p>
+        </p:txBody>
+      </p:sp>
+      <p:sp>
+        <p:nvSpPr>
+          <p:cNvPr id="7" name="Rectangle 6">
+            <a:extLst>
+              <a:ext uri="{FF2B5EF4-FFF2-40B4-BE49-F238E27FC236}">
+                <a16:creationId xmlns:a16="http://schemas.microsoft.com/office/drawing/2014/main" id="{7D0EF6BF-21AD-40EF-81FD-164653761CD4}"/>
+              </a:ext>
+            </a:extLst>
+          </p:cNvPr>
+          <p:cNvSpPr/>
+          <p:nvPr/>
+        </p:nvSpPr>
+        <p:spPr>
+          <a:xfrm>
+            <a:off x="1643269" y="2902226"/>
+            <a:ext cx="3286542" cy="290720"/>
+          </a:xfrm>
+          <a:prstGeom prst="rect">
+            <a:avLst/>
+          </a:prstGeom>
+          <a:solidFill>
+            <a:schemeClr val="bg1">
+              <a:lumMod val="65000"/>
+            </a:schemeClr>
+          </a:solidFill>
+        </p:spPr>
+        <p:style>
+          <a:lnRef idx="2">
+            <a:schemeClr val="accent1">
+              <a:shade val="50000"/>
+            </a:schemeClr>
+          </a:lnRef>
+          <a:fillRef idx="1">
+            <a:schemeClr val="accent1"/>
+          </a:fillRef>
+          <a:effectRef idx="0">
+            <a:schemeClr val="accent1"/>
+          </a:effectRef>
+          <a:fontRef idx="minor">
+            <a:schemeClr val="lt1"/>
+          </a:fontRef>
+        </p:style>
+        <p:txBody>
+          <a:bodyPr rtlCol="0" anchor="ctr"/>
+          <a:lstStyle/>
+          <a:p>
+            <a:pPr algn="ctr"/>
+            <a:endParaRPr lang="en-IN"/>
+          </a:p>
+        </p:txBody>
+      </p:sp>
+      <p:sp>
+        <p:nvSpPr>
+          <p:cNvPr id="9" name="Rectangle 8">
+            <a:extLst>
+              <a:ext uri="{FF2B5EF4-FFF2-40B4-BE49-F238E27FC236}">
+                <a16:creationId xmlns:a16="http://schemas.microsoft.com/office/drawing/2014/main" id="{7A97B86A-4437-4C69-AB82-2DBA2CA9BCA6}"/>
+              </a:ext>
+            </a:extLst>
+          </p:cNvPr>
+          <p:cNvSpPr/>
+          <p:nvPr/>
+        </p:nvSpPr>
+        <p:spPr>
+          <a:xfrm>
+            <a:off x="1643269" y="5817835"/>
+            <a:ext cx="3286542" cy="290720"/>
+          </a:xfrm>
+          <a:prstGeom prst="rect">
+            <a:avLst/>
+          </a:prstGeom>
+          <a:solidFill>
+            <a:schemeClr val="bg1">
+              <a:lumMod val="65000"/>
+            </a:schemeClr>
+          </a:solidFill>
+        </p:spPr>
+        <p:style>
+          <a:lnRef idx="2">
+            <a:schemeClr val="accent1">
+              <a:shade val="50000"/>
+            </a:schemeClr>
+          </a:lnRef>
+          <a:fillRef idx="1">
+            <a:schemeClr val="accent1"/>
+          </a:fillRef>
+          <a:effectRef idx="0">
+            <a:schemeClr val="accent1"/>
+          </a:effectRef>
+          <a:fontRef idx="minor">
+            <a:schemeClr val="lt1"/>
+          </a:fontRef>
+        </p:style>
+        <p:txBody>
+          <a:bodyPr rtlCol="0" anchor="ctr"/>
+          <a:lstStyle/>
+          <a:p>
+            <a:pPr algn="ctr"/>
+            <a:endParaRPr lang="en-IN"/>
+          </a:p>
+        </p:txBody>
+      </p:sp>
+      <p:sp>
+        <p:nvSpPr>
+          <p:cNvPr id="10" name="Rectangle 9">
+            <a:extLst>
+              <a:ext uri="{FF2B5EF4-FFF2-40B4-BE49-F238E27FC236}">
+                <a16:creationId xmlns:a16="http://schemas.microsoft.com/office/drawing/2014/main" id="{B2A162BC-61DD-44F5-8199-A61B02DF5B87}"/>
+              </a:ext>
+            </a:extLst>
+          </p:cNvPr>
+          <p:cNvSpPr/>
+          <p:nvPr/>
+        </p:nvSpPr>
+        <p:spPr>
+          <a:xfrm>
+            <a:off x="1643269" y="4704239"/>
+            <a:ext cx="3286542" cy="290720"/>
+          </a:xfrm>
+          <a:prstGeom prst="rect">
+            <a:avLst/>
+          </a:prstGeom>
+          <a:solidFill>
+            <a:schemeClr val="bg1">
+              <a:lumMod val="65000"/>
+            </a:schemeClr>
+          </a:solidFill>
+        </p:spPr>
+        <p:style>
+          <a:lnRef idx="2">
+            <a:schemeClr val="accent1">
+              <a:shade val="50000"/>
+            </a:schemeClr>
+          </a:lnRef>
+          <a:fillRef idx="1">
+            <a:schemeClr val="accent1"/>
+          </a:fillRef>
+          <a:effectRef idx="0">
+            <a:schemeClr val="accent1"/>
+          </a:effectRef>
+          <a:fontRef idx="minor">
+            <a:schemeClr val="lt1"/>
+          </a:fontRef>
+        </p:style>
+        <p:txBody>
+          <a:bodyPr rtlCol="0" anchor="ctr"/>
+          <a:lstStyle/>
+          <a:p>
+            <a:pPr algn="ctr"/>
+            <a:endParaRPr lang="en-IN"/>
+          </a:p>
+        </p:txBody>
+      </p:sp>
+      <p:sp>
+        <p:nvSpPr>
+          <p:cNvPr id="13" name="Rectangle 12">
+            <a:extLst>
+              <a:ext uri="{FF2B5EF4-FFF2-40B4-BE49-F238E27FC236}">
+                <a16:creationId xmlns:a16="http://schemas.microsoft.com/office/drawing/2014/main" id="{2AEDA215-4652-418E-A08F-3162DDDC3919}"/>
+              </a:ext>
+            </a:extLst>
+          </p:cNvPr>
+          <p:cNvSpPr/>
+          <p:nvPr/>
+        </p:nvSpPr>
+        <p:spPr>
+          <a:xfrm>
+            <a:off x="1643269" y="1877924"/>
+            <a:ext cx="3286542" cy="290720"/>
+          </a:xfrm>
+          <a:prstGeom prst="rect">
+            <a:avLst/>
+          </a:prstGeom>
+          <a:solidFill>
+            <a:schemeClr val="bg1">
+              <a:lumMod val="65000"/>
+            </a:schemeClr>
+          </a:solidFill>
+        </p:spPr>
+        <p:style>
+          <a:lnRef idx="2">
+            <a:schemeClr val="accent1">
+              <a:shade val="50000"/>
+            </a:schemeClr>
+          </a:lnRef>
+          <a:fillRef idx="1">
+            <a:schemeClr val="accent1"/>
+          </a:fillRef>
+          <a:effectRef idx="0">
+            <a:schemeClr val="accent1"/>
+          </a:effectRef>
+          <a:fontRef idx="minor">
+            <a:schemeClr val="lt1"/>
+          </a:fontRef>
+        </p:style>
+        <p:txBody>
+          <a:bodyPr rtlCol="0" anchor="ctr"/>
+          <a:lstStyle/>
+          <a:p>
+            <a:pPr algn="ctr"/>
+            <a:endParaRPr lang="en-IN"/>
+          </a:p>
+        </p:txBody>
+      </p:sp>
+      <p:sp>
+        <p:nvSpPr>
+          <p:cNvPr id="14" name="Rectangle 13">
+            <a:extLst>
+              <a:ext uri="{FF2B5EF4-FFF2-40B4-BE49-F238E27FC236}">
+                <a16:creationId xmlns:a16="http://schemas.microsoft.com/office/drawing/2014/main" id="{684248AC-3F8F-471E-B92C-4AC29204529E}"/>
+              </a:ext>
+            </a:extLst>
+          </p:cNvPr>
+          <p:cNvSpPr/>
+          <p:nvPr/>
+        </p:nvSpPr>
+        <p:spPr>
+          <a:xfrm rot="5400000">
+            <a:off x="2452015" y="3655205"/>
+            <a:ext cx="6074286" cy="331307"/>
+          </a:xfrm>
+          <a:prstGeom prst="rect">
+            <a:avLst/>
+          </a:prstGeom>
+          <a:solidFill>
+            <a:schemeClr val="bg1">
+              <a:lumMod val="65000"/>
+            </a:schemeClr>
+          </a:solidFill>
+        </p:spPr>
+        <p:style>
+          <a:lnRef idx="2">
+            <a:schemeClr val="accent1">
+              <a:shade val="50000"/>
+            </a:schemeClr>
+          </a:lnRef>
+          <a:fillRef idx="1">
+            <a:schemeClr val="accent1"/>
+          </a:fillRef>
+          <a:effectRef idx="0">
+            <a:schemeClr val="accent1"/>
+          </a:effectRef>
+          <a:fontRef idx="minor">
+            <a:schemeClr val="lt1"/>
+          </a:fontRef>
+        </p:style>
+        <p:txBody>
+          <a:bodyPr rtlCol="0" anchor="ctr"/>
+          <a:lstStyle/>
+          <a:p>
+            <a:pPr algn="ctr"/>
+            <a:endParaRPr lang="en-IN"/>
+          </a:p>
+        </p:txBody>
+      </p:sp>
+      <p:sp>
+        <p:nvSpPr>
+          <p:cNvPr id="15" name="Rectangle 14">
+            <a:extLst>
+              <a:ext uri="{FF2B5EF4-FFF2-40B4-BE49-F238E27FC236}">
+                <a16:creationId xmlns:a16="http://schemas.microsoft.com/office/drawing/2014/main" id="{874F841A-0B49-46C3-B0F5-09521B77C620}"/>
+              </a:ext>
+            </a:extLst>
+          </p:cNvPr>
+          <p:cNvSpPr/>
+          <p:nvPr/>
+        </p:nvSpPr>
+        <p:spPr>
+          <a:xfrm rot="5400000">
+            <a:off x="-1648826" y="3662141"/>
+            <a:ext cx="6088160" cy="331307"/>
+          </a:xfrm>
+          <a:prstGeom prst="rect">
+            <a:avLst/>
+          </a:prstGeom>
+          <a:solidFill>
+            <a:schemeClr val="bg1">
+              <a:lumMod val="65000"/>
+            </a:schemeClr>
+          </a:solidFill>
+        </p:spPr>
+        <p:style>
+          <a:lnRef idx="2">
+            <a:schemeClr val="accent1">
+              <a:shade val="50000"/>
+            </a:schemeClr>
+          </a:lnRef>
+          <a:fillRef idx="1">
+            <a:schemeClr val="accent1"/>
+          </a:fillRef>
+          <a:effectRef idx="0">
+            <a:schemeClr val="accent1"/>
+          </a:effectRef>
+          <a:fontRef idx="minor">
+            <a:schemeClr val="lt1"/>
+          </a:fontRef>
+        </p:style>
+        <p:txBody>
+          <a:bodyPr rtlCol="0" anchor="ctr"/>
+          <a:lstStyle/>
+          <a:p>
+            <a:pPr algn="ctr"/>
+            <a:endParaRPr lang="en-IN"/>
+          </a:p>
+        </p:txBody>
+      </p:sp>
+      <p:sp>
+        <p:nvSpPr>
+          <p:cNvPr id="16" name="Rectangle 15">
+            <a:extLst>
+              <a:ext uri="{FF2B5EF4-FFF2-40B4-BE49-F238E27FC236}">
+                <a16:creationId xmlns:a16="http://schemas.microsoft.com/office/drawing/2014/main" id="{A06D9173-D4A1-4476-81FE-F0700C7894BA}"/>
+              </a:ext>
+            </a:extLst>
+          </p:cNvPr>
+          <p:cNvSpPr/>
+          <p:nvPr/>
+        </p:nvSpPr>
+        <p:spPr>
+          <a:xfrm>
+            <a:off x="2332927" y="3270319"/>
+            <a:ext cx="331308" cy="1347808"/>
+          </a:xfrm>
+          <a:prstGeom prst="rect">
+            <a:avLst/>
+          </a:prstGeom>
+          <a:solidFill>
+            <a:schemeClr val="bg1">
+              <a:lumMod val="65000"/>
+            </a:schemeClr>
+          </a:solidFill>
+        </p:spPr>
+        <p:style>
+          <a:lnRef idx="2">
+            <a:schemeClr val="accent1">
+              <a:shade val="50000"/>
+            </a:schemeClr>
+          </a:lnRef>
+          <a:fillRef idx="1">
+            <a:schemeClr val="accent1"/>
+          </a:fillRef>
+          <a:effectRef idx="0">
+            <a:schemeClr val="accent1"/>
+          </a:effectRef>
+          <a:fontRef idx="minor">
+            <a:schemeClr val="lt1"/>
+          </a:fontRef>
+        </p:style>
+        <p:txBody>
+          <a:bodyPr rtlCol="0" anchor="ctr"/>
+          <a:lstStyle/>
+          <a:p>
+            <a:pPr algn="ctr"/>
+            <a:endParaRPr lang="en-IN"/>
+          </a:p>
+        </p:txBody>
+      </p:sp>
+      <p:sp>
+        <p:nvSpPr>
+          <p:cNvPr id="17" name="Rectangle 16">
+            <a:extLst>
+              <a:ext uri="{FF2B5EF4-FFF2-40B4-BE49-F238E27FC236}">
+                <a16:creationId xmlns:a16="http://schemas.microsoft.com/office/drawing/2014/main" id="{0F891F5C-D294-4AE2-B14D-7BAA43F9C8B4}"/>
+              </a:ext>
+            </a:extLst>
+          </p:cNvPr>
+          <p:cNvSpPr/>
+          <p:nvPr/>
+        </p:nvSpPr>
+        <p:spPr>
+          <a:xfrm>
+            <a:off x="2988367" y="3868662"/>
+            <a:ext cx="212012" cy="320859"/>
+          </a:xfrm>
+          <a:prstGeom prst="rect">
+            <a:avLst/>
+          </a:prstGeom>
+          <a:solidFill>
+            <a:schemeClr val="bg1">
+              <a:lumMod val="65000"/>
+            </a:schemeClr>
+          </a:solidFill>
+        </p:spPr>
+        <p:style>
+          <a:lnRef idx="2">
+            <a:schemeClr val="accent1">
+              <a:shade val="50000"/>
+            </a:schemeClr>
+          </a:lnRef>
+          <a:fillRef idx="1">
+            <a:schemeClr val="accent1"/>
+          </a:fillRef>
+          <a:effectRef idx="0">
+            <a:schemeClr val="accent1"/>
+          </a:effectRef>
+          <a:fontRef idx="minor">
+            <a:schemeClr val="lt1"/>
+          </a:fontRef>
+        </p:style>
+        <p:txBody>
+          <a:bodyPr rtlCol="0" anchor="ctr"/>
+          <a:lstStyle/>
+          <a:p>
+            <a:pPr algn="ctr"/>
+            <a:endParaRPr lang="en-IN"/>
+          </a:p>
+        </p:txBody>
+      </p:sp>
+      <p:sp>
+        <p:nvSpPr>
+          <p:cNvPr id="18" name="Rectangle 17">
+            <a:extLst>
+              <a:ext uri="{FF2B5EF4-FFF2-40B4-BE49-F238E27FC236}">
+                <a16:creationId xmlns:a16="http://schemas.microsoft.com/office/drawing/2014/main" id="{9A6B98EE-D35F-4E7D-8106-86821446E6E4}"/>
+              </a:ext>
+            </a:extLst>
+          </p:cNvPr>
+          <p:cNvSpPr/>
+          <p:nvPr/>
+        </p:nvSpPr>
+        <p:spPr>
+          <a:xfrm>
+            <a:off x="3198379" y="3868662"/>
+            <a:ext cx="212012" cy="320860"/>
+          </a:xfrm>
+          <a:prstGeom prst="rect">
+            <a:avLst/>
+          </a:prstGeom>
+          <a:solidFill>
+            <a:schemeClr val="bg1">
+              <a:lumMod val="65000"/>
+            </a:schemeClr>
+          </a:solidFill>
+        </p:spPr>
+        <p:style>
+          <a:lnRef idx="2">
+            <a:schemeClr val="accent1">
+              <a:shade val="50000"/>
+            </a:schemeClr>
+          </a:lnRef>
+          <a:fillRef idx="1">
+            <a:schemeClr val="accent1"/>
+          </a:fillRef>
+          <a:effectRef idx="0">
+            <a:schemeClr val="accent1"/>
+          </a:effectRef>
+          <a:fontRef idx="minor">
+            <a:schemeClr val="lt1"/>
+          </a:fontRef>
+        </p:style>
+        <p:txBody>
+          <a:bodyPr rtlCol="0" anchor="ctr"/>
+          <a:lstStyle/>
+          <a:p>
+            <a:pPr algn="ctr"/>
+            <a:endParaRPr lang="en-IN"/>
+          </a:p>
+        </p:txBody>
+      </p:sp>
+      <p:sp>
+        <p:nvSpPr>
+          <p:cNvPr id="21" name="Rectangle 20">
+            <a:extLst>
+              <a:ext uri="{FF2B5EF4-FFF2-40B4-BE49-F238E27FC236}">
+                <a16:creationId xmlns:a16="http://schemas.microsoft.com/office/drawing/2014/main" id="{796A0DCF-F773-4D97-B918-31A41DDFE605}"/>
+              </a:ext>
+            </a:extLst>
+          </p:cNvPr>
+          <p:cNvSpPr/>
+          <p:nvPr/>
+        </p:nvSpPr>
+        <p:spPr>
+          <a:xfrm>
+            <a:off x="3478417" y="3871973"/>
+            <a:ext cx="212012" cy="320859"/>
+          </a:xfrm>
+          <a:prstGeom prst="rect">
+            <a:avLst/>
+          </a:prstGeom>
+          <a:solidFill>
+            <a:schemeClr val="bg1">
+              <a:lumMod val="65000"/>
+            </a:schemeClr>
+          </a:solidFill>
+        </p:spPr>
+        <p:style>
+          <a:lnRef idx="2">
+            <a:schemeClr val="accent1">
+              <a:shade val="50000"/>
+            </a:schemeClr>
+          </a:lnRef>
+          <a:fillRef idx="1">
+            <a:schemeClr val="accent1"/>
+          </a:fillRef>
+          <a:effectRef idx="0">
+            <a:schemeClr val="accent1"/>
+          </a:effectRef>
+          <a:fontRef idx="minor">
+            <a:schemeClr val="lt1"/>
+          </a:fontRef>
+        </p:style>
+        <p:txBody>
+          <a:bodyPr rtlCol="0" anchor="ctr"/>
+          <a:lstStyle/>
+          <a:p>
+            <a:pPr algn="ctr"/>
+            <a:endParaRPr lang="en-IN"/>
+          </a:p>
+        </p:txBody>
+      </p:sp>
+      <p:sp>
+        <p:nvSpPr>
+          <p:cNvPr id="22" name="Rectangle 21">
+            <a:extLst>
+              <a:ext uri="{FF2B5EF4-FFF2-40B4-BE49-F238E27FC236}">
+                <a16:creationId xmlns:a16="http://schemas.microsoft.com/office/drawing/2014/main" id="{238C1AFF-D776-4A8F-B87F-6C505D6A583E}"/>
+              </a:ext>
+            </a:extLst>
+          </p:cNvPr>
+          <p:cNvSpPr/>
+          <p:nvPr/>
+        </p:nvSpPr>
+        <p:spPr>
+          <a:xfrm>
+            <a:off x="3688429" y="3871973"/>
+            <a:ext cx="212012" cy="320860"/>
+          </a:xfrm>
+          <a:prstGeom prst="rect">
+            <a:avLst/>
+          </a:prstGeom>
+          <a:solidFill>
+            <a:schemeClr val="bg1">
+              <a:lumMod val="65000"/>
+            </a:schemeClr>
+          </a:solidFill>
+        </p:spPr>
+        <p:style>
+          <a:lnRef idx="2">
+            <a:schemeClr val="accent1">
+              <a:shade val="50000"/>
+            </a:schemeClr>
+          </a:lnRef>
+          <a:fillRef idx="1">
+            <a:schemeClr val="accent1"/>
+          </a:fillRef>
+          <a:effectRef idx="0">
+            <a:schemeClr val="accent1"/>
+          </a:effectRef>
+          <a:fontRef idx="minor">
+            <a:schemeClr val="lt1"/>
+          </a:fontRef>
+        </p:style>
+        <p:txBody>
+          <a:bodyPr rtlCol="0" anchor="ctr"/>
+          <a:lstStyle/>
+          <a:p>
+            <a:pPr algn="ctr"/>
+            <a:endParaRPr lang="en-IN"/>
+          </a:p>
+        </p:txBody>
+      </p:sp>
+      <p:sp>
+        <p:nvSpPr>
+          <p:cNvPr id="23" name="Rectangle 22">
+            <a:extLst>
+              <a:ext uri="{FF2B5EF4-FFF2-40B4-BE49-F238E27FC236}">
+                <a16:creationId xmlns:a16="http://schemas.microsoft.com/office/drawing/2014/main" id="{1EF6F2F9-C8CB-4159-8771-B55B35FAF349}"/>
+              </a:ext>
+            </a:extLst>
+          </p:cNvPr>
+          <p:cNvSpPr/>
+          <p:nvPr/>
+        </p:nvSpPr>
+        <p:spPr>
+          <a:xfrm>
+            <a:off x="3898441" y="3873741"/>
+            <a:ext cx="212012" cy="320859"/>
+          </a:xfrm>
+          <a:prstGeom prst="rect">
+            <a:avLst/>
+          </a:prstGeom>
+          <a:solidFill>
+            <a:schemeClr val="bg1">
+              <a:lumMod val="65000"/>
+            </a:schemeClr>
+          </a:solidFill>
+        </p:spPr>
+        <p:style>
+          <a:lnRef idx="2">
+            <a:schemeClr val="accent1">
+              <a:shade val="50000"/>
+            </a:schemeClr>
+          </a:lnRef>
+          <a:fillRef idx="1">
+            <a:schemeClr val="accent1"/>
+          </a:fillRef>
+          <a:effectRef idx="0">
+            <a:schemeClr val="accent1"/>
+          </a:effectRef>
+          <a:fontRef idx="minor">
+            <a:schemeClr val="lt1"/>
+          </a:fontRef>
+        </p:style>
+        <p:txBody>
+          <a:bodyPr rtlCol="0" anchor="ctr"/>
+          <a:lstStyle/>
+          <a:p>
+            <a:pPr algn="ctr"/>
+            <a:endParaRPr lang="en-IN"/>
+          </a:p>
+        </p:txBody>
+      </p:sp>
+      <p:sp>
+        <p:nvSpPr>
+          <p:cNvPr id="24" name="Rectangle 23">
+            <a:extLst>
+              <a:ext uri="{FF2B5EF4-FFF2-40B4-BE49-F238E27FC236}">
+                <a16:creationId xmlns:a16="http://schemas.microsoft.com/office/drawing/2014/main" id="{3344B645-AE96-4C05-A0D5-FAB443549913}"/>
+              </a:ext>
+            </a:extLst>
+          </p:cNvPr>
+          <p:cNvSpPr/>
+          <p:nvPr/>
+        </p:nvSpPr>
+        <p:spPr>
+          <a:xfrm>
+            <a:off x="4108453" y="3873741"/>
+            <a:ext cx="212012" cy="320860"/>
+          </a:xfrm>
+          <a:prstGeom prst="rect">
+            <a:avLst/>
+          </a:prstGeom>
+          <a:solidFill>
+            <a:schemeClr val="bg1">
+              <a:lumMod val="65000"/>
+            </a:schemeClr>
+          </a:solidFill>
+        </p:spPr>
+        <p:style>
+          <a:lnRef idx="2">
+            <a:schemeClr val="accent1">
+              <a:shade val="50000"/>
+            </a:schemeClr>
+          </a:lnRef>
+          <a:fillRef idx="1">
+            <a:schemeClr val="accent1"/>
+          </a:fillRef>
+          <a:effectRef idx="0">
+            <a:schemeClr val="accent1"/>
+          </a:effectRef>
+          <a:fontRef idx="minor">
+            <a:schemeClr val="lt1"/>
+          </a:fontRef>
+        </p:style>
+        <p:txBody>
+          <a:bodyPr rtlCol="0" anchor="ctr"/>
+          <a:lstStyle/>
+          <a:p>
+            <a:pPr algn="ctr"/>
+            <a:endParaRPr lang="en-IN"/>
+          </a:p>
+        </p:txBody>
+      </p:sp>
+      <p:sp>
+        <p:nvSpPr>
+          <p:cNvPr id="25" name="Rectangle 24">
+            <a:extLst>
+              <a:ext uri="{FF2B5EF4-FFF2-40B4-BE49-F238E27FC236}">
+                <a16:creationId xmlns:a16="http://schemas.microsoft.com/office/drawing/2014/main" id="{FC43C556-C614-427F-9797-AF2457ED69BF}"/>
+              </a:ext>
+            </a:extLst>
+          </p:cNvPr>
+          <p:cNvSpPr/>
+          <p:nvPr/>
+        </p:nvSpPr>
+        <p:spPr>
+          <a:xfrm>
+            <a:off x="3737121" y="2257679"/>
+            <a:ext cx="161320" cy="320859"/>
+          </a:xfrm>
+          <a:prstGeom prst="rect">
+            <a:avLst/>
+          </a:prstGeom>
+          <a:solidFill>
+            <a:srgbClr val="FF0000"/>
+          </a:solidFill>
+          <a:ln>
+            <a:solidFill>
+              <a:srgbClr val="FF0000"/>
+            </a:solidFill>
+          </a:ln>
+        </p:spPr>
+        <p:style>
+          <a:lnRef idx="2">
+            <a:schemeClr val="accent1">
+              <a:shade val="50000"/>
+            </a:schemeClr>
+          </a:lnRef>
+          <a:fillRef idx="1">
+            <a:schemeClr val="accent1"/>
+          </a:fillRef>
+          <a:effectRef idx="0">
+            <a:schemeClr val="accent1"/>
+          </a:effectRef>
+          <a:fontRef idx="minor">
+            <a:schemeClr val="lt1"/>
+          </a:fontRef>
+        </p:style>
+        <p:txBody>
+          <a:bodyPr rtlCol="0" anchor="ctr"/>
+          <a:lstStyle/>
+          <a:p>
+            <a:pPr algn="ctr"/>
+            <a:endParaRPr lang="en-IN"/>
+          </a:p>
+        </p:txBody>
+      </p:sp>
+      <p:sp>
+        <p:nvSpPr>
+          <p:cNvPr id="26" name="Rectangle 25">
+            <a:extLst>
+              <a:ext uri="{FF2B5EF4-FFF2-40B4-BE49-F238E27FC236}">
+                <a16:creationId xmlns:a16="http://schemas.microsoft.com/office/drawing/2014/main" id="{402AA0D7-EFBD-4655-875A-61CE7FA255F3}"/>
+              </a:ext>
+            </a:extLst>
+          </p:cNvPr>
+          <p:cNvSpPr/>
+          <p:nvPr/>
+        </p:nvSpPr>
+        <p:spPr>
+          <a:xfrm>
+            <a:off x="3949507" y="2263736"/>
+            <a:ext cx="158946" cy="320859"/>
+          </a:xfrm>
+          <a:prstGeom prst="rect">
+            <a:avLst/>
+          </a:prstGeom>
+          <a:solidFill>
+            <a:srgbClr val="0070C0"/>
+          </a:solidFill>
+        </p:spPr>
+        <p:style>
+          <a:lnRef idx="2">
+            <a:schemeClr val="accent1">
+              <a:shade val="50000"/>
+            </a:schemeClr>
+          </a:lnRef>
+          <a:fillRef idx="1">
+            <a:schemeClr val="accent1"/>
+          </a:fillRef>
+          <a:effectRef idx="0">
+            <a:schemeClr val="accent1"/>
+          </a:effectRef>
+          <a:fontRef idx="minor">
+            <a:schemeClr val="lt1"/>
+          </a:fontRef>
+        </p:style>
+        <p:txBody>
+          <a:bodyPr rtlCol="0" anchor="ctr"/>
+          <a:lstStyle/>
+          <a:p>
+            <a:pPr algn="ctr"/>
+            <a:endParaRPr lang="en-IN"/>
+          </a:p>
+        </p:txBody>
+      </p:sp>
+      <p:sp>
+        <p:nvSpPr>
+          <p:cNvPr id="27" name="Rectangle 26">
+            <a:extLst>
+              <a:ext uri="{FF2B5EF4-FFF2-40B4-BE49-F238E27FC236}">
+                <a16:creationId xmlns:a16="http://schemas.microsoft.com/office/drawing/2014/main" id="{943CE897-385F-42D6-B24A-D2C3085B0797}"/>
+              </a:ext>
+            </a:extLst>
+          </p:cNvPr>
+          <p:cNvSpPr/>
+          <p:nvPr/>
+        </p:nvSpPr>
+        <p:spPr>
+          <a:xfrm>
+            <a:off x="6178550" y="408509"/>
+            <a:ext cx="1905000" cy="891220"/>
+          </a:xfrm>
+          <a:prstGeom prst="rect">
+            <a:avLst/>
+          </a:prstGeom>
+        </p:spPr>
+        <p:style>
+          <a:lnRef idx="2">
+            <a:schemeClr val="accent1">
+              <a:shade val="50000"/>
+            </a:schemeClr>
+          </a:lnRef>
+          <a:fillRef idx="1">
+            <a:schemeClr val="accent1"/>
+          </a:fillRef>
+          <a:effectRef idx="0">
+            <a:schemeClr val="accent1"/>
+          </a:effectRef>
+          <a:fontRef idx="minor">
+            <a:schemeClr val="lt1"/>
+          </a:fontRef>
+        </p:style>
+        <p:txBody>
+          <a:bodyPr rtlCol="0" anchor="ctr"/>
+          <a:lstStyle/>
+          <a:p>
+            <a:pPr algn="ctr"/>
+            <a:r>
+              <a:rPr lang="en-IN" dirty="0"/>
+              <a:t>24 v Banks</a:t>
+            </a:r>
+          </a:p>
+        </p:txBody>
+      </p:sp>
+      <p:cxnSp>
+        <p:nvCxnSpPr>
+          <p:cNvPr id="29" name="Straight Arrow Connector 28">
+            <a:extLst>
+              <a:ext uri="{FF2B5EF4-FFF2-40B4-BE49-F238E27FC236}">
+                <a16:creationId xmlns:a16="http://schemas.microsoft.com/office/drawing/2014/main" id="{2B8ED8EC-F86A-42CA-9ECF-82E176807F95}"/>
+              </a:ext>
+            </a:extLst>
+          </p:cNvPr>
+          <p:cNvCxnSpPr>
+            <a:cxnSpLocks/>
+            <a:endCxn id="25" idx="3"/>
+          </p:cNvCxnSpPr>
+          <p:nvPr/>
+        </p:nvCxnSpPr>
+        <p:spPr>
+          <a:xfrm flipH="1">
+            <a:off x="3898441" y="1790080"/>
+            <a:ext cx="1056858" cy="628029"/>
+          </a:xfrm>
+          <a:prstGeom prst="straightConnector1">
+            <a:avLst/>
+          </a:prstGeom>
+          <a:ln>
+            <a:solidFill>
+              <a:schemeClr val="bg1"/>
+            </a:solidFill>
+            <a:tailEnd type="triangle"/>
+          </a:ln>
+        </p:spPr>
+        <p:style>
+          <a:lnRef idx="1">
+            <a:schemeClr val="accent1"/>
+          </a:lnRef>
+          <a:fillRef idx="0">
+            <a:schemeClr val="accent1"/>
+          </a:fillRef>
+          <a:effectRef idx="0">
+            <a:schemeClr val="accent1"/>
+          </a:effectRef>
+          <a:fontRef idx="minor">
+            <a:schemeClr val="tx1"/>
+          </a:fontRef>
+        </p:style>
+      </p:cxnSp>
+      <p:cxnSp>
+        <p:nvCxnSpPr>
+          <p:cNvPr id="32" name="Straight Connector 31">
+            <a:extLst>
+              <a:ext uri="{FF2B5EF4-FFF2-40B4-BE49-F238E27FC236}">
+                <a16:creationId xmlns:a16="http://schemas.microsoft.com/office/drawing/2014/main" id="{1429AE19-BA41-463B-84C6-DA1280E4D76B}"/>
+              </a:ext>
+            </a:extLst>
+          </p:cNvPr>
+          <p:cNvCxnSpPr/>
+          <p:nvPr/>
+        </p:nvCxnSpPr>
+        <p:spPr>
+          <a:xfrm flipV="1">
+            <a:off x="3836992" y="3047586"/>
+            <a:ext cx="0" cy="821076"/>
+          </a:xfrm>
+          <a:prstGeom prst="line">
+            <a:avLst/>
+          </a:prstGeom>
+          <a:ln>
+            <a:solidFill>
+              <a:srgbClr val="FF0000"/>
+            </a:solidFill>
+          </a:ln>
+        </p:spPr>
+        <p:style>
+          <a:lnRef idx="1">
+            <a:schemeClr val="accent1"/>
+          </a:lnRef>
+          <a:fillRef idx="0">
+            <a:schemeClr val="accent1"/>
+          </a:fillRef>
+          <a:effectRef idx="0">
+            <a:schemeClr val="accent1"/>
+          </a:effectRef>
+          <a:fontRef idx="minor">
+            <a:schemeClr val="tx1"/>
+          </a:fontRef>
+        </p:style>
+      </p:cxnSp>
+      <p:cxnSp>
+        <p:nvCxnSpPr>
+          <p:cNvPr id="33" name="Straight Connector 32">
+            <a:extLst>
+              <a:ext uri="{FF2B5EF4-FFF2-40B4-BE49-F238E27FC236}">
+                <a16:creationId xmlns:a16="http://schemas.microsoft.com/office/drawing/2014/main" id="{8DE711A9-10AB-4700-9CC7-F7AD591987B1}"/>
+              </a:ext>
+            </a:extLst>
+          </p:cNvPr>
+          <p:cNvCxnSpPr>
+            <a:cxnSpLocks/>
+          </p:cNvCxnSpPr>
+          <p:nvPr/>
+        </p:nvCxnSpPr>
+        <p:spPr>
+          <a:xfrm flipH="1">
+            <a:off x="3061964" y="3047586"/>
+            <a:ext cx="832178" cy="0"/>
+          </a:xfrm>
+          <a:prstGeom prst="line">
+            <a:avLst/>
+          </a:prstGeom>
+          <a:ln>
+            <a:solidFill>
+              <a:srgbClr val="FF0000"/>
+            </a:solidFill>
+          </a:ln>
+        </p:spPr>
+        <p:style>
+          <a:lnRef idx="1">
+            <a:schemeClr val="accent1"/>
+          </a:lnRef>
+          <a:fillRef idx="0">
+            <a:schemeClr val="accent1"/>
+          </a:fillRef>
+          <a:effectRef idx="0">
+            <a:schemeClr val="accent1"/>
+          </a:effectRef>
+          <a:fontRef idx="minor">
+            <a:schemeClr val="tx1"/>
+          </a:fontRef>
+        </p:style>
+      </p:cxnSp>
+      <p:cxnSp>
+        <p:nvCxnSpPr>
+          <p:cNvPr id="37" name="Straight Connector 36">
+            <a:extLst>
+              <a:ext uri="{FF2B5EF4-FFF2-40B4-BE49-F238E27FC236}">
+                <a16:creationId xmlns:a16="http://schemas.microsoft.com/office/drawing/2014/main" id="{930F396B-3365-4D6E-8B99-4A760944D450}"/>
+              </a:ext>
+            </a:extLst>
+          </p:cNvPr>
+          <p:cNvCxnSpPr/>
+          <p:nvPr/>
+        </p:nvCxnSpPr>
+        <p:spPr>
+          <a:xfrm flipV="1">
+            <a:off x="3053068" y="3047586"/>
+            <a:ext cx="0" cy="821076"/>
+          </a:xfrm>
+          <a:prstGeom prst="line">
+            <a:avLst/>
+          </a:prstGeom>
+          <a:ln>
+            <a:solidFill>
+              <a:srgbClr val="FF0000"/>
+            </a:solidFill>
+          </a:ln>
+        </p:spPr>
+        <p:style>
+          <a:lnRef idx="1">
+            <a:schemeClr val="accent1"/>
+          </a:lnRef>
+          <a:fillRef idx="0">
+            <a:schemeClr val="accent1"/>
+          </a:fillRef>
+          <a:effectRef idx="0">
+            <a:schemeClr val="accent1"/>
+          </a:effectRef>
+          <a:fontRef idx="minor">
+            <a:schemeClr val="tx1"/>
+          </a:fontRef>
+        </p:style>
+      </p:cxnSp>
+      <p:cxnSp>
+        <p:nvCxnSpPr>
+          <p:cNvPr id="38" name="Straight Connector 37">
+            <a:extLst>
+              <a:ext uri="{FF2B5EF4-FFF2-40B4-BE49-F238E27FC236}">
+                <a16:creationId xmlns:a16="http://schemas.microsoft.com/office/drawing/2014/main" id="{D8F4BF7C-E227-4246-95DE-74069356B08B}"/>
+              </a:ext>
+            </a:extLst>
+          </p:cNvPr>
+          <p:cNvCxnSpPr>
+            <a:cxnSpLocks/>
+          </p:cNvCxnSpPr>
+          <p:nvPr/>
+        </p:nvCxnSpPr>
+        <p:spPr>
+          <a:xfrm flipH="1" flipV="1">
+            <a:off x="3794435" y="3124200"/>
+            <a:ext cx="2299" cy="744462"/>
+          </a:xfrm>
+          <a:prstGeom prst="line">
+            <a:avLst/>
+          </a:prstGeom>
+          <a:ln>
+            <a:solidFill>
+              <a:srgbClr val="006780"/>
+            </a:solidFill>
+          </a:ln>
+        </p:spPr>
+        <p:style>
+          <a:lnRef idx="1">
+            <a:schemeClr val="accent1"/>
+          </a:lnRef>
+          <a:fillRef idx="0">
+            <a:schemeClr val="accent1"/>
+          </a:fillRef>
+          <a:effectRef idx="0">
+            <a:schemeClr val="accent1"/>
+          </a:effectRef>
+          <a:fontRef idx="minor">
+            <a:schemeClr val="tx1"/>
+          </a:fontRef>
+        </p:style>
+      </p:cxnSp>
+      <p:cxnSp>
+        <p:nvCxnSpPr>
+          <p:cNvPr id="41" name="Straight Connector 40">
+            <a:extLst>
+              <a:ext uri="{FF2B5EF4-FFF2-40B4-BE49-F238E27FC236}">
+                <a16:creationId xmlns:a16="http://schemas.microsoft.com/office/drawing/2014/main" id="{EE29DF7D-2BE2-4671-A418-04B39D1F1B97}"/>
+              </a:ext>
+            </a:extLst>
+          </p:cNvPr>
+          <p:cNvCxnSpPr>
+            <a:cxnSpLocks/>
+          </p:cNvCxnSpPr>
+          <p:nvPr/>
+        </p:nvCxnSpPr>
+        <p:spPr>
+          <a:xfrm flipH="1" flipV="1">
+            <a:off x="3124574" y="3133699"/>
+            <a:ext cx="2299" cy="744462"/>
+          </a:xfrm>
+          <a:prstGeom prst="line">
+            <a:avLst/>
+          </a:prstGeom>
+          <a:ln>
+            <a:solidFill>
+              <a:srgbClr val="006780"/>
+            </a:solidFill>
+          </a:ln>
+        </p:spPr>
+        <p:style>
+          <a:lnRef idx="1">
+            <a:schemeClr val="accent1"/>
+          </a:lnRef>
+          <a:fillRef idx="0">
+            <a:schemeClr val="accent1"/>
+          </a:fillRef>
+          <a:effectRef idx="0">
+            <a:schemeClr val="accent1"/>
+          </a:effectRef>
+          <a:fontRef idx="minor">
+            <a:schemeClr val="tx1"/>
+          </a:fontRef>
+        </p:style>
+      </p:cxnSp>
+      <p:cxnSp>
+        <p:nvCxnSpPr>
+          <p:cNvPr id="42" name="Straight Connector 41">
+            <a:extLst>
+              <a:ext uri="{FF2B5EF4-FFF2-40B4-BE49-F238E27FC236}">
+                <a16:creationId xmlns:a16="http://schemas.microsoft.com/office/drawing/2014/main" id="{D34D9FA9-1EDC-4B60-95AB-205F00D71137}"/>
+              </a:ext>
+            </a:extLst>
+          </p:cNvPr>
+          <p:cNvCxnSpPr>
+            <a:cxnSpLocks/>
+          </p:cNvCxnSpPr>
+          <p:nvPr/>
+        </p:nvCxnSpPr>
+        <p:spPr>
+          <a:xfrm>
+            <a:off x="3124574" y="3124190"/>
+            <a:ext cx="669861" cy="0"/>
+          </a:xfrm>
+          <a:prstGeom prst="line">
+            <a:avLst/>
+          </a:prstGeom>
+          <a:ln>
+            <a:solidFill>
+              <a:srgbClr val="006780"/>
+            </a:solidFill>
+          </a:ln>
+        </p:spPr>
+        <p:style>
+          <a:lnRef idx="1">
+            <a:schemeClr val="accent1"/>
+          </a:lnRef>
+          <a:fillRef idx="0">
+            <a:schemeClr val="accent1"/>
+          </a:fillRef>
+          <a:effectRef idx="0">
+            <a:schemeClr val="accent1"/>
+          </a:effectRef>
+          <a:fontRef idx="minor">
+            <a:schemeClr val="tx1"/>
+          </a:fontRef>
+        </p:style>
+      </p:cxnSp>
+      <p:sp>
+        <p:nvSpPr>
+          <p:cNvPr id="46" name="Rectangle 45">
+            <a:extLst>
+              <a:ext uri="{FF2B5EF4-FFF2-40B4-BE49-F238E27FC236}">
+                <a16:creationId xmlns:a16="http://schemas.microsoft.com/office/drawing/2014/main" id="{3113916F-57F8-4F2B-926E-C292538299DD}"/>
+              </a:ext>
+            </a:extLst>
+          </p:cNvPr>
+          <p:cNvSpPr/>
+          <p:nvPr/>
+        </p:nvSpPr>
+        <p:spPr>
+          <a:xfrm>
+            <a:off x="2088184" y="3868772"/>
+            <a:ext cx="80858" cy="320859"/>
+          </a:xfrm>
+          <a:prstGeom prst="rect">
+            <a:avLst/>
+          </a:prstGeom>
+          <a:solidFill>
+            <a:srgbClr val="FF0000"/>
+          </a:solidFill>
+          <a:ln>
+            <a:solidFill>
+              <a:srgbClr val="FF0000"/>
+            </a:solidFill>
+          </a:ln>
+        </p:spPr>
+        <p:style>
+          <a:lnRef idx="2">
+            <a:schemeClr val="accent1">
+              <a:shade val="50000"/>
+            </a:schemeClr>
+          </a:lnRef>
+          <a:fillRef idx="1">
+            <a:schemeClr val="accent1"/>
+          </a:fillRef>
+          <a:effectRef idx="0">
+            <a:schemeClr val="accent1"/>
+          </a:effectRef>
+          <a:fontRef idx="minor">
+            <a:schemeClr val="lt1"/>
+          </a:fontRef>
+        </p:style>
+        <p:txBody>
+          <a:bodyPr rtlCol="0" anchor="ctr"/>
+          <a:lstStyle/>
+          <a:p>
+            <a:pPr algn="ctr"/>
+            <a:endParaRPr lang="en-IN"/>
+          </a:p>
+        </p:txBody>
+      </p:sp>
+      <p:sp>
+        <p:nvSpPr>
+          <p:cNvPr id="47" name="Rectangle 46">
+            <a:extLst>
+              <a:ext uri="{FF2B5EF4-FFF2-40B4-BE49-F238E27FC236}">
+                <a16:creationId xmlns:a16="http://schemas.microsoft.com/office/drawing/2014/main" id="{00797844-E797-4664-BD63-49BBBDF70C70}"/>
+              </a:ext>
+            </a:extLst>
+          </p:cNvPr>
+          <p:cNvSpPr/>
+          <p:nvPr/>
+        </p:nvSpPr>
+        <p:spPr>
+          <a:xfrm flipH="1">
+            <a:off x="2175666" y="3868479"/>
+            <a:ext cx="124904" cy="320859"/>
+          </a:xfrm>
+          <a:prstGeom prst="rect">
+            <a:avLst/>
+          </a:prstGeom>
+          <a:solidFill>
+            <a:srgbClr val="0070C0"/>
+          </a:solidFill>
+        </p:spPr>
+        <p:style>
+          <a:lnRef idx="2">
+            <a:schemeClr val="accent1">
+              <a:shade val="50000"/>
+            </a:schemeClr>
+          </a:lnRef>
+          <a:fillRef idx="1">
+            <a:schemeClr val="accent1"/>
+          </a:fillRef>
+          <a:effectRef idx="0">
+            <a:schemeClr val="accent1"/>
+          </a:effectRef>
+          <a:fontRef idx="minor">
+            <a:schemeClr val="lt1"/>
+          </a:fontRef>
+        </p:style>
+        <p:txBody>
+          <a:bodyPr rtlCol="0" anchor="ctr"/>
+          <a:lstStyle/>
+          <a:p>
+            <a:pPr algn="ctr"/>
+            <a:endParaRPr lang="en-IN"/>
+          </a:p>
+        </p:txBody>
+      </p:sp>
+      <p:sp>
+        <p:nvSpPr>
+          <p:cNvPr id="48" name="Rectangle 47">
+            <a:extLst>
+              <a:ext uri="{FF2B5EF4-FFF2-40B4-BE49-F238E27FC236}">
+                <a16:creationId xmlns:a16="http://schemas.microsoft.com/office/drawing/2014/main" id="{E193F87F-4225-4FD9-A7AF-619508318E6A}"/>
+              </a:ext>
+            </a:extLst>
+          </p:cNvPr>
+          <p:cNvSpPr/>
+          <p:nvPr/>
+        </p:nvSpPr>
+        <p:spPr>
+          <a:xfrm>
+            <a:off x="2997892" y="5177729"/>
+            <a:ext cx="45719" cy="457336"/>
+          </a:xfrm>
+          <a:prstGeom prst="rect">
+            <a:avLst/>
+          </a:prstGeom>
+          <a:solidFill>
+            <a:schemeClr val="tx1"/>
+          </a:solidFill>
+        </p:spPr>
+        <p:style>
+          <a:lnRef idx="2">
+            <a:schemeClr val="accent1">
+              <a:shade val="50000"/>
+            </a:schemeClr>
+          </a:lnRef>
+          <a:fillRef idx="1">
+            <a:schemeClr val="accent1"/>
+          </a:fillRef>
+          <a:effectRef idx="0">
+            <a:schemeClr val="accent1"/>
+          </a:effectRef>
+          <a:fontRef idx="minor">
+            <a:schemeClr val="lt1"/>
+          </a:fontRef>
+        </p:style>
+        <p:txBody>
+          <a:bodyPr rtlCol="0" anchor="ctr"/>
+          <a:lstStyle/>
+          <a:p>
+            <a:pPr algn="ctr"/>
+            <a:endParaRPr lang="en-IN"/>
+          </a:p>
+        </p:txBody>
+      </p:sp>
+      <p:sp>
+        <p:nvSpPr>
+          <p:cNvPr id="49" name="Rectangle 48">
+            <a:extLst>
+              <a:ext uri="{FF2B5EF4-FFF2-40B4-BE49-F238E27FC236}">
+                <a16:creationId xmlns:a16="http://schemas.microsoft.com/office/drawing/2014/main" id="{D5E538F1-2588-49C3-8F31-C27016A7A128}"/>
+              </a:ext>
+            </a:extLst>
+          </p:cNvPr>
+          <p:cNvSpPr/>
+          <p:nvPr/>
+        </p:nvSpPr>
+        <p:spPr>
+          <a:xfrm>
+            <a:off x="3067568" y="5177729"/>
+            <a:ext cx="45719" cy="457336"/>
+          </a:xfrm>
+          <a:prstGeom prst="rect">
+            <a:avLst/>
+          </a:prstGeom>
+          <a:solidFill>
+            <a:schemeClr val="tx1"/>
+          </a:solidFill>
+        </p:spPr>
+        <p:style>
+          <a:lnRef idx="2">
+            <a:schemeClr val="accent1">
+              <a:shade val="50000"/>
+            </a:schemeClr>
+          </a:lnRef>
+          <a:fillRef idx="1">
+            <a:schemeClr val="accent1"/>
+          </a:fillRef>
+          <a:effectRef idx="0">
+            <a:schemeClr val="accent1"/>
+          </a:effectRef>
+          <a:fontRef idx="minor">
+            <a:schemeClr val="lt1"/>
+          </a:fontRef>
+        </p:style>
+        <p:txBody>
+          <a:bodyPr rtlCol="0" anchor="ctr"/>
+          <a:lstStyle/>
+          <a:p>
+            <a:pPr algn="ctr"/>
+            <a:endParaRPr lang="en-IN"/>
+          </a:p>
+        </p:txBody>
+      </p:sp>
+      <p:sp>
+        <p:nvSpPr>
+          <p:cNvPr id="50" name="Rectangle 49">
+            <a:extLst>
+              <a:ext uri="{FF2B5EF4-FFF2-40B4-BE49-F238E27FC236}">
+                <a16:creationId xmlns:a16="http://schemas.microsoft.com/office/drawing/2014/main" id="{96D802F3-E8DC-4FC4-B260-75AE255BCDD9}"/>
+              </a:ext>
+            </a:extLst>
+          </p:cNvPr>
+          <p:cNvSpPr/>
+          <p:nvPr/>
+        </p:nvSpPr>
+        <p:spPr>
+          <a:xfrm>
+            <a:off x="3150658" y="5177729"/>
+            <a:ext cx="45719" cy="457336"/>
+          </a:xfrm>
+          <a:prstGeom prst="rect">
+            <a:avLst/>
+          </a:prstGeom>
+          <a:solidFill>
+            <a:schemeClr val="tx1"/>
+          </a:solidFill>
+        </p:spPr>
+        <p:style>
+          <a:lnRef idx="2">
+            <a:schemeClr val="accent1">
+              <a:shade val="50000"/>
+            </a:schemeClr>
+          </a:lnRef>
+          <a:fillRef idx="1">
+            <a:schemeClr val="accent1"/>
+          </a:fillRef>
+          <a:effectRef idx="0">
+            <a:schemeClr val="accent1"/>
+          </a:effectRef>
+          <a:fontRef idx="minor">
+            <a:schemeClr val="lt1"/>
+          </a:fontRef>
+        </p:style>
+        <p:txBody>
+          <a:bodyPr rtlCol="0" anchor="ctr"/>
+          <a:lstStyle/>
+          <a:p>
+            <a:pPr algn="ctr"/>
+            <a:endParaRPr lang="en-IN"/>
+          </a:p>
+        </p:txBody>
+      </p:sp>
+      <p:sp>
+        <p:nvSpPr>
+          <p:cNvPr id="56" name="Rectangle 55">
+            <a:extLst>
+              <a:ext uri="{FF2B5EF4-FFF2-40B4-BE49-F238E27FC236}">
+                <a16:creationId xmlns:a16="http://schemas.microsoft.com/office/drawing/2014/main" id="{7F3050EC-57CA-4ED9-B383-1A7B972E3A7B}"/>
+              </a:ext>
+            </a:extLst>
+          </p:cNvPr>
+          <p:cNvSpPr/>
+          <p:nvPr/>
+        </p:nvSpPr>
+        <p:spPr>
+          <a:xfrm>
+            <a:off x="3226139" y="5177729"/>
+            <a:ext cx="45719" cy="457336"/>
+          </a:xfrm>
+          <a:prstGeom prst="rect">
+            <a:avLst/>
+          </a:prstGeom>
+          <a:solidFill>
+            <a:schemeClr val="tx1"/>
+          </a:solidFill>
+        </p:spPr>
+        <p:style>
+          <a:lnRef idx="2">
+            <a:schemeClr val="accent1">
+              <a:shade val="50000"/>
+            </a:schemeClr>
+          </a:lnRef>
+          <a:fillRef idx="1">
+            <a:schemeClr val="accent1"/>
+          </a:fillRef>
+          <a:effectRef idx="0">
+            <a:schemeClr val="accent1"/>
+          </a:effectRef>
+          <a:fontRef idx="minor">
+            <a:schemeClr val="lt1"/>
+          </a:fontRef>
+        </p:style>
+        <p:txBody>
+          <a:bodyPr rtlCol="0" anchor="ctr"/>
+          <a:lstStyle/>
+          <a:p>
+            <a:pPr algn="ctr"/>
+            <a:endParaRPr lang="en-IN"/>
+          </a:p>
+        </p:txBody>
+      </p:sp>
+      <p:sp>
+        <p:nvSpPr>
+          <p:cNvPr id="57" name="Rectangle 56">
+            <a:extLst>
+              <a:ext uri="{FF2B5EF4-FFF2-40B4-BE49-F238E27FC236}">
+                <a16:creationId xmlns:a16="http://schemas.microsoft.com/office/drawing/2014/main" id="{2EF79A3A-5515-46E9-A512-863367131B32}"/>
+              </a:ext>
+            </a:extLst>
+          </p:cNvPr>
+          <p:cNvSpPr/>
+          <p:nvPr/>
+        </p:nvSpPr>
+        <p:spPr>
+          <a:xfrm>
+            <a:off x="3295815" y="5177729"/>
+            <a:ext cx="45719" cy="457336"/>
+          </a:xfrm>
+          <a:prstGeom prst="rect">
+            <a:avLst/>
+          </a:prstGeom>
+          <a:solidFill>
+            <a:schemeClr val="tx1"/>
+          </a:solidFill>
+        </p:spPr>
+        <p:style>
+          <a:lnRef idx="2">
+            <a:schemeClr val="accent1">
+              <a:shade val="50000"/>
+            </a:schemeClr>
+          </a:lnRef>
+          <a:fillRef idx="1">
+            <a:schemeClr val="accent1"/>
+          </a:fillRef>
+          <a:effectRef idx="0">
+            <a:schemeClr val="accent1"/>
+          </a:effectRef>
+          <a:fontRef idx="minor">
+            <a:schemeClr val="lt1"/>
+          </a:fontRef>
+        </p:style>
+        <p:txBody>
+          <a:bodyPr rtlCol="0" anchor="ctr"/>
+          <a:lstStyle/>
+          <a:p>
+            <a:pPr algn="ctr"/>
+            <a:endParaRPr lang="en-IN"/>
+          </a:p>
+        </p:txBody>
+      </p:sp>
+      <p:sp>
+        <p:nvSpPr>
+          <p:cNvPr id="58" name="Rectangle 57">
+            <a:extLst>
+              <a:ext uri="{FF2B5EF4-FFF2-40B4-BE49-F238E27FC236}">
+                <a16:creationId xmlns:a16="http://schemas.microsoft.com/office/drawing/2014/main" id="{9FBA5C3A-F96C-49D8-A466-51BCAC70CE79}"/>
+              </a:ext>
+            </a:extLst>
+          </p:cNvPr>
+          <p:cNvSpPr/>
+          <p:nvPr/>
+        </p:nvSpPr>
+        <p:spPr>
+          <a:xfrm>
+            <a:off x="3378905" y="5177729"/>
+            <a:ext cx="45719" cy="457336"/>
+          </a:xfrm>
+          <a:prstGeom prst="rect">
+            <a:avLst/>
+          </a:prstGeom>
+          <a:solidFill>
+            <a:schemeClr val="tx1"/>
+          </a:solidFill>
+        </p:spPr>
+        <p:style>
+          <a:lnRef idx="2">
+            <a:schemeClr val="accent1">
+              <a:shade val="50000"/>
+            </a:schemeClr>
+          </a:lnRef>
+          <a:fillRef idx="1">
+            <a:schemeClr val="accent1"/>
+          </a:fillRef>
+          <a:effectRef idx="0">
+            <a:schemeClr val="accent1"/>
+          </a:effectRef>
+          <a:fontRef idx="minor">
+            <a:schemeClr val="lt1"/>
+          </a:fontRef>
+        </p:style>
+        <p:txBody>
+          <a:bodyPr rtlCol="0" anchor="ctr"/>
+          <a:lstStyle/>
+          <a:p>
+            <a:pPr algn="ctr"/>
+            <a:endParaRPr lang="en-IN"/>
+          </a:p>
+        </p:txBody>
+      </p:sp>
+      <p:sp>
+        <p:nvSpPr>
+          <p:cNvPr id="59" name="Rectangle 58">
+            <a:extLst>
+              <a:ext uri="{FF2B5EF4-FFF2-40B4-BE49-F238E27FC236}">
+                <a16:creationId xmlns:a16="http://schemas.microsoft.com/office/drawing/2014/main" id="{67077AED-38AD-42F5-8F54-16C938347327}"/>
+              </a:ext>
+            </a:extLst>
+          </p:cNvPr>
+          <p:cNvSpPr/>
+          <p:nvPr/>
+        </p:nvSpPr>
+        <p:spPr>
+          <a:xfrm>
+            <a:off x="3438569" y="5177729"/>
+            <a:ext cx="45719" cy="457336"/>
+          </a:xfrm>
+          <a:prstGeom prst="rect">
+            <a:avLst/>
+          </a:prstGeom>
+          <a:solidFill>
+            <a:schemeClr val="tx1"/>
+          </a:solidFill>
+        </p:spPr>
+        <p:style>
+          <a:lnRef idx="2">
+            <a:schemeClr val="accent1">
+              <a:shade val="50000"/>
+            </a:schemeClr>
+          </a:lnRef>
+          <a:fillRef idx="1">
+            <a:schemeClr val="accent1"/>
+          </a:fillRef>
+          <a:effectRef idx="0">
+            <a:schemeClr val="accent1"/>
+          </a:effectRef>
+          <a:fontRef idx="minor">
+            <a:schemeClr val="lt1"/>
+          </a:fontRef>
+        </p:style>
+        <p:txBody>
+          <a:bodyPr rtlCol="0" anchor="ctr"/>
+          <a:lstStyle/>
+          <a:p>
+            <a:pPr algn="ctr"/>
+            <a:endParaRPr lang="en-IN"/>
+          </a:p>
+        </p:txBody>
+      </p:sp>
+      <p:sp>
+        <p:nvSpPr>
+          <p:cNvPr id="60" name="Rectangle 59">
+            <a:extLst>
+              <a:ext uri="{FF2B5EF4-FFF2-40B4-BE49-F238E27FC236}">
+                <a16:creationId xmlns:a16="http://schemas.microsoft.com/office/drawing/2014/main" id="{9B6E27AA-AD2A-4D1D-AC81-9CF883CEA300}"/>
+              </a:ext>
+            </a:extLst>
+          </p:cNvPr>
+          <p:cNvSpPr/>
+          <p:nvPr/>
+        </p:nvSpPr>
+        <p:spPr>
+          <a:xfrm>
+            <a:off x="3513008" y="5177729"/>
+            <a:ext cx="45719" cy="457336"/>
+          </a:xfrm>
+          <a:prstGeom prst="rect">
+            <a:avLst/>
+          </a:prstGeom>
+          <a:solidFill>
+            <a:schemeClr val="tx1"/>
+          </a:solidFill>
+        </p:spPr>
+        <p:style>
+          <a:lnRef idx="2">
+            <a:schemeClr val="accent1">
+              <a:shade val="50000"/>
+            </a:schemeClr>
+          </a:lnRef>
+          <a:fillRef idx="1">
+            <a:schemeClr val="accent1"/>
+          </a:fillRef>
+          <a:effectRef idx="0">
+            <a:schemeClr val="accent1"/>
+          </a:effectRef>
+          <a:fontRef idx="minor">
+            <a:schemeClr val="lt1"/>
+          </a:fontRef>
+        </p:style>
+        <p:txBody>
+          <a:bodyPr rtlCol="0" anchor="ctr"/>
+          <a:lstStyle/>
+          <a:p>
+            <a:pPr algn="ctr"/>
+            <a:endParaRPr lang="en-IN"/>
+          </a:p>
+        </p:txBody>
+      </p:sp>
+      <p:sp>
+        <p:nvSpPr>
+          <p:cNvPr id="61" name="Rectangle 60">
+            <a:extLst>
+              <a:ext uri="{FF2B5EF4-FFF2-40B4-BE49-F238E27FC236}">
+                <a16:creationId xmlns:a16="http://schemas.microsoft.com/office/drawing/2014/main" id="{78744AFB-BB13-450E-AD46-2C710312081D}"/>
+              </a:ext>
+            </a:extLst>
+          </p:cNvPr>
+          <p:cNvSpPr/>
+          <p:nvPr/>
+        </p:nvSpPr>
+        <p:spPr>
+          <a:xfrm>
+            <a:off x="3591335" y="5177729"/>
+            <a:ext cx="45719" cy="457336"/>
+          </a:xfrm>
+          <a:prstGeom prst="rect">
+            <a:avLst/>
+          </a:prstGeom>
+          <a:solidFill>
+            <a:schemeClr val="tx1"/>
+          </a:solidFill>
+        </p:spPr>
+        <p:style>
+          <a:lnRef idx="2">
+            <a:schemeClr val="accent1">
+              <a:shade val="50000"/>
+            </a:schemeClr>
+          </a:lnRef>
+          <a:fillRef idx="1">
+            <a:schemeClr val="accent1"/>
+          </a:fillRef>
+          <a:effectRef idx="0">
+            <a:schemeClr val="accent1"/>
+          </a:effectRef>
+          <a:fontRef idx="minor">
+            <a:schemeClr val="lt1"/>
+          </a:fontRef>
+        </p:style>
+        <p:txBody>
+          <a:bodyPr rtlCol="0" anchor="ctr"/>
+          <a:lstStyle/>
+          <a:p>
+            <a:pPr algn="ctr"/>
+            <a:endParaRPr lang="en-IN"/>
+          </a:p>
+        </p:txBody>
+      </p:sp>
+      <p:sp>
+        <p:nvSpPr>
+          <p:cNvPr id="62" name="Rectangle 61">
+            <a:extLst>
+              <a:ext uri="{FF2B5EF4-FFF2-40B4-BE49-F238E27FC236}">
+                <a16:creationId xmlns:a16="http://schemas.microsoft.com/office/drawing/2014/main" id="{2EA0315F-A187-4C8A-93CB-1B365BC0B72A}"/>
+              </a:ext>
+            </a:extLst>
+          </p:cNvPr>
+          <p:cNvSpPr/>
+          <p:nvPr/>
+        </p:nvSpPr>
+        <p:spPr>
+          <a:xfrm>
+            <a:off x="3666816" y="5177729"/>
+            <a:ext cx="45719" cy="457336"/>
+          </a:xfrm>
+          <a:prstGeom prst="rect">
+            <a:avLst/>
+          </a:prstGeom>
+          <a:solidFill>
+            <a:schemeClr val="tx1"/>
+          </a:solidFill>
+        </p:spPr>
+        <p:style>
+          <a:lnRef idx="2">
+            <a:schemeClr val="accent1">
+              <a:shade val="50000"/>
+            </a:schemeClr>
+          </a:lnRef>
+          <a:fillRef idx="1">
+            <a:schemeClr val="accent1"/>
+          </a:fillRef>
+          <a:effectRef idx="0">
+            <a:schemeClr val="accent1"/>
+          </a:effectRef>
+          <a:fontRef idx="minor">
+            <a:schemeClr val="lt1"/>
+          </a:fontRef>
+        </p:style>
+        <p:txBody>
+          <a:bodyPr rtlCol="0" anchor="ctr"/>
+          <a:lstStyle/>
+          <a:p>
+            <a:pPr algn="ctr"/>
+            <a:endParaRPr lang="en-IN"/>
+          </a:p>
+        </p:txBody>
+      </p:sp>
+      <p:sp>
+        <p:nvSpPr>
+          <p:cNvPr id="63" name="Rectangle 62">
+            <a:extLst>
+              <a:ext uri="{FF2B5EF4-FFF2-40B4-BE49-F238E27FC236}">
+                <a16:creationId xmlns:a16="http://schemas.microsoft.com/office/drawing/2014/main" id="{496FC94A-1C55-43F0-8CCC-2F9C4F03495E}"/>
+              </a:ext>
+            </a:extLst>
+          </p:cNvPr>
+          <p:cNvSpPr/>
+          <p:nvPr/>
+        </p:nvSpPr>
+        <p:spPr>
+          <a:xfrm>
+            <a:off x="3736492" y="5177729"/>
+            <a:ext cx="45719" cy="457336"/>
+          </a:xfrm>
+          <a:prstGeom prst="rect">
+            <a:avLst/>
+          </a:prstGeom>
+          <a:solidFill>
+            <a:schemeClr val="tx1"/>
+          </a:solidFill>
+        </p:spPr>
+        <p:style>
+          <a:lnRef idx="2">
+            <a:schemeClr val="accent1">
+              <a:shade val="50000"/>
+            </a:schemeClr>
+          </a:lnRef>
+          <a:fillRef idx="1">
+            <a:schemeClr val="accent1"/>
+          </a:fillRef>
+          <a:effectRef idx="0">
+            <a:schemeClr val="accent1"/>
+          </a:effectRef>
+          <a:fontRef idx="minor">
+            <a:schemeClr val="lt1"/>
+          </a:fontRef>
+        </p:style>
+        <p:txBody>
+          <a:bodyPr rtlCol="0" anchor="ctr"/>
+          <a:lstStyle/>
+          <a:p>
+            <a:pPr algn="ctr"/>
+            <a:endParaRPr lang="en-IN"/>
+          </a:p>
+        </p:txBody>
+      </p:sp>
+      <p:sp>
+        <p:nvSpPr>
+          <p:cNvPr id="64" name="Rectangle 63">
+            <a:extLst>
+              <a:ext uri="{FF2B5EF4-FFF2-40B4-BE49-F238E27FC236}">
+                <a16:creationId xmlns:a16="http://schemas.microsoft.com/office/drawing/2014/main" id="{90F8E664-D2B5-4988-924A-9A6ACA606E87}"/>
+              </a:ext>
+            </a:extLst>
+          </p:cNvPr>
+          <p:cNvSpPr/>
+          <p:nvPr/>
+        </p:nvSpPr>
+        <p:spPr>
+          <a:xfrm>
+            <a:off x="3819582" y="5177729"/>
+            <a:ext cx="45719" cy="457336"/>
+          </a:xfrm>
+          <a:prstGeom prst="rect">
+            <a:avLst/>
+          </a:prstGeom>
+          <a:solidFill>
+            <a:schemeClr val="tx1"/>
+          </a:solidFill>
+        </p:spPr>
+        <p:style>
+          <a:lnRef idx="2">
+            <a:schemeClr val="accent1">
+              <a:shade val="50000"/>
+            </a:schemeClr>
+          </a:lnRef>
+          <a:fillRef idx="1">
+            <a:schemeClr val="accent1"/>
+          </a:fillRef>
+          <a:effectRef idx="0">
+            <a:schemeClr val="accent1"/>
+          </a:effectRef>
+          <a:fontRef idx="minor">
+            <a:schemeClr val="lt1"/>
+          </a:fontRef>
+        </p:style>
+        <p:txBody>
+          <a:bodyPr rtlCol="0" anchor="ctr"/>
+          <a:lstStyle/>
+          <a:p>
+            <a:pPr algn="ctr"/>
+            <a:endParaRPr lang="en-IN"/>
           </a:p>
         </p:txBody>
       </p:sp>
     </p:spTree>
     <p:extLst>
       <p:ext uri="{BB962C8B-B14F-4D97-AF65-F5344CB8AC3E}">
-        <p14:creationId xmlns:p14="http://schemas.microsoft.com/office/powerpoint/2010/main" val="2520946203"/>
+        <p14:creationId xmlns:p14="http://schemas.microsoft.com/office/powerpoint/2010/main" val="623637190"/>
       </p:ext>
     </p:extLst>
   </p:cSld>
@@ -22305,121 +26078,42 @@
       </p:grpSpPr>
       <p:sp>
         <p:nvSpPr>
-          <p:cNvPr id="6" name="Rectangle 5"/>
-          <p:cNvSpPr/>
-          <p:nvPr/>
-        </p:nvSpPr>
-        <p:spPr>
-          <a:xfrm>
-            <a:off x="4974897" y="964842"/>
-            <a:ext cx="6378903" cy="5013326"/>
-          </a:xfrm>
-          <a:prstGeom prst="rect">
-            <a:avLst/>
-          </a:prstGeom>
-          <a:noFill/>
-          <a:ln>
-            <a:solidFill>
-              <a:schemeClr val="bg1"/>
-            </a:solidFill>
-          </a:ln>
-        </p:spPr>
-        <p:style>
-          <a:lnRef idx="2">
-            <a:schemeClr val="accent1">
-              <a:shade val="50000"/>
-            </a:schemeClr>
-          </a:lnRef>
-          <a:fillRef idx="1">
-            <a:schemeClr val="accent1"/>
-          </a:fillRef>
-          <a:effectRef idx="0">
-            <a:schemeClr val="accent1"/>
-          </a:effectRef>
-          <a:fontRef idx="minor">
-            <a:schemeClr val="lt1"/>
-          </a:fontRef>
-        </p:style>
-        <p:txBody>
-          <a:bodyPr rtlCol="0" anchor="ctr"/>
-          <a:lstStyle/>
-          <a:p>
-            <a:r>
-              <a:rPr lang="en-IN" sz="2800" dirty="0">
-                <a:solidFill>
-                  <a:schemeClr val="bg1">
-                    <a:lumMod val="65000"/>
-                  </a:schemeClr>
-                </a:solidFill>
-              </a:rPr>
-              <a:t>Electronics study for the project</a:t>
-            </a:r>
-          </a:p>
-          <a:p>
-            <a:endParaRPr lang="en-IN" sz="2800" dirty="0">
-              <a:solidFill>
-                <a:srgbClr val="0A4628"/>
-              </a:solidFill>
-            </a:endParaRPr>
-          </a:p>
-          <a:p>
-            <a:r>
-              <a:rPr lang="en-IN" sz="2800" dirty="0">
-                <a:solidFill>
-                  <a:schemeClr val="tx1">
-                    <a:lumMod val="90000"/>
-                    <a:lumOff val="10000"/>
-                  </a:schemeClr>
-                </a:solidFill>
-              </a:rPr>
-              <a:t>Station identification </a:t>
-            </a:r>
-          </a:p>
-          <a:p>
-            <a:endParaRPr lang="en-US" sz="2800" dirty="0">
-              <a:solidFill>
-                <a:schemeClr val="tx1"/>
-              </a:solidFill>
-            </a:endParaRPr>
-          </a:p>
-          <a:p>
-            <a:r>
-              <a:rPr lang="en-US" sz="2800" dirty="0">
-                <a:solidFill>
-                  <a:schemeClr val="bg1">
-                    <a:lumMod val="75000"/>
-                  </a:schemeClr>
-                </a:solidFill>
-              </a:rPr>
-              <a:t>Medtronic's clinician manual overview</a:t>
-            </a:r>
-          </a:p>
-          <a:p>
-            <a:endParaRPr lang="en-IN" sz="2800" dirty="0">
-              <a:solidFill>
-                <a:schemeClr val="bg1">
-                  <a:lumMod val="75000"/>
-                </a:schemeClr>
-              </a:solidFill>
-            </a:endParaRPr>
-          </a:p>
-          <a:p>
-            <a:r>
-              <a:rPr lang="en-US" sz="2800" dirty="0">
-                <a:solidFill>
-                  <a:schemeClr val="bg1">
-                    <a:lumMod val="75000"/>
-                  </a:schemeClr>
-                </a:solidFill>
-              </a:rPr>
-              <a:t>Requirement documentation</a:t>
-            </a:r>
-          </a:p>
-        </p:txBody>
-      </p:sp>
-      <p:sp>
-        <p:nvSpPr>
-          <p:cNvPr id="2" name="Title 1"/>
+          <p:cNvPr id="2" name="Slide Number Placeholder 1">
+            <a:extLst>
+              <a:ext uri="{FF2B5EF4-FFF2-40B4-BE49-F238E27FC236}">
+                <a16:creationId xmlns:a16="http://schemas.microsoft.com/office/drawing/2014/main" id="{E2A346D2-342E-4D26-9516-C88A6E8CC150}"/>
+              </a:ext>
+            </a:extLst>
+          </p:cNvPr>
+          <p:cNvSpPr>
+            <a:spLocks noGrp="1"/>
+          </p:cNvSpPr>
+          <p:nvPr>
+            <p:ph type="sldNum" sz="quarter" idx="12"/>
+          </p:nvPr>
+        </p:nvSpPr>
+        <p:spPr/>
+        <p:txBody>
+          <a:bodyPr/>
+          <a:lstStyle/>
+          <a:p>
+            <a:fld id="{52D8BFD5-1499-4ECE-8614-7465CBDF8211}" type="slidenum">
+              <a:rPr lang="en-IN" smtClean="0"/>
+              <a:t>31</a:t>
+            </a:fld>
+            <a:endParaRPr lang="en-IN"/>
+          </a:p>
+        </p:txBody>
+      </p:sp>
+      <p:sp>
+        <p:nvSpPr>
+          <p:cNvPr id="4" name="Title 3">
+            <a:extLst>
+              <a:ext uri="{FF2B5EF4-FFF2-40B4-BE49-F238E27FC236}">
+                <a16:creationId xmlns:a16="http://schemas.microsoft.com/office/drawing/2014/main" id="{6C1750A8-0A53-40DB-B646-EE267E14322F}"/>
+              </a:ext>
+            </a:extLst>
+          </p:cNvPr>
           <p:cNvSpPr>
             <a:spLocks noGrp="1"/>
           </p:cNvSpPr>
@@ -22427,89 +26121,23 @@
             <p:ph type="title"/>
           </p:nvPr>
         </p:nvSpPr>
-        <p:spPr>
-          <a:xfrm>
-            <a:off x="347729" y="964842"/>
-            <a:ext cx="3713346" cy="5041900"/>
-          </a:xfrm>
-        </p:spPr>
-        <p:txBody>
-          <a:bodyPr anchor="ctr">
-            <a:noAutofit/>
-          </a:bodyPr>
-          <a:lstStyle/>
-          <a:p>
-            <a:pPr algn="r"/>
+        <p:spPr/>
+        <p:txBody>
+          <a:bodyPr/>
+          <a:lstStyle/>
+          <a:p>
             <a:r>
               <a:rPr lang="en-US" dirty="0"/>
-              <a:t>Contents</a:t>
+              <a:t>BSL flash and initialization details</a:t>
             </a:r>
             <a:endParaRPr lang="en-IN" dirty="0"/>
           </a:p>
         </p:txBody>
       </p:sp>
-      <p:sp>
-        <p:nvSpPr>
-          <p:cNvPr id="5" name="Slide Number Placeholder 4"/>
-          <p:cNvSpPr>
-            <a:spLocks noGrp="1"/>
-          </p:cNvSpPr>
-          <p:nvPr>
-            <p:ph type="sldNum" sz="quarter" idx="12"/>
-          </p:nvPr>
-        </p:nvSpPr>
-        <p:spPr/>
-        <p:txBody>
-          <a:bodyPr/>
-          <a:lstStyle/>
-          <a:p>
-            <a:fld id="{52D8BFD5-1499-4ECE-8614-7465CBDF8211}" type="slidenum">
-              <a:rPr lang="en-IN" smtClean="0"/>
-              <a:t>31</a:t>
-            </a:fld>
-            <a:endParaRPr lang="en-IN"/>
-          </a:p>
-        </p:txBody>
-      </p:sp>
-      <p:cxnSp>
-        <p:nvCxnSpPr>
-          <p:cNvPr id="4" name="Straight Connector 3"/>
-          <p:cNvCxnSpPr/>
-          <p:nvPr/>
-        </p:nvCxnSpPr>
-        <p:spPr>
-          <a:xfrm>
-            <a:off x="4307374" y="1663816"/>
-            <a:ext cx="0" cy="3643952"/>
-          </a:xfrm>
-          <a:prstGeom prst="line">
-            <a:avLst/>
-          </a:prstGeom>
-          <a:ln>
-            <a:solidFill>
-              <a:schemeClr val="tx1"/>
-            </a:solidFill>
-          </a:ln>
-        </p:spPr>
-        <p:style>
-          <a:lnRef idx="1">
-            <a:schemeClr val="accent1"/>
-          </a:lnRef>
-          <a:fillRef idx="0">
-            <a:schemeClr val="accent1"/>
-          </a:fillRef>
-          <a:effectRef idx="0">
-            <a:schemeClr val="accent1"/>
-          </a:effectRef>
-          <a:fontRef idx="minor">
-            <a:schemeClr val="tx1"/>
-          </a:fontRef>
-        </p:style>
-      </p:cxnSp>
     </p:spTree>
     <p:extLst>
       <p:ext uri="{BB962C8B-B14F-4D97-AF65-F5344CB8AC3E}">
-        <p14:creationId xmlns:p14="http://schemas.microsoft.com/office/powerpoint/2010/main" val="68118721"/>
+        <p14:creationId xmlns:p14="http://schemas.microsoft.com/office/powerpoint/2010/main" val="2520946203"/>
       </p:ext>
     </p:extLst>
   </p:cSld>
@@ -22538,13 +26166,152 @@
       </p:grpSpPr>
       <p:sp>
         <p:nvSpPr>
-          <p:cNvPr id="2" name="Slide Number Placeholder 1">
-            <a:extLst>
-              <a:ext uri="{FF2B5EF4-FFF2-40B4-BE49-F238E27FC236}">
-                <a16:creationId xmlns:a16="http://schemas.microsoft.com/office/drawing/2014/main" xmlns="" id="{E2A346D2-342E-4D26-9516-C88A6E8CC150}"/>
-              </a:ext>
-            </a:extLst>
-          </p:cNvPr>
+          <p:cNvPr id="6" name="Rectangle 5"/>
+          <p:cNvSpPr/>
+          <p:nvPr/>
+        </p:nvSpPr>
+        <p:spPr>
+          <a:xfrm>
+            <a:off x="4974897" y="964842"/>
+            <a:ext cx="6378903" cy="5013326"/>
+          </a:xfrm>
+          <a:prstGeom prst="rect">
+            <a:avLst/>
+          </a:prstGeom>
+          <a:noFill/>
+          <a:ln>
+            <a:solidFill>
+              <a:schemeClr val="bg1"/>
+            </a:solidFill>
+          </a:ln>
+        </p:spPr>
+        <p:style>
+          <a:lnRef idx="2">
+            <a:schemeClr val="accent1">
+              <a:shade val="50000"/>
+            </a:schemeClr>
+          </a:lnRef>
+          <a:fillRef idx="1">
+            <a:schemeClr val="accent1"/>
+          </a:fillRef>
+          <a:effectRef idx="0">
+            <a:schemeClr val="accent1"/>
+          </a:effectRef>
+          <a:fontRef idx="minor">
+            <a:schemeClr val="lt1"/>
+          </a:fontRef>
+        </p:style>
+        <p:txBody>
+          <a:bodyPr rtlCol="0" anchor="ctr"/>
+          <a:lstStyle/>
+          <a:p>
+            <a:r>
+              <a:rPr lang="en-IN" sz="2800" dirty="0">
+                <a:solidFill>
+                  <a:schemeClr val="bg1">
+                    <a:lumMod val="65000"/>
+                  </a:schemeClr>
+                </a:solidFill>
+              </a:rPr>
+              <a:t>Electronics study for the project</a:t>
+            </a:r>
+          </a:p>
+          <a:p>
+            <a:endParaRPr lang="en-IN" sz="2800" dirty="0">
+              <a:solidFill>
+                <a:srgbClr val="0A4628"/>
+              </a:solidFill>
+            </a:endParaRPr>
+          </a:p>
+          <a:p>
+            <a:r>
+              <a:rPr lang="en-IN" sz="2800" dirty="0">
+                <a:solidFill>
+                  <a:schemeClr val="tx1">
+                    <a:lumMod val="90000"/>
+                    <a:lumOff val="10000"/>
+                  </a:schemeClr>
+                </a:solidFill>
+              </a:rPr>
+              <a:t>Station identification </a:t>
+            </a:r>
+          </a:p>
+          <a:p>
+            <a:endParaRPr lang="en-US" sz="2800" dirty="0">
+              <a:solidFill>
+                <a:schemeClr val="tx1"/>
+              </a:solidFill>
+            </a:endParaRPr>
+          </a:p>
+          <a:p>
+            <a:r>
+              <a:rPr lang="en-US" sz="2800" dirty="0">
+                <a:solidFill>
+                  <a:schemeClr val="bg1">
+                    <a:lumMod val="75000"/>
+                  </a:schemeClr>
+                </a:solidFill>
+              </a:rPr>
+              <a:t>Medtronic's clinician manual overview</a:t>
+            </a:r>
+          </a:p>
+          <a:p>
+            <a:endParaRPr lang="en-IN" sz="2800" dirty="0">
+              <a:solidFill>
+                <a:schemeClr val="bg1">
+                  <a:lumMod val="75000"/>
+                </a:schemeClr>
+              </a:solidFill>
+            </a:endParaRPr>
+          </a:p>
+          <a:p>
+            <a:r>
+              <a:rPr lang="en-US" sz="2800" dirty="0">
+                <a:solidFill>
+                  <a:schemeClr val="bg1">
+                    <a:lumMod val="75000"/>
+                  </a:schemeClr>
+                </a:solidFill>
+              </a:rPr>
+              <a:t>Requirement documentation</a:t>
+            </a:r>
+          </a:p>
+        </p:txBody>
+      </p:sp>
+      <p:sp>
+        <p:nvSpPr>
+          <p:cNvPr id="2" name="Title 1"/>
+          <p:cNvSpPr>
+            <a:spLocks noGrp="1"/>
+          </p:cNvSpPr>
+          <p:nvPr>
+            <p:ph type="title"/>
+          </p:nvPr>
+        </p:nvSpPr>
+        <p:spPr>
+          <a:xfrm>
+            <a:off x="347729" y="964842"/>
+            <a:ext cx="3713346" cy="5041900"/>
+          </a:xfrm>
+        </p:spPr>
+        <p:txBody>
+          <a:bodyPr anchor="ctr">
+            <a:noAutofit/>
+          </a:bodyPr>
+          <a:lstStyle/>
+          <a:p>
+            <a:pPr algn="r"/>
+            <a:r>
+              <a:rPr lang="en-US" dirty="0"/>
+              <a:t>Contents</a:t>
+            </a:r>
+            <a:endParaRPr lang="en-IN" dirty="0"/>
+          </a:p>
+        </p:txBody>
+      </p:sp>
+      <p:sp>
+        <p:nvSpPr>
+          <p:cNvPr id="5" name="Slide Number Placeholder 4"/>
           <p:cNvSpPr>
             <a:spLocks noGrp="1"/>
           </p:cNvSpPr>
@@ -22565,115 +26332,45 @@
           </a:p>
         </p:txBody>
       </p:sp>
-      <p:sp>
-        <p:nvSpPr>
-          <p:cNvPr id="4" name="Title 3">
-            <a:extLst>
-              <a:ext uri="{FF2B5EF4-FFF2-40B4-BE49-F238E27FC236}">
-                <a16:creationId xmlns:a16="http://schemas.microsoft.com/office/drawing/2014/main" xmlns="" id="{6C1750A8-0A53-40DB-B646-EE267E14322F}"/>
-              </a:ext>
-            </a:extLst>
-          </p:cNvPr>
-          <p:cNvSpPr>
-            <a:spLocks noGrp="1"/>
-          </p:cNvSpPr>
-          <p:nvPr>
-            <p:ph type="title"/>
-          </p:nvPr>
-        </p:nvSpPr>
-        <p:spPr/>
-        <p:txBody>
-          <a:bodyPr/>
-          <a:lstStyle/>
-          <a:p>
-            <a:r>
-              <a:rPr lang="en-US" dirty="0"/>
-              <a:t>I2c communication</a:t>
-            </a:r>
-            <a:endParaRPr lang="en-IN" dirty="0"/>
-          </a:p>
-        </p:txBody>
-      </p:sp>
-      <p:sp>
-        <p:nvSpPr>
-          <p:cNvPr id="3" name="TextBox 2">
-            <a:extLst>
-              <a:ext uri="{FF2B5EF4-FFF2-40B4-BE49-F238E27FC236}">
-                <a16:creationId xmlns:a16="http://schemas.microsoft.com/office/drawing/2014/main" xmlns="" id="{4C8A33BE-BCFD-4DC2-8DAA-C0323B96BAA8}"/>
-              </a:ext>
-            </a:extLst>
-          </p:cNvPr>
-          <p:cNvSpPr txBox="1"/>
-          <p:nvPr/>
-        </p:nvSpPr>
-        <p:spPr>
-          <a:xfrm>
-            <a:off x="1364974" y="1577009"/>
-            <a:ext cx="3419061" cy="1477328"/>
-          </a:xfrm>
-          <a:prstGeom prst="rect">
-            <a:avLst/>
-          </a:prstGeom>
-          <a:noFill/>
-        </p:spPr>
-        <p:txBody>
-          <a:bodyPr wrap="square" rtlCol="0">
-            <a:spAutoFit/>
-          </a:bodyPr>
-          <a:lstStyle/>
-          <a:p>
-            <a:pPr marL="285750" indent="-285750">
-              <a:buFont typeface="Arial" panose="020B0604020202020204" pitchFamily="34" charset="0"/>
-              <a:buChar char="•"/>
-            </a:pPr>
-            <a:r>
-              <a:rPr lang="en-IN" dirty="0"/>
-              <a:t>Station 1 : Coin singling </a:t>
-            </a:r>
-          </a:p>
-          <a:p>
-            <a:pPr marL="285750" indent="-285750">
-              <a:buFont typeface="Arial" panose="020B0604020202020204" pitchFamily="34" charset="0"/>
-              <a:buChar char="•"/>
-            </a:pPr>
-            <a:r>
-              <a:rPr lang="en-IN" dirty="0"/>
-              <a:t>Station 2 : </a:t>
-            </a:r>
-          </a:p>
-          <a:p>
-            <a:pPr marL="285750" indent="-285750">
-              <a:buFont typeface="Arial" panose="020B0604020202020204" pitchFamily="34" charset="0"/>
-              <a:buChar char="•"/>
-            </a:pPr>
-            <a:r>
-              <a:rPr lang="en-IN" dirty="0"/>
-              <a:t>Station 3 : </a:t>
-            </a:r>
-          </a:p>
-          <a:p>
-            <a:pPr marL="285750" indent="-285750">
-              <a:buFont typeface="Arial" panose="020B0604020202020204" pitchFamily="34" charset="0"/>
-              <a:buChar char="•"/>
-            </a:pPr>
-            <a:r>
-              <a:rPr lang="en-IN" dirty="0"/>
-              <a:t>Station 4 :</a:t>
-            </a:r>
-          </a:p>
-          <a:p>
-            <a:pPr marL="285750" indent="-285750">
-              <a:buFont typeface="Arial" panose="020B0604020202020204" pitchFamily="34" charset="0"/>
-              <a:buChar char="•"/>
-            </a:pPr>
-            <a:endParaRPr lang="en-IN" dirty="0"/>
-          </a:p>
-        </p:txBody>
-      </p:sp>
+      <p:cxnSp>
+        <p:nvCxnSpPr>
+          <p:cNvPr id="4" name="Straight Connector 3"/>
+          <p:cNvCxnSpPr/>
+          <p:nvPr/>
+        </p:nvCxnSpPr>
+        <p:spPr>
+          <a:xfrm>
+            <a:off x="4307374" y="1663816"/>
+            <a:ext cx="0" cy="3643952"/>
+          </a:xfrm>
+          <a:prstGeom prst="line">
+            <a:avLst/>
+          </a:prstGeom>
+          <a:ln>
+            <a:solidFill>
+              <a:schemeClr val="tx1"/>
+            </a:solidFill>
+          </a:ln>
+        </p:spPr>
+        <p:style>
+          <a:lnRef idx="1">
+            <a:schemeClr val="accent1"/>
+          </a:lnRef>
+          <a:fillRef idx="0">
+            <a:schemeClr val="accent1"/>
+          </a:fillRef>
+          <a:effectRef idx="0">
+            <a:schemeClr val="accent1"/>
+          </a:effectRef>
+          <a:fontRef idx="minor">
+            <a:schemeClr val="tx1"/>
+          </a:fontRef>
+        </p:style>
+      </p:cxnSp>
     </p:spTree>
     <p:extLst>
       <p:ext uri="{BB962C8B-B14F-4D97-AF65-F5344CB8AC3E}">
-        <p14:creationId xmlns:p14="http://schemas.microsoft.com/office/powerpoint/2010/main" val="1440605404"/>
+        <p14:creationId xmlns:p14="http://schemas.microsoft.com/office/powerpoint/2010/main" val="68118721"/>
       </p:ext>
     </p:extLst>
   </p:cSld>
@@ -22702,6 +26399,170 @@
       </p:grpSpPr>
       <p:sp>
         <p:nvSpPr>
+          <p:cNvPr id="2" name="Slide Number Placeholder 1">
+            <a:extLst>
+              <a:ext uri="{FF2B5EF4-FFF2-40B4-BE49-F238E27FC236}">
+                <a16:creationId xmlns:a16="http://schemas.microsoft.com/office/drawing/2014/main" id="{E2A346D2-342E-4D26-9516-C88A6E8CC150}"/>
+              </a:ext>
+            </a:extLst>
+          </p:cNvPr>
+          <p:cNvSpPr>
+            <a:spLocks noGrp="1"/>
+          </p:cNvSpPr>
+          <p:nvPr>
+            <p:ph type="sldNum" sz="quarter" idx="12"/>
+          </p:nvPr>
+        </p:nvSpPr>
+        <p:spPr/>
+        <p:txBody>
+          <a:bodyPr/>
+          <a:lstStyle/>
+          <a:p>
+            <a:fld id="{52D8BFD5-1499-4ECE-8614-7465CBDF8211}" type="slidenum">
+              <a:rPr lang="en-IN" smtClean="0"/>
+              <a:t>33</a:t>
+            </a:fld>
+            <a:endParaRPr lang="en-IN"/>
+          </a:p>
+        </p:txBody>
+      </p:sp>
+      <p:sp>
+        <p:nvSpPr>
+          <p:cNvPr id="4" name="Title 3">
+            <a:extLst>
+              <a:ext uri="{FF2B5EF4-FFF2-40B4-BE49-F238E27FC236}">
+                <a16:creationId xmlns:a16="http://schemas.microsoft.com/office/drawing/2014/main" id="{6C1750A8-0A53-40DB-B646-EE267E14322F}"/>
+              </a:ext>
+            </a:extLst>
+          </p:cNvPr>
+          <p:cNvSpPr>
+            <a:spLocks noGrp="1"/>
+          </p:cNvSpPr>
+          <p:nvPr>
+            <p:ph type="title"/>
+          </p:nvPr>
+        </p:nvSpPr>
+        <p:spPr/>
+        <p:txBody>
+          <a:bodyPr/>
+          <a:lstStyle/>
+          <a:p>
+            <a:r>
+              <a:rPr lang="en-US" dirty="0"/>
+              <a:t>I2c communication</a:t>
+            </a:r>
+            <a:endParaRPr lang="en-IN" dirty="0"/>
+          </a:p>
+        </p:txBody>
+      </p:sp>
+      <p:sp>
+        <p:nvSpPr>
+          <p:cNvPr id="3" name="TextBox 2">
+            <a:extLst>
+              <a:ext uri="{FF2B5EF4-FFF2-40B4-BE49-F238E27FC236}">
+                <a16:creationId xmlns:a16="http://schemas.microsoft.com/office/drawing/2014/main" id="{4C8A33BE-BCFD-4DC2-8DAA-C0323B96BAA8}"/>
+              </a:ext>
+            </a:extLst>
+          </p:cNvPr>
+          <p:cNvSpPr txBox="1"/>
+          <p:nvPr/>
+        </p:nvSpPr>
+        <p:spPr>
+          <a:xfrm>
+            <a:off x="1364974" y="1577009"/>
+            <a:ext cx="3419061" cy="1477328"/>
+          </a:xfrm>
+          <a:prstGeom prst="rect">
+            <a:avLst/>
+          </a:prstGeom>
+          <a:noFill/>
+        </p:spPr>
+        <p:txBody>
+          <a:bodyPr wrap="square" rtlCol="0">
+            <a:spAutoFit/>
+          </a:bodyPr>
+          <a:lstStyle/>
+          <a:p>
+            <a:pPr marL="285750" indent="-285750">
+              <a:buFont typeface="Arial" panose="020B0604020202020204" pitchFamily="34" charset="0"/>
+              <a:buChar char="•"/>
+            </a:pPr>
+            <a:r>
+              <a:rPr lang="en-IN" dirty="0"/>
+              <a:t>Station 1 : Coin singling </a:t>
+            </a:r>
+          </a:p>
+          <a:p>
+            <a:pPr marL="285750" indent="-285750">
+              <a:buFont typeface="Arial" panose="020B0604020202020204" pitchFamily="34" charset="0"/>
+              <a:buChar char="•"/>
+            </a:pPr>
+            <a:r>
+              <a:rPr lang="en-IN" dirty="0"/>
+              <a:t>Station 2 : </a:t>
+            </a:r>
+          </a:p>
+          <a:p>
+            <a:pPr marL="285750" indent="-285750">
+              <a:buFont typeface="Arial" panose="020B0604020202020204" pitchFamily="34" charset="0"/>
+              <a:buChar char="•"/>
+            </a:pPr>
+            <a:r>
+              <a:rPr lang="en-IN" dirty="0"/>
+              <a:t>Station 3 : </a:t>
+            </a:r>
+          </a:p>
+          <a:p>
+            <a:pPr marL="285750" indent="-285750">
+              <a:buFont typeface="Arial" panose="020B0604020202020204" pitchFamily="34" charset="0"/>
+              <a:buChar char="•"/>
+            </a:pPr>
+            <a:r>
+              <a:rPr lang="en-IN" dirty="0"/>
+              <a:t>Station 4 :</a:t>
+            </a:r>
+          </a:p>
+          <a:p>
+            <a:pPr marL="285750" indent="-285750">
+              <a:buFont typeface="Arial" panose="020B0604020202020204" pitchFamily="34" charset="0"/>
+              <a:buChar char="•"/>
+            </a:pPr>
+            <a:endParaRPr lang="en-IN" dirty="0"/>
+          </a:p>
+        </p:txBody>
+      </p:sp>
+    </p:spTree>
+    <p:extLst>
+      <p:ext uri="{BB962C8B-B14F-4D97-AF65-F5344CB8AC3E}">
+        <p14:creationId xmlns:p14="http://schemas.microsoft.com/office/powerpoint/2010/main" val="1440605404"/>
+      </p:ext>
+    </p:extLst>
+  </p:cSld>
+  <p:clrMapOvr>
+    <a:masterClrMapping/>
+  </p:clrMapOvr>
+</p:sld>
+</file>
+
+<file path=ppt/slides/slide34.xml><?xml version="1.0" encoding="utf-8"?>
+<p:sld xmlns:a="http://schemas.openxmlformats.org/drawingml/2006/main" xmlns:r="http://schemas.openxmlformats.org/officeDocument/2006/relationships" xmlns:p="http://schemas.openxmlformats.org/presentationml/2006/main">
+  <p:cSld>
+    <p:spTree>
+      <p:nvGrpSpPr>
+        <p:cNvPr id="1" name=""/>
+        <p:cNvGrpSpPr/>
+        <p:nvPr/>
+      </p:nvGrpSpPr>
+      <p:grpSpPr>
+        <a:xfrm>
+          <a:off x="0" y="0"/>
+          <a:ext cx="0" cy="0"/>
+          <a:chOff x="0" y="0"/>
+          <a:chExt cx="0" cy="0"/>
+        </a:xfrm>
+      </p:grpSpPr>
+      <p:sp>
+        <p:nvSpPr>
           <p:cNvPr id="6" name="Rectangle 5"/>
           <p:cNvSpPr/>
           <p:nvPr/>
@@ -22862,7 +26723,7 @@
           <a:p>
             <a:fld id="{52D8BFD5-1499-4ECE-8614-7465CBDF8211}" type="slidenum">
               <a:rPr lang="en-IN" smtClean="0"/>
-              <a:t>33</a:t>
+              <a:t>34</a:t>
             </a:fld>
             <a:endParaRPr lang="en-IN"/>
           </a:p>
@@ -22938,7 +26799,7 @@
           <p:cNvPr id="2" name="Slide Number Placeholder 1">
             <a:extLst>
               <a:ext uri="{FF2B5EF4-FFF2-40B4-BE49-F238E27FC236}">
-                <a16:creationId xmlns:a16="http://schemas.microsoft.com/office/drawing/2014/main" xmlns="" id="{E2A346D2-342E-4D26-9516-C88A6E8CC150}"/>
+                <a16:creationId xmlns:a16="http://schemas.microsoft.com/office/drawing/2014/main" id="{E2A346D2-342E-4D26-9516-C88A6E8CC150}"/>
               </a:ext>
             </a:extLst>
           </p:cNvPr>
@@ -22967,7 +26828,7 @@
           <p:cNvPr id="4" name="Title 3">
             <a:extLst>
               <a:ext uri="{FF2B5EF4-FFF2-40B4-BE49-F238E27FC236}">
-                <a16:creationId xmlns:a16="http://schemas.microsoft.com/office/drawing/2014/main" xmlns="" id="{6C1750A8-0A53-40DB-B646-EE267E14322F}"/>
+                <a16:creationId xmlns:a16="http://schemas.microsoft.com/office/drawing/2014/main" id="{6C1750A8-0A53-40DB-B646-EE267E14322F}"/>
               </a:ext>
             </a:extLst>
           </p:cNvPr>
@@ -22996,7 +26857,7 @@
           <p:cNvPr id="5" name="Picture 4">
             <a:extLst>
               <a:ext uri="{FF2B5EF4-FFF2-40B4-BE49-F238E27FC236}">
-                <a16:creationId xmlns:a16="http://schemas.microsoft.com/office/drawing/2014/main" xmlns="" id="{BB9815DA-59F6-4BAB-AB4A-86EB78EBAA12}"/>
+                <a16:creationId xmlns:a16="http://schemas.microsoft.com/office/drawing/2014/main" id="{BB9815DA-59F6-4BAB-AB4A-86EB78EBAA12}"/>
               </a:ext>
             </a:extLst>
           </p:cNvPr>
@@ -23026,7 +26887,7 @@
           <p:cNvPr id="8" name="Picture 7">
             <a:extLst>
               <a:ext uri="{FF2B5EF4-FFF2-40B4-BE49-F238E27FC236}">
-                <a16:creationId xmlns:a16="http://schemas.microsoft.com/office/drawing/2014/main" xmlns="" id="{7BD68EB2-2E4C-46CD-A60A-A88FC0735E68}"/>
+                <a16:creationId xmlns:a16="http://schemas.microsoft.com/office/drawing/2014/main" id="{7BD68EB2-2E4C-46CD-A60A-A88FC0735E68}"/>
               </a:ext>
             </a:extLst>
           </p:cNvPr>
@@ -23056,7 +26917,7 @@
           <p:cNvPr id="10" name="Picture 9">
             <a:extLst>
               <a:ext uri="{FF2B5EF4-FFF2-40B4-BE49-F238E27FC236}">
-                <a16:creationId xmlns:a16="http://schemas.microsoft.com/office/drawing/2014/main" xmlns="" id="{90576CD5-D521-499A-A330-5AA00E4C02C0}"/>
+                <a16:creationId xmlns:a16="http://schemas.microsoft.com/office/drawing/2014/main" id="{90576CD5-D521-499A-A330-5AA00E4C02C0}"/>
               </a:ext>
             </a:extLst>
           </p:cNvPr>
@@ -23086,7 +26947,7 @@
           <p:cNvPr id="3" name="Rectangle 2">
             <a:extLst>
               <a:ext uri="{FF2B5EF4-FFF2-40B4-BE49-F238E27FC236}">
-                <a16:creationId xmlns:a16="http://schemas.microsoft.com/office/drawing/2014/main" xmlns="" id="{E9F5EE9B-EAD7-49D1-8A36-6D3A13E39462}"/>
+                <a16:creationId xmlns:a16="http://schemas.microsoft.com/office/drawing/2014/main" id="{E9F5EE9B-EAD7-49D1-8A36-6D3A13E39462}"/>
               </a:ext>
             </a:extLst>
           </p:cNvPr>
@@ -23135,7 +26996,7 @@
           <p:cNvPr id="9" name="Rectangle 8">
             <a:extLst>
               <a:ext uri="{FF2B5EF4-FFF2-40B4-BE49-F238E27FC236}">
-                <a16:creationId xmlns:a16="http://schemas.microsoft.com/office/drawing/2014/main" xmlns="" id="{31C46744-FA39-43C5-B4AE-0CB44CE09187}"/>
+                <a16:creationId xmlns:a16="http://schemas.microsoft.com/office/drawing/2014/main" id="{31C46744-FA39-43C5-B4AE-0CB44CE09187}"/>
               </a:ext>
             </a:extLst>
           </p:cNvPr>
@@ -23184,7 +27045,7 @@
           <p:cNvPr id="13" name="Rectangle 12">
             <a:extLst>
               <a:ext uri="{FF2B5EF4-FFF2-40B4-BE49-F238E27FC236}">
-                <a16:creationId xmlns:a16="http://schemas.microsoft.com/office/drawing/2014/main" xmlns="" id="{3FC4941D-2BA9-4202-A201-4D899D3D1CC9}"/>
+                <a16:creationId xmlns:a16="http://schemas.microsoft.com/office/drawing/2014/main" id="{3FC4941D-2BA9-4202-A201-4D899D3D1CC9}"/>
               </a:ext>
             </a:extLst>
           </p:cNvPr>
@@ -23233,7 +27094,7 @@
           <p:cNvPr id="14" name="Rectangle 13">
             <a:extLst>
               <a:ext uri="{FF2B5EF4-FFF2-40B4-BE49-F238E27FC236}">
-                <a16:creationId xmlns:a16="http://schemas.microsoft.com/office/drawing/2014/main" xmlns="" id="{D06F4BA9-4183-4CED-9937-CEB561861252}"/>
+                <a16:creationId xmlns:a16="http://schemas.microsoft.com/office/drawing/2014/main" id="{D06F4BA9-4183-4CED-9937-CEB561861252}"/>
               </a:ext>
             </a:extLst>
           </p:cNvPr>
@@ -23312,7 +27173,7 @@
           <p:cNvPr id="2" name="Footer Placeholder 1">
             <a:extLst>
               <a:ext uri="{FF2B5EF4-FFF2-40B4-BE49-F238E27FC236}">
-                <a16:creationId xmlns:a16="http://schemas.microsoft.com/office/drawing/2014/main" xmlns="" id="{F27EA32B-0CF3-8649-B654-2B6622F6309D}"/>
+                <a16:creationId xmlns:a16="http://schemas.microsoft.com/office/drawing/2014/main" id="{F27EA32B-0CF3-8649-B654-2B6622F6309D}"/>
               </a:ext>
             </a:extLst>
           </p:cNvPr>
@@ -23342,7 +27203,7 @@
           <p:cNvPr id="3" name="Content Placeholder 2">
             <a:extLst>
               <a:ext uri="{FF2B5EF4-FFF2-40B4-BE49-F238E27FC236}">
-                <a16:creationId xmlns:a16="http://schemas.microsoft.com/office/drawing/2014/main" xmlns="" id="{1DE29D62-620F-2A47-92A9-9A84D907130A}"/>
+                <a16:creationId xmlns:a16="http://schemas.microsoft.com/office/drawing/2014/main" id="{1DE29D62-620F-2A47-92A9-9A84D907130A}"/>
               </a:ext>
             </a:extLst>
           </p:cNvPr>
@@ -23944,7 +27805,7 @@
           <p:cNvPr id="39" name="TextBox 38">
             <a:extLst>
               <a:ext uri="{FF2B5EF4-FFF2-40B4-BE49-F238E27FC236}">
-                <a16:creationId xmlns:a16="http://schemas.microsoft.com/office/drawing/2014/main" xmlns="" id="{D4FEF5E9-6905-4A65-9D3E-F1282B530020}"/>
+                <a16:creationId xmlns:a16="http://schemas.microsoft.com/office/drawing/2014/main" id="{D4FEF5E9-6905-4A65-9D3E-F1282B530020}"/>
               </a:ext>
             </a:extLst>
           </p:cNvPr>
@@ -23980,7 +27841,7 @@
           <p:cNvPr id="56" name="Straight Arrow Connector 55">
             <a:extLst>
               <a:ext uri="{FF2B5EF4-FFF2-40B4-BE49-F238E27FC236}">
-                <a16:creationId xmlns:a16="http://schemas.microsoft.com/office/drawing/2014/main" xmlns="" id="{4FF9B2BE-FCC9-4AF3-BE91-C682ED0999E3}"/>
+                <a16:creationId xmlns:a16="http://schemas.microsoft.com/office/drawing/2014/main" id="{4FF9B2BE-FCC9-4AF3-BE91-C682ED0999E3}"/>
               </a:ext>
             </a:extLst>
           </p:cNvPr>
@@ -24021,7 +27882,7 @@
           <p:cNvPr id="21" name="Straight Arrow Connector 20">
             <a:extLst>
               <a:ext uri="{FF2B5EF4-FFF2-40B4-BE49-F238E27FC236}">
-                <a16:creationId xmlns:a16="http://schemas.microsoft.com/office/drawing/2014/main" xmlns="" id="{584BE35B-2E1F-4FA1-A756-2321AF5E08C4}"/>
+                <a16:creationId xmlns:a16="http://schemas.microsoft.com/office/drawing/2014/main" id="{584BE35B-2E1F-4FA1-A756-2321AF5E08C4}"/>
               </a:ext>
             </a:extLst>
           </p:cNvPr>
@@ -24063,7 +27924,7 @@
           <p:cNvPr id="42" name="Straight Connector 41">
             <a:extLst>
               <a:ext uri="{FF2B5EF4-FFF2-40B4-BE49-F238E27FC236}">
-                <a16:creationId xmlns:a16="http://schemas.microsoft.com/office/drawing/2014/main" xmlns="" id="{65102A5B-F2C0-42B8-93C8-844F3F548642}"/>
+                <a16:creationId xmlns:a16="http://schemas.microsoft.com/office/drawing/2014/main" id="{65102A5B-F2C0-42B8-93C8-844F3F548642}"/>
               </a:ext>
             </a:extLst>
           </p:cNvPr>
@@ -24099,7 +27960,7 @@
           <p:cNvPr id="45" name="Straight Arrow Connector 44">
             <a:extLst>
               <a:ext uri="{FF2B5EF4-FFF2-40B4-BE49-F238E27FC236}">
-                <a16:creationId xmlns:a16="http://schemas.microsoft.com/office/drawing/2014/main" xmlns="" id="{651300EC-D8A3-48CB-9CE7-A05C561A38E5}"/>
+                <a16:creationId xmlns:a16="http://schemas.microsoft.com/office/drawing/2014/main" id="{651300EC-D8A3-48CB-9CE7-A05C561A38E5}"/>
               </a:ext>
             </a:extLst>
           </p:cNvPr>
@@ -24139,7 +28000,7 @@
           <p:cNvPr id="48" name="TextBox 47">
             <a:extLst>
               <a:ext uri="{FF2B5EF4-FFF2-40B4-BE49-F238E27FC236}">
-                <a16:creationId xmlns:a16="http://schemas.microsoft.com/office/drawing/2014/main" xmlns="" id="{05FA92EB-D344-4AE2-AF12-697DA9F9AFD7}"/>
+                <a16:creationId xmlns:a16="http://schemas.microsoft.com/office/drawing/2014/main" id="{05FA92EB-D344-4AE2-AF12-697DA9F9AFD7}"/>
               </a:ext>
             </a:extLst>
           </p:cNvPr>
@@ -24187,7 +28048,7 @@
           <p:cNvPr id="74" name="TextBox 73">
             <a:extLst>
               <a:ext uri="{FF2B5EF4-FFF2-40B4-BE49-F238E27FC236}">
-                <a16:creationId xmlns:a16="http://schemas.microsoft.com/office/drawing/2014/main" xmlns="" id="{2E814F5C-E578-41CE-8434-9C4F42B81372}"/>
+                <a16:creationId xmlns:a16="http://schemas.microsoft.com/office/drawing/2014/main" id="{2E814F5C-E578-41CE-8434-9C4F42B81372}"/>
               </a:ext>
             </a:extLst>
           </p:cNvPr>
@@ -24235,7 +28096,7 @@
           <p:cNvPr id="75" name="TextBox 74">
             <a:extLst>
               <a:ext uri="{FF2B5EF4-FFF2-40B4-BE49-F238E27FC236}">
-                <a16:creationId xmlns:a16="http://schemas.microsoft.com/office/drawing/2014/main" xmlns="" id="{F06FF163-775C-4430-9DCC-21692D09C39D}"/>
+                <a16:creationId xmlns:a16="http://schemas.microsoft.com/office/drawing/2014/main" id="{F06FF163-775C-4430-9DCC-21692D09C39D}"/>
               </a:ext>
             </a:extLst>
           </p:cNvPr>
@@ -24313,7 +28174,7 @@
           <p:cNvPr id="2" name="Slide Number Placeholder 1">
             <a:extLst>
               <a:ext uri="{FF2B5EF4-FFF2-40B4-BE49-F238E27FC236}">
-                <a16:creationId xmlns:a16="http://schemas.microsoft.com/office/drawing/2014/main" xmlns="" id="{E2A346D2-342E-4D26-9516-C88A6E8CC150}"/>
+                <a16:creationId xmlns:a16="http://schemas.microsoft.com/office/drawing/2014/main" id="{E2A346D2-342E-4D26-9516-C88A6E8CC150}"/>
               </a:ext>
             </a:extLst>
           </p:cNvPr>
@@ -24342,7 +28203,7 @@
           <p:cNvPr id="4" name="Title 3">
             <a:extLst>
               <a:ext uri="{FF2B5EF4-FFF2-40B4-BE49-F238E27FC236}">
-                <a16:creationId xmlns:a16="http://schemas.microsoft.com/office/drawing/2014/main" xmlns="" id="{6C1750A8-0A53-40DB-B646-EE267E14322F}"/>
+                <a16:creationId xmlns:a16="http://schemas.microsoft.com/office/drawing/2014/main" id="{6C1750A8-0A53-40DB-B646-EE267E14322F}"/>
               </a:ext>
             </a:extLst>
           </p:cNvPr>
@@ -24376,7 +28237,7 @@
           <p:cNvPr id="3" name="Rectangle 2">
             <a:extLst>
               <a:ext uri="{FF2B5EF4-FFF2-40B4-BE49-F238E27FC236}">
-                <a16:creationId xmlns:a16="http://schemas.microsoft.com/office/drawing/2014/main" xmlns="" id="{DC56F6AA-CC91-42A5-B529-91407EE8CA0B}"/>
+                <a16:creationId xmlns:a16="http://schemas.microsoft.com/office/drawing/2014/main" id="{DC56F6AA-CC91-42A5-B529-91407EE8CA0B}"/>
               </a:ext>
             </a:extLst>
           </p:cNvPr>
@@ -24422,7 +28283,7 @@
           <p:cNvPr id="5" name="Rectangle 4">
             <a:extLst>
               <a:ext uri="{FF2B5EF4-FFF2-40B4-BE49-F238E27FC236}">
-                <a16:creationId xmlns:a16="http://schemas.microsoft.com/office/drawing/2014/main" xmlns="" id="{1AFD8020-F819-48DB-A628-4F914740C5B5}"/>
+                <a16:creationId xmlns:a16="http://schemas.microsoft.com/office/drawing/2014/main" id="{1AFD8020-F819-48DB-A628-4F914740C5B5}"/>
               </a:ext>
             </a:extLst>
           </p:cNvPr>
@@ -24476,7 +28337,7 @@
           <p:cNvPr id="6" name="Rectangle 5">
             <a:extLst>
               <a:ext uri="{FF2B5EF4-FFF2-40B4-BE49-F238E27FC236}">
-                <a16:creationId xmlns:a16="http://schemas.microsoft.com/office/drawing/2014/main" xmlns="" id="{519572F2-77B7-451D-B7B9-E8C4DF760CFE}"/>
+                <a16:creationId xmlns:a16="http://schemas.microsoft.com/office/drawing/2014/main" id="{519572F2-77B7-451D-B7B9-E8C4DF760CFE}"/>
               </a:ext>
             </a:extLst>
           </p:cNvPr>
@@ -24522,7 +28383,7 @@
           <p:cNvPr id="9" name="Straight Connector 8">
             <a:extLst>
               <a:ext uri="{FF2B5EF4-FFF2-40B4-BE49-F238E27FC236}">
-                <a16:creationId xmlns:a16="http://schemas.microsoft.com/office/drawing/2014/main" xmlns="" id="{4C9C328E-BF96-4182-9F0B-C5C11B72F8DE}"/>
+                <a16:creationId xmlns:a16="http://schemas.microsoft.com/office/drawing/2014/main" id="{4C9C328E-BF96-4182-9F0B-C5C11B72F8DE}"/>
               </a:ext>
             </a:extLst>
           </p:cNvPr>
@@ -24563,7 +28424,7 @@
           <p:cNvPr id="13" name="Rectangle 12">
             <a:extLst>
               <a:ext uri="{FF2B5EF4-FFF2-40B4-BE49-F238E27FC236}">
-                <a16:creationId xmlns:a16="http://schemas.microsoft.com/office/drawing/2014/main" xmlns="" id="{323427DF-834D-402D-8EB2-A67EBD08C9DE}"/>
+                <a16:creationId xmlns:a16="http://schemas.microsoft.com/office/drawing/2014/main" id="{323427DF-834D-402D-8EB2-A67EBD08C9DE}"/>
               </a:ext>
             </a:extLst>
           </p:cNvPr>
@@ -24609,7 +28470,7 @@
           <p:cNvPr id="14" name="Rectangle 13">
             <a:extLst>
               <a:ext uri="{FF2B5EF4-FFF2-40B4-BE49-F238E27FC236}">
-                <a16:creationId xmlns:a16="http://schemas.microsoft.com/office/drawing/2014/main" xmlns="" id="{0A6F78A6-5E7B-44BE-8033-86E3CC020CF3}"/>
+                <a16:creationId xmlns:a16="http://schemas.microsoft.com/office/drawing/2014/main" id="{0A6F78A6-5E7B-44BE-8033-86E3CC020CF3}"/>
               </a:ext>
             </a:extLst>
           </p:cNvPr>
@@ -24655,7 +28516,7 @@
           <p:cNvPr id="15" name="Rectangle 14">
             <a:extLst>
               <a:ext uri="{FF2B5EF4-FFF2-40B4-BE49-F238E27FC236}">
-                <a16:creationId xmlns:a16="http://schemas.microsoft.com/office/drawing/2014/main" xmlns="" id="{9F279704-B8F0-4876-B501-EE21DB738F59}"/>
+                <a16:creationId xmlns:a16="http://schemas.microsoft.com/office/drawing/2014/main" id="{9F279704-B8F0-4876-B501-EE21DB738F59}"/>
               </a:ext>
             </a:extLst>
           </p:cNvPr>
@@ -24701,7 +28562,7 @@
           <p:cNvPr id="16" name="Rectangle 15">
             <a:extLst>
               <a:ext uri="{FF2B5EF4-FFF2-40B4-BE49-F238E27FC236}">
-                <a16:creationId xmlns:a16="http://schemas.microsoft.com/office/drawing/2014/main" xmlns="" id="{6ECC4020-0E4E-472A-9357-69CC12C1F305}"/>
+                <a16:creationId xmlns:a16="http://schemas.microsoft.com/office/drawing/2014/main" id="{6ECC4020-0E4E-472A-9357-69CC12C1F305}"/>
               </a:ext>
             </a:extLst>
           </p:cNvPr>
@@ -24747,7 +28608,7 @@
           <p:cNvPr id="17" name="Rectangle 16">
             <a:extLst>
               <a:ext uri="{FF2B5EF4-FFF2-40B4-BE49-F238E27FC236}">
-                <a16:creationId xmlns:a16="http://schemas.microsoft.com/office/drawing/2014/main" xmlns="" id="{34453880-B568-412E-B217-7017AA047B84}"/>
+                <a16:creationId xmlns:a16="http://schemas.microsoft.com/office/drawing/2014/main" id="{34453880-B568-412E-B217-7017AA047B84}"/>
               </a:ext>
             </a:extLst>
           </p:cNvPr>
@@ -24793,7 +28654,7 @@
           <p:cNvPr id="19" name="Oval 18">
             <a:extLst>
               <a:ext uri="{FF2B5EF4-FFF2-40B4-BE49-F238E27FC236}">
-                <a16:creationId xmlns:a16="http://schemas.microsoft.com/office/drawing/2014/main" xmlns="" id="{C865F1AC-443D-44E9-B205-5FD839712B3D}"/>
+                <a16:creationId xmlns:a16="http://schemas.microsoft.com/office/drawing/2014/main" id="{C865F1AC-443D-44E9-B205-5FD839712B3D}"/>
               </a:ext>
             </a:extLst>
           </p:cNvPr>
@@ -24839,7 +28700,7 @@
           <p:cNvPr id="20" name="Straight Connector 19">
             <a:extLst>
               <a:ext uri="{FF2B5EF4-FFF2-40B4-BE49-F238E27FC236}">
-                <a16:creationId xmlns:a16="http://schemas.microsoft.com/office/drawing/2014/main" xmlns="" id="{B1B94C00-5D79-4EF7-B864-00C0FB05A426}"/>
+                <a16:creationId xmlns:a16="http://schemas.microsoft.com/office/drawing/2014/main" id="{B1B94C00-5D79-4EF7-B864-00C0FB05A426}"/>
               </a:ext>
             </a:extLst>
           </p:cNvPr>
@@ -24880,7 +28741,7 @@
           <p:cNvPr id="25" name="Rectangle 24">
             <a:extLst>
               <a:ext uri="{FF2B5EF4-FFF2-40B4-BE49-F238E27FC236}">
-                <a16:creationId xmlns:a16="http://schemas.microsoft.com/office/drawing/2014/main" xmlns="" id="{1962C116-4BFC-4CE5-92AA-283C9D45A684}"/>
+                <a16:creationId xmlns:a16="http://schemas.microsoft.com/office/drawing/2014/main" id="{1962C116-4BFC-4CE5-92AA-283C9D45A684}"/>
               </a:ext>
             </a:extLst>
           </p:cNvPr>
@@ -24926,7 +28787,7 @@
           <p:cNvPr id="26" name="Rectangle 25">
             <a:extLst>
               <a:ext uri="{FF2B5EF4-FFF2-40B4-BE49-F238E27FC236}">
-                <a16:creationId xmlns:a16="http://schemas.microsoft.com/office/drawing/2014/main" xmlns="" id="{7346B316-6233-4443-9A36-040D034A6FBF}"/>
+                <a16:creationId xmlns:a16="http://schemas.microsoft.com/office/drawing/2014/main" id="{7346B316-6233-4443-9A36-040D034A6FBF}"/>
               </a:ext>
             </a:extLst>
           </p:cNvPr>
@@ -24980,7 +28841,7 @@
           <p:cNvPr id="27" name="Rectangle 26">
             <a:extLst>
               <a:ext uri="{FF2B5EF4-FFF2-40B4-BE49-F238E27FC236}">
-                <a16:creationId xmlns:a16="http://schemas.microsoft.com/office/drawing/2014/main" xmlns="" id="{A0A6BEE0-8DF4-4797-80DB-7DD4E6A99383}"/>
+                <a16:creationId xmlns:a16="http://schemas.microsoft.com/office/drawing/2014/main" id="{A0A6BEE0-8DF4-4797-80DB-7DD4E6A99383}"/>
               </a:ext>
             </a:extLst>
           </p:cNvPr>
@@ -25026,7 +28887,7 @@
           <p:cNvPr id="28" name="Rectangle 27">
             <a:extLst>
               <a:ext uri="{FF2B5EF4-FFF2-40B4-BE49-F238E27FC236}">
-                <a16:creationId xmlns:a16="http://schemas.microsoft.com/office/drawing/2014/main" xmlns="" id="{14D24A18-E91F-4A40-9FD4-04301BE5E2B4}"/>
+                <a16:creationId xmlns:a16="http://schemas.microsoft.com/office/drawing/2014/main" id="{14D24A18-E91F-4A40-9FD4-04301BE5E2B4}"/>
               </a:ext>
             </a:extLst>
           </p:cNvPr>
@@ -25072,7 +28933,7 @@
           <p:cNvPr id="29" name="Rectangle 28">
             <a:extLst>
               <a:ext uri="{FF2B5EF4-FFF2-40B4-BE49-F238E27FC236}">
-                <a16:creationId xmlns:a16="http://schemas.microsoft.com/office/drawing/2014/main" xmlns="" id="{02D3BDEB-199B-42D8-AFC9-6B8F446EE7F0}"/>
+                <a16:creationId xmlns:a16="http://schemas.microsoft.com/office/drawing/2014/main" id="{02D3BDEB-199B-42D8-AFC9-6B8F446EE7F0}"/>
               </a:ext>
             </a:extLst>
           </p:cNvPr>
@@ -25118,7 +28979,7 @@
           <p:cNvPr id="31" name="Straight Connector 30">
             <a:extLst>
               <a:ext uri="{FF2B5EF4-FFF2-40B4-BE49-F238E27FC236}">
-                <a16:creationId xmlns:a16="http://schemas.microsoft.com/office/drawing/2014/main" xmlns="" id="{7A19C16E-38B9-498A-9C33-6AB77B29E105}"/>
+                <a16:creationId xmlns:a16="http://schemas.microsoft.com/office/drawing/2014/main" id="{7A19C16E-38B9-498A-9C33-6AB77B29E105}"/>
               </a:ext>
             </a:extLst>
           </p:cNvPr>
@@ -25257,10 +29118,9 @@
           <a:lstStyle/>
           <a:p>
             <a:r>
-              <a:rPr lang="en-US" dirty="0" smtClean="0"/>
+              <a:rPr lang="en-US" dirty="0"/>
               <a:t>Load up</a:t>
             </a:r>
-            <a:endParaRPr lang="en-US" dirty="0"/>
           </a:p>
         </p:txBody>
       </p:sp>
@@ -25287,11 +29147,11 @@
           <a:lstStyle/>
           <a:p>
             <a:r>
-              <a:rPr lang="en-US" dirty="0" smtClean="0"/>
+              <a:rPr lang="en-US" dirty="0"/>
               <a:t>Load </a:t>
             </a:r>
             <a:r>
-              <a:rPr lang="en-US" dirty="0" err="1" smtClean="0"/>
+              <a:rPr lang="en-US" dirty="0" err="1"/>
               <a:t>dn</a:t>
             </a:r>
             <a:endParaRPr lang="en-US" dirty="0"/>
@@ -25333,7 +29193,7 @@
           <p:cNvPr id="2" name="Slide Number Placeholder 1">
             <a:extLst>
               <a:ext uri="{FF2B5EF4-FFF2-40B4-BE49-F238E27FC236}">
-                <a16:creationId xmlns:a16="http://schemas.microsoft.com/office/drawing/2014/main" xmlns="" id="{E2A346D2-342E-4D26-9516-C88A6E8CC150}"/>
+                <a16:creationId xmlns:a16="http://schemas.microsoft.com/office/drawing/2014/main" id="{E2A346D2-342E-4D26-9516-C88A6E8CC150}"/>
               </a:ext>
             </a:extLst>
           </p:cNvPr>
@@ -25362,7 +29222,7 @@
           <p:cNvPr id="4" name="Title 3">
             <a:extLst>
               <a:ext uri="{FF2B5EF4-FFF2-40B4-BE49-F238E27FC236}">
-                <a16:creationId xmlns:a16="http://schemas.microsoft.com/office/drawing/2014/main" xmlns="" id="{6C1750A8-0A53-40DB-B646-EE267E14322F}"/>
+                <a16:creationId xmlns:a16="http://schemas.microsoft.com/office/drawing/2014/main" id="{6C1750A8-0A53-40DB-B646-EE267E14322F}"/>
               </a:ext>
             </a:extLst>
           </p:cNvPr>
@@ -25396,7 +29256,7 @@
           <p:cNvPr id="3" name="Rectangle 2">
             <a:extLst>
               <a:ext uri="{FF2B5EF4-FFF2-40B4-BE49-F238E27FC236}">
-                <a16:creationId xmlns:a16="http://schemas.microsoft.com/office/drawing/2014/main" xmlns="" id="{DC56F6AA-CC91-42A5-B529-91407EE8CA0B}"/>
+                <a16:creationId xmlns:a16="http://schemas.microsoft.com/office/drawing/2014/main" id="{DC56F6AA-CC91-42A5-B529-91407EE8CA0B}"/>
               </a:ext>
             </a:extLst>
           </p:cNvPr>
@@ -25442,7 +29302,7 @@
           <p:cNvPr id="5" name="Rectangle 4">
             <a:extLst>
               <a:ext uri="{FF2B5EF4-FFF2-40B4-BE49-F238E27FC236}">
-                <a16:creationId xmlns:a16="http://schemas.microsoft.com/office/drawing/2014/main" xmlns="" id="{1AFD8020-F819-48DB-A628-4F914740C5B5}"/>
+                <a16:creationId xmlns:a16="http://schemas.microsoft.com/office/drawing/2014/main" id="{1AFD8020-F819-48DB-A628-4F914740C5B5}"/>
               </a:ext>
             </a:extLst>
           </p:cNvPr>
@@ -25496,7 +29356,7 @@
           <p:cNvPr id="6" name="Rectangle 5">
             <a:extLst>
               <a:ext uri="{FF2B5EF4-FFF2-40B4-BE49-F238E27FC236}">
-                <a16:creationId xmlns:a16="http://schemas.microsoft.com/office/drawing/2014/main" xmlns="" id="{519572F2-77B7-451D-B7B9-E8C4DF760CFE}"/>
+                <a16:creationId xmlns:a16="http://schemas.microsoft.com/office/drawing/2014/main" id="{519572F2-77B7-451D-B7B9-E8C4DF760CFE}"/>
               </a:ext>
             </a:extLst>
           </p:cNvPr>
@@ -25542,7 +29402,7 @@
           <p:cNvPr id="9" name="Straight Connector 8">
             <a:extLst>
               <a:ext uri="{FF2B5EF4-FFF2-40B4-BE49-F238E27FC236}">
-                <a16:creationId xmlns:a16="http://schemas.microsoft.com/office/drawing/2014/main" xmlns="" id="{4C9C328E-BF96-4182-9F0B-C5C11B72F8DE}"/>
+                <a16:creationId xmlns:a16="http://schemas.microsoft.com/office/drawing/2014/main" id="{4C9C328E-BF96-4182-9F0B-C5C11B72F8DE}"/>
               </a:ext>
             </a:extLst>
           </p:cNvPr>
@@ -25583,7 +29443,7 @@
           <p:cNvPr id="13" name="Rectangle 12">
             <a:extLst>
               <a:ext uri="{FF2B5EF4-FFF2-40B4-BE49-F238E27FC236}">
-                <a16:creationId xmlns:a16="http://schemas.microsoft.com/office/drawing/2014/main" xmlns="" id="{323427DF-834D-402D-8EB2-A67EBD08C9DE}"/>
+                <a16:creationId xmlns:a16="http://schemas.microsoft.com/office/drawing/2014/main" id="{323427DF-834D-402D-8EB2-A67EBD08C9DE}"/>
               </a:ext>
             </a:extLst>
           </p:cNvPr>
@@ -25629,7 +29489,7 @@
           <p:cNvPr id="14" name="Rectangle 13">
             <a:extLst>
               <a:ext uri="{FF2B5EF4-FFF2-40B4-BE49-F238E27FC236}">
-                <a16:creationId xmlns:a16="http://schemas.microsoft.com/office/drawing/2014/main" xmlns="" id="{0A6F78A6-5E7B-44BE-8033-86E3CC020CF3}"/>
+                <a16:creationId xmlns:a16="http://schemas.microsoft.com/office/drawing/2014/main" id="{0A6F78A6-5E7B-44BE-8033-86E3CC020CF3}"/>
               </a:ext>
             </a:extLst>
           </p:cNvPr>
@@ -25675,7 +29535,7 @@
           <p:cNvPr id="15" name="Rectangle 14">
             <a:extLst>
               <a:ext uri="{FF2B5EF4-FFF2-40B4-BE49-F238E27FC236}">
-                <a16:creationId xmlns:a16="http://schemas.microsoft.com/office/drawing/2014/main" xmlns="" id="{9F279704-B8F0-4876-B501-EE21DB738F59}"/>
+                <a16:creationId xmlns:a16="http://schemas.microsoft.com/office/drawing/2014/main" id="{9F279704-B8F0-4876-B501-EE21DB738F59}"/>
               </a:ext>
             </a:extLst>
           </p:cNvPr>
@@ -25721,7 +29581,7 @@
           <p:cNvPr id="16" name="Rectangle 15">
             <a:extLst>
               <a:ext uri="{FF2B5EF4-FFF2-40B4-BE49-F238E27FC236}">
-                <a16:creationId xmlns:a16="http://schemas.microsoft.com/office/drawing/2014/main" xmlns="" id="{6ECC4020-0E4E-472A-9357-69CC12C1F305}"/>
+                <a16:creationId xmlns:a16="http://schemas.microsoft.com/office/drawing/2014/main" id="{6ECC4020-0E4E-472A-9357-69CC12C1F305}"/>
               </a:ext>
             </a:extLst>
           </p:cNvPr>
@@ -25767,7 +29627,7 @@
           <p:cNvPr id="17" name="Rectangle 16">
             <a:extLst>
               <a:ext uri="{FF2B5EF4-FFF2-40B4-BE49-F238E27FC236}">
-                <a16:creationId xmlns:a16="http://schemas.microsoft.com/office/drawing/2014/main" xmlns="" id="{34453880-B568-412E-B217-7017AA047B84}"/>
+                <a16:creationId xmlns:a16="http://schemas.microsoft.com/office/drawing/2014/main" id="{34453880-B568-412E-B217-7017AA047B84}"/>
               </a:ext>
             </a:extLst>
           </p:cNvPr>
@@ -25813,7 +29673,7 @@
           <p:cNvPr id="19" name="Oval 18">
             <a:extLst>
               <a:ext uri="{FF2B5EF4-FFF2-40B4-BE49-F238E27FC236}">
-                <a16:creationId xmlns:a16="http://schemas.microsoft.com/office/drawing/2014/main" xmlns="" id="{C865F1AC-443D-44E9-B205-5FD839712B3D}"/>
+                <a16:creationId xmlns:a16="http://schemas.microsoft.com/office/drawing/2014/main" id="{C865F1AC-443D-44E9-B205-5FD839712B3D}"/>
               </a:ext>
             </a:extLst>
           </p:cNvPr>
@@ -25859,7 +29719,7 @@
           <p:cNvPr id="20" name="Straight Connector 19">
             <a:extLst>
               <a:ext uri="{FF2B5EF4-FFF2-40B4-BE49-F238E27FC236}">
-                <a16:creationId xmlns:a16="http://schemas.microsoft.com/office/drawing/2014/main" xmlns="" id="{B1B94C00-5D79-4EF7-B864-00C0FB05A426}"/>
+                <a16:creationId xmlns:a16="http://schemas.microsoft.com/office/drawing/2014/main" id="{B1B94C00-5D79-4EF7-B864-00C0FB05A426}"/>
               </a:ext>
             </a:extLst>
           </p:cNvPr>
@@ -25900,7 +29760,7 @@
           <p:cNvPr id="25" name="Rectangle 24">
             <a:extLst>
               <a:ext uri="{FF2B5EF4-FFF2-40B4-BE49-F238E27FC236}">
-                <a16:creationId xmlns:a16="http://schemas.microsoft.com/office/drawing/2014/main" xmlns="" id="{1962C116-4BFC-4CE5-92AA-283C9D45A684}"/>
+                <a16:creationId xmlns:a16="http://schemas.microsoft.com/office/drawing/2014/main" id="{1962C116-4BFC-4CE5-92AA-283C9D45A684}"/>
               </a:ext>
             </a:extLst>
           </p:cNvPr>
@@ -25946,7 +29806,7 @@
           <p:cNvPr id="26" name="Rectangle 25">
             <a:extLst>
               <a:ext uri="{FF2B5EF4-FFF2-40B4-BE49-F238E27FC236}">
-                <a16:creationId xmlns:a16="http://schemas.microsoft.com/office/drawing/2014/main" xmlns="" id="{7346B316-6233-4443-9A36-040D034A6FBF}"/>
+                <a16:creationId xmlns:a16="http://schemas.microsoft.com/office/drawing/2014/main" id="{7346B316-6233-4443-9A36-040D034A6FBF}"/>
               </a:ext>
             </a:extLst>
           </p:cNvPr>
@@ -26000,7 +29860,7 @@
           <p:cNvPr id="27" name="Rectangle 26">
             <a:extLst>
               <a:ext uri="{FF2B5EF4-FFF2-40B4-BE49-F238E27FC236}">
-                <a16:creationId xmlns:a16="http://schemas.microsoft.com/office/drawing/2014/main" xmlns="" id="{A0A6BEE0-8DF4-4797-80DB-7DD4E6A99383}"/>
+                <a16:creationId xmlns:a16="http://schemas.microsoft.com/office/drawing/2014/main" id="{A0A6BEE0-8DF4-4797-80DB-7DD4E6A99383}"/>
               </a:ext>
             </a:extLst>
           </p:cNvPr>
@@ -26046,7 +29906,7 @@
           <p:cNvPr id="28" name="Rectangle 27">
             <a:extLst>
               <a:ext uri="{FF2B5EF4-FFF2-40B4-BE49-F238E27FC236}">
-                <a16:creationId xmlns:a16="http://schemas.microsoft.com/office/drawing/2014/main" xmlns="" id="{14D24A18-E91F-4A40-9FD4-04301BE5E2B4}"/>
+                <a16:creationId xmlns:a16="http://schemas.microsoft.com/office/drawing/2014/main" id="{14D24A18-E91F-4A40-9FD4-04301BE5E2B4}"/>
               </a:ext>
             </a:extLst>
           </p:cNvPr>
@@ -26092,7 +29952,7 @@
           <p:cNvPr id="29" name="Rectangle 28">
             <a:extLst>
               <a:ext uri="{FF2B5EF4-FFF2-40B4-BE49-F238E27FC236}">
-                <a16:creationId xmlns:a16="http://schemas.microsoft.com/office/drawing/2014/main" xmlns="" id="{02D3BDEB-199B-42D8-AFC9-6B8F446EE7F0}"/>
+                <a16:creationId xmlns:a16="http://schemas.microsoft.com/office/drawing/2014/main" id="{02D3BDEB-199B-42D8-AFC9-6B8F446EE7F0}"/>
               </a:ext>
             </a:extLst>
           </p:cNvPr>
@@ -26138,7 +29998,7 @@
           <p:cNvPr id="31" name="Straight Connector 30">
             <a:extLst>
               <a:ext uri="{FF2B5EF4-FFF2-40B4-BE49-F238E27FC236}">
-                <a16:creationId xmlns:a16="http://schemas.microsoft.com/office/drawing/2014/main" xmlns="" id="{7A19C16E-38B9-498A-9C33-6AB77B29E105}"/>
+                <a16:creationId xmlns:a16="http://schemas.microsoft.com/office/drawing/2014/main" id="{7A19C16E-38B9-498A-9C33-6AB77B29E105}"/>
               </a:ext>
             </a:extLst>
           </p:cNvPr>
@@ -26209,7 +30069,7 @@
           <p:cNvPr id="2" name="Slide Number Placeholder 1">
             <a:extLst>
               <a:ext uri="{FF2B5EF4-FFF2-40B4-BE49-F238E27FC236}">
-                <a16:creationId xmlns:a16="http://schemas.microsoft.com/office/drawing/2014/main" xmlns="" id="{E2A346D2-342E-4D26-9516-C88A6E8CC150}"/>
+                <a16:creationId xmlns:a16="http://schemas.microsoft.com/office/drawing/2014/main" id="{E2A346D2-342E-4D26-9516-C88A6E8CC150}"/>
               </a:ext>
             </a:extLst>
           </p:cNvPr>
@@ -26238,7 +30098,7 @@
           <p:cNvPr id="4" name="Title 3">
             <a:extLst>
               <a:ext uri="{FF2B5EF4-FFF2-40B4-BE49-F238E27FC236}">
-                <a16:creationId xmlns:a16="http://schemas.microsoft.com/office/drawing/2014/main" xmlns="" id="{6C1750A8-0A53-40DB-B646-EE267E14322F}"/>
+                <a16:creationId xmlns:a16="http://schemas.microsoft.com/office/drawing/2014/main" id="{6C1750A8-0A53-40DB-B646-EE267E14322F}"/>
               </a:ext>
             </a:extLst>
           </p:cNvPr>
@@ -26272,7 +30132,7 @@
           <p:cNvPr id="3" name="Rectangle 2">
             <a:extLst>
               <a:ext uri="{FF2B5EF4-FFF2-40B4-BE49-F238E27FC236}">
-                <a16:creationId xmlns:a16="http://schemas.microsoft.com/office/drawing/2014/main" xmlns="" id="{DC56F6AA-CC91-42A5-B529-91407EE8CA0B}"/>
+                <a16:creationId xmlns:a16="http://schemas.microsoft.com/office/drawing/2014/main" id="{DC56F6AA-CC91-42A5-B529-91407EE8CA0B}"/>
               </a:ext>
             </a:extLst>
           </p:cNvPr>
@@ -26318,7 +30178,7 @@
           <p:cNvPr id="5" name="Rectangle 4">
             <a:extLst>
               <a:ext uri="{FF2B5EF4-FFF2-40B4-BE49-F238E27FC236}">
-                <a16:creationId xmlns:a16="http://schemas.microsoft.com/office/drawing/2014/main" xmlns="" id="{1AFD8020-F819-48DB-A628-4F914740C5B5}"/>
+                <a16:creationId xmlns:a16="http://schemas.microsoft.com/office/drawing/2014/main" id="{1AFD8020-F819-48DB-A628-4F914740C5B5}"/>
               </a:ext>
             </a:extLst>
           </p:cNvPr>
@@ -26372,7 +30232,7 @@
           <p:cNvPr id="6" name="Rectangle 5">
             <a:extLst>
               <a:ext uri="{FF2B5EF4-FFF2-40B4-BE49-F238E27FC236}">
-                <a16:creationId xmlns:a16="http://schemas.microsoft.com/office/drawing/2014/main" xmlns="" id="{519572F2-77B7-451D-B7B9-E8C4DF760CFE}"/>
+                <a16:creationId xmlns:a16="http://schemas.microsoft.com/office/drawing/2014/main" id="{519572F2-77B7-451D-B7B9-E8C4DF760CFE}"/>
               </a:ext>
             </a:extLst>
           </p:cNvPr>
@@ -26418,7 +30278,7 @@
           <p:cNvPr id="9" name="Straight Connector 8">
             <a:extLst>
               <a:ext uri="{FF2B5EF4-FFF2-40B4-BE49-F238E27FC236}">
-                <a16:creationId xmlns:a16="http://schemas.microsoft.com/office/drawing/2014/main" xmlns="" id="{4C9C328E-BF96-4182-9F0B-C5C11B72F8DE}"/>
+                <a16:creationId xmlns:a16="http://schemas.microsoft.com/office/drawing/2014/main" id="{4C9C328E-BF96-4182-9F0B-C5C11B72F8DE}"/>
               </a:ext>
             </a:extLst>
           </p:cNvPr>
@@ -26459,7 +30319,7 @@
           <p:cNvPr id="13" name="Rectangle 12">
             <a:extLst>
               <a:ext uri="{FF2B5EF4-FFF2-40B4-BE49-F238E27FC236}">
-                <a16:creationId xmlns:a16="http://schemas.microsoft.com/office/drawing/2014/main" xmlns="" id="{323427DF-834D-402D-8EB2-A67EBD08C9DE}"/>
+                <a16:creationId xmlns:a16="http://schemas.microsoft.com/office/drawing/2014/main" id="{323427DF-834D-402D-8EB2-A67EBD08C9DE}"/>
               </a:ext>
             </a:extLst>
           </p:cNvPr>
@@ -26505,7 +30365,7 @@
           <p:cNvPr id="14" name="Rectangle 13">
             <a:extLst>
               <a:ext uri="{FF2B5EF4-FFF2-40B4-BE49-F238E27FC236}">
-                <a16:creationId xmlns:a16="http://schemas.microsoft.com/office/drawing/2014/main" xmlns="" id="{0A6F78A6-5E7B-44BE-8033-86E3CC020CF3}"/>
+                <a16:creationId xmlns:a16="http://schemas.microsoft.com/office/drawing/2014/main" id="{0A6F78A6-5E7B-44BE-8033-86E3CC020CF3}"/>
               </a:ext>
             </a:extLst>
           </p:cNvPr>
@@ -26551,7 +30411,7 @@
           <p:cNvPr id="15" name="Rectangle 14">
             <a:extLst>
               <a:ext uri="{FF2B5EF4-FFF2-40B4-BE49-F238E27FC236}">
-                <a16:creationId xmlns:a16="http://schemas.microsoft.com/office/drawing/2014/main" xmlns="" id="{9F279704-B8F0-4876-B501-EE21DB738F59}"/>
+                <a16:creationId xmlns:a16="http://schemas.microsoft.com/office/drawing/2014/main" id="{9F279704-B8F0-4876-B501-EE21DB738F59}"/>
               </a:ext>
             </a:extLst>
           </p:cNvPr>
@@ -26597,7 +30457,7 @@
           <p:cNvPr id="16" name="Rectangle 15">
             <a:extLst>
               <a:ext uri="{FF2B5EF4-FFF2-40B4-BE49-F238E27FC236}">
-                <a16:creationId xmlns:a16="http://schemas.microsoft.com/office/drawing/2014/main" xmlns="" id="{6ECC4020-0E4E-472A-9357-69CC12C1F305}"/>
+                <a16:creationId xmlns:a16="http://schemas.microsoft.com/office/drawing/2014/main" id="{6ECC4020-0E4E-472A-9357-69CC12C1F305}"/>
               </a:ext>
             </a:extLst>
           </p:cNvPr>
@@ -26643,7 +30503,7 @@
           <p:cNvPr id="17" name="Rectangle 16">
             <a:extLst>
               <a:ext uri="{FF2B5EF4-FFF2-40B4-BE49-F238E27FC236}">
-                <a16:creationId xmlns:a16="http://schemas.microsoft.com/office/drawing/2014/main" xmlns="" id="{34453880-B568-412E-B217-7017AA047B84}"/>
+                <a16:creationId xmlns:a16="http://schemas.microsoft.com/office/drawing/2014/main" id="{34453880-B568-412E-B217-7017AA047B84}"/>
               </a:ext>
             </a:extLst>
           </p:cNvPr>
@@ -26689,7 +30549,7 @@
           <p:cNvPr id="19" name="Oval 18">
             <a:extLst>
               <a:ext uri="{FF2B5EF4-FFF2-40B4-BE49-F238E27FC236}">
-                <a16:creationId xmlns:a16="http://schemas.microsoft.com/office/drawing/2014/main" xmlns="" id="{C865F1AC-443D-44E9-B205-5FD839712B3D}"/>
+                <a16:creationId xmlns:a16="http://schemas.microsoft.com/office/drawing/2014/main" id="{C865F1AC-443D-44E9-B205-5FD839712B3D}"/>
               </a:ext>
             </a:extLst>
           </p:cNvPr>
@@ -26735,7 +30595,7 @@
           <p:cNvPr id="20" name="Straight Connector 19">
             <a:extLst>
               <a:ext uri="{FF2B5EF4-FFF2-40B4-BE49-F238E27FC236}">
-                <a16:creationId xmlns:a16="http://schemas.microsoft.com/office/drawing/2014/main" xmlns="" id="{B1B94C00-5D79-4EF7-B864-00C0FB05A426}"/>
+                <a16:creationId xmlns:a16="http://schemas.microsoft.com/office/drawing/2014/main" id="{B1B94C00-5D79-4EF7-B864-00C0FB05A426}"/>
               </a:ext>
             </a:extLst>
           </p:cNvPr>
@@ -26776,7 +30636,7 @@
           <p:cNvPr id="25" name="Rectangle 24">
             <a:extLst>
               <a:ext uri="{FF2B5EF4-FFF2-40B4-BE49-F238E27FC236}">
-                <a16:creationId xmlns:a16="http://schemas.microsoft.com/office/drawing/2014/main" xmlns="" id="{1962C116-4BFC-4CE5-92AA-283C9D45A684}"/>
+                <a16:creationId xmlns:a16="http://schemas.microsoft.com/office/drawing/2014/main" id="{1962C116-4BFC-4CE5-92AA-283C9D45A684}"/>
               </a:ext>
             </a:extLst>
           </p:cNvPr>
@@ -26822,7 +30682,7 @@
           <p:cNvPr id="26" name="Rectangle 25">
             <a:extLst>
               <a:ext uri="{FF2B5EF4-FFF2-40B4-BE49-F238E27FC236}">
-                <a16:creationId xmlns:a16="http://schemas.microsoft.com/office/drawing/2014/main" xmlns="" id="{7346B316-6233-4443-9A36-040D034A6FBF}"/>
+                <a16:creationId xmlns:a16="http://schemas.microsoft.com/office/drawing/2014/main" id="{7346B316-6233-4443-9A36-040D034A6FBF}"/>
               </a:ext>
             </a:extLst>
           </p:cNvPr>
@@ -26876,7 +30736,7 @@
           <p:cNvPr id="27" name="Rectangle 26">
             <a:extLst>
               <a:ext uri="{FF2B5EF4-FFF2-40B4-BE49-F238E27FC236}">
-                <a16:creationId xmlns:a16="http://schemas.microsoft.com/office/drawing/2014/main" xmlns="" id="{A0A6BEE0-8DF4-4797-80DB-7DD4E6A99383}"/>
+                <a16:creationId xmlns:a16="http://schemas.microsoft.com/office/drawing/2014/main" id="{A0A6BEE0-8DF4-4797-80DB-7DD4E6A99383}"/>
               </a:ext>
             </a:extLst>
           </p:cNvPr>
@@ -26922,7 +30782,7 @@
           <p:cNvPr id="28" name="Rectangle 27">
             <a:extLst>
               <a:ext uri="{FF2B5EF4-FFF2-40B4-BE49-F238E27FC236}">
-                <a16:creationId xmlns:a16="http://schemas.microsoft.com/office/drawing/2014/main" xmlns="" id="{14D24A18-E91F-4A40-9FD4-04301BE5E2B4}"/>
+                <a16:creationId xmlns:a16="http://schemas.microsoft.com/office/drawing/2014/main" id="{14D24A18-E91F-4A40-9FD4-04301BE5E2B4}"/>
               </a:ext>
             </a:extLst>
           </p:cNvPr>
@@ -26968,7 +30828,7 @@
           <p:cNvPr id="29" name="Rectangle 28">
             <a:extLst>
               <a:ext uri="{FF2B5EF4-FFF2-40B4-BE49-F238E27FC236}">
-                <a16:creationId xmlns:a16="http://schemas.microsoft.com/office/drawing/2014/main" xmlns="" id="{02D3BDEB-199B-42D8-AFC9-6B8F446EE7F0}"/>
+                <a16:creationId xmlns:a16="http://schemas.microsoft.com/office/drawing/2014/main" id="{02D3BDEB-199B-42D8-AFC9-6B8F446EE7F0}"/>
               </a:ext>
             </a:extLst>
           </p:cNvPr>
@@ -27014,7 +30874,7 @@
           <p:cNvPr id="31" name="Straight Connector 30">
             <a:extLst>
               <a:ext uri="{FF2B5EF4-FFF2-40B4-BE49-F238E27FC236}">
-                <a16:creationId xmlns:a16="http://schemas.microsoft.com/office/drawing/2014/main" xmlns="" id="{7A19C16E-38B9-498A-9C33-6AB77B29E105}"/>
+                <a16:creationId xmlns:a16="http://schemas.microsoft.com/office/drawing/2014/main" id="{7A19C16E-38B9-498A-9C33-6AB77B29E105}"/>
               </a:ext>
             </a:extLst>
           </p:cNvPr>
@@ -27085,7 +30945,7 @@
           <p:cNvPr id="2" name="Slide Number Placeholder 1">
             <a:extLst>
               <a:ext uri="{FF2B5EF4-FFF2-40B4-BE49-F238E27FC236}">
-                <a16:creationId xmlns:a16="http://schemas.microsoft.com/office/drawing/2014/main" xmlns="" id="{E2A346D2-342E-4D26-9516-C88A6E8CC150}"/>
+                <a16:creationId xmlns:a16="http://schemas.microsoft.com/office/drawing/2014/main" id="{E2A346D2-342E-4D26-9516-C88A6E8CC150}"/>
               </a:ext>
             </a:extLst>
           </p:cNvPr>
@@ -27114,7 +30974,7 @@
           <p:cNvPr id="4" name="Title 3">
             <a:extLst>
               <a:ext uri="{FF2B5EF4-FFF2-40B4-BE49-F238E27FC236}">
-                <a16:creationId xmlns:a16="http://schemas.microsoft.com/office/drawing/2014/main" xmlns="" id="{6C1750A8-0A53-40DB-B646-EE267E14322F}"/>
+                <a16:creationId xmlns:a16="http://schemas.microsoft.com/office/drawing/2014/main" id="{6C1750A8-0A53-40DB-B646-EE267E14322F}"/>
               </a:ext>
             </a:extLst>
           </p:cNvPr>
@@ -27148,7 +31008,7 @@
           <p:cNvPr id="3" name="Rectangle 2">
             <a:extLst>
               <a:ext uri="{FF2B5EF4-FFF2-40B4-BE49-F238E27FC236}">
-                <a16:creationId xmlns:a16="http://schemas.microsoft.com/office/drawing/2014/main" xmlns="" id="{DC56F6AA-CC91-42A5-B529-91407EE8CA0B}"/>
+                <a16:creationId xmlns:a16="http://schemas.microsoft.com/office/drawing/2014/main" id="{DC56F6AA-CC91-42A5-B529-91407EE8CA0B}"/>
               </a:ext>
             </a:extLst>
           </p:cNvPr>
@@ -27194,7 +31054,7 @@
           <p:cNvPr id="5" name="Rectangle 4">
             <a:extLst>
               <a:ext uri="{FF2B5EF4-FFF2-40B4-BE49-F238E27FC236}">
-                <a16:creationId xmlns:a16="http://schemas.microsoft.com/office/drawing/2014/main" xmlns="" id="{1AFD8020-F819-48DB-A628-4F914740C5B5}"/>
+                <a16:creationId xmlns:a16="http://schemas.microsoft.com/office/drawing/2014/main" id="{1AFD8020-F819-48DB-A628-4F914740C5B5}"/>
               </a:ext>
             </a:extLst>
           </p:cNvPr>
@@ -27248,7 +31108,7 @@
           <p:cNvPr id="6" name="Rectangle 5">
             <a:extLst>
               <a:ext uri="{FF2B5EF4-FFF2-40B4-BE49-F238E27FC236}">
-                <a16:creationId xmlns:a16="http://schemas.microsoft.com/office/drawing/2014/main" xmlns="" id="{519572F2-77B7-451D-B7B9-E8C4DF760CFE}"/>
+                <a16:creationId xmlns:a16="http://schemas.microsoft.com/office/drawing/2014/main" id="{519572F2-77B7-451D-B7B9-E8C4DF760CFE}"/>
               </a:ext>
             </a:extLst>
           </p:cNvPr>
@@ -27294,7 +31154,7 @@
           <p:cNvPr id="9" name="Straight Connector 8">
             <a:extLst>
               <a:ext uri="{FF2B5EF4-FFF2-40B4-BE49-F238E27FC236}">
-                <a16:creationId xmlns:a16="http://schemas.microsoft.com/office/drawing/2014/main" xmlns="" id="{4C9C328E-BF96-4182-9F0B-C5C11B72F8DE}"/>
+                <a16:creationId xmlns:a16="http://schemas.microsoft.com/office/drawing/2014/main" id="{4C9C328E-BF96-4182-9F0B-C5C11B72F8DE}"/>
               </a:ext>
             </a:extLst>
           </p:cNvPr>
@@ -27335,7 +31195,7 @@
           <p:cNvPr id="13" name="Rectangle 12">
             <a:extLst>
               <a:ext uri="{FF2B5EF4-FFF2-40B4-BE49-F238E27FC236}">
-                <a16:creationId xmlns:a16="http://schemas.microsoft.com/office/drawing/2014/main" xmlns="" id="{323427DF-834D-402D-8EB2-A67EBD08C9DE}"/>
+                <a16:creationId xmlns:a16="http://schemas.microsoft.com/office/drawing/2014/main" id="{323427DF-834D-402D-8EB2-A67EBD08C9DE}"/>
               </a:ext>
             </a:extLst>
           </p:cNvPr>
@@ -27381,7 +31241,7 @@
           <p:cNvPr id="14" name="Rectangle 13">
             <a:extLst>
               <a:ext uri="{FF2B5EF4-FFF2-40B4-BE49-F238E27FC236}">
-                <a16:creationId xmlns:a16="http://schemas.microsoft.com/office/drawing/2014/main" xmlns="" id="{0A6F78A6-5E7B-44BE-8033-86E3CC020CF3}"/>
+                <a16:creationId xmlns:a16="http://schemas.microsoft.com/office/drawing/2014/main" id="{0A6F78A6-5E7B-44BE-8033-86E3CC020CF3}"/>
               </a:ext>
             </a:extLst>
           </p:cNvPr>
@@ -27427,7 +31287,7 @@
           <p:cNvPr id="15" name="Rectangle 14">
             <a:extLst>
               <a:ext uri="{FF2B5EF4-FFF2-40B4-BE49-F238E27FC236}">
-                <a16:creationId xmlns:a16="http://schemas.microsoft.com/office/drawing/2014/main" xmlns="" id="{9F279704-B8F0-4876-B501-EE21DB738F59}"/>
+                <a16:creationId xmlns:a16="http://schemas.microsoft.com/office/drawing/2014/main" id="{9F279704-B8F0-4876-B501-EE21DB738F59}"/>
               </a:ext>
             </a:extLst>
           </p:cNvPr>
@@ -27473,7 +31333,7 @@
           <p:cNvPr id="16" name="Rectangle 15">
             <a:extLst>
               <a:ext uri="{FF2B5EF4-FFF2-40B4-BE49-F238E27FC236}">
-                <a16:creationId xmlns:a16="http://schemas.microsoft.com/office/drawing/2014/main" xmlns="" id="{6ECC4020-0E4E-472A-9357-69CC12C1F305}"/>
+                <a16:creationId xmlns:a16="http://schemas.microsoft.com/office/drawing/2014/main" id="{6ECC4020-0E4E-472A-9357-69CC12C1F305}"/>
               </a:ext>
             </a:extLst>
           </p:cNvPr>
@@ -27519,7 +31379,7 @@
           <p:cNvPr id="17" name="Rectangle 16">
             <a:extLst>
               <a:ext uri="{FF2B5EF4-FFF2-40B4-BE49-F238E27FC236}">
-                <a16:creationId xmlns:a16="http://schemas.microsoft.com/office/drawing/2014/main" xmlns="" id="{34453880-B568-412E-B217-7017AA047B84}"/>
+                <a16:creationId xmlns:a16="http://schemas.microsoft.com/office/drawing/2014/main" id="{34453880-B568-412E-B217-7017AA047B84}"/>
               </a:ext>
             </a:extLst>
           </p:cNvPr>
@@ -27565,7 +31425,7 @@
           <p:cNvPr id="19" name="Oval 18">
             <a:extLst>
               <a:ext uri="{FF2B5EF4-FFF2-40B4-BE49-F238E27FC236}">
-                <a16:creationId xmlns:a16="http://schemas.microsoft.com/office/drawing/2014/main" xmlns="" id="{C865F1AC-443D-44E9-B205-5FD839712B3D}"/>
+                <a16:creationId xmlns:a16="http://schemas.microsoft.com/office/drawing/2014/main" id="{C865F1AC-443D-44E9-B205-5FD839712B3D}"/>
               </a:ext>
             </a:extLst>
           </p:cNvPr>
@@ -27611,7 +31471,7 @@
           <p:cNvPr id="20" name="Straight Connector 19">
             <a:extLst>
               <a:ext uri="{FF2B5EF4-FFF2-40B4-BE49-F238E27FC236}">
-                <a16:creationId xmlns:a16="http://schemas.microsoft.com/office/drawing/2014/main" xmlns="" id="{B1B94C00-5D79-4EF7-B864-00C0FB05A426}"/>
+                <a16:creationId xmlns:a16="http://schemas.microsoft.com/office/drawing/2014/main" id="{B1B94C00-5D79-4EF7-B864-00C0FB05A426}"/>
               </a:ext>
             </a:extLst>
           </p:cNvPr>
@@ -27652,7 +31512,7 @@
           <p:cNvPr id="25" name="Rectangle 24">
             <a:extLst>
               <a:ext uri="{FF2B5EF4-FFF2-40B4-BE49-F238E27FC236}">
-                <a16:creationId xmlns:a16="http://schemas.microsoft.com/office/drawing/2014/main" xmlns="" id="{1962C116-4BFC-4CE5-92AA-283C9D45A684}"/>
+                <a16:creationId xmlns:a16="http://schemas.microsoft.com/office/drawing/2014/main" id="{1962C116-4BFC-4CE5-92AA-283C9D45A684}"/>
               </a:ext>
             </a:extLst>
           </p:cNvPr>
@@ -27698,7 +31558,7 @@
           <p:cNvPr id="26" name="Rectangle 25">
             <a:extLst>
               <a:ext uri="{FF2B5EF4-FFF2-40B4-BE49-F238E27FC236}">
-                <a16:creationId xmlns:a16="http://schemas.microsoft.com/office/drawing/2014/main" xmlns="" id="{7346B316-6233-4443-9A36-040D034A6FBF}"/>
+                <a16:creationId xmlns:a16="http://schemas.microsoft.com/office/drawing/2014/main" id="{7346B316-6233-4443-9A36-040D034A6FBF}"/>
               </a:ext>
             </a:extLst>
           </p:cNvPr>
@@ -27752,7 +31612,7 @@
           <p:cNvPr id="27" name="Rectangle 26">
             <a:extLst>
               <a:ext uri="{FF2B5EF4-FFF2-40B4-BE49-F238E27FC236}">
-                <a16:creationId xmlns:a16="http://schemas.microsoft.com/office/drawing/2014/main" xmlns="" id="{A0A6BEE0-8DF4-4797-80DB-7DD4E6A99383}"/>
+                <a16:creationId xmlns:a16="http://schemas.microsoft.com/office/drawing/2014/main" id="{A0A6BEE0-8DF4-4797-80DB-7DD4E6A99383}"/>
               </a:ext>
             </a:extLst>
           </p:cNvPr>
@@ -27798,7 +31658,7 @@
           <p:cNvPr id="28" name="Rectangle 27">
             <a:extLst>
               <a:ext uri="{FF2B5EF4-FFF2-40B4-BE49-F238E27FC236}">
-                <a16:creationId xmlns:a16="http://schemas.microsoft.com/office/drawing/2014/main" xmlns="" id="{14D24A18-E91F-4A40-9FD4-04301BE5E2B4}"/>
+                <a16:creationId xmlns:a16="http://schemas.microsoft.com/office/drawing/2014/main" id="{14D24A18-E91F-4A40-9FD4-04301BE5E2B4}"/>
               </a:ext>
             </a:extLst>
           </p:cNvPr>
@@ -27844,7 +31704,7 @@
           <p:cNvPr id="29" name="Rectangle 28">
             <a:extLst>
               <a:ext uri="{FF2B5EF4-FFF2-40B4-BE49-F238E27FC236}">
-                <a16:creationId xmlns:a16="http://schemas.microsoft.com/office/drawing/2014/main" xmlns="" id="{02D3BDEB-199B-42D8-AFC9-6B8F446EE7F0}"/>
+                <a16:creationId xmlns:a16="http://schemas.microsoft.com/office/drawing/2014/main" id="{02D3BDEB-199B-42D8-AFC9-6B8F446EE7F0}"/>
               </a:ext>
             </a:extLst>
           </p:cNvPr>
@@ -27890,7 +31750,7 @@
           <p:cNvPr id="31" name="Straight Connector 30">
             <a:extLst>
               <a:ext uri="{FF2B5EF4-FFF2-40B4-BE49-F238E27FC236}">
-                <a16:creationId xmlns:a16="http://schemas.microsoft.com/office/drawing/2014/main" xmlns="" id="{7A19C16E-38B9-498A-9C33-6AB77B29E105}"/>
+                <a16:creationId xmlns:a16="http://schemas.microsoft.com/office/drawing/2014/main" id="{7A19C16E-38B9-498A-9C33-6AB77B29E105}"/>
               </a:ext>
             </a:extLst>
           </p:cNvPr>
@@ -28133,7 +31993,7 @@
   <a:extraClrSchemeLst/>
   <a:extLst>
     <a:ext uri="{05A4C25C-085E-4340-85A3-A5531E510DB2}">
-      <thm15:themeFamily xmlns:thm15="http://schemas.microsoft.com/office/thememl/2012/main" xmlns="" name="Sasyaka" id="{07B95330-6727-4101-AD9F-3F5BA64AFA22}" vid="{CBC504E4-8A30-46E2-8D6B-3AF9FFC46AA7}"/>
+      <thm15:themeFamily xmlns:thm15="http://schemas.microsoft.com/office/thememl/2012/main" name="Sasyaka" id="{07B95330-6727-4101-AD9F-3F5BA64AFA22}" vid="{CBC504E4-8A30-46E2-8D6B-3AF9FFC46AA7}"/>
     </a:ext>
   </a:extLst>
 </a:theme>
@@ -28394,7 +32254,7 @@
   <a:extraClrSchemeLst/>
   <a:extLst>
     <a:ext uri="{05A4C25C-085E-4340-85A3-A5531E510DB2}">
-      <thm15:themeFamily xmlns:thm15="http://schemas.microsoft.com/office/thememl/2012/main" xmlns="" name="Office Theme" id="{62F939B6-93AF-4DB8-9C6B-D6C7DFDC589F}" vid="{4A3C46E8-61CC-4603-A589-7422A47A8E4A}"/>
+      <thm15:themeFamily xmlns:thm15="http://schemas.microsoft.com/office/thememl/2012/main" name="Office Theme" id="{62F939B6-93AF-4DB8-9C6B-D6C7DFDC589F}" vid="{4A3C46E8-61CC-4603-A589-7422A47A8E4A}"/>
     </a:ext>
   </a:extLst>
 </a:theme>
@@ -28655,7 +32515,7 @@
   <a:extraClrSchemeLst/>
   <a:extLst>
     <a:ext uri="{05A4C25C-085E-4340-85A3-A5531E510DB2}">
-      <thm15:themeFamily xmlns:thm15="http://schemas.microsoft.com/office/thememl/2012/main" xmlns="" name="Office Theme" id="{62F939B6-93AF-4DB8-9C6B-D6C7DFDC589F}" vid="{4A3C46E8-61CC-4603-A589-7422A47A8E4A}"/>
+      <thm15:themeFamily xmlns:thm15="http://schemas.microsoft.com/office/thememl/2012/main" name="Office Theme" id="{62F939B6-93AF-4DB8-9C6B-D6C7DFDC589F}" vid="{4A3C46E8-61CC-4603-A589-7422A47A8E4A}"/>
     </a:ext>
   </a:extLst>
 </a:theme>

--- a/Documents/20-020_W601.pptx
+++ b/Documents/20-020_W601.pptx
@@ -277,7 +277,7 @@
           <a:p>
             <a:fld id="{9DFF5471-3790-423B-9092-670F2B6ED9D0}" type="datetimeFigureOut">
               <a:rPr lang="en-IN" smtClean="0"/>
-              <a:t>23-01-2021</a:t>
+              <a:t>25-01-2021</a:t>
             </a:fld>
             <a:endParaRPr lang="en-IN"/>
           </a:p>
@@ -442,7 +442,7 @@
           <a:p>
             <a:fld id="{F1DD53B3-B155-4E53-B325-36994AC02032}" type="datetimeFigureOut">
               <a:rPr lang="en-IN" smtClean="0"/>
-              <a:t>23-01-2021</a:t>
+              <a:t>25-01-2021</a:t>
             </a:fld>
             <a:endParaRPr lang="en-IN"/>
           </a:p>
@@ -24209,54 +24209,54 @@
         </p:nvSpPr>
         <p:spPr>
           <a:xfrm>
-            <a:off x="838199" y="769840"/>
-            <a:ext cx="4813301" cy="6088160"/>
-          </a:xfrm>
-          <a:prstGeom prst="rect">
-            <a:avLst/>
-          </a:prstGeom>
-        </p:spPr>
-        <p:style>
-          <a:lnRef idx="2">
-            <a:schemeClr val="accent1">
-              <a:shade val="50000"/>
-            </a:schemeClr>
-          </a:lnRef>
-          <a:fillRef idx="1">
-            <a:schemeClr val="accent1"/>
-          </a:fillRef>
-          <a:effectRef idx="0">
-            <a:schemeClr val="accent1"/>
-          </a:effectRef>
-          <a:fontRef idx="minor">
-            <a:schemeClr val="lt1"/>
-          </a:fontRef>
-        </p:style>
-        <p:txBody>
-          <a:bodyPr rtlCol="0" anchor="ctr"/>
-          <a:lstStyle/>
-          <a:p>
-            <a:pPr algn="ctr"/>
-            <a:endParaRPr lang="en-IN"/>
-          </a:p>
-        </p:txBody>
-      </p:sp>
-      <p:sp>
-        <p:nvSpPr>
-          <p:cNvPr id="7" name="Rectangle 6">
-            <a:extLst>
-              <a:ext uri="{FF2B5EF4-FFF2-40B4-BE49-F238E27FC236}">
-                <a16:creationId xmlns:a16="http://schemas.microsoft.com/office/drawing/2014/main" id="{7D0EF6BF-21AD-40EF-81FD-164653761CD4}"/>
-              </a:ext>
-            </a:extLst>
-          </p:cNvPr>
-          <p:cNvSpPr/>
-          <p:nvPr/>
-        </p:nvSpPr>
-        <p:spPr>
-          <a:xfrm>
-            <a:off x="1643269" y="2902226"/>
-            <a:ext cx="3286542" cy="290720"/>
+            <a:off x="1355034" y="769837"/>
+            <a:ext cx="5465970" cy="6088160"/>
+          </a:xfrm>
+          <a:prstGeom prst="rect">
+            <a:avLst/>
+          </a:prstGeom>
+        </p:spPr>
+        <p:style>
+          <a:lnRef idx="2">
+            <a:schemeClr val="accent1">
+              <a:shade val="50000"/>
+            </a:schemeClr>
+          </a:lnRef>
+          <a:fillRef idx="1">
+            <a:schemeClr val="accent1"/>
+          </a:fillRef>
+          <a:effectRef idx="0">
+            <a:schemeClr val="accent1"/>
+          </a:effectRef>
+          <a:fontRef idx="minor">
+            <a:schemeClr val="lt1"/>
+          </a:fontRef>
+        </p:style>
+        <p:txBody>
+          <a:bodyPr rtlCol="0" anchor="ctr"/>
+          <a:lstStyle/>
+          <a:p>
+            <a:pPr algn="ctr"/>
+            <a:endParaRPr lang="en-IN"/>
+          </a:p>
+        </p:txBody>
+      </p:sp>
+      <p:sp>
+        <p:nvSpPr>
+          <p:cNvPr id="13" name="Rectangle 12">
+            <a:extLst>
+              <a:ext uri="{FF2B5EF4-FFF2-40B4-BE49-F238E27FC236}">
+                <a16:creationId xmlns:a16="http://schemas.microsoft.com/office/drawing/2014/main" id="{2AEDA215-4652-418E-A08F-3162DDDC3919}"/>
+              </a:ext>
+            </a:extLst>
+          </p:cNvPr>
+          <p:cNvSpPr/>
+          <p:nvPr/>
+        </p:nvSpPr>
+        <p:spPr>
+          <a:xfrm>
+            <a:off x="1630657" y="778321"/>
+            <a:ext cx="4868979" cy="317712"/>
           </a:xfrm>
           <a:prstGeom prst="rect">
             <a:avLst/>
@@ -24294,20 +24294,20 @@
       </p:sp>
       <p:sp>
         <p:nvSpPr>
-          <p:cNvPr id="9" name="Rectangle 8">
-            <a:extLst>
-              <a:ext uri="{FF2B5EF4-FFF2-40B4-BE49-F238E27FC236}">
-                <a16:creationId xmlns:a16="http://schemas.microsoft.com/office/drawing/2014/main" id="{7A97B86A-4437-4C69-AB82-2DBA2CA9BCA6}"/>
-              </a:ext>
-            </a:extLst>
-          </p:cNvPr>
-          <p:cNvSpPr/>
-          <p:nvPr/>
-        </p:nvSpPr>
-        <p:spPr>
-          <a:xfrm>
-            <a:off x="1643269" y="5817835"/>
-            <a:ext cx="3286542" cy="290720"/>
+          <p:cNvPr id="14" name="Rectangle 13">
+            <a:extLst>
+              <a:ext uri="{FF2B5EF4-FFF2-40B4-BE49-F238E27FC236}">
+                <a16:creationId xmlns:a16="http://schemas.microsoft.com/office/drawing/2014/main" id="{684248AC-3F8F-471E-B92C-4AC29204529E}"/>
+              </a:ext>
+            </a:extLst>
+          </p:cNvPr>
+          <p:cNvSpPr/>
+          <p:nvPr/>
+        </p:nvSpPr>
+        <p:spPr>
+          <a:xfrm rot="5400000">
+            <a:off x="3618207" y="3655205"/>
+            <a:ext cx="6074286" cy="331307"/>
           </a:xfrm>
           <a:prstGeom prst="rect">
             <a:avLst/>
@@ -24345,20 +24345,20 @@
       </p:sp>
       <p:sp>
         <p:nvSpPr>
-          <p:cNvPr id="10" name="Rectangle 9">
-            <a:extLst>
-              <a:ext uri="{FF2B5EF4-FFF2-40B4-BE49-F238E27FC236}">
-                <a16:creationId xmlns:a16="http://schemas.microsoft.com/office/drawing/2014/main" id="{B2A162BC-61DD-44F5-8199-A61B02DF5B87}"/>
-              </a:ext>
-            </a:extLst>
-          </p:cNvPr>
-          <p:cNvSpPr/>
-          <p:nvPr/>
-        </p:nvSpPr>
-        <p:spPr>
-          <a:xfrm>
-            <a:off x="1643269" y="4704239"/>
-            <a:ext cx="3286542" cy="290720"/>
+          <p:cNvPr id="15" name="Rectangle 14">
+            <a:extLst>
+              <a:ext uri="{FF2B5EF4-FFF2-40B4-BE49-F238E27FC236}">
+                <a16:creationId xmlns:a16="http://schemas.microsoft.com/office/drawing/2014/main" id="{874F841A-0B49-46C3-B0F5-09521B77C620}"/>
+              </a:ext>
+            </a:extLst>
+          </p:cNvPr>
+          <p:cNvSpPr/>
+          <p:nvPr/>
+        </p:nvSpPr>
+        <p:spPr>
+          <a:xfrm rot="5400000">
+            <a:off x="-1542003" y="3648264"/>
+            <a:ext cx="6088160" cy="331307"/>
           </a:xfrm>
           <a:prstGeom prst="rect">
             <a:avLst/>
@@ -24396,20 +24396,20 @@
       </p:sp>
       <p:sp>
         <p:nvSpPr>
-          <p:cNvPr id="13" name="Rectangle 12">
-            <a:extLst>
-              <a:ext uri="{FF2B5EF4-FFF2-40B4-BE49-F238E27FC236}">
-                <a16:creationId xmlns:a16="http://schemas.microsoft.com/office/drawing/2014/main" id="{2AEDA215-4652-418E-A08F-3162DDDC3919}"/>
-              </a:ext>
-            </a:extLst>
-          </p:cNvPr>
-          <p:cNvSpPr/>
-          <p:nvPr/>
-        </p:nvSpPr>
-        <p:spPr>
-          <a:xfrm>
-            <a:off x="1643269" y="1877924"/>
-            <a:ext cx="3286542" cy="290720"/>
+          <p:cNvPr id="16" name="Rectangle 15">
+            <a:extLst>
+              <a:ext uri="{FF2B5EF4-FFF2-40B4-BE49-F238E27FC236}">
+                <a16:creationId xmlns:a16="http://schemas.microsoft.com/office/drawing/2014/main" id="{A06D9173-D4A1-4476-81FE-F0700C7894BA}"/>
+              </a:ext>
+            </a:extLst>
+          </p:cNvPr>
+          <p:cNvSpPr/>
+          <p:nvPr/>
+        </p:nvSpPr>
+        <p:spPr>
+          <a:xfrm>
+            <a:off x="2810004" y="2764391"/>
+            <a:ext cx="462527" cy="1853736"/>
           </a:xfrm>
           <a:prstGeom prst="rect">
             <a:avLst/>
@@ -24447,20 +24447,20 @@
       </p:sp>
       <p:sp>
         <p:nvSpPr>
-          <p:cNvPr id="14" name="Rectangle 13">
-            <a:extLst>
-              <a:ext uri="{FF2B5EF4-FFF2-40B4-BE49-F238E27FC236}">
-                <a16:creationId xmlns:a16="http://schemas.microsoft.com/office/drawing/2014/main" id="{684248AC-3F8F-471E-B92C-4AC29204529E}"/>
-              </a:ext>
-            </a:extLst>
-          </p:cNvPr>
-          <p:cNvSpPr/>
-          <p:nvPr/>
-        </p:nvSpPr>
-        <p:spPr>
-          <a:xfrm rot="5400000">
-            <a:off x="2452015" y="3655205"/>
-            <a:ext cx="6074286" cy="331307"/>
+          <p:cNvPr id="21" name="Rectangle 20">
+            <a:extLst>
+              <a:ext uri="{FF2B5EF4-FFF2-40B4-BE49-F238E27FC236}">
+                <a16:creationId xmlns:a16="http://schemas.microsoft.com/office/drawing/2014/main" id="{796A0DCF-F773-4D97-B918-31A41DDFE605}"/>
+              </a:ext>
+            </a:extLst>
+          </p:cNvPr>
+          <p:cNvSpPr/>
+          <p:nvPr/>
+        </p:nvSpPr>
+        <p:spPr>
+          <a:xfrm>
+            <a:off x="5933325" y="3346937"/>
+            <a:ext cx="438718" cy="545890"/>
           </a:xfrm>
           <a:prstGeom prst="rect">
             <a:avLst/>
@@ -24492,415 +24492,10 @@
           <a:lstStyle/>
           <a:p>
             <a:pPr algn="ctr"/>
-            <a:endParaRPr lang="en-IN"/>
-          </a:p>
-        </p:txBody>
-      </p:sp>
-      <p:sp>
-        <p:nvSpPr>
-          <p:cNvPr id="15" name="Rectangle 14">
-            <a:extLst>
-              <a:ext uri="{FF2B5EF4-FFF2-40B4-BE49-F238E27FC236}">
-                <a16:creationId xmlns:a16="http://schemas.microsoft.com/office/drawing/2014/main" id="{874F841A-0B49-46C3-B0F5-09521B77C620}"/>
-              </a:ext>
-            </a:extLst>
-          </p:cNvPr>
-          <p:cNvSpPr/>
-          <p:nvPr/>
-        </p:nvSpPr>
-        <p:spPr>
-          <a:xfrm rot="5400000">
-            <a:off x="-1648826" y="3662141"/>
-            <a:ext cx="6088160" cy="331307"/>
-          </a:xfrm>
-          <a:prstGeom prst="rect">
-            <a:avLst/>
-          </a:prstGeom>
-          <a:solidFill>
-            <a:schemeClr val="bg1">
-              <a:lumMod val="65000"/>
-            </a:schemeClr>
-          </a:solidFill>
-        </p:spPr>
-        <p:style>
-          <a:lnRef idx="2">
-            <a:schemeClr val="accent1">
-              <a:shade val="50000"/>
-            </a:schemeClr>
-          </a:lnRef>
-          <a:fillRef idx="1">
-            <a:schemeClr val="accent1"/>
-          </a:fillRef>
-          <a:effectRef idx="0">
-            <a:schemeClr val="accent1"/>
-          </a:effectRef>
-          <a:fontRef idx="minor">
-            <a:schemeClr val="lt1"/>
-          </a:fontRef>
-        </p:style>
-        <p:txBody>
-          <a:bodyPr rtlCol="0" anchor="ctr"/>
-          <a:lstStyle/>
-          <a:p>
-            <a:pPr algn="ctr"/>
-            <a:endParaRPr lang="en-IN"/>
-          </a:p>
-        </p:txBody>
-      </p:sp>
-      <p:sp>
-        <p:nvSpPr>
-          <p:cNvPr id="16" name="Rectangle 15">
-            <a:extLst>
-              <a:ext uri="{FF2B5EF4-FFF2-40B4-BE49-F238E27FC236}">
-                <a16:creationId xmlns:a16="http://schemas.microsoft.com/office/drawing/2014/main" id="{A06D9173-D4A1-4476-81FE-F0700C7894BA}"/>
-              </a:ext>
-            </a:extLst>
-          </p:cNvPr>
-          <p:cNvSpPr/>
-          <p:nvPr/>
-        </p:nvSpPr>
-        <p:spPr>
-          <a:xfrm>
-            <a:off x="2332927" y="3270319"/>
-            <a:ext cx="331308" cy="1347808"/>
-          </a:xfrm>
-          <a:prstGeom prst="rect">
-            <a:avLst/>
-          </a:prstGeom>
-          <a:solidFill>
-            <a:schemeClr val="bg1">
-              <a:lumMod val="65000"/>
-            </a:schemeClr>
-          </a:solidFill>
-        </p:spPr>
-        <p:style>
-          <a:lnRef idx="2">
-            <a:schemeClr val="accent1">
-              <a:shade val="50000"/>
-            </a:schemeClr>
-          </a:lnRef>
-          <a:fillRef idx="1">
-            <a:schemeClr val="accent1"/>
-          </a:fillRef>
-          <a:effectRef idx="0">
-            <a:schemeClr val="accent1"/>
-          </a:effectRef>
-          <a:fontRef idx="minor">
-            <a:schemeClr val="lt1"/>
-          </a:fontRef>
-        </p:style>
-        <p:txBody>
-          <a:bodyPr rtlCol="0" anchor="ctr"/>
-          <a:lstStyle/>
-          <a:p>
-            <a:pPr algn="ctr"/>
-            <a:endParaRPr lang="en-IN"/>
-          </a:p>
-        </p:txBody>
-      </p:sp>
-      <p:sp>
-        <p:nvSpPr>
-          <p:cNvPr id="17" name="Rectangle 16">
-            <a:extLst>
-              <a:ext uri="{FF2B5EF4-FFF2-40B4-BE49-F238E27FC236}">
-                <a16:creationId xmlns:a16="http://schemas.microsoft.com/office/drawing/2014/main" id="{0F891F5C-D294-4AE2-B14D-7BAA43F9C8B4}"/>
-              </a:ext>
-            </a:extLst>
-          </p:cNvPr>
-          <p:cNvSpPr/>
-          <p:nvPr/>
-        </p:nvSpPr>
-        <p:spPr>
-          <a:xfrm>
-            <a:off x="2988367" y="3868662"/>
-            <a:ext cx="212012" cy="320859"/>
-          </a:xfrm>
-          <a:prstGeom prst="rect">
-            <a:avLst/>
-          </a:prstGeom>
-          <a:solidFill>
-            <a:schemeClr val="bg1">
-              <a:lumMod val="65000"/>
-            </a:schemeClr>
-          </a:solidFill>
-        </p:spPr>
-        <p:style>
-          <a:lnRef idx="2">
-            <a:schemeClr val="accent1">
-              <a:shade val="50000"/>
-            </a:schemeClr>
-          </a:lnRef>
-          <a:fillRef idx="1">
-            <a:schemeClr val="accent1"/>
-          </a:fillRef>
-          <a:effectRef idx="0">
-            <a:schemeClr val="accent1"/>
-          </a:effectRef>
-          <a:fontRef idx="minor">
-            <a:schemeClr val="lt1"/>
-          </a:fontRef>
-        </p:style>
-        <p:txBody>
-          <a:bodyPr rtlCol="0" anchor="ctr"/>
-          <a:lstStyle/>
-          <a:p>
-            <a:pPr algn="ctr"/>
-            <a:endParaRPr lang="en-IN"/>
-          </a:p>
-        </p:txBody>
-      </p:sp>
-      <p:sp>
-        <p:nvSpPr>
-          <p:cNvPr id="18" name="Rectangle 17">
-            <a:extLst>
-              <a:ext uri="{FF2B5EF4-FFF2-40B4-BE49-F238E27FC236}">
-                <a16:creationId xmlns:a16="http://schemas.microsoft.com/office/drawing/2014/main" id="{9A6B98EE-D35F-4E7D-8106-86821446E6E4}"/>
-              </a:ext>
-            </a:extLst>
-          </p:cNvPr>
-          <p:cNvSpPr/>
-          <p:nvPr/>
-        </p:nvSpPr>
-        <p:spPr>
-          <a:xfrm>
-            <a:off x="3198379" y="3868662"/>
-            <a:ext cx="212012" cy="320860"/>
-          </a:xfrm>
-          <a:prstGeom prst="rect">
-            <a:avLst/>
-          </a:prstGeom>
-          <a:solidFill>
-            <a:schemeClr val="bg1">
-              <a:lumMod val="65000"/>
-            </a:schemeClr>
-          </a:solidFill>
-        </p:spPr>
-        <p:style>
-          <a:lnRef idx="2">
-            <a:schemeClr val="accent1">
-              <a:shade val="50000"/>
-            </a:schemeClr>
-          </a:lnRef>
-          <a:fillRef idx="1">
-            <a:schemeClr val="accent1"/>
-          </a:fillRef>
-          <a:effectRef idx="0">
-            <a:schemeClr val="accent1"/>
-          </a:effectRef>
-          <a:fontRef idx="minor">
-            <a:schemeClr val="lt1"/>
-          </a:fontRef>
-        </p:style>
-        <p:txBody>
-          <a:bodyPr rtlCol="0" anchor="ctr"/>
-          <a:lstStyle/>
-          <a:p>
-            <a:pPr algn="ctr"/>
-            <a:endParaRPr lang="en-IN"/>
-          </a:p>
-        </p:txBody>
-      </p:sp>
-      <p:sp>
-        <p:nvSpPr>
-          <p:cNvPr id="21" name="Rectangle 20">
-            <a:extLst>
-              <a:ext uri="{FF2B5EF4-FFF2-40B4-BE49-F238E27FC236}">
-                <a16:creationId xmlns:a16="http://schemas.microsoft.com/office/drawing/2014/main" id="{796A0DCF-F773-4D97-B918-31A41DDFE605}"/>
-              </a:ext>
-            </a:extLst>
-          </p:cNvPr>
-          <p:cNvSpPr/>
-          <p:nvPr/>
-        </p:nvSpPr>
-        <p:spPr>
-          <a:xfrm>
-            <a:off x="3478417" y="3871973"/>
-            <a:ext cx="212012" cy="320859"/>
-          </a:xfrm>
-          <a:prstGeom prst="rect">
-            <a:avLst/>
-          </a:prstGeom>
-          <a:solidFill>
-            <a:schemeClr val="bg1">
-              <a:lumMod val="65000"/>
-            </a:schemeClr>
-          </a:solidFill>
-        </p:spPr>
-        <p:style>
-          <a:lnRef idx="2">
-            <a:schemeClr val="accent1">
-              <a:shade val="50000"/>
-            </a:schemeClr>
-          </a:lnRef>
-          <a:fillRef idx="1">
-            <a:schemeClr val="accent1"/>
-          </a:fillRef>
-          <a:effectRef idx="0">
-            <a:schemeClr val="accent1"/>
-          </a:effectRef>
-          <a:fontRef idx="minor">
-            <a:schemeClr val="lt1"/>
-          </a:fontRef>
-        </p:style>
-        <p:txBody>
-          <a:bodyPr rtlCol="0" anchor="ctr"/>
-          <a:lstStyle/>
-          <a:p>
-            <a:pPr algn="ctr"/>
-            <a:endParaRPr lang="en-IN"/>
-          </a:p>
-        </p:txBody>
-      </p:sp>
-      <p:sp>
-        <p:nvSpPr>
-          <p:cNvPr id="22" name="Rectangle 21">
-            <a:extLst>
-              <a:ext uri="{FF2B5EF4-FFF2-40B4-BE49-F238E27FC236}">
-                <a16:creationId xmlns:a16="http://schemas.microsoft.com/office/drawing/2014/main" id="{238C1AFF-D776-4A8F-B87F-6C505D6A583E}"/>
-              </a:ext>
-            </a:extLst>
-          </p:cNvPr>
-          <p:cNvSpPr/>
-          <p:nvPr/>
-        </p:nvSpPr>
-        <p:spPr>
-          <a:xfrm>
-            <a:off x="3688429" y="3871973"/>
-            <a:ext cx="212012" cy="320860"/>
-          </a:xfrm>
-          <a:prstGeom prst="rect">
-            <a:avLst/>
-          </a:prstGeom>
-          <a:solidFill>
-            <a:schemeClr val="bg1">
-              <a:lumMod val="65000"/>
-            </a:schemeClr>
-          </a:solidFill>
-        </p:spPr>
-        <p:style>
-          <a:lnRef idx="2">
-            <a:schemeClr val="accent1">
-              <a:shade val="50000"/>
-            </a:schemeClr>
-          </a:lnRef>
-          <a:fillRef idx="1">
-            <a:schemeClr val="accent1"/>
-          </a:fillRef>
-          <a:effectRef idx="0">
-            <a:schemeClr val="accent1"/>
-          </a:effectRef>
-          <a:fontRef idx="minor">
-            <a:schemeClr val="lt1"/>
-          </a:fontRef>
-        </p:style>
-        <p:txBody>
-          <a:bodyPr rtlCol="0" anchor="ctr"/>
-          <a:lstStyle/>
-          <a:p>
-            <a:pPr algn="ctr"/>
-            <a:endParaRPr lang="en-IN"/>
-          </a:p>
-        </p:txBody>
-      </p:sp>
-      <p:sp>
-        <p:nvSpPr>
-          <p:cNvPr id="23" name="Rectangle 22">
-            <a:extLst>
-              <a:ext uri="{FF2B5EF4-FFF2-40B4-BE49-F238E27FC236}">
-                <a16:creationId xmlns:a16="http://schemas.microsoft.com/office/drawing/2014/main" id="{1EF6F2F9-C8CB-4159-8771-B55B35FAF349}"/>
-              </a:ext>
-            </a:extLst>
-          </p:cNvPr>
-          <p:cNvSpPr/>
-          <p:nvPr/>
-        </p:nvSpPr>
-        <p:spPr>
-          <a:xfrm>
-            <a:off x="3898441" y="3873741"/>
-            <a:ext cx="212012" cy="320859"/>
-          </a:xfrm>
-          <a:prstGeom prst="rect">
-            <a:avLst/>
-          </a:prstGeom>
-          <a:solidFill>
-            <a:schemeClr val="bg1">
-              <a:lumMod val="65000"/>
-            </a:schemeClr>
-          </a:solidFill>
-        </p:spPr>
-        <p:style>
-          <a:lnRef idx="2">
-            <a:schemeClr val="accent1">
-              <a:shade val="50000"/>
-            </a:schemeClr>
-          </a:lnRef>
-          <a:fillRef idx="1">
-            <a:schemeClr val="accent1"/>
-          </a:fillRef>
-          <a:effectRef idx="0">
-            <a:schemeClr val="accent1"/>
-          </a:effectRef>
-          <a:fontRef idx="minor">
-            <a:schemeClr val="lt1"/>
-          </a:fontRef>
-        </p:style>
-        <p:txBody>
-          <a:bodyPr rtlCol="0" anchor="ctr"/>
-          <a:lstStyle/>
-          <a:p>
-            <a:pPr algn="ctr"/>
-            <a:endParaRPr lang="en-IN"/>
-          </a:p>
-        </p:txBody>
-      </p:sp>
-      <p:sp>
-        <p:nvSpPr>
-          <p:cNvPr id="24" name="Rectangle 23">
-            <a:extLst>
-              <a:ext uri="{FF2B5EF4-FFF2-40B4-BE49-F238E27FC236}">
-                <a16:creationId xmlns:a16="http://schemas.microsoft.com/office/drawing/2014/main" id="{3344B645-AE96-4C05-A0D5-FAB443549913}"/>
-              </a:ext>
-            </a:extLst>
-          </p:cNvPr>
-          <p:cNvSpPr/>
-          <p:nvPr/>
-        </p:nvSpPr>
-        <p:spPr>
-          <a:xfrm>
-            <a:off x="4108453" y="3873741"/>
-            <a:ext cx="212012" cy="320860"/>
-          </a:xfrm>
-          <a:prstGeom prst="rect">
-            <a:avLst/>
-          </a:prstGeom>
-          <a:solidFill>
-            <a:schemeClr val="bg1">
-              <a:lumMod val="65000"/>
-            </a:schemeClr>
-          </a:solidFill>
-        </p:spPr>
-        <p:style>
-          <a:lnRef idx="2">
-            <a:schemeClr val="accent1">
-              <a:shade val="50000"/>
-            </a:schemeClr>
-          </a:lnRef>
-          <a:fillRef idx="1">
-            <a:schemeClr val="accent1"/>
-          </a:fillRef>
-          <a:effectRef idx="0">
-            <a:schemeClr val="accent1"/>
-          </a:effectRef>
-          <a:fontRef idx="minor">
-            <a:schemeClr val="lt1"/>
-          </a:fontRef>
-        </p:style>
-        <p:txBody>
-          <a:bodyPr rtlCol="0" anchor="ctr"/>
-          <a:lstStyle/>
-          <a:p>
-            <a:pPr algn="ctr"/>
-            <a:endParaRPr lang="en-IN"/>
+            <a:r>
+              <a:rPr lang="en-IN" dirty="0"/>
+              <a:t>4</a:t>
+            </a:r>
           </a:p>
         </p:txBody>
       </p:sp>
@@ -24918,7 +24513,7 @@
         </p:nvSpPr>
         <p:spPr>
           <a:xfrm>
-            <a:off x="3737121" y="2257679"/>
+            <a:off x="5337155" y="1496134"/>
             <a:ext cx="161320" cy="320859"/>
           </a:xfrm>
           <a:prstGeom prst="rect">
@@ -24972,7 +24567,7 @@
         </p:nvSpPr>
         <p:spPr>
           <a:xfrm>
-            <a:off x="3949507" y="2263736"/>
+            <a:off x="5564147" y="1496134"/>
             <a:ext cx="158946" cy="320859"/>
           </a:xfrm>
           <a:prstGeom prst="rect">
@@ -25067,13 +24662,12 @@
           </p:cNvPr>
           <p:cNvCxnSpPr>
             <a:cxnSpLocks/>
-            <a:endCxn id="25" idx="3"/>
           </p:cNvCxnSpPr>
           <p:nvPr/>
         </p:nvCxnSpPr>
         <p:spPr>
           <a:xfrm flipH="1">
-            <a:off x="3898441" y="1790080"/>
+            <a:off x="8640698" y="2956304"/>
             <a:ext cx="1056858" cy="628029"/>
           </a:xfrm>
           <a:prstGeom prst="straightConnector1">
@@ -25101,260 +24695,6 @@
           </a:fontRef>
         </p:style>
       </p:cxnSp>
-      <p:cxnSp>
-        <p:nvCxnSpPr>
-          <p:cNvPr id="32" name="Straight Connector 31">
-            <a:extLst>
-              <a:ext uri="{FF2B5EF4-FFF2-40B4-BE49-F238E27FC236}">
-                <a16:creationId xmlns:a16="http://schemas.microsoft.com/office/drawing/2014/main" id="{1429AE19-BA41-463B-84C6-DA1280E4D76B}"/>
-              </a:ext>
-            </a:extLst>
-          </p:cNvPr>
-          <p:cNvCxnSpPr/>
-          <p:nvPr/>
-        </p:nvCxnSpPr>
-        <p:spPr>
-          <a:xfrm flipV="1">
-            <a:off x="3836992" y="3047586"/>
-            <a:ext cx="0" cy="821076"/>
-          </a:xfrm>
-          <a:prstGeom prst="line">
-            <a:avLst/>
-          </a:prstGeom>
-          <a:ln>
-            <a:solidFill>
-              <a:srgbClr val="FF0000"/>
-            </a:solidFill>
-          </a:ln>
-        </p:spPr>
-        <p:style>
-          <a:lnRef idx="1">
-            <a:schemeClr val="accent1"/>
-          </a:lnRef>
-          <a:fillRef idx="0">
-            <a:schemeClr val="accent1"/>
-          </a:fillRef>
-          <a:effectRef idx="0">
-            <a:schemeClr val="accent1"/>
-          </a:effectRef>
-          <a:fontRef idx="minor">
-            <a:schemeClr val="tx1"/>
-          </a:fontRef>
-        </p:style>
-      </p:cxnSp>
-      <p:cxnSp>
-        <p:nvCxnSpPr>
-          <p:cNvPr id="33" name="Straight Connector 32">
-            <a:extLst>
-              <a:ext uri="{FF2B5EF4-FFF2-40B4-BE49-F238E27FC236}">
-                <a16:creationId xmlns:a16="http://schemas.microsoft.com/office/drawing/2014/main" id="{8DE711A9-10AB-4700-9CC7-F7AD591987B1}"/>
-              </a:ext>
-            </a:extLst>
-          </p:cNvPr>
-          <p:cNvCxnSpPr>
-            <a:cxnSpLocks/>
-          </p:cNvCxnSpPr>
-          <p:nvPr/>
-        </p:nvCxnSpPr>
-        <p:spPr>
-          <a:xfrm flipH="1">
-            <a:off x="3061964" y="3047586"/>
-            <a:ext cx="832178" cy="0"/>
-          </a:xfrm>
-          <a:prstGeom prst="line">
-            <a:avLst/>
-          </a:prstGeom>
-          <a:ln>
-            <a:solidFill>
-              <a:srgbClr val="FF0000"/>
-            </a:solidFill>
-          </a:ln>
-        </p:spPr>
-        <p:style>
-          <a:lnRef idx="1">
-            <a:schemeClr val="accent1"/>
-          </a:lnRef>
-          <a:fillRef idx="0">
-            <a:schemeClr val="accent1"/>
-          </a:fillRef>
-          <a:effectRef idx="0">
-            <a:schemeClr val="accent1"/>
-          </a:effectRef>
-          <a:fontRef idx="minor">
-            <a:schemeClr val="tx1"/>
-          </a:fontRef>
-        </p:style>
-      </p:cxnSp>
-      <p:cxnSp>
-        <p:nvCxnSpPr>
-          <p:cNvPr id="37" name="Straight Connector 36">
-            <a:extLst>
-              <a:ext uri="{FF2B5EF4-FFF2-40B4-BE49-F238E27FC236}">
-                <a16:creationId xmlns:a16="http://schemas.microsoft.com/office/drawing/2014/main" id="{930F396B-3365-4D6E-8B99-4A760944D450}"/>
-              </a:ext>
-            </a:extLst>
-          </p:cNvPr>
-          <p:cNvCxnSpPr/>
-          <p:nvPr/>
-        </p:nvCxnSpPr>
-        <p:spPr>
-          <a:xfrm flipV="1">
-            <a:off x="3053068" y="3047586"/>
-            <a:ext cx="0" cy="821076"/>
-          </a:xfrm>
-          <a:prstGeom prst="line">
-            <a:avLst/>
-          </a:prstGeom>
-          <a:ln>
-            <a:solidFill>
-              <a:srgbClr val="FF0000"/>
-            </a:solidFill>
-          </a:ln>
-        </p:spPr>
-        <p:style>
-          <a:lnRef idx="1">
-            <a:schemeClr val="accent1"/>
-          </a:lnRef>
-          <a:fillRef idx="0">
-            <a:schemeClr val="accent1"/>
-          </a:fillRef>
-          <a:effectRef idx="0">
-            <a:schemeClr val="accent1"/>
-          </a:effectRef>
-          <a:fontRef idx="minor">
-            <a:schemeClr val="tx1"/>
-          </a:fontRef>
-        </p:style>
-      </p:cxnSp>
-      <p:cxnSp>
-        <p:nvCxnSpPr>
-          <p:cNvPr id="38" name="Straight Connector 37">
-            <a:extLst>
-              <a:ext uri="{FF2B5EF4-FFF2-40B4-BE49-F238E27FC236}">
-                <a16:creationId xmlns:a16="http://schemas.microsoft.com/office/drawing/2014/main" id="{D8F4BF7C-E227-4246-95DE-74069356B08B}"/>
-              </a:ext>
-            </a:extLst>
-          </p:cNvPr>
-          <p:cNvCxnSpPr>
-            <a:cxnSpLocks/>
-          </p:cNvCxnSpPr>
-          <p:nvPr/>
-        </p:nvCxnSpPr>
-        <p:spPr>
-          <a:xfrm flipH="1" flipV="1">
-            <a:off x="3794435" y="3124200"/>
-            <a:ext cx="2299" cy="744462"/>
-          </a:xfrm>
-          <a:prstGeom prst="line">
-            <a:avLst/>
-          </a:prstGeom>
-          <a:ln>
-            <a:solidFill>
-              <a:srgbClr val="006780"/>
-            </a:solidFill>
-          </a:ln>
-        </p:spPr>
-        <p:style>
-          <a:lnRef idx="1">
-            <a:schemeClr val="accent1"/>
-          </a:lnRef>
-          <a:fillRef idx="0">
-            <a:schemeClr val="accent1"/>
-          </a:fillRef>
-          <a:effectRef idx="0">
-            <a:schemeClr val="accent1"/>
-          </a:effectRef>
-          <a:fontRef idx="minor">
-            <a:schemeClr val="tx1"/>
-          </a:fontRef>
-        </p:style>
-      </p:cxnSp>
-      <p:cxnSp>
-        <p:nvCxnSpPr>
-          <p:cNvPr id="41" name="Straight Connector 40">
-            <a:extLst>
-              <a:ext uri="{FF2B5EF4-FFF2-40B4-BE49-F238E27FC236}">
-                <a16:creationId xmlns:a16="http://schemas.microsoft.com/office/drawing/2014/main" id="{EE29DF7D-2BE2-4671-A418-04B39D1F1B97}"/>
-              </a:ext>
-            </a:extLst>
-          </p:cNvPr>
-          <p:cNvCxnSpPr>
-            <a:cxnSpLocks/>
-          </p:cNvCxnSpPr>
-          <p:nvPr/>
-        </p:nvCxnSpPr>
-        <p:spPr>
-          <a:xfrm flipH="1" flipV="1">
-            <a:off x="3124574" y="3133699"/>
-            <a:ext cx="2299" cy="744462"/>
-          </a:xfrm>
-          <a:prstGeom prst="line">
-            <a:avLst/>
-          </a:prstGeom>
-          <a:ln>
-            <a:solidFill>
-              <a:srgbClr val="006780"/>
-            </a:solidFill>
-          </a:ln>
-        </p:spPr>
-        <p:style>
-          <a:lnRef idx="1">
-            <a:schemeClr val="accent1"/>
-          </a:lnRef>
-          <a:fillRef idx="0">
-            <a:schemeClr val="accent1"/>
-          </a:fillRef>
-          <a:effectRef idx="0">
-            <a:schemeClr val="accent1"/>
-          </a:effectRef>
-          <a:fontRef idx="minor">
-            <a:schemeClr val="tx1"/>
-          </a:fontRef>
-        </p:style>
-      </p:cxnSp>
-      <p:cxnSp>
-        <p:nvCxnSpPr>
-          <p:cNvPr id="42" name="Straight Connector 41">
-            <a:extLst>
-              <a:ext uri="{FF2B5EF4-FFF2-40B4-BE49-F238E27FC236}">
-                <a16:creationId xmlns:a16="http://schemas.microsoft.com/office/drawing/2014/main" id="{D34D9FA9-1EDC-4B60-95AB-205F00D71137}"/>
-              </a:ext>
-            </a:extLst>
-          </p:cNvPr>
-          <p:cNvCxnSpPr>
-            <a:cxnSpLocks/>
-          </p:cNvCxnSpPr>
-          <p:nvPr/>
-        </p:nvCxnSpPr>
-        <p:spPr>
-          <a:xfrm>
-            <a:off x="3124574" y="3124190"/>
-            <a:ext cx="669861" cy="0"/>
-          </a:xfrm>
-          <a:prstGeom prst="line">
-            <a:avLst/>
-          </a:prstGeom>
-          <a:ln>
-            <a:solidFill>
-              <a:srgbClr val="006780"/>
-            </a:solidFill>
-          </a:ln>
-        </p:spPr>
-        <p:style>
-          <a:lnRef idx="1">
-            <a:schemeClr val="accent1"/>
-          </a:lnRef>
-          <a:fillRef idx="0">
-            <a:schemeClr val="accent1"/>
-          </a:fillRef>
-          <a:effectRef idx="0">
-            <a:schemeClr val="accent1"/>
-          </a:effectRef>
-          <a:fontRef idx="minor">
-            <a:schemeClr val="tx1"/>
-          </a:fontRef>
-        </p:style>
-      </p:cxnSp>
       <p:sp>
         <p:nvSpPr>
           <p:cNvPr id="46" name="Rectangle 45">
@@ -25369,8 +24709,8 @@
         </p:nvSpPr>
         <p:spPr>
           <a:xfrm>
-            <a:off x="2088184" y="3868772"/>
-            <a:ext cx="80858" cy="320859"/>
+            <a:off x="2326157" y="3363347"/>
+            <a:ext cx="86753" cy="545020"/>
           </a:xfrm>
           <a:prstGeom prst="rect">
             <a:avLst/>
@@ -25423,8 +24763,8 @@
         </p:nvSpPr>
         <p:spPr>
           <a:xfrm flipH="1">
-            <a:off x="2175666" y="3868479"/>
-            <a:ext cx="124904" cy="320859"/>
+            <a:off x="2413640" y="3363054"/>
+            <a:ext cx="100977" cy="545020"/>
           </a:xfrm>
           <a:prstGeom prst="rect">
             <a:avLst/>
@@ -25472,7 +24812,7 @@
         </p:nvSpPr>
         <p:spPr>
           <a:xfrm>
-            <a:off x="2997892" y="5177729"/>
+            <a:off x="3846031" y="5972861"/>
             <a:ext cx="45719" cy="457336"/>
           </a:xfrm>
           <a:prstGeom prst="rect">
@@ -25521,7 +24861,7 @@
         </p:nvSpPr>
         <p:spPr>
           <a:xfrm>
-            <a:off x="3067568" y="5177729"/>
+            <a:off x="3915707" y="5972861"/>
             <a:ext cx="45719" cy="457336"/>
           </a:xfrm>
           <a:prstGeom prst="rect">
@@ -25570,7 +24910,7 @@
         </p:nvSpPr>
         <p:spPr>
           <a:xfrm>
-            <a:off x="3150658" y="5177729"/>
+            <a:off x="3998797" y="5972861"/>
             <a:ext cx="45719" cy="457336"/>
           </a:xfrm>
           <a:prstGeom prst="rect">
@@ -25619,7 +24959,7 @@
         </p:nvSpPr>
         <p:spPr>
           <a:xfrm>
-            <a:off x="3226139" y="5177729"/>
+            <a:off x="4074278" y="5972861"/>
             <a:ext cx="45719" cy="457336"/>
           </a:xfrm>
           <a:prstGeom prst="rect">
@@ -25668,7 +25008,7 @@
         </p:nvSpPr>
         <p:spPr>
           <a:xfrm>
-            <a:off x="3295815" y="5177729"/>
+            <a:off x="4143954" y="5972861"/>
             <a:ext cx="45719" cy="457336"/>
           </a:xfrm>
           <a:prstGeom prst="rect">
@@ -25717,7 +25057,7 @@
         </p:nvSpPr>
         <p:spPr>
           <a:xfrm>
-            <a:off x="3378905" y="5177729"/>
+            <a:off x="4227044" y="5972861"/>
             <a:ext cx="45719" cy="457336"/>
           </a:xfrm>
           <a:prstGeom prst="rect">
@@ -25766,7 +25106,7 @@
         </p:nvSpPr>
         <p:spPr>
           <a:xfrm>
-            <a:off x="3438569" y="5177729"/>
+            <a:off x="4286708" y="5972861"/>
             <a:ext cx="45719" cy="457336"/>
           </a:xfrm>
           <a:prstGeom prst="rect">
@@ -25815,7 +25155,7 @@
         </p:nvSpPr>
         <p:spPr>
           <a:xfrm>
-            <a:off x="3513008" y="5177729"/>
+            <a:off x="4361147" y="5972861"/>
             <a:ext cx="45719" cy="457336"/>
           </a:xfrm>
           <a:prstGeom prst="rect">
@@ -25864,7 +25204,7 @@
         </p:nvSpPr>
         <p:spPr>
           <a:xfrm>
-            <a:off x="3591335" y="5177729"/>
+            <a:off x="4439474" y="5972861"/>
             <a:ext cx="45719" cy="457336"/>
           </a:xfrm>
           <a:prstGeom prst="rect">
@@ -25913,7 +25253,7 @@
         </p:nvSpPr>
         <p:spPr>
           <a:xfrm>
-            <a:off x="3666816" y="5177729"/>
+            <a:off x="4514955" y="5972861"/>
             <a:ext cx="45719" cy="457336"/>
           </a:xfrm>
           <a:prstGeom prst="rect">
@@ -25962,7 +25302,7 @@
         </p:nvSpPr>
         <p:spPr>
           <a:xfrm>
-            <a:off x="3736492" y="5177729"/>
+            <a:off x="4584631" y="5972861"/>
             <a:ext cx="45719" cy="457336"/>
           </a:xfrm>
           <a:prstGeom prst="rect">
@@ -26011,7 +25351,7 @@
         </p:nvSpPr>
         <p:spPr>
           <a:xfrm>
-            <a:off x="3819582" y="5177729"/>
+            <a:off x="4667721" y="5972861"/>
             <a:ext cx="45719" cy="457336"/>
           </a:xfrm>
           <a:prstGeom prst="rect">
@@ -26046,6 +25386,989 @@
           </a:p>
         </p:txBody>
       </p:sp>
+      <p:sp>
+        <p:nvSpPr>
+          <p:cNvPr id="43" name="Rectangle 42">
+            <a:extLst>
+              <a:ext uri="{FF2B5EF4-FFF2-40B4-BE49-F238E27FC236}">
+                <a16:creationId xmlns:a16="http://schemas.microsoft.com/office/drawing/2014/main" id="{98DB896C-935A-4AFE-83B2-F5169D8D4F89}"/>
+              </a:ext>
+            </a:extLst>
+          </p:cNvPr>
+          <p:cNvSpPr/>
+          <p:nvPr/>
+        </p:nvSpPr>
+        <p:spPr>
+          <a:xfrm>
+            <a:off x="1641071" y="2131836"/>
+            <a:ext cx="4868979" cy="317712"/>
+          </a:xfrm>
+          <a:prstGeom prst="rect">
+            <a:avLst/>
+          </a:prstGeom>
+          <a:solidFill>
+            <a:schemeClr val="bg1">
+              <a:lumMod val="65000"/>
+            </a:schemeClr>
+          </a:solidFill>
+        </p:spPr>
+        <p:style>
+          <a:lnRef idx="2">
+            <a:schemeClr val="accent1">
+              <a:shade val="50000"/>
+            </a:schemeClr>
+          </a:lnRef>
+          <a:fillRef idx="1">
+            <a:schemeClr val="accent1"/>
+          </a:fillRef>
+          <a:effectRef idx="0">
+            <a:schemeClr val="accent1"/>
+          </a:effectRef>
+          <a:fontRef idx="minor">
+            <a:schemeClr val="lt1"/>
+          </a:fontRef>
+        </p:style>
+        <p:txBody>
+          <a:bodyPr rtlCol="0" anchor="ctr"/>
+          <a:lstStyle/>
+          <a:p>
+            <a:pPr algn="ctr"/>
+            <a:endParaRPr lang="en-IN"/>
+          </a:p>
+        </p:txBody>
+      </p:sp>
+      <p:sp>
+        <p:nvSpPr>
+          <p:cNvPr id="44" name="Rectangle 43">
+            <a:extLst>
+              <a:ext uri="{FF2B5EF4-FFF2-40B4-BE49-F238E27FC236}">
+                <a16:creationId xmlns:a16="http://schemas.microsoft.com/office/drawing/2014/main" id="{F1FB8620-62AC-422D-9D6D-A90F82F24CE9}"/>
+              </a:ext>
+            </a:extLst>
+          </p:cNvPr>
+          <p:cNvSpPr/>
+          <p:nvPr/>
+        </p:nvSpPr>
+        <p:spPr>
+          <a:xfrm>
+            <a:off x="1648194" y="4781758"/>
+            <a:ext cx="4868979" cy="317712"/>
+          </a:xfrm>
+          <a:prstGeom prst="rect">
+            <a:avLst/>
+          </a:prstGeom>
+          <a:solidFill>
+            <a:schemeClr val="bg1">
+              <a:lumMod val="65000"/>
+            </a:schemeClr>
+          </a:solidFill>
+        </p:spPr>
+        <p:style>
+          <a:lnRef idx="2">
+            <a:schemeClr val="accent1">
+              <a:shade val="50000"/>
+            </a:schemeClr>
+          </a:lnRef>
+          <a:fillRef idx="1">
+            <a:schemeClr val="accent1"/>
+          </a:fillRef>
+          <a:effectRef idx="0">
+            <a:schemeClr val="accent1"/>
+          </a:effectRef>
+          <a:fontRef idx="minor">
+            <a:schemeClr val="lt1"/>
+          </a:fontRef>
+        </p:style>
+        <p:txBody>
+          <a:bodyPr rtlCol="0" anchor="ctr"/>
+          <a:lstStyle/>
+          <a:p>
+            <a:pPr algn="ctr"/>
+            <a:endParaRPr lang="en-IN"/>
+          </a:p>
+        </p:txBody>
+      </p:sp>
+      <p:sp>
+        <p:nvSpPr>
+          <p:cNvPr id="3" name="Rectangle 2">
+            <a:extLst>
+              <a:ext uri="{FF2B5EF4-FFF2-40B4-BE49-F238E27FC236}">
+                <a16:creationId xmlns:a16="http://schemas.microsoft.com/office/drawing/2014/main" id="{5FB74EB0-8041-4825-82CE-1DB0D2F659F0}"/>
+              </a:ext>
+            </a:extLst>
+          </p:cNvPr>
+          <p:cNvSpPr/>
+          <p:nvPr/>
+        </p:nvSpPr>
+        <p:spPr>
+          <a:xfrm>
+            <a:off x="438892" y="3047586"/>
+            <a:ext cx="511453" cy="1232176"/>
+          </a:xfrm>
+          <a:prstGeom prst="rect">
+            <a:avLst/>
+          </a:prstGeom>
+          <a:solidFill>
+            <a:srgbClr val="13351F"/>
+          </a:solidFill>
+        </p:spPr>
+        <p:style>
+          <a:lnRef idx="2">
+            <a:schemeClr val="accent1">
+              <a:shade val="50000"/>
+            </a:schemeClr>
+          </a:lnRef>
+          <a:fillRef idx="1">
+            <a:schemeClr val="accent1"/>
+          </a:fillRef>
+          <a:effectRef idx="0">
+            <a:schemeClr val="accent1"/>
+          </a:effectRef>
+          <a:fontRef idx="minor">
+            <a:schemeClr val="lt1"/>
+          </a:fontRef>
+        </p:style>
+        <p:txBody>
+          <a:bodyPr rtlCol="0" anchor="ctr"/>
+          <a:lstStyle/>
+          <a:p>
+            <a:pPr algn="ctr"/>
+            <a:endParaRPr lang="en-IN"/>
+          </a:p>
+        </p:txBody>
+      </p:sp>
+      <p:cxnSp>
+        <p:nvCxnSpPr>
+          <p:cNvPr id="11" name="Straight Connector 10">
+            <a:extLst>
+              <a:ext uri="{FF2B5EF4-FFF2-40B4-BE49-F238E27FC236}">
+                <a16:creationId xmlns:a16="http://schemas.microsoft.com/office/drawing/2014/main" id="{1BEC177A-D44E-495D-90BE-C1F917975B11}"/>
+              </a:ext>
+            </a:extLst>
+          </p:cNvPr>
+          <p:cNvCxnSpPr>
+            <a:cxnSpLocks/>
+          </p:cNvCxnSpPr>
+          <p:nvPr/>
+        </p:nvCxnSpPr>
+        <p:spPr>
+          <a:xfrm>
+            <a:off x="520476" y="4279762"/>
+            <a:ext cx="0" cy="172968"/>
+          </a:xfrm>
+          <a:prstGeom prst="line">
+            <a:avLst/>
+          </a:prstGeom>
+          <a:ln w="28575">
+            <a:solidFill>
+              <a:srgbClr val="FF0000"/>
+            </a:solidFill>
+          </a:ln>
+        </p:spPr>
+        <p:style>
+          <a:lnRef idx="1">
+            <a:schemeClr val="accent1"/>
+          </a:lnRef>
+          <a:fillRef idx="0">
+            <a:schemeClr val="accent1"/>
+          </a:fillRef>
+          <a:effectRef idx="0">
+            <a:schemeClr val="accent1"/>
+          </a:effectRef>
+          <a:fontRef idx="minor">
+            <a:schemeClr val="tx1"/>
+          </a:fontRef>
+        </p:style>
+      </p:cxnSp>
+      <p:cxnSp>
+        <p:nvCxnSpPr>
+          <p:cNvPr id="51" name="Straight Connector 50">
+            <a:extLst>
+              <a:ext uri="{FF2B5EF4-FFF2-40B4-BE49-F238E27FC236}">
+                <a16:creationId xmlns:a16="http://schemas.microsoft.com/office/drawing/2014/main" id="{2A7A9D6A-6C40-48A1-A35D-5455F9654F11}"/>
+              </a:ext>
+            </a:extLst>
+          </p:cNvPr>
+          <p:cNvCxnSpPr>
+            <a:cxnSpLocks/>
+          </p:cNvCxnSpPr>
+          <p:nvPr/>
+        </p:nvCxnSpPr>
+        <p:spPr>
+          <a:xfrm>
+            <a:off x="590673" y="4279762"/>
+            <a:ext cx="0" cy="172968"/>
+          </a:xfrm>
+          <a:prstGeom prst="line">
+            <a:avLst/>
+          </a:prstGeom>
+          <a:ln w="28575">
+            <a:solidFill>
+              <a:srgbClr val="13351F"/>
+            </a:solidFill>
+          </a:ln>
+        </p:spPr>
+        <p:style>
+          <a:lnRef idx="1">
+            <a:schemeClr val="accent1"/>
+          </a:lnRef>
+          <a:fillRef idx="0">
+            <a:schemeClr val="accent1"/>
+          </a:fillRef>
+          <a:effectRef idx="0">
+            <a:schemeClr val="accent1"/>
+          </a:effectRef>
+          <a:fontRef idx="minor">
+            <a:schemeClr val="tx1"/>
+          </a:fontRef>
+        </p:style>
+      </p:cxnSp>
+      <p:cxnSp>
+        <p:nvCxnSpPr>
+          <p:cNvPr id="55" name="Straight Connector 54">
+            <a:extLst>
+              <a:ext uri="{FF2B5EF4-FFF2-40B4-BE49-F238E27FC236}">
+                <a16:creationId xmlns:a16="http://schemas.microsoft.com/office/drawing/2014/main" id="{71E5FCF7-A2D8-4F2B-9B8F-B5CF15095CB1}"/>
+              </a:ext>
+            </a:extLst>
+          </p:cNvPr>
+          <p:cNvCxnSpPr>
+            <a:cxnSpLocks/>
+          </p:cNvCxnSpPr>
+          <p:nvPr/>
+        </p:nvCxnSpPr>
+        <p:spPr>
+          <a:xfrm>
+            <a:off x="691219" y="4279762"/>
+            <a:ext cx="0" cy="172968"/>
+          </a:xfrm>
+          <a:prstGeom prst="line">
+            <a:avLst/>
+          </a:prstGeom>
+          <a:ln w="28575">
+            <a:solidFill>
+              <a:srgbClr val="FF0000"/>
+            </a:solidFill>
+          </a:ln>
+        </p:spPr>
+        <p:style>
+          <a:lnRef idx="1">
+            <a:schemeClr val="accent1"/>
+          </a:lnRef>
+          <a:fillRef idx="0">
+            <a:schemeClr val="accent1"/>
+          </a:fillRef>
+          <a:effectRef idx="0">
+            <a:schemeClr val="accent1"/>
+          </a:effectRef>
+          <a:fontRef idx="minor">
+            <a:schemeClr val="tx1"/>
+          </a:fontRef>
+        </p:style>
+      </p:cxnSp>
+      <p:cxnSp>
+        <p:nvCxnSpPr>
+          <p:cNvPr id="65" name="Straight Connector 64">
+            <a:extLst>
+              <a:ext uri="{FF2B5EF4-FFF2-40B4-BE49-F238E27FC236}">
+                <a16:creationId xmlns:a16="http://schemas.microsoft.com/office/drawing/2014/main" id="{1D095C44-B5DF-4BA2-BC36-A2D8A951A085}"/>
+              </a:ext>
+            </a:extLst>
+          </p:cNvPr>
+          <p:cNvCxnSpPr>
+            <a:cxnSpLocks/>
+          </p:cNvCxnSpPr>
+          <p:nvPr/>
+        </p:nvCxnSpPr>
+        <p:spPr>
+          <a:xfrm>
+            <a:off x="761416" y="4279762"/>
+            <a:ext cx="0" cy="172968"/>
+          </a:xfrm>
+          <a:prstGeom prst="line">
+            <a:avLst/>
+          </a:prstGeom>
+          <a:ln w="28575">
+            <a:solidFill>
+              <a:srgbClr val="13351F"/>
+            </a:solidFill>
+          </a:ln>
+        </p:spPr>
+        <p:style>
+          <a:lnRef idx="1">
+            <a:schemeClr val="accent1"/>
+          </a:lnRef>
+          <a:fillRef idx="0">
+            <a:schemeClr val="accent1"/>
+          </a:fillRef>
+          <a:effectRef idx="0">
+            <a:schemeClr val="accent1"/>
+          </a:effectRef>
+          <a:fontRef idx="minor">
+            <a:schemeClr val="tx1"/>
+          </a:fontRef>
+        </p:style>
+      </p:cxnSp>
+      <p:cxnSp>
+        <p:nvCxnSpPr>
+          <p:cNvPr id="66" name="Straight Connector 65">
+            <a:extLst>
+              <a:ext uri="{FF2B5EF4-FFF2-40B4-BE49-F238E27FC236}">
+                <a16:creationId xmlns:a16="http://schemas.microsoft.com/office/drawing/2014/main" id="{D3BF0108-6A46-43C9-B231-746B75C7AE7E}"/>
+              </a:ext>
+            </a:extLst>
+          </p:cNvPr>
+          <p:cNvCxnSpPr>
+            <a:cxnSpLocks/>
+          </p:cNvCxnSpPr>
+          <p:nvPr/>
+        </p:nvCxnSpPr>
+        <p:spPr>
+          <a:xfrm>
+            <a:off x="866190" y="4279762"/>
+            <a:ext cx="0" cy="172968"/>
+          </a:xfrm>
+          <a:prstGeom prst="line">
+            <a:avLst/>
+          </a:prstGeom>
+          <a:ln w="28575">
+            <a:solidFill>
+              <a:srgbClr val="0070C0"/>
+            </a:solidFill>
+          </a:ln>
+        </p:spPr>
+        <p:style>
+          <a:lnRef idx="1">
+            <a:schemeClr val="accent1"/>
+          </a:lnRef>
+          <a:fillRef idx="0">
+            <a:schemeClr val="accent1"/>
+          </a:fillRef>
+          <a:effectRef idx="0">
+            <a:schemeClr val="accent1"/>
+          </a:effectRef>
+          <a:fontRef idx="minor">
+            <a:schemeClr val="tx1"/>
+          </a:fontRef>
+        </p:style>
+      </p:cxnSp>
+      <p:sp>
+        <p:nvSpPr>
+          <p:cNvPr id="31" name="Rectangle 30">
+            <a:extLst>
+              <a:ext uri="{FF2B5EF4-FFF2-40B4-BE49-F238E27FC236}">
+                <a16:creationId xmlns:a16="http://schemas.microsoft.com/office/drawing/2014/main" id="{308BD66C-C8CA-4406-882A-6A519880F7B6}"/>
+              </a:ext>
+            </a:extLst>
+          </p:cNvPr>
+          <p:cNvSpPr/>
+          <p:nvPr/>
+        </p:nvSpPr>
+        <p:spPr>
+          <a:xfrm>
+            <a:off x="652671" y="2956304"/>
+            <a:ext cx="108746" cy="91282"/>
+          </a:xfrm>
+          <a:prstGeom prst="rect">
+            <a:avLst/>
+          </a:prstGeom>
+        </p:spPr>
+        <p:style>
+          <a:lnRef idx="2">
+            <a:schemeClr val="accent1">
+              <a:shade val="50000"/>
+            </a:schemeClr>
+          </a:lnRef>
+          <a:fillRef idx="1">
+            <a:schemeClr val="accent1"/>
+          </a:fillRef>
+          <a:effectRef idx="0">
+            <a:schemeClr val="accent1"/>
+          </a:effectRef>
+          <a:fontRef idx="minor">
+            <a:schemeClr val="lt1"/>
+          </a:fontRef>
+        </p:style>
+        <p:txBody>
+          <a:bodyPr rtlCol="0" anchor="ctr"/>
+          <a:lstStyle/>
+          <a:p>
+            <a:pPr algn="ctr"/>
+            <a:endParaRPr lang="en-IN"/>
+          </a:p>
+        </p:txBody>
+      </p:sp>
+      <p:sp>
+        <p:nvSpPr>
+          <p:cNvPr id="67" name="Rectangle 66">
+            <a:extLst>
+              <a:ext uri="{FF2B5EF4-FFF2-40B4-BE49-F238E27FC236}">
+                <a16:creationId xmlns:a16="http://schemas.microsoft.com/office/drawing/2014/main" id="{F4B5E75D-5D56-4D7B-A938-07CC69B376DD}"/>
+              </a:ext>
+            </a:extLst>
+          </p:cNvPr>
+          <p:cNvSpPr/>
+          <p:nvPr/>
+        </p:nvSpPr>
+        <p:spPr>
+          <a:xfrm>
+            <a:off x="5474999" y="3346937"/>
+            <a:ext cx="438718" cy="545890"/>
+          </a:xfrm>
+          <a:prstGeom prst="rect">
+            <a:avLst/>
+          </a:prstGeom>
+          <a:solidFill>
+            <a:schemeClr val="bg1">
+              <a:lumMod val="65000"/>
+            </a:schemeClr>
+          </a:solidFill>
+        </p:spPr>
+        <p:style>
+          <a:lnRef idx="2">
+            <a:schemeClr val="accent1">
+              <a:shade val="50000"/>
+            </a:schemeClr>
+          </a:lnRef>
+          <a:fillRef idx="1">
+            <a:schemeClr val="accent1"/>
+          </a:fillRef>
+          <a:effectRef idx="0">
+            <a:schemeClr val="accent1"/>
+          </a:effectRef>
+          <a:fontRef idx="minor">
+            <a:schemeClr val="lt1"/>
+          </a:fontRef>
+        </p:style>
+        <p:txBody>
+          <a:bodyPr rtlCol="0" anchor="ctr"/>
+          <a:lstStyle/>
+          <a:p>
+            <a:pPr algn="ctr"/>
+            <a:r>
+              <a:rPr lang="en-IN" dirty="0"/>
+              <a:t>3</a:t>
+            </a:r>
+          </a:p>
+        </p:txBody>
+      </p:sp>
+      <p:sp>
+        <p:nvSpPr>
+          <p:cNvPr id="68" name="Rectangle 67">
+            <a:extLst>
+              <a:ext uri="{FF2B5EF4-FFF2-40B4-BE49-F238E27FC236}">
+                <a16:creationId xmlns:a16="http://schemas.microsoft.com/office/drawing/2014/main" id="{F2581D32-CCCB-4563-8BFF-3CB48F57456E}"/>
+              </a:ext>
+            </a:extLst>
+          </p:cNvPr>
+          <p:cNvSpPr/>
+          <p:nvPr/>
+        </p:nvSpPr>
+        <p:spPr>
+          <a:xfrm>
+            <a:off x="5008891" y="3338479"/>
+            <a:ext cx="438718" cy="545890"/>
+          </a:xfrm>
+          <a:prstGeom prst="rect">
+            <a:avLst/>
+          </a:prstGeom>
+          <a:solidFill>
+            <a:schemeClr val="bg1">
+              <a:lumMod val="65000"/>
+            </a:schemeClr>
+          </a:solidFill>
+        </p:spPr>
+        <p:style>
+          <a:lnRef idx="2">
+            <a:schemeClr val="accent1">
+              <a:shade val="50000"/>
+            </a:schemeClr>
+          </a:lnRef>
+          <a:fillRef idx="1">
+            <a:schemeClr val="accent1"/>
+          </a:fillRef>
+          <a:effectRef idx="0">
+            <a:schemeClr val="accent1"/>
+          </a:effectRef>
+          <a:fontRef idx="minor">
+            <a:schemeClr val="lt1"/>
+          </a:fontRef>
+        </p:style>
+        <p:txBody>
+          <a:bodyPr rtlCol="0" anchor="ctr"/>
+          <a:lstStyle/>
+          <a:p>
+            <a:pPr algn="ctr"/>
+            <a:r>
+              <a:rPr lang="en-IN" dirty="0"/>
+              <a:t>2</a:t>
+            </a:r>
+          </a:p>
+        </p:txBody>
+      </p:sp>
+      <p:sp>
+        <p:nvSpPr>
+          <p:cNvPr id="69" name="Rectangle 68">
+            <a:extLst>
+              <a:ext uri="{FF2B5EF4-FFF2-40B4-BE49-F238E27FC236}">
+                <a16:creationId xmlns:a16="http://schemas.microsoft.com/office/drawing/2014/main" id="{88EE2CB6-B709-4C5D-AB6E-B6B123B0DA10}"/>
+              </a:ext>
+            </a:extLst>
+          </p:cNvPr>
+          <p:cNvSpPr/>
+          <p:nvPr/>
+        </p:nvSpPr>
+        <p:spPr>
+          <a:xfrm>
+            <a:off x="4550565" y="3338479"/>
+            <a:ext cx="438718" cy="545890"/>
+          </a:xfrm>
+          <a:prstGeom prst="rect">
+            <a:avLst/>
+          </a:prstGeom>
+          <a:solidFill>
+            <a:schemeClr val="bg1">
+              <a:lumMod val="65000"/>
+            </a:schemeClr>
+          </a:solidFill>
+        </p:spPr>
+        <p:style>
+          <a:lnRef idx="2">
+            <a:schemeClr val="accent1">
+              <a:shade val="50000"/>
+            </a:schemeClr>
+          </a:lnRef>
+          <a:fillRef idx="1">
+            <a:schemeClr val="accent1"/>
+          </a:fillRef>
+          <a:effectRef idx="0">
+            <a:schemeClr val="accent1"/>
+          </a:effectRef>
+          <a:fontRef idx="minor">
+            <a:schemeClr val="lt1"/>
+          </a:fontRef>
+        </p:style>
+        <p:txBody>
+          <a:bodyPr rtlCol="0" anchor="ctr"/>
+          <a:lstStyle/>
+          <a:p>
+            <a:pPr algn="ctr"/>
+            <a:r>
+              <a:rPr lang="en-IN" dirty="0"/>
+              <a:t>1</a:t>
+            </a:r>
+          </a:p>
+        </p:txBody>
+      </p:sp>
+      <p:sp>
+        <p:nvSpPr>
+          <p:cNvPr id="70" name="Rectangle 69">
+            <a:extLst>
+              <a:ext uri="{FF2B5EF4-FFF2-40B4-BE49-F238E27FC236}">
+                <a16:creationId xmlns:a16="http://schemas.microsoft.com/office/drawing/2014/main" id="{3F167C36-C925-460D-82F2-7E3ECBC3E55A}"/>
+              </a:ext>
+            </a:extLst>
+          </p:cNvPr>
+          <p:cNvSpPr/>
+          <p:nvPr/>
+        </p:nvSpPr>
+        <p:spPr>
+          <a:xfrm>
+            <a:off x="3904272" y="3338479"/>
+            <a:ext cx="438718" cy="545890"/>
+          </a:xfrm>
+          <a:prstGeom prst="rect">
+            <a:avLst/>
+          </a:prstGeom>
+          <a:solidFill>
+            <a:schemeClr val="bg1">
+              <a:lumMod val="65000"/>
+            </a:schemeClr>
+          </a:solidFill>
+        </p:spPr>
+        <p:style>
+          <a:lnRef idx="2">
+            <a:schemeClr val="accent1">
+              <a:shade val="50000"/>
+            </a:schemeClr>
+          </a:lnRef>
+          <a:fillRef idx="1">
+            <a:schemeClr val="accent1"/>
+          </a:fillRef>
+          <a:effectRef idx="0">
+            <a:schemeClr val="accent1"/>
+          </a:effectRef>
+          <a:fontRef idx="minor">
+            <a:schemeClr val="lt1"/>
+          </a:fontRef>
+        </p:style>
+        <p:txBody>
+          <a:bodyPr rtlCol="0" anchor="ctr"/>
+          <a:lstStyle/>
+          <a:p>
+            <a:pPr algn="ctr"/>
+            <a:r>
+              <a:rPr lang="en-IN" dirty="0"/>
+              <a:t>ECU</a:t>
+            </a:r>
+          </a:p>
+        </p:txBody>
+      </p:sp>
+      <p:sp>
+        <p:nvSpPr>
+          <p:cNvPr id="71" name="Rectangle 70">
+            <a:extLst>
+              <a:ext uri="{FF2B5EF4-FFF2-40B4-BE49-F238E27FC236}">
+                <a16:creationId xmlns:a16="http://schemas.microsoft.com/office/drawing/2014/main" id="{B5351486-3AEA-462E-ABA8-F475115B074B}"/>
+              </a:ext>
+            </a:extLst>
+          </p:cNvPr>
+          <p:cNvSpPr/>
+          <p:nvPr/>
+        </p:nvSpPr>
+        <p:spPr>
+          <a:xfrm>
+            <a:off x="3445946" y="3338479"/>
+            <a:ext cx="438718" cy="545890"/>
+          </a:xfrm>
+          <a:prstGeom prst="rect">
+            <a:avLst/>
+          </a:prstGeom>
+          <a:solidFill>
+            <a:schemeClr val="bg1">
+              <a:lumMod val="65000"/>
+            </a:schemeClr>
+          </a:solidFill>
+        </p:spPr>
+        <p:style>
+          <a:lnRef idx="2">
+            <a:schemeClr val="accent1">
+              <a:shade val="50000"/>
+            </a:schemeClr>
+          </a:lnRef>
+          <a:fillRef idx="1">
+            <a:schemeClr val="accent1"/>
+          </a:fillRef>
+          <a:effectRef idx="0">
+            <a:schemeClr val="accent1"/>
+          </a:effectRef>
+          <a:fontRef idx="minor">
+            <a:schemeClr val="lt1"/>
+          </a:fontRef>
+        </p:style>
+        <p:txBody>
+          <a:bodyPr rtlCol="0" anchor="ctr"/>
+          <a:lstStyle/>
+          <a:p>
+            <a:pPr algn="ctr"/>
+            <a:r>
+              <a:rPr lang="en-IN" dirty="0"/>
+              <a:t>BSL</a:t>
+            </a:r>
+          </a:p>
+        </p:txBody>
+      </p:sp>
+      <p:cxnSp>
+        <p:nvCxnSpPr>
+          <p:cNvPr id="32" name="Straight Connector 31">
+            <a:extLst>
+              <a:ext uri="{FF2B5EF4-FFF2-40B4-BE49-F238E27FC236}">
+                <a16:creationId xmlns:a16="http://schemas.microsoft.com/office/drawing/2014/main" id="{1429AE19-BA41-463B-84C6-DA1280E4D76B}"/>
+              </a:ext>
+            </a:extLst>
+          </p:cNvPr>
+          <p:cNvCxnSpPr>
+            <a:cxnSpLocks/>
+          </p:cNvCxnSpPr>
+          <p:nvPr/>
+        </p:nvCxnSpPr>
+        <p:spPr>
+          <a:xfrm flipV="1">
+            <a:off x="5123695" y="2390775"/>
+            <a:ext cx="0" cy="982587"/>
+          </a:xfrm>
+          <a:prstGeom prst="line">
+            <a:avLst/>
+          </a:prstGeom>
+          <a:ln w="19050">
+            <a:solidFill>
+              <a:srgbClr val="FF0000"/>
+            </a:solidFill>
+          </a:ln>
+        </p:spPr>
+        <p:style>
+          <a:lnRef idx="1">
+            <a:schemeClr val="accent1"/>
+          </a:lnRef>
+          <a:fillRef idx="0">
+            <a:schemeClr val="accent1"/>
+          </a:fillRef>
+          <a:effectRef idx="0">
+            <a:schemeClr val="accent1"/>
+          </a:effectRef>
+          <a:fontRef idx="minor">
+            <a:schemeClr val="tx1"/>
+          </a:fontRef>
+        </p:style>
+      </p:cxnSp>
+      <p:cxnSp>
+        <p:nvCxnSpPr>
+          <p:cNvPr id="33" name="Straight Connector 32">
+            <a:extLst>
+              <a:ext uri="{FF2B5EF4-FFF2-40B4-BE49-F238E27FC236}">
+                <a16:creationId xmlns:a16="http://schemas.microsoft.com/office/drawing/2014/main" id="{8DE711A9-10AB-4700-9CC7-F7AD591987B1}"/>
+              </a:ext>
+            </a:extLst>
+          </p:cNvPr>
+          <p:cNvCxnSpPr>
+            <a:cxnSpLocks/>
+          </p:cNvCxnSpPr>
+          <p:nvPr/>
+        </p:nvCxnSpPr>
+        <p:spPr>
+          <a:xfrm flipH="1" flipV="1">
+            <a:off x="4227044" y="2390775"/>
+            <a:ext cx="887127" cy="8697"/>
+          </a:xfrm>
+          <a:prstGeom prst="line">
+            <a:avLst/>
+          </a:prstGeom>
+          <a:ln w="19050">
+            <a:solidFill>
+              <a:srgbClr val="FF0000"/>
+            </a:solidFill>
+          </a:ln>
+        </p:spPr>
+        <p:style>
+          <a:lnRef idx="1">
+            <a:schemeClr val="accent1"/>
+          </a:lnRef>
+          <a:fillRef idx="0">
+            <a:schemeClr val="accent1"/>
+          </a:fillRef>
+          <a:effectRef idx="0">
+            <a:schemeClr val="accent1"/>
+          </a:effectRef>
+          <a:fontRef idx="minor">
+            <a:schemeClr val="tx1"/>
+          </a:fontRef>
+        </p:style>
+      </p:cxnSp>
+      <p:cxnSp>
+        <p:nvCxnSpPr>
+          <p:cNvPr id="72" name="Straight Connector 71">
+            <a:extLst>
+              <a:ext uri="{FF2B5EF4-FFF2-40B4-BE49-F238E27FC236}">
+                <a16:creationId xmlns:a16="http://schemas.microsoft.com/office/drawing/2014/main" id="{3BB46920-6214-44CF-84D5-6253CC703965}"/>
+              </a:ext>
+            </a:extLst>
+          </p:cNvPr>
+          <p:cNvCxnSpPr>
+            <a:cxnSpLocks/>
+          </p:cNvCxnSpPr>
+          <p:nvPr/>
+        </p:nvCxnSpPr>
+        <p:spPr>
+          <a:xfrm flipV="1">
+            <a:off x="4227044" y="2390775"/>
+            <a:ext cx="0" cy="937632"/>
+          </a:xfrm>
+          <a:prstGeom prst="line">
+            <a:avLst/>
+          </a:prstGeom>
+          <a:ln w="19050">
+            <a:solidFill>
+              <a:srgbClr val="FF0000"/>
+            </a:solidFill>
+          </a:ln>
+        </p:spPr>
+        <p:style>
+          <a:lnRef idx="1">
+            <a:schemeClr val="accent1"/>
+          </a:lnRef>
+          <a:fillRef idx="0">
+            <a:schemeClr val="accent1"/>
+          </a:fillRef>
+          <a:effectRef idx="0">
+            <a:schemeClr val="accent1"/>
+          </a:effectRef>
+          <a:fontRef idx="minor">
+            <a:schemeClr val="tx1"/>
+          </a:fontRef>
+        </p:style>
+      </p:cxnSp>
+      <p:cxnSp>
+        <p:nvCxnSpPr>
+          <p:cNvPr id="38" name="Straight Connector 37">
+            <a:extLst>
+              <a:ext uri="{FF2B5EF4-FFF2-40B4-BE49-F238E27FC236}">
+                <a16:creationId xmlns:a16="http://schemas.microsoft.com/office/drawing/2014/main" id="{D8F4BF7C-E227-4246-95DE-74069356B08B}"/>
+              </a:ext>
+            </a:extLst>
+          </p:cNvPr>
+          <p:cNvCxnSpPr>
+            <a:cxnSpLocks/>
+          </p:cNvCxnSpPr>
+          <p:nvPr/>
+        </p:nvCxnSpPr>
+        <p:spPr>
+          <a:xfrm flipH="1" flipV="1">
+            <a:off x="5180387" y="2323959"/>
+            <a:ext cx="9068" cy="1026309"/>
+          </a:xfrm>
+          <a:prstGeom prst="line">
+            <a:avLst/>
+          </a:prstGeom>
+          <a:ln w="19050">
+            <a:solidFill>
+              <a:srgbClr val="006780"/>
+            </a:solidFill>
+          </a:ln>
+        </p:spPr>
+        <p:style>
+          <a:lnRef idx="1">
+            <a:schemeClr val="accent1"/>
+          </a:lnRef>
+          <a:fillRef idx="0">
+            <a:schemeClr val="accent1"/>
+          </a:fillRef>
+          <a:effectRef idx="0">
+            <a:schemeClr val="accent1"/>
+          </a:effectRef>
+          <a:fontRef idx="minor">
+            <a:schemeClr val="tx1"/>
+          </a:fontRef>
+        </p:style>
+      </p:cxnSp>
+      <p:cxnSp>
+        <p:nvCxnSpPr>
+          <p:cNvPr id="42" name="Straight Connector 41">
+            <a:extLst>
+              <a:ext uri="{FF2B5EF4-FFF2-40B4-BE49-F238E27FC236}">
+                <a16:creationId xmlns:a16="http://schemas.microsoft.com/office/drawing/2014/main" id="{D34D9FA9-1EDC-4B60-95AB-205F00D71137}"/>
+              </a:ext>
+            </a:extLst>
+          </p:cNvPr>
+          <p:cNvCxnSpPr>
+            <a:cxnSpLocks/>
+          </p:cNvCxnSpPr>
+          <p:nvPr/>
+        </p:nvCxnSpPr>
+        <p:spPr>
+          <a:xfrm>
+            <a:off x="4166813" y="2323959"/>
+            <a:ext cx="1006784" cy="9384"/>
+          </a:xfrm>
+          <a:prstGeom prst="line">
+            <a:avLst/>
+          </a:prstGeom>
+          <a:ln w="19050">
+            <a:solidFill>
+              <a:srgbClr val="006780"/>
+            </a:solidFill>
+          </a:ln>
+        </p:spPr>
+        <p:style>
+          <a:lnRef idx="1">
+            <a:schemeClr val="accent1"/>
+          </a:lnRef>
+          <a:fillRef idx="0">
+            <a:schemeClr val="accent1"/>
+          </a:fillRef>
+          <a:effectRef idx="0">
+            <a:schemeClr val="accent1"/>
+          </a:effectRef>
+          <a:fontRef idx="minor">
+            <a:schemeClr val="tx1"/>
+          </a:fontRef>
+        </p:style>
+      </p:cxnSp>
+      <p:cxnSp>
+        <p:nvCxnSpPr>
+          <p:cNvPr id="73" name="Straight Connector 72">
+            <a:extLst>
+              <a:ext uri="{FF2B5EF4-FFF2-40B4-BE49-F238E27FC236}">
+                <a16:creationId xmlns:a16="http://schemas.microsoft.com/office/drawing/2014/main" id="{D269046B-D4CC-47EE-92E4-C7B503CE4D2A}"/>
+              </a:ext>
+            </a:extLst>
+          </p:cNvPr>
+          <p:cNvCxnSpPr>
+            <a:cxnSpLocks/>
+          </p:cNvCxnSpPr>
+          <p:nvPr/>
+        </p:nvCxnSpPr>
+        <p:spPr>
+          <a:xfrm flipH="1" flipV="1">
+            <a:off x="4142194" y="2312165"/>
+            <a:ext cx="9068" cy="1026309"/>
+          </a:xfrm>
+          <a:prstGeom prst="line">
+            <a:avLst/>
+          </a:prstGeom>
+          <a:ln w="19050">
+            <a:solidFill>
+              <a:srgbClr val="006780"/>
+            </a:solidFill>
+          </a:ln>
+        </p:spPr>
+        <p:style>
+          <a:lnRef idx="1">
+            <a:schemeClr val="accent1"/>
+          </a:lnRef>
+          <a:fillRef idx="0">
+            <a:schemeClr val="accent1"/>
+          </a:fillRef>
+          <a:effectRef idx="0">
+            <a:schemeClr val="accent1"/>
+          </a:effectRef>
+          <a:fontRef idx="minor">
+            <a:schemeClr val="tx1"/>
+          </a:fontRef>
+        </p:style>
+      </p:cxnSp>
+      <p:cxnSp>
+        <p:nvCxnSpPr>
+          <p:cNvPr id="74" name="Straight Connector 73">
+            <a:extLst>
+              <a:ext uri="{FF2B5EF4-FFF2-40B4-BE49-F238E27FC236}">
+                <a16:creationId xmlns:a16="http://schemas.microsoft.com/office/drawing/2014/main" id="{087FC94C-7A19-483F-9F91-6857CE819AC8}"/>
+              </a:ext>
+            </a:extLst>
+          </p:cNvPr>
+          <p:cNvCxnSpPr>
+            <a:cxnSpLocks/>
+          </p:cNvCxnSpPr>
+          <p:nvPr/>
+        </p:nvCxnSpPr>
+        <p:spPr>
+          <a:xfrm flipH="1" flipV="1">
+            <a:off x="3978582" y="2333343"/>
+            <a:ext cx="248463" cy="995064"/>
+          </a:xfrm>
+          <a:prstGeom prst="line">
+            <a:avLst/>
+          </a:prstGeom>
+          <a:ln w="19050">
+            <a:solidFill>
+              <a:srgbClr val="FF0000"/>
+            </a:solidFill>
+          </a:ln>
+        </p:spPr>
+        <p:style>
+          <a:lnRef idx="1">
+            <a:schemeClr val="accent1"/>
+          </a:lnRef>
+          <a:fillRef idx="0">
+            <a:schemeClr val="accent1"/>
+          </a:fillRef>
+          <a:effectRef idx="0">
+            <a:schemeClr val="accent1"/>
+          </a:effectRef>
+          <a:fontRef idx="minor">
+            <a:schemeClr val="tx1"/>
+          </a:fontRef>
+        </p:style>
+      </p:cxnSp>
     </p:spTree>
     <p:extLst>
       <p:ext uri="{BB962C8B-B14F-4D97-AF65-F5344CB8AC3E}">
@@ -32522,18 +32845,18 @@
 </file>
 
 <file path=customXml/item1.xml><?xml version="1.0" encoding="utf-8"?>
+<p:properties xmlns:p="http://schemas.microsoft.com/office/2006/metadata/properties" xmlns:xsi="http://www.w3.org/2001/XMLSchema-instance" xmlns:pc="http://schemas.microsoft.com/office/infopath/2007/PartnerControls">
+  <documentManagement/>
+</p:properties>
+</file>
+
+<file path=customXml/item2.xml><?xml version="1.0" encoding="utf-8"?>
 <?mso-contentType ?>
 <FormTemplates xmlns="http://schemas.microsoft.com/sharepoint/v3/contenttype/forms">
   <Display>DocumentLibraryForm</Display>
   <Edit>DocumentLibraryForm</Edit>
   <New>DocumentLibraryForm</New>
 </FormTemplates>
-</file>
-
-<file path=customXml/item2.xml><?xml version="1.0" encoding="utf-8"?>
-<p:properties xmlns:p="http://schemas.microsoft.com/office/2006/metadata/properties" xmlns:xsi="http://www.w3.org/2001/XMLSchema-instance" xmlns:pc="http://schemas.microsoft.com/office/infopath/2007/PartnerControls">
-  <documentManagement/>
-</p:properties>
 </file>
 
 <file path=customXml/item3.xml><?xml version="1.0" encoding="utf-8"?>
@@ -32695,14 +33018,6 @@
 </file>
 
 <file path=customXml/itemProps1.xml><?xml version="1.0" encoding="utf-8"?>
-<ds:datastoreItem xmlns:ds="http://schemas.openxmlformats.org/officeDocument/2006/customXml" ds:itemID="{6C470955-1F45-4EAC-A3A2-014BDA6FD5F4}">
-  <ds:schemaRefs>
-    <ds:schemaRef ds:uri="http://schemas.microsoft.com/sharepoint/v3/contenttype/forms"/>
-  </ds:schemaRefs>
-</ds:datastoreItem>
-</file>
-
-<file path=customXml/itemProps2.xml><?xml version="1.0" encoding="utf-8"?>
 <ds:datastoreItem xmlns:ds="http://schemas.openxmlformats.org/officeDocument/2006/customXml" ds:itemID="{53335273-53AE-4386-86F4-E2DF45A5B377}">
   <ds:schemaRefs>
     <ds:schemaRef ds:uri="1772c744-c7b3-4094-9438-216b2f8fecc4"/>
@@ -32714,6 +33029,14 @@
     <ds:schemaRef ds:uri="http://purl.org/dc/terms/"/>
     <ds:schemaRef ds:uri="http://schemas.openxmlformats.org/package/2006/metadata/core-properties"/>
     <ds:schemaRef ds:uri="http://schemas.microsoft.com/office/2006/metadata/properties"/>
+  </ds:schemaRefs>
+</ds:datastoreItem>
+</file>
+
+<file path=customXml/itemProps2.xml><?xml version="1.0" encoding="utf-8"?>
+<ds:datastoreItem xmlns:ds="http://schemas.openxmlformats.org/officeDocument/2006/customXml" ds:itemID="{6C470955-1F45-4EAC-A3A2-014BDA6FD5F4}">
+  <ds:schemaRefs>
+    <ds:schemaRef ds:uri="http://schemas.microsoft.com/sharepoint/v3/contenttype/forms"/>
   </ds:schemaRefs>
 </ds:datastoreItem>
 </file>
